--- a/presentation.pptx
+++ b/presentation.pptx
@@ -4,6 +4,12 @@
   <p:sldMasterIdLst>
     <p:sldMasterId id="2147483648" r:id="rId1"/>
   </p:sldMasterIdLst>
+  <p:notesMasterIdLst>
+    <p:notesMasterId r:id="rId34"/>
+  </p:notesMasterIdLst>
+  <p:handoutMasterIdLst>
+    <p:handoutMasterId r:id="rId35"/>
+  </p:handoutMasterIdLst>
   <p:sldIdLst>
     <p:sldId id="256" r:id="rId2"/>
     <p:sldId id="257" r:id="rId3"/>
@@ -143,6 +149,552 @@
 </p:presentation>
 </file>
 
+<file path=ppt/handoutMasters/handoutMaster1.xml><?xml version="1.0" encoding="utf-8"?>
+<p:handoutMaster xmlns:a="http://schemas.openxmlformats.org/drawingml/2006/main" xmlns:r="http://schemas.openxmlformats.org/officeDocument/2006/relationships" xmlns:p="http://schemas.openxmlformats.org/presentationml/2006/main">
+  <p:cSld>
+    <p:bg>
+      <p:bgRef idx="1001">
+        <a:schemeClr val="bg1"/>
+      </p:bgRef>
+    </p:bg>
+    <p:spTree>
+      <p:nvGrpSpPr>
+        <p:cNvPr id="1" name=""/>
+        <p:cNvGrpSpPr/>
+        <p:nvPr/>
+      </p:nvGrpSpPr>
+      <p:grpSpPr>
+        <a:xfrm>
+          <a:off x="0" y="0"/>
+          <a:ext cx="0" cy="0"/>
+          <a:chOff x="0" y="0"/>
+          <a:chExt cx="0" cy="0"/>
+        </a:xfrm>
+      </p:grpSpPr>
+      <p:sp>
+        <p:nvSpPr>
+          <p:cNvPr id="2" name="Header Placeholder 1">
+            <a:extLst>
+              <a:ext uri="{FF2B5EF4-FFF2-40B4-BE49-F238E27FC236}">
+                <a16:creationId xmlns:a16="http://schemas.microsoft.com/office/drawing/2014/main" id="{8A3E2095-E9D2-9542-B1E5-7A539510655C}"/>
+              </a:ext>
+            </a:extLst>
+          </p:cNvPr>
+          <p:cNvSpPr>
+            <a:spLocks noGrp="1"/>
+          </p:cNvSpPr>
+          <p:nvPr>
+            <p:ph type="hdr" sz="quarter"/>
+          </p:nvPr>
+        </p:nvSpPr>
+        <p:spPr>
+          <a:xfrm>
+            <a:off x="0" y="0"/>
+            <a:ext cx="2971800" cy="458788"/>
+          </a:xfrm>
+          <a:prstGeom prst="rect">
+            <a:avLst/>
+          </a:prstGeom>
+        </p:spPr>
+        <p:txBody>
+          <a:bodyPr vert="horz" lIns="91440" tIns="45720" rIns="91440" bIns="45720" rtlCol="0"/>
+          <a:lstStyle>
+            <a:lvl1pPr algn="l">
+              <a:defRPr sz="1200"/>
+            </a:lvl1pPr>
+          </a:lstStyle>
+          <a:p>
+            <a:r>
+              <a:rPr lang="en-US"/>
+              <a:t>LA-UR-11-1111</a:t>
+            </a:r>
+          </a:p>
+        </p:txBody>
+      </p:sp>
+      <p:sp>
+        <p:nvSpPr>
+          <p:cNvPr id="3" name="Date Placeholder 2">
+            <a:extLst>
+              <a:ext uri="{FF2B5EF4-FFF2-40B4-BE49-F238E27FC236}">
+                <a16:creationId xmlns:a16="http://schemas.microsoft.com/office/drawing/2014/main" id="{9B42C78D-7C36-B44D-806F-750430AB01CD}"/>
+              </a:ext>
+            </a:extLst>
+          </p:cNvPr>
+          <p:cNvSpPr>
+            <a:spLocks noGrp="1"/>
+          </p:cNvSpPr>
+          <p:nvPr>
+            <p:ph type="dt" sz="quarter" idx="1"/>
+          </p:nvPr>
+        </p:nvSpPr>
+        <p:spPr>
+          <a:xfrm>
+            <a:off x="3884613" y="0"/>
+            <a:ext cx="2971800" cy="458788"/>
+          </a:xfrm>
+          <a:prstGeom prst="rect">
+            <a:avLst/>
+          </a:prstGeom>
+        </p:spPr>
+        <p:txBody>
+          <a:bodyPr vert="horz" lIns="91440" tIns="45720" rIns="91440" bIns="45720" rtlCol="0"/>
+          <a:lstStyle>
+            <a:lvl1pPr algn="r">
+              <a:defRPr sz="1200"/>
+            </a:lvl1pPr>
+          </a:lstStyle>
+          <a:p>
+            <a:fld id="{027B0511-7C57-A649-9B1E-F6B4AF548419}" type="datetimeFigureOut">
+              <a:rPr lang="en-US" smtClean="0"/>
+              <a:t>5/6/19</a:t>
+            </a:fld>
+            <a:endParaRPr lang="en-US"/>
+          </a:p>
+        </p:txBody>
+      </p:sp>
+      <p:sp>
+        <p:nvSpPr>
+          <p:cNvPr id="4" name="Footer Placeholder 3">
+            <a:extLst>
+              <a:ext uri="{FF2B5EF4-FFF2-40B4-BE49-F238E27FC236}">
+                <a16:creationId xmlns:a16="http://schemas.microsoft.com/office/drawing/2014/main" id="{E6B52D36-00CE-DD48-951A-2372DF0B78D9}"/>
+              </a:ext>
+            </a:extLst>
+          </p:cNvPr>
+          <p:cNvSpPr>
+            <a:spLocks noGrp="1"/>
+          </p:cNvSpPr>
+          <p:nvPr>
+            <p:ph type="ftr" sz="quarter" idx="2"/>
+          </p:nvPr>
+        </p:nvSpPr>
+        <p:spPr>
+          <a:xfrm>
+            <a:off x="0" y="8685213"/>
+            <a:ext cx="2971800" cy="458787"/>
+          </a:xfrm>
+          <a:prstGeom prst="rect">
+            <a:avLst/>
+          </a:prstGeom>
+        </p:spPr>
+        <p:txBody>
+          <a:bodyPr vert="horz" lIns="91440" tIns="45720" rIns="91440" bIns="45720" rtlCol="0" anchor="b"/>
+          <a:lstStyle>
+            <a:lvl1pPr algn="l">
+              <a:defRPr sz="1200"/>
+            </a:lvl1pPr>
+          </a:lstStyle>
+          <a:p>
+            <a:endParaRPr lang="en-US"/>
+          </a:p>
+        </p:txBody>
+      </p:sp>
+      <p:sp>
+        <p:nvSpPr>
+          <p:cNvPr id="5" name="Slide Number Placeholder 4">
+            <a:extLst>
+              <a:ext uri="{FF2B5EF4-FFF2-40B4-BE49-F238E27FC236}">
+                <a16:creationId xmlns:a16="http://schemas.microsoft.com/office/drawing/2014/main" id="{AA49ECE6-847F-1D49-9081-B0398F7BB714}"/>
+              </a:ext>
+            </a:extLst>
+          </p:cNvPr>
+          <p:cNvSpPr>
+            <a:spLocks noGrp="1"/>
+          </p:cNvSpPr>
+          <p:nvPr>
+            <p:ph type="sldNum" sz="quarter" idx="3"/>
+          </p:nvPr>
+        </p:nvSpPr>
+        <p:spPr>
+          <a:xfrm>
+            <a:off x="3884613" y="8685213"/>
+            <a:ext cx="2971800" cy="458787"/>
+          </a:xfrm>
+          <a:prstGeom prst="rect">
+            <a:avLst/>
+          </a:prstGeom>
+        </p:spPr>
+        <p:txBody>
+          <a:bodyPr vert="horz" lIns="91440" tIns="45720" rIns="91440" bIns="45720" rtlCol="0" anchor="b"/>
+          <a:lstStyle>
+            <a:lvl1pPr algn="r">
+              <a:defRPr sz="1200"/>
+            </a:lvl1pPr>
+          </a:lstStyle>
+          <a:p>
+            <a:fld id="{5A4F43B0-F5D8-5A4E-AF85-8B7ED0733F49}" type="slidenum">
+              <a:rPr lang="en-US" smtClean="0"/>
+              <a:t>‹#›</a:t>
+            </a:fld>
+            <a:endParaRPr lang="en-US"/>
+          </a:p>
+        </p:txBody>
+      </p:sp>
+    </p:spTree>
+    <p:extLst>
+      <p:ext uri="{BB962C8B-B14F-4D97-AF65-F5344CB8AC3E}">
+        <p14:creationId xmlns:p14="http://schemas.microsoft.com/office/powerpoint/2010/main" val="2755476974"/>
+      </p:ext>
+    </p:extLst>
+  </p:cSld>
+  <p:clrMap bg1="lt1" tx1="dk1" bg2="lt2" tx2="dk2" accent1="accent1" accent2="accent2" accent3="accent3" accent4="accent4" accent5="accent5" accent6="accent6" hlink="hlink" folHlink="folHlink"/>
+  <p:hf hdr="0" ftr="0" dt="0"/>
+</p:handoutMaster>
+</file>
+
+<file path=ppt/notesMasters/notesMaster1.xml><?xml version="1.0" encoding="utf-8"?>
+<p:notesMaster xmlns:a="http://schemas.openxmlformats.org/drawingml/2006/main" xmlns:r="http://schemas.openxmlformats.org/officeDocument/2006/relationships" xmlns:p="http://schemas.openxmlformats.org/presentationml/2006/main">
+  <p:cSld>
+    <p:bg>
+      <p:bgRef idx="1001">
+        <a:schemeClr val="bg1"/>
+      </p:bgRef>
+    </p:bg>
+    <p:spTree>
+      <p:nvGrpSpPr>
+        <p:cNvPr id="1" name=""/>
+        <p:cNvGrpSpPr/>
+        <p:nvPr/>
+      </p:nvGrpSpPr>
+      <p:grpSpPr>
+        <a:xfrm>
+          <a:off x="0" y="0"/>
+          <a:ext cx="0" cy="0"/>
+          <a:chOff x="0" y="0"/>
+          <a:chExt cx="0" cy="0"/>
+        </a:xfrm>
+      </p:grpSpPr>
+      <p:sp>
+        <p:nvSpPr>
+          <p:cNvPr id="2" name="Header Placeholder 1"/>
+          <p:cNvSpPr>
+            <a:spLocks noGrp="1"/>
+          </p:cNvSpPr>
+          <p:nvPr>
+            <p:ph type="hdr" sz="quarter"/>
+          </p:nvPr>
+        </p:nvSpPr>
+        <p:spPr>
+          <a:xfrm>
+            <a:off x="0" y="0"/>
+            <a:ext cx="2971800" cy="458788"/>
+          </a:xfrm>
+          <a:prstGeom prst="rect">
+            <a:avLst/>
+          </a:prstGeom>
+        </p:spPr>
+        <p:txBody>
+          <a:bodyPr vert="horz" lIns="91440" tIns="45720" rIns="91440" bIns="45720" rtlCol="0"/>
+          <a:lstStyle>
+            <a:lvl1pPr algn="l">
+              <a:defRPr sz="1200"/>
+            </a:lvl1pPr>
+          </a:lstStyle>
+          <a:p>
+            <a:r>
+              <a:rPr lang="en-US"/>
+              <a:t>LA-UR-11-1111</a:t>
+            </a:r>
+          </a:p>
+        </p:txBody>
+      </p:sp>
+      <p:sp>
+        <p:nvSpPr>
+          <p:cNvPr id="3" name="Date Placeholder 2"/>
+          <p:cNvSpPr>
+            <a:spLocks noGrp="1"/>
+          </p:cNvSpPr>
+          <p:nvPr>
+            <p:ph type="dt" idx="1"/>
+          </p:nvPr>
+        </p:nvSpPr>
+        <p:spPr>
+          <a:xfrm>
+            <a:off x="3884613" y="0"/>
+            <a:ext cx="2971800" cy="458788"/>
+          </a:xfrm>
+          <a:prstGeom prst="rect">
+            <a:avLst/>
+          </a:prstGeom>
+        </p:spPr>
+        <p:txBody>
+          <a:bodyPr vert="horz" lIns="91440" tIns="45720" rIns="91440" bIns="45720" rtlCol="0"/>
+          <a:lstStyle>
+            <a:lvl1pPr algn="r">
+              <a:defRPr sz="1200"/>
+            </a:lvl1pPr>
+          </a:lstStyle>
+          <a:p>
+            <a:fld id="{635D235B-18E0-FD4C-BFE6-71E332FE9977}" type="datetimeFigureOut">
+              <a:rPr lang="en-US" smtClean="0"/>
+              <a:t>5/6/19</a:t>
+            </a:fld>
+            <a:endParaRPr lang="en-US"/>
+          </a:p>
+        </p:txBody>
+      </p:sp>
+      <p:sp>
+        <p:nvSpPr>
+          <p:cNvPr id="4" name="Slide Image Placeholder 3"/>
+          <p:cNvSpPr>
+            <a:spLocks noGrp="1" noRot="1" noChangeAspect="1"/>
+          </p:cNvSpPr>
+          <p:nvPr>
+            <p:ph type="sldImg" idx="2"/>
+          </p:nvPr>
+        </p:nvSpPr>
+        <p:spPr>
+          <a:xfrm>
+            <a:off x="685800" y="1143000"/>
+            <a:ext cx="5486400" cy="3086100"/>
+          </a:xfrm>
+          <a:prstGeom prst="rect">
+            <a:avLst/>
+          </a:prstGeom>
+          <a:noFill/>
+          <a:ln w="12700">
+            <a:solidFill>
+              <a:prstClr val="black"/>
+            </a:solidFill>
+          </a:ln>
+        </p:spPr>
+        <p:txBody>
+          <a:bodyPr vert="horz" lIns="91440" tIns="45720" rIns="91440" bIns="45720" rtlCol="0" anchor="ctr"/>
+          <a:lstStyle/>
+          <a:p>
+            <a:endParaRPr lang="en-US"/>
+          </a:p>
+        </p:txBody>
+      </p:sp>
+      <p:sp>
+        <p:nvSpPr>
+          <p:cNvPr id="5" name="Notes Placeholder 4"/>
+          <p:cNvSpPr>
+            <a:spLocks noGrp="1"/>
+          </p:cNvSpPr>
+          <p:nvPr>
+            <p:ph type="body" sz="quarter" idx="3"/>
+          </p:nvPr>
+        </p:nvSpPr>
+        <p:spPr>
+          <a:xfrm>
+            <a:off x="685800" y="4400550"/>
+            <a:ext cx="5486400" cy="3600450"/>
+          </a:xfrm>
+          <a:prstGeom prst="rect">
+            <a:avLst/>
+          </a:prstGeom>
+        </p:spPr>
+        <p:txBody>
+          <a:bodyPr vert="horz" lIns="91440" tIns="45720" rIns="91440" bIns="45720" rtlCol="0"/>
+          <a:lstStyle/>
+          <a:p>
+            <a:pPr lvl="0"/>
+            <a:r>
+              <a:rPr lang="en-US"/>
+              <a:t>Click to edit Master text styles</a:t>
+            </a:r>
+          </a:p>
+          <a:p>
+            <a:pPr lvl="1"/>
+            <a:r>
+              <a:rPr lang="en-US"/>
+              <a:t>Second level</a:t>
+            </a:r>
+          </a:p>
+          <a:p>
+            <a:pPr lvl="2"/>
+            <a:r>
+              <a:rPr lang="en-US"/>
+              <a:t>Third level</a:t>
+            </a:r>
+          </a:p>
+          <a:p>
+            <a:pPr lvl="3"/>
+            <a:r>
+              <a:rPr lang="en-US"/>
+              <a:t>Fourth level</a:t>
+            </a:r>
+          </a:p>
+          <a:p>
+            <a:pPr lvl="4"/>
+            <a:r>
+              <a:rPr lang="en-US"/>
+              <a:t>Fifth level</a:t>
+            </a:r>
+          </a:p>
+        </p:txBody>
+      </p:sp>
+      <p:sp>
+        <p:nvSpPr>
+          <p:cNvPr id="6" name="Footer Placeholder 5"/>
+          <p:cNvSpPr>
+            <a:spLocks noGrp="1"/>
+          </p:cNvSpPr>
+          <p:nvPr>
+            <p:ph type="ftr" sz="quarter" idx="4"/>
+          </p:nvPr>
+        </p:nvSpPr>
+        <p:spPr>
+          <a:xfrm>
+            <a:off x="0" y="8685213"/>
+            <a:ext cx="2971800" cy="458787"/>
+          </a:xfrm>
+          <a:prstGeom prst="rect">
+            <a:avLst/>
+          </a:prstGeom>
+        </p:spPr>
+        <p:txBody>
+          <a:bodyPr vert="horz" lIns="91440" tIns="45720" rIns="91440" bIns="45720" rtlCol="0" anchor="b"/>
+          <a:lstStyle>
+            <a:lvl1pPr algn="l">
+              <a:defRPr sz="1200"/>
+            </a:lvl1pPr>
+          </a:lstStyle>
+          <a:p>
+            <a:endParaRPr lang="en-US"/>
+          </a:p>
+        </p:txBody>
+      </p:sp>
+      <p:sp>
+        <p:nvSpPr>
+          <p:cNvPr id="7" name="Slide Number Placeholder 6"/>
+          <p:cNvSpPr>
+            <a:spLocks noGrp="1"/>
+          </p:cNvSpPr>
+          <p:nvPr>
+            <p:ph type="sldNum" sz="quarter" idx="5"/>
+          </p:nvPr>
+        </p:nvSpPr>
+        <p:spPr>
+          <a:xfrm>
+            <a:off x="3884613" y="8685213"/>
+            <a:ext cx="2971800" cy="458787"/>
+          </a:xfrm>
+          <a:prstGeom prst="rect">
+            <a:avLst/>
+          </a:prstGeom>
+        </p:spPr>
+        <p:txBody>
+          <a:bodyPr vert="horz" lIns="91440" tIns="45720" rIns="91440" bIns="45720" rtlCol="0" anchor="b"/>
+          <a:lstStyle>
+            <a:lvl1pPr algn="r">
+              <a:defRPr sz="1200"/>
+            </a:lvl1pPr>
+          </a:lstStyle>
+          <a:p>
+            <a:fld id="{DC610863-6A8F-D540-9BD9-139F68DEBAD2}" type="slidenum">
+              <a:rPr lang="en-US" smtClean="0"/>
+              <a:t>‹#›</a:t>
+            </a:fld>
+            <a:endParaRPr lang="en-US"/>
+          </a:p>
+        </p:txBody>
+      </p:sp>
+    </p:spTree>
+    <p:extLst>
+      <p:ext uri="{BB962C8B-B14F-4D97-AF65-F5344CB8AC3E}">
+        <p14:creationId xmlns:p14="http://schemas.microsoft.com/office/powerpoint/2010/main" val="2512248928"/>
+      </p:ext>
+    </p:extLst>
+  </p:cSld>
+  <p:clrMap bg1="lt1" tx1="dk1" bg2="lt2" tx2="dk2" accent1="accent1" accent2="accent2" accent3="accent3" accent4="accent4" accent5="accent5" accent6="accent6" hlink="hlink" folHlink="folHlink"/>
+  <p:hf hdr="0" ftr="0" dt="0"/>
+  <p:notesStyle>
+    <a:lvl1pPr marL="0" algn="l" defTabSz="914400" rtl="0" eaLnBrk="1" latinLnBrk="0" hangingPunct="1">
+      <a:defRPr sz="1200" kern="1200">
+        <a:solidFill>
+          <a:schemeClr val="tx1"/>
+        </a:solidFill>
+        <a:latin typeface="+mn-lt"/>
+        <a:ea typeface="+mn-ea"/>
+        <a:cs typeface="+mn-cs"/>
+      </a:defRPr>
+    </a:lvl1pPr>
+    <a:lvl2pPr marL="457200" algn="l" defTabSz="914400" rtl="0" eaLnBrk="1" latinLnBrk="0" hangingPunct="1">
+      <a:defRPr sz="1200" kern="1200">
+        <a:solidFill>
+          <a:schemeClr val="tx1"/>
+        </a:solidFill>
+        <a:latin typeface="+mn-lt"/>
+        <a:ea typeface="+mn-ea"/>
+        <a:cs typeface="+mn-cs"/>
+      </a:defRPr>
+    </a:lvl2pPr>
+    <a:lvl3pPr marL="914400" algn="l" defTabSz="914400" rtl="0" eaLnBrk="1" latinLnBrk="0" hangingPunct="1">
+      <a:defRPr sz="1200" kern="1200">
+        <a:solidFill>
+          <a:schemeClr val="tx1"/>
+        </a:solidFill>
+        <a:latin typeface="+mn-lt"/>
+        <a:ea typeface="+mn-ea"/>
+        <a:cs typeface="+mn-cs"/>
+      </a:defRPr>
+    </a:lvl3pPr>
+    <a:lvl4pPr marL="1371600" algn="l" defTabSz="914400" rtl="0" eaLnBrk="1" latinLnBrk="0" hangingPunct="1">
+      <a:defRPr sz="1200" kern="1200">
+        <a:solidFill>
+          <a:schemeClr val="tx1"/>
+        </a:solidFill>
+        <a:latin typeface="+mn-lt"/>
+        <a:ea typeface="+mn-ea"/>
+        <a:cs typeface="+mn-cs"/>
+      </a:defRPr>
+    </a:lvl4pPr>
+    <a:lvl5pPr marL="1828800" algn="l" defTabSz="914400" rtl="0" eaLnBrk="1" latinLnBrk="0" hangingPunct="1">
+      <a:defRPr sz="1200" kern="1200">
+        <a:solidFill>
+          <a:schemeClr val="tx1"/>
+        </a:solidFill>
+        <a:latin typeface="+mn-lt"/>
+        <a:ea typeface="+mn-ea"/>
+        <a:cs typeface="+mn-cs"/>
+      </a:defRPr>
+    </a:lvl5pPr>
+    <a:lvl6pPr marL="2286000" algn="l" defTabSz="914400" rtl="0" eaLnBrk="1" latinLnBrk="0" hangingPunct="1">
+      <a:defRPr sz="1200" kern="1200">
+        <a:solidFill>
+          <a:schemeClr val="tx1"/>
+        </a:solidFill>
+        <a:latin typeface="+mn-lt"/>
+        <a:ea typeface="+mn-ea"/>
+        <a:cs typeface="+mn-cs"/>
+      </a:defRPr>
+    </a:lvl6pPr>
+    <a:lvl7pPr marL="2743200" algn="l" defTabSz="914400" rtl="0" eaLnBrk="1" latinLnBrk="0" hangingPunct="1">
+      <a:defRPr sz="1200" kern="1200">
+        <a:solidFill>
+          <a:schemeClr val="tx1"/>
+        </a:solidFill>
+        <a:latin typeface="+mn-lt"/>
+        <a:ea typeface="+mn-ea"/>
+        <a:cs typeface="+mn-cs"/>
+      </a:defRPr>
+    </a:lvl7pPr>
+    <a:lvl8pPr marL="3200400" algn="l" defTabSz="914400" rtl="0" eaLnBrk="1" latinLnBrk="0" hangingPunct="1">
+      <a:defRPr sz="1200" kern="1200">
+        <a:solidFill>
+          <a:schemeClr val="tx1"/>
+        </a:solidFill>
+        <a:latin typeface="+mn-lt"/>
+        <a:ea typeface="+mn-ea"/>
+        <a:cs typeface="+mn-cs"/>
+      </a:defRPr>
+    </a:lvl8pPr>
+    <a:lvl9pPr marL="3657600" algn="l" defTabSz="914400" rtl="0" eaLnBrk="1" latinLnBrk="0" hangingPunct="1">
+      <a:defRPr sz="1200" kern="1200">
+        <a:solidFill>
+          <a:schemeClr val="tx1"/>
+        </a:solidFill>
+        <a:latin typeface="+mn-lt"/>
+        <a:ea typeface="+mn-ea"/>
+        <a:cs typeface="+mn-cs"/>
+      </a:defRPr>
+    </a:lvl9pPr>
+  </p:notesStyle>
+</p:notesMaster>
+</file>
+
 <file path=ppt/slideLayouts/slideLayout1.xml><?xml version="1.0" encoding="utf-8"?>
 <p:sldLayout xmlns:a="http://schemas.openxmlformats.org/drawingml/2006/main" xmlns:r="http://schemas.openxmlformats.org/officeDocument/2006/relationships" xmlns:p="http://schemas.openxmlformats.org/presentationml/2006/main" showMasterSp="0" type="title" preserve="1">
   <p:cSld name="Title Slide">
@@ -200,7 +752,7 @@
           <a:noFill/>
           <a:extLst>
             <a:ext uri="{909E8E84-426E-40dd-AFC4-6F175D3DCCD1}">
-              <a14:hiddenFill xmlns:a14="http://schemas.microsoft.com/office/drawing/2010/main" xmlns="">
+              <a14:hiddenFill xmlns="" xmlns:a14="http://schemas.microsoft.com/office/drawing/2010/main">
                 <a:solidFill>
                   <a:srgbClr val="FFFFFF"/>
                 </a:solidFill>
@@ -259,7 +811,7 @@
             </a:ln>
             <a:extLst>
               <a:ext uri="{91240B29-F687-4f45-9708-019B960494DF}">
-                <a14:hiddenLine xmlns:a14="http://schemas.microsoft.com/office/drawing/2010/main" xmlns="" w="9525">
+                <a14:hiddenLine xmlns="" xmlns:a14="http://schemas.microsoft.com/office/drawing/2010/main" w="9525">
                   <a:solidFill>
                     <a:srgbClr val="000000"/>
                   </a:solidFill>
@@ -349,7 +901,7 @@
             </a:ln>
             <a:extLst>
               <a:ext uri="{91240B29-F687-4f45-9708-019B960494DF}">
-                <a14:hiddenLine xmlns:a14="http://schemas.microsoft.com/office/drawing/2010/main" xmlns="" w="9525">
+                <a14:hiddenLine xmlns="" xmlns:a14="http://schemas.microsoft.com/office/drawing/2010/main" w="9525">
                   <a:solidFill>
                     <a:srgbClr val="000000"/>
                   </a:solidFill>
@@ -439,7 +991,7 @@
             </a:ln>
             <a:extLst>
               <a:ext uri="{91240B29-F687-4f45-9708-019B960494DF}">
-                <a14:hiddenLine xmlns:a14="http://schemas.microsoft.com/office/drawing/2010/main" xmlns="" w="9525">
+                <a14:hiddenLine xmlns="" xmlns:a14="http://schemas.microsoft.com/office/drawing/2010/main" w="9525">
                   <a:solidFill>
                     <a:srgbClr val="000000"/>
                   </a:solidFill>
@@ -473,7 +1025,7 @@
             </a:ln>
             <a:extLst>
               <a:ext uri="{91240B29-F687-4f45-9708-019B960494DF}">
-                <a14:hiddenLine xmlns:a14="http://schemas.microsoft.com/office/drawing/2010/main" xmlns="" w="9525">
+                <a14:hiddenLine xmlns="" xmlns:a14="http://schemas.microsoft.com/office/drawing/2010/main" w="9525">
                   <a:solidFill>
                     <a:srgbClr val="000000"/>
                   </a:solidFill>
@@ -563,7 +1115,7 @@
             </a:ln>
             <a:extLst>
               <a:ext uri="{91240B29-F687-4f45-9708-019B960494DF}">
-                <a14:hiddenLine xmlns:a14="http://schemas.microsoft.com/office/drawing/2010/main" xmlns="" w="9525">
+                <a14:hiddenLine xmlns="" xmlns:a14="http://schemas.microsoft.com/office/drawing/2010/main" w="9525">
                   <a:solidFill>
                     <a:srgbClr val="000000"/>
                   </a:solidFill>
@@ -625,7 +1177,7 @@
             </a:ln>
             <a:extLst>
               <a:ext uri="{91240B29-F687-4f45-9708-019B960494DF}">
-                <a14:hiddenLine xmlns:a14="http://schemas.microsoft.com/office/drawing/2010/main" xmlns="" w="9525">
+                <a14:hiddenLine xmlns="" xmlns:a14="http://schemas.microsoft.com/office/drawing/2010/main" w="9525">
                   <a:solidFill>
                     <a:srgbClr val="000000"/>
                   </a:solidFill>
@@ -687,7 +1239,7 @@
             </a:ln>
             <a:extLst>
               <a:ext uri="{91240B29-F687-4f45-9708-019B960494DF}">
-                <a14:hiddenLine xmlns:a14="http://schemas.microsoft.com/office/drawing/2010/main" xmlns="" w="9525">
+                <a14:hiddenLine xmlns="" xmlns:a14="http://schemas.microsoft.com/office/drawing/2010/main" w="9525">
                   <a:solidFill>
                     <a:srgbClr val="000000"/>
                   </a:solidFill>
@@ -777,7 +1329,7 @@
             </a:ln>
             <a:extLst>
               <a:ext uri="{91240B29-F687-4f45-9708-019B960494DF}">
-                <a14:hiddenLine xmlns:a14="http://schemas.microsoft.com/office/drawing/2010/main" xmlns="" w="9525">
+                <a14:hiddenLine xmlns="" xmlns:a14="http://schemas.microsoft.com/office/drawing/2010/main" w="9525">
                   <a:solidFill>
                     <a:srgbClr val="000000"/>
                   </a:solidFill>
@@ -839,7 +1391,7 @@
             </a:ln>
             <a:extLst>
               <a:ext uri="{91240B29-F687-4f45-9708-019B960494DF}">
-                <a14:hiddenLine xmlns:a14="http://schemas.microsoft.com/office/drawing/2010/main" xmlns="" w="9525">
+                <a14:hiddenLine xmlns="" xmlns:a14="http://schemas.microsoft.com/office/drawing/2010/main" w="9525">
                   <a:solidFill>
                     <a:srgbClr val="000000"/>
                   </a:solidFill>
@@ -901,7 +1453,7 @@
             </a:ln>
             <a:extLst>
               <a:ext uri="{91240B29-F687-4f45-9708-019B960494DF}">
-                <a14:hiddenLine xmlns:a14="http://schemas.microsoft.com/office/drawing/2010/main" xmlns="" w="9525">
+                <a14:hiddenLine xmlns="" xmlns:a14="http://schemas.microsoft.com/office/drawing/2010/main" w="9525">
                   <a:solidFill>
                     <a:srgbClr val="000000"/>
                   </a:solidFill>
@@ -991,7 +1543,7 @@
             </a:ln>
             <a:extLst>
               <a:ext uri="{91240B29-F687-4f45-9708-019B960494DF}">
-                <a14:hiddenLine xmlns:a14="http://schemas.microsoft.com/office/drawing/2010/main" xmlns="" w="9525">
+                <a14:hiddenLine xmlns="" xmlns:a14="http://schemas.microsoft.com/office/drawing/2010/main" w="9525">
                   <a:solidFill>
                     <a:srgbClr val="000000"/>
                   </a:solidFill>
@@ -1081,7 +1633,7 @@
             </a:ln>
             <a:extLst>
               <a:ext uri="{91240B29-F687-4f45-9708-019B960494DF}">
-                <a14:hiddenLine xmlns:a14="http://schemas.microsoft.com/office/drawing/2010/main" xmlns="" w="9525">
+                <a14:hiddenLine xmlns="" xmlns:a14="http://schemas.microsoft.com/office/drawing/2010/main" w="9525">
                   <a:solidFill>
                     <a:srgbClr val="000000"/>
                   </a:solidFill>
@@ -1143,7 +1695,7 @@
             </a:ln>
             <a:extLst>
               <a:ext uri="{91240B29-F687-4f45-9708-019B960494DF}">
-                <a14:hiddenLine xmlns:a14="http://schemas.microsoft.com/office/drawing/2010/main" xmlns="" w="9525">
+                <a14:hiddenLine xmlns="" xmlns:a14="http://schemas.microsoft.com/office/drawing/2010/main" w="9525">
                   <a:solidFill>
                     <a:srgbClr val="000000"/>
                   </a:solidFill>
@@ -1253,7 +1805,7 @@
             </a:ln>
             <a:extLst>
               <a:ext uri="{91240B29-F687-4f45-9708-019B960494DF}">
-                <a14:hiddenLine xmlns:a14="http://schemas.microsoft.com/office/drawing/2010/main" xmlns="" w="9525">
+                <a14:hiddenLine xmlns="" xmlns:a14="http://schemas.microsoft.com/office/drawing/2010/main" w="9525">
                   <a:solidFill>
                     <a:srgbClr val="000000"/>
                   </a:solidFill>
@@ -1315,7 +1867,7 @@
             </a:ln>
             <a:extLst>
               <a:ext uri="{91240B29-F687-4f45-9708-019B960494DF}">
-                <a14:hiddenLine xmlns:a14="http://schemas.microsoft.com/office/drawing/2010/main" xmlns="" w="9525">
+                <a14:hiddenLine xmlns="" xmlns:a14="http://schemas.microsoft.com/office/drawing/2010/main" w="9525">
                   <a:solidFill>
                     <a:srgbClr val="000000"/>
                   </a:solidFill>
@@ -1405,7 +1957,7 @@
             </a:ln>
             <a:extLst>
               <a:ext uri="{91240B29-F687-4f45-9708-019B960494DF}">
-                <a14:hiddenLine xmlns:a14="http://schemas.microsoft.com/office/drawing/2010/main" xmlns="" w="9525">
+                <a14:hiddenLine xmlns="" xmlns:a14="http://schemas.microsoft.com/office/drawing/2010/main" w="9525">
                   <a:solidFill>
                     <a:srgbClr val="000000"/>
                   </a:solidFill>
@@ -1495,7 +2047,7 @@
             </a:ln>
             <a:extLst>
               <a:ext uri="{91240B29-F687-4f45-9708-019B960494DF}">
-                <a14:hiddenLine xmlns:a14="http://schemas.microsoft.com/office/drawing/2010/main" xmlns="" w="9525">
+                <a14:hiddenLine xmlns="" xmlns:a14="http://schemas.microsoft.com/office/drawing/2010/main" w="9525">
                   <a:solidFill>
                     <a:srgbClr val="000000"/>
                   </a:solidFill>
@@ -1557,7 +2109,7 @@
             </a:ln>
             <a:extLst>
               <a:ext uri="{91240B29-F687-4f45-9708-019B960494DF}">
-                <a14:hiddenLine xmlns:a14="http://schemas.microsoft.com/office/drawing/2010/main" xmlns="" w="9525">
+                <a14:hiddenLine xmlns="" xmlns:a14="http://schemas.microsoft.com/office/drawing/2010/main" w="9525">
                   <a:solidFill>
                     <a:srgbClr val="000000"/>
                   </a:solidFill>
@@ -1647,7 +2199,7 @@
             </a:ln>
             <a:extLst>
               <a:ext uri="{91240B29-F687-4f45-9708-019B960494DF}">
-                <a14:hiddenLine xmlns:a14="http://schemas.microsoft.com/office/drawing/2010/main" xmlns="" w="9525">
+                <a14:hiddenLine xmlns="" xmlns:a14="http://schemas.microsoft.com/office/drawing/2010/main" w="9525">
                   <a:solidFill>
                     <a:srgbClr val="000000"/>
                   </a:solidFill>
@@ -1737,7 +2289,7 @@
             </a:ln>
             <a:extLst>
               <a:ext uri="{91240B29-F687-4f45-9708-019B960494DF}">
-                <a14:hiddenLine xmlns:a14="http://schemas.microsoft.com/office/drawing/2010/main" xmlns="" w="9525">
+                <a14:hiddenLine xmlns="" xmlns:a14="http://schemas.microsoft.com/office/drawing/2010/main" w="9525">
                   <a:solidFill>
                     <a:srgbClr val="000000"/>
                   </a:solidFill>
@@ -1793,7 +2345,7 @@
             </a:ln>
             <a:extLst>
               <a:ext uri="{91240B29-F687-4f45-9708-019B960494DF}">
-                <a14:hiddenLine xmlns:a14="http://schemas.microsoft.com/office/drawing/2010/main" xmlns="" w="9525">
+                <a14:hiddenLine xmlns="" xmlns:a14="http://schemas.microsoft.com/office/drawing/2010/main" w="9525">
                   <a:solidFill>
                     <a:srgbClr val="000000"/>
                   </a:solidFill>
@@ -1883,7 +2435,7 @@
             </a:ln>
             <a:extLst>
               <a:ext uri="{91240B29-F687-4f45-9708-019B960494DF}">
-                <a14:hiddenLine xmlns:a14="http://schemas.microsoft.com/office/drawing/2010/main" xmlns="" w="9525">
+                <a14:hiddenLine xmlns="" xmlns:a14="http://schemas.microsoft.com/office/drawing/2010/main" w="9525">
                   <a:solidFill>
                     <a:srgbClr val="000000"/>
                   </a:solidFill>
@@ -1939,7 +2491,7 @@
             </a:ln>
             <a:extLst>
               <a:ext uri="{91240B29-F687-4f45-9708-019B960494DF}">
-                <a14:hiddenLine xmlns:a14="http://schemas.microsoft.com/office/drawing/2010/main" xmlns="" w="9525">
+                <a14:hiddenLine xmlns="" xmlns:a14="http://schemas.microsoft.com/office/drawing/2010/main" w="9525">
                   <a:solidFill>
                     <a:srgbClr val="000000"/>
                   </a:solidFill>
@@ -2029,7 +2581,7 @@
             </a:ln>
             <a:extLst>
               <a:ext uri="{91240B29-F687-4f45-9708-019B960494DF}">
-                <a14:hiddenLine xmlns:a14="http://schemas.microsoft.com/office/drawing/2010/main" xmlns="" w="9525">
+                <a14:hiddenLine xmlns="" xmlns:a14="http://schemas.microsoft.com/office/drawing/2010/main" w="9525">
                   <a:solidFill>
                     <a:srgbClr val="000000"/>
                   </a:solidFill>
@@ -2097,7 +2649,7 @@
             </a:ln>
             <a:extLst>
               <a:ext uri="{91240B29-F687-4f45-9708-019B960494DF}">
-                <a14:hiddenLine xmlns:a14="http://schemas.microsoft.com/office/drawing/2010/main" xmlns="" w="9525">
+                <a14:hiddenLine xmlns="" xmlns:a14="http://schemas.microsoft.com/office/drawing/2010/main" w="9525">
                   <a:solidFill>
                     <a:srgbClr val="000000"/>
                   </a:solidFill>
@@ -2187,7 +2739,7 @@
             </a:ln>
             <a:extLst>
               <a:ext uri="{91240B29-F687-4f45-9708-019B960494DF}">
-                <a14:hiddenLine xmlns:a14="http://schemas.microsoft.com/office/drawing/2010/main" xmlns="" w="9525">
+                <a14:hiddenLine xmlns="" xmlns:a14="http://schemas.microsoft.com/office/drawing/2010/main" w="9525">
                   <a:solidFill>
                     <a:srgbClr val="000000"/>
                   </a:solidFill>
@@ -2255,7 +2807,7 @@
             </a:ln>
             <a:extLst>
               <a:ext uri="{91240B29-F687-4f45-9708-019B960494DF}">
-                <a14:hiddenLine xmlns:a14="http://schemas.microsoft.com/office/drawing/2010/main" xmlns="" w="9525">
+                <a14:hiddenLine xmlns="" xmlns:a14="http://schemas.microsoft.com/office/drawing/2010/main" w="9525">
                   <a:solidFill>
                     <a:srgbClr val="000000"/>
                   </a:solidFill>
@@ -2345,7 +2897,7 @@
             </a:ln>
             <a:extLst>
               <a:ext uri="{91240B29-F687-4f45-9708-019B960494DF}">
-                <a14:hiddenLine xmlns:a14="http://schemas.microsoft.com/office/drawing/2010/main" xmlns="" w="9525">
+                <a14:hiddenLine xmlns="" xmlns:a14="http://schemas.microsoft.com/office/drawing/2010/main" w="9525">
                   <a:solidFill>
                     <a:srgbClr val="000000"/>
                   </a:solidFill>
@@ -2379,7 +2931,7 @@
             </a:ln>
             <a:extLst>
               <a:ext uri="{91240B29-F687-4f45-9708-019B960494DF}">
-                <a14:hiddenLine xmlns:a14="http://schemas.microsoft.com/office/drawing/2010/main" xmlns="" w="9525">
+                <a14:hiddenLine xmlns="" xmlns:a14="http://schemas.microsoft.com/office/drawing/2010/main" w="9525">
                   <a:solidFill>
                     <a:srgbClr val="000000"/>
                   </a:solidFill>
@@ -2469,7 +3021,7 @@
             </a:ln>
             <a:extLst>
               <a:ext uri="{91240B29-F687-4f45-9708-019B960494DF}">
-                <a14:hiddenLine xmlns:a14="http://schemas.microsoft.com/office/drawing/2010/main" xmlns="" w="9525">
+                <a14:hiddenLine xmlns="" xmlns:a14="http://schemas.microsoft.com/office/drawing/2010/main" w="9525">
                   <a:solidFill>
                     <a:srgbClr val="000000"/>
                   </a:solidFill>
@@ -2531,7 +3083,7 @@
             </a:ln>
             <a:extLst>
               <a:ext uri="{91240B29-F687-4f45-9708-019B960494DF}">
-                <a14:hiddenLine xmlns:a14="http://schemas.microsoft.com/office/drawing/2010/main" xmlns="" w="9525">
+                <a14:hiddenLine xmlns="" xmlns:a14="http://schemas.microsoft.com/office/drawing/2010/main" w="9525">
                   <a:solidFill>
                     <a:srgbClr val="000000"/>
                   </a:solidFill>
@@ -2593,7 +3145,7 @@
             </a:ln>
             <a:extLst>
               <a:ext uri="{91240B29-F687-4f45-9708-019B960494DF}">
-                <a14:hiddenLine xmlns:a14="http://schemas.microsoft.com/office/drawing/2010/main" xmlns="" w="9525">
+                <a14:hiddenLine xmlns="" xmlns:a14="http://schemas.microsoft.com/office/drawing/2010/main" w="9525">
                   <a:solidFill>
                     <a:srgbClr val="000000"/>
                   </a:solidFill>
@@ -2683,7 +3235,7 @@
             </a:ln>
             <a:extLst>
               <a:ext uri="{91240B29-F687-4f45-9708-019B960494DF}">
-                <a14:hiddenLine xmlns:a14="http://schemas.microsoft.com/office/drawing/2010/main" xmlns="" w="9525">
+                <a14:hiddenLine xmlns="" xmlns:a14="http://schemas.microsoft.com/office/drawing/2010/main" w="9525">
                   <a:solidFill>
                     <a:srgbClr val="000000"/>
                   </a:solidFill>
@@ -2751,7 +3303,7 @@
             </a:ln>
             <a:extLst>
               <a:ext uri="{91240B29-F687-4f45-9708-019B960494DF}">
-                <a14:hiddenLine xmlns:a14="http://schemas.microsoft.com/office/drawing/2010/main" xmlns="" w="9525">
+                <a14:hiddenLine xmlns="" xmlns:a14="http://schemas.microsoft.com/office/drawing/2010/main" w="9525">
                   <a:solidFill>
                     <a:srgbClr val="000000"/>
                   </a:solidFill>
@@ -2813,7 +3365,7 @@
             </a:ln>
             <a:extLst>
               <a:ext uri="{91240B29-F687-4f45-9708-019B960494DF}">
-                <a14:hiddenLine xmlns:a14="http://schemas.microsoft.com/office/drawing/2010/main" xmlns="" w="9525">
+                <a14:hiddenLine xmlns="" xmlns:a14="http://schemas.microsoft.com/office/drawing/2010/main" w="9525">
                   <a:solidFill>
                     <a:srgbClr val="000000"/>
                   </a:solidFill>
@@ -2903,7 +3455,7 @@
             </a:ln>
             <a:extLst>
               <a:ext uri="{91240B29-F687-4f45-9708-019B960494DF}">
-                <a14:hiddenLine xmlns:a14="http://schemas.microsoft.com/office/drawing/2010/main" xmlns="" w="9525">
+                <a14:hiddenLine xmlns="" xmlns:a14="http://schemas.microsoft.com/office/drawing/2010/main" w="9525">
                   <a:solidFill>
                     <a:srgbClr val="000000"/>
                   </a:solidFill>
@@ -2965,7 +3517,7 @@
             </a:ln>
             <a:extLst>
               <a:ext uri="{91240B29-F687-4f45-9708-019B960494DF}">
-                <a14:hiddenLine xmlns:a14="http://schemas.microsoft.com/office/drawing/2010/main" xmlns="" w="9525">
+                <a14:hiddenLine xmlns="" xmlns:a14="http://schemas.microsoft.com/office/drawing/2010/main" w="9525">
                   <a:solidFill>
                     <a:srgbClr val="000000"/>
                   </a:solidFill>
@@ -3055,7 +3607,7 @@
             </a:ln>
             <a:extLst>
               <a:ext uri="{91240B29-F687-4f45-9708-019B960494DF}">
-                <a14:hiddenLine xmlns:a14="http://schemas.microsoft.com/office/drawing/2010/main" xmlns="" w="9525">
+                <a14:hiddenLine xmlns="" xmlns:a14="http://schemas.microsoft.com/office/drawing/2010/main" w="9525">
                   <a:solidFill>
                     <a:srgbClr val="000000"/>
                   </a:solidFill>
@@ -3117,7 +3669,7 @@
             </a:ln>
             <a:extLst>
               <a:ext uri="{91240B29-F687-4f45-9708-019B960494DF}">
-                <a14:hiddenLine xmlns:a14="http://schemas.microsoft.com/office/drawing/2010/main" xmlns="" w="9525">
+                <a14:hiddenLine xmlns="" xmlns:a14="http://schemas.microsoft.com/office/drawing/2010/main" w="9525">
                   <a:solidFill>
                     <a:srgbClr val="000000"/>
                   </a:solidFill>
@@ -3207,7 +3759,7 @@
             </a:ln>
             <a:extLst>
               <a:ext uri="{91240B29-F687-4f45-9708-019B960494DF}">
-                <a14:hiddenLine xmlns:a14="http://schemas.microsoft.com/office/drawing/2010/main" xmlns="" w="9525">
+                <a14:hiddenLine xmlns="" xmlns:a14="http://schemas.microsoft.com/office/drawing/2010/main" w="9525">
                   <a:solidFill>
                     <a:srgbClr val="000000"/>
                   </a:solidFill>
@@ -3241,7 +3793,7 @@
             </a:ln>
             <a:extLst>
               <a:ext uri="{91240B29-F687-4f45-9708-019B960494DF}">
-                <a14:hiddenLine xmlns:a14="http://schemas.microsoft.com/office/drawing/2010/main" xmlns="" w="9525">
+                <a14:hiddenLine xmlns="" xmlns:a14="http://schemas.microsoft.com/office/drawing/2010/main" w="9525">
                   <a:solidFill>
                     <a:srgbClr val="000000"/>
                   </a:solidFill>
@@ -3306,7 +3858,7 @@
             </a:ln>
             <a:extLst>
               <a:ext uri="{91240B29-F687-4f45-9708-019B960494DF}">
-                <a14:hiddenLine xmlns:a14="http://schemas.microsoft.com/office/drawing/2010/main" xmlns="" w="9525">
+                <a14:hiddenLine xmlns="" xmlns:a14="http://schemas.microsoft.com/office/drawing/2010/main" w="9525">
                   <a:solidFill>
                     <a:srgbClr val="000000"/>
                   </a:solidFill>
@@ -3396,7 +3948,7 @@
             </a:ln>
             <a:extLst>
               <a:ext uri="{91240B29-F687-4f45-9708-019B960494DF}">
-                <a14:hiddenLine xmlns:a14="http://schemas.microsoft.com/office/drawing/2010/main" xmlns="" w="9525">
+                <a14:hiddenLine xmlns="" xmlns:a14="http://schemas.microsoft.com/office/drawing/2010/main" w="9525">
                   <a:solidFill>
                     <a:srgbClr val="000000"/>
                   </a:solidFill>
@@ -3458,7 +4010,7 @@
             </a:ln>
             <a:extLst>
               <a:ext uri="{91240B29-F687-4f45-9708-019B960494DF}">
-                <a14:hiddenLine xmlns:a14="http://schemas.microsoft.com/office/drawing/2010/main" xmlns="" w="9525">
+                <a14:hiddenLine xmlns="" xmlns:a14="http://schemas.microsoft.com/office/drawing/2010/main" w="9525">
                   <a:solidFill>
                     <a:srgbClr val="000000"/>
                   </a:solidFill>
@@ -3548,7 +4100,7 @@
             </a:ln>
             <a:extLst>
               <a:ext uri="{91240B29-F687-4f45-9708-019B960494DF}">
-                <a14:hiddenLine xmlns:a14="http://schemas.microsoft.com/office/drawing/2010/main" xmlns="" w="9525">
+                <a14:hiddenLine xmlns="" xmlns:a14="http://schemas.microsoft.com/office/drawing/2010/main" w="9525">
                   <a:solidFill>
                     <a:srgbClr val="000000"/>
                   </a:solidFill>
@@ -3638,7 +4190,7 @@
             </a:ln>
             <a:extLst>
               <a:ext uri="{91240B29-F687-4f45-9708-019B960494DF}">
-                <a14:hiddenLine xmlns:a14="http://schemas.microsoft.com/office/drawing/2010/main" xmlns="" w="9525">
+                <a14:hiddenLine xmlns="" xmlns:a14="http://schemas.microsoft.com/office/drawing/2010/main" w="9525">
                   <a:solidFill>
                     <a:srgbClr val="000000"/>
                   </a:solidFill>
@@ -3703,7 +4255,7 @@
             </a:ln>
             <a:extLst>
               <a:ext uri="{91240B29-F687-4f45-9708-019B960494DF}">
-                <a14:hiddenLine xmlns:a14="http://schemas.microsoft.com/office/drawing/2010/main" xmlns="" w="9525">
+                <a14:hiddenLine xmlns="" xmlns:a14="http://schemas.microsoft.com/office/drawing/2010/main" w="9525">
                   <a:solidFill>
                     <a:srgbClr val="000000"/>
                   </a:solidFill>
@@ -3765,7 +4317,7 @@
             </a:ln>
             <a:extLst>
               <a:ext uri="{91240B29-F687-4f45-9708-019B960494DF}">
-                <a14:hiddenLine xmlns:a14="http://schemas.microsoft.com/office/drawing/2010/main" xmlns="" w="9525">
+                <a14:hiddenLine xmlns="" xmlns:a14="http://schemas.microsoft.com/office/drawing/2010/main" w="9525">
                   <a:solidFill>
                     <a:srgbClr val="000000"/>
                   </a:solidFill>
@@ -3855,7 +4407,7 @@
             </a:ln>
             <a:extLst>
               <a:ext uri="{91240B29-F687-4f45-9708-019B960494DF}">
-                <a14:hiddenLine xmlns:a14="http://schemas.microsoft.com/office/drawing/2010/main" xmlns="" w="9525">
+                <a14:hiddenLine xmlns="" xmlns:a14="http://schemas.microsoft.com/office/drawing/2010/main" w="9525">
                   <a:solidFill>
                     <a:srgbClr val="000000"/>
                   </a:solidFill>
@@ -3945,7 +4497,7 @@
             </a:ln>
             <a:extLst>
               <a:ext uri="{91240B29-F687-4f45-9708-019B960494DF}">
-                <a14:hiddenLine xmlns:a14="http://schemas.microsoft.com/office/drawing/2010/main" xmlns="" w="9525">
+                <a14:hiddenLine xmlns="" xmlns:a14="http://schemas.microsoft.com/office/drawing/2010/main" w="9525">
                   <a:solidFill>
                     <a:srgbClr val="000000"/>
                   </a:solidFill>
@@ -4007,7 +4559,7 @@
             </a:ln>
             <a:extLst>
               <a:ext uri="{91240B29-F687-4f45-9708-019B960494DF}">
-                <a14:hiddenLine xmlns:a14="http://schemas.microsoft.com/office/drawing/2010/main" xmlns="" w="9525">
+                <a14:hiddenLine xmlns="" xmlns:a14="http://schemas.microsoft.com/office/drawing/2010/main" w="9525">
                   <a:solidFill>
                     <a:srgbClr val="000000"/>
                   </a:solidFill>
@@ -4127,7 +4679,7 @@
             </a:ln>
             <a:extLst>
               <a:ext uri="{91240B29-F687-4f45-9708-019B960494DF}">
-                <a14:hiddenLine xmlns:a14="http://schemas.microsoft.com/office/drawing/2010/main" xmlns="" w="9525">
+                <a14:hiddenLine xmlns="" xmlns:a14="http://schemas.microsoft.com/office/drawing/2010/main" w="9525">
                   <a:solidFill>
                     <a:srgbClr val="000000"/>
                   </a:solidFill>
@@ -4195,7 +4747,7 @@
             </a:ln>
             <a:extLst>
               <a:ext uri="{91240B29-F687-4f45-9708-019B960494DF}">
-                <a14:hiddenLine xmlns:a14="http://schemas.microsoft.com/office/drawing/2010/main" xmlns="" w="9525">
+                <a14:hiddenLine xmlns="" xmlns:a14="http://schemas.microsoft.com/office/drawing/2010/main" w="9525">
                   <a:solidFill>
                     <a:srgbClr val="000000"/>
                   </a:solidFill>
@@ -4285,7 +4837,7 @@
             </a:ln>
             <a:extLst>
               <a:ext uri="{91240B29-F687-4f45-9708-019B960494DF}">
-                <a14:hiddenLine xmlns:a14="http://schemas.microsoft.com/office/drawing/2010/main" xmlns="" w="9525">
+                <a14:hiddenLine xmlns="" xmlns:a14="http://schemas.microsoft.com/office/drawing/2010/main" w="9525">
                   <a:solidFill>
                     <a:srgbClr val="000000"/>
                   </a:solidFill>
@@ -4423,9 +4975,9 @@
           <a:bodyPr/>
           <a:lstStyle/>
           <a:p>
-            <a:fld id="{48A87A34-81AB-432B-8DAE-1953F412C126}" type="datetimeFigureOut">
-              <a:rPr lang="en-US" dirty="0"/>
-              <a:t>5/5/2019</a:t>
+            <a:fld id="{F2013DA0-1F4F-AB4D-BDD1-D00A0674F0E1}" type="datetime1">
+              <a:rPr lang="en-US" smtClean="0"/>
+              <a:t>5/6/19</a:t>
             </a:fld>
             <a:endParaRPr lang="en-US" dirty="0"/>
           </a:p>
@@ -4451,6 +5003,10 @@
           <a:bodyPr/>
           <a:lstStyle/>
           <a:p>
+            <a:r>
+              <a:rPr lang="en-US"/>
+              <a:t>LA-UR-11-1111</a:t>
+            </a:r>
             <a:endParaRPr lang="en-US" dirty="0"/>
           </a:p>
         </p:txBody>
@@ -4685,9 +5241,9 @@
           <a:bodyPr/>
           <a:lstStyle/>
           <a:p>
-            <a:fld id="{48A87A34-81AB-432B-8DAE-1953F412C126}" type="datetimeFigureOut">
-              <a:rPr lang="en-US" dirty="0"/>
-              <a:t>5/5/2019</a:t>
+            <a:fld id="{FB6A594E-BB04-5041-B9AF-1A359F91900A}" type="datetime1">
+              <a:rPr lang="en-US" smtClean="0"/>
+              <a:t>5/6/19</a:t>
             </a:fld>
             <a:endParaRPr lang="en-US" dirty="0"/>
           </a:p>
@@ -4708,6 +5264,10 @@
           <a:bodyPr/>
           <a:lstStyle/>
           <a:p>
+            <a:r>
+              <a:rPr lang="en-US"/>
+              <a:t>LA-UR-11-1111</a:t>
+            </a:r>
             <a:endParaRPr lang="en-US" dirty="0"/>
           </a:p>
         </p:txBody>
@@ -4876,9 +5436,9 @@
           <a:bodyPr/>
           <a:lstStyle/>
           <a:p>
-            <a:fld id="{48A87A34-81AB-432B-8DAE-1953F412C126}" type="datetimeFigureOut">
-              <a:rPr lang="en-US" dirty="0"/>
-              <a:t>5/5/2019</a:t>
+            <a:fld id="{52B70790-91F6-B745-84FF-98CA15555DC1}" type="datetime1">
+              <a:rPr lang="en-US" smtClean="0"/>
+              <a:t>5/6/19</a:t>
             </a:fld>
             <a:endParaRPr lang="en-US" dirty="0"/>
           </a:p>
@@ -4899,6 +5459,10 @@
           <a:bodyPr/>
           <a:lstStyle/>
           <a:p>
+            <a:r>
+              <a:rPr lang="en-US"/>
+              <a:t>LA-UR-11-1111</a:t>
+            </a:r>
             <a:endParaRPr lang="en-US" dirty="0"/>
           </a:p>
         </p:txBody>
@@ -5134,9 +5698,9 @@
           <a:bodyPr/>
           <a:lstStyle/>
           <a:p>
-            <a:fld id="{48A87A34-81AB-432B-8DAE-1953F412C126}" type="datetimeFigureOut">
-              <a:rPr lang="en-US" dirty="0"/>
-              <a:t>5/5/2019</a:t>
+            <a:fld id="{F67B41FC-EE4D-1D4D-9D95-4C287B4BD557}" type="datetime1">
+              <a:rPr lang="en-US" smtClean="0"/>
+              <a:t>5/6/19</a:t>
             </a:fld>
             <a:endParaRPr lang="en-US" dirty="0"/>
           </a:p>
@@ -5157,6 +5721,10 @@
           <a:bodyPr/>
           <a:lstStyle/>
           <a:p>
+            <a:r>
+              <a:rPr lang="en-US"/>
+              <a:t>LA-UR-11-1111</a:t>
+            </a:r>
             <a:endParaRPr lang="en-US" dirty="0"/>
           </a:p>
         </p:txBody>
@@ -5563,9 +6131,9 @@
           <a:bodyPr/>
           <a:lstStyle/>
           <a:p>
-            <a:fld id="{48A87A34-81AB-432B-8DAE-1953F412C126}" type="datetimeFigureOut">
-              <a:rPr lang="en-US" dirty="0"/>
-              <a:t>5/5/2019</a:t>
+            <a:fld id="{446FDBA9-3225-2C4C-B87B-E94789D4F2B1}" type="datetime1">
+              <a:rPr lang="en-US" smtClean="0"/>
+              <a:t>5/6/19</a:t>
             </a:fld>
             <a:endParaRPr lang="en-US" dirty="0"/>
           </a:p>
@@ -5586,6 +6154,10 @@
           <a:bodyPr/>
           <a:lstStyle/>
           <a:p>
+            <a:r>
+              <a:rPr lang="en-US"/>
+              <a:t>LA-UR-11-1111</a:t>
+            </a:r>
             <a:endParaRPr lang="en-US" dirty="0"/>
           </a:p>
         </p:txBody>
@@ -6104,9 +6676,9 @@
           <a:bodyPr/>
           <a:lstStyle/>
           <a:p>
-            <a:fld id="{48A87A34-81AB-432B-8DAE-1953F412C126}" type="datetimeFigureOut">
-              <a:rPr lang="en-US" dirty="0"/>
-              <a:t>5/5/2019</a:t>
+            <a:fld id="{4D426049-FF26-5F4F-826B-996E868A97EA}" type="datetime1">
+              <a:rPr lang="en-US" smtClean="0"/>
+              <a:t>5/6/19</a:t>
             </a:fld>
             <a:endParaRPr lang="en-US" dirty="0"/>
           </a:p>
@@ -6127,6 +6699,10 @@
           <a:bodyPr/>
           <a:lstStyle/>
           <a:p>
+            <a:r>
+              <a:rPr lang="en-US"/>
+              <a:t>LA-UR-11-1111</a:t>
+            </a:r>
             <a:endParaRPr lang="en-US" dirty="0"/>
           </a:p>
         </p:txBody>
@@ -6819,9 +7395,9 @@
           <a:bodyPr/>
           <a:lstStyle/>
           <a:p>
-            <a:fld id="{48A87A34-81AB-432B-8DAE-1953F412C126}" type="datetimeFigureOut">
-              <a:rPr lang="en-US" dirty="0"/>
-              <a:t>5/5/2019</a:t>
+            <a:fld id="{A12434B6-EDE0-B54B-AE80-56F81890B1C7}" type="datetime1">
+              <a:rPr lang="en-US" smtClean="0"/>
+              <a:t>5/6/19</a:t>
             </a:fld>
             <a:endParaRPr lang="en-US" dirty="0"/>
           </a:p>
@@ -6842,6 +7418,10 @@
           <a:bodyPr/>
           <a:lstStyle/>
           <a:p>
+            <a:r>
+              <a:rPr lang="en-US"/>
+              <a:t>LA-UR-11-1111</a:t>
+            </a:r>
             <a:endParaRPr lang="en-US" dirty="0"/>
           </a:p>
         </p:txBody>
@@ -6984,9 +7564,9 @@
           <a:bodyPr/>
           <a:lstStyle/>
           <a:p>
-            <a:fld id="{48A87A34-81AB-432B-8DAE-1953F412C126}" type="datetimeFigureOut">
-              <a:rPr lang="en-US" dirty="0"/>
-              <a:t>5/5/2019</a:t>
+            <a:fld id="{7C4A1F5E-E4E7-A14C-813C-DFA3BD6A4F00}" type="datetime1">
+              <a:rPr lang="en-US" smtClean="0"/>
+              <a:t>5/6/19</a:t>
             </a:fld>
             <a:endParaRPr lang="en-US" dirty="0"/>
           </a:p>
@@ -7007,6 +7587,10 @@
           <a:bodyPr/>
           <a:lstStyle/>
           <a:p>
+            <a:r>
+              <a:rPr lang="en-US"/>
+              <a:t>LA-UR-11-1111</a:t>
+            </a:r>
             <a:endParaRPr lang="en-US" dirty="0"/>
           </a:p>
         </p:txBody>
@@ -7159,9 +7743,9 @@
           <a:bodyPr/>
           <a:lstStyle/>
           <a:p>
-            <a:fld id="{48A87A34-81AB-432B-8DAE-1953F412C126}" type="datetimeFigureOut">
-              <a:rPr lang="en-US" dirty="0"/>
-              <a:t>5/5/2019</a:t>
+            <a:fld id="{2E7F1859-941F-6744-BC8A-698E2276CA4C}" type="datetime1">
+              <a:rPr lang="en-US" smtClean="0"/>
+              <a:t>5/6/19</a:t>
             </a:fld>
             <a:endParaRPr lang="en-US" dirty="0"/>
           </a:p>
@@ -7182,6 +7766,10 @@
           <a:bodyPr/>
           <a:lstStyle/>
           <a:p>
+            <a:r>
+              <a:rPr lang="en-US"/>
+              <a:t>LA-UR-11-1111</a:t>
+            </a:r>
             <a:endParaRPr lang="en-US" dirty="0"/>
           </a:p>
         </p:txBody>
@@ -7324,9 +7912,9 @@
           <a:bodyPr/>
           <a:lstStyle/>
           <a:p>
-            <a:fld id="{48A87A34-81AB-432B-8DAE-1953F412C126}" type="datetimeFigureOut">
-              <a:rPr lang="en-US" dirty="0"/>
-              <a:t>5/5/2019</a:t>
+            <a:fld id="{9DF3990C-9F6D-584A-95AA-C4DFD7FAB688}" type="datetime1">
+              <a:rPr lang="en-US" smtClean="0"/>
+              <a:t>5/6/19</a:t>
             </a:fld>
             <a:endParaRPr lang="en-US" dirty="0"/>
           </a:p>
@@ -7347,6 +7935,10 @@
           <a:bodyPr/>
           <a:lstStyle/>
           <a:p>
+            <a:r>
+              <a:rPr lang="en-US"/>
+              <a:t>LA-UR-11-1111</a:t>
+            </a:r>
             <a:endParaRPr lang="en-US" dirty="0"/>
           </a:p>
         </p:txBody>
@@ -7569,9 +8161,9 @@
           <a:bodyPr/>
           <a:lstStyle/>
           <a:p>
-            <a:fld id="{48A87A34-81AB-432B-8DAE-1953F412C126}" type="datetimeFigureOut">
-              <a:rPr lang="en-US" dirty="0"/>
-              <a:t>5/5/2019</a:t>
+            <a:fld id="{1773896B-B81B-5745-90A3-26E1F133B736}" type="datetime1">
+              <a:rPr lang="en-US" smtClean="0"/>
+              <a:t>5/6/19</a:t>
             </a:fld>
             <a:endParaRPr lang="en-US" dirty="0"/>
           </a:p>
@@ -7592,6 +8184,10 @@
           <a:bodyPr/>
           <a:lstStyle/>
           <a:p>
+            <a:r>
+              <a:rPr lang="en-US"/>
+              <a:t>LA-UR-11-1111</a:t>
+            </a:r>
             <a:endParaRPr lang="en-US" dirty="0"/>
           </a:p>
         </p:txBody>
@@ -7796,9 +8392,9 @@
           <a:bodyPr/>
           <a:lstStyle/>
           <a:p>
-            <a:fld id="{48A87A34-81AB-432B-8DAE-1953F412C126}" type="datetimeFigureOut">
-              <a:rPr lang="en-US" dirty="0"/>
-              <a:t>5/5/2019</a:t>
+            <a:fld id="{71993FAB-8060-E34E-A4FB-098198F777C3}" type="datetime1">
+              <a:rPr lang="en-US" smtClean="0"/>
+              <a:t>5/6/19</a:t>
             </a:fld>
             <a:endParaRPr lang="en-US" dirty="0"/>
           </a:p>
@@ -7819,6 +8415,10 @@
           <a:bodyPr/>
           <a:lstStyle/>
           <a:p>
+            <a:r>
+              <a:rPr lang="en-US"/>
+              <a:t>LA-UR-11-1111</a:t>
+            </a:r>
             <a:endParaRPr lang="en-US" dirty="0"/>
           </a:p>
         </p:txBody>
@@ -8172,9 +8772,9 @@
           <a:bodyPr/>
           <a:lstStyle/>
           <a:p>
-            <a:fld id="{48A87A34-81AB-432B-8DAE-1953F412C126}" type="datetimeFigureOut">
-              <a:rPr lang="en-US" dirty="0"/>
-              <a:t>5/5/2019</a:t>
+            <a:fld id="{3FC7D512-CDF9-2748-AB7C-5397C44DBDA2}" type="datetime1">
+              <a:rPr lang="en-US" smtClean="0"/>
+              <a:t>5/6/19</a:t>
             </a:fld>
             <a:endParaRPr lang="en-US" dirty="0"/>
           </a:p>
@@ -8195,6 +8795,10 @@
           <a:bodyPr/>
           <a:lstStyle/>
           <a:p>
+            <a:r>
+              <a:rPr lang="en-US"/>
+              <a:t>LA-UR-11-1111</a:t>
+            </a:r>
             <a:endParaRPr lang="en-US" dirty="0"/>
           </a:p>
         </p:txBody>
@@ -8285,9 +8889,9 @@
           <a:bodyPr/>
           <a:lstStyle/>
           <a:p>
-            <a:fld id="{48A87A34-81AB-432B-8DAE-1953F412C126}" type="datetimeFigureOut">
-              <a:rPr lang="en-US" dirty="0"/>
-              <a:t>5/5/2019</a:t>
+            <a:fld id="{33E0F903-F539-8643-B1F3-3D5A6FD64199}" type="datetime1">
+              <a:rPr lang="en-US" smtClean="0"/>
+              <a:t>5/6/19</a:t>
             </a:fld>
             <a:endParaRPr lang="en-US" dirty="0"/>
           </a:p>
@@ -8308,6 +8912,10 @@
           <a:bodyPr/>
           <a:lstStyle/>
           <a:p>
+            <a:r>
+              <a:rPr lang="en-US"/>
+              <a:t>LA-UR-11-1111</a:t>
+            </a:r>
             <a:endParaRPr lang="en-US" dirty="0"/>
           </a:p>
         </p:txBody>
@@ -8375,9 +8983,9 @@
           <a:bodyPr/>
           <a:lstStyle/>
           <a:p>
-            <a:fld id="{48A87A34-81AB-432B-8DAE-1953F412C126}" type="datetimeFigureOut">
-              <a:rPr lang="en-US" dirty="0"/>
-              <a:t>5/5/2019</a:t>
+            <a:fld id="{4B40FFB0-8061-D541-B15B-C4FFEBA5E29D}" type="datetime1">
+              <a:rPr lang="en-US" smtClean="0"/>
+              <a:t>5/6/19</a:t>
             </a:fld>
             <a:endParaRPr lang="en-US" dirty="0"/>
           </a:p>
@@ -8398,6 +9006,10 @@
           <a:bodyPr/>
           <a:lstStyle/>
           <a:p>
+            <a:r>
+              <a:rPr lang="en-US"/>
+              <a:t>LA-UR-11-1111</a:t>
+            </a:r>
             <a:endParaRPr lang="en-US" dirty="0"/>
           </a:p>
         </p:txBody>
@@ -8619,9 +9231,9 @@
           <a:bodyPr/>
           <a:lstStyle/>
           <a:p>
-            <a:fld id="{48A87A34-81AB-432B-8DAE-1953F412C126}" type="datetimeFigureOut">
-              <a:rPr lang="en-US" dirty="0"/>
-              <a:t>5/5/2019</a:t>
+            <a:fld id="{A5AFF6FA-B649-9849-BB6E-38175908BD1A}" type="datetime1">
+              <a:rPr lang="en-US" smtClean="0"/>
+              <a:t>5/6/19</a:t>
             </a:fld>
             <a:endParaRPr lang="en-US" dirty="0"/>
           </a:p>
@@ -8642,6 +9254,10 @@
           <a:bodyPr/>
           <a:lstStyle/>
           <a:p>
+            <a:r>
+              <a:rPr lang="en-US"/>
+              <a:t>LA-UR-11-1111</a:t>
+            </a:r>
             <a:endParaRPr lang="en-US" dirty="0"/>
           </a:p>
         </p:txBody>
@@ -8894,9 +9510,9 @@
           <a:bodyPr/>
           <a:lstStyle/>
           <a:p>
-            <a:fld id="{48A87A34-81AB-432B-8DAE-1953F412C126}" type="datetimeFigureOut">
-              <a:rPr lang="en-US" dirty="0"/>
-              <a:t>5/5/2019</a:t>
+            <a:fld id="{8B43E1AE-3C9F-1345-862B-C4968DED54CF}" type="datetime1">
+              <a:rPr lang="en-US" smtClean="0"/>
+              <a:t>5/6/19</a:t>
             </a:fld>
             <a:endParaRPr lang="en-US" dirty="0"/>
           </a:p>
@@ -8917,6 +9533,10 @@
           <a:bodyPr/>
           <a:lstStyle/>
           <a:p>
+            <a:r>
+              <a:rPr lang="en-US"/>
+              <a:t>LA-UR-11-1111</a:t>
+            </a:r>
             <a:endParaRPr lang="en-US" dirty="0"/>
           </a:p>
         </p:txBody>
@@ -9014,7 +9634,7 @@
           <a:noFill/>
           <a:extLst>
             <a:ext uri="{909E8E84-426E-40dd-AFC4-6F175D3DCCD1}">
-              <a14:hiddenFill xmlns:a14="http://schemas.microsoft.com/office/drawing/2010/main" xmlns="">
+              <a14:hiddenFill xmlns="" xmlns:a14="http://schemas.microsoft.com/office/drawing/2010/main">
                 <a:solidFill>
                   <a:srgbClr val="FFFFFF"/>
                 </a:solidFill>
@@ -9088,7 +9708,7 @@
               </a:ln>
               <a:extLst>
                 <a:ext uri="{91240B29-F687-4f45-9708-019B960494DF}">
-                  <a14:hiddenLine xmlns:a14="http://schemas.microsoft.com/office/drawing/2010/main" xmlns="" w="9525">
+                  <a14:hiddenLine xmlns="" xmlns:a14="http://schemas.microsoft.com/office/drawing/2010/main" w="9525">
                     <a:solidFill>
                       <a:srgbClr val="000000"/>
                     </a:solidFill>
@@ -9178,7 +9798,7 @@
               </a:ln>
               <a:extLst>
                 <a:ext uri="{91240B29-F687-4f45-9708-019B960494DF}">
-                  <a14:hiddenLine xmlns:a14="http://schemas.microsoft.com/office/drawing/2010/main" xmlns="" w="9525">
+                  <a14:hiddenLine xmlns="" xmlns:a14="http://schemas.microsoft.com/office/drawing/2010/main" w="9525">
                     <a:solidFill>
                       <a:srgbClr val="000000"/>
                     </a:solidFill>
@@ -9268,7 +9888,7 @@
               </a:ln>
               <a:extLst>
                 <a:ext uri="{91240B29-F687-4f45-9708-019B960494DF}">
-                  <a14:hiddenLine xmlns:a14="http://schemas.microsoft.com/office/drawing/2010/main" xmlns="" w="9525">
+                  <a14:hiddenLine xmlns="" xmlns:a14="http://schemas.microsoft.com/office/drawing/2010/main" w="9525">
                     <a:solidFill>
                       <a:srgbClr val="000000"/>
                     </a:solidFill>
@@ -9330,7 +9950,7 @@
               </a:ln>
               <a:extLst>
                 <a:ext uri="{91240B29-F687-4f45-9708-019B960494DF}">
-                  <a14:hiddenLine xmlns:a14="http://schemas.microsoft.com/office/drawing/2010/main" xmlns="" w="9525">
+                  <a14:hiddenLine xmlns="" xmlns:a14="http://schemas.microsoft.com/office/drawing/2010/main" w="9525">
                     <a:solidFill>
                       <a:srgbClr val="000000"/>
                     </a:solidFill>
@@ -9420,7 +10040,7 @@
               </a:ln>
               <a:extLst>
                 <a:ext uri="{91240B29-F687-4f45-9708-019B960494DF}">
-                  <a14:hiddenLine xmlns:a14="http://schemas.microsoft.com/office/drawing/2010/main" xmlns="" w="9525">
+                  <a14:hiddenLine xmlns="" xmlns:a14="http://schemas.microsoft.com/office/drawing/2010/main" w="9525">
                     <a:solidFill>
                       <a:srgbClr val="000000"/>
                     </a:solidFill>
@@ -9482,7 +10102,7 @@
               </a:ln>
               <a:extLst>
                 <a:ext uri="{91240B29-F687-4f45-9708-019B960494DF}">
-                  <a14:hiddenLine xmlns:a14="http://schemas.microsoft.com/office/drawing/2010/main" xmlns="" w="9525">
+                  <a14:hiddenLine xmlns="" xmlns:a14="http://schemas.microsoft.com/office/drawing/2010/main" w="9525">
                     <a:solidFill>
                       <a:srgbClr val="000000"/>
                     </a:solidFill>
@@ -9544,7 +10164,7 @@
               </a:ln>
               <a:extLst>
                 <a:ext uri="{91240B29-F687-4f45-9708-019B960494DF}">
-                  <a14:hiddenLine xmlns:a14="http://schemas.microsoft.com/office/drawing/2010/main" xmlns="" w="9525">
+                  <a14:hiddenLine xmlns="" xmlns:a14="http://schemas.microsoft.com/office/drawing/2010/main" w="9525">
                     <a:solidFill>
                       <a:srgbClr val="000000"/>
                     </a:solidFill>
@@ -9634,7 +10254,7 @@
               </a:ln>
               <a:extLst>
                 <a:ext uri="{91240B29-F687-4f45-9708-019B960494DF}">
-                  <a14:hiddenLine xmlns:a14="http://schemas.microsoft.com/office/drawing/2010/main" xmlns="" w="9525">
+                  <a14:hiddenLine xmlns="" xmlns:a14="http://schemas.microsoft.com/office/drawing/2010/main" w="9525">
                     <a:solidFill>
                       <a:srgbClr val="000000"/>
                     </a:solidFill>
@@ -9724,7 +10344,7 @@
               </a:ln>
               <a:extLst>
                 <a:ext uri="{91240B29-F687-4f45-9708-019B960494DF}">
-                  <a14:hiddenLine xmlns:a14="http://schemas.microsoft.com/office/drawing/2010/main" xmlns="" w="9525">
+                  <a14:hiddenLine xmlns="" xmlns:a14="http://schemas.microsoft.com/office/drawing/2010/main" w="9525">
                     <a:solidFill>
                       <a:srgbClr val="000000"/>
                     </a:solidFill>
@@ -9786,7 +10406,7 @@
               </a:ln>
               <a:extLst>
                 <a:ext uri="{91240B29-F687-4f45-9708-019B960494DF}">
-                  <a14:hiddenLine xmlns:a14="http://schemas.microsoft.com/office/drawing/2010/main" xmlns="" w="9525">
+                  <a14:hiddenLine xmlns="" xmlns:a14="http://schemas.microsoft.com/office/drawing/2010/main" w="9525">
                     <a:solidFill>
                       <a:srgbClr val="000000"/>
                     </a:solidFill>
@@ -9896,7 +10516,7 @@
               </a:ln>
               <a:extLst>
                 <a:ext uri="{91240B29-F687-4f45-9708-019B960494DF}">
-                  <a14:hiddenLine xmlns:a14="http://schemas.microsoft.com/office/drawing/2010/main" xmlns="" w="9525">
+                  <a14:hiddenLine xmlns="" xmlns:a14="http://schemas.microsoft.com/office/drawing/2010/main" w="9525">
                     <a:solidFill>
                       <a:srgbClr val="000000"/>
                     </a:solidFill>
@@ -9980,7 +10600,7 @@
               </a:ln>
               <a:extLst>
                 <a:ext uri="{91240B29-F687-4f45-9708-019B960494DF}">
-                  <a14:hiddenLine xmlns:a14="http://schemas.microsoft.com/office/drawing/2010/main" xmlns="" w="9525">
+                  <a14:hiddenLine xmlns="" xmlns:a14="http://schemas.microsoft.com/office/drawing/2010/main" w="9525">
                     <a:solidFill>
                       <a:srgbClr val="000000"/>
                     </a:solidFill>
@@ -10042,7 +10662,7 @@
               </a:ln>
               <a:extLst>
                 <a:ext uri="{91240B29-F687-4f45-9708-019B960494DF}">
-                  <a14:hiddenLine xmlns:a14="http://schemas.microsoft.com/office/drawing/2010/main" xmlns="" w="9525">
+                  <a14:hiddenLine xmlns="" xmlns:a14="http://schemas.microsoft.com/office/drawing/2010/main" w="9525">
                     <a:solidFill>
                       <a:srgbClr val="000000"/>
                     </a:solidFill>
@@ -10104,7 +10724,7 @@
               </a:ln>
               <a:extLst>
                 <a:ext uri="{91240B29-F687-4f45-9708-019B960494DF}">
-                  <a14:hiddenLine xmlns:a14="http://schemas.microsoft.com/office/drawing/2010/main" xmlns="" w="9525">
+                  <a14:hiddenLine xmlns="" xmlns:a14="http://schemas.microsoft.com/office/drawing/2010/main" w="9525">
                     <a:solidFill>
                       <a:srgbClr val="000000"/>
                     </a:solidFill>
@@ -10194,7 +10814,7 @@
               </a:ln>
               <a:extLst>
                 <a:ext uri="{91240B29-F687-4f45-9708-019B960494DF}">
-                  <a14:hiddenLine xmlns:a14="http://schemas.microsoft.com/office/drawing/2010/main" xmlns="" w="9525">
+                  <a14:hiddenLine xmlns="" xmlns:a14="http://schemas.microsoft.com/office/drawing/2010/main" w="9525">
                     <a:solidFill>
                       <a:srgbClr val="000000"/>
                     </a:solidFill>
@@ -10228,7 +10848,7 @@
               </a:ln>
               <a:extLst>
                 <a:ext uri="{91240B29-F687-4f45-9708-019B960494DF}">
-                  <a14:hiddenLine xmlns:a14="http://schemas.microsoft.com/office/drawing/2010/main" xmlns="" w="9525">
+                  <a14:hiddenLine xmlns="" xmlns:a14="http://schemas.microsoft.com/office/drawing/2010/main" w="9525">
                     <a:solidFill>
                       <a:srgbClr val="000000"/>
                     </a:solidFill>
@@ -10293,7 +10913,7 @@
               </a:ln>
               <a:extLst>
                 <a:ext uri="{91240B29-F687-4f45-9708-019B960494DF}">
-                  <a14:hiddenLine xmlns:a14="http://schemas.microsoft.com/office/drawing/2010/main" xmlns="" w="9525">
+                  <a14:hiddenLine xmlns="" xmlns:a14="http://schemas.microsoft.com/office/drawing/2010/main" w="9525">
                     <a:solidFill>
                       <a:srgbClr val="000000"/>
                     </a:solidFill>
@@ -10383,7 +11003,7 @@
               </a:ln>
               <a:extLst>
                 <a:ext uri="{91240B29-F687-4f45-9708-019B960494DF}">
-                  <a14:hiddenLine xmlns:a14="http://schemas.microsoft.com/office/drawing/2010/main" xmlns="" w="9525">
+                  <a14:hiddenLine xmlns="" xmlns:a14="http://schemas.microsoft.com/office/drawing/2010/main" w="9525">
                     <a:solidFill>
                       <a:srgbClr val="000000"/>
                     </a:solidFill>
@@ -10445,7 +11065,7 @@
               </a:ln>
               <a:extLst>
                 <a:ext uri="{91240B29-F687-4f45-9708-019B960494DF}">
-                  <a14:hiddenLine xmlns:a14="http://schemas.microsoft.com/office/drawing/2010/main" xmlns="" w="9525">
+                  <a14:hiddenLine xmlns="" xmlns:a14="http://schemas.microsoft.com/office/drawing/2010/main" w="9525">
                     <a:solidFill>
                       <a:srgbClr val="000000"/>
                     </a:solidFill>
@@ -10535,7 +11155,7 @@
               </a:ln>
               <a:extLst>
                 <a:ext uri="{91240B29-F687-4f45-9708-019B960494DF}">
-                  <a14:hiddenLine xmlns:a14="http://schemas.microsoft.com/office/drawing/2010/main" xmlns="" w="9525">
+                  <a14:hiddenLine xmlns="" xmlns:a14="http://schemas.microsoft.com/office/drawing/2010/main" w="9525">
                     <a:solidFill>
                       <a:srgbClr val="000000"/>
                     </a:solidFill>
@@ -10600,7 +11220,7 @@
               </a:ln>
               <a:extLst>
                 <a:ext uri="{91240B29-F687-4f45-9708-019B960494DF}">
-                  <a14:hiddenLine xmlns:a14="http://schemas.microsoft.com/office/drawing/2010/main" xmlns="" w="9525">
+                  <a14:hiddenLine xmlns="" xmlns:a14="http://schemas.microsoft.com/office/drawing/2010/main" w="9525">
                     <a:solidFill>
                       <a:srgbClr val="000000"/>
                     </a:solidFill>
@@ -10662,7 +11282,7 @@
               </a:ln>
               <a:extLst>
                 <a:ext uri="{91240B29-F687-4f45-9708-019B960494DF}">
-                  <a14:hiddenLine xmlns:a14="http://schemas.microsoft.com/office/drawing/2010/main" xmlns="" w="9525">
+                  <a14:hiddenLine xmlns="" xmlns:a14="http://schemas.microsoft.com/office/drawing/2010/main" w="9525">
                     <a:solidFill>
                       <a:srgbClr val="000000"/>
                     </a:solidFill>
@@ -10752,7 +11372,7 @@
               </a:ln>
               <a:extLst>
                 <a:ext uri="{91240B29-F687-4f45-9708-019B960494DF}">
-                  <a14:hiddenLine xmlns:a14="http://schemas.microsoft.com/office/drawing/2010/main" xmlns="" w="9525">
+                  <a14:hiddenLine xmlns="" xmlns:a14="http://schemas.microsoft.com/office/drawing/2010/main" w="9525">
                     <a:solidFill>
                       <a:srgbClr val="000000"/>
                     </a:solidFill>
@@ -10842,7 +11462,7 @@
               </a:ln>
               <a:extLst>
                 <a:ext uri="{91240B29-F687-4f45-9708-019B960494DF}">
-                  <a14:hiddenLine xmlns:a14="http://schemas.microsoft.com/office/drawing/2010/main" xmlns="" w="9525">
+                  <a14:hiddenLine xmlns="" xmlns:a14="http://schemas.microsoft.com/office/drawing/2010/main" w="9525">
                     <a:solidFill>
                       <a:srgbClr val="000000"/>
                     </a:solidFill>
@@ -10907,7 +11527,7 @@
               </a:ln>
               <a:extLst>
                 <a:ext uri="{91240B29-F687-4f45-9708-019B960494DF}">
-                  <a14:hiddenLine xmlns:a14="http://schemas.microsoft.com/office/drawing/2010/main" xmlns="" w="9525">
+                  <a14:hiddenLine xmlns="" xmlns:a14="http://schemas.microsoft.com/office/drawing/2010/main" w="9525">
                     <a:solidFill>
                       <a:srgbClr val="000000"/>
                     </a:solidFill>
@@ -11027,7 +11647,7 @@
               </a:ln>
               <a:extLst>
                 <a:ext uri="{91240B29-F687-4f45-9708-019B960494DF}">
-                  <a14:hiddenLine xmlns:a14="http://schemas.microsoft.com/office/drawing/2010/main" xmlns="" w="9525">
+                  <a14:hiddenLine xmlns="" xmlns:a14="http://schemas.microsoft.com/office/drawing/2010/main" w="9525">
                     <a:solidFill>
                       <a:srgbClr val="000000"/>
                     </a:solidFill>
@@ -11108,7 +11728,7 @@
               </a:ln>
               <a:extLst>
                 <a:ext uri="{91240B29-F687-4f45-9708-019B960494DF}">
-                  <a14:hiddenLine xmlns:a14="http://schemas.microsoft.com/office/drawing/2010/main" xmlns="" w="9525">
+                  <a14:hiddenLine xmlns="" xmlns:a14="http://schemas.microsoft.com/office/drawing/2010/main" w="9525">
                     <a:solidFill>
                       <a:srgbClr val="000000"/>
                     </a:solidFill>
@@ -11223,7 +11843,7 @@
               </a:ln>
               <a:extLst>
                 <a:ext uri="{91240B29-F687-4f45-9708-019B960494DF}">
-                  <a14:hiddenLine xmlns:a14="http://schemas.microsoft.com/office/drawing/2010/main" xmlns="" w="9525">
+                  <a14:hiddenLine xmlns="" xmlns:a14="http://schemas.microsoft.com/office/drawing/2010/main" w="9525">
                     <a:solidFill>
                       <a:srgbClr val="000000"/>
                     </a:solidFill>
@@ -11313,7 +11933,7 @@
               </a:ln>
               <a:extLst>
                 <a:ext uri="{91240B29-F687-4f45-9708-019B960494DF}">
-                  <a14:hiddenLine xmlns:a14="http://schemas.microsoft.com/office/drawing/2010/main" xmlns="" w="9525">
+                  <a14:hiddenLine xmlns="" xmlns:a14="http://schemas.microsoft.com/office/drawing/2010/main" w="9525">
                     <a:solidFill>
                       <a:srgbClr val="000000"/>
                     </a:solidFill>
@@ -11378,7 +11998,7 @@
               </a:ln>
               <a:extLst>
                 <a:ext uri="{91240B29-F687-4f45-9708-019B960494DF}">
-                  <a14:hiddenLine xmlns:a14="http://schemas.microsoft.com/office/drawing/2010/main" xmlns="" w="9525">
+                  <a14:hiddenLine xmlns="" xmlns:a14="http://schemas.microsoft.com/office/drawing/2010/main" w="9525">
                     <a:solidFill>
                       <a:srgbClr val="000000"/>
                     </a:solidFill>
@@ -11468,7 +12088,7 @@
               </a:ln>
               <a:extLst>
                 <a:ext uri="{91240B29-F687-4f45-9708-019B960494DF}">
-                  <a14:hiddenLine xmlns:a14="http://schemas.microsoft.com/office/drawing/2010/main" xmlns="" w="9525">
+                  <a14:hiddenLine xmlns="" xmlns:a14="http://schemas.microsoft.com/office/drawing/2010/main" w="9525">
                     <a:solidFill>
                       <a:srgbClr val="000000"/>
                     </a:solidFill>
@@ -11536,7 +12156,7 @@
               </a:ln>
               <a:extLst>
                 <a:ext uri="{91240B29-F687-4f45-9708-019B960494DF}">
-                  <a14:hiddenLine xmlns:a14="http://schemas.microsoft.com/office/drawing/2010/main" xmlns="" w="9525">
+                  <a14:hiddenLine xmlns="" xmlns:a14="http://schemas.microsoft.com/office/drawing/2010/main" w="9525">
                     <a:solidFill>
                       <a:srgbClr val="000000"/>
                     </a:solidFill>
@@ -11626,7 +12246,7 @@
               </a:ln>
               <a:extLst>
                 <a:ext uri="{91240B29-F687-4f45-9708-019B960494DF}">
-                  <a14:hiddenLine xmlns:a14="http://schemas.microsoft.com/office/drawing/2010/main" xmlns="" w="9525">
+                  <a14:hiddenLine xmlns="" xmlns:a14="http://schemas.microsoft.com/office/drawing/2010/main" w="9525">
                     <a:solidFill>
                       <a:srgbClr val="000000"/>
                     </a:solidFill>
@@ -11694,7 +12314,7 @@
               </a:ln>
               <a:extLst>
                 <a:ext uri="{91240B29-F687-4f45-9708-019B960494DF}">
-                  <a14:hiddenLine xmlns:a14="http://schemas.microsoft.com/office/drawing/2010/main" xmlns="" w="9525">
+                  <a14:hiddenLine xmlns="" xmlns:a14="http://schemas.microsoft.com/office/drawing/2010/main" w="9525">
                     <a:solidFill>
                       <a:srgbClr val="000000"/>
                     </a:solidFill>
@@ -11784,7 +12404,7 @@
               </a:ln>
               <a:extLst>
                 <a:ext uri="{91240B29-F687-4f45-9708-019B960494DF}">
-                  <a14:hiddenLine xmlns:a14="http://schemas.microsoft.com/office/drawing/2010/main" xmlns="" w="9525">
+                  <a14:hiddenLine xmlns="" xmlns:a14="http://schemas.microsoft.com/office/drawing/2010/main" w="9525">
                     <a:solidFill>
                       <a:srgbClr val="000000"/>
                     </a:solidFill>
@@ -11818,7 +12438,7 @@
               </a:ln>
               <a:extLst>
                 <a:ext uri="{91240B29-F687-4f45-9708-019B960494DF}">
-                  <a14:hiddenLine xmlns:a14="http://schemas.microsoft.com/office/drawing/2010/main" xmlns="" w="9525">
+                  <a14:hiddenLine xmlns="" xmlns:a14="http://schemas.microsoft.com/office/drawing/2010/main" w="9525">
                     <a:solidFill>
                       <a:srgbClr val="000000"/>
                     </a:solidFill>
@@ -11956,10 +12576,9 @@
             </a:lvl1pPr>
           </a:lstStyle>
           <a:p>
-            <a:fld id="{48A87A34-81AB-432B-8DAE-1953F412C126}" type="datetimeFigureOut">
-              <a:rPr lang="en-US" dirty="0"/>
-              <a:pPr/>
-              <a:t>5/5/2019</a:t>
+            <a:fld id="{2C8EFD19-4979-9245-B20B-91CE25B8D0D8}" type="datetime1">
+              <a:rPr lang="en-US" smtClean="0"/>
+              <a:t>5/6/19</a:t>
             </a:fld>
             <a:endParaRPr lang="en-US" dirty="0"/>
           </a:p>
@@ -11998,6 +12617,10 @@
             </a:lvl1pPr>
           </a:lstStyle>
           <a:p>
+            <a:r>
+              <a:rPr lang="en-US"/>
+              <a:t>LA-UR-11-1111</a:t>
+            </a:r>
             <a:endParaRPr lang="en-US" dirty="0"/>
           </a:p>
         </p:txBody>
@@ -12066,6 +12689,7 @@
     <p:sldLayoutId id="2147483658" r:id="rId16"/>
     <p:sldLayoutId id="2147483659" r:id="rId17"/>
   </p:sldLayoutIdLst>
+  <p:hf hdr="0" ftr="0" dt="0"/>
   <p:txStyles>
     <p:titleStyle>
       <a:lvl1pPr algn="l" defTabSz="914400" rtl="0" eaLnBrk="1" latinLnBrk="0" hangingPunct="1">
@@ -12398,15 +13022,7 @@
           <a:p>
             <a:r>
               <a:rPr lang="en-US" dirty="0"/>
-              <a:t>Userspace squash filesystem for launching </a:t>
-            </a:r>
-            <a:r>
-              <a:rPr lang="en-US" dirty="0" err="1"/>
-              <a:t>linux</a:t>
-            </a:r>
-            <a:r>
-              <a:rPr lang="en-US" dirty="0"/>
-              <a:t> containers on </a:t>
+              <a:t>Userspace squash filesystem for launching Linux containers on </a:t>
             </a:r>
             <a:r>
               <a:rPr lang="en-US" dirty="0" err="1"/>
@@ -12441,8 +13057,12 @@
           <a:lstStyle/>
           <a:p>
             <a:r>
+              <a:rPr lang="en-US"/>
+              <a:t>by </a:t>
+            </a:r>
+            <a:r>
               <a:rPr lang="en-US" dirty="0"/>
-              <a:t>A thesis by Ronald </a:t>
+              <a:t>Ronald </a:t>
             </a:r>
             <a:r>
               <a:rPr lang="en-US" dirty="0" err="1"/>
@@ -12457,6 +13077,70 @@
               <a:t>goff</a:t>
             </a:r>
             <a:endParaRPr lang="en-US" dirty="0"/>
+          </a:p>
+        </p:txBody>
+      </p:sp>
+      <p:sp>
+        <p:nvSpPr>
+          <p:cNvPr id="6" name="Slide Number Placeholder 5">
+            <a:extLst>
+              <a:ext uri="{FF2B5EF4-FFF2-40B4-BE49-F238E27FC236}">
+                <a16:creationId xmlns:a16="http://schemas.microsoft.com/office/drawing/2014/main" id="{DE37FF13-5104-D346-8ECD-77BB92B70C52}"/>
+              </a:ext>
+            </a:extLst>
+          </p:cNvPr>
+          <p:cNvSpPr>
+            <a:spLocks noGrp="1"/>
+          </p:cNvSpPr>
+          <p:nvPr>
+            <p:ph type="sldNum" sz="quarter" idx="12"/>
+          </p:nvPr>
+        </p:nvSpPr>
+        <p:spPr/>
+        <p:txBody>
+          <a:bodyPr/>
+          <a:lstStyle/>
+          <a:p>
+            <a:fld id="{6D22F896-40B5-4ADD-8801-0D06FADFA095}" type="slidenum">
+              <a:rPr lang="en-US" smtClean="0"/>
+              <a:t>1</a:t>
+            </a:fld>
+            <a:endParaRPr lang="en-US" dirty="0"/>
+          </a:p>
+        </p:txBody>
+      </p:sp>
+      <p:sp>
+        <p:nvSpPr>
+          <p:cNvPr id="7" name="TextBox 6">
+            <a:extLst>
+              <a:ext uri="{FF2B5EF4-FFF2-40B4-BE49-F238E27FC236}">
+                <a16:creationId xmlns:a16="http://schemas.microsoft.com/office/drawing/2014/main" id="{529AE6C5-2261-8D43-811C-864D84EA537C}"/>
+              </a:ext>
+            </a:extLst>
+          </p:cNvPr>
+          <p:cNvSpPr txBox="1"/>
+          <p:nvPr/>
+        </p:nvSpPr>
+        <p:spPr>
+          <a:xfrm>
+            <a:off x="10522084" y="18574"/>
+            <a:ext cx="1669916" cy="369332"/>
+          </a:xfrm>
+          <a:prstGeom prst="rect">
+            <a:avLst/>
+          </a:prstGeom>
+          <a:noFill/>
+        </p:spPr>
+        <p:txBody>
+          <a:bodyPr wrap="square" rtlCol="0">
+            <a:spAutoFit/>
+          </a:bodyPr>
+          <a:lstStyle/>
+          <a:p>
+            <a:r>
+              <a:rPr lang="en-US" dirty="0"/>
+              <a:t>LA-UR-11-1111</a:t>
+            </a:r>
           </a:p>
         </p:txBody>
       </p:sp>
@@ -12586,6 +13270,70 @@
           </a:p>
         </p:txBody>
       </p:sp>
+      <p:sp>
+        <p:nvSpPr>
+          <p:cNvPr id="4" name="Slide Number Placeholder 3">
+            <a:extLst>
+              <a:ext uri="{FF2B5EF4-FFF2-40B4-BE49-F238E27FC236}">
+                <a16:creationId xmlns:a16="http://schemas.microsoft.com/office/drawing/2014/main" id="{7DCA40BF-EF6A-0342-B527-D334A09D6137}"/>
+              </a:ext>
+            </a:extLst>
+          </p:cNvPr>
+          <p:cNvSpPr>
+            <a:spLocks noGrp="1"/>
+          </p:cNvSpPr>
+          <p:nvPr>
+            <p:ph type="sldNum" sz="quarter" idx="12"/>
+          </p:nvPr>
+        </p:nvSpPr>
+        <p:spPr/>
+        <p:txBody>
+          <a:bodyPr/>
+          <a:lstStyle/>
+          <a:p>
+            <a:fld id="{6D22F896-40B5-4ADD-8801-0D06FADFA095}" type="slidenum">
+              <a:rPr lang="en-US" smtClean="0"/>
+              <a:t>10</a:t>
+            </a:fld>
+            <a:endParaRPr lang="en-US" dirty="0"/>
+          </a:p>
+        </p:txBody>
+      </p:sp>
+      <p:sp>
+        <p:nvSpPr>
+          <p:cNvPr id="6" name="TextBox 5">
+            <a:extLst>
+              <a:ext uri="{FF2B5EF4-FFF2-40B4-BE49-F238E27FC236}">
+                <a16:creationId xmlns:a16="http://schemas.microsoft.com/office/drawing/2014/main" id="{685FD151-4753-2D40-AC6B-35D664F0C9F1}"/>
+              </a:ext>
+            </a:extLst>
+          </p:cNvPr>
+          <p:cNvSpPr txBox="1"/>
+          <p:nvPr/>
+        </p:nvSpPr>
+        <p:spPr>
+          <a:xfrm>
+            <a:off x="10522084" y="18574"/>
+            <a:ext cx="1669916" cy="369332"/>
+          </a:xfrm>
+          <a:prstGeom prst="rect">
+            <a:avLst/>
+          </a:prstGeom>
+          <a:noFill/>
+        </p:spPr>
+        <p:txBody>
+          <a:bodyPr wrap="square" rtlCol="0">
+            <a:spAutoFit/>
+          </a:bodyPr>
+          <a:lstStyle/>
+          <a:p>
+            <a:r>
+              <a:rPr lang="en-US" dirty="0"/>
+              <a:t>LA-UR-11-1111</a:t>
+            </a:r>
+          </a:p>
+        </p:txBody>
+      </p:sp>
     </p:spTree>
     <p:extLst>
       <p:ext uri="{BB962C8B-B14F-4D97-AF65-F5344CB8AC3E}">
@@ -12707,6 +13455,70 @@
             <a:r>
               <a:rPr lang="en-US" dirty="0"/>
               <a:t>Charliecloud</a:t>
+            </a:r>
+          </a:p>
+        </p:txBody>
+      </p:sp>
+      <p:sp>
+        <p:nvSpPr>
+          <p:cNvPr id="3" name="Slide Number Placeholder 2">
+            <a:extLst>
+              <a:ext uri="{FF2B5EF4-FFF2-40B4-BE49-F238E27FC236}">
+                <a16:creationId xmlns:a16="http://schemas.microsoft.com/office/drawing/2014/main" id="{39647BF5-3851-1645-AC7F-8910DB94E441}"/>
+              </a:ext>
+            </a:extLst>
+          </p:cNvPr>
+          <p:cNvSpPr>
+            <a:spLocks noGrp="1"/>
+          </p:cNvSpPr>
+          <p:nvPr>
+            <p:ph type="sldNum" sz="quarter" idx="12"/>
+          </p:nvPr>
+        </p:nvSpPr>
+        <p:spPr/>
+        <p:txBody>
+          <a:bodyPr/>
+          <a:lstStyle/>
+          <a:p>
+            <a:fld id="{6D22F896-40B5-4ADD-8801-0D06FADFA095}" type="slidenum">
+              <a:rPr lang="en-US" smtClean="0"/>
+              <a:t>11</a:t>
+            </a:fld>
+            <a:endParaRPr lang="en-US" dirty="0"/>
+          </a:p>
+        </p:txBody>
+      </p:sp>
+      <p:sp>
+        <p:nvSpPr>
+          <p:cNvPr id="6" name="TextBox 5">
+            <a:extLst>
+              <a:ext uri="{FF2B5EF4-FFF2-40B4-BE49-F238E27FC236}">
+                <a16:creationId xmlns:a16="http://schemas.microsoft.com/office/drawing/2014/main" id="{124E9D0D-A5C2-6F43-8B4E-AE8E76E1C724}"/>
+              </a:ext>
+            </a:extLst>
+          </p:cNvPr>
+          <p:cNvSpPr txBox="1"/>
+          <p:nvPr/>
+        </p:nvSpPr>
+        <p:spPr>
+          <a:xfrm>
+            <a:off x="10522084" y="18574"/>
+            <a:ext cx="1669916" cy="369332"/>
+          </a:xfrm>
+          <a:prstGeom prst="rect">
+            <a:avLst/>
+          </a:prstGeom>
+          <a:noFill/>
+        </p:spPr>
+        <p:txBody>
+          <a:bodyPr wrap="square" rtlCol="0">
+            <a:spAutoFit/>
+          </a:bodyPr>
+          <a:lstStyle/>
+          <a:p>
+            <a:r>
+              <a:rPr lang="en-US" dirty="0"/>
+              <a:t>LA-UR-11-1111</a:t>
             </a:r>
           </a:p>
         </p:txBody>
@@ -12809,6 +13621,70 @@
           </a:p>
         </p:txBody>
       </p:sp>
+      <p:sp>
+        <p:nvSpPr>
+          <p:cNvPr id="4" name="Slide Number Placeholder 3">
+            <a:extLst>
+              <a:ext uri="{FF2B5EF4-FFF2-40B4-BE49-F238E27FC236}">
+                <a16:creationId xmlns:a16="http://schemas.microsoft.com/office/drawing/2014/main" id="{531950D1-82F4-9540-B1D7-CAC280E86B48}"/>
+              </a:ext>
+            </a:extLst>
+          </p:cNvPr>
+          <p:cNvSpPr>
+            <a:spLocks noGrp="1"/>
+          </p:cNvSpPr>
+          <p:nvPr>
+            <p:ph type="sldNum" sz="quarter" idx="12"/>
+          </p:nvPr>
+        </p:nvSpPr>
+        <p:spPr/>
+        <p:txBody>
+          <a:bodyPr/>
+          <a:lstStyle/>
+          <a:p>
+            <a:fld id="{6D22F896-40B5-4ADD-8801-0D06FADFA095}" type="slidenum">
+              <a:rPr lang="en-US" smtClean="0"/>
+              <a:t>12</a:t>
+            </a:fld>
+            <a:endParaRPr lang="en-US" dirty="0"/>
+          </a:p>
+        </p:txBody>
+      </p:sp>
+      <p:sp>
+        <p:nvSpPr>
+          <p:cNvPr id="6" name="TextBox 5">
+            <a:extLst>
+              <a:ext uri="{FF2B5EF4-FFF2-40B4-BE49-F238E27FC236}">
+                <a16:creationId xmlns:a16="http://schemas.microsoft.com/office/drawing/2014/main" id="{D015D2C0-9B36-BF40-A478-A4A96B994EBC}"/>
+              </a:ext>
+            </a:extLst>
+          </p:cNvPr>
+          <p:cNvSpPr txBox="1"/>
+          <p:nvPr/>
+        </p:nvSpPr>
+        <p:spPr>
+          <a:xfrm>
+            <a:off x="10522084" y="18574"/>
+            <a:ext cx="1669916" cy="369332"/>
+          </a:xfrm>
+          <a:prstGeom prst="rect">
+            <a:avLst/>
+          </a:prstGeom>
+          <a:noFill/>
+        </p:spPr>
+        <p:txBody>
+          <a:bodyPr wrap="square" rtlCol="0">
+            <a:spAutoFit/>
+          </a:bodyPr>
+          <a:lstStyle/>
+          <a:p>
+            <a:r>
+              <a:rPr lang="en-US" dirty="0"/>
+              <a:t>LA-UR-11-1111</a:t>
+            </a:r>
+          </a:p>
+        </p:txBody>
+      </p:sp>
     </p:spTree>
     <p:extLst>
       <p:ext uri="{BB962C8B-B14F-4D97-AF65-F5344CB8AC3E}">
@@ -12914,6 +13790,70 @@
             <a:r>
               <a:rPr lang="en-US" dirty="0"/>
               <a:t>Only copies necessary files instead of the whole container, using less memory</a:t>
+            </a:r>
+          </a:p>
+        </p:txBody>
+      </p:sp>
+      <p:sp>
+        <p:nvSpPr>
+          <p:cNvPr id="4" name="Slide Number Placeholder 3">
+            <a:extLst>
+              <a:ext uri="{FF2B5EF4-FFF2-40B4-BE49-F238E27FC236}">
+                <a16:creationId xmlns:a16="http://schemas.microsoft.com/office/drawing/2014/main" id="{0437F126-461F-6E46-8FA1-FA29ED8CFDD9}"/>
+              </a:ext>
+            </a:extLst>
+          </p:cNvPr>
+          <p:cNvSpPr>
+            <a:spLocks noGrp="1"/>
+          </p:cNvSpPr>
+          <p:nvPr>
+            <p:ph type="sldNum" sz="quarter" idx="12"/>
+          </p:nvPr>
+        </p:nvSpPr>
+        <p:spPr/>
+        <p:txBody>
+          <a:bodyPr/>
+          <a:lstStyle/>
+          <a:p>
+            <a:fld id="{6D22F896-40B5-4ADD-8801-0D06FADFA095}" type="slidenum">
+              <a:rPr lang="en-US" smtClean="0"/>
+              <a:t>13</a:t>
+            </a:fld>
+            <a:endParaRPr lang="en-US" dirty="0"/>
+          </a:p>
+        </p:txBody>
+      </p:sp>
+      <p:sp>
+        <p:nvSpPr>
+          <p:cNvPr id="6" name="TextBox 5">
+            <a:extLst>
+              <a:ext uri="{FF2B5EF4-FFF2-40B4-BE49-F238E27FC236}">
+                <a16:creationId xmlns:a16="http://schemas.microsoft.com/office/drawing/2014/main" id="{9307E651-E931-474A-AAFA-E72ED079983A}"/>
+              </a:ext>
+            </a:extLst>
+          </p:cNvPr>
+          <p:cNvSpPr txBox="1"/>
+          <p:nvPr/>
+        </p:nvSpPr>
+        <p:spPr>
+          <a:xfrm>
+            <a:off x="10522084" y="18574"/>
+            <a:ext cx="1669916" cy="369332"/>
+          </a:xfrm>
+          <a:prstGeom prst="rect">
+            <a:avLst/>
+          </a:prstGeom>
+          <a:noFill/>
+        </p:spPr>
+        <p:txBody>
+          <a:bodyPr wrap="square" rtlCol="0">
+            <a:spAutoFit/>
+          </a:bodyPr>
+          <a:lstStyle/>
+          <a:p>
+            <a:r>
+              <a:rPr lang="en-US" dirty="0"/>
+              <a:t>LA-UR-11-1111</a:t>
             </a:r>
           </a:p>
         </p:txBody>
@@ -13032,6 +13972,70 @@
             <a:r>
               <a:rPr lang="en-US" dirty="0"/>
               <a:t>Hosted on an existing network filesystem like Lustre</a:t>
+            </a:r>
+          </a:p>
+        </p:txBody>
+      </p:sp>
+      <p:sp>
+        <p:nvSpPr>
+          <p:cNvPr id="4" name="Slide Number Placeholder 3">
+            <a:extLst>
+              <a:ext uri="{FF2B5EF4-FFF2-40B4-BE49-F238E27FC236}">
+                <a16:creationId xmlns:a16="http://schemas.microsoft.com/office/drawing/2014/main" id="{A876CF07-329D-2B4E-9477-66728E89BF7E}"/>
+              </a:ext>
+            </a:extLst>
+          </p:cNvPr>
+          <p:cNvSpPr>
+            <a:spLocks noGrp="1"/>
+          </p:cNvSpPr>
+          <p:nvPr>
+            <p:ph type="sldNum" sz="quarter" idx="12"/>
+          </p:nvPr>
+        </p:nvSpPr>
+        <p:spPr/>
+        <p:txBody>
+          <a:bodyPr/>
+          <a:lstStyle/>
+          <a:p>
+            <a:fld id="{6D22F896-40B5-4ADD-8801-0D06FADFA095}" type="slidenum">
+              <a:rPr lang="en-US" smtClean="0"/>
+              <a:t>14</a:t>
+            </a:fld>
+            <a:endParaRPr lang="en-US" dirty="0"/>
+          </a:p>
+        </p:txBody>
+      </p:sp>
+      <p:sp>
+        <p:nvSpPr>
+          <p:cNvPr id="6" name="TextBox 5">
+            <a:extLst>
+              <a:ext uri="{FF2B5EF4-FFF2-40B4-BE49-F238E27FC236}">
+                <a16:creationId xmlns:a16="http://schemas.microsoft.com/office/drawing/2014/main" id="{5113BFCD-FC59-FF4B-9EC2-3A42E4F5F476}"/>
+              </a:ext>
+            </a:extLst>
+          </p:cNvPr>
+          <p:cNvSpPr txBox="1"/>
+          <p:nvPr/>
+        </p:nvSpPr>
+        <p:spPr>
+          <a:xfrm>
+            <a:off x="10522084" y="18574"/>
+            <a:ext cx="1669916" cy="369332"/>
+          </a:xfrm>
+          <a:prstGeom prst="rect">
+            <a:avLst/>
+          </a:prstGeom>
+          <a:noFill/>
+        </p:spPr>
+        <p:txBody>
+          <a:bodyPr wrap="square" rtlCol="0">
+            <a:spAutoFit/>
+          </a:bodyPr>
+          <a:lstStyle/>
+          <a:p>
+            <a:r>
+              <a:rPr lang="en-US" dirty="0"/>
+              <a:t>LA-UR-11-1111</a:t>
             </a:r>
           </a:p>
         </p:txBody>
@@ -13224,6 +14228,70 @@
           </a:p>
         </p:txBody>
       </p:sp>
+      <p:sp>
+        <p:nvSpPr>
+          <p:cNvPr id="3" name="Slide Number Placeholder 2">
+            <a:extLst>
+              <a:ext uri="{FF2B5EF4-FFF2-40B4-BE49-F238E27FC236}">
+                <a16:creationId xmlns:a16="http://schemas.microsoft.com/office/drawing/2014/main" id="{DD268C97-B2D7-124C-AB98-5C7CBECEC845}"/>
+              </a:ext>
+            </a:extLst>
+          </p:cNvPr>
+          <p:cNvSpPr>
+            <a:spLocks noGrp="1"/>
+          </p:cNvSpPr>
+          <p:nvPr>
+            <p:ph type="sldNum" sz="quarter" idx="12"/>
+          </p:nvPr>
+        </p:nvSpPr>
+        <p:spPr/>
+        <p:txBody>
+          <a:bodyPr/>
+          <a:lstStyle/>
+          <a:p>
+            <a:fld id="{6D22F896-40B5-4ADD-8801-0D06FADFA095}" type="slidenum">
+              <a:rPr lang="en-US" smtClean="0"/>
+              <a:t>15</a:t>
+            </a:fld>
+            <a:endParaRPr lang="en-US" dirty="0"/>
+          </a:p>
+        </p:txBody>
+      </p:sp>
+      <p:sp>
+        <p:nvSpPr>
+          <p:cNvPr id="7" name="TextBox 6">
+            <a:extLst>
+              <a:ext uri="{FF2B5EF4-FFF2-40B4-BE49-F238E27FC236}">
+                <a16:creationId xmlns:a16="http://schemas.microsoft.com/office/drawing/2014/main" id="{DD8D0D6D-72DF-5343-8FE4-49CA3EA7739D}"/>
+              </a:ext>
+            </a:extLst>
+          </p:cNvPr>
+          <p:cNvSpPr txBox="1"/>
+          <p:nvPr/>
+        </p:nvSpPr>
+        <p:spPr>
+          <a:xfrm>
+            <a:off x="10522084" y="18574"/>
+            <a:ext cx="1669916" cy="369332"/>
+          </a:xfrm>
+          <a:prstGeom prst="rect">
+            <a:avLst/>
+          </a:prstGeom>
+          <a:noFill/>
+        </p:spPr>
+        <p:txBody>
+          <a:bodyPr wrap="square" rtlCol="0">
+            <a:spAutoFit/>
+          </a:bodyPr>
+          <a:lstStyle/>
+          <a:p>
+            <a:r>
+              <a:rPr lang="en-US" dirty="0"/>
+              <a:t>LA-UR-11-1111</a:t>
+            </a:r>
+          </a:p>
+        </p:txBody>
+      </p:sp>
     </p:spTree>
     <p:extLst>
       <p:ext uri="{BB962C8B-B14F-4D97-AF65-F5344CB8AC3E}">
@@ -13354,6 +14422,70 @@
             <a:r>
               <a:rPr lang="en-US" dirty="0"/>
               <a:t>Object Storage targets</a:t>
+            </a:r>
+          </a:p>
+        </p:txBody>
+      </p:sp>
+      <p:sp>
+        <p:nvSpPr>
+          <p:cNvPr id="4" name="Slide Number Placeholder 3">
+            <a:extLst>
+              <a:ext uri="{FF2B5EF4-FFF2-40B4-BE49-F238E27FC236}">
+                <a16:creationId xmlns:a16="http://schemas.microsoft.com/office/drawing/2014/main" id="{3892A11A-C0F1-B840-94A0-52E60109DA4D}"/>
+              </a:ext>
+            </a:extLst>
+          </p:cNvPr>
+          <p:cNvSpPr>
+            <a:spLocks noGrp="1"/>
+          </p:cNvSpPr>
+          <p:nvPr>
+            <p:ph type="sldNum" sz="quarter" idx="12"/>
+          </p:nvPr>
+        </p:nvSpPr>
+        <p:spPr/>
+        <p:txBody>
+          <a:bodyPr/>
+          <a:lstStyle/>
+          <a:p>
+            <a:fld id="{6D22F896-40B5-4ADD-8801-0D06FADFA095}" type="slidenum">
+              <a:rPr lang="en-US" smtClean="0"/>
+              <a:t>16</a:t>
+            </a:fld>
+            <a:endParaRPr lang="en-US" dirty="0"/>
+          </a:p>
+        </p:txBody>
+      </p:sp>
+      <p:sp>
+        <p:nvSpPr>
+          <p:cNvPr id="6" name="TextBox 5">
+            <a:extLst>
+              <a:ext uri="{FF2B5EF4-FFF2-40B4-BE49-F238E27FC236}">
+                <a16:creationId xmlns:a16="http://schemas.microsoft.com/office/drawing/2014/main" id="{EA720AB4-EA22-8A43-AEF2-E92B350EC96B}"/>
+              </a:ext>
+            </a:extLst>
+          </p:cNvPr>
+          <p:cNvSpPr txBox="1"/>
+          <p:nvPr/>
+        </p:nvSpPr>
+        <p:spPr>
+          <a:xfrm>
+            <a:off x="10522084" y="18574"/>
+            <a:ext cx="1669916" cy="369332"/>
+          </a:xfrm>
+          <a:prstGeom prst="rect">
+            <a:avLst/>
+          </a:prstGeom>
+          <a:noFill/>
+        </p:spPr>
+        <p:txBody>
+          <a:bodyPr wrap="square" rtlCol="0">
+            <a:spAutoFit/>
+          </a:bodyPr>
+          <a:lstStyle/>
+          <a:p>
+            <a:r>
+              <a:rPr lang="en-US" dirty="0"/>
+              <a:t>LA-UR-11-1111</a:t>
             </a:r>
           </a:p>
         </p:txBody>
@@ -13470,6 +14602,70 @@
           </a:p>
         </p:txBody>
       </p:sp>
+      <p:sp>
+        <p:nvSpPr>
+          <p:cNvPr id="4" name="Slide Number Placeholder 3">
+            <a:extLst>
+              <a:ext uri="{FF2B5EF4-FFF2-40B4-BE49-F238E27FC236}">
+                <a16:creationId xmlns:a16="http://schemas.microsoft.com/office/drawing/2014/main" id="{9B7D6F4E-BC68-FD4B-8299-3B41933D0454}"/>
+              </a:ext>
+            </a:extLst>
+          </p:cNvPr>
+          <p:cNvSpPr>
+            <a:spLocks noGrp="1"/>
+          </p:cNvSpPr>
+          <p:nvPr>
+            <p:ph type="sldNum" sz="quarter" idx="12"/>
+          </p:nvPr>
+        </p:nvSpPr>
+        <p:spPr/>
+        <p:txBody>
+          <a:bodyPr/>
+          <a:lstStyle/>
+          <a:p>
+            <a:fld id="{6D22F896-40B5-4ADD-8801-0D06FADFA095}" type="slidenum">
+              <a:rPr lang="en-US" smtClean="0"/>
+              <a:t>17</a:t>
+            </a:fld>
+            <a:endParaRPr lang="en-US" dirty="0"/>
+          </a:p>
+        </p:txBody>
+      </p:sp>
+      <p:sp>
+        <p:nvSpPr>
+          <p:cNvPr id="6" name="TextBox 5">
+            <a:extLst>
+              <a:ext uri="{FF2B5EF4-FFF2-40B4-BE49-F238E27FC236}">
+                <a16:creationId xmlns:a16="http://schemas.microsoft.com/office/drawing/2014/main" id="{0878583B-B4EC-DA45-94AC-32FA199B5290}"/>
+              </a:ext>
+            </a:extLst>
+          </p:cNvPr>
+          <p:cNvSpPr txBox="1"/>
+          <p:nvPr/>
+        </p:nvSpPr>
+        <p:spPr>
+          <a:xfrm>
+            <a:off x="10522084" y="18574"/>
+            <a:ext cx="1669916" cy="369332"/>
+          </a:xfrm>
+          <a:prstGeom prst="rect">
+            <a:avLst/>
+          </a:prstGeom>
+          <a:noFill/>
+        </p:spPr>
+        <p:txBody>
+          <a:bodyPr wrap="square" rtlCol="0">
+            <a:spAutoFit/>
+          </a:bodyPr>
+          <a:lstStyle/>
+          <a:p>
+            <a:r>
+              <a:rPr lang="en-US" dirty="0"/>
+              <a:t>LA-UR-11-1111</a:t>
+            </a:r>
+          </a:p>
+        </p:txBody>
+      </p:sp>
     </p:spTree>
     <p:extLst>
       <p:ext uri="{BB962C8B-B14F-4D97-AF65-F5344CB8AC3E}">
@@ -13599,6 +14795,70 @@
               <a:t>inodes</a:t>
             </a:r>
             <a:endParaRPr lang="en-US" dirty="0"/>
+          </a:p>
+        </p:txBody>
+      </p:sp>
+      <p:sp>
+        <p:nvSpPr>
+          <p:cNvPr id="4" name="Slide Number Placeholder 3">
+            <a:extLst>
+              <a:ext uri="{FF2B5EF4-FFF2-40B4-BE49-F238E27FC236}">
+                <a16:creationId xmlns:a16="http://schemas.microsoft.com/office/drawing/2014/main" id="{7FA04410-4414-A34D-9D35-F736D4219C3C}"/>
+              </a:ext>
+            </a:extLst>
+          </p:cNvPr>
+          <p:cNvSpPr>
+            <a:spLocks noGrp="1"/>
+          </p:cNvSpPr>
+          <p:nvPr>
+            <p:ph type="sldNum" sz="quarter" idx="12"/>
+          </p:nvPr>
+        </p:nvSpPr>
+        <p:spPr/>
+        <p:txBody>
+          <a:bodyPr/>
+          <a:lstStyle/>
+          <a:p>
+            <a:fld id="{6D22F896-40B5-4ADD-8801-0D06FADFA095}" type="slidenum">
+              <a:rPr lang="en-US" smtClean="0"/>
+              <a:t>18</a:t>
+            </a:fld>
+            <a:endParaRPr lang="en-US" dirty="0"/>
+          </a:p>
+        </p:txBody>
+      </p:sp>
+      <p:sp>
+        <p:nvSpPr>
+          <p:cNvPr id="6" name="TextBox 5">
+            <a:extLst>
+              <a:ext uri="{FF2B5EF4-FFF2-40B4-BE49-F238E27FC236}">
+                <a16:creationId xmlns:a16="http://schemas.microsoft.com/office/drawing/2014/main" id="{B1635D3E-3612-3D46-A5E6-FE1E6475790A}"/>
+              </a:ext>
+            </a:extLst>
+          </p:cNvPr>
+          <p:cNvSpPr txBox="1"/>
+          <p:nvPr/>
+        </p:nvSpPr>
+        <p:spPr>
+          <a:xfrm>
+            <a:off x="10522084" y="18574"/>
+            <a:ext cx="1669916" cy="369332"/>
+          </a:xfrm>
+          <a:prstGeom prst="rect">
+            <a:avLst/>
+          </a:prstGeom>
+          <a:noFill/>
+        </p:spPr>
+        <p:txBody>
+          <a:bodyPr wrap="square" rtlCol="0">
+            <a:spAutoFit/>
+          </a:bodyPr>
+          <a:lstStyle/>
+          <a:p>
+            <a:r>
+              <a:rPr lang="en-US" dirty="0"/>
+              <a:t>LA-UR-11-1111</a:t>
+            </a:r>
           </a:p>
         </p:txBody>
       </p:sp>
@@ -13801,7 +15061,7 @@
             <a:noFill/>
             <a:extLst>
               <a:ext uri="{909E8E84-426E-40dd-AFC4-6F175D3DCCD1}">
-                <a14:hiddenFill xmlns:p14="http://schemas.microsoft.com/office/powerpoint/2010/main" xmlns:a14="http://schemas.microsoft.com/office/drawing/2010/main" xmlns:a16="http://schemas.microsoft.com/office/drawing/2014/main" xmlns="">
+                <a14:hiddenFill xmlns="" xmlns:a16="http://schemas.microsoft.com/office/drawing/2014/main" xmlns:a14="http://schemas.microsoft.com/office/drawing/2010/main" xmlns:p14="http://schemas.microsoft.com/office/powerpoint/2010/main">
                   <a:solidFill>
                     <a:srgbClr val="FFFFFF"/>
                   </a:solidFill>
@@ -13921,7 +15181,7 @@
             </a:ln>
             <a:extLst>
               <a:ext uri="{91240B29-F687-4f45-9708-019B960494DF}">
-                <a14:hiddenLine xmlns:p14="http://schemas.microsoft.com/office/powerpoint/2010/main" xmlns:a14="http://schemas.microsoft.com/office/drawing/2010/main" xmlns:a16="http://schemas.microsoft.com/office/drawing/2014/main" xmlns="" w="9525">
+                <a14:hiddenLine xmlns="" xmlns:a16="http://schemas.microsoft.com/office/drawing/2014/main" xmlns:a14="http://schemas.microsoft.com/office/drawing/2010/main" xmlns:p14="http://schemas.microsoft.com/office/powerpoint/2010/main" w="9525">
                   <a:solidFill>
                     <a:srgbClr val="000000"/>
                   </a:solidFill>
@@ -14026,7 +15286,7 @@
             </a:ln>
             <a:extLst>
               <a:ext uri="{91240B29-F687-4f45-9708-019B960494DF}">
-                <a14:hiddenLine xmlns:p14="http://schemas.microsoft.com/office/powerpoint/2010/main" xmlns:a14="http://schemas.microsoft.com/office/drawing/2010/main" xmlns:a16="http://schemas.microsoft.com/office/drawing/2014/main" xmlns="" w="9525">
+                <a14:hiddenLine xmlns="" xmlns:a16="http://schemas.microsoft.com/office/drawing/2014/main" xmlns:a14="http://schemas.microsoft.com/office/drawing/2010/main" xmlns:p14="http://schemas.microsoft.com/office/powerpoint/2010/main" w="9525">
                   <a:solidFill>
                     <a:srgbClr val="000000"/>
                   </a:solidFill>
@@ -14131,7 +15391,7 @@
             </a:ln>
             <a:extLst>
               <a:ext uri="{91240B29-F687-4f45-9708-019B960494DF}">
-                <a14:hiddenLine xmlns:p14="http://schemas.microsoft.com/office/powerpoint/2010/main" xmlns:a14="http://schemas.microsoft.com/office/drawing/2010/main" xmlns:a16="http://schemas.microsoft.com/office/drawing/2014/main" xmlns="" w="9525">
+                <a14:hiddenLine xmlns="" xmlns:a16="http://schemas.microsoft.com/office/drawing/2014/main" xmlns:a14="http://schemas.microsoft.com/office/drawing/2010/main" xmlns:p14="http://schemas.microsoft.com/office/powerpoint/2010/main" w="9525">
                   <a:solidFill>
                     <a:srgbClr val="000000"/>
                   </a:solidFill>
@@ -14180,7 +15440,7 @@
             </a:ln>
             <a:extLst>
               <a:ext uri="{91240B29-F687-4f45-9708-019B960494DF}">
-                <a14:hiddenLine xmlns:p14="http://schemas.microsoft.com/office/powerpoint/2010/main" xmlns:a14="http://schemas.microsoft.com/office/drawing/2010/main" xmlns:a16="http://schemas.microsoft.com/office/drawing/2014/main" xmlns="" w="9525">
+                <a14:hiddenLine xmlns="" xmlns:a16="http://schemas.microsoft.com/office/drawing/2014/main" xmlns:a14="http://schemas.microsoft.com/office/drawing/2010/main" xmlns:p14="http://schemas.microsoft.com/office/powerpoint/2010/main" w="9525">
                   <a:solidFill>
                     <a:srgbClr val="000000"/>
                   </a:solidFill>
@@ -14285,7 +15545,7 @@
             </a:ln>
             <a:extLst>
               <a:ext uri="{91240B29-F687-4f45-9708-019B960494DF}">
-                <a14:hiddenLine xmlns:p14="http://schemas.microsoft.com/office/powerpoint/2010/main" xmlns:a14="http://schemas.microsoft.com/office/drawing/2010/main" xmlns:a16="http://schemas.microsoft.com/office/drawing/2014/main" xmlns="" w="9525">
+                <a14:hiddenLine xmlns="" xmlns:a16="http://schemas.microsoft.com/office/drawing/2014/main" xmlns:a14="http://schemas.microsoft.com/office/drawing/2010/main" xmlns:p14="http://schemas.microsoft.com/office/powerpoint/2010/main" w="9525">
                   <a:solidFill>
                     <a:srgbClr val="000000"/>
                   </a:solidFill>
@@ -14362,7 +15622,7 @@
             </a:ln>
             <a:extLst>
               <a:ext uri="{91240B29-F687-4f45-9708-019B960494DF}">
-                <a14:hiddenLine xmlns:p14="http://schemas.microsoft.com/office/powerpoint/2010/main" xmlns:a14="http://schemas.microsoft.com/office/drawing/2010/main" xmlns:a16="http://schemas.microsoft.com/office/drawing/2014/main" xmlns="" w="9525">
+                <a14:hiddenLine xmlns="" xmlns:a16="http://schemas.microsoft.com/office/drawing/2014/main" xmlns:a14="http://schemas.microsoft.com/office/drawing/2010/main" xmlns:p14="http://schemas.microsoft.com/office/powerpoint/2010/main" w="9525">
                   <a:solidFill>
                     <a:srgbClr val="000000"/>
                   </a:solidFill>
@@ -14439,7 +15699,7 @@
             </a:ln>
             <a:extLst>
               <a:ext uri="{91240B29-F687-4f45-9708-019B960494DF}">
-                <a14:hiddenLine xmlns:p14="http://schemas.microsoft.com/office/powerpoint/2010/main" xmlns:a14="http://schemas.microsoft.com/office/drawing/2010/main" xmlns:a16="http://schemas.microsoft.com/office/drawing/2014/main" xmlns="" w="9525">
+                <a14:hiddenLine xmlns="" xmlns:a16="http://schemas.microsoft.com/office/drawing/2014/main" xmlns:a14="http://schemas.microsoft.com/office/drawing/2010/main" xmlns:p14="http://schemas.microsoft.com/office/powerpoint/2010/main" w="9525">
                   <a:solidFill>
                     <a:srgbClr val="000000"/>
                   </a:solidFill>
@@ -14544,7 +15804,7 @@
             </a:ln>
             <a:extLst>
               <a:ext uri="{91240B29-F687-4f45-9708-019B960494DF}">
-                <a14:hiddenLine xmlns:p14="http://schemas.microsoft.com/office/powerpoint/2010/main" xmlns:a14="http://schemas.microsoft.com/office/drawing/2010/main" xmlns:a16="http://schemas.microsoft.com/office/drawing/2014/main" xmlns="" w="9525">
+                <a14:hiddenLine xmlns="" xmlns:a16="http://schemas.microsoft.com/office/drawing/2014/main" xmlns:a14="http://schemas.microsoft.com/office/drawing/2010/main" xmlns:p14="http://schemas.microsoft.com/office/powerpoint/2010/main" w="9525">
                   <a:solidFill>
                     <a:srgbClr val="000000"/>
                   </a:solidFill>
@@ -14621,7 +15881,7 @@
             </a:ln>
             <a:extLst>
               <a:ext uri="{91240B29-F687-4f45-9708-019B960494DF}">
-                <a14:hiddenLine xmlns:p14="http://schemas.microsoft.com/office/powerpoint/2010/main" xmlns:a14="http://schemas.microsoft.com/office/drawing/2010/main" xmlns:a16="http://schemas.microsoft.com/office/drawing/2014/main" xmlns="" w="9525">
+                <a14:hiddenLine xmlns="" xmlns:a16="http://schemas.microsoft.com/office/drawing/2014/main" xmlns:a14="http://schemas.microsoft.com/office/drawing/2010/main" xmlns:p14="http://schemas.microsoft.com/office/powerpoint/2010/main" w="9525">
                   <a:solidFill>
                     <a:srgbClr val="000000"/>
                   </a:solidFill>
@@ -14698,7 +15958,7 @@
             </a:ln>
             <a:extLst>
               <a:ext uri="{91240B29-F687-4f45-9708-019B960494DF}">
-                <a14:hiddenLine xmlns:p14="http://schemas.microsoft.com/office/powerpoint/2010/main" xmlns:a14="http://schemas.microsoft.com/office/drawing/2010/main" xmlns:a16="http://schemas.microsoft.com/office/drawing/2014/main" xmlns="" w="9525">
+                <a14:hiddenLine xmlns="" xmlns:a16="http://schemas.microsoft.com/office/drawing/2014/main" xmlns:a14="http://schemas.microsoft.com/office/drawing/2010/main" xmlns:p14="http://schemas.microsoft.com/office/powerpoint/2010/main" w="9525">
                   <a:solidFill>
                     <a:srgbClr val="000000"/>
                   </a:solidFill>
@@ -14803,7 +16063,7 @@
             </a:ln>
             <a:extLst>
               <a:ext uri="{91240B29-F687-4f45-9708-019B960494DF}">
-                <a14:hiddenLine xmlns:p14="http://schemas.microsoft.com/office/powerpoint/2010/main" xmlns:a14="http://schemas.microsoft.com/office/drawing/2010/main" xmlns:a16="http://schemas.microsoft.com/office/drawing/2014/main" xmlns="" w="9525">
+                <a14:hiddenLine xmlns="" xmlns:a16="http://schemas.microsoft.com/office/drawing/2014/main" xmlns:a14="http://schemas.microsoft.com/office/drawing/2010/main" xmlns:p14="http://schemas.microsoft.com/office/powerpoint/2010/main" w="9525">
                   <a:solidFill>
                     <a:srgbClr val="000000"/>
                   </a:solidFill>
@@ -14908,7 +16168,7 @@
             </a:ln>
             <a:extLst>
               <a:ext uri="{91240B29-F687-4f45-9708-019B960494DF}">
-                <a14:hiddenLine xmlns:p14="http://schemas.microsoft.com/office/powerpoint/2010/main" xmlns:a14="http://schemas.microsoft.com/office/drawing/2010/main" xmlns:a16="http://schemas.microsoft.com/office/drawing/2014/main" xmlns="" w="9525">
+                <a14:hiddenLine xmlns="" xmlns:a16="http://schemas.microsoft.com/office/drawing/2014/main" xmlns:a14="http://schemas.microsoft.com/office/drawing/2010/main" xmlns:p14="http://schemas.microsoft.com/office/powerpoint/2010/main" w="9525">
                   <a:solidFill>
                     <a:srgbClr val="000000"/>
                   </a:solidFill>
@@ -14985,7 +16245,7 @@
             </a:ln>
             <a:extLst>
               <a:ext uri="{91240B29-F687-4f45-9708-019B960494DF}">
-                <a14:hiddenLine xmlns:p14="http://schemas.microsoft.com/office/powerpoint/2010/main" xmlns:a14="http://schemas.microsoft.com/office/drawing/2010/main" xmlns:a16="http://schemas.microsoft.com/office/drawing/2014/main" xmlns="" w="9525">
+                <a14:hiddenLine xmlns="" xmlns:a16="http://schemas.microsoft.com/office/drawing/2014/main" xmlns:a14="http://schemas.microsoft.com/office/drawing/2010/main" xmlns:p14="http://schemas.microsoft.com/office/powerpoint/2010/main" w="9525">
                   <a:solidFill>
                     <a:srgbClr val="000000"/>
                   </a:solidFill>
@@ -15110,7 +16370,7 @@
             </a:ln>
             <a:extLst>
               <a:ext uri="{91240B29-F687-4f45-9708-019B960494DF}">
-                <a14:hiddenLine xmlns:p14="http://schemas.microsoft.com/office/powerpoint/2010/main" xmlns:a14="http://schemas.microsoft.com/office/drawing/2010/main" xmlns:a16="http://schemas.microsoft.com/office/drawing/2014/main" xmlns="" w="9525">
+                <a14:hiddenLine xmlns="" xmlns:a16="http://schemas.microsoft.com/office/drawing/2014/main" xmlns:a14="http://schemas.microsoft.com/office/drawing/2010/main" xmlns:p14="http://schemas.microsoft.com/office/powerpoint/2010/main" w="9525">
                   <a:solidFill>
                     <a:srgbClr val="000000"/>
                   </a:solidFill>
@@ -15187,7 +16447,7 @@
             </a:ln>
             <a:extLst>
               <a:ext uri="{91240B29-F687-4f45-9708-019B960494DF}">
-                <a14:hiddenLine xmlns:p14="http://schemas.microsoft.com/office/powerpoint/2010/main" xmlns:a14="http://schemas.microsoft.com/office/drawing/2010/main" xmlns:a16="http://schemas.microsoft.com/office/drawing/2014/main" xmlns="" w="9525">
+                <a14:hiddenLine xmlns="" xmlns:a16="http://schemas.microsoft.com/office/drawing/2014/main" xmlns:a14="http://schemas.microsoft.com/office/drawing/2010/main" xmlns:p14="http://schemas.microsoft.com/office/powerpoint/2010/main" w="9525">
                   <a:solidFill>
                     <a:srgbClr val="000000"/>
                   </a:solidFill>
@@ -15292,7 +16552,7 @@
             </a:ln>
             <a:extLst>
               <a:ext uri="{91240B29-F687-4f45-9708-019B960494DF}">
-                <a14:hiddenLine xmlns:p14="http://schemas.microsoft.com/office/powerpoint/2010/main" xmlns:a14="http://schemas.microsoft.com/office/drawing/2010/main" xmlns:a16="http://schemas.microsoft.com/office/drawing/2014/main" xmlns="" w="9525">
+                <a14:hiddenLine xmlns="" xmlns:a16="http://schemas.microsoft.com/office/drawing/2014/main" xmlns:a14="http://schemas.microsoft.com/office/drawing/2010/main" xmlns:p14="http://schemas.microsoft.com/office/powerpoint/2010/main" w="9525">
                   <a:solidFill>
                     <a:srgbClr val="000000"/>
                   </a:solidFill>
@@ -15397,7 +16657,7 @@
             </a:ln>
             <a:extLst>
               <a:ext uri="{91240B29-F687-4f45-9708-019B960494DF}">
-                <a14:hiddenLine xmlns:p14="http://schemas.microsoft.com/office/powerpoint/2010/main" xmlns:a14="http://schemas.microsoft.com/office/drawing/2010/main" xmlns:a16="http://schemas.microsoft.com/office/drawing/2014/main" xmlns="" w="9525">
+                <a14:hiddenLine xmlns="" xmlns:a16="http://schemas.microsoft.com/office/drawing/2014/main" xmlns:a14="http://schemas.microsoft.com/office/drawing/2010/main" xmlns:p14="http://schemas.microsoft.com/office/powerpoint/2010/main" w="9525">
                   <a:solidFill>
                     <a:srgbClr val="000000"/>
                   </a:solidFill>
@@ -15474,7 +16734,7 @@
             </a:ln>
             <a:extLst>
               <a:ext uri="{91240B29-F687-4f45-9708-019B960494DF}">
-                <a14:hiddenLine xmlns:p14="http://schemas.microsoft.com/office/powerpoint/2010/main" xmlns:a14="http://schemas.microsoft.com/office/drawing/2010/main" xmlns:a16="http://schemas.microsoft.com/office/drawing/2014/main" xmlns="" w="9525">
+                <a14:hiddenLine xmlns="" xmlns:a16="http://schemas.microsoft.com/office/drawing/2014/main" xmlns:a14="http://schemas.microsoft.com/office/drawing/2010/main" xmlns:p14="http://schemas.microsoft.com/office/powerpoint/2010/main" w="9525">
                   <a:solidFill>
                     <a:srgbClr val="000000"/>
                   </a:solidFill>
@@ -15579,7 +16839,7 @@
             </a:ln>
             <a:extLst>
               <a:ext uri="{91240B29-F687-4f45-9708-019B960494DF}">
-                <a14:hiddenLine xmlns:p14="http://schemas.microsoft.com/office/powerpoint/2010/main" xmlns:a14="http://schemas.microsoft.com/office/drawing/2010/main" xmlns:a16="http://schemas.microsoft.com/office/drawing/2014/main" xmlns="" w="9525">
+                <a14:hiddenLine xmlns="" xmlns:a16="http://schemas.microsoft.com/office/drawing/2014/main" xmlns:a14="http://schemas.microsoft.com/office/drawing/2010/main" xmlns:p14="http://schemas.microsoft.com/office/powerpoint/2010/main" w="9525">
                   <a:solidFill>
                     <a:srgbClr val="000000"/>
                   </a:solidFill>
@@ -15684,7 +16944,7 @@
             </a:ln>
             <a:extLst>
               <a:ext uri="{91240B29-F687-4f45-9708-019B960494DF}">
-                <a14:hiddenLine xmlns:p14="http://schemas.microsoft.com/office/powerpoint/2010/main" xmlns:a14="http://schemas.microsoft.com/office/drawing/2010/main" xmlns:a16="http://schemas.microsoft.com/office/drawing/2014/main" xmlns="" w="9525">
+                <a14:hiddenLine xmlns="" xmlns:a16="http://schemas.microsoft.com/office/drawing/2014/main" xmlns:a14="http://schemas.microsoft.com/office/drawing/2010/main" xmlns:p14="http://schemas.microsoft.com/office/powerpoint/2010/main" w="9525">
                   <a:solidFill>
                     <a:srgbClr val="000000"/>
                   </a:solidFill>
@@ -15755,7 +17015,7 @@
             </a:ln>
             <a:extLst>
               <a:ext uri="{91240B29-F687-4f45-9708-019B960494DF}">
-                <a14:hiddenLine xmlns:p14="http://schemas.microsoft.com/office/powerpoint/2010/main" xmlns:a14="http://schemas.microsoft.com/office/drawing/2010/main" xmlns:a16="http://schemas.microsoft.com/office/drawing/2014/main" xmlns="" w="9525">
+                <a14:hiddenLine xmlns="" xmlns:a16="http://schemas.microsoft.com/office/drawing/2014/main" xmlns:a14="http://schemas.microsoft.com/office/drawing/2010/main" xmlns:p14="http://schemas.microsoft.com/office/powerpoint/2010/main" w="9525">
                   <a:solidFill>
                     <a:srgbClr val="000000"/>
                   </a:solidFill>
@@ -15860,7 +17120,7 @@
             </a:ln>
             <a:extLst>
               <a:ext uri="{91240B29-F687-4f45-9708-019B960494DF}">
-                <a14:hiddenLine xmlns:p14="http://schemas.microsoft.com/office/powerpoint/2010/main" xmlns:a14="http://schemas.microsoft.com/office/drawing/2010/main" xmlns:a16="http://schemas.microsoft.com/office/drawing/2014/main" xmlns="" w="9525">
+                <a14:hiddenLine xmlns="" xmlns:a16="http://schemas.microsoft.com/office/drawing/2014/main" xmlns:a14="http://schemas.microsoft.com/office/drawing/2010/main" xmlns:p14="http://schemas.microsoft.com/office/powerpoint/2010/main" w="9525">
                   <a:solidFill>
                     <a:srgbClr val="000000"/>
                   </a:solidFill>
@@ -15931,7 +17191,7 @@
             </a:ln>
             <a:extLst>
               <a:ext uri="{91240B29-F687-4f45-9708-019B960494DF}">
-                <a14:hiddenLine xmlns:p14="http://schemas.microsoft.com/office/powerpoint/2010/main" xmlns:a14="http://schemas.microsoft.com/office/drawing/2010/main" xmlns:a16="http://schemas.microsoft.com/office/drawing/2014/main" xmlns="" w="9525">
+                <a14:hiddenLine xmlns="" xmlns:a16="http://schemas.microsoft.com/office/drawing/2014/main" xmlns:a14="http://schemas.microsoft.com/office/drawing/2010/main" xmlns:p14="http://schemas.microsoft.com/office/powerpoint/2010/main" w="9525">
                   <a:solidFill>
                     <a:srgbClr val="000000"/>
                   </a:solidFill>
@@ -16036,7 +17296,7 @@
             </a:ln>
             <a:extLst>
               <a:ext uri="{91240B29-F687-4f45-9708-019B960494DF}">
-                <a14:hiddenLine xmlns:p14="http://schemas.microsoft.com/office/powerpoint/2010/main" xmlns:a14="http://schemas.microsoft.com/office/drawing/2010/main" xmlns:a16="http://schemas.microsoft.com/office/drawing/2014/main" xmlns="" w="9525">
+                <a14:hiddenLine xmlns="" xmlns:a16="http://schemas.microsoft.com/office/drawing/2014/main" xmlns:a14="http://schemas.microsoft.com/office/drawing/2010/main" xmlns:p14="http://schemas.microsoft.com/office/powerpoint/2010/main" w="9525">
                   <a:solidFill>
                     <a:srgbClr val="000000"/>
                   </a:solidFill>
@@ -16119,7 +17379,7 @@
             </a:ln>
             <a:extLst>
               <a:ext uri="{91240B29-F687-4f45-9708-019B960494DF}">
-                <a14:hiddenLine xmlns:p14="http://schemas.microsoft.com/office/powerpoint/2010/main" xmlns:a14="http://schemas.microsoft.com/office/drawing/2010/main" xmlns:a16="http://schemas.microsoft.com/office/drawing/2014/main" xmlns="" w="9525">
+                <a14:hiddenLine xmlns="" xmlns:a16="http://schemas.microsoft.com/office/drawing/2014/main" xmlns:a14="http://schemas.microsoft.com/office/drawing/2010/main" xmlns:p14="http://schemas.microsoft.com/office/powerpoint/2010/main" w="9525">
                   <a:solidFill>
                     <a:srgbClr val="000000"/>
                   </a:solidFill>
@@ -16224,7 +17484,7 @@
             </a:ln>
             <a:extLst>
               <a:ext uri="{91240B29-F687-4f45-9708-019B960494DF}">
-                <a14:hiddenLine xmlns:p14="http://schemas.microsoft.com/office/powerpoint/2010/main" xmlns:a14="http://schemas.microsoft.com/office/drawing/2010/main" xmlns:a16="http://schemas.microsoft.com/office/drawing/2014/main" xmlns="" w="9525">
+                <a14:hiddenLine xmlns="" xmlns:a16="http://schemas.microsoft.com/office/drawing/2014/main" xmlns:a14="http://schemas.microsoft.com/office/drawing/2010/main" xmlns:p14="http://schemas.microsoft.com/office/powerpoint/2010/main" w="9525">
                   <a:solidFill>
                     <a:srgbClr val="000000"/>
                   </a:solidFill>
@@ -16307,7 +17567,7 @@
             </a:ln>
             <a:extLst>
               <a:ext uri="{91240B29-F687-4f45-9708-019B960494DF}">
-                <a14:hiddenLine xmlns:p14="http://schemas.microsoft.com/office/powerpoint/2010/main" xmlns:a14="http://schemas.microsoft.com/office/drawing/2010/main" xmlns:a16="http://schemas.microsoft.com/office/drawing/2014/main" xmlns="" w="9525">
+                <a14:hiddenLine xmlns="" xmlns:a16="http://schemas.microsoft.com/office/drawing/2014/main" xmlns:a14="http://schemas.microsoft.com/office/drawing/2010/main" xmlns:p14="http://schemas.microsoft.com/office/powerpoint/2010/main" w="9525">
                   <a:solidFill>
                     <a:srgbClr val="000000"/>
                   </a:solidFill>
@@ -16412,7 +17672,7 @@
             </a:ln>
             <a:extLst>
               <a:ext uri="{91240B29-F687-4f45-9708-019B960494DF}">
-                <a14:hiddenLine xmlns:p14="http://schemas.microsoft.com/office/powerpoint/2010/main" xmlns:a14="http://schemas.microsoft.com/office/drawing/2010/main" xmlns:a16="http://schemas.microsoft.com/office/drawing/2014/main" xmlns="" w="9525">
+                <a14:hiddenLine xmlns="" xmlns:a16="http://schemas.microsoft.com/office/drawing/2014/main" xmlns:a14="http://schemas.microsoft.com/office/drawing/2010/main" xmlns:p14="http://schemas.microsoft.com/office/powerpoint/2010/main" w="9525">
                   <a:solidFill>
                     <a:srgbClr val="000000"/>
                   </a:solidFill>
@@ -16461,7 +17721,7 @@
             </a:ln>
             <a:extLst>
               <a:ext uri="{91240B29-F687-4f45-9708-019B960494DF}">
-                <a14:hiddenLine xmlns:p14="http://schemas.microsoft.com/office/powerpoint/2010/main" xmlns:a14="http://schemas.microsoft.com/office/drawing/2010/main" xmlns:a16="http://schemas.microsoft.com/office/drawing/2014/main" xmlns="" w="9525">
+                <a14:hiddenLine xmlns="" xmlns:a16="http://schemas.microsoft.com/office/drawing/2014/main" xmlns:a14="http://schemas.microsoft.com/office/drawing/2010/main" xmlns:p14="http://schemas.microsoft.com/office/powerpoint/2010/main" w="9525">
                   <a:solidFill>
                     <a:srgbClr val="000000"/>
                   </a:solidFill>
@@ -16566,7 +17826,7 @@
             </a:ln>
             <a:extLst>
               <a:ext uri="{91240B29-F687-4f45-9708-019B960494DF}">
-                <a14:hiddenLine xmlns:p14="http://schemas.microsoft.com/office/powerpoint/2010/main" xmlns:a14="http://schemas.microsoft.com/office/drawing/2010/main" xmlns:a16="http://schemas.microsoft.com/office/drawing/2014/main" xmlns="" w="9525">
+                <a14:hiddenLine xmlns="" xmlns:a16="http://schemas.microsoft.com/office/drawing/2014/main" xmlns:a14="http://schemas.microsoft.com/office/drawing/2010/main" xmlns:p14="http://schemas.microsoft.com/office/powerpoint/2010/main" w="9525">
                   <a:solidFill>
                     <a:srgbClr val="000000"/>
                   </a:solidFill>
@@ -16643,7 +17903,7 @@
             </a:ln>
             <a:extLst>
               <a:ext uri="{91240B29-F687-4f45-9708-019B960494DF}">
-                <a14:hiddenLine xmlns:p14="http://schemas.microsoft.com/office/powerpoint/2010/main" xmlns:a14="http://schemas.microsoft.com/office/drawing/2010/main" xmlns:a16="http://schemas.microsoft.com/office/drawing/2014/main" xmlns="" w="9525">
+                <a14:hiddenLine xmlns="" xmlns:a16="http://schemas.microsoft.com/office/drawing/2014/main" xmlns:a14="http://schemas.microsoft.com/office/drawing/2010/main" xmlns:p14="http://schemas.microsoft.com/office/powerpoint/2010/main" w="9525">
                   <a:solidFill>
                     <a:srgbClr val="000000"/>
                   </a:solidFill>
@@ -16720,7 +17980,7 @@
             </a:ln>
             <a:extLst>
               <a:ext uri="{91240B29-F687-4f45-9708-019B960494DF}">
-                <a14:hiddenLine xmlns:p14="http://schemas.microsoft.com/office/powerpoint/2010/main" xmlns:a14="http://schemas.microsoft.com/office/drawing/2010/main" xmlns:a16="http://schemas.microsoft.com/office/drawing/2014/main" xmlns="" w="9525">
+                <a14:hiddenLine xmlns="" xmlns:a16="http://schemas.microsoft.com/office/drawing/2014/main" xmlns:a14="http://schemas.microsoft.com/office/drawing/2010/main" xmlns:p14="http://schemas.microsoft.com/office/powerpoint/2010/main" w="9525">
                   <a:solidFill>
                     <a:srgbClr val="000000"/>
                   </a:solidFill>
@@ -16825,7 +18085,7 @@
             </a:ln>
             <a:extLst>
               <a:ext uri="{91240B29-F687-4f45-9708-019B960494DF}">
-                <a14:hiddenLine xmlns:p14="http://schemas.microsoft.com/office/powerpoint/2010/main" xmlns:a14="http://schemas.microsoft.com/office/drawing/2010/main" xmlns:a16="http://schemas.microsoft.com/office/drawing/2014/main" xmlns="" w="9525">
+                <a14:hiddenLine xmlns="" xmlns:a16="http://schemas.microsoft.com/office/drawing/2014/main" xmlns:a14="http://schemas.microsoft.com/office/drawing/2010/main" xmlns:p14="http://schemas.microsoft.com/office/powerpoint/2010/main" w="9525">
                   <a:solidFill>
                     <a:srgbClr val="000000"/>
                   </a:solidFill>
@@ -16908,7 +18168,7 @@
             </a:ln>
             <a:extLst>
               <a:ext uri="{91240B29-F687-4f45-9708-019B960494DF}">
-                <a14:hiddenLine xmlns:p14="http://schemas.microsoft.com/office/powerpoint/2010/main" xmlns:a14="http://schemas.microsoft.com/office/drawing/2010/main" xmlns:a16="http://schemas.microsoft.com/office/drawing/2014/main" xmlns="" w="9525">
+                <a14:hiddenLine xmlns="" xmlns:a16="http://schemas.microsoft.com/office/drawing/2014/main" xmlns:a14="http://schemas.microsoft.com/office/drawing/2010/main" xmlns:p14="http://schemas.microsoft.com/office/powerpoint/2010/main" w="9525">
                   <a:solidFill>
                     <a:srgbClr val="000000"/>
                   </a:solidFill>
@@ -16985,7 +18245,7 @@
             </a:ln>
             <a:extLst>
               <a:ext uri="{91240B29-F687-4f45-9708-019B960494DF}">
-                <a14:hiddenLine xmlns:p14="http://schemas.microsoft.com/office/powerpoint/2010/main" xmlns:a14="http://schemas.microsoft.com/office/drawing/2010/main" xmlns:a16="http://schemas.microsoft.com/office/drawing/2014/main" xmlns="" w="9525">
+                <a14:hiddenLine xmlns="" xmlns:a16="http://schemas.microsoft.com/office/drawing/2014/main" xmlns:a14="http://schemas.microsoft.com/office/drawing/2010/main" xmlns:p14="http://schemas.microsoft.com/office/powerpoint/2010/main" w="9525">
                   <a:solidFill>
                     <a:srgbClr val="000000"/>
                   </a:solidFill>
@@ -17090,7 +18350,7 @@
             </a:ln>
             <a:extLst>
               <a:ext uri="{91240B29-F687-4f45-9708-019B960494DF}">
-                <a14:hiddenLine xmlns:p14="http://schemas.microsoft.com/office/powerpoint/2010/main" xmlns:a14="http://schemas.microsoft.com/office/drawing/2010/main" xmlns:a16="http://schemas.microsoft.com/office/drawing/2014/main" xmlns="" w="9525">
+                <a14:hiddenLine xmlns="" xmlns:a16="http://schemas.microsoft.com/office/drawing/2014/main" xmlns:a14="http://schemas.microsoft.com/office/drawing/2010/main" xmlns:p14="http://schemas.microsoft.com/office/powerpoint/2010/main" w="9525">
                   <a:solidFill>
                     <a:srgbClr val="000000"/>
                   </a:solidFill>
@@ -17167,7 +18427,7 @@
             </a:ln>
             <a:extLst>
               <a:ext uri="{91240B29-F687-4f45-9708-019B960494DF}">
-                <a14:hiddenLine xmlns:p14="http://schemas.microsoft.com/office/powerpoint/2010/main" xmlns:a14="http://schemas.microsoft.com/office/drawing/2010/main" xmlns:a16="http://schemas.microsoft.com/office/drawing/2014/main" xmlns="" w="9525">
+                <a14:hiddenLine xmlns="" xmlns:a16="http://schemas.microsoft.com/office/drawing/2014/main" xmlns:a14="http://schemas.microsoft.com/office/drawing/2010/main" xmlns:p14="http://schemas.microsoft.com/office/powerpoint/2010/main" w="9525">
                   <a:solidFill>
                     <a:srgbClr val="000000"/>
                   </a:solidFill>
@@ -17272,7 +18532,7 @@
             </a:ln>
             <a:extLst>
               <a:ext uri="{91240B29-F687-4f45-9708-019B960494DF}">
-                <a14:hiddenLine xmlns:p14="http://schemas.microsoft.com/office/powerpoint/2010/main" xmlns:a14="http://schemas.microsoft.com/office/drawing/2010/main" xmlns:a16="http://schemas.microsoft.com/office/drawing/2014/main" xmlns="" w="9525">
+                <a14:hiddenLine xmlns="" xmlns:a16="http://schemas.microsoft.com/office/drawing/2014/main" xmlns:a14="http://schemas.microsoft.com/office/drawing/2010/main" xmlns:p14="http://schemas.microsoft.com/office/powerpoint/2010/main" w="9525">
                   <a:solidFill>
                     <a:srgbClr val="000000"/>
                   </a:solidFill>
@@ -17349,7 +18609,7 @@
             </a:ln>
             <a:extLst>
               <a:ext uri="{91240B29-F687-4f45-9708-019B960494DF}">
-                <a14:hiddenLine xmlns:p14="http://schemas.microsoft.com/office/powerpoint/2010/main" xmlns:a14="http://schemas.microsoft.com/office/drawing/2010/main" xmlns:a16="http://schemas.microsoft.com/office/drawing/2014/main" xmlns="" w="9525">
+                <a14:hiddenLine xmlns="" xmlns:a16="http://schemas.microsoft.com/office/drawing/2014/main" xmlns:a14="http://schemas.microsoft.com/office/drawing/2010/main" xmlns:p14="http://schemas.microsoft.com/office/powerpoint/2010/main" w="9525">
                   <a:solidFill>
                     <a:srgbClr val="000000"/>
                   </a:solidFill>
@@ -17454,7 +18714,7 @@
             </a:ln>
             <a:extLst>
               <a:ext uri="{91240B29-F687-4f45-9708-019B960494DF}">
-                <a14:hiddenLine xmlns:p14="http://schemas.microsoft.com/office/powerpoint/2010/main" xmlns:a14="http://schemas.microsoft.com/office/drawing/2010/main" xmlns:a16="http://schemas.microsoft.com/office/drawing/2014/main" xmlns="" w="9525">
+                <a14:hiddenLine xmlns="" xmlns:a16="http://schemas.microsoft.com/office/drawing/2014/main" xmlns:a14="http://schemas.microsoft.com/office/drawing/2010/main" xmlns:p14="http://schemas.microsoft.com/office/powerpoint/2010/main" w="9525">
                   <a:solidFill>
                     <a:srgbClr val="000000"/>
                   </a:solidFill>
@@ -17503,7 +18763,7 @@
             </a:ln>
             <a:extLst>
               <a:ext uri="{91240B29-F687-4f45-9708-019B960494DF}">
-                <a14:hiddenLine xmlns:p14="http://schemas.microsoft.com/office/powerpoint/2010/main" xmlns:a14="http://schemas.microsoft.com/office/drawing/2010/main" xmlns:a16="http://schemas.microsoft.com/office/drawing/2014/main" xmlns="" w="9525">
+                <a14:hiddenLine xmlns="" xmlns:a16="http://schemas.microsoft.com/office/drawing/2014/main" xmlns:a14="http://schemas.microsoft.com/office/drawing/2010/main" xmlns:p14="http://schemas.microsoft.com/office/powerpoint/2010/main" w="9525">
                   <a:solidFill>
                     <a:srgbClr val="000000"/>
                   </a:solidFill>
@@ -17583,7 +18843,7 @@
             </a:ln>
             <a:extLst>
               <a:ext uri="{91240B29-F687-4f45-9708-019B960494DF}">
-                <a14:hiddenLine xmlns:p14="http://schemas.microsoft.com/office/powerpoint/2010/main" xmlns:a14="http://schemas.microsoft.com/office/drawing/2010/main" xmlns:a16="http://schemas.microsoft.com/office/drawing/2014/main" xmlns="" w="9525">
+                <a14:hiddenLine xmlns="" xmlns:a16="http://schemas.microsoft.com/office/drawing/2014/main" xmlns:a14="http://schemas.microsoft.com/office/drawing/2010/main" xmlns:p14="http://schemas.microsoft.com/office/powerpoint/2010/main" w="9525">
                   <a:solidFill>
                     <a:srgbClr val="000000"/>
                   </a:solidFill>
@@ -17688,7 +18948,7 @@
             </a:ln>
             <a:extLst>
               <a:ext uri="{91240B29-F687-4f45-9708-019B960494DF}">
-                <a14:hiddenLine xmlns:p14="http://schemas.microsoft.com/office/powerpoint/2010/main" xmlns:a14="http://schemas.microsoft.com/office/drawing/2010/main" xmlns:a16="http://schemas.microsoft.com/office/drawing/2014/main" xmlns="" w="9525">
+                <a14:hiddenLine xmlns="" xmlns:a16="http://schemas.microsoft.com/office/drawing/2014/main" xmlns:a14="http://schemas.microsoft.com/office/drawing/2010/main" xmlns:p14="http://schemas.microsoft.com/office/powerpoint/2010/main" w="9525">
                   <a:solidFill>
                     <a:srgbClr val="000000"/>
                   </a:solidFill>
@@ -17765,7 +19025,7 @@
             </a:ln>
             <a:extLst>
               <a:ext uri="{91240B29-F687-4f45-9708-019B960494DF}">
-                <a14:hiddenLine xmlns:p14="http://schemas.microsoft.com/office/powerpoint/2010/main" xmlns:a14="http://schemas.microsoft.com/office/drawing/2010/main" xmlns:a16="http://schemas.microsoft.com/office/drawing/2014/main" xmlns="" w="9525">
+                <a14:hiddenLine xmlns="" xmlns:a16="http://schemas.microsoft.com/office/drawing/2014/main" xmlns:a14="http://schemas.microsoft.com/office/drawing/2010/main" xmlns:p14="http://schemas.microsoft.com/office/powerpoint/2010/main" w="9525">
                   <a:solidFill>
                     <a:srgbClr val="000000"/>
                   </a:solidFill>
@@ -17870,7 +19130,7 @@
             </a:ln>
             <a:extLst>
               <a:ext uri="{91240B29-F687-4f45-9708-019B960494DF}">
-                <a14:hiddenLine xmlns:p14="http://schemas.microsoft.com/office/powerpoint/2010/main" xmlns:a14="http://schemas.microsoft.com/office/drawing/2010/main" xmlns:a16="http://schemas.microsoft.com/office/drawing/2014/main" xmlns="" w="9525">
+                <a14:hiddenLine xmlns="" xmlns:a16="http://schemas.microsoft.com/office/drawing/2014/main" xmlns:a14="http://schemas.microsoft.com/office/drawing/2010/main" xmlns:p14="http://schemas.microsoft.com/office/powerpoint/2010/main" w="9525">
                   <a:solidFill>
                     <a:srgbClr val="000000"/>
                   </a:solidFill>
@@ -17975,7 +19235,7 @@
             </a:ln>
             <a:extLst>
               <a:ext uri="{91240B29-F687-4f45-9708-019B960494DF}">
-                <a14:hiddenLine xmlns:p14="http://schemas.microsoft.com/office/powerpoint/2010/main" xmlns:a14="http://schemas.microsoft.com/office/drawing/2010/main" xmlns:a16="http://schemas.microsoft.com/office/drawing/2014/main" xmlns="" w="9525">
+                <a14:hiddenLine xmlns="" xmlns:a16="http://schemas.microsoft.com/office/drawing/2014/main" xmlns:a14="http://schemas.microsoft.com/office/drawing/2010/main" xmlns:p14="http://schemas.microsoft.com/office/powerpoint/2010/main" w="9525">
                   <a:solidFill>
                     <a:srgbClr val="000000"/>
                   </a:solidFill>
@@ -18055,7 +19315,7 @@
             </a:ln>
             <a:extLst>
               <a:ext uri="{91240B29-F687-4f45-9708-019B960494DF}">
-                <a14:hiddenLine xmlns:p14="http://schemas.microsoft.com/office/powerpoint/2010/main" xmlns:a14="http://schemas.microsoft.com/office/drawing/2010/main" xmlns:a16="http://schemas.microsoft.com/office/drawing/2014/main" xmlns="" w="9525">
+                <a14:hiddenLine xmlns="" xmlns:a16="http://schemas.microsoft.com/office/drawing/2014/main" xmlns:a14="http://schemas.microsoft.com/office/drawing/2010/main" xmlns:p14="http://schemas.microsoft.com/office/powerpoint/2010/main" w="9525">
                   <a:solidFill>
                     <a:srgbClr val="000000"/>
                   </a:solidFill>
@@ -18132,7 +19392,7 @@
             </a:ln>
             <a:extLst>
               <a:ext uri="{91240B29-F687-4f45-9708-019B960494DF}">
-                <a14:hiddenLine xmlns:p14="http://schemas.microsoft.com/office/powerpoint/2010/main" xmlns:a14="http://schemas.microsoft.com/office/drawing/2010/main" xmlns:a16="http://schemas.microsoft.com/office/drawing/2014/main" xmlns="" w="9525">
+                <a14:hiddenLine xmlns="" xmlns:a16="http://schemas.microsoft.com/office/drawing/2014/main" xmlns:a14="http://schemas.microsoft.com/office/drawing/2010/main" xmlns:p14="http://schemas.microsoft.com/office/powerpoint/2010/main" w="9525">
                   <a:solidFill>
                     <a:srgbClr val="000000"/>
                   </a:solidFill>
@@ -18237,7 +19497,7 @@
             </a:ln>
             <a:extLst>
               <a:ext uri="{91240B29-F687-4f45-9708-019B960494DF}">
-                <a14:hiddenLine xmlns:p14="http://schemas.microsoft.com/office/powerpoint/2010/main" xmlns:a14="http://schemas.microsoft.com/office/drawing/2010/main" xmlns:a16="http://schemas.microsoft.com/office/drawing/2014/main" xmlns="" w="9525">
+                <a14:hiddenLine xmlns="" xmlns:a16="http://schemas.microsoft.com/office/drawing/2014/main" xmlns:a14="http://schemas.microsoft.com/office/drawing/2010/main" xmlns:p14="http://schemas.microsoft.com/office/powerpoint/2010/main" w="9525">
                   <a:solidFill>
                     <a:srgbClr val="000000"/>
                   </a:solidFill>
@@ -18342,7 +19602,7 @@
             </a:ln>
             <a:extLst>
               <a:ext uri="{91240B29-F687-4f45-9708-019B960494DF}">
-                <a14:hiddenLine xmlns:p14="http://schemas.microsoft.com/office/powerpoint/2010/main" xmlns:a14="http://schemas.microsoft.com/office/drawing/2010/main" xmlns:a16="http://schemas.microsoft.com/office/drawing/2014/main" xmlns="" w="9525">
+                <a14:hiddenLine xmlns="" xmlns:a16="http://schemas.microsoft.com/office/drawing/2014/main" xmlns:a14="http://schemas.microsoft.com/office/drawing/2010/main" xmlns:p14="http://schemas.microsoft.com/office/powerpoint/2010/main" w="9525">
                   <a:solidFill>
                     <a:srgbClr val="000000"/>
                   </a:solidFill>
@@ -18419,7 +19679,7 @@
             </a:ln>
             <a:extLst>
               <a:ext uri="{91240B29-F687-4f45-9708-019B960494DF}">
-                <a14:hiddenLine xmlns:p14="http://schemas.microsoft.com/office/powerpoint/2010/main" xmlns:a14="http://schemas.microsoft.com/office/drawing/2010/main" xmlns:a16="http://schemas.microsoft.com/office/drawing/2014/main" xmlns="" w="9525">
+                <a14:hiddenLine xmlns="" xmlns:a16="http://schemas.microsoft.com/office/drawing/2014/main" xmlns:a14="http://schemas.microsoft.com/office/drawing/2010/main" xmlns:p14="http://schemas.microsoft.com/office/powerpoint/2010/main" w="9525">
                   <a:solidFill>
                     <a:srgbClr val="000000"/>
                   </a:solidFill>
@@ -18554,7 +19814,7 @@
             </a:ln>
             <a:extLst>
               <a:ext uri="{91240B29-F687-4f45-9708-019B960494DF}">
-                <a14:hiddenLine xmlns:p14="http://schemas.microsoft.com/office/powerpoint/2010/main" xmlns:a14="http://schemas.microsoft.com/office/drawing/2010/main" xmlns:a16="http://schemas.microsoft.com/office/drawing/2014/main" xmlns="" w="9525">
+                <a14:hiddenLine xmlns="" xmlns:a16="http://schemas.microsoft.com/office/drawing/2014/main" xmlns:a14="http://schemas.microsoft.com/office/drawing/2010/main" xmlns:p14="http://schemas.microsoft.com/office/powerpoint/2010/main" w="9525">
                   <a:solidFill>
                     <a:srgbClr val="000000"/>
                   </a:solidFill>
@@ -18637,7 +19897,7 @@
             </a:ln>
             <a:extLst>
               <a:ext uri="{91240B29-F687-4f45-9708-019B960494DF}">
-                <a14:hiddenLine xmlns:p14="http://schemas.microsoft.com/office/powerpoint/2010/main" xmlns:a14="http://schemas.microsoft.com/office/drawing/2010/main" xmlns:a16="http://schemas.microsoft.com/office/drawing/2014/main" xmlns="" w="9525">
+                <a14:hiddenLine xmlns="" xmlns:a16="http://schemas.microsoft.com/office/drawing/2014/main" xmlns:a14="http://schemas.microsoft.com/office/drawing/2010/main" xmlns:p14="http://schemas.microsoft.com/office/powerpoint/2010/main" w="9525">
                   <a:solidFill>
                     <a:srgbClr val="000000"/>
                   </a:solidFill>
@@ -18742,7 +20002,7 @@
             </a:ln>
             <a:extLst>
               <a:ext uri="{91240B29-F687-4f45-9708-019B960494DF}">
-                <a14:hiddenLine xmlns:p14="http://schemas.microsoft.com/office/powerpoint/2010/main" xmlns:a14="http://schemas.microsoft.com/office/drawing/2010/main" xmlns:a16="http://schemas.microsoft.com/office/drawing/2014/main" xmlns="" w="9525">
+                <a14:hiddenLine xmlns="" xmlns:a16="http://schemas.microsoft.com/office/drawing/2014/main" xmlns:a14="http://schemas.microsoft.com/office/drawing/2010/main" xmlns:p14="http://schemas.microsoft.com/office/powerpoint/2010/main" w="9525">
                   <a:solidFill>
                     <a:srgbClr val="000000"/>
                   </a:solidFill>
@@ -18868,6 +20128,70 @@
           </a:prstGeom>
         </p:spPr>
       </p:pic>
+      <p:sp>
+        <p:nvSpPr>
+          <p:cNvPr id="4" name="Slide Number Placeholder 3">
+            <a:extLst>
+              <a:ext uri="{FF2B5EF4-FFF2-40B4-BE49-F238E27FC236}">
+                <a16:creationId xmlns:a16="http://schemas.microsoft.com/office/drawing/2014/main" id="{A9F88422-7EE3-0B40-8004-E92FD93EC277}"/>
+              </a:ext>
+            </a:extLst>
+          </p:cNvPr>
+          <p:cNvSpPr>
+            <a:spLocks noGrp="1"/>
+          </p:cNvSpPr>
+          <p:nvPr>
+            <p:ph type="sldNum" sz="quarter" idx="12"/>
+          </p:nvPr>
+        </p:nvSpPr>
+        <p:spPr/>
+        <p:txBody>
+          <a:bodyPr/>
+          <a:lstStyle/>
+          <a:p>
+            <a:fld id="{6D22F896-40B5-4ADD-8801-0D06FADFA095}" type="slidenum">
+              <a:rPr lang="en-US" smtClean="0"/>
+              <a:t>19</a:t>
+            </a:fld>
+            <a:endParaRPr lang="en-US" dirty="0"/>
+          </a:p>
+        </p:txBody>
+      </p:sp>
+      <p:sp>
+        <p:nvSpPr>
+          <p:cNvPr id="65" name="TextBox 64">
+            <a:extLst>
+              <a:ext uri="{FF2B5EF4-FFF2-40B4-BE49-F238E27FC236}">
+                <a16:creationId xmlns:a16="http://schemas.microsoft.com/office/drawing/2014/main" id="{B5F0D656-C0A7-CC49-9EE3-664923FA618B}"/>
+              </a:ext>
+            </a:extLst>
+          </p:cNvPr>
+          <p:cNvSpPr txBox="1"/>
+          <p:nvPr/>
+        </p:nvSpPr>
+        <p:spPr>
+          <a:xfrm>
+            <a:off x="10522084" y="18574"/>
+            <a:ext cx="1669916" cy="369332"/>
+          </a:xfrm>
+          <a:prstGeom prst="rect">
+            <a:avLst/>
+          </a:prstGeom>
+          <a:noFill/>
+        </p:spPr>
+        <p:txBody>
+          <a:bodyPr wrap="square" rtlCol="0">
+            <a:spAutoFit/>
+          </a:bodyPr>
+          <a:lstStyle/>
+          <a:p>
+            <a:r>
+              <a:rPr lang="en-US" dirty="0"/>
+              <a:t>LA-UR-11-1111</a:t>
+            </a:r>
+          </a:p>
+        </p:txBody>
+      </p:sp>
     </p:spTree>
     <p:extLst>
       <p:ext uri="{BB962C8B-B14F-4D97-AF65-F5344CB8AC3E}">
@@ -18991,6 +20315,70 @@
               <a:buNone/>
             </a:pPr>
             <a:endParaRPr lang="en-US" dirty="0"/>
+          </a:p>
+        </p:txBody>
+      </p:sp>
+      <p:sp>
+        <p:nvSpPr>
+          <p:cNvPr id="4" name="Slide Number Placeholder 3">
+            <a:extLst>
+              <a:ext uri="{FF2B5EF4-FFF2-40B4-BE49-F238E27FC236}">
+                <a16:creationId xmlns:a16="http://schemas.microsoft.com/office/drawing/2014/main" id="{BD44F37F-5C9D-7244-A87E-9564650F9527}"/>
+              </a:ext>
+            </a:extLst>
+          </p:cNvPr>
+          <p:cNvSpPr>
+            <a:spLocks noGrp="1"/>
+          </p:cNvSpPr>
+          <p:nvPr>
+            <p:ph type="sldNum" sz="quarter" idx="12"/>
+          </p:nvPr>
+        </p:nvSpPr>
+        <p:spPr/>
+        <p:txBody>
+          <a:bodyPr/>
+          <a:lstStyle/>
+          <a:p>
+            <a:fld id="{6D22F896-40B5-4ADD-8801-0D06FADFA095}" type="slidenum">
+              <a:rPr lang="en-US" smtClean="0"/>
+              <a:t>2</a:t>
+            </a:fld>
+            <a:endParaRPr lang="en-US" dirty="0"/>
+          </a:p>
+        </p:txBody>
+      </p:sp>
+      <p:sp>
+        <p:nvSpPr>
+          <p:cNvPr id="6" name="TextBox 5">
+            <a:extLst>
+              <a:ext uri="{FF2B5EF4-FFF2-40B4-BE49-F238E27FC236}">
+                <a16:creationId xmlns:a16="http://schemas.microsoft.com/office/drawing/2014/main" id="{75C7B634-709E-AE44-A7A3-3657F8EB232F}"/>
+              </a:ext>
+            </a:extLst>
+          </p:cNvPr>
+          <p:cNvSpPr txBox="1"/>
+          <p:nvPr/>
+        </p:nvSpPr>
+        <p:spPr>
+          <a:xfrm>
+            <a:off x="10522084" y="18574"/>
+            <a:ext cx="1669916" cy="369332"/>
+          </a:xfrm>
+          <a:prstGeom prst="rect">
+            <a:avLst/>
+          </a:prstGeom>
+          <a:noFill/>
+        </p:spPr>
+        <p:txBody>
+          <a:bodyPr wrap="square" rtlCol="0">
+            <a:spAutoFit/>
+          </a:bodyPr>
+          <a:lstStyle/>
+          <a:p>
+            <a:r>
+              <a:rPr lang="en-US" dirty="0"/>
+              <a:t>LA-UR-11-1111</a:t>
+            </a:r>
           </a:p>
         </p:txBody>
       </p:sp>
@@ -19094,6 +20482,70 @@
             <a:r>
               <a:rPr lang="en-US" dirty="0"/>
               <a:t>Reports timings for loading these files</a:t>
+            </a:r>
+          </a:p>
+        </p:txBody>
+      </p:sp>
+      <p:sp>
+        <p:nvSpPr>
+          <p:cNvPr id="4" name="Slide Number Placeholder 3">
+            <a:extLst>
+              <a:ext uri="{FF2B5EF4-FFF2-40B4-BE49-F238E27FC236}">
+                <a16:creationId xmlns:a16="http://schemas.microsoft.com/office/drawing/2014/main" id="{C824CDB7-4A08-2048-88D1-6CC30ED318C0}"/>
+              </a:ext>
+            </a:extLst>
+          </p:cNvPr>
+          <p:cNvSpPr>
+            <a:spLocks noGrp="1"/>
+          </p:cNvSpPr>
+          <p:nvPr>
+            <p:ph type="sldNum" sz="quarter" idx="12"/>
+          </p:nvPr>
+        </p:nvSpPr>
+        <p:spPr/>
+        <p:txBody>
+          <a:bodyPr/>
+          <a:lstStyle/>
+          <a:p>
+            <a:fld id="{6D22F896-40B5-4ADD-8801-0D06FADFA095}" type="slidenum">
+              <a:rPr lang="en-US" smtClean="0"/>
+              <a:t>20</a:t>
+            </a:fld>
+            <a:endParaRPr lang="en-US" dirty="0"/>
+          </a:p>
+        </p:txBody>
+      </p:sp>
+      <p:sp>
+        <p:nvSpPr>
+          <p:cNvPr id="6" name="TextBox 5">
+            <a:extLst>
+              <a:ext uri="{FF2B5EF4-FFF2-40B4-BE49-F238E27FC236}">
+                <a16:creationId xmlns:a16="http://schemas.microsoft.com/office/drawing/2014/main" id="{ABB3840F-C944-0D49-B86F-6FFFBF9B135B}"/>
+              </a:ext>
+            </a:extLst>
+          </p:cNvPr>
+          <p:cNvSpPr txBox="1"/>
+          <p:nvPr/>
+        </p:nvSpPr>
+        <p:spPr>
+          <a:xfrm>
+            <a:off x="10522084" y="18574"/>
+            <a:ext cx="1669916" cy="369332"/>
+          </a:xfrm>
+          <a:prstGeom prst="rect">
+            <a:avLst/>
+          </a:prstGeom>
+          <a:noFill/>
+        </p:spPr>
+        <p:txBody>
+          <a:bodyPr wrap="square" rtlCol="0">
+            <a:spAutoFit/>
+          </a:bodyPr>
+          <a:lstStyle/>
+          <a:p>
+            <a:r>
+              <a:rPr lang="en-US" dirty="0"/>
+              <a:t>LA-UR-11-1111</a:t>
             </a:r>
           </a:p>
         </p:txBody>
@@ -19621,6 +21073,70 @@
           </a:graphicData>
         </a:graphic>
       </p:graphicFrame>
+      <p:sp>
+        <p:nvSpPr>
+          <p:cNvPr id="3" name="Slide Number Placeholder 2">
+            <a:extLst>
+              <a:ext uri="{FF2B5EF4-FFF2-40B4-BE49-F238E27FC236}">
+                <a16:creationId xmlns:a16="http://schemas.microsoft.com/office/drawing/2014/main" id="{5D6F89A0-25F8-E84F-85D6-2ADE19CF9EDF}"/>
+              </a:ext>
+            </a:extLst>
+          </p:cNvPr>
+          <p:cNvSpPr>
+            <a:spLocks noGrp="1"/>
+          </p:cNvSpPr>
+          <p:nvPr>
+            <p:ph type="sldNum" sz="quarter" idx="12"/>
+          </p:nvPr>
+        </p:nvSpPr>
+        <p:spPr/>
+        <p:txBody>
+          <a:bodyPr/>
+          <a:lstStyle/>
+          <a:p>
+            <a:fld id="{6D22F896-40B5-4ADD-8801-0D06FADFA095}" type="slidenum">
+              <a:rPr lang="en-US" smtClean="0"/>
+              <a:t>21</a:t>
+            </a:fld>
+            <a:endParaRPr lang="en-US" dirty="0"/>
+          </a:p>
+        </p:txBody>
+      </p:sp>
+      <p:sp>
+        <p:nvSpPr>
+          <p:cNvPr id="6" name="TextBox 5">
+            <a:extLst>
+              <a:ext uri="{FF2B5EF4-FFF2-40B4-BE49-F238E27FC236}">
+                <a16:creationId xmlns:a16="http://schemas.microsoft.com/office/drawing/2014/main" id="{E68B2DF3-A3DD-B741-B13A-2DA9E2B65709}"/>
+              </a:ext>
+            </a:extLst>
+          </p:cNvPr>
+          <p:cNvSpPr txBox="1"/>
+          <p:nvPr/>
+        </p:nvSpPr>
+        <p:spPr>
+          <a:xfrm>
+            <a:off x="10522084" y="18574"/>
+            <a:ext cx="1669916" cy="369332"/>
+          </a:xfrm>
+          <a:prstGeom prst="rect">
+            <a:avLst/>
+          </a:prstGeom>
+          <a:noFill/>
+        </p:spPr>
+        <p:txBody>
+          <a:bodyPr wrap="square" rtlCol="0">
+            <a:spAutoFit/>
+          </a:bodyPr>
+          <a:lstStyle/>
+          <a:p>
+            <a:r>
+              <a:rPr lang="en-US" dirty="0"/>
+              <a:t>LA-UR-11-1111</a:t>
+            </a:r>
+          </a:p>
+        </p:txBody>
+      </p:sp>
     </p:spTree>
     <p:extLst>
       <p:ext uri="{BB962C8B-B14F-4D97-AF65-F5344CB8AC3E}">
@@ -19824,6 +21340,70 @@
           </a:p>
         </p:txBody>
       </p:sp>
+      <p:sp>
+        <p:nvSpPr>
+          <p:cNvPr id="4" name="Slide Number Placeholder 3">
+            <a:extLst>
+              <a:ext uri="{FF2B5EF4-FFF2-40B4-BE49-F238E27FC236}">
+                <a16:creationId xmlns:a16="http://schemas.microsoft.com/office/drawing/2014/main" id="{7F990798-0F4D-A947-B01E-97F32B5B0B17}"/>
+              </a:ext>
+            </a:extLst>
+          </p:cNvPr>
+          <p:cNvSpPr>
+            <a:spLocks noGrp="1"/>
+          </p:cNvSpPr>
+          <p:nvPr>
+            <p:ph type="sldNum" sz="quarter" idx="12"/>
+          </p:nvPr>
+        </p:nvSpPr>
+        <p:spPr/>
+        <p:txBody>
+          <a:bodyPr/>
+          <a:lstStyle/>
+          <a:p>
+            <a:fld id="{6D22F896-40B5-4ADD-8801-0D06FADFA095}" type="slidenum">
+              <a:rPr lang="en-US" smtClean="0"/>
+              <a:t>22</a:t>
+            </a:fld>
+            <a:endParaRPr lang="en-US" dirty="0"/>
+          </a:p>
+        </p:txBody>
+      </p:sp>
+      <p:sp>
+        <p:nvSpPr>
+          <p:cNvPr id="7" name="TextBox 6">
+            <a:extLst>
+              <a:ext uri="{FF2B5EF4-FFF2-40B4-BE49-F238E27FC236}">
+                <a16:creationId xmlns:a16="http://schemas.microsoft.com/office/drawing/2014/main" id="{F36816C8-53CB-6346-83B5-0E31E33DC86F}"/>
+              </a:ext>
+            </a:extLst>
+          </p:cNvPr>
+          <p:cNvSpPr txBox="1"/>
+          <p:nvPr/>
+        </p:nvSpPr>
+        <p:spPr>
+          <a:xfrm>
+            <a:off x="10522084" y="18574"/>
+            <a:ext cx="1669916" cy="369332"/>
+          </a:xfrm>
+          <a:prstGeom prst="rect">
+            <a:avLst/>
+          </a:prstGeom>
+          <a:noFill/>
+        </p:spPr>
+        <p:txBody>
+          <a:bodyPr wrap="square" rtlCol="0">
+            <a:spAutoFit/>
+          </a:bodyPr>
+          <a:lstStyle/>
+          <a:p>
+            <a:r>
+              <a:rPr lang="en-US" dirty="0"/>
+              <a:t>LA-UR-11-1111</a:t>
+            </a:r>
+          </a:p>
+        </p:txBody>
+      </p:sp>
     </p:spTree>
     <p:extLst>
       <p:ext uri="{BB962C8B-B14F-4D97-AF65-F5344CB8AC3E}">
@@ -19946,6 +21526,70 @@
             <a:r>
               <a:rPr lang="en-US" dirty="0"/>
               <a:t>Shows similar but less obvious benefits from optimizations</a:t>
+            </a:r>
+          </a:p>
+        </p:txBody>
+      </p:sp>
+      <p:sp>
+        <p:nvSpPr>
+          <p:cNvPr id="3" name="Slide Number Placeholder 2">
+            <a:extLst>
+              <a:ext uri="{FF2B5EF4-FFF2-40B4-BE49-F238E27FC236}">
+                <a16:creationId xmlns:a16="http://schemas.microsoft.com/office/drawing/2014/main" id="{AABB2F12-4CCE-B442-9205-18813F041896}"/>
+              </a:ext>
+            </a:extLst>
+          </p:cNvPr>
+          <p:cNvSpPr>
+            <a:spLocks noGrp="1"/>
+          </p:cNvSpPr>
+          <p:nvPr>
+            <p:ph type="sldNum" sz="quarter" idx="12"/>
+          </p:nvPr>
+        </p:nvSpPr>
+        <p:spPr/>
+        <p:txBody>
+          <a:bodyPr/>
+          <a:lstStyle/>
+          <a:p>
+            <a:fld id="{6D22F896-40B5-4ADD-8801-0D06FADFA095}" type="slidenum">
+              <a:rPr lang="en-US" smtClean="0"/>
+              <a:t>23</a:t>
+            </a:fld>
+            <a:endParaRPr lang="en-US" dirty="0"/>
+          </a:p>
+        </p:txBody>
+      </p:sp>
+      <p:sp>
+        <p:nvSpPr>
+          <p:cNvPr id="8" name="TextBox 7">
+            <a:extLst>
+              <a:ext uri="{FF2B5EF4-FFF2-40B4-BE49-F238E27FC236}">
+                <a16:creationId xmlns:a16="http://schemas.microsoft.com/office/drawing/2014/main" id="{CBBEFABB-ECE4-714E-9161-279E0BB94D43}"/>
+              </a:ext>
+            </a:extLst>
+          </p:cNvPr>
+          <p:cNvSpPr txBox="1"/>
+          <p:nvPr/>
+        </p:nvSpPr>
+        <p:spPr>
+          <a:xfrm>
+            <a:off x="10522084" y="18574"/>
+            <a:ext cx="1669916" cy="369332"/>
+          </a:xfrm>
+          <a:prstGeom prst="rect">
+            <a:avLst/>
+          </a:prstGeom>
+          <a:noFill/>
+        </p:spPr>
+        <p:txBody>
+          <a:bodyPr wrap="square" rtlCol="0">
+            <a:spAutoFit/>
+          </a:bodyPr>
+          <a:lstStyle/>
+          <a:p>
+            <a:r>
+              <a:rPr lang="en-US" dirty="0"/>
+              <a:t>LA-UR-11-1111</a:t>
             </a:r>
           </a:p>
         </p:txBody>
@@ -20295,6 +21939,70 @@
           </a:prstGeom>
         </p:spPr>
       </p:pic>
+      <p:sp>
+        <p:nvSpPr>
+          <p:cNvPr id="3" name="Slide Number Placeholder 2">
+            <a:extLst>
+              <a:ext uri="{FF2B5EF4-FFF2-40B4-BE49-F238E27FC236}">
+                <a16:creationId xmlns:a16="http://schemas.microsoft.com/office/drawing/2014/main" id="{5D20A323-A630-424A-B504-49B7EBA63F75}"/>
+              </a:ext>
+            </a:extLst>
+          </p:cNvPr>
+          <p:cNvSpPr>
+            <a:spLocks noGrp="1"/>
+          </p:cNvSpPr>
+          <p:nvPr>
+            <p:ph type="sldNum" sz="quarter" idx="12"/>
+          </p:nvPr>
+        </p:nvSpPr>
+        <p:spPr/>
+        <p:txBody>
+          <a:bodyPr/>
+          <a:lstStyle/>
+          <a:p>
+            <a:fld id="{6D22F896-40B5-4ADD-8801-0D06FADFA095}" type="slidenum">
+              <a:rPr lang="en-US" smtClean="0"/>
+              <a:t>24</a:t>
+            </a:fld>
+            <a:endParaRPr lang="en-US" dirty="0"/>
+          </a:p>
+        </p:txBody>
+      </p:sp>
+      <p:sp>
+        <p:nvSpPr>
+          <p:cNvPr id="9" name="TextBox 8">
+            <a:extLst>
+              <a:ext uri="{FF2B5EF4-FFF2-40B4-BE49-F238E27FC236}">
+                <a16:creationId xmlns:a16="http://schemas.microsoft.com/office/drawing/2014/main" id="{1C29FEA3-EACB-944B-BF97-88B0FE64E587}"/>
+              </a:ext>
+            </a:extLst>
+          </p:cNvPr>
+          <p:cNvSpPr txBox="1"/>
+          <p:nvPr/>
+        </p:nvSpPr>
+        <p:spPr>
+          <a:xfrm>
+            <a:off x="10522084" y="18574"/>
+            <a:ext cx="1669916" cy="369332"/>
+          </a:xfrm>
+          <a:prstGeom prst="rect">
+            <a:avLst/>
+          </a:prstGeom>
+          <a:noFill/>
+        </p:spPr>
+        <p:txBody>
+          <a:bodyPr wrap="square" rtlCol="0">
+            <a:spAutoFit/>
+          </a:bodyPr>
+          <a:lstStyle/>
+          <a:p>
+            <a:r>
+              <a:rPr lang="en-US" dirty="0"/>
+              <a:t>LA-UR-11-1111</a:t>
+            </a:r>
+          </a:p>
+        </p:txBody>
+      </p:sp>
     </p:spTree>
     <p:extLst>
       <p:ext uri="{BB962C8B-B14F-4D97-AF65-F5344CB8AC3E}">
@@ -20637,6 +22345,70 @@
           </a:prstGeom>
         </p:spPr>
       </p:pic>
+      <p:sp>
+        <p:nvSpPr>
+          <p:cNvPr id="3" name="Slide Number Placeholder 2">
+            <a:extLst>
+              <a:ext uri="{FF2B5EF4-FFF2-40B4-BE49-F238E27FC236}">
+                <a16:creationId xmlns:a16="http://schemas.microsoft.com/office/drawing/2014/main" id="{C468463A-A32C-AB4E-A5E4-50492B0120D1}"/>
+              </a:ext>
+            </a:extLst>
+          </p:cNvPr>
+          <p:cNvSpPr>
+            <a:spLocks noGrp="1"/>
+          </p:cNvSpPr>
+          <p:nvPr>
+            <p:ph type="sldNum" sz="quarter" idx="12"/>
+          </p:nvPr>
+        </p:nvSpPr>
+        <p:spPr/>
+        <p:txBody>
+          <a:bodyPr/>
+          <a:lstStyle/>
+          <a:p>
+            <a:fld id="{6D22F896-40B5-4ADD-8801-0D06FADFA095}" type="slidenum">
+              <a:rPr lang="en-US" smtClean="0"/>
+              <a:t>25</a:t>
+            </a:fld>
+            <a:endParaRPr lang="en-US" dirty="0"/>
+          </a:p>
+        </p:txBody>
+      </p:sp>
+      <p:sp>
+        <p:nvSpPr>
+          <p:cNvPr id="9" name="TextBox 8">
+            <a:extLst>
+              <a:ext uri="{FF2B5EF4-FFF2-40B4-BE49-F238E27FC236}">
+                <a16:creationId xmlns:a16="http://schemas.microsoft.com/office/drawing/2014/main" id="{E015568F-516C-2042-9B4D-FF938DDE1656}"/>
+              </a:ext>
+            </a:extLst>
+          </p:cNvPr>
+          <p:cNvSpPr txBox="1"/>
+          <p:nvPr/>
+        </p:nvSpPr>
+        <p:spPr>
+          <a:xfrm>
+            <a:off x="10522084" y="18574"/>
+            <a:ext cx="1669916" cy="369332"/>
+          </a:xfrm>
+          <a:prstGeom prst="rect">
+            <a:avLst/>
+          </a:prstGeom>
+          <a:noFill/>
+        </p:spPr>
+        <p:txBody>
+          <a:bodyPr wrap="square" rtlCol="0">
+            <a:spAutoFit/>
+          </a:bodyPr>
+          <a:lstStyle/>
+          <a:p>
+            <a:r>
+              <a:rPr lang="en-US" dirty="0"/>
+              <a:t>LA-UR-11-1111</a:t>
+            </a:r>
+          </a:p>
+        </p:txBody>
+      </p:sp>
     </p:spTree>
     <p:extLst>
       <p:ext uri="{BB962C8B-B14F-4D97-AF65-F5344CB8AC3E}">
@@ -20982,6 +22754,70 @@
           </a:prstGeom>
         </p:spPr>
       </p:pic>
+      <p:sp>
+        <p:nvSpPr>
+          <p:cNvPr id="3" name="Slide Number Placeholder 2">
+            <a:extLst>
+              <a:ext uri="{FF2B5EF4-FFF2-40B4-BE49-F238E27FC236}">
+                <a16:creationId xmlns:a16="http://schemas.microsoft.com/office/drawing/2014/main" id="{F94BC342-DE58-4345-9894-C0BE8B6BE945}"/>
+              </a:ext>
+            </a:extLst>
+          </p:cNvPr>
+          <p:cNvSpPr>
+            <a:spLocks noGrp="1"/>
+          </p:cNvSpPr>
+          <p:nvPr>
+            <p:ph type="sldNum" sz="quarter" idx="12"/>
+          </p:nvPr>
+        </p:nvSpPr>
+        <p:spPr/>
+        <p:txBody>
+          <a:bodyPr/>
+          <a:lstStyle/>
+          <a:p>
+            <a:fld id="{6D22F896-40B5-4ADD-8801-0D06FADFA095}" type="slidenum">
+              <a:rPr lang="en-US" smtClean="0"/>
+              <a:t>26</a:t>
+            </a:fld>
+            <a:endParaRPr lang="en-US" dirty="0"/>
+          </a:p>
+        </p:txBody>
+      </p:sp>
+      <p:sp>
+        <p:nvSpPr>
+          <p:cNvPr id="8" name="TextBox 7">
+            <a:extLst>
+              <a:ext uri="{FF2B5EF4-FFF2-40B4-BE49-F238E27FC236}">
+                <a16:creationId xmlns:a16="http://schemas.microsoft.com/office/drawing/2014/main" id="{84177A27-D8B3-4D44-ABDD-AF41B26E2232}"/>
+              </a:ext>
+            </a:extLst>
+          </p:cNvPr>
+          <p:cNvSpPr txBox="1"/>
+          <p:nvPr/>
+        </p:nvSpPr>
+        <p:spPr>
+          <a:xfrm>
+            <a:off x="10522084" y="18574"/>
+            <a:ext cx="1669916" cy="369332"/>
+          </a:xfrm>
+          <a:prstGeom prst="rect">
+            <a:avLst/>
+          </a:prstGeom>
+          <a:noFill/>
+        </p:spPr>
+        <p:txBody>
+          <a:bodyPr wrap="square" rtlCol="0">
+            <a:spAutoFit/>
+          </a:bodyPr>
+          <a:lstStyle/>
+          <a:p>
+            <a:r>
+              <a:rPr lang="en-US" dirty="0"/>
+              <a:t>LA-UR-11-1111</a:t>
+            </a:r>
+          </a:p>
+        </p:txBody>
+      </p:sp>
     </p:spTree>
     <p:extLst>
       <p:ext uri="{BB962C8B-B14F-4D97-AF65-F5344CB8AC3E}">
@@ -21304,6 +23140,70 @@
           </a:p>
         </p:txBody>
       </p:sp>
+      <p:sp>
+        <p:nvSpPr>
+          <p:cNvPr id="3" name="Slide Number Placeholder 2">
+            <a:extLst>
+              <a:ext uri="{FF2B5EF4-FFF2-40B4-BE49-F238E27FC236}">
+                <a16:creationId xmlns:a16="http://schemas.microsoft.com/office/drawing/2014/main" id="{35F02F49-1162-5B4D-9461-4D5C15F44C85}"/>
+              </a:ext>
+            </a:extLst>
+          </p:cNvPr>
+          <p:cNvSpPr>
+            <a:spLocks noGrp="1"/>
+          </p:cNvSpPr>
+          <p:nvPr>
+            <p:ph type="sldNum" sz="quarter" idx="12"/>
+          </p:nvPr>
+        </p:nvSpPr>
+        <p:spPr/>
+        <p:txBody>
+          <a:bodyPr/>
+          <a:lstStyle/>
+          <a:p>
+            <a:fld id="{6D22F896-40B5-4ADD-8801-0D06FADFA095}" type="slidenum">
+              <a:rPr lang="en-US" smtClean="0"/>
+              <a:t>27</a:t>
+            </a:fld>
+            <a:endParaRPr lang="en-US" dirty="0"/>
+          </a:p>
+        </p:txBody>
+      </p:sp>
+      <p:sp>
+        <p:nvSpPr>
+          <p:cNvPr id="7" name="TextBox 6">
+            <a:extLst>
+              <a:ext uri="{FF2B5EF4-FFF2-40B4-BE49-F238E27FC236}">
+                <a16:creationId xmlns:a16="http://schemas.microsoft.com/office/drawing/2014/main" id="{BF91CFED-A3E2-F54A-BF33-ED35163B986D}"/>
+              </a:ext>
+            </a:extLst>
+          </p:cNvPr>
+          <p:cNvSpPr txBox="1"/>
+          <p:nvPr/>
+        </p:nvSpPr>
+        <p:spPr>
+          <a:xfrm>
+            <a:off x="10522084" y="18574"/>
+            <a:ext cx="1669916" cy="369332"/>
+          </a:xfrm>
+          <a:prstGeom prst="rect">
+            <a:avLst/>
+          </a:prstGeom>
+          <a:noFill/>
+        </p:spPr>
+        <p:txBody>
+          <a:bodyPr wrap="square" rtlCol="0">
+            <a:spAutoFit/>
+          </a:bodyPr>
+          <a:lstStyle/>
+          <a:p>
+            <a:r>
+              <a:rPr lang="en-US" dirty="0"/>
+              <a:t>LA-UR-11-1111</a:t>
+            </a:r>
+          </a:p>
+        </p:txBody>
+      </p:sp>
     </p:spTree>
     <p:extLst>
       <p:ext uri="{BB962C8B-B14F-4D97-AF65-F5344CB8AC3E}">
@@ -21440,6 +23340,70 @@
             <a:r>
               <a:rPr lang="en-US" dirty="0"/>
               <a:t>Failed at more than 128 nodes</a:t>
+            </a:r>
+          </a:p>
+        </p:txBody>
+      </p:sp>
+      <p:sp>
+        <p:nvSpPr>
+          <p:cNvPr id="4" name="Slide Number Placeholder 3">
+            <a:extLst>
+              <a:ext uri="{FF2B5EF4-FFF2-40B4-BE49-F238E27FC236}">
+                <a16:creationId xmlns:a16="http://schemas.microsoft.com/office/drawing/2014/main" id="{2C5D347B-A763-6D4D-AE56-955F1729C510}"/>
+              </a:ext>
+            </a:extLst>
+          </p:cNvPr>
+          <p:cNvSpPr>
+            <a:spLocks noGrp="1"/>
+          </p:cNvSpPr>
+          <p:nvPr>
+            <p:ph type="sldNum" sz="quarter" idx="12"/>
+          </p:nvPr>
+        </p:nvSpPr>
+        <p:spPr/>
+        <p:txBody>
+          <a:bodyPr/>
+          <a:lstStyle/>
+          <a:p>
+            <a:fld id="{6D22F896-40B5-4ADD-8801-0D06FADFA095}" type="slidenum">
+              <a:rPr lang="en-US" smtClean="0"/>
+              <a:t>28</a:t>
+            </a:fld>
+            <a:endParaRPr lang="en-US" dirty="0"/>
+          </a:p>
+        </p:txBody>
+      </p:sp>
+      <p:sp>
+        <p:nvSpPr>
+          <p:cNvPr id="6" name="TextBox 5">
+            <a:extLst>
+              <a:ext uri="{FF2B5EF4-FFF2-40B4-BE49-F238E27FC236}">
+                <a16:creationId xmlns:a16="http://schemas.microsoft.com/office/drawing/2014/main" id="{E4D14B19-8984-9F4E-8EAB-8D7A36B171E5}"/>
+              </a:ext>
+            </a:extLst>
+          </p:cNvPr>
+          <p:cNvSpPr txBox="1"/>
+          <p:nvPr/>
+        </p:nvSpPr>
+        <p:spPr>
+          <a:xfrm>
+            <a:off x="10522084" y="18574"/>
+            <a:ext cx="1669916" cy="369332"/>
+          </a:xfrm>
+          <a:prstGeom prst="rect">
+            <a:avLst/>
+          </a:prstGeom>
+          <a:noFill/>
+        </p:spPr>
+        <p:txBody>
+          <a:bodyPr wrap="square" rtlCol="0">
+            <a:spAutoFit/>
+          </a:bodyPr>
+          <a:lstStyle/>
+          <a:p>
+            <a:r>
+              <a:rPr lang="en-US" dirty="0"/>
+              <a:t>LA-UR-11-1111</a:t>
             </a:r>
           </a:p>
         </p:txBody>
@@ -21566,6 +23530,70 @@
             <a:r>
               <a:rPr lang="en-US" dirty="0"/>
               <a:t>Did not use enough different block and stripe sizes</a:t>
+            </a:r>
+          </a:p>
+        </p:txBody>
+      </p:sp>
+      <p:sp>
+        <p:nvSpPr>
+          <p:cNvPr id="4" name="Slide Number Placeholder 3">
+            <a:extLst>
+              <a:ext uri="{FF2B5EF4-FFF2-40B4-BE49-F238E27FC236}">
+                <a16:creationId xmlns:a16="http://schemas.microsoft.com/office/drawing/2014/main" id="{C3140DFE-0447-734E-8F15-A6704B62F421}"/>
+              </a:ext>
+            </a:extLst>
+          </p:cNvPr>
+          <p:cNvSpPr>
+            <a:spLocks noGrp="1"/>
+          </p:cNvSpPr>
+          <p:nvPr>
+            <p:ph type="sldNum" sz="quarter" idx="12"/>
+          </p:nvPr>
+        </p:nvSpPr>
+        <p:spPr/>
+        <p:txBody>
+          <a:bodyPr/>
+          <a:lstStyle/>
+          <a:p>
+            <a:fld id="{6D22F896-40B5-4ADD-8801-0D06FADFA095}" type="slidenum">
+              <a:rPr lang="en-US" smtClean="0"/>
+              <a:t>29</a:t>
+            </a:fld>
+            <a:endParaRPr lang="en-US" dirty="0"/>
+          </a:p>
+        </p:txBody>
+      </p:sp>
+      <p:sp>
+        <p:nvSpPr>
+          <p:cNvPr id="6" name="TextBox 5">
+            <a:extLst>
+              <a:ext uri="{FF2B5EF4-FFF2-40B4-BE49-F238E27FC236}">
+                <a16:creationId xmlns:a16="http://schemas.microsoft.com/office/drawing/2014/main" id="{37CACA15-CFCB-7940-A75D-E552BA4A9DDE}"/>
+              </a:ext>
+            </a:extLst>
+          </p:cNvPr>
+          <p:cNvSpPr txBox="1"/>
+          <p:nvPr/>
+        </p:nvSpPr>
+        <p:spPr>
+          <a:xfrm>
+            <a:off x="10522084" y="18574"/>
+            <a:ext cx="1669916" cy="369332"/>
+          </a:xfrm>
+          <a:prstGeom prst="rect">
+            <a:avLst/>
+          </a:prstGeom>
+          <a:noFill/>
+        </p:spPr>
+        <p:txBody>
+          <a:bodyPr wrap="square" rtlCol="0">
+            <a:spAutoFit/>
+          </a:bodyPr>
+          <a:lstStyle/>
+          <a:p>
+            <a:r>
+              <a:rPr lang="en-US" dirty="0"/>
+              <a:t>LA-UR-11-1111</a:t>
             </a:r>
           </a:p>
         </p:txBody>
@@ -21764,6 +23792,70 @@
           </a:p>
         </p:txBody>
       </p:sp>
+      <p:sp>
+        <p:nvSpPr>
+          <p:cNvPr id="4" name="Slide Number Placeholder 3">
+            <a:extLst>
+              <a:ext uri="{FF2B5EF4-FFF2-40B4-BE49-F238E27FC236}">
+                <a16:creationId xmlns:a16="http://schemas.microsoft.com/office/drawing/2014/main" id="{C3F7745D-CEB3-AF4F-8C59-CCA3727E0F12}"/>
+              </a:ext>
+            </a:extLst>
+          </p:cNvPr>
+          <p:cNvSpPr>
+            <a:spLocks noGrp="1"/>
+          </p:cNvSpPr>
+          <p:nvPr>
+            <p:ph type="sldNum" sz="quarter" idx="12"/>
+          </p:nvPr>
+        </p:nvSpPr>
+        <p:spPr/>
+        <p:txBody>
+          <a:bodyPr/>
+          <a:lstStyle/>
+          <a:p>
+            <a:fld id="{6D22F896-40B5-4ADD-8801-0D06FADFA095}" type="slidenum">
+              <a:rPr lang="en-US" smtClean="0"/>
+              <a:t>3</a:t>
+            </a:fld>
+            <a:endParaRPr lang="en-US" dirty="0"/>
+          </a:p>
+        </p:txBody>
+      </p:sp>
+      <p:sp>
+        <p:nvSpPr>
+          <p:cNvPr id="7" name="TextBox 6">
+            <a:extLst>
+              <a:ext uri="{FF2B5EF4-FFF2-40B4-BE49-F238E27FC236}">
+                <a16:creationId xmlns:a16="http://schemas.microsoft.com/office/drawing/2014/main" id="{63C86CA5-EF1D-934E-9AD9-E83E2002CD0B}"/>
+              </a:ext>
+            </a:extLst>
+          </p:cNvPr>
+          <p:cNvSpPr txBox="1"/>
+          <p:nvPr/>
+        </p:nvSpPr>
+        <p:spPr>
+          <a:xfrm>
+            <a:off x="10522084" y="18574"/>
+            <a:ext cx="1669916" cy="369332"/>
+          </a:xfrm>
+          <a:prstGeom prst="rect">
+            <a:avLst/>
+          </a:prstGeom>
+          <a:noFill/>
+        </p:spPr>
+        <p:txBody>
+          <a:bodyPr wrap="square" rtlCol="0">
+            <a:spAutoFit/>
+          </a:bodyPr>
+          <a:lstStyle/>
+          <a:p>
+            <a:r>
+              <a:rPr lang="en-US" dirty="0"/>
+              <a:t>LA-UR-11-1111</a:t>
+            </a:r>
+          </a:p>
+        </p:txBody>
+      </p:sp>
     </p:spTree>
     <p:extLst>
       <p:ext uri="{BB962C8B-B14F-4D97-AF65-F5344CB8AC3E}">
@@ -21864,6 +23956,70 @@
             <a:r>
               <a:rPr lang="en-US" dirty="0"/>
               <a:t>Kernel mounted squashfs is fastest, but less secure due to root access</a:t>
+            </a:r>
+          </a:p>
+        </p:txBody>
+      </p:sp>
+      <p:sp>
+        <p:nvSpPr>
+          <p:cNvPr id="4" name="Slide Number Placeholder 3">
+            <a:extLst>
+              <a:ext uri="{FF2B5EF4-FFF2-40B4-BE49-F238E27FC236}">
+                <a16:creationId xmlns:a16="http://schemas.microsoft.com/office/drawing/2014/main" id="{41F01ED6-6D36-CF48-988D-71E1C8FBB59A}"/>
+              </a:ext>
+            </a:extLst>
+          </p:cNvPr>
+          <p:cNvSpPr>
+            <a:spLocks noGrp="1"/>
+          </p:cNvSpPr>
+          <p:nvPr>
+            <p:ph type="sldNum" sz="quarter" idx="12"/>
+          </p:nvPr>
+        </p:nvSpPr>
+        <p:spPr/>
+        <p:txBody>
+          <a:bodyPr/>
+          <a:lstStyle/>
+          <a:p>
+            <a:fld id="{6D22F896-40B5-4ADD-8801-0D06FADFA095}" type="slidenum">
+              <a:rPr lang="en-US" smtClean="0"/>
+              <a:t>30</a:t>
+            </a:fld>
+            <a:endParaRPr lang="en-US" dirty="0"/>
+          </a:p>
+        </p:txBody>
+      </p:sp>
+      <p:sp>
+        <p:nvSpPr>
+          <p:cNvPr id="6" name="TextBox 5">
+            <a:extLst>
+              <a:ext uri="{FF2B5EF4-FFF2-40B4-BE49-F238E27FC236}">
+                <a16:creationId xmlns:a16="http://schemas.microsoft.com/office/drawing/2014/main" id="{1A1CD8B8-DA63-1045-A0B9-5F1277B0DD78}"/>
+              </a:ext>
+            </a:extLst>
+          </p:cNvPr>
+          <p:cNvSpPr txBox="1"/>
+          <p:nvPr/>
+        </p:nvSpPr>
+        <p:spPr>
+          <a:xfrm>
+            <a:off x="10522084" y="18574"/>
+            <a:ext cx="1669916" cy="369332"/>
+          </a:xfrm>
+          <a:prstGeom prst="rect">
+            <a:avLst/>
+          </a:prstGeom>
+          <a:noFill/>
+        </p:spPr>
+        <p:txBody>
+          <a:bodyPr wrap="square" rtlCol="0">
+            <a:spAutoFit/>
+          </a:bodyPr>
+          <a:lstStyle/>
+          <a:p>
+            <a:r>
+              <a:rPr lang="en-US" dirty="0"/>
+              <a:t>LA-UR-11-1111</a:t>
             </a:r>
           </a:p>
         </p:txBody>
@@ -21989,6 +24145,70 @@
           </a:p>
         </p:txBody>
       </p:sp>
+      <p:sp>
+        <p:nvSpPr>
+          <p:cNvPr id="4" name="Slide Number Placeholder 3">
+            <a:extLst>
+              <a:ext uri="{FF2B5EF4-FFF2-40B4-BE49-F238E27FC236}">
+                <a16:creationId xmlns:a16="http://schemas.microsoft.com/office/drawing/2014/main" id="{0B197689-F71A-7043-9D3B-23EBBD363ADE}"/>
+              </a:ext>
+            </a:extLst>
+          </p:cNvPr>
+          <p:cNvSpPr>
+            <a:spLocks noGrp="1"/>
+          </p:cNvSpPr>
+          <p:nvPr>
+            <p:ph type="sldNum" sz="quarter" idx="12"/>
+          </p:nvPr>
+        </p:nvSpPr>
+        <p:spPr/>
+        <p:txBody>
+          <a:bodyPr/>
+          <a:lstStyle/>
+          <a:p>
+            <a:fld id="{6D22F896-40B5-4ADD-8801-0D06FADFA095}" type="slidenum">
+              <a:rPr lang="en-US" smtClean="0"/>
+              <a:t>31</a:t>
+            </a:fld>
+            <a:endParaRPr lang="en-US" dirty="0"/>
+          </a:p>
+        </p:txBody>
+      </p:sp>
+      <p:sp>
+        <p:nvSpPr>
+          <p:cNvPr id="6" name="TextBox 5">
+            <a:extLst>
+              <a:ext uri="{FF2B5EF4-FFF2-40B4-BE49-F238E27FC236}">
+                <a16:creationId xmlns:a16="http://schemas.microsoft.com/office/drawing/2014/main" id="{06871D02-B3FB-A84C-841C-0702A7FB65C0}"/>
+              </a:ext>
+            </a:extLst>
+          </p:cNvPr>
+          <p:cNvSpPr txBox="1"/>
+          <p:nvPr/>
+        </p:nvSpPr>
+        <p:spPr>
+          <a:xfrm>
+            <a:off x="10522084" y="18574"/>
+            <a:ext cx="1669916" cy="369332"/>
+          </a:xfrm>
+          <a:prstGeom prst="rect">
+            <a:avLst/>
+          </a:prstGeom>
+          <a:noFill/>
+        </p:spPr>
+        <p:txBody>
+          <a:bodyPr wrap="square" rtlCol="0">
+            <a:spAutoFit/>
+          </a:bodyPr>
+          <a:lstStyle/>
+          <a:p>
+            <a:r>
+              <a:rPr lang="en-US" dirty="0"/>
+              <a:t>LA-UR-11-1111</a:t>
+            </a:r>
+          </a:p>
+        </p:txBody>
+      </p:sp>
     </p:spTree>
     <p:extLst>
       <p:ext uri="{BB962C8B-B14F-4D97-AF65-F5344CB8AC3E}">
@@ -22069,6 +24289,70 @@
           <a:lstStyle/>
           <a:p>
             <a:endParaRPr lang="en-US" dirty="0"/>
+          </a:p>
+        </p:txBody>
+      </p:sp>
+      <p:sp>
+        <p:nvSpPr>
+          <p:cNvPr id="4" name="Slide Number Placeholder 3">
+            <a:extLst>
+              <a:ext uri="{FF2B5EF4-FFF2-40B4-BE49-F238E27FC236}">
+                <a16:creationId xmlns:a16="http://schemas.microsoft.com/office/drawing/2014/main" id="{6FA33680-382A-3D4E-A177-5839AFEA99EF}"/>
+              </a:ext>
+            </a:extLst>
+          </p:cNvPr>
+          <p:cNvSpPr>
+            <a:spLocks noGrp="1"/>
+          </p:cNvSpPr>
+          <p:nvPr>
+            <p:ph type="sldNum" sz="quarter" idx="12"/>
+          </p:nvPr>
+        </p:nvSpPr>
+        <p:spPr/>
+        <p:txBody>
+          <a:bodyPr/>
+          <a:lstStyle/>
+          <a:p>
+            <a:fld id="{6D22F896-40B5-4ADD-8801-0D06FADFA095}" type="slidenum">
+              <a:rPr lang="en-US" smtClean="0"/>
+              <a:t>32</a:t>
+            </a:fld>
+            <a:endParaRPr lang="en-US" dirty="0"/>
+          </a:p>
+        </p:txBody>
+      </p:sp>
+      <p:sp>
+        <p:nvSpPr>
+          <p:cNvPr id="6" name="TextBox 5">
+            <a:extLst>
+              <a:ext uri="{FF2B5EF4-FFF2-40B4-BE49-F238E27FC236}">
+                <a16:creationId xmlns:a16="http://schemas.microsoft.com/office/drawing/2014/main" id="{C6519C25-7727-6647-AA56-D695FAA50000}"/>
+              </a:ext>
+            </a:extLst>
+          </p:cNvPr>
+          <p:cNvSpPr txBox="1"/>
+          <p:nvPr/>
+        </p:nvSpPr>
+        <p:spPr>
+          <a:xfrm>
+            <a:off x="10522084" y="18574"/>
+            <a:ext cx="1669916" cy="369332"/>
+          </a:xfrm>
+          <a:prstGeom prst="rect">
+            <a:avLst/>
+          </a:prstGeom>
+          <a:noFill/>
+        </p:spPr>
+        <p:txBody>
+          <a:bodyPr wrap="square" rtlCol="0">
+            <a:spAutoFit/>
+          </a:bodyPr>
+          <a:lstStyle/>
+          <a:p>
+            <a:r>
+              <a:rPr lang="en-US" dirty="0"/>
+              <a:t>LA-UR-11-1111</a:t>
+            </a:r>
           </a:p>
         </p:txBody>
       </p:sp>
@@ -22182,6 +24466,70 @@
           </a:p>
         </p:txBody>
       </p:sp>
+      <p:sp>
+        <p:nvSpPr>
+          <p:cNvPr id="4" name="Slide Number Placeholder 3">
+            <a:extLst>
+              <a:ext uri="{FF2B5EF4-FFF2-40B4-BE49-F238E27FC236}">
+                <a16:creationId xmlns:a16="http://schemas.microsoft.com/office/drawing/2014/main" id="{30AC794F-1F8D-E742-9A67-51E0CE4CA664}"/>
+              </a:ext>
+            </a:extLst>
+          </p:cNvPr>
+          <p:cNvSpPr>
+            <a:spLocks noGrp="1"/>
+          </p:cNvSpPr>
+          <p:nvPr>
+            <p:ph type="sldNum" sz="quarter" idx="12"/>
+          </p:nvPr>
+        </p:nvSpPr>
+        <p:spPr/>
+        <p:txBody>
+          <a:bodyPr/>
+          <a:lstStyle/>
+          <a:p>
+            <a:fld id="{6D22F896-40B5-4ADD-8801-0D06FADFA095}" type="slidenum">
+              <a:rPr lang="en-US" smtClean="0"/>
+              <a:t>4</a:t>
+            </a:fld>
+            <a:endParaRPr lang="en-US" dirty="0"/>
+          </a:p>
+        </p:txBody>
+      </p:sp>
+      <p:sp>
+        <p:nvSpPr>
+          <p:cNvPr id="6" name="TextBox 5">
+            <a:extLst>
+              <a:ext uri="{FF2B5EF4-FFF2-40B4-BE49-F238E27FC236}">
+                <a16:creationId xmlns:a16="http://schemas.microsoft.com/office/drawing/2014/main" id="{70BB581A-1905-8744-A430-D7FE873D6BDD}"/>
+              </a:ext>
+            </a:extLst>
+          </p:cNvPr>
+          <p:cNvSpPr txBox="1"/>
+          <p:nvPr/>
+        </p:nvSpPr>
+        <p:spPr>
+          <a:xfrm>
+            <a:off x="10522084" y="18574"/>
+            <a:ext cx="1669916" cy="369332"/>
+          </a:xfrm>
+          <a:prstGeom prst="rect">
+            <a:avLst/>
+          </a:prstGeom>
+          <a:noFill/>
+        </p:spPr>
+        <p:txBody>
+          <a:bodyPr wrap="square" rtlCol="0">
+            <a:spAutoFit/>
+          </a:bodyPr>
+          <a:lstStyle/>
+          <a:p>
+            <a:r>
+              <a:rPr lang="en-US" dirty="0"/>
+              <a:t>LA-UR-11-1111</a:t>
+            </a:r>
+          </a:p>
+        </p:txBody>
+      </p:sp>
     </p:spTree>
     <p:extLst>
       <p:ext uri="{BB962C8B-B14F-4D97-AF65-F5344CB8AC3E}">
@@ -22307,6 +24655,70 @@
           <a:p>
             <a:pPr lvl="1"/>
             <a:endParaRPr lang="en-US" dirty="0"/>
+          </a:p>
+        </p:txBody>
+      </p:sp>
+      <p:sp>
+        <p:nvSpPr>
+          <p:cNvPr id="4" name="Slide Number Placeholder 3">
+            <a:extLst>
+              <a:ext uri="{FF2B5EF4-FFF2-40B4-BE49-F238E27FC236}">
+                <a16:creationId xmlns:a16="http://schemas.microsoft.com/office/drawing/2014/main" id="{7C040DDD-873C-0040-BA63-FC911AEA83C5}"/>
+              </a:ext>
+            </a:extLst>
+          </p:cNvPr>
+          <p:cNvSpPr>
+            <a:spLocks noGrp="1"/>
+          </p:cNvSpPr>
+          <p:nvPr>
+            <p:ph type="sldNum" sz="quarter" idx="12"/>
+          </p:nvPr>
+        </p:nvSpPr>
+        <p:spPr/>
+        <p:txBody>
+          <a:bodyPr/>
+          <a:lstStyle/>
+          <a:p>
+            <a:fld id="{6D22F896-40B5-4ADD-8801-0D06FADFA095}" type="slidenum">
+              <a:rPr lang="en-US" smtClean="0"/>
+              <a:t>5</a:t>
+            </a:fld>
+            <a:endParaRPr lang="en-US" dirty="0"/>
+          </a:p>
+        </p:txBody>
+      </p:sp>
+      <p:sp>
+        <p:nvSpPr>
+          <p:cNvPr id="6" name="TextBox 5">
+            <a:extLst>
+              <a:ext uri="{FF2B5EF4-FFF2-40B4-BE49-F238E27FC236}">
+                <a16:creationId xmlns:a16="http://schemas.microsoft.com/office/drawing/2014/main" id="{BEA7AC76-6A46-824F-9912-36FF01D4107D}"/>
+              </a:ext>
+            </a:extLst>
+          </p:cNvPr>
+          <p:cNvSpPr txBox="1"/>
+          <p:nvPr/>
+        </p:nvSpPr>
+        <p:spPr>
+          <a:xfrm>
+            <a:off x="10522084" y="18574"/>
+            <a:ext cx="1669916" cy="369332"/>
+          </a:xfrm>
+          <a:prstGeom prst="rect">
+            <a:avLst/>
+          </a:prstGeom>
+          <a:noFill/>
+        </p:spPr>
+        <p:txBody>
+          <a:bodyPr wrap="square" rtlCol="0">
+            <a:spAutoFit/>
+          </a:bodyPr>
+          <a:lstStyle/>
+          <a:p>
+            <a:r>
+              <a:rPr lang="en-US" dirty="0"/>
+              <a:t>LA-UR-11-1111</a:t>
+            </a:r>
           </a:p>
         </p:txBody>
       </p:sp>
@@ -22435,6 +24847,70 @@
           </a:p>
         </p:txBody>
       </p:sp>
+      <p:sp>
+        <p:nvSpPr>
+          <p:cNvPr id="4" name="Slide Number Placeholder 3">
+            <a:extLst>
+              <a:ext uri="{FF2B5EF4-FFF2-40B4-BE49-F238E27FC236}">
+                <a16:creationId xmlns:a16="http://schemas.microsoft.com/office/drawing/2014/main" id="{BA3915B8-1432-8F46-901D-954240CA7CD7}"/>
+              </a:ext>
+            </a:extLst>
+          </p:cNvPr>
+          <p:cNvSpPr>
+            <a:spLocks noGrp="1"/>
+          </p:cNvSpPr>
+          <p:nvPr>
+            <p:ph type="sldNum" sz="quarter" idx="12"/>
+          </p:nvPr>
+        </p:nvSpPr>
+        <p:spPr/>
+        <p:txBody>
+          <a:bodyPr/>
+          <a:lstStyle/>
+          <a:p>
+            <a:fld id="{6D22F896-40B5-4ADD-8801-0D06FADFA095}" type="slidenum">
+              <a:rPr lang="en-US" smtClean="0"/>
+              <a:t>6</a:t>
+            </a:fld>
+            <a:endParaRPr lang="en-US" dirty="0"/>
+          </a:p>
+        </p:txBody>
+      </p:sp>
+      <p:sp>
+        <p:nvSpPr>
+          <p:cNvPr id="6" name="TextBox 5">
+            <a:extLst>
+              <a:ext uri="{FF2B5EF4-FFF2-40B4-BE49-F238E27FC236}">
+                <a16:creationId xmlns:a16="http://schemas.microsoft.com/office/drawing/2014/main" id="{E00F1869-E76E-7341-BFD3-21ED10B913CF}"/>
+              </a:ext>
+            </a:extLst>
+          </p:cNvPr>
+          <p:cNvSpPr txBox="1"/>
+          <p:nvPr/>
+        </p:nvSpPr>
+        <p:spPr>
+          <a:xfrm>
+            <a:off x="10522084" y="18574"/>
+            <a:ext cx="1669916" cy="369332"/>
+          </a:xfrm>
+          <a:prstGeom prst="rect">
+            <a:avLst/>
+          </a:prstGeom>
+          <a:noFill/>
+        </p:spPr>
+        <p:txBody>
+          <a:bodyPr wrap="square" rtlCol="0">
+            <a:spAutoFit/>
+          </a:bodyPr>
+          <a:lstStyle/>
+          <a:p>
+            <a:r>
+              <a:rPr lang="en-US" dirty="0"/>
+              <a:t>LA-UR-11-1111</a:t>
+            </a:r>
+          </a:p>
+        </p:txBody>
+      </p:sp>
     </p:spTree>
     <p:extLst>
       <p:ext uri="{BB962C8B-B14F-4D97-AF65-F5344CB8AC3E}">
@@ -22522,6 +24998,70 @@
           </a:xfrm>
         </p:spPr>
       </p:pic>
+      <p:sp>
+        <p:nvSpPr>
+          <p:cNvPr id="3" name="Slide Number Placeholder 2">
+            <a:extLst>
+              <a:ext uri="{FF2B5EF4-FFF2-40B4-BE49-F238E27FC236}">
+                <a16:creationId xmlns:a16="http://schemas.microsoft.com/office/drawing/2014/main" id="{1B9B5299-CC81-AC41-A523-7D7EA68BD6C3}"/>
+              </a:ext>
+            </a:extLst>
+          </p:cNvPr>
+          <p:cNvSpPr>
+            <a:spLocks noGrp="1"/>
+          </p:cNvSpPr>
+          <p:nvPr>
+            <p:ph type="sldNum" sz="quarter" idx="12"/>
+          </p:nvPr>
+        </p:nvSpPr>
+        <p:spPr/>
+        <p:txBody>
+          <a:bodyPr/>
+          <a:lstStyle/>
+          <a:p>
+            <a:fld id="{6D22F896-40B5-4ADD-8801-0D06FADFA095}" type="slidenum">
+              <a:rPr lang="en-US" smtClean="0"/>
+              <a:t>7</a:t>
+            </a:fld>
+            <a:endParaRPr lang="en-US" dirty="0"/>
+          </a:p>
+        </p:txBody>
+      </p:sp>
+      <p:sp>
+        <p:nvSpPr>
+          <p:cNvPr id="6" name="TextBox 5">
+            <a:extLst>
+              <a:ext uri="{FF2B5EF4-FFF2-40B4-BE49-F238E27FC236}">
+                <a16:creationId xmlns:a16="http://schemas.microsoft.com/office/drawing/2014/main" id="{2DFC80BC-EA93-0740-883B-E4066FECC7F4}"/>
+              </a:ext>
+            </a:extLst>
+          </p:cNvPr>
+          <p:cNvSpPr txBox="1"/>
+          <p:nvPr/>
+        </p:nvSpPr>
+        <p:spPr>
+          <a:xfrm>
+            <a:off x="10522084" y="18574"/>
+            <a:ext cx="1669916" cy="369332"/>
+          </a:xfrm>
+          <a:prstGeom prst="rect">
+            <a:avLst/>
+          </a:prstGeom>
+          <a:noFill/>
+        </p:spPr>
+        <p:txBody>
+          <a:bodyPr wrap="square" rtlCol="0">
+            <a:spAutoFit/>
+          </a:bodyPr>
+          <a:lstStyle/>
+          <a:p>
+            <a:r>
+              <a:rPr lang="en-US" dirty="0"/>
+              <a:t>LA-UR-11-1111</a:t>
+            </a:r>
+          </a:p>
+        </p:txBody>
+      </p:sp>
     </p:spTree>
     <p:extLst>
       <p:ext uri="{BB962C8B-B14F-4D97-AF65-F5344CB8AC3E}">
@@ -22724,6 +25264,70 @@
           </a:effectLst>
         </p:spPr>
       </p:pic>
+      <p:sp>
+        <p:nvSpPr>
+          <p:cNvPr id="3" name="Slide Number Placeholder 2">
+            <a:extLst>
+              <a:ext uri="{FF2B5EF4-FFF2-40B4-BE49-F238E27FC236}">
+                <a16:creationId xmlns:a16="http://schemas.microsoft.com/office/drawing/2014/main" id="{F49B1EBF-304C-CD4C-9614-B9A517CB4B0B}"/>
+              </a:ext>
+            </a:extLst>
+          </p:cNvPr>
+          <p:cNvSpPr>
+            <a:spLocks noGrp="1"/>
+          </p:cNvSpPr>
+          <p:nvPr>
+            <p:ph type="sldNum" sz="quarter" idx="12"/>
+          </p:nvPr>
+        </p:nvSpPr>
+        <p:spPr/>
+        <p:txBody>
+          <a:bodyPr/>
+          <a:lstStyle/>
+          <a:p>
+            <a:fld id="{6D22F896-40B5-4ADD-8801-0D06FADFA095}" type="slidenum">
+              <a:rPr lang="en-US" smtClean="0"/>
+              <a:t>8</a:t>
+            </a:fld>
+            <a:endParaRPr lang="en-US" dirty="0"/>
+          </a:p>
+        </p:txBody>
+      </p:sp>
+      <p:sp>
+        <p:nvSpPr>
+          <p:cNvPr id="7" name="TextBox 6">
+            <a:extLst>
+              <a:ext uri="{FF2B5EF4-FFF2-40B4-BE49-F238E27FC236}">
+                <a16:creationId xmlns:a16="http://schemas.microsoft.com/office/drawing/2014/main" id="{37D75CBE-2CDB-8042-8DF3-94B4BE3636A1}"/>
+              </a:ext>
+            </a:extLst>
+          </p:cNvPr>
+          <p:cNvSpPr txBox="1"/>
+          <p:nvPr/>
+        </p:nvSpPr>
+        <p:spPr>
+          <a:xfrm>
+            <a:off x="10522084" y="18574"/>
+            <a:ext cx="1669916" cy="369332"/>
+          </a:xfrm>
+          <a:prstGeom prst="rect">
+            <a:avLst/>
+          </a:prstGeom>
+          <a:noFill/>
+        </p:spPr>
+        <p:txBody>
+          <a:bodyPr wrap="square" rtlCol="0">
+            <a:spAutoFit/>
+          </a:bodyPr>
+          <a:lstStyle/>
+          <a:p>
+            <a:r>
+              <a:rPr lang="en-US" dirty="0"/>
+              <a:t>LA-UR-11-1111</a:t>
+            </a:r>
+          </a:p>
+        </p:txBody>
+      </p:sp>
     </p:spTree>
     <p:extLst>
       <p:ext uri="{BB962C8B-B14F-4D97-AF65-F5344CB8AC3E}">
@@ -22914,6 +25518,70 @@
               <a:buNone/>
             </a:pPr>
             <a:endParaRPr lang="en-US" dirty="0"/>
+          </a:p>
+        </p:txBody>
+      </p:sp>
+      <p:sp>
+        <p:nvSpPr>
+          <p:cNvPr id="4" name="Slide Number Placeholder 3">
+            <a:extLst>
+              <a:ext uri="{FF2B5EF4-FFF2-40B4-BE49-F238E27FC236}">
+                <a16:creationId xmlns:a16="http://schemas.microsoft.com/office/drawing/2014/main" id="{93D19484-82EB-6646-BC5E-A1C6557B60CF}"/>
+              </a:ext>
+            </a:extLst>
+          </p:cNvPr>
+          <p:cNvSpPr>
+            <a:spLocks noGrp="1"/>
+          </p:cNvSpPr>
+          <p:nvPr>
+            <p:ph type="sldNum" sz="quarter" idx="12"/>
+          </p:nvPr>
+        </p:nvSpPr>
+        <p:spPr/>
+        <p:txBody>
+          <a:bodyPr/>
+          <a:lstStyle/>
+          <a:p>
+            <a:fld id="{6D22F896-40B5-4ADD-8801-0D06FADFA095}" type="slidenum">
+              <a:rPr lang="en-US" smtClean="0"/>
+              <a:t>9</a:t>
+            </a:fld>
+            <a:endParaRPr lang="en-US" dirty="0"/>
+          </a:p>
+        </p:txBody>
+      </p:sp>
+      <p:sp>
+        <p:nvSpPr>
+          <p:cNvPr id="7" name="TextBox 6">
+            <a:extLst>
+              <a:ext uri="{FF2B5EF4-FFF2-40B4-BE49-F238E27FC236}">
+                <a16:creationId xmlns:a16="http://schemas.microsoft.com/office/drawing/2014/main" id="{92773F43-E00C-7E43-8E4A-A8FD7C3C1972}"/>
+              </a:ext>
+            </a:extLst>
+          </p:cNvPr>
+          <p:cNvSpPr txBox="1"/>
+          <p:nvPr/>
+        </p:nvSpPr>
+        <p:spPr>
+          <a:xfrm>
+            <a:off x="10522084" y="18574"/>
+            <a:ext cx="1669916" cy="369332"/>
+          </a:xfrm>
+          <a:prstGeom prst="rect">
+            <a:avLst/>
+          </a:prstGeom>
+          <a:noFill/>
+        </p:spPr>
+        <p:txBody>
+          <a:bodyPr wrap="square" rtlCol="0">
+            <a:spAutoFit/>
+          </a:bodyPr>
+          <a:lstStyle/>
+          <a:p>
+            <a:r>
+              <a:rPr lang="en-US" dirty="0"/>
+              <a:t>LA-UR-11-1111</a:t>
+            </a:r>
           </a:p>
         </p:txBody>
       </p:sp>
@@ -23179,4 +25847,594 @@
     </a:ext>
   </a:extLst>
 </a:theme>
+</file>
+
+<file path=ppt/theme/theme2.xml><?xml version="1.0" encoding="utf-8"?>
+<a:theme xmlns:a="http://schemas.openxmlformats.org/drawingml/2006/main" name="Office Theme">
+  <a:themeElements>
+    <a:clrScheme name="Office">
+      <a:dk1>
+        <a:sysClr val="windowText" lastClr="000000"/>
+      </a:dk1>
+      <a:lt1>
+        <a:sysClr val="window" lastClr="FFFFFF"/>
+      </a:lt1>
+      <a:dk2>
+        <a:srgbClr val="44546A"/>
+      </a:dk2>
+      <a:lt2>
+        <a:srgbClr val="E7E6E6"/>
+      </a:lt2>
+      <a:accent1>
+        <a:srgbClr val="4472C4"/>
+      </a:accent1>
+      <a:accent2>
+        <a:srgbClr val="ED7D31"/>
+      </a:accent2>
+      <a:accent3>
+        <a:srgbClr val="A5A5A5"/>
+      </a:accent3>
+      <a:accent4>
+        <a:srgbClr val="FFC000"/>
+      </a:accent4>
+      <a:accent5>
+        <a:srgbClr val="5B9BD5"/>
+      </a:accent5>
+      <a:accent6>
+        <a:srgbClr val="70AD47"/>
+      </a:accent6>
+      <a:hlink>
+        <a:srgbClr val="0563C1"/>
+      </a:hlink>
+      <a:folHlink>
+        <a:srgbClr val="954F72"/>
+      </a:folHlink>
+    </a:clrScheme>
+    <a:fontScheme name="Office">
+      <a:majorFont>
+        <a:latin typeface="Calibri Light" panose="020F0302020204030204"/>
+        <a:ea typeface=""/>
+        <a:cs typeface=""/>
+        <a:font script="Jpan" typeface="游ゴシック Light"/>
+        <a:font script="Hang" typeface="맑은 고딕"/>
+        <a:font script="Hans" typeface="等线 Light"/>
+        <a:font script="Hant" typeface="新細明體"/>
+        <a:font script="Arab" typeface="Times New Roman"/>
+        <a:font script="Hebr" typeface="Times New Roman"/>
+        <a:font script="Thai" typeface="Angsana New"/>
+        <a:font script="Ethi" typeface="Nyala"/>
+        <a:font script="Beng" typeface="Vrinda"/>
+        <a:font script="Gujr" typeface="Shruti"/>
+        <a:font script="Khmr" typeface="MoolBoran"/>
+        <a:font script="Knda" typeface="Tunga"/>
+        <a:font script="Guru" typeface="Raavi"/>
+        <a:font script="Cans" typeface="Euphemia"/>
+        <a:font script="Cher" typeface="Plantagenet Cherokee"/>
+        <a:font script="Yiii" typeface="Microsoft Yi Baiti"/>
+        <a:font script="Tibt" typeface="Microsoft Himalaya"/>
+        <a:font script="Thaa" typeface="MV Boli"/>
+        <a:font script="Deva" typeface="Mangal"/>
+        <a:font script="Telu" typeface="Gautami"/>
+        <a:font script="Taml" typeface="Latha"/>
+        <a:font script="Syrc" typeface="Estrangelo Edessa"/>
+        <a:font script="Orya" typeface="Kalinga"/>
+        <a:font script="Mlym" typeface="Kartika"/>
+        <a:font script="Laoo" typeface="DokChampa"/>
+        <a:font script="Sinh" typeface="Iskoola Pota"/>
+        <a:font script="Mong" typeface="Mongolian Baiti"/>
+        <a:font script="Viet" typeface="Times New Roman"/>
+        <a:font script="Uigh" typeface="Microsoft Uighur"/>
+        <a:font script="Geor" typeface="Sylfaen"/>
+        <a:font script="Armn" typeface="Arial"/>
+        <a:font script="Bugi" typeface="Leelawadee UI"/>
+        <a:font script="Bopo" typeface="Microsoft JhengHei"/>
+        <a:font script="Java" typeface="Javanese Text"/>
+        <a:font script="Lisu" typeface="Segoe UI"/>
+        <a:font script="Mymr" typeface="Myanmar Text"/>
+        <a:font script="Nkoo" typeface="Ebrima"/>
+        <a:font script="Olck" typeface="Nirmala UI"/>
+        <a:font script="Osma" typeface="Ebrima"/>
+        <a:font script="Phag" typeface="Phagspa"/>
+        <a:font script="Syrn" typeface="Estrangelo Edessa"/>
+        <a:font script="Syrj" typeface="Estrangelo Edessa"/>
+        <a:font script="Syre" typeface="Estrangelo Edessa"/>
+        <a:font script="Sora" typeface="Nirmala UI"/>
+        <a:font script="Tale" typeface="Microsoft Tai Le"/>
+        <a:font script="Talu" typeface="Microsoft New Tai Lue"/>
+        <a:font script="Tfng" typeface="Ebrima"/>
+      </a:majorFont>
+      <a:minorFont>
+        <a:latin typeface="Calibri" panose="020F0502020204030204"/>
+        <a:ea typeface=""/>
+        <a:cs typeface=""/>
+        <a:font script="Jpan" typeface="游ゴシック"/>
+        <a:font script="Hang" typeface="맑은 고딕"/>
+        <a:font script="Hans" typeface="等线"/>
+        <a:font script="Hant" typeface="新細明體"/>
+        <a:font script="Arab" typeface="Arial"/>
+        <a:font script="Hebr" typeface="Arial"/>
+        <a:font script="Thai" typeface="Cordia New"/>
+        <a:font script="Ethi" typeface="Nyala"/>
+        <a:font script="Beng" typeface="Vrinda"/>
+        <a:font script="Gujr" typeface="Shruti"/>
+        <a:font script="Khmr" typeface="DaunPenh"/>
+        <a:font script="Knda" typeface="Tunga"/>
+        <a:font script="Guru" typeface="Raavi"/>
+        <a:font script="Cans" typeface="Euphemia"/>
+        <a:font script="Cher" typeface="Plantagenet Cherokee"/>
+        <a:font script="Yiii" typeface="Microsoft Yi Baiti"/>
+        <a:font script="Tibt" typeface="Microsoft Himalaya"/>
+        <a:font script="Thaa" typeface="MV Boli"/>
+        <a:font script="Deva" typeface="Mangal"/>
+        <a:font script="Telu" typeface="Gautami"/>
+        <a:font script="Taml" typeface="Latha"/>
+        <a:font script="Syrc" typeface="Estrangelo Edessa"/>
+        <a:font script="Orya" typeface="Kalinga"/>
+        <a:font script="Mlym" typeface="Kartika"/>
+        <a:font script="Laoo" typeface="DokChampa"/>
+        <a:font script="Sinh" typeface="Iskoola Pota"/>
+        <a:font script="Mong" typeface="Mongolian Baiti"/>
+        <a:font script="Viet" typeface="Arial"/>
+        <a:font script="Uigh" typeface="Microsoft Uighur"/>
+        <a:font script="Geor" typeface="Sylfaen"/>
+        <a:font script="Armn" typeface="Arial"/>
+        <a:font script="Bugi" typeface="Leelawadee UI"/>
+        <a:font script="Bopo" typeface="Microsoft JhengHei"/>
+        <a:font script="Java" typeface="Javanese Text"/>
+        <a:font script="Lisu" typeface="Segoe UI"/>
+        <a:font script="Mymr" typeface="Myanmar Text"/>
+        <a:font script="Nkoo" typeface="Ebrima"/>
+        <a:font script="Olck" typeface="Nirmala UI"/>
+        <a:font script="Osma" typeface="Ebrima"/>
+        <a:font script="Phag" typeface="Phagspa"/>
+        <a:font script="Syrn" typeface="Estrangelo Edessa"/>
+        <a:font script="Syrj" typeface="Estrangelo Edessa"/>
+        <a:font script="Syre" typeface="Estrangelo Edessa"/>
+        <a:font script="Sora" typeface="Nirmala UI"/>
+        <a:font script="Tale" typeface="Microsoft Tai Le"/>
+        <a:font script="Talu" typeface="Microsoft New Tai Lue"/>
+        <a:font script="Tfng" typeface="Ebrima"/>
+      </a:minorFont>
+    </a:fontScheme>
+    <a:fmtScheme name="Office">
+      <a:fillStyleLst>
+        <a:solidFill>
+          <a:schemeClr val="phClr"/>
+        </a:solidFill>
+        <a:gradFill rotWithShape="1">
+          <a:gsLst>
+            <a:gs pos="0">
+              <a:schemeClr val="phClr">
+                <a:lumMod val="110000"/>
+                <a:satMod val="105000"/>
+                <a:tint val="67000"/>
+              </a:schemeClr>
+            </a:gs>
+            <a:gs pos="50000">
+              <a:schemeClr val="phClr">
+                <a:lumMod val="105000"/>
+                <a:satMod val="103000"/>
+                <a:tint val="73000"/>
+              </a:schemeClr>
+            </a:gs>
+            <a:gs pos="100000">
+              <a:schemeClr val="phClr">
+                <a:lumMod val="105000"/>
+                <a:satMod val="109000"/>
+                <a:tint val="81000"/>
+              </a:schemeClr>
+            </a:gs>
+          </a:gsLst>
+          <a:lin ang="5400000" scaled="0"/>
+        </a:gradFill>
+        <a:gradFill rotWithShape="1">
+          <a:gsLst>
+            <a:gs pos="0">
+              <a:schemeClr val="phClr">
+                <a:satMod val="103000"/>
+                <a:lumMod val="102000"/>
+                <a:tint val="94000"/>
+              </a:schemeClr>
+            </a:gs>
+            <a:gs pos="50000">
+              <a:schemeClr val="phClr">
+                <a:satMod val="110000"/>
+                <a:lumMod val="100000"/>
+                <a:shade val="100000"/>
+              </a:schemeClr>
+            </a:gs>
+            <a:gs pos="100000">
+              <a:schemeClr val="phClr">
+                <a:lumMod val="99000"/>
+                <a:satMod val="120000"/>
+                <a:shade val="78000"/>
+              </a:schemeClr>
+            </a:gs>
+          </a:gsLst>
+          <a:lin ang="5400000" scaled="0"/>
+        </a:gradFill>
+      </a:fillStyleLst>
+      <a:lnStyleLst>
+        <a:ln w="6350" cap="flat" cmpd="sng" algn="ctr">
+          <a:solidFill>
+            <a:schemeClr val="phClr"/>
+          </a:solidFill>
+          <a:prstDash val="solid"/>
+          <a:miter lim="800000"/>
+        </a:ln>
+        <a:ln w="12700" cap="flat" cmpd="sng" algn="ctr">
+          <a:solidFill>
+            <a:schemeClr val="phClr"/>
+          </a:solidFill>
+          <a:prstDash val="solid"/>
+          <a:miter lim="800000"/>
+        </a:ln>
+        <a:ln w="19050" cap="flat" cmpd="sng" algn="ctr">
+          <a:solidFill>
+            <a:schemeClr val="phClr"/>
+          </a:solidFill>
+          <a:prstDash val="solid"/>
+          <a:miter lim="800000"/>
+        </a:ln>
+      </a:lnStyleLst>
+      <a:effectStyleLst>
+        <a:effectStyle>
+          <a:effectLst/>
+        </a:effectStyle>
+        <a:effectStyle>
+          <a:effectLst/>
+        </a:effectStyle>
+        <a:effectStyle>
+          <a:effectLst>
+            <a:outerShdw blurRad="57150" dist="19050" dir="5400000" algn="ctr" rotWithShape="0">
+              <a:srgbClr val="000000">
+                <a:alpha val="63000"/>
+              </a:srgbClr>
+            </a:outerShdw>
+          </a:effectLst>
+        </a:effectStyle>
+      </a:effectStyleLst>
+      <a:bgFillStyleLst>
+        <a:solidFill>
+          <a:schemeClr val="phClr"/>
+        </a:solidFill>
+        <a:solidFill>
+          <a:schemeClr val="phClr">
+            <a:tint val="95000"/>
+            <a:satMod val="170000"/>
+          </a:schemeClr>
+        </a:solidFill>
+        <a:gradFill rotWithShape="1">
+          <a:gsLst>
+            <a:gs pos="0">
+              <a:schemeClr val="phClr">
+                <a:tint val="93000"/>
+                <a:satMod val="150000"/>
+                <a:shade val="98000"/>
+                <a:lumMod val="102000"/>
+              </a:schemeClr>
+            </a:gs>
+            <a:gs pos="50000">
+              <a:schemeClr val="phClr">
+                <a:tint val="98000"/>
+                <a:satMod val="130000"/>
+                <a:shade val="90000"/>
+                <a:lumMod val="103000"/>
+              </a:schemeClr>
+            </a:gs>
+            <a:gs pos="100000">
+              <a:schemeClr val="phClr">
+                <a:shade val="63000"/>
+                <a:satMod val="120000"/>
+              </a:schemeClr>
+            </a:gs>
+          </a:gsLst>
+          <a:lin ang="5400000" scaled="0"/>
+        </a:gradFill>
+      </a:bgFillStyleLst>
+    </a:fmtScheme>
+  </a:themeElements>
+  <a:objectDefaults/>
+  <a:extraClrSchemeLst/>
+  <a:extLst>
+    <a:ext uri="{05A4C25C-085E-4340-85A3-A5531E510DB2}">
+      <thm15:themeFamily xmlns:thm15="http://schemas.microsoft.com/office/thememl/2012/main" name="Office Theme" id="{62F939B6-93AF-4DB8-9C6B-D6C7DFDC589F}" vid="{4A3C46E8-61CC-4603-A589-7422A47A8E4A}"/>
+    </a:ext>
+  </a:extLst>
+</a:theme>
+</file>
+
+<file path=ppt/theme/theme3.xml><?xml version="1.0" encoding="utf-8"?>
+<a:theme xmlns:a="http://schemas.openxmlformats.org/drawingml/2006/main" name="Office Theme">
+  <a:themeElements>
+    <a:clrScheme name="Office">
+      <a:dk1>
+        <a:sysClr val="windowText" lastClr="000000"/>
+      </a:dk1>
+      <a:lt1>
+        <a:sysClr val="window" lastClr="FFFFFF"/>
+      </a:lt1>
+      <a:dk2>
+        <a:srgbClr val="44546A"/>
+      </a:dk2>
+      <a:lt2>
+        <a:srgbClr val="E7E6E6"/>
+      </a:lt2>
+      <a:accent1>
+        <a:srgbClr val="4472C4"/>
+      </a:accent1>
+      <a:accent2>
+        <a:srgbClr val="ED7D31"/>
+      </a:accent2>
+      <a:accent3>
+        <a:srgbClr val="A5A5A5"/>
+      </a:accent3>
+      <a:accent4>
+        <a:srgbClr val="FFC000"/>
+      </a:accent4>
+      <a:accent5>
+        <a:srgbClr val="5B9BD5"/>
+      </a:accent5>
+      <a:accent6>
+        <a:srgbClr val="70AD47"/>
+      </a:accent6>
+      <a:hlink>
+        <a:srgbClr val="0563C1"/>
+      </a:hlink>
+      <a:folHlink>
+        <a:srgbClr val="954F72"/>
+      </a:folHlink>
+    </a:clrScheme>
+    <a:fontScheme name="Office">
+      <a:majorFont>
+        <a:latin typeface="Calibri Light" panose="020F0302020204030204"/>
+        <a:ea typeface=""/>
+        <a:cs typeface=""/>
+        <a:font script="Jpan" typeface="游ゴシック Light"/>
+        <a:font script="Hang" typeface="맑은 고딕"/>
+        <a:font script="Hans" typeface="等线 Light"/>
+        <a:font script="Hant" typeface="新細明體"/>
+        <a:font script="Arab" typeface="Times New Roman"/>
+        <a:font script="Hebr" typeface="Times New Roman"/>
+        <a:font script="Thai" typeface="Angsana New"/>
+        <a:font script="Ethi" typeface="Nyala"/>
+        <a:font script="Beng" typeface="Vrinda"/>
+        <a:font script="Gujr" typeface="Shruti"/>
+        <a:font script="Khmr" typeface="MoolBoran"/>
+        <a:font script="Knda" typeface="Tunga"/>
+        <a:font script="Guru" typeface="Raavi"/>
+        <a:font script="Cans" typeface="Euphemia"/>
+        <a:font script="Cher" typeface="Plantagenet Cherokee"/>
+        <a:font script="Yiii" typeface="Microsoft Yi Baiti"/>
+        <a:font script="Tibt" typeface="Microsoft Himalaya"/>
+        <a:font script="Thaa" typeface="MV Boli"/>
+        <a:font script="Deva" typeface="Mangal"/>
+        <a:font script="Telu" typeface="Gautami"/>
+        <a:font script="Taml" typeface="Latha"/>
+        <a:font script="Syrc" typeface="Estrangelo Edessa"/>
+        <a:font script="Orya" typeface="Kalinga"/>
+        <a:font script="Mlym" typeface="Kartika"/>
+        <a:font script="Laoo" typeface="DokChampa"/>
+        <a:font script="Sinh" typeface="Iskoola Pota"/>
+        <a:font script="Mong" typeface="Mongolian Baiti"/>
+        <a:font script="Viet" typeface="Times New Roman"/>
+        <a:font script="Uigh" typeface="Microsoft Uighur"/>
+        <a:font script="Geor" typeface="Sylfaen"/>
+        <a:font script="Armn" typeface="Arial"/>
+        <a:font script="Bugi" typeface="Leelawadee UI"/>
+        <a:font script="Bopo" typeface="Microsoft JhengHei"/>
+        <a:font script="Java" typeface="Javanese Text"/>
+        <a:font script="Lisu" typeface="Segoe UI"/>
+        <a:font script="Mymr" typeface="Myanmar Text"/>
+        <a:font script="Nkoo" typeface="Ebrima"/>
+        <a:font script="Olck" typeface="Nirmala UI"/>
+        <a:font script="Osma" typeface="Ebrima"/>
+        <a:font script="Phag" typeface="Phagspa"/>
+        <a:font script="Syrn" typeface="Estrangelo Edessa"/>
+        <a:font script="Syrj" typeface="Estrangelo Edessa"/>
+        <a:font script="Syre" typeface="Estrangelo Edessa"/>
+        <a:font script="Sora" typeface="Nirmala UI"/>
+        <a:font script="Tale" typeface="Microsoft Tai Le"/>
+        <a:font script="Talu" typeface="Microsoft New Tai Lue"/>
+        <a:font script="Tfng" typeface="Ebrima"/>
+      </a:majorFont>
+      <a:minorFont>
+        <a:latin typeface="Calibri" panose="020F0502020204030204"/>
+        <a:ea typeface=""/>
+        <a:cs typeface=""/>
+        <a:font script="Jpan" typeface="游ゴシック"/>
+        <a:font script="Hang" typeface="맑은 고딕"/>
+        <a:font script="Hans" typeface="等线"/>
+        <a:font script="Hant" typeface="新細明體"/>
+        <a:font script="Arab" typeface="Arial"/>
+        <a:font script="Hebr" typeface="Arial"/>
+        <a:font script="Thai" typeface="Cordia New"/>
+        <a:font script="Ethi" typeface="Nyala"/>
+        <a:font script="Beng" typeface="Vrinda"/>
+        <a:font script="Gujr" typeface="Shruti"/>
+        <a:font script="Khmr" typeface="DaunPenh"/>
+        <a:font script="Knda" typeface="Tunga"/>
+        <a:font script="Guru" typeface="Raavi"/>
+        <a:font script="Cans" typeface="Euphemia"/>
+        <a:font script="Cher" typeface="Plantagenet Cherokee"/>
+        <a:font script="Yiii" typeface="Microsoft Yi Baiti"/>
+        <a:font script="Tibt" typeface="Microsoft Himalaya"/>
+        <a:font script="Thaa" typeface="MV Boli"/>
+        <a:font script="Deva" typeface="Mangal"/>
+        <a:font script="Telu" typeface="Gautami"/>
+        <a:font script="Taml" typeface="Latha"/>
+        <a:font script="Syrc" typeface="Estrangelo Edessa"/>
+        <a:font script="Orya" typeface="Kalinga"/>
+        <a:font script="Mlym" typeface="Kartika"/>
+        <a:font script="Laoo" typeface="DokChampa"/>
+        <a:font script="Sinh" typeface="Iskoola Pota"/>
+        <a:font script="Mong" typeface="Mongolian Baiti"/>
+        <a:font script="Viet" typeface="Arial"/>
+        <a:font script="Uigh" typeface="Microsoft Uighur"/>
+        <a:font script="Geor" typeface="Sylfaen"/>
+        <a:font script="Armn" typeface="Arial"/>
+        <a:font script="Bugi" typeface="Leelawadee UI"/>
+        <a:font script="Bopo" typeface="Microsoft JhengHei"/>
+        <a:font script="Java" typeface="Javanese Text"/>
+        <a:font script="Lisu" typeface="Segoe UI"/>
+        <a:font script="Mymr" typeface="Myanmar Text"/>
+        <a:font script="Nkoo" typeface="Ebrima"/>
+        <a:font script="Olck" typeface="Nirmala UI"/>
+        <a:font script="Osma" typeface="Ebrima"/>
+        <a:font script="Phag" typeface="Phagspa"/>
+        <a:font script="Syrn" typeface="Estrangelo Edessa"/>
+        <a:font script="Syrj" typeface="Estrangelo Edessa"/>
+        <a:font script="Syre" typeface="Estrangelo Edessa"/>
+        <a:font script="Sora" typeface="Nirmala UI"/>
+        <a:font script="Tale" typeface="Microsoft Tai Le"/>
+        <a:font script="Talu" typeface="Microsoft New Tai Lue"/>
+        <a:font script="Tfng" typeface="Ebrima"/>
+      </a:minorFont>
+    </a:fontScheme>
+    <a:fmtScheme name="Office">
+      <a:fillStyleLst>
+        <a:solidFill>
+          <a:schemeClr val="phClr"/>
+        </a:solidFill>
+        <a:gradFill rotWithShape="1">
+          <a:gsLst>
+            <a:gs pos="0">
+              <a:schemeClr val="phClr">
+                <a:lumMod val="110000"/>
+                <a:satMod val="105000"/>
+                <a:tint val="67000"/>
+              </a:schemeClr>
+            </a:gs>
+            <a:gs pos="50000">
+              <a:schemeClr val="phClr">
+                <a:lumMod val="105000"/>
+                <a:satMod val="103000"/>
+                <a:tint val="73000"/>
+              </a:schemeClr>
+            </a:gs>
+            <a:gs pos="100000">
+              <a:schemeClr val="phClr">
+                <a:lumMod val="105000"/>
+                <a:satMod val="109000"/>
+                <a:tint val="81000"/>
+              </a:schemeClr>
+            </a:gs>
+          </a:gsLst>
+          <a:lin ang="5400000" scaled="0"/>
+        </a:gradFill>
+        <a:gradFill rotWithShape="1">
+          <a:gsLst>
+            <a:gs pos="0">
+              <a:schemeClr val="phClr">
+                <a:satMod val="103000"/>
+                <a:lumMod val="102000"/>
+                <a:tint val="94000"/>
+              </a:schemeClr>
+            </a:gs>
+            <a:gs pos="50000">
+              <a:schemeClr val="phClr">
+                <a:satMod val="110000"/>
+                <a:lumMod val="100000"/>
+                <a:shade val="100000"/>
+              </a:schemeClr>
+            </a:gs>
+            <a:gs pos="100000">
+              <a:schemeClr val="phClr">
+                <a:lumMod val="99000"/>
+                <a:satMod val="120000"/>
+                <a:shade val="78000"/>
+              </a:schemeClr>
+            </a:gs>
+          </a:gsLst>
+          <a:lin ang="5400000" scaled="0"/>
+        </a:gradFill>
+      </a:fillStyleLst>
+      <a:lnStyleLst>
+        <a:ln w="6350" cap="flat" cmpd="sng" algn="ctr">
+          <a:solidFill>
+            <a:schemeClr val="phClr"/>
+          </a:solidFill>
+          <a:prstDash val="solid"/>
+          <a:miter lim="800000"/>
+        </a:ln>
+        <a:ln w="12700" cap="flat" cmpd="sng" algn="ctr">
+          <a:solidFill>
+            <a:schemeClr val="phClr"/>
+          </a:solidFill>
+          <a:prstDash val="solid"/>
+          <a:miter lim="800000"/>
+        </a:ln>
+        <a:ln w="19050" cap="flat" cmpd="sng" algn="ctr">
+          <a:solidFill>
+            <a:schemeClr val="phClr"/>
+          </a:solidFill>
+          <a:prstDash val="solid"/>
+          <a:miter lim="800000"/>
+        </a:ln>
+      </a:lnStyleLst>
+      <a:effectStyleLst>
+        <a:effectStyle>
+          <a:effectLst/>
+        </a:effectStyle>
+        <a:effectStyle>
+          <a:effectLst/>
+        </a:effectStyle>
+        <a:effectStyle>
+          <a:effectLst>
+            <a:outerShdw blurRad="57150" dist="19050" dir="5400000" algn="ctr" rotWithShape="0">
+              <a:srgbClr val="000000">
+                <a:alpha val="63000"/>
+              </a:srgbClr>
+            </a:outerShdw>
+          </a:effectLst>
+        </a:effectStyle>
+      </a:effectStyleLst>
+      <a:bgFillStyleLst>
+        <a:solidFill>
+          <a:schemeClr val="phClr"/>
+        </a:solidFill>
+        <a:solidFill>
+          <a:schemeClr val="phClr">
+            <a:tint val="95000"/>
+            <a:satMod val="170000"/>
+          </a:schemeClr>
+        </a:solidFill>
+        <a:gradFill rotWithShape="1">
+          <a:gsLst>
+            <a:gs pos="0">
+              <a:schemeClr val="phClr">
+                <a:tint val="93000"/>
+                <a:satMod val="150000"/>
+                <a:shade val="98000"/>
+                <a:lumMod val="102000"/>
+              </a:schemeClr>
+            </a:gs>
+            <a:gs pos="50000">
+              <a:schemeClr val="phClr">
+                <a:tint val="98000"/>
+                <a:satMod val="130000"/>
+                <a:shade val="90000"/>
+                <a:lumMod val="103000"/>
+              </a:schemeClr>
+            </a:gs>
+            <a:gs pos="100000">
+              <a:schemeClr val="phClr">
+                <a:shade val="63000"/>
+                <a:satMod val="120000"/>
+              </a:schemeClr>
+            </a:gs>
+          </a:gsLst>
+          <a:lin ang="5400000" scaled="0"/>
+        </a:gradFill>
+      </a:bgFillStyleLst>
+    </a:fmtScheme>
+  </a:themeElements>
+  <a:objectDefaults/>
+  <a:extraClrSchemeLst/>
+  <a:extLst>
+    <a:ext uri="{05A4C25C-085E-4340-85A3-A5531E510DB2}">
+      <thm15:themeFamily xmlns:thm15="http://schemas.microsoft.com/office/thememl/2012/main" name="Office Theme" id="{62F939B6-93AF-4DB8-9C6B-D6C7DFDC589F}" vid="{4A3C46E8-61CC-4603-A589-7422A47A8E4A}"/>
+    </a:ext>
+  </a:extLst>
+</a:theme>
 </file>
--- a/presentation.pptx
+++ b/presentation.pptx
@@ -246,7 +246,7 @@
           <a:p>
             <a:fld id="{027B0511-7C57-A649-9B1E-F6B4AF548419}" type="datetimeFigureOut">
               <a:rPr lang="en-US" smtClean="0"/>
-              <a:t>5/6/19</a:t>
+              <a:t>5/7/19</a:t>
             </a:fld>
             <a:endParaRPr lang="en-US"/>
           </a:p>
@@ -427,7 +427,7 @@
           <a:p>
             <a:fld id="{635D235B-18E0-FD4C-BFE6-71E332FE9977}" type="datetimeFigureOut">
               <a:rPr lang="en-US" smtClean="0"/>
-              <a:t>5/6/19</a:t>
+              <a:t>5/7/19</a:t>
             </a:fld>
             <a:endParaRPr lang="en-US"/>
           </a:p>
@@ -752,7 +752,7 @@
           <a:noFill/>
           <a:extLst>
             <a:ext uri="{909E8E84-426E-40dd-AFC4-6F175D3DCCD1}">
-              <a14:hiddenFill xmlns="" xmlns:a14="http://schemas.microsoft.com/office/drawing/2010/main">
+              <a14:hiddenFill xmlns:a14="http://schemas.microsoft.com/office/drawing/2010/main" xmlns="">
                 <a:solidFill>
                   <a:srgbClr val="FFFFFF"/>
                 </a:solidFill>
@@ -811,7 +811,7 @@
             </a:ln>
             <a:extLst>
               <a:ext uri="{91240B29-F687-4f45-9708-019B960494DF}">
-                <a14:hiddenLine xmlns="" xmlns:a14="http://schemas.microsoft.com/office/drawing/2010/main" w="9525">
+                <a14:hiddenLine xmlns:a14="http://schemas.microsoft.com/office/drawing/2010/main" xmlns="" w="9525">
                   <a:solidFill>
                     <a:srgbClr val="000000"/>
                   </a:solidFill>
@@ -901,7 +901,7 @@
             </a:ln>
             <a:extLst>
               <a:ext uri="{91240B29-F687-4f45-9708-019B960494DF}">
-                <a14:hiddenLine xmlns="" xmlns:a14="http://schemas.microsoft.com/office/drawing/2010/main" w="9525">
+                <a14:hiddenLine xmlns:a14="http://schemas.microsoft.com/office/drawing/2010/main" xmlns="" w="9525">
                   <a:solidFill>
                     <a:srgbClr val="000000"/>
                   </a:solidFill>
@@ -991,7 +991,7 @@
             </a:ln>
             <a:extLst>
               <a:ext uri="{91240B29-F687-4f45-9708-019B960494DF}">
-                <a14:hiddenLine xmlns="" xmlns:a14="http://schemas.microsoft.com/office/drawing/2010/main" w="9525">
+                <a14:hiddenLine xmlns:a14="http://schemas.microsoft.com/office/drawing/2010/main" xmlns="" w="9525">
                   <a:solidFill>
                     <a:srgbClr val="000000"/>
                   </a:solidFill>
@@ -1025,7 +1025,7 @@
             </a:ln>
             <a:extLst>
               <a:ext uri="{91240B29-F687-4f45-9708-019B960494DF}">
-                <a14:hiddenLine xmlns="" xmlns:a14="http://schemas.microsoft.com/office/drawing/2010/main" w="9525">
+                <a14:hiddenLine xmlns:a14="http://schemas.microsoft.com/office/drawing/2010/main" xmlns="" w="9525">
                   <a:solidFill>
                     <a:srgbClr val="000000"/>
                   </a:solidFill>
@@ -1115,7 +1115,7 @@
             </a:ln>
             <a:extLst>
               <a:ext uri="{91240B29-F687-4f45-9708-019B960494DF}">
-                <a14:hiddenLine xmlns="" xmlns:a14="http://schemas.microsoft.com/office/drawing/2010/main" w="9525">
+                <a14:hiddenLine xmlns:a14="http://schemas.microsoft.com/office/drawing/2010/main" xmlns="" w="9525">
                   <a:solidFill>
                     <a:srgbClr val="000000"/>
                   </a:solidFill>
@@ -1177,7 +1177,7 @@
             </a:ln>
             <a:extLst>
               <a:ext uri="{91240B29-F687-4f45-9708-019B960494DF}">
-                <a14:hiddenLine xmlns="" xmlns:a14="http://schemas.microsoft.com/office/drawing/2010/main" w="9525">
+                <a14:hiddenLine xmlns:a14="http://schemas.microsoft.com/office/drawing/2010/main" xmlns="" w="9525">
                   <a:solidFill>
                     <a:srgbClr val="000000"/>
                   </a:solidFill>
@@ -1239,7 +1239,7 @@
             </a:ln>
             <a:extLst>
               <a:ext uri="{91240B29-F687-4f45-9708-019B960494DF}">
-                <a14:hiddenLine xmlns="" xmlns:a14="http://schemas.microsoft.com/office/drawing/2010/main" w="9525">
+                <a14:hiddenLine xmlns:a14="http://schemas.microsoft.com/office/drawing/2010/main" xmlns="" w="9525">
                   <a:solidFill>
                     <a:srgbClr val="000000"/>
                   </a:solidFill>
@@ -1329,7 +1329,7 @@
             </a:ln>
             <a:extLst>
               <a:ext uri="{91240B29-F687-4f45-9708-019B960494DF}">
-                <a14:hiddenLine xmlns="" xmlns:a14="http://schemas.microsoft.com/office/drawing/2010/main" w="9525">
+                <a14:hiddenLine xmlns:a14="http://schemas.microsoft.com/office/drawing/2010/main" xmlns="" w="9525">
                   <a:solidFill>
                     <a:srgbClr val="000000"/>
                   </a:solidFill>
@@ -1391,7 +1391,7 @@
             </a:ln>
             <a:extLst>
               <a:ext uri="{91240B29-F687-4f45-9708-019B960494DF}">
-                <a14:hiddenLine xmlns="" xmlns:a14="http://schemas.microsoft.com/office/drawing/2010/main" w="9525">
+                <a14:hiddenLine xmlns:a14="http://schemas.microsoft.com/office/drawing/2010/main" xmlns="" w="9525">
                   <a:solidFill>
                     <a:srgbClr val="000000"/>
                   </a:solidFill>
@@ -1453,7 +1453,7 @@
             </a:ln>
             <a:extLst>
               <a:ext uri="{91240B29-F687-4f45-9708-019B960494DF}">
-                <a14:hiddenLine xmlns="" xmlns:a14="http://schemas.microsoft.com/office/drawing/2010/main" w="9525">
+                <a14:hiddenLine xmlns:a14="http://schemas.microsoft.com/office/drawing/2010/main" xmlns="" w="9525">
                   <a:solidFill>
                     <a:srgbClr val="000000"/>
                   </a:solidFill>
@@ -1543,7 +1543,7 @@
             </a:ln>
             <a:extLst>
               <a:ext uri="{91240B29-F687-4f45-9708-019B960494DF}">
-                <a14:hiddenLine xmlns="" xmlns:a14="http://schemas.microsoft.com/office/drawing/2010/main" w="9525">
+                <a14:hiddenLine xmlns:a14="http://schemas.microsoft.com/office/drawing/2010/main" xmlns="" w="9525">
                   <a:solidFill>
                     <a:srgbClr val="000000"/>
                   </a:solidFill>
@@ -1633,7 +1633,7 @@
             </a:ln>
             <a:extLst>
               <a:ext uri="{91240B29-F687-4f45-9708-019B960494DF}">
-                <a14:hiddenLine xmlns="" xmlns:a14="http://schemas.microsoft.com/office/drawing/2010/main" w="9525">
+                <a14:hiddenLine xmlns:a14="http://schemas.microsoft.com/office/drawing/2010/main" xmlns="" w="9525">
                   <a:solidFill>
                     <a:srgbClr val="000000"/>
                   </a:solidFill>
@@ -1695,7 +1695,7 @@
             </a:ln>
             <a:extLst>
               <a:ext uri="{91240B29-F687-4f45-9708-019B960494DF}">
-                <a14:hiddenLine xmlns="" xmlns:a14="http://schemas.microsoft.com/office/drawing/2010/main" w="9525">
+                <a14:hiddenLine xmlns:a14="http://schemas.microsoft.com/office/drawing/2010/main" xmlns="" w="9525">
                   <a:solidFill>
                     <a:srgbClr val="000000"/>
                   </a:solidFill>
@@ -1805,7 +1805,7 @@
             </a:ln>
             <a:extLst>
               <a:ext uri="{91240B29-F687-4f45-9708-019B960494DF}">
-                <a14:hiddenLine xmlns="" xmlns:a14="http://schemas.microsoft.com/office/drawing/2010/main" w="9525">
+                <a14:hiddenLine xmlns:a14="http://schemas.microsoft.com/office/drawing/2010/main" xmlns="" w="9525">
                   <a:solidFill>
                     <a:srgbClr val="000000"/>
                   </a:solidFill>
@@ -1867,7 +1867,7 @@
             </a:ln>
             <a:extLst>
               <a:ext uri="{91240B29-F687-4f45-9708-019B960494DF}">
-                <a14:hiddenLine xmlns="" xmlns:a14="http://schemas.microsoft.com/office/drawing/2010/main" w="9525">
+                <a14:hiddenLine xmlns:a14="http://schemas.microsoft.com/office/drawing/2010/main" xmlns="" w="9525">
                   <a:solidFill>
                     <a:srgbClr val="000000"/>
                   </a:solidFill>
@@ -1957,7 +1957,7 @@
             </a:ln>
             <a:extLst>
               <a:ext uri="{91240B29-F687-4f45-9708-019B960494DF}">
-                <a14:hiddenLine xmlns="" xmlns:a14="http://schemas.microsoft.com/office/drawing/2010/main" w="9525">
+                <a14:hiddenLine xmlns:a14="http://schemas.microsoft.com/office/drawing/2010/main" xmlns="" w="9525">
                   <a:solidFill>
                     <a:srgbClr val="000000"/>
                   </a:solidFill>
@@ -2047,7 +2047,7 @@
             </a:ln>
             <a:extLst>
               <a:ext uri="{91240B29-F687-4f45-9708-019B960494DF}">
-                <a14:hiddenLine xmlns="" xmlns:a14="http://schemas.microsoft.com/office/drawing/2010/main" w="9525">
+                <a14:hiddenLine xmlns:a14="http://schemas.microsoft.com/office/drawing/2010/main" xmlns="" w="9525">
                   <a:solidFill>
                     <a:srgbClr val="000000"/>
                   </a:solidFill>
@@ -2109,7 +2109,7 @@
             </a:ln>
             <a:extLst>
               <a:ext uri="{91240B29-F687-4f45-9708-019B960494DF}">
-                <a14:hiddenLine xmlns="" xmlns:a14="http://schemas.microsoft.com/office/drawing/2010/main" w="9525">
+                <a14:hiddenLine xmlns:a14="http://schemas.microsoft.com/office/drawing/2010/main" xmlns="" w="9525">
                   <a:solidFill>
                     <a:srgbClr val="000000"/>
                   </a:solidFill>
@@ -2199,7 +2199,7 @@
             </a:ln>
             <a:extLst>
               <a:ext uri="{91240B29-F687-4f45-9708-019B960494DF}">
-                <a14:hiddenLine xmlns="" xmlns:a14="http://schemas.microsoft.com/office/drawing/2010/main" w="9525">
+                <a14:hiddenLine xmlns:a14="http://schemas.microsoft.com/office/drawing/2010/main" xmlns="" w="9525">
                   <a:solidFill>
                     <a:srgbClr val="000000"/>
                   </a:solidFill>
@@ -2289,7 +2289,7 @@
             </a:ln>
             <a:extLst>
               <a:ext uri="{91240B29-F687-4f45-9708-019B960494DF}">
-                <a14:hiddenLine xmlns="" xmlns:a14="http://schemas.microsoft.com/office/drawing/2010/main" w="9525">
+                <a14:hiddenLine xmlns:a14="http://schemas.microsoft.com/office/drawing/2010/main" xmlns="" w="9525">
                   <a:solidFill>
                     <a:srgbClr val="000000"/>
                   </a:solidFill>
@@ -2345,7 +2345,7 @@
             </a:ln>
             <a:extLst>
               <a:ext uri="{91240B29-F687-4f45-9708-019B960494DF}">
-                <a14:hiddenLine xmlns="" xmlns:a14="http://schemas.microsoft.com/office/drawing/2010/main" w="9525">
+                <a14:hiddenLine xmlns:a14="http://schemas.microsoft.com/office/drawing/2010/main" xmlns="" w="9525">
                   <a:solidFill>
                     <a:srgbClr val="000000"/>
                   </a:solidFill>
@@ -2435,7 +2435,7 @@
             </a:ln>
             <a:extLst>
               <a:ext uri="{91240B29-F687-4f45-9708-019B960494DF}">
-                <a14:hiddenLine xmlns="" xmlns:a14="http://schemas.microsoft.com/office/drawing/2010/main" w="9525">
+                <a14:hiddenLine xmlns:a14="http://schemas.microsoft.com/office/drawing/2010/main" xmlns="" w="9525">
                   <a:solidFill>
                     <a:srgbClr val="000000"/>
                   </a:solidFill>
@@ -2491,7 +2491,7 @@
             </a:ln>
             <a:extLst>
               <a:ext uri="{91240B29-F687-4f45-9708-019B960494DF}">
-                <a14:hiddenLine xmlns="" xmlns:a14="http://schemas.microsoft.com/office/drawing/2010/main" w="9525">
+                <a14:hiddenLine xmlns:a14="http://schemas.microsoft.com/office/drawing/2010/main" xmlns="" w="9525">
                   <a:solidFill>
                     <a:srgbClr val="000000"/>
                   </a:solidFill>
@@ -2581,7 +2581,7 @@
             </a:ln>
             <a:extLst>
               <a:ext uri="{91240B29-F687-4f45-9708-019B960494DF}">
-                <a14:hiddenLine xmlns="" xmlns:a14="http://schemas.microsoft.com/office/drawing/2010/main" w="9525">
+                <a14:hiddenLine xmlns:a14="http://schemas.microsoft.com/office/drawing/2010/main" xmlns="" w="9525">
                   <a:solidFill>
                     <a:srgbClr val="000000"/>
                   </a:solidFill>
@@ -2649,7 +2649,7 @@
             </a:ln>
             <a:extLst>
               <a:ext uri="{91240B29-F687-4f45-9708-019B960494DF}">
-                <a14:hiddenLine xmlns="" xmlns:a14="http://schemas.microsoft.com/office/drawing/2010/main" w="9525">
+                <a14:hiddenLine xmlns:a14="http://schemas.microsoft.com/office/drawing/2010/main" xmlns="" w="9525">
                   <a:solidFill>
                     <a:srgbClr val="000000"/>
                   </a:solidFill>
@@ -2739,7 +2739,7 @@
             </a:ln>
             <a:extLst>
               <a:ext uri="{91240B29-F687-4f45-9708-019B960494DF}">
-                <a14:hiddenLine xmlns="" xmlns:a14="http://schemas.microsoft.com/office/drawing/2010/main" w="9525">
+                <a14:hiddenLine xmlns:a14="http://schemas.microsoft.com/office/drawing/2010/main" xmlns="" w="9525">
                   <a:solidFill>
                     <a:srgbClr val="000000"/>
                   </a:solidFill>
@@ -2807,7 +2807,7 @@
             </a:ln>
             <a:extLst>
               <a:ext uri="{91240B29-F687-4f45-9708-019B960494DF}">
-                <a14:hiddenLine xmlns="" xmlns:a14="http://schemas.microsoft.com/office/drawing/2010/main" w="9525">
+                <a14:hiddenLine xmlns:a14="http://schemas.microsoft.com/office/drawing/2010/main" xmlns="" w="9525">
                   <a:solidFill>
                     <a:srgbClr val="000000"/>
                   </a:solidFill>
@@ -2897,7 +2897,7 @@
             </a:ln>
             <a:extLst>
               <a:ext uri="{91240B29-F687-4f45-9708-019B960494DF}">
-                <a14:hiddenLine xmlns="" xmlns:a14="http://schemas.microsoft.com/office/drawing/2010/main" w="9525">
+                <a14:hiddenLine xmlns:a14="http://schemas.microsoft.com/office/drawing/2010/main" xmlns="" w="9525">
                   <a:solidFill>
                     <a:srgbClr val="000000"/>
                   </a:solidFill>
@@ -2931,7 +2931,7 @@
             </a:ln>
             <a:extLst>
               <a:ext uri="{91240B29-F687-4f45-9708-019B960494DF}">
-                <a14:hiddenLine xmlns="" xmlns:a14="http://schemas.microsoft.com/office/drawing/2010/main" w="9525">
+                <a14:hiddenLine xmlns:a14="http://schemas.microsoft.com/office/drawing/2010/main" xmlns="" w="9525">
                   <a:solidFill>
                     <a:srgbClr val="000000"/>
                   </a:solidFill>
@@ -3021,7 +3021,7 @@
             </a:ln>
             <a:extLst>
               <a:ext uri="{91240B29-F687-4f45-9708-019B960494DF}">
-                <a14:hiddenLine xmlns="" xmlns:a14="http://schemas.microsoft.com/office/drawing/2010/main" w="9525">
+                <a14:hiddenLine xmlns:a14="http://schemas.microsoft.com/office/drawing/2010/main" xmlns="" w="9525">
                   <a:solidFill>
                     <a:srgbClr val="000000"/>
                   </a:solidFill>
@@ -3083,7 +3083,7 @@
             </a:ln>
             <a:extLst>
               <a:ext uri="{91240B29-F687-4f45-9708-019B960494DF}">
-                <a14:hiddenLine xmlns="" xmlns:a14="http://schemas.microsoft.com/office/drawing/2010/main" w="9525">
+                <a14:hiddenLine xmlns:a14="http://schemas.microsoft.com/office/drawing/2010/main" xmlns="" w="9525">
                   <a:solidFill>
                     <a:srgbClr val="000000"/>
                   </a:solidFill>
@@ -3145,7 +3145,7 @@
             </a:ln>
             <a:extLst>
               <a:ext uri="{91240B29-F687-4f45-9708-019B960494DF}">
-                <a14:hiddenLine xmlns="" xmlns:a14="http://schemas.microsoft.com/office/drawing/2010/main" w="9525">
+                <a14:hiddenLine xmlns:a14="http://schemas.microsoft.com/office/drawing/2010/main" xmlns="" w="9525">
                   <a:solidFill>
                     <a:srgbClr val="000000"/>
                   </a:solidFill>
@@ -3235,7 +3235,7 @@
             </a:ln>
             <a:extLst>
               <a:ext uri="{91240B29-F687-4f45-9708-019B960494DF}">
-                <a14:hiddenLine xmlns="" xmlns:a14="http://schemas.microsoft.com/office/drawing/2010/main" w="9525">
+                <a14:hiddenLine xmlns:a14="http://schemas.microsoft.com/office/drawing/2010/main" xmlns="" w="9525">
                   <a:solidFill>
                     <a:srgbClr val="000000"/>
                   </a:solidFill>
@@ -3303,7 +3303,7 @@
             </a:ln>
             <a:extLst>
               <a:ext uri="{91240B29-F687-4f45-9708-019B960494DF}">
-                <a14:hiddenLine xmlns="" xmlns:a14="http://schemas.microsoft.com/office/drawing/2010/main" w="9525">
+                <a14:hiddenLine xmlns:a14="http://schemas.microsoft.com/office/drawing/2010/main" xmlns="" w="9525">
                   <a:solidFill>
                     <a:srgbClr val="000000"/>
                   </a:solidFill>
@@ -3365,7 +3365,7 @@
             </a:ln>
             <a:extLst>
               <a:ext uri="{91240B29-F687-4f45-9708-019B960494DF}">
-                <a14:hiddenLine xmlns="" xmlns:a14="http://schemas.microsoft.com/office/drawing/2010/main" w="9525">
+                <a14:hiddenLine xmlns:a14="http://schemas.microsoft.com/office/drawing/2010/main" xmlns="" w="9525">
                   <a:solidFill>
                     <a:srgbClr val="000000"/>
                   </a:solidFill>
@@ -3455,7 +3455,7 @@
             </a:ln>
             <a:extLst>
               <a:ext uri="{91240B29-F687-4f45-9708-019B960494DF}">
-                <a14:hiddenLine xmlns="" xmlns:a14="http://schemas.microsoft.com/office/drawing/2010/main" w="9525">
+                <a14:hiddenLine xmlns:a14="http://schemas.microsoft.com/office/drawing/2010/main" xmlns="" w="9525">
                   <a:solidFill>
                     <a:srgbClr val="000000"/>
                   </a:solidFill>
@@ -3517,7 +3517,7 @@
             </a:ln>
             <a:extLst>
               <a:ext uri="{91240B29-F687-4f45-9708-019B960494DF}">
-                <a14:hiddenLine xmlns="" xmlns:a14="http://schemas.microsoft.com/office/drawing/2010/main" w="9525">
+                <a14:hiddenLine xmlns:a14="http://schemas.microsoft.com/office/drawing/2010/main" xmlns="" w="9525">
                   <a:solidFill>
                     <a:srgbClr val="000000"/>
                   </a:solidFill>
@@ -3607,7 +3607,7 @@
             </a:ln>
             <a:extLst>
               <a:ext uri="{91240B29-F687-4f45-9708-019B960494DF}">
-                <a14:hiddenLine xmlns="" xmlns:a14="http://schemas.microsoft.com/office/drawing/2010/main" w="9525">
+                <a14:hiddenLine xmlns:a14="http://schemas.microsoft.com/office/drawing/2010/main" xmlns="" w="9525">
                   <a:solidFill>
                     <a:srgbClr val="000000"/>
                   </a:solidFill>
@@ -3669,7 +3669,7 @@
             </a:ln>
             <a:extLst>
               <a:ext uri="{91240B29-F687-4f45-9708-019B960494DF}">
-                <a14:hiddenLine xmlns="" xmlns:a14="http://schemas.microsoft.com/office/drawing/2010/main" w="9525">
+                <a14:hiddenLine xmlns:a14="http://schemas.microsoft.com/office/drawing/2010/main" xmlns="" w="9525">
                   <a:solidFill>
                     <a:srgbClr val="000000"/>
                   </a:solidFill>
@@ -3759,7 +3759,7 @@
             </a:ln>
             <a:extLst>
               <a:ext uri="{91240B29-F687-4f45-9708-019B960494DF}">
-                <a14:hiddenLine xmlns="" xmlns:a14="http://schemas.microsoft.com/office/drawing/2010/main" w="9525">
+                <a14:hiddenLine xmlns:a14="http://schemas.microsoft.com/office/drawing/2010/main" xmlns="" w="9525">
                   <a:solidFill>
                     <a:srgbClr val="000000"/>
                   </a:solidFill>
@@ -3793,7 +3793,7 @@
             </a:ln>
             <a:extLst>
               <a:ext uri="{91240B29-F687-4f45-9708-019B960494DF}">
-                <a14:hiddenLine xmlns="" xmlns:a14="http://schemas.microsoft.com/office/drawing/2010/main" w="9525">
+                <a14:hiddenLine xmlns:a14="http://schemas.microsoft.com/office/drawing/2010/main" xmlns="" w="9525">
                   <a:solidFill>
                     <a:srgbClr val="000000"/>
                   </a:solidFill>
@@ -3858,7 +3858,7 @@
             </a:ln>
             <a:extLst>
               <a:ext uri="{91240B29-F687-4f45-9708-019B960494DF}">
-                <a14:hiddenLine xmlns="" xmlns:a14="http://schemas.microsoft.com/office/drawing/2010/main" w="9525">
+                <a14:hiddenLine xmlns:a14="http://schemas.microsoft.com/office/drawing/2010/main" xmlns="" w="9525">
                   <a:solidFill>
                     <a:srgbClr val="000000"/>
                   </a:solidFill>
@@ -3948,7 +3948,7 @@
             </a:ln>
             <a:extLst>
               <a:ext uri="{91240B29-F687-4f45-9708-019B960494DF}">
-                <a14:hiddenLine xmlns="" xmlns:a14="http://schemas.microsoft.com/office/drawing/2010/main" w="9525">
+                <a14:hiddenLine xmlns:a14="http://schemas.microsoft.com/office/drawing/2010/main" xmlns="" w="9525">
                   <a:solidFill>
                     <a:srgbClr val="000000"/>
                   </a:solidFill>
@@ -4010,7 +4010,7 @@
             </a:ln>
             <a:extLst>
               <a:ext uri="{91240B29-F687-4f45-9708-019B960494DF}">
-                <a14:hiddenLine xmlns="" xmlns:a14="http://schemas.microsoft.com/office/drawing/2010/main" w="9525">
+                <a14:hiddenLine xmlns:a14="http://schemas.microsoft.com/office/drawing/2010/main" xmlns="" w="9525">
                   <a:solidFill>
                     <a:srgbClr val="000000"/>
                   </a:solidFill>
@@ -4100,7 +4100,7 @@
             </a:ln>
             <a:extLst>
               <a:ext uri="{91240B29-F687-4f45-9708-019B960494DF}">
-                <a14:hiddenLine xmlns="" xmlns:a14="http://schemas.microsoft.com/office/drawing/2010/main" w="9525">
+                <a14:hiddenLine xmlns:a14="http://schemas.microsoft.com/office/drawing/2010/main" xmlns="" w="9525">
                   <a:solidFill>
                     <a:srgbClr val="000000"/>
                   </a:solidFill>
@@ -4190,7 +4190,7 @@
             </a:ln>
             <a:extLst>
               <a:ext uri="{91240B29-F687-4f45-9708-019B960494DF}">
-                <a14:hiddenLine xmlns="" xmlns:a14="http://schemas.microsoft.com/office/drawing/2010/main" w="9525">
+                <a14:hiddenLine xmlns:a14="http://schemas.microsoft.com/office/drawing/2010/main" xmlns="" w="9525">
                   <a:solidFill>
                     <a:srgbClr val="000000"/>
                   </a:solidFill>
@@ -4255,7 +4255,7 @@
             </a:ln>
             <a:extLst>
               <a:ext uri="{91240B29-F687-4f45-9708-019B960494DF}">
-                <a14:hiddenLine xmlns="" xmlns:a14="http://schemas.microsoft.com/office/drawing/2010/main" w="9525">
+                <a14:hiddenLine xmlns:a14="http://schemas.microsoft.com/office/drawing/2010/main" xmlns="" w="9525">
                   <a:solidFill>
                     <a:srgbClr val="000000"/>
                   </a:solidFill>
@@ -4317,7 +4317,7 @@
             </a:ln>
             <a:extLst>
               <a:ext uri="{91240B29-F687-4f45-9708-019B960494DF}">
-                <a14:hiddenLine xmlns="" xmlns:a14="http://schemas.microsoft.com/office/drawing/2010/main" w="9525">
+                <a14:hiddenLine xmlns:a14="http://schemas.microsoft.com/office/drawing/2010/main" xmlns="" w="9525">
                   <a:solidFill>
                     <a:srgbClr val="000000"/>
                   </a:solidFill>
@@ -4407,7 +4407,7 @@
             </a:ln>
             <a:extLst>
               <a:ext uri="{91240B29-F687-4f45-9708-019B960494DF}">
-                <a14:hiddenLine xmlns="" xmlns:a14="http://schemas.microsoft.com/office/drawing/2010/main" w="9525">
+                <a14:hiddenLine xmlns:a14="http://schemas.microsoft.com/office/drawing/2010/main" xmlns="" w="9525">
                   <a:solidFill>
                     <a:srgbClr val="000000"/>
                   </a:solidFill>
@@ -4497,7 +4497,7 @@
             </a:ln>
             <a:extLst>
               <a:ext uri="{91240B29-F687-4f45-9708-019B960494DF}">
-                <a14:hiddenLine xmlns="" xmlns:a14="http://schemas.microsoft.com/office/drawing/2010/main" w="9525">
+                <a14:hiddenLine xmlns:a14="http://schemas.microsoft.com/office/drawing/2010/main" xmlns="" w="9525">
                   <a:solidFill>
                     <a:srgbClr val="000000"/>
                   </a:solidFill>
@@ -4559,7 +4559,7 @@
             </a:ln>
             <a:extLst>
               <a:ext uri="{91240B29-F687-4f45-9708-019B960494DF}">
-                <a14:hiddenLine xmlns="" xmlns:a14="http://schemas.microsoft.com/office/drawing/2010/main" w="9525">
+                <a14:hiddenLine xmlns:a14="http://schemas.microsoft.com/office/drawing/2010/main" xmlns="" w="9525">
                   <a:solidFill>
                     <a:srgbClr val="000000"/>
                   </a:solidFill>
@@ -4679,7 +4679,7 @@
             </a:ln>
             <a:extLst>
               <a:ext uri="{91240B29-F687-4f45-9708-019B960494DF}">
-                <a14:hiddenLine xmlns="" xmlns:a14="http://schemas.microsoft.com/office/drawing/2010/main" w="9525">
+                <a14:hiddenLine xmlns:a14="http://schemas.microsoft.com/office/drawing/2010/main" xmlns="" w="9525">
                   <a:solidFill>
                     <a:srgbClr val="000000"/>
                   </a:solidFill>
@@ -4747,7 +4747,7 @@
             </a:ln>
             <a:extLst>
               <a:ext uri="{91240B29-F687-4f45-9708-019B960494DF}">
-                <a14:hiddenLine xmlns="" xmlns:a14="http://schemas.microsoft.com/office/drawing/2010/main" w="9525">
+                <a14:hiddenLine xmlns:a14="http://schemas.microsoft.com/office/drawing/2010/main" xmlns="" w="9525">
                   <a:solidFill>
                     <a:srgbClr val="000000"/>
                   </a:solidFill>
@@ -4837,7 +4837,7 @@
             </a:ln>
             <a:extLst>
               <a:ext uri="{91240B29-F687-4f45-9708-019B960494DF}">
-                <a14:hiddenLine xmlns="" xmlns:a14="http://schemas.microsoft.com/office/drawing/2010/main" w="9525">
+                <a14:hiddenLine xmlns:a14="http://schemas.microsoft.com/office/drawing/2010/main" xmlns="" w="9525">
                   <a:solidFill>
                     <a:srgbClr val="000000"/>
                   </a:solidFill>
@@ -4977,7 +4977,7 @@
           <a:p>
             <a:fld id="{F2013DA0-1F4F-AB4D-BDD1-D00A0674F0E1}" type="datetime1">
               <a:rPr lang="en-US" smtClean="0"/>
-              <a:t>5/6/19</a:t>
+              <a:t>5/7/19</a:t>
             </a:fld>
             <a:endParaRPr lang="en-US" dirty="0"/>
           </a:p>
@@ -5243,7 +5243,7 @@
           <a:p>
             <a:fld id="{FB6A594E-BB04-5041-B9AF-1A359F91900A}" type="datetime1">
               <a:rPr lang="en-US" smtClean="0"/>
-              <a:t>5/6/19</a:t>
+              <a:t>5/7/19</a:t>
             </a:fld>
             <a:endParaRPr lang="en-US" dirty="0"/>
           </a:p>
@@ -5438,7 +5438,7 @@
           <a:p>
             <a:fld id="{52B70790-91F6-B745-84FF-98CA15555DC1}" type="datetime1">
               <a:rPr lang="en-US" smtClean="0"/>
-              <a:t>5/6/19</a:t>
+              <a:t>5/7/19</a:t>
             </a:fld>
             <a:endParaRPr lang="en-US" dirty="0"/>
           </a:p>
@@ -5700,7 +5700,7 @@
           <a:p>
             <a:fld id="{F67B41FC-EE4D-1D4D-9D95-4C287B4BD557}" type="datetime1">
               <a:rPr lang="en-US" smtClean="0"/>
-              <a:t>5/6/19</a:t>
+              <a:t>5/7/19</a:t>
             </a:fld>
             <a:endParaRPr lang="en-US" dirty="0"/>
           </a:p>
@@ -6133,7 +6133,7 @@
           <a:p>
             <a:fld id="{446FDBA9-3225-2C4C-B87B-E94789D4F2B1}" type="datetime1">
               <a:rPr lang="en-US" smtClean="0"/>
-              <a:t>5/6/19</a:t>
+              <a:t>5/7/19</a:t>
             </a:fld>
             <a:endParaRPr lang="en-US" dirty="0"/>
           </a:p>
@@ -6678,7 +6678,7 @@
           <a:p>
             <a:fld id="{4D426049-FF26-5F4F-826B-996E868A97EA}" type="datetime1">
               <a:rPr lang="en-US" smtClean="0"/>
-              <a:t>5/6/19</a:t>
+              <a:t>5/7/19</a:t>
             </a:fld>
             <a:endParaRPr lang="en-US" dirty="0"/>
           </a:p>
@@ -7397,7 +7397,7 @@
           <a:p>
             <a:fld id="{A12434B6-EDE0-B54B-AE80-56F81890B1C7}" type="datetime1">
               <a:rPr lang="en-US" smtClean="0"/>
-              <a:t>5/6/19</a:t>
+              <a:t>5/7/19</a:t>
             </a:fld>
             <a:endParaRPr lang="en-US" dirty="0"/>
           </a:p>
@@ -7566,7 +7566,7 @@
           <a:p>
             <a:fld id="{7C4A1F5E-E4E7-A14C-813C-DFA3BD6A4F00}" type="datetime1">
               <a:rPr lang="en-US" smtClean="0"/>
-              <a:t>5/6/19</a:t>
+              <a:t>5/7/19</a:t>
             </a:fld>
             <a:endParaRPr lang="en-US" dirty="0"/>
           </a:p>
@@ -7745,7 +7745,7 @@
           <a:p>
             <a:fld id="{2E7F1859-941F-6744-BC8A-698E2276CA4C}" type="datetime1">
               <a:rPr lang="en-US" smtClean="0"/>
-              <a:t>5/6/19</a:t>
+              <a:t>5/7/19</a:t>
             </a:fld>
             <a:endParaRPr lang="en-US" dirty="0"/>
           </a:p>
@@ -7914,7 +7914,7 @@
           <a:p>
             <a:fld id="{9DF3990C-9F6D-584A-95AA-C4DFD7FAB688}" type="datetime1">
               <a:rPr lang="en-US" smtClean="0"/>
-              <a:t>5/6/19</a:t>
+              <a:t>5/7/19</a:t>
             </a:fld>
             <a:endParaRPr lang="en-US" dirty="0"/>
           </a:p>
@@ -8163,7 +8163,7 @@
           <a:p>
             <a:fld id="{1773896B-B81B-5745-90A3-26E1F133B736}" type="datetime1">
               <a:rPr lang="en-US" smtClean="0"/>
-              <a:t>5/6/19</a:t>
+              <a:t>5/7/19</a:t>
             </a:fld>
             <a:endParaRPr lang="en-US" dirty="0"/>
           </a:p>
@@ -8394,7 +8394,7 @@
           <a:p>
             <a:fld id="{71993FAB-8060-E34E-A4FB-098198F777C3}" type="datetime1">
               <a:rPr lang="en-US" smtClean="0"/>
-              <a:t>5/6/19</a:t>
+              <a:t>5/7/19</a:t>
             </a:fld>
             <a:endParaRPr lang="en-US" dirty="0"/>
           </a:p>
@@ -8774,7 +8774,7 @@
           <a:p>
             <a:fld id="{3FC7D512-CDF9-2748-AB7C-5397C44DBDA2}" type="datetime1">
               <a:rPr lang="en-US" smtClean="0"/>
-              <a:t>5/6/19</a:t>
+              <a:t>5/7/19</a:t>
             </a:fld>
             <a:endParaRPr lang="en-US" dirty="0"/>
           </a:p>
@@ -8891,7 +8891,7 @@
           <a:p>
             <a:fld id="{33E0F903-F539-8643-B1F3-3D5A6FD64199}" type="datetime1">
               <a:rPr lang="en-US" smtClean="0"/>
-              <a:t>5/6/19</a:t>
+              <a:t>5/7/19</a:t>
             </a:fld>
             <a:endParaRPr lang="en-US" dirty="0"/>
           </a:p>
@@ -8985,7 +8985,7 @@
           <a:p>
             <a:fld id="{4B40FFB0-8061-D541-B15B-C4FFEBA5E29D}" type="datetime1">
               <a:rPr lang="en-US" smtClean="0"/>
-              <a:t>5/6/19</a:t>
+              <a:t>5/7/19</a:t>
             </a:fld>
             <a:endParaRPr lang="en-US" dirty="0"/>
           </a:p>
@@ -9233,7 +9233,7 @@
           <a:p>
             <a:fld id="{A5AFF6FA-B649-9849-BB6E-38175908BD1A}" type="datetime1">
               <a:rPr lang="en-US" smtClean="0"/>
-              <a:t>5/6/19</a:t>
+              <a:t>5/7/19</a:t>
             </a:fld>
             <a:endParaRPr lang="en-US" dirty="0"/>
           </a:p>
@@ -9512,7 +9512,7 @@
           <a:p>
             <a:fld id="{8B43E1AE-3C9F-1345-862B-C4968DED54CF}" type="datetime1">
               <a:rPr lang="en-US" smtClean="0"/>
-              <a:t>5/6/19</a:t>
+              <a:t>5/7/19</a:t>
             </a:fld>
             <a:endParaRPr lang="en-US" dirty="0"/>
           </a:p>
@@ -9634,7 +9634,7 @@
           <a:noFill/>
           <a:extLst>
             <a:ext uri="{909E8E84-426E-40dd-AFC4-6F175D3DCCD1}">
-              <a14:hiddenFill xmlns="" xmlns:a14="http://schemas.microsoft.com/office/drawing/2010/main">
+              <a14:hiddenFill xmlns:a14="http://schemas.microsoft.com/office/drawing/2010/main" xmlns="">
                 <a:solidFill>
                   <a:srgbClr val="FFFFFF"/>
                 </a:solidFill>
@@ -9708,7 +9708,7 @@
               </a:ln>
               <a:extLst>
                 <a:ext uri="{91240B29-F687-4f45-9708-019B960494DF}">
-                  <a14:hiddenLine xmlns="" xmlns:a14="http://schemas.microsoft.com/office/drawing/2010/main" w="9525">
+                  <a14:hiddenLine xmlns:a14="http://schemas.microsoft.com/office/drawing/2010/main" xmlns="" w="9525">
                     <a:solidFill>
                       <a:srgbClr val="000000"/>
                     </a:solidFill>
@@ -9798,7 +9798,7 @@
               </a:ln>
               <a:extLst>
                 <a:ext uri="{91240B29-F687-4f45-9708-019B960494DF}">
-                  <a14:hiddenLine xmlns="" xmlns:a14="http://schemas.microsoft.com/office/drawing/2010/main" w="9525">
+                  <a14:hiddenLine xmlns:a14="http://schemas.microsoft.com/office/drawing/2010/main" xmlns="" w="9525">
                     <a:solidFill>
                       <a:srgbClr val="000000"/>
                     </a:solidFill>
@@ -9888,7 +9888,7 @@
               </a:ln>
               <a:extLst>
                 <a:ext uri="{91240B29-F687-4f45-9708-019B960494DF}">
-                  <a14:hiddenLine xmlns="" xmlns:a14="http://schemas.microsoft.com/office/drawing/2010/main" w="9525">
+                  <a14:hiddenLine xmlns:a14="http://schemas.microsoft.com/office/drawing/2010/main" xmlns="" w="9525">
                     <a:solidFill>
                       <a:srgbClr val="000000"/>
                     </a:solidFill>
@@ -9950,7 +9950,7 @@
               </a:ln>
               <a:extLst>
                 <a:ext uri="{91240B29-F687-4f45-9708-019B960494DF}">
-                  <a14:hiddenLine xmlns="" xmlns:a14="http://schemas.microsoft.com/office/drawing/2010/main" w="9525">
+                  <a14:hiddenLine xmlns:a14="http://schemas.microsoft.com/office/drawing/2010/main" xmlns="" w="9525">
                     <a:solidFill>
                       <a:srgbClr val="000000"/>
                     </a:solidFill>
@@ -10040,7 +10040,7 @@
               </a:ln>
               <a:extLst>
                 <a:ext uri="{91240B29-F687-4f45-9708-019B960494DF}">
-                  <a14:hiddenLine xmlns="" xmlns:a14="http://schemas.microsoft.com/office/drawing/2010/main" w="9525">
+                  <a14:hiddenLine xmlns:a14="http://schemas.microsoft.com/office/drawing/2010/main" xmlns="" w="9525">
                     <a:solidFill>
                       <a:srgbClr val="000000"/>
                     </a:solidFill>
@@ -10102,7 +10102,7 @@
               </a:ln>
               <a:extLst>
                 <a:ext uri="{91240B29-F687-4f45-9708-019B960494DF}">
-                  <a14:hiddenLine xmlns="" xmlns:a14="http://schemas.microsoft.com/office/drawing/2010/main" w="9525">
+                  <a14:hiddenLine xmlns:a14="http://schemas.microsoft.com/office/drawing/2010/main" xmlns="" w="9525">
                     <a:solidFill>
                       <a:srgbClr val="000000"/>
                     </a:solidFill>
@@ -10164,7 +10164,7 @@
               </a:ln>
               <a:extLst>
                 <a:ext uri="{91240B29-F687-4f45-9708-019B960494DF}">
-                  <a14:hiddenLine xmlns="" xmlns:a14="http://schemas.microsoft.com/office/drawing/2010/main" w="9525">
+                  <a14:hiddenLine xmlns:a14="http://schemas.microsoft.com/office/drawing/2010/main" xmlns="" w="9525">
                     <a:solidFill>
                       <a:srgbClr val="000000"/>
                     </a:solidFill>
@@ -10254,7 +10254,7 @@
               </a:ln>
               <a:extLst>
                 <a:ext uri="{91240B29-F687-4f45-9708-019B960494DF}">
-                  <a14:hiddenLine xmlns="" xmlns:a14="http://schemas.microsoft.com/office/drawing/2010/main" w="9525">
+                  <a14:hiddenLine xmlns:a14="http://schemas.microsoft.com/office/drawing/2010/main" xmlns="" w="9525">
                     <a:solidFill>
                       <a:srgbClr val="000000"/>
                     </a:solidFill>
@@ -10344,7 +10344,7 @@
               </a:ln>
               <a:extLst>
                 <a:ext uri="{91240B29-F687-4f45-9708-019B960494DF}">
-                  <a14:hiddenLine xmlns="" xmlns:a14="http://schemas.microsoft.com/office/drawing/2010/main" w="9525">
+                  <a14:hiddenLine xmlns:a14="http://schemas.microsoft.com/office/drawing/2010/main" xmlns="" w="9525">
                     <a:solidFill>
                       <a:srgbClr val="000000"/>
                     </a:solidFill>
@@ -10406,7 +10406,7 @@
               </a:ln>
               <a:extLst>
                 <a:ext uri="{91240B29-F687-4f45-9708-019B960494DF}">
-                  <a14:hiddenLine xmlns="" xmlns:a14="http://schemas.microsoft.com/office/drawing/2010/main" w="9525">
+                  <a14:hiddenLine xmlns:a14="http://schemas.microsoft.com/office/drawing/2010/main" xmlns="" w="9525">
                     <a:solidFill>
                       <a:srgbClr val="000000"/>
                     </a:solidFill>
@@ -10516,7 +10516,7 @@
               </a:ln>
               <a:extLst>
                 <a:ext uri="{91240B29-F687-4f45-9708-019B960494DF}">
-                  <a14:hiddenLine xmlns="" xmlns:a14="http://schemas.microsoft.com/office/drawing/2010/main" w="9525">
+                  <a14:hiddenLine xmlns:a14="http://schemas.microsoft.com/office/drawing/2010/main" xmlns="" w="9525">
                     <a:solidFill>
                       <a:srgbClr val="000000"/>
                     </a:solidFill>
@@ -10600,7 +10600,7 @@
               </a:ln>
               <a:extLst>
                 <a:ext uri="{91240B29-F687-4f45-9708-019B960494DF}">
-                  <a14:hiddenLine xmlns="" xmlns:a14="http://schemas.microsoft.com/office/drawing/2010/main" w="9525">
+                  <a14:hiddenLine xmlns:a14="http://schemas.microsoft.com/office/drawing/2010/main" xmlns="" w="9525">
                     <a:solidFill>
                       <a:srgbClr val="000000"/>
                     </a:solidFill>
@@ -10662,7 +10662,7 @@
               </a:ln>
               <a:extLst>
                 <a:ext uri="{91240B29-F687-4f45-9708-019B960494DF}">
-                  <a14:hiddenLine xmlns="" xmlns:a14="http://schemas.microsoft.com/office/drawing/2010/main" w="9525">
+                  <a14:hiddenLine xmlns:a14="http://schemas.microsoft.com/office/drawing/2010/main" xmlns="" w="9525">
                     <a:solidFill>
                       <a:srgbClr val="000000"/>
                     </a:solidFill>
@@ -10724,7 +10724,7 @@
               </a:ln>
               <a:extLst>
                 <a:ext uri="{91240B29-F687-4f45-9708-019B960494DF}">
-                  <a14:hiddenLine xmlns="" xmlns:a14="http://schemas.microsoft.com/office/drawing/2010/main" w="9525">
+                  <a14:hiddenLine xmlns:a14="http://schemas.microsoft.com/office/drawing/2010/main" xmlns="" w="9525">
                     <a:solidFill>
                       <a:srgbClr val="000000"/>
                     </a:solidFill>
@@ -10814,7 +10814,7 @@
               </a:ln>
               <a:extLst>
                 <a:ext uri="{91240B29-F687-4f45-9708-019B960494DF}">
-                  <a14:hiddenLine xmlns="" xmlns:a14="http://schemas.microsoft.com/office/drawing/2010/main" w="9525">
+                  <a14:hiddenLine xmlns:a14="http://schemas.microsoft.com/office/drawing/2010/main" xmlns="" w="9525">
                     <a:solidFill>
                       <a:srgbClr val="000000"/>
                     </a:solidFill>
@@ -10848,7 +10848,7 @@
               </a:ln>
               <a:extLst>
                 <a:ext uri="{91240B29-F687-4f45-9708-019B960494DF}">
-                  <a14:hiddenLine xmlns="" xmlns:a14="http://schemas.microsoft.com/office/drawing/2010/main" w="9525">
+                  <a14:hiddenLine xmlns:a14="http://schemas.microsoft.com/office/drawing/2010/main" xmlns="" w="9525">
                     <a:solidFill>
                       <a:srgbClr val="000000"/>
                     </a:solidFill>
@@ -10913,7 +10913,7 @@
               </a:ln>
               <a:extLst>
                 <a:ext uri="{91240B29-F687-4f45-9708-019B960494DF}">
-                  <a14:hiddenLine xmlns="" xmlns:a14="http://schemas.microsoft.com/office/drawing/2010/main" w="9525">
+                  <a14:hiddenLine xmlns:a14="http://schemas.microsoft.com/office/drawing/2010/main" xmlns="" w="9525">
                     <a:solidFill>
                       <a:srgbClr val="000000"/>
                     </a:solidFill>
@@ -11003,7 +11003,7 @@
               </a:ln>
               <a:extLst>
                 <a:ext uri="{91240B29-F687-4f45-9708-019B960494DF}">
-                  <a14:hiddenLine xmlns="" xmlns:a14="http://schemas.microsoft.com/office/drawing/2010/main" w="9525">
+                  <a14:hiddenLine xmlns:a14="http://schemas.microsoft.com/office/drawing/2010/main" xmlns="" w="9525">
                     <a:solidFill>
                       <a:srgbClr val="000000"/>
                     </a:solidFill>
@@ -11065,7 +11065,7 @@
               </a:ln>
               <a:extLst>
                 <a:ext uri="{91240B29-F687-4f45-9708-019B960494DF}">
-                  <a14:hiddenLine xmlns="" xmlns:a14="http://schemas.microsoft.com/office/drawing/2010/main" w="9525">
+                  <a14:hiddenLine xmlns:a14="http://schemas.microsoft.com/office/drawing/2010/main" xmlns="" w="9525">
                     <a:solidFill>
                       <a:srgbClr val="000000"/>
                     </a:solidFill>
@@ -11155,7 +11155,7 @@
               </a:ln>
               <a:extLst>
                 <a:ext uri="{91240B29-F687-4f45-9708-019B960494DF}">
-                  <a14:hiddenLine xmlns="" xmlns:a14="http://schemas.microsoft.com/office/drawing/2010/main" w="9525">
+                  <a14:hiddenLine xmlns:a14="http://schemas.microsoft.com/office/drawing/2010/main" xmlns="" w="9525">
                     <a:solidFill>
                       <a:srgbClr val="000000"/>
                     </a:solidFill>
@@ -11220,7 +11220,7 @@
               </a:ln>
               <a:extLst>
                 <a:ext uri="{91240B29-F687-4f45-9708-019B960494DF}">
-                  <a14:hiddenLine xmlns="" xmlns:a14="http://schemas.microsoft.com/office/drawing/2010/main" w="9525">
+                  <a14:hiddenLine xmlns:a14="http://schemas.microsoft.com/office/drawing/2010/main" xmlns="" w="9525">
                     <a:solidFill>
                       <a:srgbClr val="000000"/>
                     </a:solidFill>
@@ -11282,7 +11282,7 @@
               </a:ln>
               <a:extLst>
                 <a:ext uri="{91240B29-F687-4f45-9708-019B960494DF}">
-                  <a14:hiddenLine xmlns="" xmlns:a14="http://schemas.microsoft.com/office/drawing/2010/main" w="9525">
+                  <a14:hiddenLine xmlns:a14="http://schemas.microsoft.com/office/drawing/2010/main" xmlns="" w="9525">
                     <a:solidFill>
                       <a:srgbClr val="000000"/>
                     </a:solidFill>
@@ -11372,7 +11372,7 @@
               </a:ln>
               <a:extLst>
                 <a:ext uri="{91240B29-F687-4f45-9708-019B960494DF}">
-                  <a14:hiddenLine xmlns="" xmlns:a14="http://schemas.microsoft.com/office/drawing/2010/main" w="9525">
+                  <a14:hiddenLine xmlns:a14="http://schemas.microsoft.com/office/drawing/2010/main" xmlns="" w="9525">
                     <a:solidFill>
                       <a:srgbClr val="000000"/>
                     </a:solidFill>
@@ -11462,7 +11462,7 @@
               </a:ln>
               <a:extLst>
                 <a:ext uri="{91240B29-F687-4f45-9708-019B960494DF}">
-                  <a14:hiddenLine xmlns="" xmlns:a14="http://schemas.microsoft.com/office/drawing/2010/main" w="9525">
+                  <a14:hiddenLine xmlns:a14="http://schemas.microsoft.com/office/drawing/2010/main" xmlns="" w="9525">
                     <a:solidFill>
                       <a:srgbClr val="000000"/>
                     </a:solidFill>
@@ -11527,7 +11527,7 @@
               </a:ln>
               <a:extLst>
                 <a:ext uri="{91240B29-F687-4f45-9708-019B960494DF}">
-                  <a14:hiddenLine xmlns="" xmlns:a14="http://schemas.microsoft.com/office/drawing/2010/main" w="9525">
+                  <a14:hiddenLine xmlns:a14="http://schemas.microsoft.com/office/drawing/2010/main" xmlns="" w="9525">
                     <a:solidFill>
                       <a:srgbClr val="000000"/>
                     </a:solidFill>
@@ -11647,7 +11647,7 @@
               </a:ln>
               <a:extLst>
                 <a:ext uri="{91240B29-F687-4f45-9708-019B960494DF}">
-                  <a14:hiddenLine xmlns="" xmlns:a14="http://schemas.microsoft.com/office/drawing/2010/main" w="9525">
+                  <a14:hiddenLine xmlns:a14="http://schemas.microsoft.com/office/drawing/2010/main" xmlns="" w="9525">
                     <a:solidFill>
                       <a:srgbClr val="000000"/>
                     </a:solidFill>
@@ -11728,7 +11728,7 @@
               </a:ln>
               <a:extLst>
                 <a:ext uri="{91240B29-F687-4f45-9708-019B960494DF}">
-                  <a14:hiddenLine xmlns="" xmlns:a14="http://schemas.microsoft.com/office/drawing/2010/main" w="9525">
+                  <a14:hiddenLine xmlns:a14="http://schemas.microsoft.com/office/drawing/2010/main" xmlns="" w="9525">
                     <a:solidFill>
                       <a:srgbClr val="000000"/>
                     </a:solidFill>
@@ -11843,7 +11843,7 @@
               </a:ln>
               <a:extLst>
                 <a:ext uri="{91240B29-F687-4f45-9708-019B960494DF}">
-                  <a14:hiddenLine xmlns="" xmlns:a14="http://schemas.microsoft.com/office/drawing/2010/main" w="9525">
+                  <a14:hiddenLine xmlns:a14="http://schemas.microsoft.com/office/drawing/2010/main" xmlns="" w="9525">
                     <a:solidFill>
                       <a:srgbClr val="000000"/>
                     </a:solidFill>
@@ -11933,7 +11933,7 @@
               </a:ln>
               <a:extLst>
                 <a:ext uri="{91240B29-F687-4f45-9708-019B960494DF}">
-                  <a14:hiddenLine xmlns="" xmlns:a14="http://schemas.microsoft.com/office/drawing/2010/main" w="9525">
+                  <a14:hiddenLine xmlns:a14="http://schemas.microsoft.com/office/drawing/2010/main" xmlns="" w="9525">
                     <a:solidFill>
                       <a:srgbClr val="000000"/>
                     </a:solidFill>
@@ -11998,7 +11998,7 @@
               </a:ln>
               <a:extLst>
                 <a:ext uri="{91240B29-F687-4f45-9708-019B960494DF}">
-                  <a14:hiddenLine xmlns="" xmlns:a14="http://schemas.microsoft.com/office/drawing/2010/main" w="9525">
+                  <a14:hiddenLine xmlns:a14="http://schemas.microsoft.com/office/drawing/2010/main" xmlns="" w="9525">
                     <a:solidFill>
                       <a:srgbClr val="000000"/>
                     </a:solidFill>
@@ -12088,7 +12088,7 @@
               </a:ln>
               <a:extLst>
                 <a:ext uri="{91240B29-F687-4f45-9708-019B960494DF}">
-                  <a14:hiddenLine xmlns="" xmlns:a14="http://schemas.microsoft.com/office/drawing/2010/main" w="9525">
+                  <a14:hiddenLine xmlns:a14="http://schemas.microsoft.com/office/drawing/2010/main" xmlns="" w="9525">
                     <a:solidFill>
                       <a:srgbClr val="000000"/>
                     </a:solidFill>
@@ -12156,7 +12156,7 @@
               </a:ln>
               <a:extLst>
                 <a:ext uri="{91240B29-F687-4f45-9708-019B960494DF}">
-                  <a14:hiddenLine xmlns="" xmlns:a14="http://schemas.microsoft.com/office/drawing/2010/main" w="9525">
+                  <a14:hiddenLine xmlns:a14="http://schemas.microsoft.com/office/drawing/2010/main" xmlns="" w="9525">
                     <a:solidFill>
                       <a:srgbClr val="000000"/>
                     </a:solidFill>
@@ -12246,7 +12246,7 @@
               </a:ln>
               <a:extLst>
                 <a:ext uri="{91240B29-F687-4f45-9708-019B960494DF}">
-                  <a14:hiddenLine xmlns="" xmlns:a14="http://schemas.microsoft.com/office/drawing/2010/main" w="9525">
+                  <a14:hiddenLine xmlns:a14="http://schemas.microsoft.com/office/drawing/2010/main" xmlns="" w="9525">
                     <a:solidFill>
                       <a:srgbClr val="000000"/>
                     </a:solidFill>
@@ -12314,7 +12314,7 @@
               </a:ln>
               <a:extLst>
                 <a:ext uri="{91240B29-F687-4f45-9708-019B960494DF}">
-                  <a14:hiddenLine xmlns="" xmlns:a14="http://schemas.microsoft.com/office/drawing/2010/main" w="9525">
+                  <a14:hiddenLine xmlns:a14="http://schemas.microsoft.com/office/drawing/2010/main" xmlns="" w="9525">
                     <a:solidFill>
                       <a:srgbClr val="000000"/>
                     </a:solidFill>
@@ -12404,7 +12404,7 @@
               </a:ln>
               <a:extLst>
                 <a:ext uri="{91240B29-F687-4f45-9708-019B960494DF}">
-                  <a14:hiddenLine xmlns="" xmlns:a14="http://schemas.microsoft.com/office/drawing/2010/main" w="9525">
+                  <a14:hiddenLine xmlns:a14="http://schemas.microsoft.com/office/drawing/2010/main" xmlns="" w="9525">
                     <a:solidFill>
                       <a:srgbClr val="000000"/>
                     </a:solidFill>
@@ -12438,7 +12438,7 @@
               </a:ln>
               <a:extLst>
                 <a:ext uri="{91240B29-F687-4f45-9708-019B960494DF}">
-                  <a14:hiddenLine xmlns="" xmlns:a14="http://schemas.microsoft.com/office/drawing/2010/main" w="9525">
+                  <a14:hiddenLine xmlns:a14="http://schemas.microsoft.com/office/drawing/2010/main" xmlns="" w="9525">
                     <a:solidFill>
                       <a:srgbClr val="000000"/>
                     </a:solidFill>
@@ -12578,7 +12578,7 @@
           <a:p>
             <a:fld id="{2C8EFD19-4979-9245-B20B-91CE25B8D0D8}" type="datetime1">
               <a:rPr lang="en-US" smtClean="0"/>
-              <a:t>5/6/19</a:t>
+              <a:t>5/7/19</a:t>
             </a:fld>
             <a:endParaRPr lang="en-US" dirty="0"/>
           </a:p>
@@ -13123,8 +13123,8 @@
         </p:nvSpPr>
         <p:spPr>
           <a:xfrm>
-            <a:off x="10522084" y="18574"/>
-            <a:ext cx="1669916" cy="369332"/>
+            <a:off x="10398868" y="18574"/>
+            <a:ext cx="1793132" cy="369332"/>
           </a:xfrm>
           <a:prstGeom prst="rect">
             <a:avLst/>
@@ -13139,7 +13139,7 @@
           <a:p>
             <a:r>
               <a:rPr lang="en-US" dirty="0"/>
-              <a:t>LA-UR-11-1111</a:t>
+              <a:t>LA-UR-19-24149</a:t>
             </a:r>
           </a:p>
         </p:txBody>
@@ -15061,7 +15061,7 @@
             <a:noFill/>
             <a:extLst>
               <a:ext uri="{909E8E84-426E-40dd-AFC4-6F175D3DCCD1}">
-                <a14:hiddenFill xmlns="" xmlns:a16="http://schemas.microsoft.com/office/drawing/2014/main" xmlns:a14="http://schemas.microsoft.com/office/drawing/2010/main" xmlns:p14="http://schemas.microsoft.com/office/powerpoint/2010/main">
+                <a14:hiddenFill xmlns:p14="http://schemas.microsoft.com/office/powerpoint/2010/main" xmlns:a14="http://schemas.microsoft.com/office/drawing/2010/main" xmlns:a16="http://schemas.microsoft.com/office/drawing/2014/main" xmlns="">
                   <a:solidFill>
                     <a:srgbClr val="FFFFFF"/>
                   </a:solidFill>
@@ -15181,7 +15181,7 @@
             </a:ln>
             <a:extLst>
               <a:ext uri="{91240B29-F687-4f45-9708-019B960494DF}">
-                <a14:hiddenLine xmlns="" xmlns:a16="http://schemas.microsoft.com/office/drawing/2014/main" xmlns:a14="http://schemas.microsoft.com/office/drawing/2010/main" xmlns:p14="http://schemas.microsoft.com/office/powerpoint/2010/main" w="9525">
+                <a14:hiddenLine xmlns:p14="http://schemas.microsoft.com/office/powerpoint/2010/main" xmlns:a14="http://schemas.microsoft.com/office/drawing/2010/main" xmlns:a16="http://schemas.microsoft.com/office/drawing/2014/main" xmlns="" w="9525">
                   <a:solidFill>
                     <a:srgbClr val="000000"/>
                   </a:solidFill>
@@ -15286,7 +15286,7 @@
             </a:ln>
             <a:extLst>
               <a:ext uri="{91240B29-F687-4f45-9708-019B960494DF}">
-                <a14:hiddenLine xmlns="" xmlns:a16="http://schemas.microsoft.com/office/drawing/2014/main" xmlns:a14="http://schemas.microsoft.com/office/drawing/2010/main" xmlns:p14="http://schemas.microsoft.com/office/powerpoint/2010/main" w="9525">
+                <a14:hiddenLine xmlns:p14="http://schemas.microsoft.com/office/powerpoint/2010/main" xmlns:a14="http://schemas.microsoft.com/office/drawing/2010/main" xmlns:a16="http://schemas.microsoft.com/office/drawing/2014/main" xmlns="" w="9525">
                   <a:solidFill>
                     <a:srgbClr val="000000"/>
                   </a:solidFill>
@@ -15391,7 +15391,7 @@
             </a:ln>
             <a:extLst>
               <a:ext uri="{91240B29-F687-4f45-9708-019B960494DF}">
-                <a14:hiddenLine xmlns="" xmlns:a16="http://schemas.microsoft.com/office/drawing/2014/main" xmlns:a14="http://schemas.microsoft.com/office/drawing/2010/main" xmlns:p14="http://schemas.microsoft.com/office/powerpoint/2010/main" w="9525">
+                <a14:hiddenLine xmlns:p14="http://schemas.microsoft.com/office/powerpoint/2010/main" xmlns:a14="http://schemas.microsoft.com/office/drawing/2010/main" xmlns:a16="http://schemas.microsoft.com/office/drawing/2014/main" xmlns="" w="9525">
                   <a:solidFill>
                     <a:srgbClr val="000000"/>
                   </a:solidFill>
@@ -15440,7 +15440,7 @@
             </a:ln>
             <a:extLst>
               <a:ext uri="{91240B29-F687-4f45-9708-019B960494DF}">
-                <a14:hiddenLine xmlns="" xmlns:a16="http://schemas.microsoft.com/office/drawing/2014/main" xmlns:a14="http://schemas.microsoft.com/office/drawing/2010/main" xmlns:p14="http://schemas.microsoft.com/office/powerpoint/2010/main" w="9525">
+                <a14:hiddenLine xmlns:p14="http://schemas.microsoft.com/office/powerpoint/2010/main" xmlns:a14="http://schemas.microsoft.com/office/drawing/2010/main" xmlns:a16="http://schemas.microsoft.com/office/drawing/2014/main" xmlns="" w="9525">
                   <a:solidFill>
                     <a:srgbClr val="000000"/>
                   </a:solidFill>
@@ -15545,7 +15545,7 @@
             </a:ln>
             <a:extLst>
               <a:ext uri="{91240B29-F687-4f45-9708-019B960494DF}">
-                <a14:hiddenLine xmlns="" xmlns:a16="http://schemas.microsoft.com/office/drawing/2014/main" xmlns:a14="http://schemas.microsoft.com/office/drawing/2010/main" xmlns:p14="http://schemas.microsoft.com/office/powerpoint/2010/main" w="9525">
+                <a14:hiddenLine xmlns:p14="http://schemas.microsoft.com/office/powerpoint/2010/main" xmlns:a14="http://schemas.microsoft.com/office/drawing/2010/main" xmlns:a16="http://schemas.microsoft.com/office/drawing/2014/main" xmlns="" w="9525">
                   <a:solidFill>
                     <a:srgbClr val="000000"/>
                   </a:solidFill>
@@ -15622,7 +15622,7 @@
             </a:ln>
             <a:extLst>
               <a:ext uri="{91240B29-F687-4f45-9708-019B960494DF}">
-                <a14:hiddenLine xmlns="" xmlns:a16="http://schemas.microsoft.com/office/drawing/2014/main" xmlns:a14="http://schemas.microsoft.com/office/drawing/2010/main" xmlns:p14="http://schemas.microsoft.com/office/powerpoint/2010/main" w="9525">
+                <a14:hiddenLine xmlns:p14="http://schemas.microsoft.com/office/powerpoint/2010/main" xmlns:a14="http://schemas.microsoft.com/office/drawing/2010/main" xmlns:a16="http://schemas.microsoft.com/office/drawing/2014/main" xmlns="" w="9525">
                   <a:solidFill>
                     <a:srgbClr val="000000"/>
                   </a:solidFill>
@@ -15699,7 +15699,7 @@
             </a:ln>
             <a:extLst>
               <a:ext uri="{91240B29-F687-4f45-9708-019B960494DF}">
-                <a14:hiddenLine xmlns="" xmlns:a16="http://schemas.microsoft.com/office/drawing/2014/main" xmlns:a14="http://schemas.microsoft.com/office/drawing/2010/main" xmlns:p14="http://schemas.microsoft.com/office/powerpoint/2010/main" w="9525">
+                <a14:hiddenLine xmlns:p14="http://schemas.microsoft.com/office/powerpoint/2010/main" xmlns:a14="http://schemas.microsoft.com/office/drawing/2010/main" xmlns:a16="http://schemas.microsoft.com/office/drawing/2014/main" xmlns="" w="9525">
                   <a:solidFill>
                     <a:srgbClr val="000000"/>
                   </a:solidFill>
@@ -15804,7 +15804,7 @@
             </a:ln>
             <a:extLst>
               <a:ext uri="{91240B29-F687-4f45-9708-019B960494DF}">
-                <a14:hiddenLine xmlns="" xmlns:a16="http://schemas.microsoft.com/office/drawing/2014/main" xmlns:a14="http://schemas.microsoft.com/office/drawing/2010/main" xmlns:p14="http://schemas.microsoft.com/office/powerpoint/2010/main" w="9525">
+                <a14:hiddenLine xmlns:p14="http://schemas.microsoft.com/office/powerpoint/2010/main" xmlns:a14="http://schemas.microsoft.com/office/drawing/2010/main" xmlns:a16="http://schemas.microsoft.com/office/drawing/2014/main" xmlns="" w="9525">
                   <a:solidFill>
                     <a:srgbClr val="000000"/>
                   </a:solidFill>
@@ -15881,7 +15881,7 @@
             </a:ln>
             <a:extLst>
               <a:ext uri="{91240B29-F687-4f45-9708-019B960494DF}">
-                <a14:hiddenLine xmlns="" xmlns:a16="http://schemas.microsoft.com/office/drawing/2014/main" xmlns:a14="http://schemas.microsoft.com/office/drawing/2010/main" xmlns:p14="http://schemas.microsoft.com/office/powerpoint/2010/main" w="9525">
+                <a14:hiddenLine xmlns:p14="http://schemas.microsoft.com/office/powerpoint/2010/main" xmlns:a14="http://schemas.microsoft.com/office/drawing/2010/main" xmlns:a16="http://schemas.microsoft.com/office/drawing/2014/main" xmlns="" w="9525">
                   <a:solidFill>
                     <a:srgbClr val="000000"/>
                   </a:solidFill>
@@ -15958,7 +15958,7 @@
             </a:ln>
             <a:extLst>
               <a:ext uri="{91240B29-F687-4f45-9708-019B960494DF}">
-                <a14:hiddenLine xmlns="" xmlns:a16="http://schemas.microsoft.com/office/drawing/2014/main" xmlns:a14="http://schemas.microsoft.com/office/drawing/2010/main" xmlns:p14="http://schemas.microsoft.com/office/powerpoint/2010/main" w="9525">
+                <a14:hiddenLine xmlns:p14="http://schemas.microsoft.com/office/powerpoint/2010/main" xmlns:a14="http://schemas.microsoft.com/office/drawing/2010/main" xmlns:a16="http://schemas.microsoft.com/office/drawing/2014/main" xmlns="" w="9525">
                   <a:solidFill>
                     <a:srgbClr val="000000"/>
                   </a:solidFill>
@@ -16063,7 +16063,7 @@
             </a:ln>
             <a:extLst>
               <a:ext uri="{91240B29-F687-4f45-9708-019B960494DF}">
-                <a14:hiddenLine xmlns="" xmlns:a16="http://schemas.microsoft.com/office/drawing/2014/main" xmlns:a14="http://schemas.microsoft.com/office/drawing/2010/main" xmlns:p14="http://schemas.microsoft.com/office/powerpoint/2010/main" w="9525">
+                <a14:hiddenLine xmlns:p14="http://schemas.microsoft.com/office/powerpoint/2010/main" xmlns:a14="http://schemas.microsoft.com/office/drawing/2010/main" xmlns:a16="http://schemas.microsoft.com/office/drawing/2014/main" xmlns="" w="9525">
                   <a:solidFill>
                     <a:srgbClr val="000000"/>
                   </a:solidFill>
@@ -16168,7 +16168,7 @@
             </a:ln>
             <a:extLst>
               <a:ext uri="{91240B29-F687-4f45-9708-019B960494DF}">
-                <a14:hiddenLine xmlns="" xmlns:a16="http://schemas.microsoft.com/office/drawing/2014/main" xmlns:a14="http://schemas.microsoft.com/office/drawing/2010/main" xmlns:p14="http://schemas.microsoft.com/office/powerpoint/2010/main" w="9525">
+                <a14:hiddenLine xmlns:p14="http://schemas.microsoft.com/office/powerpoint/2010/main" xmlns:a14="http://schemas.microsoft.com/office/drawing/2010/main" xmlns:a16="http://schemas.microsoft.com/office/drawing/2014/main" xmlns="" w="9525">
                   <a:solidFill>
                     <a:srgbClr val="000000"/>
                   </a:solidFill>
@@ -16245,7 +16245,7 @@
             </a:ln>
             <a:extLst>
               <a:ext uri="{91240B29-F687-4f45-9708-019B960494DF}">
-                <a14:hiddenLine xmlns="" xmlns:a16="http://schemas.microsoft.com/office/drawing/2014/main" xmlns:a14="http://schemas.microsoft.com/office/drawing/2010/main" xmlns:p14="http://schemas.microsoft.com/office/powerpoint/2010/main" w="9525">
+                <a14:hiddenLine xmlns:p14="http://schemas.microsoft.com/office/powerpoint/2010/main" xmlns:a14="http://schemas.microsoft.com/office/drawing/2010/main" xmlns:a16="http://schemas.microsoft.com/office/drawing/2014/main" xmlns="" w="9525">
                   <a:solidFill>
                     <a:srgbClr val="000000"/>
                   </a:solidFill>
@@ -16370,7 +16370,7 @@
             </a:ln>
             <a:extLst>
               <a:ext uri="{91240B29-F687-4f45-9708-019B960494DF}">
-                <a14:hiddenLine xmlns="" xmlns:a16="http://schemas.microsoft.com/office/drawing/2014/main" xmlns:a14="http://schemas.microsoft.com/office/drawing/2010/main" xmlns:p14="http://schemas.microsoft.com/office/powerpoint/2010/main" w="9525">
+                <a14:hiddenLine xmlns:p14="http://schemas.microsoft.com/office/powerpoint/2010/main" xmlns:a14="http://schemas.microsoft.com/office/drawing/2010/main" xmlns:a16="http://schemas.microsoft.com/office/drawing/2014/main" xmlns="" w="9525">
                   <a:solidFill>
                     <a:srgbClr val="000000"/>
                   </a:solidFill>
@@ -16447,7 +16447,7 @@
             </a:ln>
             <a:extLst>
               <a:ext uri="{91240B29-F687-4f45-9708-019B960494DF}">
-                <a14:hiddenLine xmlns="" xmlns:a16="http://schemas.microsoft.com/office/drawing/2014/main" xmlns:a14="http://schemas.microsoft.com/office/drawing/2010/main" xmlns:p14="http://schemas.microsoft.com/office/powerpoint/2010/main" w="9525">
+                <a14:hiddenLine xmlns:p14="http://schemas.microsoft.com/office/powerpoint/2010/main" xmlns:a14="http://schemas.microsoft.com/office/drawing/2010/main" xmlns:a16="http://schemas.microsoft.com/office/drawing/2014/main" xmlns="" w="9525">
                   <a:solidFill>
                     <a:srgbClr val="000000"/>
                   </a:solidFill>
@@ -16552,7 +16552,7 @@
             </a:ln>
             <a:extLst>
               <a:ext uri="{91240B29-F687-4f45-9708-019B960494DF}">
-                <a14:hiddenLine xmlns="" xmlns:a16="http://schemas.microsoft.com/office/drawing/2014/main" xmlns:a14="http://schemas.microsoft.com/office/drawing/2010/main" xmlns:p14="http://schemas.microsoft.com/office/powerpoint/2010/main" w="9525">
+                <a14:hiddenLine xmlns:p14="http://schemas.microsoft.com/office/powerpoint/2010/main" xmlns:a14="http://schemas.microsoft.com/office/drawing/2010/main" xmlns:a16="http://schemas.microsoft.com/office/drawing/2014/main" xmlns="" w="9525">
                   <a:solidFill>
                     <a:srgbClr val="000000"/>
                   </a:solidFill>
@@ -16657,7 +16657,7 @@
             </a:ln>
             <a:extLst>
               <a:ext uri="{91240B29-F687-4f45-9708-019B960494DF}">
-                <a14:hiddenLine xmlns="" xmlns:a16="http://schemas.microsoft.com/office/drawing/2014/main" xmlns:a14="http://schemas.microsoft.com/office/drawing/2010/main" xmlns:p14="http://schemas.microsoft.com/office/powerpoint/2010/main" w="9525">
+                <a14:hiddenLine xmlns:p14="http://schemas.microsoft.com/office/powerpoint/2010/main" xmlns:a14="http://schemas.microsoft.com/office/drawing/2010/main" xmlns:a16="http://schemas.microsoft.com/office/drawing/2014/main" xmlns="" w="9525">
                   <a:solidFill>
                     <a:srgbClr val="000000"/>
                   </a:solidFill>
@@ -16734,7 +16734,7 @@
             </a:ln>
             <a:extLst>
               <a:ext uri="{91240B29-F687-4f45-9708-019B960494DF}">
-                <a14:hiddenLine xmlns="" xmlns:a16="http://schemas.microsoft.com/office/drawing/2014/main" xmlns:a14="http://schemas.microsoft.com/office/drawing/2010/main" xmlns:p14="http://schemas.microsoft.com/office/powerpoint/2010/main" w="9525">
+                <a14:hiddenLine xmlns:p14="http://schemas.microsoft.com/office/powerpoint/2010/main" xmlns:a14="http://schemas.microsoft.com/office/drawing/2010/main" xmlns:a16="http://schemas.microsoft.com/office/drawing/2014/main" xmlns="" w="9525">
                   <a:solidFill>
                     <a:srgbClr val="000000"/>
                   </a:solidFill>
@@ -16839,7 +16839,7 @@
             </a:ln>
             <a:extLst>
               <a:ext uri="{91240B29-F687-4f45-9708-019B960494DF}">
-                <a14:hiddenLine xmlns="" xmlns:a16="http://schemas.microsoft.com/office/drawing/2014/main" xmlns:a14="http://schemas.microsoft.com/office/drawing/2010/main" xmlns:p14="http://schemas.microsoft.com/office/powerpoint/2010/main" w="9525">
+                <a14:hiddenLine xmlns:p14="http://schemas.microsoft.com/office/powerpoint/2010/main" xmlns:a14="http://schemas.microsoft.com/office/drawing/2010/main" xmlns:a16="http://schemas.microsoft.com/office/drawing/2014/main" xmlns="" w="9525">
                   <a:solidFill>
                     <a:srgbClr val="000000"/>
                   </a:solidFill>
@@ -16944,7 +16944,7 @@
             </a:ln>
             <a:extLst>
               <a:ext uri="{91240B29-F687-4f45-9708-019B960494DF}">
-                <a14:hiddenLine xmlns="" xmlns:a16="http://schemas.microsoft.com/office/drawing/2014/main" xmlns:a14="http://schemas.microsoft.com/office/drawing/2010/main" xmlns:p14="http://schemas.microsoft.com/office/powerpoint/2010/main" w="9525">
+                <a14:hiddenLine xmlns:p14="http://schemas.microsoft.com/office/powerpoint/2010/main" xmlns:a14="http://schemas.microsoft.com/office/drawing/2010/main" xmlns:a16="http://schemas.microsoft.com/office/drawing/2014/main" xmlns="" w="9525">
                   <a:solidFill>
                     <a:srgbClr val="000000"/>
                   </a:solidFill>
@@ -17015,7 +17015,7 @@
             </a:ln>
             <a:extLst>
               <a:ext uri="{91240B29-F687-4f45-9708-019B960494DF}">
-                <a14:hiddenLine xmlns="" xmlns:a16="http://schemas.microsoft.com/office/drawing/2014/main" xmlns:a14="http://schemas.microsoft.com/office/drawing/2010/main" xmlns:p14="http://schemas.microsoft.com/office/powerpoint/2010/main" w="9525">
+                <a14:hiddenLine xmlns:p14="http://schemas.microsoft.com/office/powerpoint/2010/main" xmlns:a14="http://schemas.microsoft.com/office/drawing/2010/main" xmlns:a16="http://schemas.microsoft.com/office/drawing/2014/main" xmlns="" w="9525">
                   <a:solidFill>
                     <a:srgbClr val="000000"/>
                   </a:solidFill>
@@ -17120,7 +17120,7 @@
             </a:ln>
             <a:extLst>
               <a:ext uri="{91240B29-F687-4f45-9708-019B960494DF}">
-                <a14:hiddenLine xmlns="" xmlns:a16="http://schemas.microsoft.com/office/drawing/2014/main" xmlns:a14="http://schemas.microsoft.com/office/drawing/2010/main" xmlns:p14="http://schemas.microsoft.com/office/powerpoint/2010/main" w="9525">
+                <a14:hiddenLine xmlns:p14="http://schemas.microsoft.com/office/powerpoint/2010/main" xmlns:a14="http://schemas.microsoft.com/office/drawing/2010/main" xmlns:a16="http://schemas.microsoft.com/office/drawing/2014/main" xmlns="" w="9525">
                   <a:solidFill>
                     <a:srgbClr val="000000"/>
                   </a:solidFill>
@@ -17191,7 +17191,7 @@
             </a:ln>
             <a:extLst>
               <a:ext uri="{91240B29-F687-4f45-9708-019B960494DF}">
-                <a14:hiddenLine xmlns="" xmlns:a16="http://schemas.microsoft.com/office/drawing/2014/main" xmlns:a14="http://schemas.microsoft.com/office/drawing/2010/main" xmlns:p14="http://schemas.microsoft.com/office/powerpoint/2010/main" w="9525">
+                <a14:hiddenLine xmlns:p14="http://schemas.microsoft.com/office/powerpoint/2010/main" xmlns:a14="http://schemas.microsoft.com/office/drawing/2010/main" xmlns:a16="http://schemas.microsoft.com/office/drawing/2014/main" xmlns="" w="9525">
                   <a:solidFill>
                     <a:srgbClr val="000000"/>
                   </a:solidFill>
@@ -17296,7 +17296,7 @@
             </a:ln>
             <a:extLst>
               <a:ext uri="{91240B29-F687-4f45-9708-019B960494DF}">
-                <a14:hiddenLine xmlns="" xmlns:a16="http://schemas.microsoft.com/office/drawing/2014/main" xmlns:a14="http://schemas.microsoft.com/office/drawing/2010/main" xmlns:p14="http://schemas.microsoft.com/office/powerpoint/2010/main" w="9525">
+                <a14:hiddenLine xmlns:p14="http://schemas.microsoft.com/office/powerpoint/2010/main" xmlns:a14="http://schemas.microsoft.com/office/drawing/2010/main" xmlns:a16="http://schemas.microsoft.com/office/drawing/2014/main" xmlns="" w="9525">
                   <a:solidFill>
                     <a:srgbClr val="000000"/>
                   </a:solidFill>
@@ -17379,7 +17379,7 @@
             </a:ln>
             <a:extLst>
               <a:ext uri="{91240B29-F687-4f45-9708-019B960494DF}">
-                <a14:hiddenLine xmlns="" xmlns:a16="http://schemas.microsoft.com/office/drawing/2014/main" xmlns:a14="http://schemas.microsoft.com/office/drawing/2010/main" xmlns:p14="http://schemas.microsoft.com/office/powerpoint/2010/main" w="9525">
+                <a14:hiddenLine xmlns:p14="http://schemas.microsoft.com/office/powerpoint/2010/main" xmlns:a14="http://schemas.microsoft.com/office/drawing/2010/main" xmlns:a16="http://schemas.microsoft.com/office/drawing/2014/main" xmlns="" w="9525">
                   <a:solidFill>
                     <a:srgbClr val="000000"/>
                   </a:solidFill>
@@ -17484,7 +17484,7 @@
             </a:ln>
             <a:extLst>
               <a:ext uri="{91240B29-F687-4f45-9708-019B960494DF}">
-                <a14:hiddenLine xmlns="" xmlns:a16="http://schemas.microsoft.com/office/drawing/2014/main" xmlns:a14="http://schemas.microsoft.com/office/drawing/2010/main" xmlns:p14="http://schemas.microsoft.com/office/powerpoint/2010/main" w="9525">
+                <a14:hiddenLine xmlns:p14="http://schemas.microsoft.com/office/powerpoint/2010/main" xmlns:a14="http://schemas.microsoft.com/office/drawing/2010/main" xmlns:a16="http://schemas.microsoft.com/office/drawing/2014/main" xmlns="" w="9525">
                   <a:solidFill>
                     <a:srgbClr val="000000"/>
                   </a:solidFill>
@@ -17567,7 +17567,7 @@
             </a:ln>
             <a:extLst>
               <a:ext uri="{91240B29-F687-4f45-9708-019B960494DF}">
-                <a14:hiddenLine xmlns="" xmlns:a16="http://schemas.microsoft.com/office/drawing/2014/main" xmlns:a14="http://schemas.microsoft.com/office/drawing/2010/main" xmlns:p14="http://schemas.microsoft.com/office/powerpoint/2010/main" w="9525">
+                <a14:hiddenLine xmlns:p14="http://schemas.microsoft.com/office/powerpoint/2010/main" xmlns:a14="http://schemas.microsoft.com/office/drawing/2010/main" xmlns:a16="http://schemas.microsoft.com/office/drawing/2014/main" xmlns="" w="9525">
                   <a:solidFill>
                     <a:srgbClr val="000000"/>
                   </a:solidFill>
@@ -17672,7 +17672,7 @@
             </a:ln>
             <a:extLst>
               <a:ext uri="{91240B29-F687-4f45-9708-019B960494DF}">
-                <a14:hiddenLine xmlns="" xmlns:a16="http://schemas.microsoft.com/office/drawing/2014/main" xmlns:a14="http://schemas.microsoft.com/office/drawing/2010/main" xmlns:p14="http://schemas.microsoft.com/office/powerpoint/2010/main" w="9525">
+                <a14:hiddenLine xmlns:p14="http://schemas.microsoft.com/office/powerpoint/2010/main" xmlns:a14="http://schemas.microsoft.com/office/drawing/2010/main" xmlns:a16="http://schemas.microsoft.com/office/drawing/2014/main" xmlns="" w="9525">
                   <a:solidFill>
                     <a:srgbClr val="000000"/>
                   </a:solidFill>
@@ -17721,7 +17721,7 @@
             </a:ln>
             <a:extLst>
               <a:ext uri="{91240B29-F687-4f45-9708-019B960494DF}">
-                <a14:hiddenLine xmlns="" xmlns:a16="http://schemas.microsoft.com/office/drawing/2014/main" xmlns:a14="http://schemas.microsoft.com/office/drawing/2010/main" xmlns:p14="http://schemas.microsoft.com/office/powerpoint/2010/main" w="9525">
+                <a14:hiddenLine xmlns:p14="http://schemas.microsoft.com/office/powerpoint/2010/main" xmlns:a14="http://schemas.microsoft.com/office/drawing/2010/main" xmlns:a16="http://schemas.microsoft.com/office/drawing/2014/main" xmlns="" w="9525">
                   <a:solidFill>
                     <a:srgbClr val="000000"/>
                   </a:solidFill>
@@ -17826,7 +17826,7 @@
             </a:ln>
             <a:extLst>
               <a:ext uri="{91240B29-F687-4f45-9708-019B960494DF}">
-                <a14:hiddenLine xmlns="" xmlns:a16="http://schemas.microsoft.com/office/drawing/2014/main" xmlns:a14="http://schemas.microsoft.com/office/drawing/2010/main" xmlns:p14="http://schemas.microsoft.com/office/powerpoint/2010/main" w="9525">
+                <a14:hiddenLine xmlns:p14="http://schemas.microsoft.com/office/powerpoint/2010/main" xmlns:a14="http://schemas.microsoft.com/office/drawing/2010/main" xmlns:a16="http://schemas.microsoft.com/office/drawing/2014/main" xmlns="" w="9525">
                   <a:solidFill>
                     <a:srgbClr val="000000"/>
                   </a:solidFill>
@@ -17903,7 +17903,7 @@
             </a:ln>
             <a:extLst>
               <a:ext uri="{91240B29-F687-4f45-9708-019B960494DF}">
-                <a14:hiddenLine xmlns="" xmlns:a16="http://schemas.microsoft.com/office/drawing/2014/main" xmlns:a14="http://schemas.microsoft.com/office/drawing/2010/main" xmlns:p14="http://schemas.microsoft.com/office/powerpoint/2010/main" w="9525">
+                <a14:hiddenLine xmlns:p14="http://schemas.microsoft.com/office/powerpoint/2010/main" xmlns:a14="http://schemas.microsoft.com/office/drawing/2010/main" xmlns:a16="http://schemas.microsoft.com/office/drawing/2014/main" xmlns="" w="9525">
                   <a:solidFill>
                     <a:srgbClr val="000000"/>
                   </a:solidFill>
@@ -17980,7 +17980,7 @@
             </a:ln>
             <a:extLst>
               <a:ext uri="{91240B29-F687-4f45-9708-019B960494DF}">
-                <a14:hiddenLine xmlns="" xmlns:a16="http://schemas.microsoft.com/office/drawing/2014/main" xmlns:a14="http://schemas.microsoft.com/office/drawing/2010/main" xmlns:p14="http://schemas.microsoft.com/office/powerpoint/2010/main" w="9525">
+                <a14:hiddenLine xmlns:p14="http://schemas.microsoft.com/office/powerpoint/2010/main" xmlns:a14="http://schemas.microsoft.com/office/drawing/2010/main" xmlns:a16="http://schemas.microsoft.com/office/drawing/2014/main" xmlns="" w="9525">
                   <a:solidFill>
                     <a:srgbClr val="000000"/>
                   </a:solidFill>
@@ -18085,7 +18085,7 @@
             </a:ln>
             <a:extLst>
               <a:ext uri="{91240B29-F687-4f45-9708-019B960494DF}">
-                <a14:hiddenLine xmlns="" xmlns:a16="http://schemas.microsoft.com/office/drawing/2014/main" xmlns:a14="http://schemas.microsoft.com/office/drawing/2010/main" xmlns:p14="http://schemas.microsoft.com/office/powerpoint/2010/main" w="9525">
+                <a14:hiddenLine xmlns:p14="http://schemas.microsoft.com/office/powerpoint/2010/main" xmlns:a14="http://schemas.microsoft.com/office/drawing/2010/main" xmlns:a16="http://schemas.microsoft.com/office/drawing/2014/main" xmlns="" w="9525">
                   <a:solidFill>
                     <a:srgbClr val="000000"/>
                   </a:solidFill>
@@ -18168,7 +18168,7 @@
             </a:ln>
             <a:extLst>
               <a:ext uri="{91240B29-F687-4f45-9708-019B960494DF}">
-                <a14:hiddenLine xmlns="" xmlns:a16="http://schemas.microsoft.com/office/drawing/2014/main" xmlns:a14="http://schemas.microsoft.com/office/drawing/2010/main" xmlns:p14="http://schemas.microsoft.com/office/powerpoint/2010/main" w="9525">
+                <a14:hiddenLine xmlns:p14="http://schemas.microsoft.com/office/powerpoint/2010/main" xmlns:a14="http://schemas.microsoft.com/office/drawing/2010/main" xmlns:a16="http://schemas.microsoft.com/office/drawing/2014/main" xmlns="" w="9525">
                   <a:solidFill>
                     <a:srgbClr val="000000"/>
                   </a:solidFill>
@@ -18245,7 +18245,7 @@
             </a:ln>
             <a:extLst>
               <a:ext uri="{91240B29-F687-4f45-9708-019B960494DF}">
-                <a14:hiddenLine xmlns="" xmlns:a16="http://schemas.microsoft.com/office/drawing/2014/main" xmlns:a14="http://schemas.microsoft.com/office/drawing/2010/main" xmlns:p14="http://schemas.microsoft.com/office/powerpoint/2010/main" w="9525">
+                <a14:hiddenLine xmlns:p14="http://schemas.microsoft.com/office/powerpoint/2010/main" xmlns:a14="http://schemas.microsoft.com/office/drawing/2010/main" xmlns:a16="http://schemas.microsoft.com/office/drawing/2014/main" xmlns="" w="9525">
                   <a:solidFill>
                     <a:srgbClr val="000000"/>
                   </a:solidFill>
@@ -18350,7 +18350,7 @@
             </a:ln>
             <a:extLst>
               <a:ext uri="{91240B29-F687-4f45-9708-019B960494DF}">
-                <a14:hiddenLine xmlns="" xmlns:a16="http://schemas.microsoft.com/office/drawing/2014/main" xmlns:a14="http://schemas.microsoft.com/office/drawing/2010/main" xmlns:p14="http://schemas.microsoft.com/office/powerpoint/2010/main" w="9525">
+                <a14:hiddenLine xmlns:p14="http://schemas.microsoft.com/office/powerpoint/2010/main" xmlns:a14="http://schemas.microsoft.com/office/drawing/2010/main" xmlns:a16="http://schemas.microsoft.com/office/drawing/2014/main" xmlns="" w="9525">
                   <a:solidFill>
                     <a:srgbClr val="000000"/>
                   </a:solidFill>
@@ -18427,7 +18427,7 @@
             </a:ln>
             <a:extLst>
               <a:ext uri="{91240B29-F687-4f45-9708-019B960494DF}">
-                <a14:hiddenLine xmlns="" xmlns:a16="http://schemas.microsoft.com/office/drawing/2014/main" xmlns:a14="http://schemas.microsoft.com/office/drawing/2010/main" xmlns:p14="http://schemas.microsoft.com/office/powerpoint/2010/main" w="9525">
+                <a14:hiddenLine xmlns:p14="http://schemas.microsoft.com/office/powerpoint/2010/main" xmlns:a14="http://schemas.microsoft.com/office/drawing/2010/main" xmlns:a16="http://schemas.microsoft.com/office/drawing/2014/main" xmlns="" w="9525">
                   <a:solidFill>
                     <a:srgbClr val="000000"/>
                   </a:solidFill>
@@ -18532,7 +18532,7 @@
             </a:ln>
             <a:extLst>
               <a:ext uri="{91240B29-F687-4f45-9708-019B960494DF}">
-                <a14:hiddenLine xmlns="" xmlns:a16="http://schemas.microsoft.com/office/drawing/2014/main" xmlns:a14="http://schemas.microsoft.com/office/drawing/2010/main" xmlns:p14="http://schemas.microsoft.com/office/powerpoint/2010/main" w="9525">
+                <a14:hiddenLine xmlns:p14="http://schemas.microsoft.com/office/powerpoint/2010/main" xmlns:a14="http://schemas.microsoft.com/office/drawing/2010/main" xmlns:a16="http://schemas.microsoft.com/office/drawing/2014/main" xmlns="" w="9525">
                   <a:solidFill>
                     <a:srgbClr val="000000"/>
                   </a:solidFill>
@@ -18609,7 +18609,7 @@
             </a:ln>
             <a:extLst>
               <a:ext uri="{91240B29-F687-4f45-9708-019B960494DF}">
-                <a14:hiddenLine xmlns="" xmlns:a16="http://schemas.microsoft.com/office/drawing/2014/main" xmlns:a14="http://schemas.microsoft.com/office/drawing/2010/main" xmlns:p14="http://schemas.microsoft.com/office/powerpoint/2010/main" w="9525">
+                <a14:hiddenLine xmlns:p14="http://schemas.microsoft.com/office/powerpoint/2010/main" xmlns:a14="http://schemas.microsoft.com/office/drawing/2010/main" xmlns:a16="http://schemas.microsoft.com/office/drawing/2014/main" xmlns="" w="9525">
                   <a:solidFill>
                     <a:srgbClr val="000000"/>
                   </a:solidFill>
@@ -18714,7 +18714,7 @@
             </a:ln>
             <a:extLst>
               <a:ext uri="{91240B29-F687-4f45-9708-019B960494DF}">
-                <a14:hiddenLine xmlns="" xmlns:a16="http://schemas.microsoft.com/office/drawing/2014/main" xmlns:a14="http://schemas.microsoft.com/office/drawing/2010/main" xmlns:p14="http://schemas.microsoft.com/office/powerpoint/2010/main" w="9525">
+                <a14:hiddenLine xmlns:p14="http://schemas.microsoft.com/office/powerpoint/2010/main" xmlns:a14="http://schemas.microsoft.com/office/drawing/2010/main" xmlns:a16="http://schemas.microsoft.com/office/drawing/2014/main" xmlns="" w="9525">
                   <a:solidFill>
                     <a:srgbClr val="000000"/>
                   </a:solidFill>
@@ -18763,7 +18763,7 @@
             </a:ln>
             <a:extLst>
               <a:ext uri="{91240B29-F687-4f45-9708-019B960494DF}">
-                <a14:hiddenLine xmlns="" xmlns:a16="http://schemas.microsoft.com/office/drawing/2014/main" xmlns:a14="http://schemas.microsoft.com/office/drawing/2010/main" xmlns:p14="http://schemas.microsoft.com/office/powerpoint/2010/main" w="9525">
+                <a14:hiddenLine xmlns:p14="http://schemas.microsoft.com/office/powerpoint/2010/main" xmlns:a14="http://schemas.microsoft.com/office/drawing/2010/main" xmlns:a16="http://schemas.microsoft.com/office/drawing/2014/main" xmlns="" w="9525">
                   <a:solidFill>
                     <a:srgbClr val="000000"/>
                   </a:solidFill>
@@ -18843,7 +18843,7 @@
             </a:ln>
             <a:extLst>
               <a:ext uri="{91240B29-F687-4f45-9708-019B960494DF}">
-                <a14:hiddenLine xmlns="" xmlns:a16="http://schemas.microsoft.com/office/drawing/2014/main" xmlns:a14="http://schemas.microsoft.com/office/drawing/2010/main" xmlns:p14="http://schemas.microsoft.com/office/powerpoint/2010/main" w="9525">
+                <a14:hiddenLine xmlns:p14="http://schemas.microsoft.com/office/powerpoint/2010/main" xmlns:a14="http://schemas.microsoft.com/office/drawing/2010/main" xmlns:a16="http://schemas.microsoft.com/office/drawing/2014/main" xmlns="" w="9525">
                   <a:solidFill>
                     <a:srgbClr val="000000"/>
                   </a:solidFill>
@@ -18948,7 +18948,7 @@
             </a:ln>
             <a:extLst>
               <a:ext uri="{91240B29-F687-4f45-9708-019B960494DF}">
-                <a14:hiddenLine xmlns="" xmlns:a16="http://schemas.microsoft.com/office/drawing/2014/main" xmlns:a14="http://schemas.microsoft.com/office/drawing/2010/main" xmlns:p14="http://schemas.microsoft.com/office/powerpoint/2010/main" w="9525">
+                <a14:hiddenLine xmlns:p14="http://schemas.microsoft.com/office/powerpoint/2010/main" xmlns:a14="http://schemas.microsoft.com/office/drawing/2010/main" xmlns:a16="http://schemas.microsoft.com/office/drawing/2014/main" xmlns="" w="9525">
                   <a:solidFill>
                     <a:srgbClr val="000000"/>
                   </a:solidFill>
@@ -19025,7 +19025,7 @@
             </a:ln>
             <a:extLst>
               <a:ext uri="{91240B29-F687-4f45-9708-019B960494DF}">
-                <a14:hiddenLine xmlns="" xmlns:a16="http://schemas.microsoft.com/office/drawing/2014/main" xmlns:a14="http://schemas.microsoft.com/office/drawing/2010/main" xmlns:p14="http://schemas.microsoft.com/office/powerpoint/2010/main" w="9525">
+                <a14:hiddenLine xmlns:p14="http://schemas.microsoft.com/office/powerpoint/2010/main" xmlns:a14="http://schemas.microsoft.com/office/drawing/2010/main" xmlns:a16="http://schemas.microsoft.com/office/drawing/2014/main" xmlns="" w="9525">
                   <a:solidFill>
                     <a:srgbClr val="000000"/>
                   </a:solidFill>
@@ -19130,7 +19130,7 @@
             </a:ln>
             <a:extLst>
               <a:ext uri="{91240B29-F687-4f45-9708-019B960494DF}">
-                <a14:hiddenLine xmlns="" xmlns:a16="http://schemas.microsoft.com/office/drawing/2014/main" xmlns:a14="http://schemas.microsoft.com/office/drawing/2010/main" xmlns:p14="http://schemas.microsoft.com/office/powerpoint/2010/main" w="9525">
+                <a14:hiddenLine xmlns:p14="http://schemas.microsoft.com/office/powerpoint/2010/main" xmlns:a14="http://schemas.microsoft.com/office/drawing/2010/main" xmlns:a16="http://schemas.microsoft.com/office/drawing/2014/main" xmlns="" w="9525">
                   <a:solidFill>
                     <a:srgbClr val="000000"/>
                   </a:solidFill>
@@ -19235,7 +19235,7 @@
             </a:ln>
             <a:extLst>
               <a:ext uri="{91240B29-F687-4f45-9708-019B960494DF}">
-                <a14:hiddenLine xmlns="" xmlns:a16="http://schemas.microsoft.com/office/drawing/2014/main" xmlns:a14="http://schemas.microsoft.com/office/drawing/2010/main" xmlns:p14="http://schemas.microsoft.com/office/powerpoint/2010/main" w="9525">
+                <a14:hiddenLine xmlns:p14="http://schemas.microsoft.com/office/powerpoint/2010/main" xmlns:a14="http://schemas.microsoft.com/office/drawing/2010/main" xmlns:a16="http://schemas.microsoft.com/office/drawing/2014/main" xmlns="" w="9525">
                   <a:solidFill>
                     <a:srgbClr val="000000"/>
                   </a:solidFill>
@@ -19315,7 +19315,7 @@
             </a:ln>
             <a:extLst>
               <a:ext uri="{91240B29-F687-4f45-9708-019B960494DF}">
-                <a14:hiddenLine xmlns="" xmlns:a16="http://schemas.microsoft.com/office/drawing/2014/main" xmlns:a14="http://schemas.microsoft.com/office/drawing/2010/main" xmlns:p14="http://schemas.microsoft.com/office/powerpoint/2010/main" w="9525">
+                <a14:hiddenLine xmlns:p14="http://schemas.microsoft.com/office/powerpoint/2010/main" xmlns:a14="http://schemas.microsoft.com/office/drawing/2010/main" xmlns:a16="http://schemas.microsoft.com/office/drawing/2014/main" xmlns="" w="9525">
                   <a:solidFill>
                     <a:srgbClr val="000000"/>
                   </a:solidFill>
@@ -19392,7 +19392,7 @@
             </a:ln>
             <a:extLst>
               <a:ext uri="{91240B29-F687-4f45-9708-019B960494DF}">
-                <a14:hiddenLine xmlns="" xmlns:a16="http://schemas.microsoft.com/office/drawing/2014/main" xmlns:a14="http://schemas.microsoft.com/office/drawing/2010/main" xmlns:p14="http://schemas.microsoft.com/office/powerpoint/2010/main" w="9525">
+                <a14:hiddenLine xmlns:p14="http://schemas.microsoft.com/office/powerpoint/2010/main" xmlns:a14="http://schemas.microsoft.com/office/drawing/2010/main" xmlns:a16="http://schemas.microsoft.com/office/drawing/2014/main" xmlns="" w="9525">
                   <a:solidFill>
                     <a:srgbClr val="000000"/>
                   </a:solidFill>
@@ -19497,7 +19497,7 @@
             </a:ln>
             <a:extLst>
               <a:ext uri="{91240B29-F687-4f45-9708-019B960494DF}">
-                <a14:hiddenLine xmlns="" xmlns:a16="http://schemas.microsoft.com/office/drawing/2014/main" xmlns:a14="http://schemas.microsoft.com/office/drawing/2010/main" xmlns:p14="http://schemas.microsoft.com/office/powerpoint/2010/main" w="9525">
+                <a14:hiddenLine xmlns:p14="http://schemas.microsoft.com/office/powerpoint/2010/main" xmlns:a14="http://schemas.microsoft.com/office/drawing/2010/main" xmlns:a16="http://schemas.microsoft.com/office/drawing/2014/main" xmlns="" w="9525">
                   <a:solidFill>
                     <a:srgbClr val="000000"/>
                   </a:solidFill>
@@ -19602,7 +19602,7 @@
             </a:ln>
             <a:extLst>
               <a:ext uri="{91240B29-F687-4f45-9708-019B960494DF}">
-                <a14:hiddenLine xmlns="" xmlns:a16="http://schemas.microsoft.com/office/drawing/2014/main" xmlns:a14="http://schemas.microsoft.com/office/drawing/2010/main" xmlns:p14="http://schemas.microsoft.com/office/powerpoint/2010/main" w="9525">
+                <a14:hiddenLine xmlns:p14="http://schemas.microsoft.com/office/powerpoint/2010/main" xmlns:a14="http://schemas.microsoft.com/office/drawing/2010/main" xmlns:a16="http://schemas.microsoft.com/office/drawing/2014/main" xmlns="" w="9525">
                   <a:solidFill>
                     <a:srgbClr val="000000"/>
                   </a:solidFill>
@@ -19679,7 +19679,7 @@
             </a:ln>
             <a:extLst>
               <a:ext uri="{91240B29-F687-4f45-9708-019B960494DF}">
-                <a14:hiddenLine xmlns="" xmlns:a16="http://schemas.microsoft.com/office/drawing/2014/main" xmlns:a14="http://schemas.microsoft.com/office/drawing/2010/main" xmlns:p14="http://schemas.microsoft.com/office/powerpoint/2010/main" w="9525">
+                <a14:hiddenLine xmlns:p14="http://schemas.microsoft.com/office/powerpoint/2010/main" xmlns:a14="http://schemas.microsoft.com/office/drawing/2010/main" xmlns:a16="http://schemas.microsoft.com/office/drawing/2014/main" xmlns="" w="9525">
                   <a:solidFill>
                     <a:srgbClr val="000000"/>
                   </a:solidFill>
@@ -19814,7 +19814,7 @@
             </a:ln>
             <a:extLst>
               <a:ext uri="{91240B29-F687-4f45-9708-019B960494DF}">
-                <a14:hiddenLine xmlns="" xmlns:a16="http://schemas.microsoft.com/office/drawing/2014/main" xmlns:a14="http://schemas.microsoft.com/office/drawing/2010/main" xmlns:p14="http://schemas.microsoft.com/office/powerpoint/2010/main" w="9525">
+                <a14:hiddenLine xmlns:p14="http://schemas.microsoft.com/office/powerpoint/2010/main" xmlns:a14="http://schemas.microsoft.com/office/drawing/2010/main" xmlns:a16="http://schemas.microsoft.com/office/drawing/2014/main" xmlns="" w="9525">
                   <a:solidFill>
                     <a:srgbClr val="000000"/>
                   </a:solidFill>
@@ -19897,7 +19897,7 @@
             </a:ln>
             <a:extLst>
               <a:ext uri="{91240B29-F687-4f45-9708-019B960494DF}">
-                <a14:hiddenLine xmlns="" xmlns:a16="http://schemas.microsoft.com/office/drawing/2014/main" xmlns:a14="http://schemas.microsoft.com/office/drawing/2010/main" xmlns:p14="http://schemas.microsoft.com/office/powerpoint/2010/main" w="9525">
+                <a14:hiddenLine xmlns:p14="http://schemas.microsoft.com/office/powerpoint/2010/main" xmlns:a14="http://schemas.microsoft.com/office/drawing/2010/main" xmlns:a16="http://schemas.microsoft.com/office/drawing/2014/main" xmlns="" w="9525">
                   <a:solidFill>
                     <a:srgbClr val="000000"/>
                   </a:solidFill>
@@ -20002,7 +20002,7 @@
             </a:ln>
             <a:extLst>
               <a:ext uri="{91240B29-F687-4f45-9708-019B960494DF}">
-                <a14:hiddenLine xmlns="" xmlns:a16="http://schemas.microsoft.com/office/drawing/2014/main" xmlns:a14="http://schemas.microsoft.com/office/drawing/2010/main" xmlns:p14="http://schemas.microsoft.com/office/powerpoint/2010/main" w="9525">
+                <a14:hiddenLine xmlns:p14="http://schemas.microsoft.com/office/powerpoint/2010/main" xmlns:a14="http://schemas.microsoft.com/office/drawing/2010/main" xmlns:a16="http://schemas.microsoft.com/office/drawing/2014/main" xmlns="" w="9525">
                   <a:solidFill>
                     <a:srgbClr val="000000"/>
                   </a:solidFill>

--- a/presentation.pptx
+++ b/presentation.pptx
@@ -246,7 +246,7 @@
           <a:p>
             <a:fld id="{027B0511-7C57-A649-9B1E-F6B4AF548419}" type="datetimeFigureOut">
               <a:rPr lang="en-US" smtClean="0"/>
-              <a:t>5/7/19</a:t>
+              <a:t>5/7/2019</a:t>
             </a:fld>
             <a:endParaRPr lang="en-US"/>
           </a:p>
@@ -427,7 +427,7 @@
           <a:p>
             <a:fld id="{635D235B-18E0-FD4C-BFE6-71E332FE9977}" type="datetimeFigureOut">
               <a:rPr lang="en-US" smtClean="0"/>
-              <a:t>5/7/19</a:t>
+              <a:t>5/7/2019</a:t>
             </a:fld>
             <a:endParaRPr lang="en-US"/>
           </a:p>
@@ -752,7 +752,7 @@
           <a:noFill/>
           <a:extLst>
             <a:ext uri="{909E8E84-426E-40dd-AFC4-6F175D3DCCD1}">
-              <a14:hiddenFill xmlns:a14="http://schemas.microsoft.com/office/drawing/2010/main" xmlns="">
+              <a14:hiddenFill xmlns="" xmlns:a14="http://schemas.microsoft.com/office/drawing/2010/main">
                 <a:solidFill>
                   <a:srgbClr val="FFFFFF"/>
                 </a:solidFill>
@@ -811,7 +811,7 @@
             </a:ln>
             <a:extLst>
               <a:ext uri="{91240B29-F687-4f45-9708-019B960494DF}">
-                <a14:hiddenLine xmlns:a14="http://schemas.microsoft.com/office/drawing/2010/main" xmlns="" w="9525">
+                <a14:hiddenLine xmlns="" xmlns:a14="http://schemas.microsoft.com/office/drawing/2010/main" w="9525">
                   <a:solidFill>
                     <a:srgbClr val="000000"/>
                   </a:solidFill>
@@ -901,7 +901,7 @@
             </a:ln>
             <a:extLst>
               <a:ext uri="{91240B29-F687-4f45-9708-019B960494DF}">
-                <a14:hiddenLine xmlns:a14="http://schemas.microsoft.com/office/drawing/2010/main" xmlns="" w="9525">
+                <a14:hiddenLine xmlns="" xmlns:a14="http://schemas.microsoft.com/office/drawing/2010/main" w="9525">
                   <a:solidFill>
                     <a:srgbClr val="000000"/>
                   </a:solidFill>
@@ -991,7 +991,7 @@
             </a:ln>
             <a:extLst>
               <a:ext uri="{91240B29-F687-4f45-9708-019B960494DF}">
-                <a14:hiddenLine xmlns:a14="http://schemas.microsoft.com/office/drawing/2010/main" xmlns="" w="9525">
+                <a14:hiddenLine xmlns="" xmlns:a14="http://schemas.microsoft.com/office/drawing/2010/main" w="9525">
                   <a:solidFill>
                     <a:srgbClr val="000000"/>
                   </a:solidFill>
@@ -1025,7 +1025,7 @@
             </a:ln>
             <a:extLst>
               <a:ext uri="{91240B29-F687-4f45-9708-019B960494DF}">
-                <a14:hiddenLine xmlns:a14="http://schemas.microsoft.com/office/drawing/2010/main" xmlns="" w="9525">
+                <a14:hiddenLine xmlns="" xmlns:a14="http://schemas.microsoft.com/office/drawing/2010/main" w="9525">
                   <a:solidFill>
                     <a:srgbClr val="000000"/>
                   </a:solidFill>
@@ -1115,7 +1115,7 @@
             </a:ln>
             <a:extLst>
               <a:ext uri="{91240B29-F687-4f45-9708-019B960494DF}">
-                <a14:hiddenLine xmlns:a14="http://schemas.microsoft.com/office/drawing/2010/main" xmlns="" w="9525">
+                <a14:hiddenLine xmlns="" xmlns:a14="http://schemas.microsoft.com/office/drawing/2010/main" w="9525">
                   <a:solidFill>
                     <a:srgbClr val="000000"/>
                   </a:solidFill>
@@ -1177,7 +1177,7 @@
             </a:ln>
             <a:extLst>
               <a:ext uri="{91240B29-F687-4f45-9708-019B960494DF}">
-                <a14:hiddenLine xmlns:a14="http://schemas.microsoft.com/office/drawing/2010/main" xmlns="" w="9525">
+                <a14:hiddenLine xmlns="" xmlns:a14="http://schemas.microsoft.com/office/drawing/2010/main" w="9525">
                   <a:solidFill>
                     <a:srgbClr val="000000"/>
                   </a:solidFill>
@@ -1239,7 +1239,7 @@
             </a:ln>
             <a:extLst>
               <a:ext uri="{91240B29-F687-4f45-9708-019B960494DF}">
-                <a14:hiddenLine xmlns:a14="http://schemas.microsoft.com/office/drawing/2010/main" xmlns="" w="9525">
+                <a14:hiddenLine xmlns="" xmlns:a14="http://schemas.microsoft.com/office/drawing/2010/main" w="9525">
                   <a:solidFill>
                     <a:srgbClr val="000000"/>
                   </a:solidFill>
@@ -1329,7 +1329,7 @@
             </a:ln>
             <a:extLst>
               <a:ext uri="{91240B29-F687-4f45-9708-019B960494DF}">
-                <a14:hiddenLine xmlns:a14="http://schemas.microsoft.com/office/drawing/2010/main" xmlns="" w="9525">
+                <a14:hiddenLine xmlns="" xmlns:a14="http://schemas.microsoft.com/office/drawing/2010/main" w="9525">
                   <a:solidFill>
                     <a:srgbClr val="000000"/>
                   </a:solidFill>
@@ -1391,7 +1391,7 @@
             </a:ln>
             <a:extLst>
               <a:ext uri="{91240B29-F687-4f45-9708-019B960494DF}">
-                <a14:hiddenLine xmlns:a14="http://schemas.microsoft.com/office/drawing/2010/main" xmlns="" w="9525">
+                <a14:hiddenLine xmlns="" xmlns:a14="http://schemas.microsoft.com/office/drawing/2010/main" w="9525">
                   <a:solidFill>
                     <a:srgbClr val="000000"/>
                   </a:solidFill>
@@ -1453,7 +1453,7 @@
             </a:ln>
             <a:extLst>
               <a:ext uri="{91240B29-F687-4f45-9708-019B960494DF}">
-                <a14:hiddenLine xmlns:a14="http://schemas.microsoft.com/office/drawing/2010/main" xmlns="" w="9525">
+                <a14:hiddenLine xmlns="" xmlns:a14="http://schemas.microsoft.com/office/drawing/2010/main" w="9525">
                   <a:solidFill>
                     <a:srgbClr val="000000"/>
                   </a:solidFill>
@@ -1543,7 +1543,7 @@
             </a:ln>
             <a:extLst>
               <a:ext uri="{91240B29-F687-4f45-9708-019B960494DF}">
-                <a14:hiddenLine xmlns:a14="http://schemas.microsoft.com/office/drawing/2010/main" xmlns="" w="9525">
+                <a14:hiddenLine xmlns="" xmlns:a14="http://schemas.microsoft.com/office/drawing/2010/main" w="9525">
                   <a:solidFill>
                     <a:srgbClr val="000000"/>
                   </a:solidFill>
@@ -1633,7 +1633,7 @@
             </a:ln>
             <a:extLst>
               <a:ext uri="{91240B29-F687-4f45-9708-019B960494DF}">
-                <a14:hiddenLine xmlns:a14="http://schemas.microsoft.com/office/drawing/2010/main" xmlns="" w="9525">
+                <a14:hiddenLine xmlns="" xmlns:a14="http://schemas.microsoft.com/office/drawing/2010/main" w="9525">
                   <a:solidFill>
                     <a:srgbClr val="000000"/>
                   </a:solidFill>
@@ -1695,7 +1695,7 @@
             </a:ln>
             <a:extLst>
               <a:ext uri="{91240B29-F687-4f45-9708-019B960494DF}">
-                <a14:hiddenLine xmlns:a14="http://schemas.microsoft.com/office/drawing/2010/main" xmlns="" w="9525">
+                <a14:hiddenLine xmlns="" xmlns:a14="http://schemas.microsoft.com/office/drawing/2010/main" w="9525">
                   <a:solidFill>
                     <a:srgbClr val="000000"/>
                   </a:solidFill>
@@ -1805,7 +1805,7 @@
             </a:ln>
             <a:extLst>
               <a:ext uri="{91240B29-F687-4f45-9708-019B960494DF}">
-                <a14:hiddenLine xmlns:a14="http://schemas.microsoft.com/office/drawing/2010/main" xmlns="" w="9525">
+                <a14:hiddenLine xmlns="" xmlns:a14="http://schemas.microsoft.com/office/drawing/2010/main" w="9525">
                   <a:solidFill>
                     <a:srgbClr val="000000"/>
                   </a:solidFill>
@@ -1867,7 +1867,7 @@
             </a:ln>
             <a:extLst>
               <a:ext uri="{91240B29-F687-4f45-9708-019B960494DF}">
-                <a14:hiddenLine xmlns:a14="http://schemas.microsoft.com/office/drawing/2010/main" xmlns="" w="9525">
+                <a14:hiddenLine xmlns="" xmlns:a14="http://schemas.microsoft.com/office/drawing/2010/main" w="9525">
                   <a:solidFill>
                     <a:srgbClr val="000000"/>
                   </a:solidFill>
@@ -1957,7 +1957,7 @@
             </a:ln>
             <a:extLst>
               <a:ext uri="{91240B29-F687-4f45-9708-019B960494DF}">
-                <a14:hiddenLine xmlns:a14="http://schemas.microsoft.com/office/drawing/2010/main" xmlns="" w="9525">
+                <a14:hiddenLine xmlns="" xmlns:a14="http://schemas.microsoft.com/office/drawing/2010/main" w="9525">
                   <a:solidFill>
                     <a:srgbClr val="000000"/>
                   </a:solidFill>
@@ -2047,7 +2047,7 @@
             </a:ln>
             <a:extLst>
               <a:ext uri="{91240B29-F687-4f45-9708-019B960494DF}">
-                <a14:hiddenLine xmlns:a14="http://schemas.microsoft.com/office/drawing/2010/main" xmlns="" w="9525">
+                <a14:hiddenLine xmlns="" xmlns:a14="http://schemas.microsoft.com/office/drawing/2010/main" w="9525">
                   <a:solidFill>
                     <a:srgbClr val="000000"/>
                   </a:solidFill>
@@ -2109,7 +2109,7 @@
             </a:ln>
             <a:extLst>
               <a:ext uri="{91240B29-F687-4f45-9708-019B960494DF}">
-                <a14:hiddenLine xmlns:a14="http://schemas.microsoft.com/office/drawing/2010/main" xmlns="" w="9525">
+                <a14:hiddenLine xmlns="" xmlns:a14="http://schemas.microsoft.com/office/drawing/2010/main" w="9525">
                   <a:solidFill>
                     <a:srgbClr val="000000"/>
                   </a:solidFill>
@@ -2199,7 +2199,7 @@
             </a:ln>
             <a:extLst>
               <a:ext uri="{91240B29-F687-4f45-9708-019B960494DF}">
-                <a14:hiddenLine xmlns:a14="http://schemas.microsoft.com/office/drawing/2010/main" xmlns="" w="9525">
+                <a14:hiddenLine xmlns="" xmlns:a14="http://schemas.microsoft.com/office/drawing/2010/main" w="9525">
                   <a:solidFill>
                     <a:srgbClr val="000000"/>
                   </a:solidFill>
@@ -2289,7 +2289,7 @@
             </a:ln>
             <a:extLst>
               <a:ext uri="{91240B29-F687-4f45-9708-019B960494DF}">
-                <a14:hiddenLine xmlns:a14="http://schemas.microsoft.com/office/drawing/2010/main" xmlns="" w="9525">
+                <a14:hiddenLine xmlns="" xmlns:a14="http://schemas.microsoft.com/office/drawing/2010/main" w="9525">
                   <a:solidFill>
                     <a:srgbClr val="000000"/>
                   </a:solidFill>
@@ -2345,7 +2345,7 @@
             </a:ln>
             <a:extLst>
               <a:ext uri="{91240B29-F687-4f45-9708-019B960494DF}">
-                <a14:hiddenLine xmlns:a14="http://schemas.microsoft.com/office/drawing/2010/main" xmlns="" w="9525">
+                <a14:hiddenLine xmlns="" xmlns:a14="http://schemas.microsoft.com/office/drawing/2010/main" w="9525">
                   <a:solidFill>
                     <a:srgbClr val="000000"/>
                   </a:solidFill>
@@ -2435,7 +2435,7 @@
             </a:ln>
             <a:extLst>
               <a:ext uri="{91240B29-F687-4f45-9708-019B960494DF}">
-                <a14:hiddenLine xmlns:a14="http://schemas.microsoft.com/office/drawing/2010/main" xmlns="" w="9525">
+                <a14:hiddenLine xmlns="" xmlns:a14="http://schemas.microsoft.com/office/drawing/2010/main" w="9525">
                   <a:solidFill>
                     <a:srgbClr val="000000"/>
                   </a:solidFill>
@@ -2491,7 +2491,7 @@
             </a:ln>
             <a:extLst>
               <a:ext uri="{91240B29-F687-4f45-9708-019B960494DF}">
-                <a14:hiddenLine xmlns:a14="http://schemas.microsoft.com/office/drawing/2010/main" xmlns="" w="9525">
+                <a14:hiddenLine xmlns="" xmlns:a14="http://schemas.microsoft.com/office/drawing/2010/main" w="9525">
                   <a:solidFill>
                     <a:srgbClr val="000000"/>
                   </a:solidFill>
@@ -2581,7 +2581,7 @@
             </a:ln>
             <a:extLst>
               <a:ext uri="{91240B29-F687-4f45-9708-019B960494DF}">
-                <a14:hiddenLine xmlns:a14="http://schemas.microsoft.com/office/drawing/2010/main" xmlns="" w="9525">
+                <a14:hiddenLine xmlns="" xmlns:a14="http://schemas.microsoft.com/office/drawing/2010/main" w="9525">
                   <a:solidFill>
                     <a:srgbClr val="000000"/>
                   </a:solidFill>
@@ -2649,7 +2649,7 @@
             </a:ln>
             <a:extLst>
               <a:ext uri="{91240B29-F687-4f45-9708-019B960494DF}">
-                <a14:hiddenLine xmlns:a14="http://schemas.microsoft.com/office/drawing/2010/main" xmlns="" w="9525">
+                <a14:hiddenLine xmlns="" xmlns:a14="http://schemas.microsoft.com/office/drawing/2010/main" w="9525">
                   <a:solidFill>
                     <a:srgbClr val="000000"/>
                   </a:solidFill>
@@ -2739,7 +2739,7 @@
             </a:ln>
             <a:extLst>
               <a:ext uri="{91240B29-F687-4f45-9708-019B960494DF}">
-                <a14:hiddenLine xmlns:a14="http://schemas.microsoft.com/office/drawing/2010/main" xmlns="" w="9525">
+                <a14:hiddenLine xmlns="" xmlns:a14="http://schemas.microsoft.com/office/drawing/2010/main" w="9525">
                   <a:solidFill>
                     <a:srgbClr val="000000"/>
                   </a:solidFill>
@@ -2807,7 +2807,7 @@
             </a:ln>
             <a:extLst>
               <a:ext uri="{91240B29-F687-4f45-9708-019B960494DF}">
-                <a14:hiddenLine xmlns:a14="http://schemas.microsoft.com/office/drawing/2010/main" xmlns="" w="9525">
+                <a14:hiddenLine xmlns="" xmlns:a14="http://schemas.microsoft.com/office/drawing/2010/main" w="9525">
                   <a:solidFill>
                     <a:srgbClr val="000000"/>
                   </a:solidFill>
@@ -2897,7 +2897,7 @@
             </a:ln>
             <a:extLst>
               <a:ext uri="{91240B29-F687-4f45-9708-019B960494DF}">
-                <a14:hiddenLine xmlns:a14="http://schemas.microsoft.com/office/drawing/2010/main" xmlns="" w="9525">
+                <a14:hiddenLine xmlns="" xmlns:a14="http://schemas.microsoft.com/office/drawing/2010/main" w="9525">
                   <a:solidFill>
                     <a:srgbClr val="000000"/>
                   </a:solidFill>
@@ -2931,7 +2931,7 @@
             </a:ln>
             <a:extLst>
               <a:ext uri="{91240B29-F687-4f45-9708-019B960494DF}">
-                <a14:hiddenLine xmlns:a14="http://schemas.microsoft.com/office/drawing/2010/main" xmlns="" w="9525">
+                <a14:hiddenLine xmlns="" xmlns:a14="http://schemas.microsoft.com/office/drawing/2010/main" w="9525">
                   <a:solidFill>
                     <a:srgbClr val="000000"/>
                   </a:solidFill>
@@ -3021,7 +3021,7 @@
             </a:ln>
             <a:extLst>
               <a:ext uri="{91240B29-F687-4f45-9708-019B960494DF}">
-                <a14:hiddenLine xmlns:a14="http://schemas.microsoft.com/office/drawing/2010/main" xmlns="" w="9525">
+                <a14:hiddenLine xmlns="" xmlns:a14="http://schemas.microsoft.com/office/drawing/2010/main" w="9525">
                   <a:solidFill>
                     <a:srgbClr val="000000"/>
                   </a:solidFill>
@@ -3083,7 +3083,7 @@
             </a:ln>
             <a:extLst>
               <a:ext uri="{91240B29-F687-4f45-9708-019B960494DF}">
-                <a14:hiddenLine xmlns:a14="http://schemas.microsoft.com/office/drawing/2010/main" xmlns="" w="9525">
+                <a14:hiddenLine xmlns="" xmlns:a14="http://schemas.microsoft.com/office/drawing/2010/main" w="9525">
                   <a:solidFill>
                     <a:srgbClr val="000000"/>
                   </a:solidFill>
@@ -3145,7 +3145,7 @@
             </a:ln>
             <a:extLst>
               <a:ext uri="{91240B29-F687-4f45-9708-019B960494DF}">
-                <a14:hiddenLine xmlns:a14="http://schemas.microsoft.com/office/drawing/2010/main" xmlns="" w="9525">
+                <a14:hiddenLine xmlns="" xmlns:a14="http://schemas.microsoft.com/office/drawing/2010/main" w="9525">
                   <a:solidFill>
                     <a:srgbClr val="000000"/>
                   </a:solidFill>
@@ -3235,7 +3235,7 @@
             </a:ln>
             <a:extLst>
               <a:ext uri="{91240B29-F687-4f45-9708-019B960494DF}">
-                <a14:hiddenLine xmlns:a14="http://schemas.microsoft.com/office/drawing/2010/main" xmlns="" w="9525">
+                <a14:hiddenLine xmlns="" xmlns:a14="http://schemas.microsoft.com/office/drawing/2010/main" w="9525">
                   <a:solidFill>
                     <a:srgbClr val="000000"/>
                   </a:solidFill>
@@ -3303,7 +3303,7 @@
             </a:ln>
             <a:extLst>
               <a:ext uri="{91240B29-F687-4f45-9708-019B960494DF}">
-                <a14:hiddenLine xmlns:a14="http://schemas.microsoft.com/office/drawing/2010/main" xmlns="" w="9525">
+                <a14:hiddenLine xmlns="" xmlns:a14="http://schemas.microsoft.com/office/drawing/2010/main" w="9525">
                   <a:solidFill>
                     <a:srgbClr val="000000"/>
                   </a:solidFill>
@@ -3365,7 +3365,7 @@
             </a:ln>
             <a:extLst>
               <a:ext uri="{91240B29-F687-4f45-9708-019B960494DF}">
-                <a14:hiddenLine xmlns:a14="http://schemas.microsoft.com/office/drawing/2010/main" xmlns="" w="9525">
+                <a14:hiddenLine xmlns="" xmlns:a14="http://schemas.microsoft.com/office/drawing/2010/main" w="9525">
                   <a:solidFill>
                     <a:srgbClr val="000000"/>
                   </a:solidFill>
@@ -3455,7 +3455,7 @@
             </a:ln>
             <a:extLst>
               <a:ext uri="{91240B29-F687-4f45-9708-019B960494DF}">
-                <a14:hiddenLine xmlns:a14="http://schemas.microsoft.com/office/drawing/2010/main" xmlns="" w="9525">
+                <a14:hiddenLine xmlns="" xmlns:a14="http://schemas.microsoft.com/office/drawing/2010/main" w="9525">
                   <a:solidFill>
                     <a:srgbClr val="000000"/>
                   </a:solidFill>
@@ -3517,7 +3517,7 @@
             </a:ln>
             <a:extLst>
               <a:ext uri="{91240B29-F687-4f45-9708-019B960494DF}">
-                <a14:hiddenLine xmlns:a14="http://schemas.microsoft.com/office/drawing/2010/main" xmlns="" w="9525">
+                <a14:hiddenLine xmlns="" xmlns:a14="http://schemas.microsoft.com/office/drawing/2010/main" w="9525">
                   <a:solidFill>
                     <a:srgbClr val="000000"/>
                   </a:solidFill>
@@ -3607,7 +3607,7 @@
             </a:ln>
             <a:extLst>
               <a:ext uri="{91240B29-F687-4f45-9708-019B960494DF}">
-                <a14:hiddenLine xmlns:a14="http://schemas.microsoft.com/office/drawing/2010/main" xmlns="" w="9525">
+                <a14:hiddenLine xmlns="" xmlns:a14="http://schemas.microsoft.com/office/drawing/2010/main" w="9525">
                   <a:solidFill>
                     <a:srgbClr val="000000"/>
                   </a:solidFill>
@@ -3669,7 +3669,7 @@
             </a:ln>
             <a:extLst>
               <a:ext uri="{91240B29-F687-4f45-9708-019B960494DF}">
-                <a14:hiddenLine xmlns:a14="http://schemas.microsoft.com/office/drawing/2010/main" xmlns="" w="9525">
+                <a14:hiddenLine xmlns="" xmlns:a14="http://schemas.microsoft.com/office/drawing/2010/main" w="9525">
                   <a:solidFill>
                     <a:srgbClr val="000000"/>
                   </a:solidFill>
@@ -3759,7 +3759,7 @@
             </a:ln>
             <a:extLst>
               <a:ext uri="{91240B29-F687-4f45-9708-019B960494DF}">
-                <a14:hiddenLine xmlns:a14="http://schemas.microsoft.com/office/drawing/2010/main" xmlns="" w="9525">
+                <a14:hiddenLine xmlns="" xmlns:a14="http://schemas.microsoft.com/office/drawing/2010/main" w="9525">
                   <a:solidFill>
                     <a:srgbClr val="000000"/>
                   </a:solidFill>
@@ -3793,7 +3793,7 @@
             </a:ln>
             <a:extLst>
               <a:ext uri="{91240B29-F687-4f45-9708-019B960494DF}">
-                <a14:hiddenLine xmlns:a14="http://schemas.microsoft.com/office/drawing/2010/main" xmlns="" w="9525">
+                <a14:hiddenLine xmlns="" xmlns:a14="http://schemas.microsoft.com/office/drawing/2010/main" w="9525">
                   <a:solidFill>
                     <a:srgbClr val="000000"/>
                   </a:solidFill>
@@ -3858,7 +3858,7 @@
             </a:ln>
             <a:extLst>
               <a:ext uri="{91240B29-F687-4f45-9708-019B960494DF}">
-                <a14:hiddenLine xmlns:a14="http://schemas.microsoft.com/office/drawing/2010/main" xmlns="" w="9525">
+                <a14:hiddenLine xmlns="" xmlns:a14="http://schemas.microsoft.com/office/drawing/2010/main" w="9525">
                   <a:solidFill>
                     <a:srgbClr val="000000"/>
                   </a:solidFill>
@@ -3948,7 +3948,7 @@
             </a:ln>
             <a:extLst>
               <a:ext uri="{91240B29-F687-4f45-9708-019B960494DF}">
-                <a14:hiddenLine xmlns:a14="http://schemas.microsoft.com/office/drawing/2010/main" xmlns="" w="9525">
+                <a14:hiddenLine xmlns="" xmlns:a14="http://schemas.microsoft.com/office/drawing/2010/main" w="9525">
                   <a:solidFill>
                     <a:srgbClr val="000000"/>
                   </a:solidFill>
@@ -4010,7 +4010,7 @@
             </a:ln>
             <a:extLst>
               <a:ext uri="{91240B29-F687-4f45-9708-019B960494DF}">
-                <a14:hiddenLine xmlns:a14="http://schemas.microsoft.com/office/drawing/2010/main" xmlns="" w="9525">
+                <a14:hiddenLine xmlns="" xmlns:a14="http://schemas.microsoft.com/office/drawing/2010/main" w="9525">
                   <a:solidFill>
                     <a:srgbClr val="000000"/>
                   </a:solidFill>
@@ -4100,7 +4100,7 @@
             </a:ln>
             <a:extLst>
               <a:ext uri="{91240B29-F687-4f45-9708-019B960494DF}">
-                <a14:hiddenLine xmlns:a14="http://schemas.microsoft.com/office/drawing/2010/main" xmlns="" w="9525">
+                <a14:hiddenLine xmlns="" xmlns:a14="http://schemas.microsoft.com/office/drawing/2010/main" w="9525">
                   <a:solidFill>
                     <a:srgbClr val="000000"/>
                   </a:solidFill>
@@ -4190,7 +4190,7 @@
             </a:ln>
             <a:extLst>
               <a:ext uri="{91240B29-F687-4f45-9708-019B960494DF}">
-                <a14:hiddenLine xmlns:a14="http://schemas.microsoft.com/office/drawing/2010/main" xmlns="" w="9525">
+                <a14:hiddenLine xmlns="" xmlns:a14="http://schemas.microsoft.com/office/drawing/2010/main" w="9525">
                   <a:solidFill>
                     <a:srgbClr val="000000"/>
                   </a:solidFill>
@@ -4255,7 +4255,7 @@
             </a:ln>
             <a:extLst>
               <a:ext uri="{91240B29-F687-4f45-9708-019B960494DF}">
-                <a14:hiddenLine xmlns:a14="http://schemas.microsoft.com/office/drawing/2010/main" xmlns="" w="9525">
+                <a14:hiddenLine xmlns="" xmlns:a14="http://schemas.microsoft.com/office/drawing/2010/main" w="9525">
                   <a:solidFill>
                     <a:srgbClr val="000000"/>
                   </a:solidFill>
@@ -4317,7 +4317,7 @@
             </a:ln>
             <a:extLst>
               <a:ext uri="{91240B29-F687-4f45-9708-019B960494DF}">
-                <a14:hiddenLine xmlns:a14="http://schemas.microsoft.com/office/drawing/2010/main" xmlns="" w="9525">
+                <a14:hiddenLine xmlns="" xmlns:a14="http://schemas.microsoft.com/office/drawing/2010/main" w="9525">
                   <a:solidFill>
                     <a:srgbClr val="000000"/>
                   </a:solidFill>
@@ -4407,7 +4407,7 @@
             </a:ln>
             <a:extLst>
               <a:ext uri="{91240B29-F687-4f45-9708-019B960494DF}">
-                <a14:hiddenLine xmlns:a14="http://schemas.microsoft.com/office/drawing/2010/main" xmlns="" w="9525">
+                <a14:hiddenLine xmlns="" xmlns:a14="http://schemas.microsoft.com/office/drawing/2010/main" w="9525">
                   <a:solidFill>
                     <a:srgbClr val="000000"/>
                   </a:solidFill>
@@ -4497,7 +4497,7 @@
             </a:ln>
             <a:extLst>
               <a:ext uri="{91240B29-F687-4f45-9708-019B960494DF}">
-                <a14:hiddenLine xmlns:a14="http://schemas.microsoft.com/office/drawing/2010/main" xmlns="" w="9525">
+                <a14:hiddenLine xmlns="" xmlns:a14="http://schemas.microsoft.com/office/drawing/2010/main" w="9525">
                   <a:solidFill>
                     <a:srgbClr val="000000"/>
                   </a:solidFill>
@@ -4559,7 +4559,7 @@
             </a:ln>
             <a:extLst>
               <a:ext uri="{91240B29-F687-4f45-9708-019B960494DF}">
-                <a14:hiddenLine xmlns:a14="http://schemas.microsoft.com/office/drawing/2010/main" xmlns="" w="9525">
+                <a14:hiddenLine xmlns="" xmlns:a14="http://schemas.microsoft.com/office/drawing/2010/main" w="9525">
                   <a:solidFill>
                     <a:srgbClr val="000000"/>
                   </a:solidFill>
@@ -4679,7 +4679,7 @@
             </a:ln>
             <a:extLst>
               <a:ext uri="{91240B29-F687-4f45-9708-019B960494DF}">
-                <a14:hiddenLine xmlns:a14="http://schemas.microsoft.com/office/drawing/2010/main" xmlns="" w="9525">
+                <a14:hiddenLine xmlns="" xmlns:a14="http://schemas.microsoft.com/office/drawing/2010/main" w="9525">
                   <a:solidFill>
                     <a:srgbClr val="000000"/>
                   </a:solidFill>
@@ -4747,7 +4747,7 @@
             </a:ln>
             <a:extLst>
               <a:ext uri="{91240B29-F687-4f45-9708-019B960494DF}">
-                <a14:hiddenLine xmlns:a14="http://schemas.microsoft.com/office/drawing/2010/main" xmlns="" w="9525">
+                <a14:hiddenLine xmlns="" xmlns:a14="http://schemas.microsoft.com/office/drawing/2010/main" w="9525">
                   <a:solidFill>
                     <a:srgbClr val="000000"/>
                   </a:solidFill>
@@ -4837,7 +4837,7 @@
             </a:ln>
             <a:extLst>
               <a:ext uri="{91240B29-F687-4f45-9708-019B960494DF}">
-                <a14:hiddenLine xmlns:a14="http://schemas.microsoft.com/office/drawing/2010/main" xmlns="" w="9525">
+                <a14:hiddenLine xmlns="" xmlns:a14="http://schemas.microsoft.com/office/drawing/2010/main" w="9525">
                   <a:solidFill>
                     <a:srgbClr val="000000"/>
                   </a:solidFill>
@@ -4977,7 +4977,7 @@
           <a:p>
             <a:fld id="{F2013DA0-1F4F-AB4D-BDD1-D00A0674F0E1}" type="datetime1">
               <a:rPr lang="en-US" smtClean="0"/>
-              <a:t>5/7/19</a:t>
+              <a:t>5/7/2019</a:t>
             </a:fld>
             <a:endParaRPr lang="en-US" dirty="0"/>
           </a:p>
@@ -5243,7 +5243,7 @@
           <a:p>
             <a:fld id="{FB6A594E-BB04-5041-B9AF-1A359F91900A}" type="datetime1">
               <a:rPr lang="en-US" smtClean="0"/>
-              <a:t>5/7/19</a:t>
+              <a:t>5/7/2019</a:t>
             </a:fld>
             <a:endParaRPr lang="en-US" dirty="0"/>
           </a:p>
@@ -5438,7 +5438,7 @@
           <a:p>
             <a:fld id="{52B70790-91F6-B745-84FF-98CA15555DC1}" type="datetime1">
               <a:rPr lang="en-US" smtClean="0"/>
-              <a:t>5/7/19</a:t>
+              <a:t>5/7/2019</a:t>
             </a:fld>
             <a:endParaRPr lang="en-US" dirty="0"/>
           </a:p>
@@ -5700,7 +5700,7 @@
           <a:p>
             <a:fld id="{F67B41FC-EE4D-1D4D-9D95-4C287B4BD557}" type="datetime1">
               <a:rPr lang="en-US" smtClean="0"/>
-              <a:t>5/7/19</a:t>
+              <a:t>5/7/2019</a:t>
             </a:fld>
             <a:endParaRPr lang="en-US" dirty="0"/>
           </a:p>
@@ -6133,7 +6133,7 @@
           <a:p>
             <a:fld id="{446FDBA9-3225-2C4C-B87B-E94789D4F2B1}" type="datetime1">
               <a:rPr lang="en-US" smtClean="0"/>
-              <a:t>5/7/19</a:t>
+              <a:t>5/7/2019</a:t>
             </a:fld>
             <a:endParaRPr lang="en-US" dirty="0"/>
           </a:p>
@@ -6678,7 +6678,7 @@
           <a:p>
             <a:fld id="{4D426049-FF26-5F4F-826B-996E868A97EA}" type="datetime1">
               <a:rPr lang="en-US" smtClean="0"/>
-              <a:t>5/7/19</a:t>
+              <a:t>5/7/2019</a:t>
             </a:fld>
             <a:endParaRPr lang="en-US" dirty="0"/>
           </a:p>
@@ -7397,7 +7397,7 @@
           <a:p>
             <a:fld id="{A12434B6-EDE0-B54B-AE80-56F81890B1C7}" type="datetime1">
               <a:rPr lang="en-US" smtClean="0"/>
-              <a:t>5/7/19</a:t>
+              <a:t>5/7/2019</a:t>
             </a:fld>
             <a:endParaRPr lang="en-US" dirty="0"/>
           </a:p>
@@ -7566,7 +7566,7 @@
           <a:p>
             <a:fld id="{7C4A1F5E-E4E7-A14C-813C-DFA3BD6A4F00}" type="datetime1">
               <a:rPr lang="en-US" smtClean="0"/>
-              <a:t>5/7/19</a:t>
+              <a:t>5/7/2019</a:t>
             </a:fld>
             <a:endParaRPr lang="en-US" dirty="0"/>
           </a:p>
@@ -7745,7 +7745,7 @@
           <a:p>
             <a:fld id="{2E7F1859-941F-6744-BC8A-698E2276CA4C}" type="datetime1">
               <a:rPr lang="en-US" smtClean="0"/>
-              <a:t>5/7/19</a:t>
+              <a:t>5/7/2019</a:t>
             </a:fld>
             <a:endParaRPr lang="en-US" dirty="0"/>
           </a:p>
@@ -7914,7 +7914,7 @@
           <a:p>
             <a:fld id="{9DF3990C-9F6D-584A-95AA-C4DFD7FAB688}" type="datetime1">
               <a:rPr lang="en-US" smtClean="0"/>
-              <a:t>5/7/19</a:t>
+              <a:t>5/7/2019</a:t>
             </a:fld>
             <a:endParaRPr lang="en-US" dirty="0"/>
           </a:p>
@@ -8163,7 +8163,7 @@
           <a:p>
             <a:fld id="{1773896B-B81B-5745-90A3-26E1F133B736}" type="datetime1">
               <a:rPr lang="en-US" smtClean="0"/>
-              <a:t>5/7/19</a:t>
+              <a:t>5/7/2019</a:t>
             </a:fld>
             <a:endParaRPr lang="en-US" dirty="0"/>
           </a:p>
@@ -8394,7 +8394,7 @@
           <a:p>
             <a:fld id="{71993FAB-8060-E34E-A4FB-098198F777C3}" type="datetime1">
               <a:rPr lang="en-US" smtClean="0"/>
-              <a:t>5/7/19</a:t>
+              <a:t>5/7/2019</a:t>
             </a:fld>
             <a:endParaRPr lang="en-US" dirty="0"/>
           </a:p>
@@ -8774,7 +8774,7 @@
           <a:p>
             <a:fld id="{3FC7D512-CDF9-2748-AB7C-5397C44DBDA2}" type="datetime1">
               <a:rPr lang="en-US" smtClean="0"/>
-              <a:t>5/7/19</a:t>
+              <a:t>5/7/2019</a:t>
             </a:fld>
             <a:endParaRPr lang="en-US" dirty="0"/>
           </a:p>
@@ -8891,7 +8891,7 @@
           <a:p>
             <a:fld id="{33E0F903-F539-8643-B1F3-3D5A6FD64199}" type="datetime1">
               <a:rPr lang="en-US" smtClean="0"/>
-              <a:t>5/7/19</a:t>
+              <a:t>5/7/2019</a:t>
             </a:fld>
             <a:endParaRPr lang="en-US" dirty="0"/>
           </a:p>
@@ -8985,7 +8985,7 @@
           <a:p>
             <a:fld id="{4B40FFB0-8061-D541-B15B-C4FFEBA5E29D}" type="datetime1">
               <a:rPr lang="en-US" smtClean="0"/>
-              <a:t>5/7/19</a:t>
+              <a:t>5/7/2019</a:t>
             </a:fld>
             <a:endParaRPr lang="en-US" dirty="0"/>
           </a:p>
@@ -9233,7 +9233,7 @@
           <a:p>
             <a:fld id="{A5AFF6FA-B649-9849-BB6E-38175908BD1A}" type="datetime1">
               <a:rPr lang="en-US" smtClean="0"/>
-              <a:t>5/7/19</a:t>
+              <a:t>5/7/2019</a:t>
             </a:fld>
             <a:endParaRPr lang="en-US" dirty="0"/>
           </a:p>
@@ -9512,7 +9512,7 @@
           <a:p>
             <a:fld id="{8B43E1AE-3C9F-1345-862B-C4968DED54CF}" type="datetime1">
               <a:rPr lang="en-US" smtClean="0"/>
-              <a:t>5/7/19</a:t>
+              <a:t>5/7/2019</a:t>
             </a:fld>
             <a:endParaRPr lang="en-US" dirty="0"/>
           </a:p>
@@ -9634,7 +9634,7 @@
           <a:noFill/>
           <a:extLst>
             <a:ext uri="{909E8E84-426E-40dd-AFC4-6F175D3DCCD1}">
-              <a14:hiddenFill xmlns:a14="http://schemas.microsoft.com/office/drawing/2010/main" xmlns="">
+              <a14:hiddenFill xmlns="" xmlns:a14="http://schemas.microsoft.com/office/drawing/2010/main">
                 <a:solidFill>
                   <a:srgbClr val="FFFFFF"/>
                 </a:solidFill>
@@ -9708,7 +9708,7 @@
               </a:ln>
               <a:extLst>
                 <a:ext uri="{91240B29-F687-4f45-9708-019B960494DF}">
-                  <a14:hiddenLine xmlns:a14="http://schemas.microsoft.com/office/drawing/2010/main" xmlns="" w="9525">
+                  <a14:hiddenLine xmlns="" xmlns:a14="http://schemas.microsoft.com/office/drawing/2010/main" w="9525">
                     <a:solidFill>
                       <a:srgbClr val="000000"/>
                     </a:solidFill>
@@ -9798,7 +9798,7 @@
               </a:ln>
               <a:extLst>
                 <a:ext uri="{91240B29-F687-4f45-9708-019B960494DF}">
-                  <a14:hiddenLine xmlns:a14="http://schemas.microsoft.com/office/drawing/2010/main" xmlns="" w="9525">
+                  <a14:hiddenLine xmlns="" xmlns:a14="http://schemas.microsoft.com/office/drawing/2010/main" w="9525">
                     <a:solidFill>
                       <a:srgbClr val="000000"/>
                     </a:solidFill>
@@ -9888,7 +9888,7 @@
               </a:ln>
               <a:extLst>
                 <a:ext uri="{91240B29-F687-4f45-9708-019B960494DF}">
-                  <a14:hiddenLine xmlns:a14="http://schemas.microsoft.com/office/drawing/2010/main" xmlns="" w="9525">
+                  <a14:hiddenLine xmlns="" xmlns:a14="http://schemas.microsoft.com/office/drawing/2010/main" w="9525">
                     <a:solidFill>
                       <a:srgbClr val="000000"/>
                     </a:solidFill>
@@ -9950,7 +9950,7 @@
               </a:ln>
               <a:extLst>
                 <a:ext uri="{91240B29-F687-4f45-9708-019B960494DF}">
-                  <a14:hiddenLine xmlns:a14="http://schemas.microsoft.com/office/drawing/2010/main" xmlns="" w="9525">
+                  <a14:hiddenLine xmlns="" xmlns:a14="http://schemas.microsoft.com/office/drawing/2010/main" w="9525">
                     <a:solidFill>
                       <a:srgbClr val="000000"/>
                     </a:solidFill>
@@ -10040,7 +10040,7 @@
               </a:ln>
               <a:extLst>
                 <a:ext uri="{91240B29-F687-4f45-9708-019B960494DF}">
-                  <a14:hiddenLine xmlns:a14="http://schemas.microsoft.com/office/drawing/2010/main" xmlns="" w="9525">
+                  <a14:hiddenLine xmlns="" xmlns:a14="http://schemas.microsoft.com/office/drawing/2010/main" w="9525">
                     <a:solidFill>
                       <a:srgbClr val="000000"/>
                     </a:solidFill>
@@ -10102,7 +10102,7 @@
               </a:ln>
               <a:extLst>
                 <a:ext uri="{91240B29-F687-4f45-9708-019B960494DF}">
-                  <a14:hiddenLine xmlns:a14="http://schemas.microsoft.com/office/drawing/2010/main" xmlns="" w="9525">
+                  <a14:hiddenLine xmlns="" xmlns:a14="http://schemas.microsoft.com/office/drawing/2010/main" w="9525">
                     <a:solidFill>
                       <a:srgbClr val="000000"/>
                     </a:solidFill>
@@ -10164,7 +10164,7 @@
               </a:ln>
               <a:extLst>
                 <a:ext uri="{91240B29-F687-4f45-9708-019B960494DF}">
-                  <a14:hiddenLine xmlns:a14="http://schemas.microsoft.com/office/drawing/2010/main" xmlns="" w="9525">
+                  <a14:hiddenLine xmlns="" xmlns:a14="http://schemas.microsoft.com/office/drawing/2010/main" w="9525">
                     <a:solidFill>
                       <a:srgbClr val="000000"/>
                     </a:solidFill>
@@ -10254,7 +10254,7 @@
               </a:ln>
               <a:extLst>
                 <a:ext uri="{91240B29-F687-4f45-9708-019B960494DF}">
-                  <a14:hiddenLine xmlns:a14="http://schemas.microsoft.com/office/drawing/2010/main" xmlns="" w="9525">
+                  <a14:hiddenLine xmlns="" xmlns:a14="http://schemas.microsoft.com/office/drawing/2010/main" w="9525">
                     <a:solidFill>
                       <a:srgbClr val="000000"/>
                     </a:solidFill>
@@ -10344,7 +10344,7 @@
               </a:ln>
               <a:extLst>
                 <a:ext uri="{91240B29-F687-4f45-9708-019B960494DF}">
-                  <a14:hiddenLine xmlns:a14="http://schemas.microsoft.com/office/drawing/2010/main" xmlns="" w="9525">
+                  <a14:hiddenLine xmlns="" xmlns:a14="http://schemas.microsoft.com/office/drawing/2010/main" w="9525">
                     <a:solidFill>
                       <a:srgbClr val="000000"/>
                     </a:solidFill>
@@ -10406,7 +10406,7 @@
               </a:ln>
               <a:extLst>
                 <a:ext uri="{91240B29-F687-4f45-9708-019B960494DF}">
-                  <a14:hiddenLine xmlns:a14="http://schemas.microsoft.com/office/drawing/2010/main" xmlns="" w="9525">
+                  <a14:hiddenLine xmlns="" xmlns:a14="http://schemas.microsoft.com/office/drawing/2010/main" w="9525">
                     <a:solidFill>
                       <a:srgbClr val="000000"/>
                     </a:solidFill>
@@ -10516,7 +10516,7 @@
               </a:ln>
               <a:extLst>
                 <a:ext uri="{91240B29-F687-4f45-9708-019B960494DF}">
-                  <a14:hiddenLine xmlns:a14="http://schemas.microsoft.com/office/drawing/2010/main" xmlns="" w="9525">
+                  <a14:hiddenLine xmlns="" xmlns:a14="http://schemas.microsoft.com/office/drawing/2010/main" w="9525">
                     <a:solidFill>
                       <a:srgbClr val="000000"/>
                     </a:solidFill>
@@ -10600,7 +10600,7 @@
               </a:ln>
               <a:extLst>
                 <a:ext uri="{91240B29-F687-4f45-9708-019B960494DF}">
-                  <a14:hiddenLine xmlns:a14="http://schemas.microsoft.com/office/drawing/2010/main" xmlns="" w="9525">
+                  <a14:hiddenLine xmlns="" xmlns:a14="http://schemas.microsoft.com/office/drawing/2010/main" w="9525">
                     <a:solidFill>
                       <a:srgbClr val="000000"/>
                     </a:solidFill>
@@ -10662,7 +10662,7 @@
               </a:ln>
               <a:extLst>
                 <a:ext uri="{91240B29-F687-4f45-9708-019B960494DF}">
-                  <a14:hiddenLine xmlns:a14="http://schemas.microsoft.com/office/drawing/2010/main" xmlns="" w="9525">
+                  <a14:hiddenLine xmlns="" xmlns:a14="http://schemas.microsoft.com/office/drawing/2010/main" w="9525">
                     <a:solidFill>
                       <a:srgbClr val="000000"/>
                     </a:solidFill>
@@ -10724,7 +10724,7 @@
               </a:ln>
               <a:extLst>
                 <a:ext uri="{91240B29-F687-4f45-9708-019B960494DF}">
-                  <a14:hiddenLine xmlns:a14="http://schemas.microsoft.com/office/drawing/2010/main" xmlns="" w="9525">
+                  <a14:hiddenLine xmlns="" xmlns:a14="http://schemas.microsoft.com/office/drawing/2010/main" w="9525">
                     <a:solidFill>
                       <a:srgbClr val="000000"/>
                     </a:solidFill>
@@ -10814,7 +10814,7 @@
               </a:ln>
               <a:extLst>
                 <a:ext uri="{91240B29-F687-4f45-9708-019B960494DF}">
-                  <a14:hiddenLine xmlns:a14="http://schemas.microsoft.com/office/drawing/2010/main" xmlns="" w="9525">
+                  <a14:hiddenLine xmlns="" xmlns:a14="http://schemas.microsoft.com/office/drawing/2010/main" w="9525">
                     <a:solidFill>
                       <a:srgbClr val="000000"/>
                     </a:solidFill>
@@ -10848,7 +10848,7 @@
               </a:ln>
               <a:extLst>
                 <a:ext uri="{91240B29-F687-4f45-9708-019B960494DF}">
-                  <a14:hiddenLine xmlns:a14="http://schemas.microsoft.com/office/drawing/2010/main" xmlns="" w="9525">
+                  <a14:hiddenLine xmlns="" xmlns:a14="http://schemas.microsoft.com/office/drawing/2010/main" w="9525">
                     <a:solidFill>
                       <a:srgbClr val="000000"/>
                     </a:solidFill>
@@ -10913,7 +10913,7 @@
               </a:ln>
               <a:extLst>
                 <a:ext uri="{91240B29-F687-4f45-9708-019B960494DF}">
-                  <a14:hiddenLine xmlns:a14="http://schemas.microsoft.com/office/drawing/2010/main" xmlns="" w="9525">
+                  <a14:hiddenLine xmlns="" xmlns:a14="http://schemas.microsoft.com/office/drawing/2010/main" w="9525">
                     <a:solidFill>
                       <a:srgbClr val="000000"/>
                     </a:solidFill>
@@ -11003,7 +11003,7 @@
               </a:ln>
               <a:extLst>
                 <a:ext uri="{91240B29-F687-4f45-9708-019B960494DF}">
-                  <a14:hiddenLine xmlns:a14="http://schemas.microsoft.com/office/drawing/2010/main" xmlns="" w="9525">
+                  <a14:hiddenLine xmlns="" xmlns:a14="http://schemas.microsoft.com/office/drawing/2010/main" w="9525">
                     <a:solidFill>
                       <a:srgbClr val="000000"/>
                     </a:solidFill>
@@ -11065,7 +11065,7 @@
               </a:ln>
               <a:extLst>
                 <a:ext uri="{91240B29-F687-4f45-9708-019B960494DF}">
-                  <a14:hiddenLine xmlns:a14="http://schemas.microsoft.com/office/drawing/2010/main" xmlns="" w="9525">
+                  <a14:hiddenLine xmlns="" xmlns:a14="http://schemas.microsoft.com/office/drawing/2010/main" w="9525">
                     <a:solidFill>
                       <a:srgbClr val="000000"/>
                     </a:solidFill>
@@ -11155,7 +11155,7 @@
               </a:ln>
               <a:extLst>
                 <a:ext uri="{91240B29-F687-4f45-9708-019B960494DF}">
-                  <a14:hiddenLine xmlns:a14="http://schemas.microsoft.com/office/drawing/2010/main" xmlns="" w="9525">
+                  <a14:hiddenLine xmlns="" xmlns:a14="http://schemas.microsoft.com/office/drawing/2010/main" w="9525">
                     <a:solidFill>
                       <a:srgbClr val="000000"/>
                     </a:solidFill>
@@ -11220,7 +11220,7 @@
               </a:ln>
               <a:extLst>
                 <a:ext uri="{91240B29-F687-4f45-9708-019B960494DF}">
-                  <a14:hiddenLine xmlns:a14="http://schemas.microsoft.com/office/drawing/2010/main" xmlns="" w="9525">
+                  <a14:hiddenLine xmlns="" xmlns:a14="http://schemas.microsoft.com/office/drawing/2010/main" w="9525">
                     <a:solidFill>
                       <a:srgbClr val="000000"/>
                     </a:solidFill>
@@ -11282,7 +11282,7 @@
               </a:ln>
               <a:extLst>
                 <a:ext uri="{91240B29-F687-4f45-9708-019B960494DF}">
-                  <a14:hiddenLine xmlns:a14="http://schemas.microsoft.com/office/drawing/2010/main" xmlns="" w="9525">
+                  <a14:hiddenLine xmlns="" xmlns:a14="http://schemas.microsoft.com/office/drawing/2010/main" w="9525">
                     <a:solidFill>
                       <a:srgbClr val="000000"/>
                     </a:solidFill>
@@ -11372,7 +11372,7 @@
               </a:ln>
               <a:extLst>
                 <a:ext uri="{91240B29-F687-4f45-9708-019B960494DF}">
-                  <a14:hiddenLine xmlns:a14="http://schemas.microsoft.com/office/drawing/2010/main" xmlns="" w="9525">
+                  <a14:hiddenLine xmlns="" xmlns:a14="http://schemas.microsoft.com/office/drawing/2010/main" w="9525">
                     <a:solidFill>
                       <a:srgbClr val="000000"/>
                     </a:solidFill>
@@ -11462,7 +11462,7 @@
               </a:ln>
               <a:extLst>
                 <a:ext uri="{91240B29-F687-4f45-9708-019B960494DF}">
-                  <a14:hiddenLine xmlns:a14="http://schemas.microsoft.com/office/drawing/2010/main" xmlns="" w="9525">
+                  <a14:hiddenLine xmlns="" xmlns:a14="http://schemas.microsoft.com/office/drawing/2010/main" w="9525">
                     <a:solidFill>
                       <a:srgbClr val="000000"/>
                     </a:solidFill>
@@ -11527,7 +11527,7 @@
               </a:ln>
               <a:extLst>
                 <a:ext uri="{91240B29-F687-4f45-9708-019B960494DF}">
-                  <a14:hiddenLine xmlns:a14="http://schemas.microsoft.com/office/drawing/2010/main" xmlns="" w="9525">
+                  <a14:hiddenLine xmlns="" xmlns:a14="http://schemas.microsoft.com/office/drawing/2010/main" w="9525">
                     <a:solidFill>
                       <a:srgbClr val="000000"/>
                     </a:solidFill>
@@ -11647,7 +11647,7 @@
               </a:ln>
               <a:extLst>
                 <a:ext uri="{91240B29-F687-4f45-9708-019B960494DF}">
-                  <a14:hiddenLine xmlns:a14="http://schemas.microsoft.com/office/drawing/2010/main" xmlns="" w="9525">
+                  <a14:hiddenLine xmlns="" xmlns:a14="http://schemas.microsoft.com/office/drawing/2010/main" w="9525">
                     <a:solidFill>
                       <a:srgbClr val="000000"/>
                     </a:solidFill>
@@ -11728,7 +11728,7 @@
               </a:ln>
               <a:extLst>
                 <a:ext uri="{91240B29-F687-4f45-9708-019B960494DF}">
-                  <a14:hiddenLine xmlns:a14="http://schemas.microsoft.com/office/drawing/2010/main" xmlns="" w="9525">
+                  <a14:hiddenLine xmlns="" xmlns:a14="http://schemas.microsoft.com/office/drawing/2010/main" w="9525">
                     <a:solidFill>
                       <a:srgbClr val="000000"/>
                     </a:solidFill>
@@ -11843,7 +11843,7 @@
               </a:ln>
               <a:extLst>
                 <a:ext uri="{91240B29-F687-4f45-9708-019B960494DF}">
-                  <a14:hiddenLine xmlns:a14="http://schemas.microsoft.com/office/drawing/2010/main" xmlns="" w="9525">
+                  <a14:hiddenLine xmlns="" xmlns:a14="http://schemas.microsoft.com/office/drawing/2010/main" w="9525">
                     <a:solidFill>
                       <a:srgbClr val="000000"/>
                     </a:solidFill>
@@ -11933,7 +11933,7 @@
               </a:ln>
               <a:extLst>
                 <a:ext uri="{91240B29-F687-4f45-9708-019B960494DF}">
-                  <a14:hiddenLine xmlns:a14="http://schemas.microsoft.com/office/drawing/2010/main" xmlns="" w="9525">
+                  <a14:hiddenLine xmlns="" xmlns:a14="http://schemas.microsoft.com/office/drawing/2010/main" w="9525">
                     <a:solidFill>
                       <a:srgbClr val="000000"/>
                     </a:solidFill>
@@ -11998,7 +11998,7 @@
               </a:ln>
               <a:extLst>
                 <a:ext uri="{91240B29-F687-4f45-9708-019B960494DF}">
-                  <a14:hiddenLine xmlns:a14="http://schemas.microsoft.com/office/drawing/2010/main" xmlns="" w="9525">
+                  <a14:hiddenLine xmlns="" xmlns:a14="http://schemas.microsoft.com/office/drawing/2010/main" w="9525">
                     <a:solidFill>
                       <a:srgbClr val="000000"/>
                     </a:solidFill>
@@ -12088,7 +12088,7 @@
               </a:ln>
               <a:extLst>
                 <a:ext uri="{91240B29-F687-4f45-9708-019B960494DF}">
-                  <a14:hiddenLine xmlns:a14="http://schemas.microsoft.com/office/drawing/2010/main" xmlns="" w="9525">
+                  <a14:hiddenLine xmlns="" xmlns:a14="http://schemas.microsoft.com/office/drawing/2010/main" w="9525">
                     <a:solidFill>
                       <a:srgbClr val="000000"/>
                     </a:solidFill>
@@ -12156,7 +12156,7 @@
               </a:ln>
               <a:extLst>
                 <a:ext uri="{91240B29-F687-4f45-9708-019B960494DF}">
-                  <a14:hiddenLine xmlns:a14="http://schemas.microsoft.com/office/drawing/2010/main" xmlns="" w="9525">
+                  <a14:hiddenLine xmlns="" xmlns:a14="http://schemas.microsoft.com/office/drawing/2010/main" w="9525">
                     <a:solidFill>
                       <a:srgbClr val="000000"/>
                     </a:solidFill>
@@ -12246,7 +12246,7 @@
               </a:ln>
               <a:extLst>
                 <a:ext uri="{91240B29-F687-4f45-9708-019B960494DF}">
-                  <a14:hiddenLine xmlns:a14="http://schemas.microsoft.com/office/drawing/2010/main" xmlns="" w="9525">
+                  <a14:hiddenLine xmlns="" xmlns:a14="http://schemas.microsoft.com/office/drawing/2010/main" w="9525">
                     <a:solidFill>
                       <a:srgbClr val="000000"/>
                     </a:solidFill>
@@ -12314,7 +12314,7 @@
               </a:ln>
               <a:extLst>
                 <a:ext uri="{91240B29-F687-4f45-9708-019B960494DF}">
-                  <a14:hiddenLine xmlns:a14="http://schemas.microsoft.com/office/drawing/2010/main" xmlns="" w="9525">
+                  <a14:hiddenLine xmlns="" xmlns:a14="http://schemas.microsoft.com/office/drawing/2010/main" w="9525">
                     <a:solidFill>
                       <a:srgbClr val="000000"/>
                     </a:solidFill>
@@ -12404,7 +12404,7 @@
               </a:ln>
               <a:extLst>
                 <a:ext uri="{91240B29-F687-4f45-9708-019B960494DF}">
-                  <a14:hiddenLine xmlns:a14="http://schemas.microsoft.com/office/drawing/2010/main" xmlns="" w="9525">
+                  <a14:hiddenLine xmlns="" xmlns:a14="http://schemas.microsoft.com/office/drawing/2010/main" w="9525">
                     <a:solidFill>
                       <a:srgbClr val="000000"/>
                     </a:solidFill>
@@ -12438,7 +12438,7 @@
               </a:ln>
               <a:extLst>
                 <a:ext uri="{91240B29-F687-4f45-9708-019B960494DF}">
-                  <a14:hiddenLine xmlns:a14="http://schemas.microsoft.com/office/drawing/2010/main" xmlns="" w="9525">
+                  <a14:hiddenLine xmlns="" xmlns:a14="http://schemas.microsoft.com/office/drawing/2010/main" w="9525">
                     <a:solidFill>
                       <a:srgbClr val="000000"/>
                     </a:solidFill>
@@ -12578,7 +12578,7 @@
           <a:p>
             <a:fld id="{2C8EFD19-4979-9245-B20B-91CE25B8D0D8}" type="datetime1">
               <a:rPr lang="en-US" smtClean="0"/>
-              <a:t>5/7/19</a:t>
+              <a:t>5/7/2019</a:t>
             </a:fld>
             <a:endParaRPr lang="en-US" dirty="0"/>
           </a:p>
@@ -13225,20 +13225,36 @@
           <a:p>
             <a:r>
               <a:rPr lang="en-US" dirty="0"/>
-              <a:t>Containers by design do not need root to execute</a:t>
-            </a:r>
-          </a:p>
-          <a:p>
+              <a:t>Linux containers do not need root to execute (</a:t>
+            </a:r>
+            <a:r>
+              <a:rPr lang="en-US" dirty="0" err="1"/>
+              <a:t>Priedhorsky</a:t>
+            </a:r>
             <a:r>
               <a:rPr lang="en-US" dirty="0"/>
-              <a:t>Some tools provide services to users that need root</a:t>
+              <a:t> &amp; </a:t>
+            </a:r>
+            <a:r>
+              <a:rPr lang="en-US" dirty="0" err="1"/>
+              <a:t>Randles</a:t>
+            </a:r>
+            <a:r>
+              <a:rPr lang="en-US" dirty="0"/>
+              <a:t>, 2017)</a:t>
+            </a:r>
+          </a:p>
+          <a:p>
+            <a:r>
+              <a:rPr lang="en-US" dirty="0"/>
+              <a:t>Some tools provide services to users that need root (Le &amp; Paz, 2017)</a:t>
             </a:r>
           </a:p>
           <a:p>
             <a:pPr lvl="1"/>
             <a:r>
               <a:rPr lang="en-US" dirty="0"/>
-              <a:t>Uses a root-level process to start user containers</a:t>
+              <a:t>Uses a root-level process to start user containers </a:t>
             </a:r>
           </a:p>
           <a:p>
@@ -13301,10 +13317,10 @@
       </p:sp>
       <p:sp>
         <p:nvSpPr>
-          <p:cNvPr id="6" name="TextBox 5">
+          <p:cNvPr id="7" name="TextBox 6">
             <a:extLst>
               <a:ext uri="{FF2B5EF4-FFF2-40B4-BE49-F238E27FC236}">
-                <a16:creationId xmlns:a16="http://schemas.microsoft.com/office/drawing/2014/main" id="{685FD151-4753-2D40-AC6B-35D664F0C9F1}"/>
+                <a16:creationId xmlns:a16="http://schemas.microsoft.com/office/drawing/2014/main" id="{C5544D9E-E0E2-4A95-9E15-B2AB2AAF1F2C}"/>
               </a:ext>
             </a:extLst>
           </p:cNvPr>
@@ -13313,8 +13329,8 @@
         </p:nvSpPr>
         <p:spPr>
           <a:xfrm>
-            <a:off x="10522084" y="18574"/>
-            <a:ext cx="1669916" cy="369332"/>
+            <a:off x="10398868" y="18574"/>
+            <a:ext cx="1793132" cy="369332"/>
           </a:xfrm>
           <a:prstGeom prst="rect">
             <a:avLst/>
@@ -13329,7 +13345,7 @@
           <a:p>
             <a:r>
               <a:rPr lang="en-US" dirty="0"/>
-              <a:t>LA-UR-11-1111</a:t>
+              <a:t>LA-UR-19-24149</a:t>
             </a:r>
           </a:p>
         </p:txBody>
@@ -13420,7 +13436,7 @@
           <a:p>
             <a:r>
               <a:rPr lang="en-US" dirty="0"/>
-              <a:t>Some tools require root for running containers</a:t>
+              <a:t>Some tools require root-level access in some form for running containers</a:t>
             </a:r>
           </a:p>
           <a:p>
@@ -13434,14 +13450,14 @@
             <a:pPr lvl="1"/>
             <a:r>
               <a:rPr lang="en-US" dirty="0"/>
-              <a:t>Singularity</a:t>
+              <a:t>Singularity </a:t>
             </a:r>
           </a:p>
           <a:p>
             <a:pPr lvl="1"/>
             <a:r>
               <a:rPr lang="en-US" dirty="0"/>
-              <a:t>Shifter</a:t>
+              <a:t>Shifter </a:t>
             </a:r>
           </a:p>
           <a:p>
@@ -13490,10 +13506,10 @@
       </p:sp>
       <p:sp>
         <p:nvSpPr>
-          <p:cNvPr id="6" name="TextBox 5">
+          <p:cNvPr id="8" name="TextBox 7">
             <a:extLst>
               <a:ext uri="{FF2B5EF4-FFF2-40B4-BE49-F238E27FC236}">
-                <a16:creationId xmlns:a16="http://schemas.microsoft.com/office/drawing/2014/main" id="{124E9D0D-A5C2-6F43-8B4E-AE8E76E1C724}"/>
+                <a16:creationId xmlns:a16="http://schemas.microsoft.com/office/drawing/2014/main" id="{5B65556C-831E-44DF-9F51-1B75B0D95D91}"/>
               </a:ext>
             </a:extLst>
           </p:cNvPr>
@@ -13502,8 +13518,8 @@
         </p:nvSpPr>
         <p:spPr>
           <a:xfrm>
-            <a:off x="10522084" y="18574"/>
-            <a:ext cx="1669916" cy="369332"/>
+            <a:off x="10398868" y="18574"/>
+            <a:ext cx="1793132" cy="369332"/>
           </a:xfrm>
           <a:prstGeom prst="rect">
             <a:avLst/>
@@ -13518,7 +13534,7 @@
           <a:p>
             <a:r>
               <a:rPr lang="en-US" dirty="0"/>
-              <a:t>LA-UR-11-1111</a:t>
+              <a:t>LA-UR-19-24149</a:t>
             </a:r>
           </a:p>
         </p:txBody>
@@ -13599,7 +13615,9 @@
         </p:nvSpPr>
         <p:spPr/>
         <p:txBody>
-          <a:bodyPr/>
+          <a:bodyPr>
+            <a:normAutofit fontScale="92500" lnSpcReduction="10000"/>
+          </a:bodyPr>
           <a:lstStyle/>
           <a:p>
             <a:r>
@@ -13616,7 +13634,51 @@
           <a:p>
             <a:r>
               <a:rPr lang="en-US" dirty="0"/>
-              <a:t>Docker containers are exported to a compressed tar file, then unpacked to memory on each node</a:t>
+              <a:t>Docker containers are exported to a compressed tar file, then unpacked to memory on each node. This workflow is supported, but not required.</a:t>
+            </a:r>
+          </a:p>
+          <a:p>
+            <a:r>
+              <a:rPr lang="en-US" dirty="0"/>
+              <a:t>Provides tools for using some special HPC hardware (</a:t>
+            </a:r>
+            <a:r>
+              <a:rPr lang="en-US" dirty="0" err="1"/>
+              <a:t>Priedhorsky</a:t>
+            </a:r>
+            <a:r>
+              <a:rPr lang="en-US" dirty="0"/>
+              <a:t> &amp; </a:t>
+            </a:r>
+            <a:r>
+              <a:rPr lang="en-US" dirty="0" err="1"/>
+              <a:t>Randles</a:t>
+            </a:r>
+            <a:r>
+              <a:rPr lang="en-US" dirty="0"/>
+              <a:t>, 2017)</a:t>
+            </a:r>
+          </a:p>
+          <a:p>
+            <a:r>
+              <a:rPr lang="en-US" dirty="0"/>
+              <a:t>Uses host network stack instead of network namespaces (</a:t>
+            </a:r>
+            <a:r>
+              <a:rPr lang="en-US" dirty="0" err="1"/>
+              <a:t>Priedhorsky</a:t>
+            </a:r>
+            <a:r>
+              <a:rPr lang="en-US" dirty="0"/>
+              <a:t> &amp; </a:t>
+            </a:r>
+            <a:r>
+              <a:rPr lang="en-US" dirty="0" err="1"/>
+              <a:t>Randles</a:t>
+            </a:r>
+            <a:r>
+              <a:rPr lang="en-US" dirty="0"/>
+              <a:t>, 2017)</a:t>
             </a:r>
           </a:p>
         </p:txBody>
@@ -13652,10 +13714,10 @@
       </p:sp>
       <p:sp>
         <p:nvSpPr>
-          <p:cNvPr id="6" name="TextBox 5">
+          <p:cNvPr id="7" name="TextBox 6">
             <a:extLst>
               <a:ext uri="{FF2B5EF4-FFF2-40B4-BE49-F238E27FC236}">
-                <a16:creationId xmlns:a16="http://schemas.microsoft.com/office/drawing/2014/main" id="{D015D2C0-9B36-BF40-A478-A4A96B994EBC}"/>
+                <a16:creationId xmlns:a16="http://schemas.microsoft.com/office/drawing/2014/main" id="{97D4AD1E-9727-48E6-8545-ED3242021BE2}"/>
               </a:ext>
             </a:extLst>
           </p:cNvPr>
@@ -13664,8 +13726,8 @@
         </p:nvSpPr>
         <p:spPr>
           <a:xfrm>
-            <a:off x="10522084" y="18574"/>
-            <a:ext cx="1669916" cy="369332"/>
+            <a:off x="10398868" y="18574"/>
+            <a:ext cx="1793132" cy="369332"/>
           </a:xfrm>
           <a:prstGeom prst="rect">
             <a:avLst/>
@@ -13680,7 +13742,7 @@
           <a:p>
             <a:r>
               <a:rPr lang="en-US" dirty="0"/>
-              <a:t>LA-UR-11-1111</a:t>
+              <a:t>LA-UR-19-24149</a:t>
             </a:r>
           </a:p>
         </p:txBody>
@@ -13789,7 +13851,7 @@
             <a:pPr lvl="1"/>
             <a:r>
               <a:rPr lang="en-US" dirty="0"/>
-              <a:t>Only copies necessary files instead of the whole container, using less memory</a:t>
+              <a:t>Only reads necessary files instead of the whole container, using less memory</a:t>
             </a:r>
           </a:p>
         </p:txBody>
@@ -13825,10 +13887,10 @@
       </p:sp>
       <p:sp>
         <p:nvSpPr>
-          <p:cNvPr id="6" name="TextBox 5">
+          <p:cNvPr id="7" name="TextBox 6">
             <a:extLst>
               <a:ext uri="{FF2B5EF4-FFF2-40B4-BE49-F238E27FC236}">
-                <a16:creationId xmlns:a16="http://schemas.microsoft.com/office/drawing/2014/main" id="{9307E651-E931-474A-AAFA-E72ED079983A}"/>
+                <a16:creationId xmlns:a16="http://schemas.microsoft.com/office/drawing/2014/main" id="{D9289183-8C84-470F-A476-649EEC2999D2}"/>
               </a:ext>
             </a:extLst>
           </p:cNvPr>
@@ -13837,8 +13899,8 @@
         </p:nvSpPr>
         <p:spPr>
           <a:xfrm>
-            <a:off x="10522084" y="18574"/>
-            <a:ext cx="1669916" cy="369332"/>
+            <a:off x="10398868" y="18574"/>
+            <a:ext cx="1793132" cy="369332"/>
           </a:xfrm>
           <a:prstGeom prst="rect">
             <a:avLst/>
@@ -13853,7 +13915,7 @@
           <a:p>
             <a:r>
               <a:rPr lang="en-US" dirty="0"/>
-              <a:t>LA-UR-11-1111</a:t>
+              <a:t>LA-UR-19-24149</a:t>
             </a:r>
           </a:p>
         </p:txBody>
@@ -13965,13 +14027,13 @@
           <a:p>
             <a:r>
               <a:rPr lang="en-US" dirty="0"/>
-              <a:t>Proven to be fast and efficient for containers in HPC</a:t>
+              <a:t>Proven to be fast and efficient for containers in HPC (Gerhardt et al., 2017)</a:t>
             </a:r>
           </a:p>
           <a:p>
             <a:r>
               <a:rPr lang="en-US" dirty="0"/>
-              <a:t>Hosted on an existing network filesystem like Lustre</a:t>
+              <a:t>Hosted on an existing network filesystem like Lustre (Gerhardt et al., 2017)</a:t>
             </a:r>
           </a:p>
         </p:txBody>
@@ -14007,10 +14069,10 @@
       </p:sp>
       <p:sp>
         <p:nvSpPr>
-          <p:cNvPr id="6" name="TextBox 5">
+          <p:cNvPr id="7" name="TextBox 6">
             <a:extLst>
               <a:ext uri="{FF2B5EF4-FFF2-40B4-BE49-F238E27FC236}">
-                <a16:creationId xmlns:a16="http://schemas.microsoft.com/office/drawing/2014/main" id="{5113BFCD-FC59-FF4B-9EC2-3A42E4F5F476}"/>
+                <a16:creationId xmlns:a16="http://schemas.microsoft.com/office/drawing/2014/main" id="{3018DC10-B428-4E7C-8DB2-4D622B9EA419}"/>
               </a:ext>
             </a:extLst>
           </p:cNvPr>
@@ -14019,8 +14081,8 @@
         </p:nvSpPr>
         <p:spPr>
           <a:xfrm>
-            <a:off x="10522084" y="18574"/>
-            <a:ext cx="1669916" cy="369332"/>
+            <a:off x="10398868" y="18574"/>
+            <a:ext cx="1793132" cy="369332"/>
           </a:xfrm>
           <a:prstGeom prst="rect">
             <a:avLst/>
@@ -14035,7 +14097,7 @@
           <a:p>
             <a:r>
               <a:rPr lang="en-US" dirty="0"/>
-              <a:t>LA-UR-11-1111</a:t>
+              <a:t>LA-UR-19-24149</a:t>
             </a:r>
           </a:p>
         </p:txBody>
@@ -14205,7 +14267,7 @@
         </p:spPr>
         <p:txBody>
           <a:bodyPr>
-            <a:normAutofit/>
+            <a:normAutofit fontScale="92500"/>
           </a:bodyPr>
           <a:lstStyle/>
           <a:p>
@@ -14223,7 +14285,15 @@
           <a:p>
             <a:r>
               <a:rPr lang="en-US" dirty="0"/>
-              <a:t>FUSE is generally considered to add overhead</a:t>
+              <a:t>FUSE is generally considered to add overhead (</a:t>
+            </a:r>
+            <a:r>
+              <a:rPr lang="en-US" dirty="0" err="1"/>
+              <a:t>Vangoor</a:t>
+            </a:r>
+            <a:r>
+              <a:rPr lang="en-US" dirty="0"/>
+              <a:t>, Tarasov, &amp; Zadok, n.d.)</a:t>
             </a:r>
           </a:p>
         </p:txBody>
@@ -14259,10 +14329,10 @@
       </p:sp>
       <p:sp>
         <p:nvSpPr>
-          <p:cNvPr id="7" name="TextBox 6">
+          <p:cNvPr id="8" name="TextBox 7">
             <a:extLst>
               <a:ext uri="{FF2B5EF4-FFF2-40B4-BE49-F238E27FC236}">
-                <a16:creationId xmlns:a16="http://schemas.microsoft.com/office/drawing/2014/main" id="{DD8D0D6D-72DF-5343-8FE4-49CA3EA7739D}"/>
+                <a16:creationId xmlns:a16="http://schemas.microsoft.com/office/drawing/2014/main" id="{42DB3106-0944-4B97-985F-293B09451F0A}"/>
               </a:ext>
             </a:extLst>
           </p:cNvPr>
@@ -14271,8 +14341,8 @@
         </p:nvSpPr>
         <p:spPr>
           <a:xfrm>
-            <a:off x="10522084" y="18574"/>
-            <a:ext cx="1669916" cy="369332"/>
+            <a:off x="10398868" y="18574"/>
+            <a:ext cx="1793132" cy="369332"/>
           </a:xfrm>
           <a:prstGeom prst="rect">
             <a:avLst/>
@@ -14287,7 +14357,7 @@
           <a:p>
             <a:r>
               <a:rPr lang="en-US" dirty="0"/>
-              <a:t>LA-UR-11-1111</a:t>
+              <a:t>LA-UR-19-24149</a:t>
             </a:r>
           </a:p>
         </p:txBody>
@@ -14457,10 +14527,10 @@
       </p:sp>
       <p:sp>
         <p:nvSpPr>
-          <p:cNvPr id="6" name="TextBox 5">
+          <p:cNvPr id="7" name="TextBox 6">
             <a:extLst>
               <a:ext uri="{FF2B5EF4-FFF2-40B4-BE49-F238E27FC236}">
-                <a16:creationId xmlns:a16="http://schemas.microsoft.com/office/drawing/2014/main" id="{EA720AB4-EA22-8A43-AEF2-E92B350EC96B}"/>
+                <a16:creationId xmlns:a16="http://schemas.microsoft.com/office/drawing/2014/main" id="{27707151-3584-4CF2-9FC2-B4667C008790}"/>
               </a:ext>
             </a:extLst>
           </p:cNvPr>
@@ -14469,8 +14539,8 @@
         </p:nvSpPr>
         <p:spPr>
           <a:xfrm>
-            <a:off x="10522084" y="18574"/>
-            <a:ext cx="1669916" cy="369332"/>
+            <a:off x="10398868" y="18574"/>
+            <a:ext cx="1793132" cy="369332"/>
           </a:xfrm>
           <a:prstGeom prst="rect">
             <a:avLst/>
@@ -14485,7 +14555,7 @@
           <a:p>
             <a:r>
               <a:rPr lang="en-US" dirty="0"/>
-              <a:t>LA-UR-11-1111</a:t>
+              <a:t>LA-UR-19-24149</a:t>
             </a:r>
           </a:p>
         </p:txBody>
@@ -14566,12 +14636,14 @@
         </p:nvSpPr>
         <p:spPr/>
         <p:txBody>
-          <a:bodyPr/>
+          <a:bodyPr>
+            <a:normAutofit lnSpcReduction="10000"/>
+          </a:bodyPr>
           <a:lstStyle/>
           <a:p>
             <a:r>
               <a:rPr lang="en-US" dirty="0"/>
-              <a:t>Lustre doesn’t deal well with small file transactions, due to having separate metadata</a:t>
+              <a:t>Lustre doesn’t deal well with small file transactions, due to having separate metadata (Gerhardt et al., 2017)</a:t>
             </a:r>
           </a:p>
           <a:p>
@@ -14583,7 +14655,7 @@
           <a:p>
             <a:r>
               <a:rPr lang="en-US" dirty="0"/>
-              <a:t>Squashfs contains and compresses metadata</a:t>
+              <a:t>Squashfs contains and compresses metadata </a:t>
             </a:r>
           </a:p>
           <a:p>
@@ -14597,7 +14669,7 @@
             <a:pPr lvl="1"/>
             <a:r>
               <a:rPr lang="en-US" dirty="0"/>
-              <a:t>Presented as a single file to Lustre, avoiding lots of metadata transactions</a:t>
+              <a:t>Presented as a single file to Lustre, avoiding lots of metadata transactions (Gerhardt et al., 2017)</a:t>
             </a:r>
           </a:p>
         </p:txBody>
@@ -14633,10 +14705,10 @@
       </p:sp>
       <p:sp>
         <p:nvSpPr>
-          <p:cNvPr id="6" name="TextBox 5">
+          <p:cNvPr id="7" name="TextBox 6">
             <a:extLst>
               <a:ext uri="{FF2B5EF4-FFF2-40B4-BE49-F238E27FC236}">
-                <a16:creationId xmlns:a16="http://schemas.microsoft.com/office/drawing/2014/main" id="{0878583B-B4EC-DA45-94AC-32FA199B5290}"/>
+                <a16:creationId xmlns:a16="http://schemas.microsoft.com/office/drawing/2014/main" id="{C15B384A-0EC4-48CE-8EE0-1F2BD1F16A8B}"/>
               </a:ext>
             </a:extLst>
           </p:cNvPr>
@@ -14645,8 +14717,8 @@
         </p:nvSpPr>
         <p:spPr>
           <a:xfrm>
-            <a:off x="10522084" y="18574"/>
-            <a:ext cx="1669916" cy="369332"/>
+            <a:off x="10398868" y="18574"/>
+            <a:ext cx="1793132" cy="369332"/>
           </a:xfrm>
           <a:prstGeom prst="rect">
             <a:avLst/>
@@ -14661,7 +14733,7 @@
           <a:p>
             <a:r>
               <a:rPr lang="en-US" dirty="0"/>
-              <a:t>LA-UR-11-1111</a:t>
+              <a:t>LA-UR-19-24149</a:t>
             </a:r>
           </a:p>
         </p:txBody>
@@ -14743,7 +14815,7 @@
         <p:spPr/>
         <p:txBody>
           <a:bodyPr>
-            <a:normAutofit/>
+            <a:normAutofit fontScale="92500" lnSpcReduction="10000"/>
           </a:bodyPr>
           <a:lstStyle/>
           <a:p>
@@ -14775,7 +14847,15 @@
             <a:pPr lvl="1"/>
             <a:r>
               <a:rPr lang="en-US" dirty="0"/>
-              <a:t>Faster, harder to develop</a:t>
+              <a:t>Faster, harder to develop (</a:t>
+            </a:r>
+            <a:r>
+              <a:rPr lang="en-US" dirty="0" err="1"/>
+              <a:t>Vangoor</a:t>
+            </a:r>
+            <a:r>
+              <a:rPr lang="en-US" dirty="0"/>
+              <a:t>, Tarasov, &amp; Zadok, n.d.)</a:t>
             </a:r>
           </a:p>
           <a:p>
@@ -14794,7 +14874,18 @@
               <a:rPr lang="en-US" dirty="0" err="1"/>
               <a:t>inodes</a:t>
             </a:r>
-            <a:endParaRPr lang="en-US" dirty="0"/>
+            <a:r>
+              <a:rPr lang="en-US" dirty="0"/>
+              <a:t> (</a:t>
+            </a:r>
+            <a:r>
+              <a:rPr lang="en-US" dirty="0" err="1"/>
+              <a:t>Vangoor</a:t>
+            </a:r>
+            <a:r>
+              <a:rPr lang="en-US" dirty="0"/>
+              <a:t>, Tarasov, &amp; Zadok, n.d.)</a:t>
+            </a:r>
           </a:p>
         </p:txBody>
       </p:sp>
@@ -14829,10 +14920,10 @@
       </p:sp>
       <p:sp>
         <p:nvSpPr>
-          <p:cNvPr id="6" name="TextBox 5">
+          <p:cNvPr id="7" name="TextBox 6">
             <a:extLst>
               <a:ext uri="{FF2B5EF4-FFF2-40B4-BE49-F238E27FC236}">
-                <a16:creationId xmlns:a16="http://schemas.microsoft.com/office/drawing/2014/main" id="{B1635D3E-3612-3D46-A5E6-FE1E6475790A}"/>
+                <a16:creationId xmlns:a16="http://schemas.microsoft.com/office/drawing/2014/main" id="{4D6D5C5B-7862-40D4-B3C2-45F2D322A982}"/>
               </a:ext>
             </a:extLst>
           </p:cNvPr>
@@ -14841,8 +14932,8 @@
         </p:nvSpPr>
         <p:spPr>
           <a:xfrm>
-            <a:off x="10522084" y="18574"/>
-            <a:ext cx="1669916" cy="369332"/>
+            <a:off x="10398868" y="18574"/>
+            <a:ext cx="1793132" cy="369332"/>
           </a:xfrm>
           <a:prstGeom prst="rect">
             <a:avLst/>
@@ -14857,7 +14948,7 @@
           <a:p>
             <a:r>
               <a:rPr lang="en-US" dirty="0"/>
-              <a:t>LA-UR-11-1111</a:t>
+              <a:t>LA-UR-19-24149</a:t>
             </a:r>
           </a:p>
         </p:txBody>
@@ -15061,7 +15152,7 @@
             <a:noFill/>
             <a:extLst>
               <a:ext uri="{909E8E84-426E-40dd-AFC4-6F175D3DCCD1}">
-                <a14:hiddenFill xmlns:p14="http://schemas.microsoft.com/office/powerpoint/2010/main" xmlns:a14="http://schemas.microsoft.com/office/drawing/2010/main" xmlns:a16="http://schemas.microsoft.com/office/drawing/2014/main" xmlns="">
+                <a14:hiddenFill xmlns="" xmlns:a16="http://schemas.microsoft.com/office/drawing/2014/main" xmlns:a14="http://schemas.microsoft.com/office/drawing/2010/main" xmlns:p14="http://schemas.microsoft.com/office/powerpoint/2010/main">
                   <a:solidFill>
                     <a:srgbClr val="FFFFFF"/>
                   </a:solidFill>
@@ -15181,7 +15272,7 @@
             </a:ln>
             <a:extLst>
               <a:ext uri="{91240B29-F687-4f45-9708-019B960494DF}">
-                <a14:hiddenLine xmlns:p14="http://schemas.microsoft.com/office/powerpoint/2010/main" xmlns:a14="http://schemas.microsoft.com/office/drawing/2010/main" xmlns:a16="http://schemas.microsoft.com/office/drawing/2014/main" xmlns="" w="9525">
+                <a14:hiddenLine xmlns="" xmlns:a16="http://schemas.microsoft.com/office/drawing/2014/main" xmlns:a14="http://schemas.microsoft.com/office/drawing/2010/main" xmlns:p14="http://schemas.microsoft.com/office/powerpoint/2010/main" w="9525">
                   <a:solidFill>
                     <a:srgbClr val="000000"/>
                   </a:solidFill>
@@ -15286,7 +15377,7 @@
             </a:ln>
             <a:extLst>
               <a:ext uri="{91240B29-F687-4f45-9708-019B960494DF}">
-                <a14:hiddenLine xmlns:p14="http://schemas.microsoft.com/office/powerpoint/2010/main" xmlns:a14="http://schemas.microsoft.com/office/drawing/2010/main" xmlns:a16="http://schemas.microsoft.com/office/drawing/2014/main" xmlns="" w="9525">
+                <a14:hiddenLine xmlns="" xmlns:a16="http://schemas.microsoft.com/office/drawing/2014/main" xmlns:a14="http://schemas.microsoft.com/office/drawing/2010/main" xmlns:p14="http://schemas.microsoft.com/office/powerpoint/2010/main" w="9525">
                   <a:solidFill>
                     <a:srgbClr val="000000"/>
                   </a:solidFill>
@@ -15391,7 +15482,7 @@
             </a:ln>
             <a:extLst>
               <a:ext uri="{91240B29-F687-4f45-9708-019B960494DF}">
-                <a14:hiddenLine xmlns:p14="http://schemas.microsoft.com/office/powerpoint/2010/main" xmlns:a14="http://schemas.microsoft.com/office/drawing/2010/main" xmlns:a16="http://schemas.microsoft.com/office/drawing/2014/main" xmlns="" w="9525">
+                <a14:hiddenLine xmlns="" xmlns:a16="http://schemas.microsoft.com/office/drawing/2014/main" xmlns:a14="http://schemas.microsoft.com/office/drawing/2010/main" xmlns:p14="http://schemas.microsoft.com/office/powerpoint/2010/main" w="9525">
                   <a:solidFill>
                     <a:srgbClr val="000000"/>
                   </a:solidFill>
@@ -15440,7 +15531,7 @@
             </a:ln>
             <a:extLst>
               <a:ext uri="{91240B29-F687-4f45-9708-019B960494DF}">
-                <a14:hiddenLine xmlns:p14="http://schemas.microsoft.com/office/powerpoint/2010/main" xmlns:a14="http://schemas.microsoft.com/office/drawing/2010/main" xmlns:a16="http://schemas.microsoft.com/office/drawing/2014/main" xmlns="" w="9525">
+                <a14:hiddenLine xmlns="" xmlns:a16="http://schemas.microsoft.com/office/drawing/2014/main" xmlns:a14="http://schemas.microsoft.com/office/drawing/2010/main" xmlns:p14="http://schemas.microsoft.com/office/powerpoint/2010/main" w="9525">
                   <a:solidFill>
                     <a:srgbClr val="000000"/>
                   </a:solidFill>
@@ -15545,7 +15636,7 @@
             </a:ln>
             <a:extLst>
               <a:ext uri="{91240B29-F687-4f45-9708-019B960494DF}">
-                <a14:hiddenLine xmlns:p14="http://schemas.microsoft.com/office/powerpoint/2010/main" xmlns:a14="http://schemas.microsoft.com/office/drawing/2010/main" xmlns:a16="http://schemas.microsoft.com/office/drawing/2014/main" xmlns="" w="9525">
+                <a14:hiddenLine xmlns="" xmlns:a16="http://schemas.microsoft.com/office/drawing/2014/main" xmlns:a14="http://schemas.microsoft.com/office/drawing/2010/main" xmlns:p14="http://schemas.microsoft.com/office/powerpoint/2010/main" w="9525">
                   <a:solidFill>
                     <a:srgbClr val="000000"/>
                   </a:solidFill>
@@ -15622,7 +15713,7 @@
             </a:ln>
             <a:extLst>
               <a:ext uri="{91240B29-F687-4f45-9708-019B960494DF}">
-                <a14:hiddenLine xmlns:p14="http://schemas.microsoft.com/office/powerpoint/2010/main" xmlns:a14="http://schemas.microsoft.com/office/drawing/2010/main" xmlns:a16="http://schemas.microsoft.com/office/drawing/2014/main" xmlns="" w="9525">
+                <a14:hiddenLine xmlns="" xmlns:a16="http://schemas.microsoft.com/office/drawing/2014/main" xmlns:a14="http://schemas.microsoft.com/office/drawing/2010/main" xmlns:p14="http://schemas.microsoft.com/office/powerpoint/2010/main" w="9525">
                   <a:solidFill>
                     <a:srgbClr val="000000"/>
                   </a:solidFill>
@@ -15699,7 +15790,7 @@
             </a:ln>
             <a:extLst>
               <a:ext uri="{91240B29-F687-4f45-9708-019B960494DF}">
-                <a14:hiddenLine xmlns:p14="http://schemas.microsoft.com/office/powerpoint/2010/main" xmlns:a14="http://schemas.microsoft.com/office/drawing/2010/main" xmlns:a16="http://schemas.microsoft.com/office/drawing/2014/main" xmlns="" w="9525">
+                <a14:hiddenLine xmlns="" xmlns:a16="http://schemas.microsoft.com/office/drawing/2014/main" xmlns:a14="http://schemas.microsoft.com/office/drawing/2010/main" xmlns:p14="http://schemas.microsoft.com/office/powerpoint/2010/main" w="9525">
                   <a:solidFill>
                     <a:srgbClr val="000000"/>
                   </a:solidFill>
@@ -15804,7 +15895,7 @@
             </a:ln>
             <a:extLst>
               <a:ext uri="{91240B29-F687-4f45-9708-019B960494DF}">
-                <a14:hiddenLine xmlns:p14="http://schemas.microsoft.com/office/powerpoint/2010/main" xmlns:a14="http://schemas.microsoft.com/office/drawing/2010/main" xmlns:a16="http://schemas.microsoft.com/office/drawing/2014/main" xmlns="" w="9525">
+                <a14:hiddenLine xmlns="" xmlns:a16="http://schemas.microsoft.com/office/drawing/2014/main" xmlns:a14="http://schemas.microsoft.com/office/drawing/2010/main" xmlns:p14="http://schemas.microsoft.com/office/powerpoint/2010/main" w="9525">
                   <a:solidFill>
                     <a:srgbClr val="000000"/>
                   </a:solidFill>
@@ -15881,7 +15972,7 @@
             </a:ln>
             <a:extLst>
               <a:ext uri="{91240B29-F687-4f45-9708-019B960494DF}">
-                <a14:hiddenLine xmlns:p14="http://schemas.microsoft.com/office/powerpoint/2010/main" xmlns:a14="http://schemas.microsoft.com/office/drawing/2010/main" xmlns:a16="http://schemas.microsoft.com/office/drawing/2014/main" xmlns="" w="9525">
+                <a14:hiddenLine xmlns="" xmlns:a16="http://schemas.microsoft.com/office/drawing/2014/main" xmlns:a14="http://schemas.microsoft.com/office/drawing/2010/main" xmlns:p14="http://schemas.microsoft.com/office/powerpoint/2010/main" w="9525">
                   <a:solidFill>
                     <a:srgbClr val="000000"/>
                   </a:solidFill>
@@ -15958,7 +16049,7 @@
             </a:ln>
             <a:extLst>
               <a:ext uri="{91240B29-F687-4f45-9708-019B960494DF}">
-                <a14:hiddenLine xmlns:p14="http://schemas.microsoft.com/office/powerpoint/2010/main" xmlns:a14="http://schemas.microsoft.com/office/drawing/2010/main" xmlns:a16="http://schemas.microsoft.com/office/drawing/2014/main" xmlns="" w="9525">
+                <a14:hiddenLine xmlns="" xmlns:a16="http://schemas.microsoft.com/office/drawing/2014/main" xmlns:a14="http://schemas.microsoft.com/office/drawing/2010/main" xmlns:p14="http://schemas.microsoft.com/office/powerpoint/2010/main" w="9525">
                   <a:solidFill>
                     <a:srgbClr val="000000"/>
                   </a:solidFill>
@@ -16063,7 +16154,7 @@
             </a:ln>
             <a:extLst>
               <a:ext uri="{91240B29-F687-4f45-9708-019B960494DF}">
-                <a14:hiddenLine xmlns:p14="http://schemas.microsoft.com/office/powerpoint/2010/main" xmlns:a14="http://schemas.microsoft.com/office/drawing/2010/main" xmlns:a16="http://schemas.microsoft.com/office/drawing/2014/main" xmlns="" w="9525">
+                <a14:hiddenLine xmlns="" xmlns:a16="http://schemas.microsoft.com/office/drawing/2014/main" xmlns:a14="http://schemas.microsoft.com/office/drawing/2010/main" xmlns:p14="http://schemas.microsoft.com/office/powerpoint/2010/main" w="9525">
                   <a:solidFill>
                     <a:srgbClr val="000000"/>
                   </a:solidFill>
@@ -16168,7 +16259,7 @@
             </a:ln>
             <a:extLst>
               <a:ext uri="{91240B29-F687-4f45-9708-019B960494DF}">
-                <a14:hiddenLine xmlns:p14="http://schemas.microsoft.com/office/powerpoint/2010/main" xmlns:a14="http://schemas.microsoft.com/office/drawing/2010/main" xmlns:a16="http://schemas.microsoft.com/office/drawing/2014/main" xmlns="" w="9525">
+                <a14:hiddenLine xmlns="" xmlns:a16="http://schemas.microsoft.com/office/drawing/2014/main" xmlns:a14="http://schemas.microsoft.com/office/drawing/2010/main" xmlns:p14="http://schemas.microsoft.com/office/powerpoint/2010/main" w="9525">
                   <a:solidFill>
                     <a:srgbClr val="000000"/>
                   </a:solidFill>
@@ -16245,7 +16336,7 @@
             </a:ln>
             <a:extLst>
               <a:ext uri="{91240B29-F687-4f45-9708-019B960494DF}">
-                <a14:hiddenLine xmlns:p14="http://schemas.microsoft.com/office/powerpoint/2010/main" xmlns:a14="http://schemas.microsoft.com/office/drawing/2010/main" xmlns:a16="http://schemas.microsoft.com/office/drawing/2014/main" xmlns="" w="9525">
+                <a14:hiddenLine xmlns="" xmlns:a16="http://schemas.microsoft.com/office/drawing/2014/main" xmlns:a14="http://schemas.microsoft.com/office/drawing/2010/main" xmlns:p14="http://schemas.microsoft.com/office/powerpoint/2010/main" w="9525">
                   <a:solidFill>
                     <a:srgbClr val="000000"/>
                   </a:solidFill>
@@ -16370,7 +16461,7 @@
             </a:ln>
             <a:extLst>
               <a:ext uri="{91240B29-F687-4f45-9708-019B960494DF}">
-                <a14:hiddenLine xmlns:p14="http://schemas.microsoft.com/office/powerpoint/2010/main" xmlns:a14="http://schemas.microsoft.com/office/drawing/2010/main" xmlns:a16="http://schemas.microsoft.com/office/drawing/2014/main" xmlns="" w="9525">
+                <a14:hiddenLine xmlns="" xmlns:a16="http://schemas.microsoft.com/office/drawing/2014/main" xmlns:a14="http://schemas.microsoft.com/office/drawing/2010/main" xmlns:p14="http://schemas.microsoft.com/office/powerpoint/2010/main" w="9525">
                   <a:solidFill>
                     <a:srgbClr val="000000"/>
                   </a:solidFill>
@@ -16447,7 +16538,7 @@
             </a:ln>
             <a:extLst>
               <a:ext uri="{91240B29-F687-4f45-9708-019B960494DF}">
-                <a14:hiddenLine xmlns:p14="http://schemas.microsoft.com/office/powerpoint/2010/main" xmlns:a14="http://schemas.microsoft.com/office/drawing/2010/main" xmlns:a16="http://schemas.microsoft.com/office/drawing/2014/main" xmlns="" w="9525">
+                <a14:hiddenLine xmlns="" xmlns:a16="http://schemas.microsoft.com/office/drawing/2014/main" xmlns:a14="http://schemas.microsoft.com/office/drawing/2010/main" xmlns:p14="http://schemas.microsoft.com/office/powerpoint/2010/main" w="9525">
                   <a:solidFill>
                     <a:srgbClr val="000000"/>
                   </a:solidFill>
@@ -16552,7 +16643,7 @@
             </a:ln>
             <a:extLst>
               <a:ext uri="{91240B29-F687-4f45-9708-019B960494DF}">
-                <a14:hiddenLine xmlns:p14="http://schemas.microsoft.com/office/powerpoint/2010/main" xmlns:a14="http://schemas.microsoft.com/office/drawing/2010/main" xmlns:a16="http://schemas.microsoft.com/office/drawing/2014/main" xmlns="" w="9525">
+                <a14:hiddenLine xmlns="" xmlns:a16="http://schemas.microsoft.com/office/drawing/2014/main" xmlns:a14="http://schemas.microsoft.com/office/drawing/2010/main" xmlns:p14="http://schemas.microsoft.com/office/powerpoint/2010/main" w="9525">
                   <a:solidFill>
                     <a:srgbClr val="000000"/>
                   </a:solidFill>
@@ -16657,7 +16748,7 @@
             </a:ln>
             <a:extLst>
               <a:ext uri="{91240B29-F687-4f45-9708-019B960494DF}">
-                <a14:hiddenLine xmlns:p14="http://schemas.microsoft.com/office/powerpoint/2010/main" xmlns:a14="http://schemas.microsoft.com/office/drawing/2010/main" xmlns:a16="http://schemas.microsoft.com/office/drawing/2014/main" xmlns="" w="9525">
+                <a14:hiddenLine xmlns="" xmlns:a16="http://schemas.microsoft.com/office/drawing/2014/main" xmlns:a14="http://schemas.microsoft.com/office/drawing/2010/main" xmlns:p14="http://schemas.microsoft.com/office/powerpoint/2010/main" w="9525">
                   <a:solidFill>
                     <a:srgbClr val="000000"/>
                   </a:solidFill>
@@ -16734,7 +16825,7 @@
             </a:ln>
             <a:extLst>
               <a:ext uri="{91240B29-F687-4f45-9708-019B960494DF}">
-                <a14:hiddenLine xmlns:p14="http://schemas.microsoft.com/office/powerpoint/2010/main" xmlns:a14="http://schemas.microsoft.com/office/drawing/2010/main" xmlns:a16="http://schemas.microsoft.com/office/drawing/2014/main" xmlns="" w="9525">
+                <a14:hiddenLine xmlns="" xmlns:a16="http://schemas.microsoft.com/office/drawing/2014/main" xmlns:a14="http://schemas.microsoft.com/office/drawing/2010/main" xmlns:p14="http://schemas.microsoft.com/office/powerpoint/2010/main" w="9525">
                   <a:solidFill>
                     <a:srgbClr val="000000"/>
                   </a:solidFill>
@@ -16839,7 +16930,7 @@
             </a:ln>
             <a:extLst>
               <a:ext uri="{91240B29-F687-4f45-9708-019B960494DF}">
-                <a14:hiddenLine xmlns:p14="http://schemas.microsoft.com/office/powerpoint/2010/main" xmlns:a14="http://schemas.microsoft.com/office/drawing/2010/main" xmlns:a16="http://schemas.microsoft.com/office/drawing/2014/main" xmlns="" w="9525">
+                <a14:hiddenLine xmlns="" xmlns:a16="http://schemas.microsoft.com/office/drawing/2014/main" xmlns:a14="http://schemas.microsoft.com/office/drawing/2010/main" xmlns:p14="http://schemas.microsoft.com/office/powerpoint/2010/main" w="9525">
                   <a:solidFill>
                     <a:srgbClr val="000000"/>
                   </a:solidFill>
@@ -16944,7 +17035,7 @@
             </a:ln>
             <a:extLst>
               <a:ext uri="{91240B29-F687-4f45-9708-019B960494DF}">
-                <a14:hiddenLine xmlns:p14="http://schemas.microsoft.com/office/powerpoint/2010/main" xmlns:a14="http://schemas.microsoft.com/office/drawing/2010/main" xmlns:a16="http://schemas.microsoft.com/office/drawing/2014/main" xmlns="" w="9525">
+                <a14:hiddenLine xmlns="" xmlns:a16="http://schemas.microsoft.com/office/drawing/2014/main" xmlns:a14="http://schemas.microsoft.com/office/drawing/2010/main" xmlns:p14="http://schemas.microsoft.com/office/powerpoint/2010/main" w="9525">
                   <a:solidFill>
                     <a:srgbClr val="000000"/>
                   </a:solidFill>
@@ -17015,7 +17106,7 @@
             </a:ln>
             <a:extLst>
               <a:ext uri="{91240B29-F687-4f45-9708-019B960494DF}">
-                <a14:hiddenLine xmlns:p14="http://schemas.microsoft.com/office/powerpoint/2010/main" xmlns:a14="http://schemas.microsoft.com/office/drawing/2010/main" xmlns:a16="http://schemas.microsoft.com/office/drawing/2014/main" xmlns="" w="9525">
+                <a14:hiddenLine xmlns="" xmlns:a16="http://schemas.microsoft.com/office/drawing/2014/main" xmlns:a14="http://schemas.microsoft.com/office/drawing/2010/main" xmlns:p14="http://schemas.microsoft.com/office/powerpoint/2010/main" w="9525">
                   <a:solidFill>
                     <a:srgbClr val="000000"/>
                   </a:solidFill>
@@ -17120,7 +17211,7 @@
             </a:ln>
             <a:extLst>
               <a:ext uri="{91240B29-F687-4f45-9708-019B960494DF}">
-                <a14:hiddenLine xmlns:p14="http://schemas.microsoft.com/office/powerpoint/2010/main" xmlns:a14="http://schemas.microsoft.com/office/drawing/2010/main" xmlns:a16="http://schemas.microsoft.com/office/drawing/2014/main" xmlns="" w="9525">
+                <a14:hiddenLine xmlns="" xmlns:a16="http://schemas.microsoft.com/office/drawing/2014/main" xmlns:a14="http://schemas.microsoft.com/office/drawing/2010/main" xmlns:p14="http://schemas.microsoft.com/office/powerpoint/2010/main" w="9525">
                   <a:solidFill>
                     <a:srgbClr val="000000"/>
                   </a:solidFill>
@@ -17191,7 +17282,7 @@
             </a:ln>
             <a:extLst>
               <a:ext uri="{91240B29-F687-4f45-9708-019B960494DF}">
-                <a14:hiddenLine xmlns:p14="http://schemas.microsoft.com/office/powerpoint/2010/main" xmlns:a14="http://schemas.microsoft.com/office/drawing/2010/main" xmlns:a16="http://schemas.microsoft.com/office/drawing/2014/main" xmlns="" w="9525">
+                <a14:hiddenLine xmlns="" xmlns:a16="http://schemas.microsoft.com/office/drawing/2014/main" xmlns:a14="http://schemas.microsoft.com/office/drawing/2010/main" xmlns:p14="http://schemas.microsoft.com/office/powerpoint/2010/main" w="9525">
                   <a:solidFill>
                     <a:srgbClr val="000000"/>
                   </a:solidFill>
@@ -17296,7 +17387,7 @@
             </a:ln>
             <a:extLst>
               <a:ext uri="{91240B29-F687-4f45-9708-019B960494DF}">
-                <a14:hiddenLine xmlns:p14="http://schemas.microsoft.com/office/powerpoint/2010/main" xmlns:a14="http://schemas.microsoft.com/office/drawing/2010/main" xmlns:a16="http://schemas.microsoft.com/office/drawing/2014/main" xmlns="" w="9525">
+                <a14:hiddenLine xmlns="" xmlns:a16="http://schemas.microsoft.com/office/drawing/2014/main" xmlns:a14="http://schemas.microsoft.com/office/drawing/2010/main" xmlns:p14="http://schemas.microsoft.com/office/powerpoint/2010/main" w="9525">
                   <a:solidFill>
                     <a:srgbClr val="000000"/>
                   </a:solidFill>
@@ -17379,7 +17470,7 @@
             </a:ln>
             <a:extLst>
               <a:ext uri="{91240B29-F687-4f45-9708-019B960494DF}">
-                <a14:hiddenLine xmlns:p14="http://schemas.microsoft.com/office/powerpoint/2010/main" xmlns:a14="http://schemas.microsoft.com/office/drawing/2010/main" xmlns:a16="http://schemas.microsoft.com/office/drawing/2014/main" xmlns="" w="9525">
+                <a14:hiddenLine xmlns="" xmlns:a16="http://schemas.microsoft.com/office/drawing/2014/main" xmlns:a14="http://schemas.microsoft.com/office/drawing/2010/main" xmlns:p14="http://schemas.microsoft.com/office/powerpoint/2010/main" w="9525">
                   <a:solidFill>
                     <a:srgbClr val="000000"/>
                   </a:solidFill>
@@ -17484,7 +17575,7 @@
             </a:ln>
             <a:extLst>
               <a:ext uri="{91240B29-F687-4f45-9708-019B960494DF}">
-                <a14:hiddenLine xmlns:p14="http://schemas.microsoft.com/office/powerpoint/2010/main" xmlns:a14="http://schemas.microsoft.com/office/drawing/2010/main" xmlns:a16="http://schemas.microsoft.com/office/drawing/2014/main" xmlns="" w="9525">
+                <a14:hiddenLine xmlns="" xmlns:a16="http://schemas.microsoft.com/office/drawing/2014/main" xmlns:a14="http://schemas.microsoft.com/office/drawing/2010/main" xmlns:p14="http://schemas.microsoft.com/office/powerpoint/2010/main" w="9525">
                   <a:solidFill>
                     <a:srgbClr val="000000"/>
                   </a:solidFill>
@@ -17567,7 +17658,7 @@
             </a:ln>
             <a:extLst>
               <a:ext uri="{91240B29-F687-4f45-9708-019B960494DF}">
-                <a14:hiddenLine xmlns:p14="http://schemas.microsoft.com/office/powerpoint/2010/main" xmlns:a14="http://schemas.microsoft.com/office/drawing/2010/main" xmlns:a16="http://schemas.microsoft.com/office/drawing/2014/main" xmlns="" w="9525">
+                <a14:hiddenLine xmlns="" xmlns:a16="http://schemas.microsoft.com/office/drawing/2014/main" xmlns:a14="http://schemas.microsoft.com/office/drawing/2010/main" xmlns:p14="http://schemas.microsoft.com/office/powerpoint/2010/main" w="9525">
                   <a:solidFill>
                     <a:srgbClr val="000000"/>
                   </a:solidFill>
@@ -17672,7 +17763,7 @@
             </a:ln>
             <a:extLst>
               <a:ext uri="{91240B29-F687-4f45-9708-019B960494DF}">
-                <a14:hiddenLine xmlns:p14="http://schemas.microsoft.com/office/powerpoint/2010/main" xmlns:a14="http://schemas.microsoft.com/office/drawing/2010/main" xmlns:a16="http://schemas.microsoft.com/office/drawing/2014/main" xmlns="" w="9525">
+                <a14:hiddenLine xmlns="" xmlns:a16="http://schemas.microsoft.com/office/drawing/2014/main" xmlns:a14="http://schemas.microsoft.com/office/drawing/2010/main" xmlns:p14="http://schemas.microsoft.com/office/powerpoint/2010/main" w="9525">
                   <a:solidFill>
                     <a:srgbClr val="000000"/>
                   </a:solidFill>
@@ -17721,7 +17812,7 @@
             </a:ln>
             <a:extLst>
               <a:ext uri="{91240B29-F687-4f45-9708-019B960494DF}">
-                <a14:hiddenLine xmlns:p14="http://schemas.microsoft.com/office/powerpoint/2010/main" xmlns:a14="http://schemas.microsoft.com/office/drawing/2010/main" xmlns:a16="http://schemas.microsoft.com/office/drawing/2014/main" xmlns="" w="9525">
+                <a14:hiddenLine xmlns="" xmlns:a16="http://schemas.microsoft.com/office/drawing/2014/main" xmlns:a14="http://schemas.microsoft.com/office/drawing/2010/main" xmlns:p14="http://schemas.microsoft.com/office/powerpoint/2010/main" w="9525">
                   <a:solidFill>
                     <a:srgbClr val="000000"/>
                   </a:solidFill>
@@ -17826,7 +17917,7 @@
             </a:ln>
             <a:extLst>
               <a:ext uri="{91240B29-F687-4f45-9708-019B960494DF}">
-                <a14:hiddenLine xmlns:p14="http://schemas.microsoft.com/office/powerpoint/2010/main" xmlns:a14="http://schemas.microsoft.com/office/drawing/2010/main" xmlns:a16="http://schemas.microsoft.com/office/drawing/2014/main" xmlns="" w="9525">
+                <a14:hiddenLine xmlns="" xmlns:a16="http://schemas.microsoft.com/office/drawing/2014/main" xmlns:a14="http://schemas.microsoft.com/office/drawing/2010/main" xmlns:p14="http://schemas.microsoft.com/office/powerpoint/2010/main" w="9525">
                   <a:solidFill>
                     <a:srgbClr val="000000"/>
                   </a:solidFill>
@@ -17903,7 +17994,7 @@
             </a:ln>
             <a:extLst>
               <a:ext uri="{91240B29-F687-4f45-9708-019B960494DF}">
-                <a14:hiddenLine xmlns:p14="http://schemas.microsoft.com/office/powerpoint/2010/main" xmlns:a14="http://schemas.microsoft.com/office/drawing/2010/main" xmlns:a16="http://schemas.microsoft.com/office/drawing/2014/main" xmlns="" w="9525">
+                <a14:hiddenLine xmlns="" xmlns:a16="http://schemas.microsoft.com/office/drawing/2014/main" xmlns:a14="http://schemas.microsoft.com/office/drawing/2010/main" xmlns:p14="http://schemas.microsoft.com/office/powerpoint/2010/main" w="9525">
                   <a:solidFill>
                     <a:srgbClr val="000000"/>
                   </a:solidFill>
@@ -17980,7 +18071,7 @@
             </a:ln>
             <a:extLst>
               <a:ext uri="{91240B29-F687-4f45-9708-019B960494DF}">
-                <a14:hiddenLine xmlns:p14="http://schemas.microsoft.com/office/powerpoint/2010/main" xmlns:a14="http://schemas.microsoft.com/office/drawing/2010/main" xmlns:a16="http://schemas.microsoft.com/office/drawing/2014/main" xmlns="" w="9525">
+                <a14:hiddenLine xmlns="" xmlns:a16="http://schemas.microsoft.com/office/drawing/2014/main" xmlns:a14="http://schemas.microsoft.com/office/drawing/2010/main" xmlns:p14="http://schemas.microsoft.com/office/powerpoint/2010/main" w="9525">
                   <a:solidFill>
                     <a:srgbClr val="000000"/>
                   </a:solidFill>
@@ -18085,7 +18176,7 @@
             </a:ln>
             <a:extLst>
               <a:ext uri="{91240B29-F687-4f45-9708-019B960494DF}">
-                <a14:hiddenLine xmlns:p14="http://schemas.microsoft.com/office/powerpoint/2010/main" xmlns:a14="http://schemas.microsoft.com/office/drawing/2010/main" xmlns:a16="http://schemas.microsoft.com/office/drawing/2014/main" xmlns="" w="9525">
+                <a14:hiddenLine xmlns="" xmlns:a16="http://schemas.microsoft.com/office/drawing/2014/main" xmlns:a14="http://schemas.microsoft.com/office/drawing/2010/main" xmlns:p14="http://schemas.microsoft.com/office/powerpoint/2010/main" w="9525">
                   <a:solidFill>
                     <a:srgbClr val="000000"/>
                   </a:solidFill>
@@ -18168,7 +18259,7 @@
             </a:ln>
             <a:extLst>
               <a:ext uri="{91240B29-F687-4f45-9708-019B960494DF}">
-                <a14:hiddenLine xmlns:p14="http://schemas.microsoft.com/office/powerpoint/2010/main" xmlns:a14="http://schemas.microsoft.com/office/drawing/2010/main" xmlns:a16="http://schemas.microsoft.com/office/drawing/2014/main" xmlns="" w="9525">
+                <a14:hiddenLine xmlns="" xmlns:a16="http://schemas.microsoft.com/office/drawing/2014/main" xmlns:a14="http://schemas.microsoft.com/office/drawing/2010/main" xmlns:p14="http://schemas.microsoft.com/office/powerpoint/2010/main" w="9525">
                   <a:solidFill>
                     <a:srgbClr val="000000"/>
                   </a:solidFill>
@@ -18245,7 +18336,7 @@
             </a:ln>
             <a:extLst>
               <a:ext uri="{91240B29-F687-4f45-9708-019B960494DF}">
-                <a14:hiddenLine xmlns:p14="http://schemas.microsoft.com/office/powerpoint/2010/main" xmlns:a14="http://schemas.microsoft.com/office/drawing/2010/main" xmlns:a16="http://schemas.microsoft.com/office/drawing/2014/main" xmlns="" w="9525">
+                <a14:hiddenLine xmlns="" xmlns:a16="http://schemas.microsoft.com/office/drawing/2014/main" xmlns:a14="http://schemas.microsoft.com/office/drawing/2010/main" xmlns:p14="http://schemas.microsoft.com/office/powerpoint/2010/main" w="9525">
                   <a:solidFill>
                     <a:srgbClr val="000000"/>
                   </a:solidFill>
@@ -18350,7 +18441,7 @@
             </a:ln>
             <a:extLst>
               <a:ext uri="{91240B29-F687-4f45-9708-019B960494DF}">
-                <a14:hiddenLine xmlns:p14="http://schemas.microsoft.com/office/powerpoint/2010/main" xmlns:a14="http://schemas.microsoft.com/office/drawing/2010/main" xmlns:a16="http://schemas.microsoft.com/office/drawing/2014/main" xmlns="" w="9525">
+                <a14:hiddenLine xmlns="" xmlns:a16="http://schemas.microsoft.com/office/drawing/2014/main" xmlns:a14="http://schemas.microsoft.com/office/drawing/2010/main" xmlns:p14="http://schemas.microsoft.com/office/powerpoint/2010/main" w="9525">
                   <a:solidFill>
                     <a:srgbClr val="000000"/>
                   </a:solidFill>
@@ -18427,7 +18518,7 @@
             </a:ln>
             <a:extLst>
               <a:ext uri="{91240B29-F687-4f45-9708-019B960494DF}">
-                <a14:hiddenLine xmlns:p14="http://schemas.microsoft.com/office/powerpoint/2010/main" xmlns:a14="http://schemas.microsoft.com/office/drawing/2010/main" xmlns:a16="http://schemas.microsoft.com/office/drawing/2014/main" xmlns="" w="9525">
+                <a14:hiddenLine xmlns="" xmlns:a16="http://schemas.microsoft.com/office/drawing/2014/main" xmlns:a14="http://schemas.microsoft.com/office/drawing/2010/main" xmlns:p14="http://schemas.microsoft.com/office/powerpoint/2010/main" w="9525">
                   <a:solidFill>
                     <a:srgbClr val="000000"/>
                   </a:solidFill>
@@ -18532,7 +18623,7 @@
             </a:ln>
             <a:extLst>
               <a:ext uri="{91240B29-F687-4f45-9708-019B960494DF}">
-                <a14:hiddenLine xmlns:p14="http://schemas.microsoft.com/office/powerpoint/2010/main" xmlns:a14="http://schemas.microsoft.com/office/drawing/2010/main" xmlns:a16="http://schemas.microsoft.com/office/drawing/2014/main" xmlns="" w="9525">
+                <a14:hiddenLine xmlns="" xmlns:a16="http://schemas.microsoft.com/office/drawing/2014/main" xmlns:a14="http://schemas.microsoft.com/office/drawing/2010/main" xmlns:p14="http://schemas.microsoft.com/office/powerpoint/2010/main" w="9525">
                   <a:solidFill>
                     <a:srgbClr val="000000"/>
                   </a:solidFill>
@@ -18609,7 +18700,7 @@
             </a:ln>
             <a:extLst>
               <a:ext uri="{91240B29-F687-4f45-9708-019B960494DF}">
-                <a14:hiddenLine xmlns:p14="http://schemas.microsoft.com/office/powerpoint/2010/main" xmlns:a14="http://schemas.microsoft.com/office/drawing/2010/main" xmlns:a16="http://schemas.microsoft.com/office/drawing/2014/main" xmlns="" w="9525">
+                <a14:hiddenLine xmlns="" xmlns:a16="http://schemas.microsoft.com/office/drawing/2014/main" xmlns:a14="http://schemas.microsoft.com/office/drawing/2010/main" xmlns:p14="http://schemas.microsoft.com/office/powerpoint/2010/main" w="9525">
                   <a:solidFill>
                     <a:srgbClr val="000000"/>
                   </a:solidFill>
@@ -18714,7 +18805,7 @@
             </a:ln>
             <a:extLst>
               <a:ext uri="{91240B29-F687-4f45-9708-019B960494DF}">
-                <a14:hiddenLine xmlns:p14="http://schemas.microsoft.com/office/powerpoint/2010/main" xmlns:a14="http://schemas.microsoft.com/office/drawing/2010/main" xmlns:a16="http://schemas.microsoft.com/office/drawing/2014/main" xmlns="" w="9525">
+                <a14:hiddenLine xmlns="" xmlns:a16="http://schemas.microsoft.com/office/drawing/2014/main" xmlns:a14="http://schemas.microsoft.com/office/drawing/2010/main" xmlns:p14="http://schemas.microsoft.com/office/powerpoint/2010/main" w="9525">
                   <a:solidFill>
                     <a:srgbClr val="000000"/>
                   </a:solidFill>
@@ -18763,7 +18854,7 @@
             </a:ln>
             <a:extLst>
               <a:ext uri="{91240B29-F687-4f45-9708-019B960494DF}">
-                <a14:hiddenLine xmlns:p14="http://schemas.microsoft.com/office/powerpoint/2010/main" xmlns:a14="http://schemas.microsoft.com/office/drawing/2010/main" xmlns:a16="http://schemas.microsoft.com/office/drawing/2014/main" xmlns="" w="9525">
+                <a14:hiddenLine xmlns="" xmlns:a16="http://schemas.microsoft.com/office/drawing/2014/main" xmlns:a14="http://schemas.microsoft.com/office/drawing/2010/main" xmlns:p14="http://schemas.microsoft.com/office/powerpoint/2010/main" w="9525">
                   <a:solidFill>
                     <a:srgbClr val="000000"/>
                   </a:solidFill>
@@ -18843,7 +18934,7 @@
             </a:ln>
             <a:extLst>
               <a:ext uri="{91240B29-F687-4f45-9708-019B960494DF}">
-                <a14:hiddenLine xmlns:p14="http://schemas.microsoft.com/office/powerpoint/2010/main" xmlns:a14="http://schemas.microsoft.com/office/drawing/2010/main" xmlns:a16="http://schemas.microsoft.com/office/drawing/2014/main" xmlns="" w="9525">
+                <a14:hiddenLine xmlns="" xmlns:a16="http://schemas.microsoft.com/office/drawing/2014/main" xmlns:a14="http://schemas.microsoft.com/office/drawing/2010/main" xmlns:p14="http://schemas.microsoft.com/office/powerpoint/2010/main" w="9525">
                   <a:solidFill>
                     <a:srgbClr val="000000"/>
                   </a:solidFill>
@@ -18948,7 +19039,7 @@
             </a:ln>
             <a:extLst>
               <a:ext uri="{91240B29-F687-4f45-9708-019B960494DF}">
-                <a14:hiddenLine xmlns:p14="http://schemas.microsoft.com/office/powerpoint/2010/main" xmlns:a14="http://schemas.microsoft.com/office/drawing/2010/main" xmlns:a16="http://schemas.microsoft.com/office/drawing/2014/main" xmlns="" w="9525">
+                <a14:hiddenLine xmlns="" xmlns:a16="http://schemas.microsoft.com/office/drawing/2014/main" xmlns:a14="http://schemas.microsoft.com/office/drawing/2010/main" xmlns:p14="http://schemas.microsoft.com/office/powerpoint/2010/main" w="9525">
                   <a:solidFill>
                     <a:srgbClr val="000000"/>
                   </a:solidFill>
@@ -19025,7 +19116,7 @@
             </a:ln>
             <a:extLst>
               <a:ext uri="{91240B29-F687-4f45-9708-019B960494DF}">
-                <a14:hiddenLine xmlns:p14="http://schemas.microsoft.com/office/powerpoint/2010/main" xmlns:a14="http://schemas.microsoft.com/office/drawing/2010/main" xmlns:a16="http://schemas.microsoft.com/office/drawing/2014/main" xmlns="" w="9525">
+                <a14:hiddenLine xmlns="" xmlns:a16="http://schemas.microsoft.com/office/drawing/2014/main" xmlns:a14="http://schemas.microsoft.com/office/drawing/2010/main" xmlns:p14="http://schemas.microsoft.com/office/powerpoint/2010/main" w="9525">
                   <a:solidFill>
                     <a:srgbClr val="000000"/>
                   </a:solidFill>
@@ -19130,7 +19221,7 @@
             </a:ln>
             <a:extLst>
               <a:ext uri="{91240B29-F687-4f45-9708-019B960494DF}">
-                <a14:hiddenLine xmlns:p14="http://schemas.microsoft.com/office/powerpoint/2010/main" xmlns:a14="http://schemas.microsoft.com/office/drawing/2010/main" xmlns:a16="http://schemas.microsoft.com/office/drawing/2014/main" xmlns="" w="9525">
+                <a14:hiddenLine xmlns="" xmlns:a16="http://schemas.microsoft.com/office/drawing/2014/main" xmlns:a14="http://schemas.microsoft.com/office/drawing/2010/main" xmlns:p14="http://schemas.microsoft.com/office/powerpoint/2010/main" w="9525">
                   <a:solidFill>
                     <a:srgbClr val="000000"/>
                   </a:solidFill>
@@ -19235,7 +19326,7 @@
             </a:ln>
             <a:extLst>
               <a:ext uri="{91240B29-F687-4f45-9708-019B960494DF}">
-                <a14:hiddenLine xmlns:p14="http://schemas.microsoft.com/office/powerpoint/2010/main" xmlns:a14="http://schemas.microsoft.com/office/drawing/2010/main" xmlns:a16="http://schemas.microsoft.com/office/drawing/2014/main" xmlns="" w="9525">
+                <a14:hiddenLine xmlns="" xmlns:a16="http://schemas.microsoft.com/office/drawing/2014/main" xmlns:a14="http://schemas.microsoft.com/office/drawing/2010/main" xmlns:p14="http://schemas.microsoft.com/office/powerpoint/2010/main" w="9525">
                   <a:solidFill>
                     <a:srgbClr val="000000"/>
                   </a:solidFill>
@@ -19315,7 +19406,7 @@
             </a:ln>
             <a:extLst>
               <a:ext uri="{91240B29-F687-4f45-9708-019B960494DF}">
-                <a14:hiddenLine xmlns:p14="http://schemas.microsoft.com/office/powerpoint/2010/main" xmlns:a14="http://schemas.microsoft.com/office/drawing/2010/main" xmlns:a16="http://schemas.microsoft.com/office/drawing/2014/main" xmlns="" w="9525">
+                <a14:hiddenLine xmlns="" xmlns:a16="http://schemas.microsoft.com/office/drawing/2014/main" xmlns:a14="http://schemas.microsoft.com/office/drawing/2010/main" xmlns:p14="http://schemas.microsoft.com/office/powerpoint/2010/main" w="9525">
                   <a:solidFill>
                     <a:srgbClr val="000000"/>
                   </a:solidFill>
@@ -19392,7 +19483,7 @@
             </a:ln>
             <a:extLst>
               <a:ext uri="{91240B29-F687-4f45-9708-019B960494DF}">
-                <a14:hiddenLine xmlns:p14="http://schemas.microsoft.com/office/powerpoint/2010/main" xmlns:a14="http://schemas.microsoft.com/office/drawing/2010/main" xmlns:a16="http://schemas.microsoft.com/office/drawing/2014/main" xmlns="" w="9525">
+                <a14:hiddenLine xmlns="" xmlns:a16="http://schemas.microsoft.com/office/drawing/2014/main" xmlns:a14="http://schemas.microsoft.com/office/drawing/2010/main" xmlns:p14="http://schemas.microsoft.com/office/powerpoint/2010/main" w="9525">
                   <a:solidFill>
                     <a:srgbClr val="000000"/>
                   </a:solidFill>
@@ -19497,7 +19588,7 @@
             </a:ln>
             <a:extLst>
               <a:ext uri="{91240B29-F687-4f45-9708-019B960494DF}">
-                <a14:hiddenLine xmlns:p14="http://schemas.microsoft.com/office/powerpoint/2010/main" xmlns:a14="http://schemas.microsoft.com/office/drawing/2010/main" xmlns:a16="http://schemas.microsoft.com/office/drawing/2014/main" xmlns="" w="9525">
+                <a14:hiddenLine xmlns="" xmlns:a16="http://schemas.microsoft.com/office/drawing/2014/main" xmlns:a14="http://schemas.microsoft.com/office/drawing/2010/main" xmlns:p14="http://schemas.microsoft.com/office/powerpoint/2010/main" w="9525">
                   <a:solidFill>
                     <a:srgbClr val="000000"/>
                   </a:solidFill>
@@ -19602,7 +19693,7 @@
             </a:ln>
             <a:extLst>
               <a:ext uri="{91240B29-F687-4f45-9708-019B960494DF}">
-                <a14:hiddenLine xmlns:p14="http://schemas.microsoft.com/office/powerpoint/2010/main" xmlns:a14="http://schemas.microsoft.com/office/drawing/2010/main" xmlns:a16="http://schemas.microsoft.com/office/drawing/2014/main" xmlns="" w="9525">
+                <a14:hiddenLine xmlns="" xmlns:a16="http://schemas.microsoft.com/office/drawing/2014/main" xmlns:a14="http://schemas.microsoft.com/office/drawing/2010/main" xmlns:p14="http://schemas.microsoft.com/office/powerpoint/2010/main" w="9525">
                   <a:solidFill>
                     <a:srgbClr val="000000"/>
                   </a:solidFill>
@@ -19679,7 +19770,7 @@
             </a:ln>
             <a:extLst>
               <a:ext uri="{91240B29-F687-4f45-9708-019B960494DF}">
-                <a14:hiddenLine xmlns:p14="http://schemas.microsoft.com/office/powerpoint/2010/main" xmlns:a14="http://schemas.microsoft.com/office/drawing/2010/main" xmlns:a16="http://schemas.microsoft.com/office/drawing/2014/main" xmlns="" w="9525">
+                <a14:hiddenLine xmlns="" xmlns:a16="http://schemas.microsoft.com/office/drawing/2014/main" xmlns:a14="http://schemas.microsoft.com/office/drawing/2010/main" xmlns:p14="http://schemas.microsoft.com/office/powerpoint/2010/main" w="9525">
                   <a:solidFill>
                     <a:srgbClr val="000000"/>
                   </a:solidFill>
@@ -19814,7 +19905,7 @@
             </a:ln>
             <a:extLst>
               <a:ext uri="{91240B29-F687-4f45-9708-019B960494DF}">
-                <a14:hiddenLine xmlns:p14="http://schemas.microsoft.com/office/powerpoint/2010/main" xmlns:a14="http://schemas.microsoft.com/office/drawing/2010/main" xmlns:a16="http://schemas.microsoft.com/office/drawing/2014/main" xmlns="" w="9525">
+                <a14:hiddenLine xmlns="" xmlns:a16="http://schemas.microsoft.com/office/drawing/2014/main" xmlns:a14="http://schemas.microsoft.com/office/drawing/2010/main" xmlns:p14="http://schemas.microsoft.com/office/powerpoint/2010/main" w="9525">
                   <a:solidFill>
                     <a:srgbClr val="000000"/>
                   </a:solidFill>
@@ -19897,7 +19988,7 @@
             </a:ln>
             <a:extLst>
               <a:ext uri="{91240B29-F687-4f45-9708-019B960494DF}">
-                <a14:hiddenLine xmlns:p14="http://schemas.microsoft.com/office/powerpoint/2010/main" xmlns:a14="http://schemas.microsoft.com/office/drawing/2010/main" xmlns:a16="http://schemas.microsoft.com/office/drawing/2014/main" xmlns="" w="9525">
+                <a14:hiddenLine xmlns="" xmlns:a16="http://schemas.microsoft.com/office/drawing/2014/main" xmlns:a14="http://schemas.microsoft.com/office/drawing/2010/main" xmlns:p14="http://schemas.microsoft.com/office/powerpoint/2010/main" w="9525">
                   <a:solidFill>
                     <a:srgbClr val="000000"/>
                   </a:solidFill>
@@ -20002,7 +20093,7 @@
             </a:ln>
             <a:extLst>
               <a:ext uri="{91240B29-F687-4f45-9708-019B960494DF}">
-                <a14:hiddenLine xmlns:p14="http://schemas.microsoft.com/office/powerpoint/2010/main" xmlns:a14="http://schemas.microsoft.com/office/drawing/2010/main" xmlns:a16="http://schemas.microsoft.com/office/drawing/2014/main" xmlns="" w="9525">
+                <a14:hiddenLine xmlns="" xmlns:a16="http://schemas.microsoft.com/office/drawing/2014/main" xmlns:a14="http://schemas.microsoft.com/office/drawing/2010/main" xmlns:p14="http://schemas.microsoft.com/office/powerpoint/2010/main" w="9525">
                   <a:solidFill>
                     <a:srgbClr val="000000"/>
                   </a:solidFill>
@@ -20159,10 +20250,10 @@
       </p:sp>
       <p:sp>
         <p:nvSpPr>
-          <p:cNvPr id="65" name="TextBox 64">
+          <p:cNvPr id="66" name="TextBox 65">
             <a:extLst>
               <a:ext uri="{FF2B5EF4-FFF2-40B4-BE49-F238E27FC236}">
-                <a16:creationId xmlns:a16="http://schemas.microsoft.com/office/drawing/2014/main" id="{B5F0D656-C0A7-CC49-9EE3-664923FA618B}"/>
+                <a16:creationId xmlns:a16="http://schemas.microsoft.com/office/drawing/2014/main" id="{DAFEDF11-1449-43F9-90FB-FEA14603949E}"/>
               </a:ext>
             </a:extLst>
           </p:cNvPr>
@@ -20171,8 +20262,8 @@
         </p:nvSpPr>
         <p:spPr>
           <a:xfrm>
-            <a:off x="10522084" y="18574"/>
-            <a:ext cx="1669916" cy="369332"/>
+            <a:off x="10398868" y="18574"/>
+            <a:ext cx="1793132" cy="369332"/>
           </a:xfrm>
           <a:prstGeom prst="rect">
             <a:avLst/>
@@ -20187,7 +20278,7 @@
           <a:p>
             <a:r>
               <a:rPr lang="en-US" dirty="0"/>
-              <a:t>LA-UR-11-1111</a:t>
+              <a:t>LA-UR-19-24149</a:t>
             </a:r>
           </a:p>
         </p:txBody>
@@ -20275,7 +20366,7 @@
           <a:p>
             <a:r>
               <a:rPr lang="en-US" dirty="0"/>
-              <a:t>Carefully administered and managed – very stable long term</a:t>
+              <a:t>Carefully administered and managed</a:t>
             </a:r>
           </a:p>
           <a:p>
@@ -20289,6 +20380,13 @@
             <a:r>
               <a:rPr lang="en-US" dirty="0"/>
               <a:t>Might be missing an older or newer version you need</a:t>
+            </a:r>
+          </a:p>
+          <a:p>
+            <a:pPr lvl="1"/>
+            <a:r>
+              <a:rPr lang="en-US" dirty="0"/>
+              <a:t>Can’t install everything under the sun</a:t>
             </a:r>
           </a:p>
           <a:p>
@@ -20361,8 +20459,8 @@
         </p:nvSpPr>
         <p:spPr>
           <a:xfrm>
-            <a:off x="10522084" y="18574"/>
-            <a:ext cx="1669916" cy="369332"/>
+            <a:off x="10402349" y="18574"/>
+            <a:ext cx="1789651" cy="369332"/>
           </a:xfrm>
           <a:prstGeom prst="rect">
             <a:avLst/>
@@ -20377,7 +20475,7 @@
           <a:p>
             <a:r>
               <a:rPr lang="en-US" dirty="0"/>
-              <a:t>LA-UR-11-1111</a:t>
+              <a:t>LA-UR-19-24149</a:t>
             </a:r>
           </a:p>
         </p:txBody>
@@ -20517,10 +20615,10 @@
       </p:sp>
       <p:sp>
         <p:nvSpPr>
-          <p:cNvPr id="6" name="TextBox 5">
+          <p:cNvPr id="7" name="TextBox 6">
             <a:extLst>
               <a:ext uri="{FF2B5EF4-FFF2-40B4-BE49-F238E27FC236}">
-                <a16:creationId xmlns:a16="http://schemas.microsoft.com/office/drawing/2014/main" id="{ABB3840F-C944-0D49-B86F-6FFFBF9B135B}"/>
+                <a16:creationId xmlns:a16="http://schemas.microsoft.com/office/drawing/2014/main" id="{EA2E5AB7-37A7-4B00-BBDF-4E099243BE81}"/>
               </a:ext>
             </a:extLst>
           </p:cNvPr>
@@ -20529,8 +20627,8 @@
         </p:nvSpPr>
         <p:spPr>
           <a:xfrm>
-            <a:off x="10522084" y="18574"/>
-            <a:ext cx="1669916" cy="369332"/>
+            <a:off x="10398868" y="18574"/>
+            <a:ext cx="1793132" cy="369332"/>
           </a:xfrm>
           <a:prstGeom prst="rect">
             <a:avLst/>
@@ -20545,7 +20643,7 @@
           <a:p>
             <a:r>
               <a:rPr lang="en-US" dirty="0"/>
-              <a:t>LA-UR-11-1111</a:t>
+              <a:t>LA-UR-19-24149</a:t>
             </a:r>
           </a:p>
         </p:txBody>
@@ -21104,10 +21202,10 @@
       </p:sp>
       <p:sp>
         <p:nvSpPr>
-          <p:cNvPr id="6" name="TextBox 5">
+          <p:cNvPr id="7" name="TextBox 6">
             <a:extLst>
               <a:ext uri="{FF2B5EF4-FFF2-40B4-BE49-F238E27FC236}">
-                <a16:creationId xmlns:a16="http://schemas.microsoft.com/office/drawing/2014/main" id="{E68B2DF3-A3DD-B741-B13A-2DA9E2B65709}"/>
+                <a16:creationId xmlns:a16="http://schemas.microsoft.com/office/drawing/2014/main" id="{F42D7BF1-AB22-4915-B81D-10CF0A420B7C}"/>
               </a:ext>
             </a:extLst>
           </p:cNvPr>
@@ -21116,8 +21214,8 @@
         </p:nvSpPr>
         <p:spPr>
           <a:xfrm>
-            <a:off x="10522084" y="18574"/>
-            <a:ext cx="1669916" cy="369332"/>
+            <a:off x="10398868" y="18574"/>
+            <a:ext cx="1793132" cy="369332"/>
           </a:xfrm>
           <a:prstGeom prst="rect">
             <a:avLst/>
@@ -21132,7 +21230,7 @@
           <a:p>
             <a:r>
               <a:rPr lang="en-US" dirty="0"/>
-              <a:t>LA-UR-11-1111</a:t>
+              <a:t>LA-UR-19-24149</a:t>
             </a:r>
           </a:p>
         </p:txBody>
@@ -21371,10 +21469,10 @@
       </p:sp>
       <p:sp>
         <p:nvSpPr>
-          <p:cNvPr id="7" name="TextBox 6">
+          <p:cNvPr id="8" name="TextBox 7">
             <a:extLst>
               <a:ext uri="{FF2B5EF4-FFF2-40B4-BE49-F238E27FC236}">
-                <a16:creationId xmlns:a16="http://schemas.microsoft.com/office/drawing/2014/main" id="{F36816C8-53CB-6346-83B5-0E31E33DC86F}"/>
+                <a16:creationId xmlns:a16="http://schemas.microsoft.com/office/drawing/2014/main" id="{F7B016C1-D413-4636-9F6A-5EB907C88365}"/>
               </a:ext>
             </a:extLst>
           </p:cNvPr>
@@ -21383,8 +21481,8 @@
         </p:nvSpPr>
         <p:spPr>
           <a:xfrm>
-            <a:off x="10522084" y="18574"/>
-            <a:ext cx="1669916" cy="369332"/>
+            <a:off x="10398868" y="18574"/>
+            <a:ext cx="1793132" cy="369332"/>
           </a:xfrm>
           <a:prstGeom prst="rect">
             <a:avLst/>
@@ -21399,7 +21497,7 @@
           <a:p>
             <a:r>
               <a:rPr lang="en-US" dirty="0"/>
-              <a:t>LA-UR-11-1111</a:t>
+              <a:t>LA-UR-19-24149</a:t>
             </a:r>
           </a:p>
         </p:txBody>
@@ -21561,10 +21659,10 @@
       </p:sp>
       <p:sp>
         <p:nvSpPr>
-          <p:cNvPr id="8" name="TextBox 7">
+          <p:cNvPr id="6" name="TextBox 5">
             <a:extLst>
               <a:ext uri="{FF2B5EF4-FFF2-40B4-BE49-F238E27FC236}">
-                <a16:creationId xmlns:a16="http://schemas.microsoft.com/office/drawing/2014/main" id="{CBBEFABB-ECE4-714E-9161-279E0BB94D43}"/>
+                <a16:creationId xmlns:a16="http://schemas.microsoft.com/office/drawing/2014/main" id="{C1C9B936-B9AE-4364-AF5A-BE5095E8673B}"/>
               </a:ext>
             </a:extLst>
           </p:cNvPr>
@@ -21573,8 +21671,8 @@
         </p:nvSpPr>
         <p:spPr>
           <a:xfrm>
-            <a:off x="10522084" y="18574"/>
-            <a:ext cx="1669916" cy="369332"/>
+            <a:off x="10398868" y="18574"/>
+            <a:ext cx="1793132" cy="369332"/>
           </a:xfrm>
           <a:prstGeom prst="rect">
             <a:avLst/>
@@ -21589,7 +21687,7 @@
           <a:p>
             <a:r>
               <a:rPr lang="en-US" dirty="0"/>
-              <a:t>LA-UR-11-1111</a:t>
+              <a:t>LA-UR-19-24149</a:t>
             </a:r>
           </a:p>
         </p:txBody>
@@ -21970,10 +22068,10 @@
       </p:sp>
       <p:sp>
         <p:nvSpPr>
-          <p:cNvPr id="9" name="TextBox 8">
+          <p:cNvPr id="8" name="TextBox 7">
             <a:extLst>
               <a:ext uri="{FF2B5EF4-FFF2-40B4-BE49-F238E27FC236}">
-                <a16:creationId xmlns:a16="http://schemas.microsoft.com/office/drawing/2014/main" id="{1C29FEA3-EACB-944B-BF97-88B0FE64E587}"/>
+                <a16:creationId xmlns:a16="http://schemas.microsoft.com/office/drawing/2014/main" id="{08BABBA2-A5BC-4EAC-B1B4-F31CBBDA2061}"/>
               </a:ext>
             </a:extLst>
           </p:cNvPr>
@@ -21982,8 +22080,8 @@
         </p:nvSpPr>
         <p:spPr>
           <a:xfrm>
-            <a:off x="10522084" y="18574"/>
-            <a:ext cx="1669916" cy="369332"/>
+            <a:off x="10398868" y="18574"/>
+            <a:ext cx="1793132" cy="369332"/>
           </a:xfrm>
           <a:prstGeom prst="rect">
             <a:avLst/>
@@ -21998,7 +22096,7 @@
           <a:p>
             <a:r>
               <a:rPr lang="en-US" dirty="0"/>
-              <a:t>LA-UR-11-1111</a:t>
+              <a:t>LA-UR-19-24149</a:t>
             </a:r>
           </a:p>
         </p:txBody>
@@ -22376,10 +22474,10 @@
       </p:sp>
       <p:sp>
         <p:nvSpPr>
-          <p:cNvPr id="9" name="TextBox 8">
+          <p:cNvPr id="10" name="TextBox 9">
             <a:extLst>
               <a:ext uri="{FF2B5EF4-FFF2-40B4-BE49-F238E27FC236}">
-                <a16:creationId xmlns:a16="http://schemas.microsoft.com/office/drawing/2014/main" id="{E015568F-516C-2042-9B4D-FF938DDE1656}"/>
+                <a16:creationId xmlns:a16="http://schemas.microsoft.com/office/drawing/2014/main" id="{423DE6C5-EB70-48C5-8135-EEE43649B1E0}"/>
               </a:ext>
             </a:extLst>
           </p:cNvPr>
@@ -22388,8 +22486,8 @@
         </p:nvSpPr>
         <p:spPr>
           <a:xfrm>
-            <a:off x="10522084" y="18574"/>
-            <a:ext cx="1669916" cy="369332"/>
+            <a:off x="10398868" y="18574"/>
+            <a:ext cx="1793132" cy="369332"/>
           </a:xfrm>
           <a:prstGeom prst="rect">
             <a:avLst/>
@@ -22404,7 +22502,7 @@
           <a:p>
             <a:r>
               <a:rPr lang="en-US" dirty="0"/>
-              <a:t>LA-UR-11-1111</a:t>
+              <a:t>LA-UR-19-24149</a:t>
             </a:r>
           </a:p>
         </p:txBody>
@@ -22785,10 +22883,10 @@
       </p:sp>
       <p:sp>
         <p:nvSpPr>
-          <p:cNvPr id="8" name="TextBox 7">
+          <p:cNvPr id="9" name="TextBox 8">
             <a:extLst>
               <a:ext uri="{FF2B5EF4-FFF2-40B4-BE49-F238E27FC236}">
-                <a16:creationId xmlns:a16="http://schemas.microsoft.com/office/drawing/2014/main" id="{84177A27-D8B3-4D44-ABDD-AF41B26E2232}"/>
+                <a16:creationId xmlns:a16="http://schemas.microsoft.com/office/drawing/2014/main" id="{D2745FB5-132A-4E19-A6A6-282FD13AC2D1}"/>
               </a:ext>
             </a:extLst>
           </p:cNvPr>
@@ -22797,8 +22895,8 @@
         </p:nvSpPr>
         <p:spPr>
           <a:xfrm>
-            <a:off x="10522084" y="18574"/>
-            <a:ext cx="1669916" cy="369332"/>
+            <a:off x="10398868" y="18574"/>
+            <a:ext cx="1793132" cy="369332"/>
           </a:xfrm>
           <a:prstGeom prst="rect">
             <a:avLst/>
@@ -22813,7 +22911,7 @@
           <a:p>
             <a:r>
               <a:rPr lang="en-US" dirty="0"/>
-              <a:t>LA-UR-11-1111</a:t>
+              <a:t>LA-UR-19-24149</a:t>
             </a:r>
           </a:p>
         </p:txBody>
@@ -23171,10 +23269,10 @@
       </p:sp>
       <p:sp>
         <p:nvSpPr>
-          <p:cNvPr id="7" name="TextBox 6">
+          <p:cNvPr id="8" name="TextBox 7">
             <a:extLst>
               <a:ext uri="{FF2B5EF4-FFF2-40B4-BE49-F238E27FC236}">
-                <a16:creationId xmlns:a16="http://schemas.microsoft.com/office/drawing/2014/main" id="{BF91CFED-A3E2-F54A-BF33-ED35163B986D}"/>
+                <a16:creationId xmlns:a16="http://schemas.microsoft.com/office/drawing/2014/main" id="{2B474FC5-8E56-4366-9E50-CF431F712A33}"/>
               </a:ext>
             </a:extLst>
           </p:cNvPr>
@@ -23183,8 +23281,8 @@
         </p:nvSpPr>
         <p:spPr>
           <a:xfrm>
-            <a:off x="10522084" y="18574"/>
-            <a:ext cx="1669916" cy="369332"/>
+            <a:off x="10398868" y="18574"/>
+            <a:ext cx="1793132" cy="369332"/>
           </a:xfrm>
           <a:prstGeom prst="rect">
             <a:avLst/>
@@ -23199,7 +23297,7 @@
           <a:p>
             <a:r>
               <a:rPr lang="en-US" dirty="0"/>
-              <a:t>LA-UR-11-1111</a:t>
+              <a:t>LA-UR-19-24149</a:t>
             </a:r>
           </a:p>
         </p:txBody>
@@ -23250,7 +23348,12 @@
             <p:ph type="title"/>
           </p:nvPr>
         </p:nvSpPr>
-        <p:spPr/>
+        <p:spPr>
+          <a:xfrm>
+            <a:off x="1141413" y="618518"/>
+            <a:ext cx="9905998" cy="1478570"/>
+          </a:xfrm>
+        </p:spPr>
         <p:txBody>
           <a:bodyPr/>
           <a:lstStyle/>
@@ -23375,10 +23478,10 @@
       </p:sp>
       <p:sp>
         <p:nvSpPr>
-          <p:cNvPr id="6" name="TextBox 5">
+          <p:cNvPr id="8" name="TextBox 7">
             <a:extLst>
               <a:ext uri="{FF2B5EF4-FFF2-40B4-BE49-F238E27FC236}">
-                <a16:creationId xmlns:a16="http://schemas.microsoft.com/office/drawing/2014/main" id="{E4D14B19-8984-9F4E-8EAB-8D7A36B171E5}"/>
+                <a16:creationId xmlns:a16="http://schemas.microsoft.com/office/drawing/2014/main" id="{EAA06C9C-DB45-4918-A560-42FEB8D51158}"/>
               </a:ext>
             </a:extLst>
           </p:cNvPr>
@@ -23387,8 +23490,8 @@
         </p:nvSpPr>
         <p:spPr>
           <a:xfrm>
-            <a:off x="10522084" y="18574"/>
-            <a:ext cx="1669916" cy="369332"/>
+            <a:off x="10398868" y="18574"/>
+            <a:ext cx="1793132" cy="369332"/>
           </a:xfrm>
           <a:prstGeom prst="rect">
             <a:avLst/>
@@ -23403,7 +23506,7 @@
           <a:p>
             <a:r>
               <a:rPr lang="en-US" dirty="0"/>
-              <a:t>LA-UR-11-1111</a:t>
+              <a:t>LA-UR-19-24149</a:t>
             </a:r>
           </a:p>
         </p:txBody>
@@ -23565,10 +23668,10 @@
       </p:sp>
       <p:sp>
         <p:nvSpPr>
-          <p:cNvPr id="6" name="TextBox 5">
+          <p:cNvPr id="7" name="TextBox 6">
             <a:extLst>
               <a:ext uri="{FF2B5EF4-FFF2-40B4-BE49-F238E27FC236}">
-                <a16:creationId xmlns:a16="http://schemas.microsoft.com/office/drawing/2014/main" id="{37CACA15-CFCB-7940-A75D-E552BA4A9DDE}"/>
+                <a16:creationId xmlns:a16="http://schemas.microsoft.com/office/drawing/2014/main" id="{95D540F9-2976-4049-A783-B93EFE4E3B1F}"/>
               </a:ext>
             </a:extLst>
           </p:cNvPr>
@@ -23577,8 +23680,8 @@
         </p:nvSpPr>
         <p:spPr>
           <a:xfrm>
-            <a:off x="10522084" y="18574"/>
-            <a:ext cx="1669916" cy="369332"/>
+            <a:off x="10398868" y="18574"/>
+            <a:ext cx="1793132" cy="369332"/>
           </a:xfrm>
           <a:prstGeom prst="rect">
             <a:avLst/>
@@ -23593,7 +23696,7 @@
           <a:p>
             <a:r>
               <a:rPr lang="en-US" dirty="0"/>
-              <a:t>LA-UR-11-1111</a:t>
+              <a:t>LA-UR-19-24149</a:t>
             </a:r>
           </a:p>
         </p:txBody>
@@ -23823,10 +23926,10 @@
       </p:sp>
       <p:sp>
         <p:nvSpPr>
-          <p:cNvPr id="7" name="TextBox 6">
+          <p:cNvPr id="8" name="TextBox 7">
             <a:extLst>
               <a:ext uri="{FF2B5EF4-FFF2-40B4-BE49-F238E27FC236}">
-                <a16:creationId xmlns:a16="http://schemas.microsoft.com/office/drawing/2014/main" id="{63C86CA5-EF1D-934E-9AD9-E83E2002CD0B}"/>
+                <a16:creationId xmlns:a16="http://schemas.microsoft.com/office/drawing/2014/main" id="{A88C75D8-BC3C-4A97-97D6-775E1FCD10C6}"/>
               </a:ext>
             </a:extLst>
           </p:cNvPr>
@@ -23835,8 +23938,8 @@
         </p:nvSpPr>
         <p:spPr>
           <a:xfrm>
-            <a:off x="10522084" y="18574"/>
-            <a:ext cx="1669916" cy="369332"/>
+            <a:off x="10398868" y="18574"/>
+            <a:ext cx="1793132" cy="369332"/>
           </a:xfrm>
           <a:prstGeom prst="rect">
             <a:avLst/>
@@ -23851,7 +23954,7 @@
           <a:p>
             <a:r>
               <a:rPr lang="en-US" dirty="0"/>
-              <a:t>LA-UR-11-1111</a:t>
+              <a:t>LA-UR-19-24149</a:t>
             </a:r>
           </a:p>
         </p:txBody>
@@ -23991,10 +24094,10 @@
       </p:sp>
       <p:sp>
         <p:nvSpPr>
-          <p:cNvPr id="6" name="TextBox 5">
+          <p:cNvPr id="7" name="TextBox 6">
             <a:extLst>
               <a:ext uri="{FF2B5EF4-FFF2-40B4-BE49-F238E27FC236}">
-                <a16:creationId xmlns:a16="http://schemas.microsoft.com/office/drawing/2014/main" id="{1A1CD8B8-DA63-1045-A0B9-5F1277B0DD78}"/>
+                <a16:creationId xmlns:a16="http://schemas.microsoft.com/office/drawing/2014/main" id="{89B6FC04-E9EF-4BDB-A856-2D8EF31DE014}"/>
               </a:ext>
             </a:extLst>
           </p:cNvPr>
@@ -24003,8 +24106,8 @@
         </p:nvSpPr>
         <p:spPr>
           <a:xfrm>
-            <a:off x="10522084" y="18574"/>
-            <a:ext cx="1669916" cy="369332"/>
+            <a:off x="10398868" y="18574"/>
+            <a:ext cx="1793132" cy="369332"/>
           </a:xfrm>
           <a:prstGeom prst="rect">
             <a:avLst/>
@@ -24019,7 +24122,7 @@
           <a:p>
             <a:r>
               <a:rPr lang="en-US" dirty="0"/>
-              <a:t>LA-UR-11-1111</a:t>
+              <a:t>LA-UR-19-24149</a:t>
             </a:r>
           </a:p>
         </p:txBody>
@@ -24176,10 +24279,10 @@
       </p:sp>
       <p:sp>
         <p:nvSpPr>
-          <p:cNvPr id="6" name="TextBox 5">
+          <p:cNvPr id="7" name="TextBox 6">
             <a:extLst>
               <a:ext uri="{FF2B5EF4-FFF2-40B4-BE49-F238E27FC236}">
-                <a16:creationId xmlns:a16="http://schemas.microsoft.com/office/drawing/2014/main" id="{06871D02-B3FB-A84C-841C-0702A7FB65C0}"/>
+                <a16:creationId xmlns:a16="http://schemas.microsoft.com/office/drawing/2014/main" id="{07D8418E-CB23-4A01-B151-B3FE79FC15B0}"/>
               </a:ext>
             </a:extLst>
           </p:cNvPr>
@@ -24188,8 +24291,8 @@
         </p:nvSpPr>
         <p:spPr>
           <a:xfrm>
-            <a:off x="10522084" y="18574"/>
-            <a:ext cx="1669916" cy="369332"/>
+            <a:off x="10398868" y="18574"/>
+            <a:ext cx="1793132" cy="369332"/>
           </a:xfrm>
           <a:prstGeom prst="rect">
             <a:avLst/>
@@ -24204,7 +24307,7 @@
           <a:p>
             <a:r>
               <a:rPr lang="en-US" dirty="0"/>
-              <a:t>LA-UR-11-1111</a:t>
+              <a:t>LA-UR-19-24149</a:t>
             </a:r>
           </a:p>
         </p:txBody>
@@ -24323,10 +24426,10 @@
       </p:sp>
       <p:sp>
         <p:nvSpPr>
-          <p:cNvPr id="6" name="TextBox 5">
+          <p:cNvPr id="7" name="TextBox 6">
             <a:extLst>
               <a:ext uri="{FF2B5EF4-FFF2-40B4-BE49-F238E27FC236}">
-                <a16:creationId xmlns:a16="http://schemas.microsoft.com/office/drawing/2014/main" id="{C6519C25-7727-6647-AA56-D695FAA50000}"/>
+                <a16:creationId xmlns:a16="http://schemas.microsoft.com/office/drawing/2014/main" id="{4C98BB4C-45C1-4DFF-BAAD-A939E4F184CB}"/>
               </a:ext>
             </a:extLst>
           </p:cNvPr>
@@ -24335,8 +24438,8 @@
         </p:nvSpPr>
         <p:spPr>
           <a:xfrm>
-            <a:off x="10522084" y="18574"/>
-            <a:ext cx="1669916" cy="369332"/>
+            <a:off x="10398868" y="18574"/>
+            <a:ext cx="1793132" cy="369332"/>
           </a:xfrm>
           <a:prstGeom prst="rect">
             <a:avLst/>
@@ -24351,7 +24454,7 @@
           <a:p>
             <a:r>
               <a:rPr lang="en-US" dirty="0"/>
-              <a:t>LA-UR-11-1111</a:t>
+              <a:t>LA-UR-19-24149</a:t>
             </a:r>
           </a:p>
         </p:txBody>
@@ -24437,13 +24540,29 @@
           <a:p>
             <a:r>
               <a:rPr lang="en-US" dirty="0"/>
-              <a:t>Many have numerous specific dependencies that are not supported</a:t>
+              <a:t>Many people have specific dependencies that are not supported</a:t>
             </a:r>
           </a:p>
           <a:p>
             <a:r>
               <a:rPr lang="en-US" dirty="0"/>
-              <a:t>Building software can be difficult</a:t>
+              <a:t>Building software can be difficult and create conflicts with installed software (</a:t>
+            </a:r>
+            <a:r>
+              <a:rPr lang="en-US" dirty="0" err="1"/>
+              <a:t>Priedhorsky</a:t>
+            </a:r>
+            <a:r>
+              <a:rPr lang="en-US" dirty="0"/>
+              <a:t> &amp; </a:t>
+            </a:r>
+            <a:r>
+              <a:rPr lang="en-US" dirty="0" err="1"/>
+              <a:t>Randles</a:t>
+            </a:r>
+            <a:r>
+              <a:rPr lang="en-US" dirty="0"/>
+              <a:t>, 2017)</a:t>
             </a:r>
           </a:p>
           <a:p>
@@ -24497,10 +24616,10 @@
       </p:sp>
       <p:sp>
         <p:nvSpPr>
-          <p:cNvPr id="6" name="TextBox 5">
+          <p:cNvPr id="7" name="TextBox 6">
             <a:extLst>
               <a:ext uri="{FF2B5EF4-FFF2-40B4-BE49-F238E27FC236}">
-                <a16:creationId xmlns:a16="http://schemas.microsoft.com/office/drawing/2014/main" id="{70BB581A-1905-8744-A430-D7FE873D6BDD}"/>
+                <a16:creationId xmlns:a16="http://schemas.microsoft.com/office/drawing/2014/main" id="{4BFA651F-9323-4D8E-A26E-2D91A994D865}"/>
               </a:ext>
             </a:extLst>
           </p:cNvPr>
@@ -24509,8 +24628,8 @@
         </p:nvSpPr>
         <p:spPr>
           <a:xfrm>
-            <a:off x="10522084" y="18574"/>
-            <a:ext cx="1669916" cy="369332"/>
+            <a:off x="10398868" y="18574"/>
+            <a:ext cx="1793132" cy="369332"/>
           </a:xfrm>
           <a:prstGeom prst="rect">
             <a:avLst/>
@@ -24525,7 +24644,7 @@
           <a:p>
             <a:r>
               <a:rPr lang="en-US" dirty="0"/>
-              <a:t>LA-UR-11-1111</a:t>
+              <a:t>LA-UR-19-24149</a:t>
             </a:r>
           </a:p>
         </p:txBody>
@@ -24607,19 +24726,19 @@
         <p:spPr/>
         <p:txBody>
           <a:bodyPr>
-            <a:normAutofit fontScale="92500" lnSpcReduction="10000"/>
+            <a:normAutofit fontScale="85000" lnSpcReduction="10000"/>
           </a:bodyPr>
           <a:lstStyle/>
           <a:p>
             <a:r>
               <a:rPr lang="en-US" dirty="0"/>
-              <a:t>Uses an entire guest operating system</a:t>
+              <a:t>Uses an entire guest operating system </a:t>
             </a:r>
           </a:p>
           <a:p>
             <a:r>
               <a:rPr lang="en-US" dirty="0"/>
-              <a:t>Separate user libraries and binaries</a:t>
+              <a:t>Separate user libraries and binaries from the host</a:t>
             </a:r>
           </a:p>
           <a:p>
@@ -24643,14 +24762,81 @@
           <a:p>
             <a:r>
               <a:rPr lang="en-US" dirty="0"/>
-              <a:t>Usually no access to special hardware used in HPC</a:t>
-            </a:r>
-          </a:p>
-          <a:p>
+              <a:t>Usually no access to special hardware used in HPC (</a:t>
+            </a:r>
+            <a:r>
+              <a:rPr lang="en-US" dirty="0" err="1"/>
+              <a:t>Soltesz</a:t>
+            </a:r>
             <a:r>
               <a:rPr lang="en-US" dirty="0"/>
-              <a:t>Keeps host kernel safe from blunders</a:t>
-            </a:r>
+              <a:t>, </a:t>
+            </a:r>
+            <a:r>
+              <a:rPr lang="en-US" dirty="0" err="1"/>
+              <a:t>Pötzl</a:t>
+            </a:r>
+            <a:r>
+              <a:rPr lang="en-US" dirty="0"/>
+              <a:t>, </a:t>
+            </a:r>
+            <a:r>
+              <a:rPr lang="en-US" dirty="0" err="1"/>
+              <a:t>Fiuczynski</a:t>
+            </a:r>
+            <a:r>
+              <a:rPr lang="en-US" dirty="0"/>
+              <a:t>, </a:t>
+            </a:r>
+            <a:r>
+              <a:rPr lang="en-US" dirty="0" err="1"/>
+              <a:t>Bavier</a:t>
+            </a:r>
+            <a:r>
+              <a:rPr lang="en-US" dirty="0"/>
+              <a:t>, &amp; Peterson, 2007)</a:t>
+            </a:r>
+          </a:p>
+          <a:p>
+            <a:r>
+              <a:rPr lang="en-US" dirty="0"/>
+              <a:t>Keeps host kernel safe from blunders (</a:t>
+            </a:r>
+            <a:r>
+              <a:rPr lang="en-US" dirty="0" err="1"/>
+              <a:t>Soltesz</a:t>
+            </a:r>
+            <a:r>
+              <a:rPr lang="en-US" dirty="0"/>
+              <a:t>, </a:t>
+            </a:r>
+            <a:r>
+              <a:rPr lang="en-US" dirty="0" err="1"/>
+              <a:t>Pötzl</a:t>
+            </a:r>
+            <a:r>
+              <a:rPr lang="en-US" dirty="0"/>
+              <a:t>, </a:t>
+            </a:r>
+            <a:r>
+              <a:rPr lang="en-US" dirty="0" err="1"/>
+              <a:t>Fiuczynski</a:t>
+            </a:r>
+            <a:r>
+              <a:rPr lang="en-US" dirty="0"/>
+              <a:t>, </a:t>
+            </a:r>
+            <a:r>
+              <a:rPr lang="en-US" dirty="0" err="1"/>
+              <a:t>Bavier</a:t>
+            </a:r>
+            <a:r>
+              <a:rPr lang="en-US" dirty="0"/>
+              <a:t>, &amp; Peterson, 2007)</a:t>
+            </a:r>
+          </a:p>
+          <a:p>
+            <a:endParaRPr lang="en-US" dirty="0"/>
           </a:p>
           <a:p>
             <a:pPr lvl="1"/>
@@ -24689,10 +24875,10 @@
       </p:sp>
       <p:sp>
         <p:nvSpPr>
-          <p:cNvPr id="6" name="TextBox 5">
+          <p:cNvPr id="7" name="TextBox 6">
             <a:extLst>
               <a:ext uri="{FF2B5EF4-FFF2-40B4-BE49-F238E27FC236}">
-                <a16:creationId xmlns:a16="http://schemas.microsoft.com/office/drawing/2014/main" id="{BEA7AC76-6A46-824F-9912-36FF01D4107D}"/>
+                <a16:creationId xmlns:a16="http://schemas.microsoft.com/office/drawing/2014/main" id="{91869457-7EEA-4728-B29E-CA03848F5EDB}"/>
               </a:ext>
             </a:extLst>
           </p:cNvPr>
@@ -24701,8 +24887,8 @@
         </p:nvSpPr>
         <p:spPr>
           <a:xfrm>
-            <a:off x="10522084" y="18574"/>
-            <a:ext cx="1669916" cy="369332"/>
+            <a:off x="10398868" y="18574"/>
+            <a:ext cx="1793132" cy="369332"/>
           </a:xfrm>
           <a:prstGeom prst="rect">
             <a:avLst/>
@@ -24717,7 +24903,7 @@
           <a:p>
             <a:r>
               <a:rPr lang="en-US" dirty="0"/>
-              <a:t>LA-UR-11-1111</a:t>
+              <a:t>LA-UR-19-24149</a:t>
             </a:r>
           </a:p>
         </p:txBody>
@@ -24798,7 +24984,9 @@
         </p:nvSpPr>
         <p:spPr/>
         <p:txBody>
-          <a:bodyPr/>
+          <a:bodyPr>
+            <a:normAutofit fontScale="92500" lnSpcReduction="20000"/>
+          </a:bodyPr>
           <a:lstStyle/>
           <a:p>
             <a:r>
@@ -24816,21 +25004,37 @@
             <a:pPr lvl="1"/>
             <a:r>
               <a:rPr lang="en-US" dirty="0"/>
-              <a:t>Can directly access special hardware</a:t>
+              <a:t>Can directly access special hardware with proper configuration (</a:t>
+            </a:r>
+            <a:r>
+              <a:rPr lang="en-US" dirty="0" err="1"/>
+              <a:t>Priedhorsky</a:t>
+            </a:r>
+            <a:r>
+              <a:rPr lang="en-US" dirty="0"/>
+              <a:t> &amp; </a:t>
+            </a:r>
+            <a:r>
+              <a:rPr lang="en-US" dirty="0" err="1"/>
+              <a:t>Randles</a:t>
+            </a:r>
+            <a:r>
+              <a:rPr lang="en-US" dirty="0"/>
+              <a:t>, 2017)</a:t>
             </a:r>
           </a:p>
           <a:p>
             <a:pPr lvl="1"/>
             <a:r>
               <a:rPr lang="en-US" dirty="0"/>
-              <a:t>Smaller than virtual machines</a:t>
+              <a:t>Smaller than virtual machines (Jacobsen &amp; Canon, 2015)</a:t>
             </a:r>
           </a:p>
           <a:p>
             <a:pPr lvl="1"/>
             <a:r>
               <a:rPr lang="en-US" dirty="0"/>
-              <a:t>More risk to the host</a:t>
+              <a:t>More risk to the host (Jacobsen &amp; Canon, 2015)</a:t>
             </a:r>
           </a:p>
           <a:p>
@@ -24842,7 +25046,7 @@
           <a:p>
             <a:r>
               <a:rPr lang="en-US" dirty="0"/>
-              <a:t>Lower overhead not having to start an entire operating system</a:t>
+              <a:t>Lower overhead not having to start an entire operating system (Jacobsen &amp; Canon, 2015)</a:t>
             </a:r>
           </a:p>
         </p:txBody>
@@ -24878,10 +25082,10 @@
       </p:sp>
       <p:sp>
         <p:nvSpPr>
-          <p:cNvPr id="6" name="TextBox 5">
+          <p:cNvPr id="7" name="TextBox 6">
             <a:extLst>
               <a:ext uri="{FF2B5EF4-FFF2-40B4-BE49-F238E27FC236}">
-                <a16:creationId xmlns:a16="http://schemas.microsoft.com/office/drawing/2014/main" id="{E00F1869-E76E-7341-BFD3-21ED10B913CF}"/>
+                <a16:creationId xmlns:a16="http://schemas.microsoft.com/office/drawing/2014/main" id="{6881CD71-DBCC-4F95-A7BA-6E8996843DC8}"/>
               </a:ext>
             </a:extLst>
           </p:cNvPr>
@@ -24890,8 +25094,8 @@
         </p:nvSpPr>
         <p:spPr>
           <a:xfrm>
-            <a:off x="10522084" y="18574"/>
-            <a:ext cx="1669916" cy="369332"/>
+            <a:off x="10398868" y="18574"/>
+            <a:ext cx="1793132" cy="369332"/>
           </a:xfrm>
           <a:prstGeom prst="rect">
             <a:avLst/>
@@ -24906,7 +25110,7 @@
           <a:p>
             <a:r>
               <a:rPr lang="en-US" dirty="0"/>
-              <a:t>LA-UR-11-1111</a:t>
+              <a:t>LA-UR-19-24149</a:t>
             </a:r>
           </a:p>
         </p:txBody>
@@ -25029,10 +25233,10 @@
       </p:sp>
       <p:sp>
         <p:nvSpPr>
-          <p:cNvPr id="6" name="TextBox 5">
+          <p:cNvPr id="7" name="TextBox 6">
             <a:extLst>
               <a:ext uri="{FF2B5EF4-FFF2-40B4-BE49-F238E27FC236}">
-                <a16:creationId xmlns:a16="http://schemas.microsoft.com/office/drawing/2014/main" id="{2DFC80BC-EA93-0740-883B-E4066FECC7F4}"/>
+                <a16:creationId xmlns:a16="http://schemas.microsoft.com/office/drawing/2014/main" id="{6A88E072-166F-40E7-AB26-49CE1BD4578D}"/>
               </a:ext>
             </a:extLst>
           </p:cNvPr>
@@ -25041,8 +25245,8 @@
         </p:nvSpPr>
         <p:spPr>
           <a:xfrm>
-            <a:off x="10522084" y="18574"/>
-            <a:ext cx="1669916" cy="369332"/>
+            <a:off x="10398868" y="18574"/>
+            <a:ext cx="1793132" cy="369332"/>
           </a:xfrm>
           <a:prstGeom prst="rect">
             <a:avLst/>
@@ -25057,7 +25261,7 @@
           <a:p>
             <a:r>
               <a:rPr lang="en-US" dirty="0"/>
-              <a:t>LA-UR-11-1111</a:t>
+              <a:t>LA-UR-19-24149</a:t>
             </a:r>
           </a:p>
         </p:txBody>
@@ -25171,8 +25375,8 @@
         </p:nvSpPr>
         <p:spPr>
           <a:xfrm>
-            <a:off x="1141412" y="2249487"/>
-            <a:ext cx="4844521" cy="3541714"/>
+            <a:off x="1141412" y="1879134"/>
+            <a:ext cx="4844521" cy="4622333"/>
           </a:xfrm>
         </p:spPr>
         <p:txBody>
@@ -25183,13 +25387,13 @@
           <a:p>
             <a:r>
               <a:rPr lang="en-US" dirty="0"/>
-              <a:t>Fast</a:t>
+              <a:t>Fast (Jacobsen &amp; Canon, 2015)</a:t>
             </a:r>
           </a:p>
           <a:p>
             <a:r>
               <a:rPr lang="en-US" dirty="0"/>
-              <a:t>Lightweight</a:t>
+              <a:t>Lightweight (Jacobsen &amp; Canon, 2015)</a:t>
             </a:r>
           </a:p>
           <a:p>
@@ -25201,13 +25405,45 @@
           <a:p>
             <a:r>
               <a:rPr lang="en-US" dirty="0"/>
-              <a:t>Reproducible</a:t>
-            </a:r>
-          </a:p>
-          <a:p>
+              <a:t>Reproducible (</a:t>
+            </a:r>
+            <a:r>
+              <a:rPr lang="en-US" dirty="0" err="1"/>
+              <a:t>Priedhorsky</a:t>
+            </a:r>
             <a:r>
               <a:rPr lang="en-US" dirty="0"/>
-              <a:t>Portable</a:t>
+              <a:t> &amp; </a:t>
+            </a:r>
+            <a:r>
+              <a:rPr lang="en-US" dirty="0" err="1"/>
+              <a:t>Randles</a:t>
+            </a:r>
+            <a:r>
+              <a:rPr lang="en-US" dirty="0"/>
+              <a:t>, 2017)</a:t>
+            </a:r>
+          </a:p>
+          <a:p>
+            <a:r>
+              <a:rPr lang="en-US" dirty="0"/>
+              <a:t>Portable (</a:t>
+            </a:r>
+            <a:r>
+              <a:rPr lang="en-US" dirty="0" err="1"/>
+              <a:t>Priedhorsky</a:t>
+            </a:r>
+            <a:r>
+              <a:rPr lang="en-US" dirty="0"/>
+              <a:t> &amp; </a:t>
+            </a:r>
+            <a:r>
+              <a:rPr lang="en-US" dirty="0" err="1"/>
+              <a:t>Randles</a:t>
+            </a:r>
+            <a:r>
+              <a:rPr lang="en-US" dirty="0"/>
+              <a:t>, 2017)</a:t>
             </a:r>
           </a:p>
           <a:p>
@@ -25295,10 +25531,10 @@
       </p:sp>
       <p:sp>
         <p:nvSpPr>
-          <p:cNvPr id="7" name="TextBox 6">
+          <p:cNvPr id="9" name="TextBox 8">
             <a:extLst>
               <a:ext uri="{FF2B5EF4-FFF2-40B4-BE49-F238E27FC236}">
-                <a16:creationId xmlns:a16="http://schemas.microsoft.com/office/drawing/2014/main" id="{37D75CBE-2CDB-8042-8DF3-94B4BE3636A1}"/>
+                <a16:creationId xmlns:a16="http://schemas.microsoft.com/office/drawing/2014/main" id="{685975F8-B5BD-4C4F-81E9-0638D20F8402}"/>
               </a:ext>
             </a:extLst>
           </p:cNvPr>
@@ -25307,8 +25543,8 @@
         </p:nvSpPr>
         <p:spPr>
           <a:xfrm>
-            <a:off x="10522084" y="18574"/>
-            <a:ext cx="1669916" cy="369332"/>
+            <a:off x="10398868" y="18574"/>
+            <a:ext cx="1793132" cy="369332"/>
           </a:xfrm>
           <a:prstGeom prst="rect">
             <a:avLst/>
@@ -25323,7 +25559,7 @@
           <a:p>
             <a:r>
               <a:rPr lang="en-US" dirty="0"/>
-              <a:t>LA-UR-11-1111</a:t>
+              <a:t>LA-UR-19-24149</a:t>
             </a:r>
           </a:p>
         </p:txBody>
@@ -25498,7 +25734,23 @@
           <a:p>
             <a:r>
               <a:rPr lang="en-US" dirty="0"/>
-              <a:t>User defined software stacks introduce new attack vectors</a:t>
+              <a:t>User defined software stacks can introduce new attack vectors (</a:t>
+            </a:r>
+            <a:r>
+              <a:rPr lang="en-US" dirty="0" err="1"/>
+              <a:t>Priedhorsky</a:t>
+            </a:r>
+            <a:r>
+              <a:rPr lang="en-US" dirty="0"/>
+              <a:t> &amp; </a:t>
+            </a:r>
+            <a:r>
+              <a:rPr lang="en-US" dirty="0" err="1"/>
+              <a:t>Randles</a:t>
+            </a:r>
+            <a:r>
+              <a:rPr lang="en-US" dirty="0"/>
+              <a:t>, 2017)</a:t>
             </a:r>
           </a:p>
           <a:p>
@@ -25552,10 +25804,10 @@
       </p:sp>
       <p:sp>
         <p:nvSpPr>
-          <p:cNvPr id="7" name="TextBox 6">
+          <p:cNvPr id="8" name="TextBox 7">
             <a:extLst>
               <a:ext uri="{FF2B5EF4-FFF2-40B4-BE49-F238E27FC236}">
-                <a16:creationId xmlns:a16="http://schemas.microsoft.com/office/drawing/2014/main" id="{92773F43-E00C-7E43-8E4A-A8FD7C3C1972}"/>
+                <a16:creationId xmlns:a16="http://schemas.microsoft.com/office/drawing/2014/main" id="{8C9B8820-10CF-4A96-8007-092E53B6A1E0}"/>
               </a:ext>
             </a:extLst>
           </p:cNvPr>
@@ -25564,8 +25816,8 @@
         </p:nvSpPr>
         <p:spPr>
           <a:xfrm>
-            <a:off x="10522084" y="18574"/>
-            <a:ext cx="1669916" cy="369332"/>
+            <a:off x="10398868" y="18574"/>
+            <a:ext cx="1793132" cy="369332"/>
           </a:xfrm>
           <a:prstGeom prst="rect">
             <a:avLst/>
@@ -25580,7 +25832,7 @@
           <a:p>
             <a:r>
               <a:rPr lang="en-US" dirty="0"/>
-              <a:t>LA-UR-11-1111</a:t>
+              <a:t>LA-UR-19-24149</a:t>
             </a:r>
           </a:p>
         </p:txBody>

--- a/presentation.pptx
+++ b/presentation.pptx
@@ -5,10 +5,10 @@
     <p:sldMasterId id="2147483648" r:id="rId1"/>
   </p:sldMasterIdLst>
   <p:notesMasterIdLst>
-    <p:notesMasterId r:id="rId34"/>
+    <p:notesMasterId r:id="rId37"/>
   </p:notesMasterIdLst>
   <p:handoutMasterIdLst>
-    <p:handoutMasterId r:id="rId35"/>
+    <p:handoutMasterId r:id="rId38"/>
   </p:handoutMasterIdLst>
   <p:sldIdLst>
     <p:sldId id="256" r:id="rId2"/>
@@ -19,30 +19,33 @@
     <p:sldId id="261" r:id="rId7"/>
     <p:sldId id="262" r:id="rId8"/>
     <p:sldId id="263" r:id="rId9"/>
-    <p:sldId id="264" r:id="rId10"/>
-    <p:sldId id="266" r:id="rId11"/>
-    <p:sldId id="265" r:id="rId12"/>
-    <p:sldId id="268" r:id="rId13"/>
-    <p:sldId id="267" r:id="rId14"/>
-    <p:sldId id="269" r:id="rId15"/>
-    <p:sldId id="270" r:id="rId16"/>
-    <p:sldId id="271" r:id="rId17"/>
-    <p:sldId id="272" r:id="rId18"/>
-    <p:sldId id="275" r:id="rId19"/>
-    <p:sldId id="273" r:id="rId20"/>
-    <p:sldId id="276" r:id="rId21"/>
-    <p:sldId id="274" r:id="rId22"/>
-    <p:sldId id="277" r:id="rId23"/>
-    <p:sldId id="278" r:id="rId24"/>
-    <p:sldId id="279" r:id="rId25"/>
-    <p:sldId id="281" r:id="rId26"/>
-    <p:sldId id="282" r:id="rId27"/>
-    <p:sldId id="283" r:id="rId28"/>
-    <p:sldId id="284" r:id="rId29"/>
-    <p:sldId id="285" r:id="rId30"/>
-    <p:sldId id="286" r:id="rId31"/>
-    <p:sldId id="287" r:id="rId32"/>
-    <p:sldId id="288" r:id="rId33"/>
+    <p:sldId id="291" r:id="rId10"/>
+    <p:sldId id="264" r:id="rId11"/>
+    <p:sldId id="266" r:id="rId12"/>
+    <p:sldId id="265" r:id="rId13"/>
+    <p:sldId id="289" r:id="rId14"/>
+    <p:sldId id="268" r:id="rId15"/>
+    <p:sldId id="267" r:id="rId16"/>
+    <p:sldId id="269" r:id="rId17"/>
+    <p:sldId id="270" r:id="rId18"/>
+    <p:sldId id="271" r:id="rId19"/>
+    <p:sldId id="290" r:id="rId20"/>
+    <p:sldId id="272" r:id="rId21"/>
+    <p:sldId id="275" r:id="rId22"/>
+    <p:sldId id="273" r:id="rId23"/>
+    <p:sldId id="276" r:id="rId24"/>
+    <p:sldId id="274" r:id="rId25"/>
+    <p:sldId id="277" r:id="rId26"/>
+    <p:sldId id="278" r:id="rId27"/>
+    <p:sldId id="279" r:id="rId28"/>
+    <p:sldId id="281" r:id="rId29"/>
+    <p:sldId id="282" r:id="rId30"/>
+    <p:sldId id="283" r:id="rId31"/>
+    <p:sldId id="284" r:id="rId32"/>
+    <p:sldId id="285" r:id="rId33"/>
+    <p:sldId id="287" r:id="rId34"/>
+    <p:sldId id="286" r:id="rId35"/>
+    <p:sldId id="288" r:id="rId36"/>
   </p:sldIdLst>
   <p:sldSz cx="12192000" cy="6858000"/>
   <p:notesSz cx="6858000" cy="9144000"/>
@@ -752,7 +755,7 @@
           <a:noFill/>
           <a:extLst>
             <a:ext uri="{909E8E84-426E-40dd-AFC4-6F175D3DCCD1}">
-              <a14:hiddenFill xmlns="" xmlns:a14="http://schemas.microsoft.com/office/drawing/2010/main">
+              <a14:hiddenFill xmlns:a14="http://schemas.microsoft.com/office/drawing/2010/main" xmlns="">
                 <a:solidFill>
                   <a:srgbClr val="FFFFFF"/>
                 </a:solidFill>
@@ -811,7 +814,7 @@
             </a:ln>
             <a:extLst>
               <a:ext uri="{91240B29-F687-4f45-9708-019B960494DF}">
-                <a14:hiddenLine xmlns="" xmlns:a14="http://schemas.microsoft.com/office/drawing/2010/main" w="9525">
+                <a14:hiddenLine xmlns:a14="http://schemas.microsoft.com/office/drawing/2010/main" xmlns="" w="9525">
                   <a:solidFill>
                     <a:srgbClr val="000000"/>
                   </a:solidFill>
@@ -901,7 +904,7 @@
             </a:ln>
             <a:extLst>
               <a:ext uri="{91240B29-F687-4f45-9708-019B960494DF}">
-                <a14:hiddenLine xmlns="" xmlns:a14="http://schemas.microsoft.com/office/drawing/2010/main" w="9525">
+                <a14:hiddenLine xmlns:a14="http://schemas.microsoft.com/office/drawing/2010/main" xmlns="" w="9525">
                   <a:solidFill>
                     <a:srgbClr val="000000"/>
                   </a:solidFill>
@@ -991,7 +994,7 @@
             </a:ln>
             <a:extLst>
               <a:ext uri="{91240B29-F687-4f45-9708-019B960494DF}">
-                <a14:hiddenLine xmlns="" xmlns:a14="http://schemas.microsoft.com/office/drawing/2010/main" w="9525">
+                <a14:hiddenLine xmlns:a14="http://schemas.microsoft.com/office/drawing/2010/main" xmlns="" w="9525">
                   <a:solidFill>
                     <a:srgbClr val="000000"/>
                   </a:solidFill>
@@ -1025,7 +1028,7 @@
             </a:ln>
             <a:extLst>
               <a:ext uri="{91240B29-F687-4f45-9708-019B960494DF}">
-                <a14:hiddenLine xmlns="" xmlns:a14="http://schemas.microsoft.com/office/drawing/2010/main" w="9525">
+                <a14:hiddenLine xmlns:a14="http://schemas.microsoft.com/office/drawing/2010/main" xmlns="" w="9525">
                   <a:solidFill>
                     <a:srgbClr val="000000"/>
                   </a:solidFill>
@@ -1115,7 +1118,7 @@
             </a:ln>
             <a:extLst>
               <a:ext uri="{91240B29-F687-4f45-9708-019B960494DF}">
-                <a14:hiddenLine xmlns="" xmlns:a14="http://schemas.microsoft.com/office/drawing/2010/main" w="9525">
+                <a14:hiddenLine xmlns:a14="http://schemas.microsoft.com/office/drawing/2010/main" xmlns="" w="9525">
                   <a:solidFill>
                     <a:srgbClr val="000000"/>
                   </a:solidFill>
@@ -1177,7 +1180,7 @@
             </a:ln>
             <a:extLst>
               <a:ext uri="{91240B29-F687-4f45-9708-019B960494DF}">
-                <a14:hiddenLine xmlns="" xmlns:a14="http://schemas.microsoft.com/office/drawing/2010/main" w="9525">
+                <a14:hiddenLine xmlns:a14="http://schemas.microsoft.com/office/drawing/2010/main" xmlns="" w="9525">
                   <a:solidFill>
                     <a:srgbClr val="000000"/>
                   </a:solidFill>
@@ -1239,7 +1242,7 @@
             </a:ln>
             <a:extLst>
               <a:ext uri="{91240B29-F687-4f45-9708-019B960494DF}">
-                <a14:hiddenLine xmlns="" xmlns:a14="http://schemas.microsoft.com/office/drawing/2010/main" w="9525">
+                <a14:hiddenLine xmlns:a14="http://schemas.microsoft.com/office/drawing/2010/main" xmlns="" w="9525">
                   <a:solidFill>
                     <a:srgbClr val="000000"/>
                   </a:solidFill>
@@ -1329,7 +1332,7 @@
             </a:ln>
             <a:extLst>
               <a:ext uri="{91240B29-F687-4f45-9708-019B960494DF}">
-                <a14:hiddenLine xmlns="" xmlns:a14="http://schemas.microsoft.com/office/drawing/2010/main" w="9525">
+                <a14:hiddenLine xmlns:a14="http://schemas.microsoft.com/office/drawing/2010/main" xmlns="" w="9525">
                   <a:solidFill>
                     <a:srgbClr val="000000"/>
                   </a:solidFill>
@@ -1391,7 +1394,7 @@
             </a:ln>
             <a:extLst>
               <a:ext uri="{91240B29-F687-4f45-9708-019B960494DF}">
-                <a14:hiddenLine xmlns="" xmlns:a14="http://schemas.microsoft.com/office/drawing/2010/main" w="9525">
+                <a14:hiddenLine xmlns:a14="http://schemas.microsoft.com/office/drawing/2010/main" xmlns="" w="9525">
                   <a:solidFill>
                     <a:srgbClr val="000000"/>
                   </a:solidFill>
@@ -1453,7 +1456,7 @@
             </a:ln>
             <a:extLst>
               <a:ext uri="{91240B29-F687-4f45-9708-019B960494DF}">
-                <a14:hiddenLine xmlns="" xmlns:a14="http://schemas.microsoft.com/office/drawing/2010/main" w="9525">
+                <a14:hiddenLine xmlns:a14="http://schemas.microsoft.com/office/drawing/2010/main" xmlns="" w="9525">
                   <a:solidFill>
                     <a:srgbClr val="000000"/>
                   </a:solidFill>
@@ -1543,7 +1546,7 @@
             </a:ln>
             <a:extLst>
               <a:ext uri="{91240B29-F687-4f45-9708-019B960494DF}">
-                <a14:hiddenLine xmlns="" xmlns:a14="http://schemas.microsoft.com/office/drawing/2010/main" w="9525">
+                <a14:hiddenLine xmlns:a14="http://schemas.microsoft.com/office/drawing/2010/main" xmlns="" w="9525">
                   <a:solidFill>
                     <a:srgbClr val="000000"/>
                   </a:solidFill>
@@ -1633,7 +1636,7 @@
             </a:ln>
             <a:extLst>
               <a:ext uri="{91240B29-F687-4f45-9708-019B960494DF}">
-                <a14:hiddenLine xmlns="" xmlns:a14="http://schemas.microsoft.com/office/drawing/2010/main" w="9525">
+                <a14:hiddenLine xmlns:a14="http://schemas.microsoft.com/office/drawing/2010/main" xmlns="" w="9525">
                   <a:solidFill>
                     <a:srgbClr val="000000"/>
                   </a:solidFill>
@@ -1695,7 +1698,7 @@
             </a:ln>
             <a:extLst>
               <a:ext uri="{91240B29-F687-4f45-9708-019B960494DF}">
-                <a14:hiddenLine xmlns="" xmlns:a14="http://schemas.microsoft.com/office/drawing/2010/main" w="9525">
+                <a14:hiddenLine xmlns:a14="http://schemas.microsoft.com/office/drawing/2010/main" xmlns="" w="9525">
                   <a:solidFill>
                     <a:srgbClr val="000000"/>
                   </a:solidFill>
@@ -1805,7 +1808,7 @@
             </a:ln>
             <a:extLst>
               <a:ext uri="{91240B29-F687-4f45-9708-019B960494DF}">
-                <a14:hiddenLine xmlns="" xmlns:a14="http://schemas.microsoft.com/office/drawing/2010/main" w="9525">
+                <a14:hiddenLine xmlns:a14="http://schemas.microsoft.com/office/drawing/2010/main" xmlns="" w="9525">
                   <a:solidFill>
                     <a:srgbClr val="000000"/>
                   </a:solidFill>
@@ -1867,7 +1870,7 @@
             </a:ln>
             <a:extLst>
               <a:ext uri="{91240B29-F687-4f45-9708-019B960494DF}">
-                <a14:hiddenLine xmlns="" xmlns:a14="http://schemas.microsoft.com/office/drawing/2010/main" w="9525">
+                <a14:hiddenLine xmlns:a14="http://schemas.microsoft.com/office/drawing/2010/main" xmlns="" w="9525">
                   <a:solidFill>
                     <a:srgbClr val="000000"/>
                   </a:solidFill>
@@ -1957,7 +1960,7 @@
             </a:ln>
             <a:extLst>
               <a:ext uri="{91240B29-F687-4f45-9708-019B960494DF}">
-                <a14:hiddenLine xmlns="" xmlns:a14="http://schemas.microsoft.com/office/drawing/2010/main" w="9525">
+                <a14:hiddenLine xmlns:a14="http://schemas.microsoft.com/office/drawing/2010/main" xmlns="" w="9525">
                   <a:solidFill>
                     <a:srgbClr val="000000"/>
                   </a:solidFill>
@@ -2047,7 +2050,7 @@
             </a:ln>
             <a:extLst>
               <a:ext uri="{91240B29-F687-4f45-9708-019B960494DF}">
-                <a14:hiddenLine xmlns="" xmlns:a14="http://schemas.microsoft.com/office/drawing/2010/main" w="9525">
+                <a14:hiddenLine xmlns:a14="http://schemas.microsoft.com/office/drawing/2010/main" xmlns="" w="9525">
                   <a:solidFill>
                     <a:srgbClr val="000000"/>
                   </a:solidFill>
@@ -2109,7 +2112,7 @@
             </a:ln>
             <a:extLst>
               <a:ext uri="{91240B29-F687-4f45-9708-019B960494DF}">
-                <a14:hiddenLine xmlns="" xmlns:a14="http://schemas.microsoft.com/office/drawing/2010/main" w="9525">
+                <a14:hiddenLine xmlns:a14="http://schemas.microsoft.com/office/drawing/2010/main" xmlns="" w="9525">
                   <a:solidFill>
                     <a:srgbClr val="000000"/>
                   </a:solidFill>
@@ -2199,7 +2202,7 @@
             </a:ln>
             <a:extLst>
               <a:ext uri="{91240B29-F687-4f45-9708-019B960494DF}">
-                <a14:hiddenLine xmlns="" xmlns:a14="http://schemas.microsoft.com/office/drawing/2010/main" w="9525">
+                <a14:hiddenLine xmlns:a14="http://schemas.microsoft.com/office/drawing/2010/main" xmlns="" w="9525">
                   <a:solidFill>
                     <a:srgbClr val="000000"/>
                   </a:solidFill>
@@ -2289,7 +2292,7 @@
             </a:ln>
             <a:extLst>
               <a:ext uri="{91240B29-F687-4f45-9708-019B960494DF}">
-                <a14:hiddenLine xmlns="" xmlns:a14="http://schemas.microsoft.com/office/drawing/2010/main" w="9525">
+                <a14:hiddenLine xmlns:a14="http://schemas.microsoft.com/office/drawing/2010/main" xmlns="" w="9525">
                   <a:solidFill>
                     <a:srgbClr val="000000"/>
                   </a:solidFill>
@@ -2345,7 +2348,7 @@
             </a:ln>
             <a:extLst>
               <a:ext uri="{91240B29-F687-4f45-9708-019B960494DF}">
-                <a14:hiddenLine xmlns="" xmlns:a14="http://schemas.microsoft.com/office/drawing/2010/main" w="9525">
+                <a14:hiddenLine xmlns:a14="http://schemas.microsoft.com/office/drawing/2010/main" xmlns="" w="9525">
                   <a:solidFill>
                     <a:srgbClr val="000000"/>
                   </a:solidFill>
@@ -2435,7 +2438,7 @@
             </a:ln>
             <a:extLst>
               <a:ext uri="{91240B29-F687-4f45-9708-019B960494DF}">
-                <a14:hiddenLine xmlns="" xmlns:a14="http://schemas.microsoft.com/office/drawing/2010/main" w="9525">
+                <a14:hiddenLine xmlns:a14="http://schemas.microsoft.com/office/drawing/2010/main" xmlns="" w="9525">
                   <a:solidFill>
                     <a:srgbClr val="000000"/>
                   </a:solidFill>
@@ -2491,7 +2494,7 @@
             </a:ln>
             <a:extLst>
               <a:ext uri="{91240B29-F687-4f45-9708-019B960494DF}">
-                <a14:hiddenLine xmlns="" xmlns:a14="http://schemas.microsoft.com/office/drawing/2010/main" w="9525">
+                <a14:hiddenLine xmlns:a14="http://schemas.microsoft.com/office/drawing/2010/main" xmlns="" w="9525">
                   <a:solidFill>
                     <a:srgbClr val="000000"/>
                   </a:solidFill>
@@ -2581,7 +2584,7 @@
             </a:ln>
             <a:extLst>
               <a:ext uri="{91240B29-F687-4f45-9708-019B960494DF}">
-                <a14:hiddenLine xmlns="" xmlns:a14="http://schemas.microsoft.com/office/drawing/2010/main" w="9525">
+                <a14:hiddenLine xmlns:a14="http://schemas.microsoft.com/office/drawing/2010/main" xmlns="" w="9525">
                   <a:solidFill>
                     <a:srgbClr val="000000"/>
                   </a:solidFill>
@@ -2649,7 +2652,7 @@
             </a:ln>
             <a:extLst>
               <a:ext uri="{91240B29-F687-4f45-9708-019B960494DF}">
-                <a14:hiddenLine xmlns="" xmlns:a14="http://schemas.microsoft.com/office/drawing/2010/main" w="9525">
+                <a14:hiddenLine xmlns:a14="http://schemas.microsoft.com/office/drawing/2010/main" xmlns="" w="9525">
                   <a:solidFill>
                     <a:srgbClr val="000000"/>
                   </a:solidFill>
@@ -2739,7 +2742,7 @@
             </a:ln>
             <a:extLst>
               <a:ext uri="{91240B29-F687-4f45-9708-019B960494DF}">
-                <a14:hiddenLine xmlns="" xmlns:a14="http://schemas.microsoft.com/office/drawing/2010/main" w="9525">
+                <a14:hiddenLine xmlns:a14="http://schemas.microsoft.com/office/drawing/2010/main" xmlns="" w="9525">
                   <a:solidFill>
                     <a:srgbClr val="000000"/>
                   </a:solidFill>
@@ -2807,7 +2810,7 @@
             </a:ln>
             <a:extLst>
               <a:ext uri="{91240B29-F687-4f45-9708-019B960494DF}">
-                <a14:hiddenLine xmlns="" xmlns:a14="http://schemas.microsoft.com/office/drawing/2010/main" w="9525">
+                <a14:hiddenLine xmlns:a14="http://schemas.microsoft.com/office/drawing/2010/main" xmlns="" w="9525">
                   <a:solidFill>
                     <a:srgbClr val="000000"/>
                   </a:solidFill>
@@ -2897,7 +2900,7 @@
             </a:ln>
             <a:extLst>
               <a:ext uri="{91240B29-F687-4f45-9708-019B960494DF}">
-                <a14:hiddenLine xmlns="" xmlns:a14="http://schemas.microsoft.com/office/drawing/2010/main" w="9525">
+                <a14:hiddenLine xmlns:a14="http://schemas.microsoft.com/office/drawing/2010/main" xmlns="" w="9525">
                   <a:solidFill>
                     <a:srgbClr val="000000"/>
                   </a:solidFill>
@@ -2931,7 +2934,7 @@
             </a:ln>
             <a:extLst>
               <a:ext uri="{91240B29-F687-4f45-9708-019B960494DF}">
-                <a14:hiddenLine xmlns="" xmlns:a14="http://schemas.microsoft.com/office/drawing/2010/main" w="9525">
+                <a14:hiddenLine xmlns:a14="http://schemas.microsoft.com/office/drawing/2010/main" xmlns="" w="9525">
                   <a:solidFill>
                     <a:srgbClr val="000000"/>
                   </a:solidFill>
@@ -3021,7 +3024,7 @@
             </a:ln>
             <a:extLst>
               <a:ext uri="{91240B29-F687-4f45-9708-019B960494DF}">
-                <a14:hiddenLine xmlns="" xmlns:a14="http://schemas.microsoft.com/office/drawing/2010/main" w="9525">
+                <a14:hiddenLine xmlns:a14="http://schemas.microsoft.com/office/drawing/2010/main" xmlns="" w="9525">
                   <a:solidFill>
                     <a:srgbClr val="000000"/>
                   </a:solidFill>
@@ -3083,7 +3086,7 @@
             </a:ln>
             <a:extLst>
               <a:ext uri="{91240B29-F687-4f45-9708-019B960494DF}">
-                <a14:hiddenLine xmlns="" xmlns:a14="http://schemas.microsoft.com/office/drawing/2010/main" w="9525">
+                <a14:hiddenLine xmlns:a14="http://schemas.microsoft.com/office/drawing/2010/main" xmlns="" w="9525">
                   <a:solidFill>
                     <a:srgbClr val="000000"/>
                   </a:solidFill>
@@ -3145,7 +3148,7 @@
             </a:ln>
             <a:extLst>
               <a:ext uri="{91240B29-F687-4f45-9708-019B960494DF}">
-                <a14:hiddenLine xmlns="" xmlns:a14="http://schemas.microsoft.com/office/drawing/2010/main" w="9525">
+                <a14:hiddenLine xmlns:a14="http://schemas.microsoft.com/office/drawing/2010/main" xmlns="" w="9525">
                   <a:solidFill>
                     <a:srgbClr val="000000"/>
                   </a:solidFill>
@@ -3235,7 +3238,7 @@
             </a:ln>
             <a:extLst>
               <a:ext uri="{91240B29-F687-4f45-9708-019B960494DF}">
-                <a14:hiddenLine xmlns="" xmlns:a14="http://schemas.microsoft.com/office/drawing/2010/main" w="9525">
+                <a14:hiddenLine xmlns:a14="http://schemas.microsoft.com/office/drawing/2010/main" xmlns="" w="9525">
                   <a:solidFill>
                     <a:srgbClr val="000000"/>
                   </a:solidFill>
@@ -3303,7 +3306,7 @@
             </a:ln>
             <a:extLst>
               <a:ext uri="{91240B29-F687-4f45-9708-019B960494DF}">
-                <a14:hiddenLine xmlns="" xmlns:a14="http://schemas.microsoft.com/office/drawing/2010/main" w="9525">
+                <a14:hiddenLine xmlns:a14="http://schemas.microsoft.com/office/drawing/2010/main" xmlns="" w="9525">
                   <a:solidFill>
                     <a:srgbClr val="000000"/>
                   </a:solidFill>
@@ -3365,7 +3368,7 @@
             </a:ln>
             <a:extLst>
               <a:ext uri="{91240B29-F687-4f45-9708-019B960494DF}">
-                <a14:hiddenLine xmlns="" xmlns:a14="http://schemas.microsoft.com/office/drawing/2010/main" w="9525">
+                <a14:hiddenLine xmlns:a14="http://schemas.microsoft.com/office/drawing/2010/main" xmlns="" w="9525">
                   <a:solidFill>
                     <a:srgbClr val="000000"/>
                   </a:solidFill>
@@ -3455,7 +3458,7 @@
             </a:ln>
             <a:extLst>
               <a:ext uri="{91240B29-F687-4f45-9708-019B960494DF}">
-                <a14:hiddenLine xmlns="" xmlns:a14="http://schemas.microsoft.com/office/drawing/2010/main" w="9525">
+                <a14:hiddenLine xmlns:a14="http://schemas.microsoft.com/office/drawing/2010/main" xmlns="" w="9525">
                   <a:solidFill>
                     <a:srgbClr val="000000"/>
                   </a:solidFill>
@@ -3517,7 +3520,7 @@
             </a:ln>
             <a:extLst>
               <a:ext uri="{91240B29-F687-4f45-9708-019B960494DF}">
-                <a14:hiddenLine xmlns="" xmlns:a14="http://schemas.microsoft.com/office/drawing/2010/main" w="9525">
+                <a14:hiddenLine xmlns:a14="http://schemas.microsoft.com/office/drawing/2010/main" xmlns="" w="9525">
                   <a:solidFill>
                     <a:srgbClr val="000000"/>
                   </a:solidFill>
@@ -3607,7 +3610,7 @@
             </a:ln>
             <a:extLst>
               <a:ext uri="{91240B29-F687-4f45-9708-019B960494DF}">
-                <a14:hiddenLine xmlns="" xmlns:a14="http://schemas.microsoft.com/office/drawing/2010/main" w="9525">
+                <a14:hiddenLine xmlns:a14="http://schemas.microsoft.com/office/drawing/2010/main" xmlns="" w="9525">
                   <a:solidFill>
                     <a:srgbClr val="000000"/>
                   </a:solidFill>
@@ -3669,7 +3672,7 @@
             </a:ln>
             <a:extLst>
               <a:ext uri="{91240B29-F687-4f45-9708-019B960494DF}">
-                <a14:hiddenLine xmlns="" xmlns:a14="http://schemas.microsoft.com/office/drawing/2010/main" w="9525">
+                <a14:hiddenLine xmlns:a14="http://schemas.microsoft.com/office/drawing/2010/main" xmlns="" w="9525">
                   <a:solidFill>
                     <a:srgbClr val="000000"/>
                   </a:solidFill>
@@ -3759,7 +3762,7 @@
             </a:ln>
             <a:extLst>
               <a:ext uri="{91240B29-F687-4f45-9708-019B960494DF}">
-                <a14:hiddenLine xmlns="" xmlns:a14="http://schemas.microsoft.com/office/drawing/2010/main" w="9525">
+                <a14:hiddenLine xmlns:a14="http://schemas.microsoft.com/office/drawing/2010/main" xmlns="" w="9525">
                   <a:solidFill>
                     <a:srgbClr val="000000"/>
                   </a:solidFill>
@@ -3793,7 +3796,7 @@
             </a:ln>
             <a:extLst>
               <a:ext uri="{91240B29-F687-4f45-9708-019B960494DF}">
-                <a14:hiddenLine xmlns="" xmlns:a14="http://schemas.microsoft.com/office/drawing/2010/main" w="9525">
+                <a14:hiddenLine xmlns:a14="http://schemas.microsoft.com/office/drawing/2010/main" xmlns="" w="9525">
                   <a:solidFill>
                     <a:srgbClr val="000000"/>
                   </a:solidFill>
@@ -3858,7 +3861,7 @@
             </a:ln>
             <a:extLst>
               <a:ext uri="{91240B29-F687-4f45-9708-019B960494DF}">
-                <a14:hiddenLine xmlns="" xmlns:a14="http://schemas.microsoft.com/office/drawing/2010/main" w="9525">
+                <a14:hiddenLine xmlns:a14="http://schemas.microsoft.com/office/drawing/2010/main" xmlns="" w="9525">
                   <a:solidFill>
                     <a:srgbClr val="000000"/>
                   </a:solidFill>
@@ -3948,7 +3951,7 @@
             </a:ln>
             <a:extLst>
               <a:ext uri="{91240B29-F687-4f45-9708-019B960494DF}">
-                <a14:hiddenLine xmlns="" xmlns:a14="http://schemas.microsoft.com/office/drawing/2010/main" w="9525">
+                <a14:hiddenLine xmlns:a14="http://schemas.microsoft.com/office/drawing/2010/main" xmlns="" w="9525">
                   <a:solidFill>
                     <a:srgbClr val="000000"/>
                   </a:solidFill>
@@ -4010,7 +4013,7 @@
             </a:ln>
             <a:extLst>
               <a:ext uri="{91240B29-F687-4f45-9708-019B960494DF}">
-                <a14:hiddenLine xmlns="" xmlns:a14="http://schemas.microsoft.com/office/drawing/2010/main" w="9525">
+                <a14:hiddenLine xmlns:a14="http://schemas.microsoft.com/office/drawing/2010/main" xmlns="" w="9525">
                   <a:solidFill>
                     <a:srgbClr val="000000"/>
                   </a:solidFill>
@@ -4100,7 +4103,7 @@
             </a:ln>
             <a:extLst>
               <a:ext uri="{91240B29-F687-4f45-9708-019B960494DF}">
-                <a14:hiddenLine xmlns="" xmlns:a14="http://schemas.microsoft.com/office/drawing/2010/main" w="9525">
+                <a14:hiddenLine xmlns:a14="http://schemas.microsoft.com/office/drawing/2010/main" xmlns="" w="9525">
                   <a:solidFill>
                     <a:srgbClr val="000000"/>
                   </a:solidFill>
@@ -4190,7 +4193,7 @@
             </a:ln>
             <a:extLst>
               <a:ext uri="{91240B29-F687-4f45-9708-019B960494DF}">
-                <a14:hiddenLine xmlns="" xmlns:a14="http://schemas.microsoft.com/office/drawing/2010/main" w="9525">
+                <a14:hiddenLine xmlns:a14="http://schemas.microsoft.com/office/drawing/2010/main" xmlns="" w="9525">
                   <a:solidFill>
                     <a:srgbClr val="000000"/>
                   </a:solidFill>
@@ -4255,7 +4258,7 @@
             </a:ln>
             <a:extLst>
               <a:ext uri="{91240B29-F687-4f45-9708-019B960494DF}">
-                <a14:hiddenLine xmlns="" xmlns:a14="http://schemas.microsoft.com/office/drawing/2010/main" w="9525">
+                <a14:hiddenLine xmlns:a14="http://schemas.microsoft.com/office/drawing/2010/main" xmlns="" w="9525">
                   <a:solidFill>
                     <a:srgbClr val="000000"/>
                   </a:solidFill>
@@ -4317,7 +4320,7 @@
             </a:ln>
             <a:extLst>
               <a:ext uri="{91240B29-F687-4f45-9708-019B960494DF}">
-                <a14:hiddenLine xmlns="" xmlns:a14="http://schemas.microsoft.com/office/drawing/2010/main" w="9525">
+                <a14:hiddenLine xmlns:a14="http://schemas.microsoft.com/office/drawing/2010/main" xmlns="" w="9525">
                   <a:solidFill>
                     <a:srgbClr val="000000"/>
                   </a:solidFill>
@@ -4407,7 +4410,7 @@
             </a:ln>
             <a:extLst>
               <a:ext uri="{91240B29-F687-4f45-9708-019B960494DF}">
-                <a14:hiddenLine xmlns="" xmlns:a14="http://schemas.microsoft.com/office/drawing/2010/main" w="9525">
+                <a14:hiddenLine xmlns:a14="http://schemas.microsoft.com/office/drawing/2010/main" xmlns="" w="9525">
                   <a:solidFill>
                     <a:srgbClr val="000000"/>
                   </a:solidFill>
@@ -4497,7 +4500,7 @@
             </a:ln>
             <a:extLst>
               <a:ext uri="{91240B29-F687-4f45-9708-019B960494DF}">
-                <a14:hiddenLine xmlns="" xmlns:a14="http://schemas.microsoft.com/office/drawing/2010/main" w="9525">
+                <a14:hiddenLine xmlns:a14="http://schemas.microsoft.com/office/drawing/2010/main" xmlns="" w="9525">
                   <a:solidFill>
                     <a:srgbClr val="000000"/>
                   </a:solidFill>
@@ -4559,7 +4562,7 @@
             </a:ln>
             <a:extLst>
               <a:ext uri="{91240B29-F687-4f45-9708-019B960494DF}">
-                <a14:hiddenLine xmlns="" xmlns:a14="http://schemas.microsoft.com/office/drawing/2010/main" w="9525">
+                <a14:hiddenLine xmlns:a14="http://schemas.microsoft.com/office/drawing/2010/main" xmlns="" w="9525">
                   <a:solidFill>
                     <a:srgbClr val="000000"/>
                   </a:solidFill>
@@ -4679,7 +4682,7 @@
             </a:ln>
             <a:extLst>
               <a:ext uri="{91240B29-F687-4f45-9708-019B960494DF}">
-                <a14:hiddenLine xmlns="" xmlns:a14="http://schemas.microsoft.com/office/drawing/2010/main" w="9525">
+                <a14:hiddenLine xmlns:a14="http://schemas.microsoft.com/office/drawing/2010/main" xmlns="" w="9525">
                   <a:solidFill>
                     <a:srgbClr val="000000"/>
                   </a:solidFill>
@@ -4747,7 +4750,7 @@
             </a:ln>
             <a:extLst>
               <a:ext uri="{91240B29-F687-4f45-9708-019B960494DF}">
-                <a14:hiddenLine xmlns="" xmlns:a14="http://schemas.microsoft.com/office/drawing/2010/main" w="9525">
+                <a14:hiddenLine xmlns:a14="http://schemas.microsoft.com/office/drawing/2010/main" xmlns="" w="9525">
                   <a:solidFill>
                     <a:srgbClr val="000000"/>
                   </a:solidFill>
@@ -4837,7 +4840,7 @@
             </a:ln>
             <a:extLst>
               <a:ext uri="{91240B29-F687-4f45-9708-019B960494DF}">
-                <a14:hiddenLine xmlns="" xmlns:a14="http://schemas.microsoft.com/office/drawing/2010/main" w="9525">
+                <a14:hiddenLine xmlns:a14="http://schemas.microsoft.com/office/drawing/2010/main" xmlns="" w="9525">
                   <a:solidFill>
                     <a:srgbClr val="000000"/>
                   </a:solidFill>
@@ -9634,7 +9637,7 @@
           <a:noFill/>
           <a:extLst>
             <a:ext uri="{909E8E84-426E-40dd-AFC4-6F175D3DCCD1}">
-              <a14:hiddenFill xmlns="" xmlns:a14="http://schemas.microsoft.com/office/drawing/2010/main">
+              <a14:hiddenFill xmlns:a14="http://schemas.microsoft.com/office/drawing/2010/main" xmlns="">
                 <a:solidFill>
                   <a:srgbClr val="FFFFFF"/>
                 </a:solidFill>
@@ -9708,7 +9711,7 @@
               </a:ln>
               <a:extLst>
                 <a:ext uri="{91240B29-F687-4f45-9708-019B960494DF}">
-                  <a14:hiddenLine xmlns="" xmlns:a14="http://schemas.microsoft.com/office/drawing/2010/main" w="9525">
+                  <a14:hiddenLine xmlns:a14="http://schemas.microsoft.com/office/drawing/2010/main" xmlns="" w="9525">
                     <a:solidFill>
                       <a:srgbClr val="000000"/>
                     </a:solidFill>
@@ -9798,7 +9801,7 @@
               </a:ln>
               <a:extLst>
                 <a:ext uri="{91240B29-F687-4f45-9708-019B960494DF}">
-                  <a14:hiddenLine xmlns="" xmlns:a14="http://schemas.microsoft.com/office/drawing/2010/main" w="9525">
+                  <a14:hiddenLine xmlns:a14="http://schemas.microsoft.com/office/drawing/2010/main" xmlns="" w="9525">
                     <a:solidFill>
                       <a:srgbClr val="000000"/>
                     </a:solidFill>
@@ -9888,7 +9891,7 @@
               </a:ln>
               <a:extLst>
                 <a:ext uri="{91240B29-F687-4f45-9708-019B960494DF}">
-                  <a14:hiddenLine xmlns="" xmlns:a14="http://schemas.microsoft.com/office/drawing/2010/main" w="9525">
+                  <a14:hiddenLine xmlns:a14="http://schemas.microsoft.com/office/drawing/2010/main" xmlns="" w="9525">
                     <a:solidFill>
                       <a:srgbClr val="000000"/>
                     </a:solidFill>
@@ -9950,7 +9953,7 @@
               </a:ln>
               <a:extLst>
                 <a:ext uri="{91240B29-F687-4f45-9708-019B960494DF}">
-                  <a14:hiddenLine xmlns="" xmlns:a14="http://schemas.microsoft.com/office/drawing/2010/main" w="9525">
+                  <a14:hiddenLine xmlns:a14="http://schemas.microsoft.com/office/drawing/2010/main" xmlns="" w="9525">
                     <a:solidFill>
                       <a:srgbClr val="000000"/>
                     </a:solidFill>
@@ -10040,7 +10043,7 @@
               </a:ln>
               <a:extLst>
                 <a:ext uri="{91240B29-F687-4f45-9708-019B960494DF}">
-                  <a14:hiddenLine xmlns="" xmlns:a14="http://schemas.microsoft.com/office/drawing/2010/main" w="9525">
+                  <a14:hiddenLine xmlns:a14="http://schemas.microsoft.com/office/drawing/2010/main" xmlns="" w="9525">
                     <a:solidFill>
                       <a:srgbClr val="000000"/>
                     </a:solidFill>
@@ -10102,7 +10105,7 @@
               </a:ln>
               <a:extLst>
                 <a:ext uri="{91240B29-F687-4f45-9708-019B960494DF}">
-                  <a14:hiddenLine xmlns="" xmlns:a14="http://schemas.microsoft.com/office/drawing/2010/main" w="9525">
+                  <a14:hiddenLine xmlns:a14="http://schemas.microsoft.com/office/drawing/2010/main" xmlns="" w="9525">
                     <a:solidFill>
                       <a:srgbClr val="000000"/>
                     </a:solidFill>
@@ -10164,7 +10167,7 @@
               </a:ln>
               <a:extLst>
                 <a:ext uri="{91240B29-F687-4f45-9708-019B960494DF}">
-                  <a14:hiddenLine xmlns="" xmlns:a14="http://schemas.microsoft.com/office/drawing/2010/main" w="9525">
+                  <a14:hiddenLine xmlns:a14="http://schemas.microsoft.com/office/drawing/2010/main" xmlns="" w="9525">
                     <a:solidFill>
                       <a:srgbClr val="000000"/>
                     </a:solidFill>
@@ -10254,7 +10257,7 @@
               </a:ln>
               <a:extLst>
                 <a:ext uri="{91240B29-F687-4f45-9708-019B960494DF}">
-                  <a14:hiddenLine xmlns="" xmlns:a14="http://schemas.microsoft.com/office/drawing/2010/main" w="9525">
+                  <a14:hiddenLine xmlns:a14="http://schemas.microsoft.com/office/drawing/2010/main" xmlns="" w="9525">
                     <a:solidFill>
                       <a:srgbClr val="000000"/>
                     </a:solidFill>
@@ -10344,7 +10347,7 @@
               </a:ln>
               <a:extLst>
                 <a:ext uri="{91240B29-F687-4f45-9708-019B960494DF}">
-                  <a14:hiddenLine xmlns="" xmlns:a14="http://schemas.microsoft.com/office/drawing/2010/main" w="9525">
+                  <a14:hiddenLine xmlns:a14="http://schemas.microsoft.com/office/drawing/2010/main" xmlns="" w="9525">
                     <a:solidFill>
                       <a:srgbClr val="000000"/>
                     </a:solidFill>
@@ -10406,7 +10409,7 @@
               </a:ln>
               <a:extLst>
                 <a:ext uri="{91240B29-F687-4f45-9708-019B960494DF}">
-                  <a14:hiddenLine xmlns="" xmlns:a14="http://schemas.microsoft.com/office/drawing/2010/main" w="9525">
+                  <a14:hiddenLine xmlns:a14="http://schemas.microsoft.com/office/drawing/2010/main" xmlns="" w="9525">
                     <a:solidFill>
                       <a:srgbClr val="000000"/>
                     </a:solidFill>
@@ -10516,7 +10519,7 @@
               </a:ln>
               <a:extLst>
                 <a:ext uri="{91240B29-F687-4f45-9708-019B960494DF}">
-                  <a14:hiddenLine xmlns="" xmlns:a14="http://schemas.microsoft.com/office/drawing/2010/main" w="9525">
+                  <a14:hiddenLine xmlns:a14="http://schemas.microsoft.com/office/drawing/2010/main" xmlns="" w="9525">
                     <a:solidFill>
                       <a:srgbClr val="000000"/>
                     </a:solidFill>
@@ -10600,7 +10603,7 @@
               </a:ln>
               <a:extLst>
                 <a:ext uri="{91240B29-F687-4f45-9708-019B960494DF}">
-                  <a14:hiddenLine xmlns="" xmlns:a14="http://schemas.microsoft.com/office/drawing/2010/main" w="9525">
+                  <a14:hiddenLine xmlns:a14="http://schemas.microsoft.com/office/drawing/2010/main" xmlns="" w="9525">
                     <a:solidFill>
                       <a:srgbClr val="000000"/>
                     </a:solidFill>
@@ -10662,7 +10665,7 @@
               </a:ln>
               <a:extLst>
                 <a:ext uri="{91240B29-F687-4f45-9708-019B960494DF}">
-                  <a14:hiddenLine xmlns="" xmlns:a14="http://schemas.microsoft.com/office/drawing/2010/main" w="9525">
+                  <a14:hiddenLine xmlns:a14="http://schemas.microsoft.com/office/drawing/2010/main" xmlns="" w="9525">
                     <a:solidFill>
                       <a:srgbClr val="000000"/>
                     </a:solidFill>
@@ -10724,7 +10727,7 @@
               </a:ln>
               <a:extLst>
                 <a:ext uri="{91240B29-F687-4f45-9708-019B960494DF}">
-                  <a14:hiddenLine xmlns="" xmlns:a14="http://schemas.microsoft.com/office/drawing/2010/main" w="9525">
+                  <a14:hiddenLine xmlns:a14="http://schemas.microsoft.com/office/drawing/2010/main" xmlns="" w="9525">
                     <a:solidFill>
                       <a:srgbClr val="000000"/>
                     </a:solidFill>
@@ -10814,7 +10817,7 @@
               </a:ln>
               <a:extLst>
                 <a:ext uri="{91240B29-F687-4f45-9708-019B960494DF}">
-                  <a14:hiddenLine xmlns="" xmlns:a14="http://schemas.microsoft.com/office/drawing/2010/main" w="9525">
+                  <a14:hiddenLine xmlns:a14="http://schemas.microsoft.com/office/drawing/2010/main" xmlns="" w="9525">
                     <a:solidFill>
                       <a:srgbClr val="000000"/>
                     </a:solidFill>
@@ -10848,7 +10851,7 @@
               </a:ln>
               <a:extLst>
                 <a:ext uri="{91240B29-F687-4f45-9708-019B960494DF}">
-                  <a14:hiddenLine xmlns="" xmlns:a14="http://schemas.microsoft.com/office/drawing/2010/main" w="9525">
+                  <a14:hiddenLine xmlns:a14="http://schemas.microsoft.com/office/drawing/2010/main" xmlns="" w="9525">
                     <a:solidFill>
                       <a:srgbClr val="000000"/>
                     </a:solidFill>
@@ -10913,7 +10916,7 @@
               </a:ln>
               <a:extLst>
                 <a:ext uri="{91240B29-F687-4f45-9708-019B960494DF}">
-                  <a14:hiddenLine xmlns="" xmlns:a14="http://schemas.microsoft.com/office/drawing/2010/main" w="9525">
+                  <a14:hiddenLine xmlns:a14="http://schemas.microsoft.com/office/drawing/2010/main" xmlns="" w="9525">
                     <a:solidFill>
                       <a:srgbClr val="000000"/>
                     </a:solidFill>
@@ -11003,7 +11006,7 @@
               </a:ln>
               <a:extLst>
                 <a:ext uri="{91240B29-F687-4f45-9708-019B960494DF}">
-                  <a14:hiddenLine xmlns="" xmlns:a14="http://schemas.microsoft.com/office/drawing/2010/main" w="9525">
+                  <a14:hiddenLine xmlns:a14="http://schemas.microsoft.com/office/drawing/2010/main" xmlns="" w="9525">
                     <a:solidFill>
                       <a:srgbClr val="000000"/>
                     </a:solidFill>
@@ -11065,7 +11068,7 @@
               </a:ln>
               <a:extLst>
                 <a:ext uri="{91240B29-F687-4f45-9708-019B960494DF}">
-                  <a14:hiddenLine xmlns="" xmlns:a14="http://schemas.microsoft.com/office/drawing/2010/main" w="9525">
+                  <a14:hiddenLine xmlns:a14="http://schemas.microsoft.com/office/drawing/2010/main" xmlns="" w="9525">
                     <a:solidFill>
                       <a:srgbClr val="000000"/>
                     </a:solidFill>
@@ -11155,7 +11158,7 @@
               </a:ln>
               <a:extLst>
                 <a:ext uri="{91240B29-F687-4f45-9708-019B960494DF}">
-                  <a14:hiddenLine xmlns="" xmlns:a14="http://schemas.microsoft.com/office/drawing/2010/main" w="9525">
+                  <a14:hiddenLine xmlns:a14="http://schemas.microsoft.com/office/drawing/2010/main" xmlns="" w="9525">
                     <a:solidFill>
                       <a:srgbClr val="000000"/>
                     </a:solidFill>
@@ -11220,7 +11223,7 @@
               </a:ln>
               <a:extLst>
                 <a:ext uri="{91240B29-F687-4f45-9708-019B960494DF}">
-                  <a14:hiddenLine xmlns="" xmlns:a14="http://schemas.microsoft.com/office/drawing/2010/main" w="9525">
+                  <a14:hiddenLine xmlns:a14="http://schemas.microsoft.com/office/drawing/2010/main" xmlns="" w="9525">
                     <a:solidFill>
                       <a:srgbClr val="000000"/>
                     </a:solidFill>
@@ -11282,7 +11285,7 @@
               </a:ln>
               <a:extLst>
                 <a:ext uri="{91240B29-F687-4f45-9708-019B960494DF}">
-                  <a14:hiddenLine xmlns="" xmlns:a14="http://schemas.microsoft.com/office/drawing/2010/main" w="9525">
+                  <a14:hiddenLine xmlns:a14="http://schemas.microsoft.com/office/drawing/2010/main" xmlns="" w="9525">
                     <a:solidFill>
                       <a:srgbClr val="000000"/>
                     </a:solidFill>
@@ -11372,7 +11375,7 @@
               </a:ln>
               <a:extLst>
                 <a:ext uri="{91240B29-F687-4f45-9708-019B960494DF}">
-                  <a14:hiddenLine xmlns="" xmlns:a14="http://schemas.microsoft.com/office/drawing/2010/main" w="9525">
+                  <a14:hiddenLine xmlns:a14="http://schemas.microsoft.com/office/drawing/2010/main" xmlns="" w="9525">
                     <a:solidFill>
                       <a:srgbClr val="000000"/>
                     </a:solidFill>
@@ -11462,7 +11465,7 @@
               </a:ln>
               <a:extLst>
                 <a:ext uri="{91240B29-F687-4f45-9708-019B960494DF}">
-                  <a14:hiddenLine xmlns="" xmlns:a14="http://schemas.microsoft.com/office/drawing/2010/main" w="9525">
+                  <a14:hiddenLine xmlns:a14="http://schemas.microsoft.com/office/drawing/2010/main" xmlns="" w="9525">
                     <a:solidFill>
                       <a:srgbClr val="000000"/>
                     </a:solidFill>
@@ -11527,7 +11530,7 @@
               </a:ln>
               <a:extLst>
                 <a:ext uri="{91240B29-F687-4f45-9708-019B960494DF}">
-                  <a14:hiddenLine xmlns="" xmlns:a14="http://schemas.microsoft.com/office/drawing/2010/main" w="9525">
+                  <a14:hiddenLine xmlns:a14="http://schemas.microsoft.com/office/drawing/2010/main" xmlns="" w="9525">
                     <a:solidFill>
                       <a:srgbClr val="000000"/>
                     </a:solidFill>
@@ -11647,7 +11650,7 @@
               </a:ln>
               <a:extLst>
                 <a:ext uri="{91240B29-F687-4f45-9708-019B960494DF}">
-                  <a14:hiddenLine xmlns="" xmlns:a14="http://schemas.microsoft.com/office/drawing/2010/main" w="9525">
+                  <a14:hiddenLine xmlns:a14="http://schemas.microsoft.com/office/drawing/2010/main" xmlns="" w="9525">
                     <a:solidFill>
                       <a:srgbClr val="000000"/>
                     </a:solidFill>
@@ -11728,7 +11731,7 @@
               </a:ln>
               <a:extLst>
                 <a:ext uri="{91240B29-F687-4f45-9708-019B960494DF}">
-                  <a14:hiddenLine xmlns="" xmlns:a14="http://schemas.microsoft.com/office/drawing/2010/main" w="9525">
+                  <a14:hiddenLine xmlns:a14="http://schemas.microsoft.com/office/drawing/2010/main" xmlns="" w="9525">
                     <a:solidFill>
                       <a:srgbClr val="000000"/>
                     </a:solidFill>
@@ -11843,7 +11846,7 @@
               </a:ln>
               <a:extLst>
                 <a:ext uri="{91240B29-F687-4f45-9708-019B960494DF}">
-                  <a14:hiddenLine xmlns="" xmlns:a14="http://schemas.microsoft.com/office/drawing/2010/main" w="9525">
+                  <a14:hiddenLine xmlns:a14="http://schemas.microsoft.com/office/drawing/2010/main" xmlns="" w="9525">
                     <a:solidFill>
                       <a:srgbClr val="000000"/>
                     </a:solidFill>
@@ -11933,7 +11936,7 @@
               </a:ln>
               <a:extLst>
                 <a:ext uri="{91240B29-F687-4f45-9708-019B960494DF}">
-                  <a14:hiddenLine xmlns="" xmlns:a14="http://schemas.microsoft.com/office/drawing/2010/main" w="9525">
+                  <a14:hiddenLine xmlns:a14="http://schemas.microsoft.com/office/drawing/2010/main" xmlns="" w="9525">
                     <a:solidFill>
                       <a:srgbClr val="000000"/>
                     </a:solidFill>
@@ -11998,7 +12001,7 @@
               </a:ln>
               <a:extLst>
                 <a:ext uri="{91240B29-F687-4f45-9708-019B960494DF}">
-                  <a14:hiddenLine xmlns="" xmlns:a14="http://schemas.microsoft.com/office/drawing/2010/main" w="9525">
+                  <a14:hiddenLine xmlns:a14="http://schemas.microsoft.com/office/drawing/2010/main" xmlns="" w="9525">
                     <a:solidFill>
                       <a:srgbClr val="000000"/>
                     </a:solidFill>
@@ -12088,7 +12091,7 @@
               </a:ln>
               <a:extLst>
                 <a:ext uri="{91240B29-F687-4f45-9708-019B960494DF}">
-                  <a14:hiddenLine xmlns="" xmlns:a14="http://schemas.microsoft.com/office/drawing/2010/main" w="9525">
+                  <a14:hiddenLine xmlns:a14="http://schemas.microsoft.com/office/drawing/2010/main" xmlns="" w="9525">
                     <a:solidFill>
                       <a:srgbClr val="000000"/>
                     </a:solidFill>
@@ -12156,7 +12159,7 @@
               </a:ln>
               <a:extLst>
                 <a:ext uri="{91240B29-F687-4f45-9708-019B960494DF}">
-                  <a14:hiddenLine xmlns="" xmlns:a14="http://schemas.microsoft.com/office/drawing/2010/main" w="9525">
+                  <a14:hiddenLine xmlns:a14="http://schemas.microsoft.com/office/drawing/2010/main" xmlns="" w="9525">
                     <a:solidFill>
                       <a:srgbClr val="000000"/>
                     </a:solidFill>
@@ -12246,7 +12249,7 @@
               </a:ln>
               <a:extLst>
                 <a:ext uri="{91240B29-F687-4f45-9708-019B960494DF}">
-                  <a14:hiddenLine xmlns="" xmlns:a14="http://schemas.microsoft.com/office/drawing/2010/main" w="9525">
+                  <a14:hiddenLine xmlns:a14="http://schemas.microsoft.com/office/drawing/2010/main" xmlns="" w="9525">
                     <a:solidFill>
                       <a:srgbClr val="000000"/>
                     </a:solidFill>
@@ -12314,7 +12317,7 @@
               </a:ln>
               <a:extLst>
                 <a:ext uri="{91240B29-F687-4f45-9708-019B960494DF}">
-                  <a14:hiddenLine xmlns="" xmlns:a14="http://schemas.microsoft.com/office/drawing/2010/main" w="9525">
+                  <a14:hiddenLine xmlns:a14="http://schemas.microsoft.com/office/drawing/2010/main" xmlns="" w="9525">
                     <a:solidFill>
                       <a:srgbClr val="000000"/>
                     </a:solidFill>
@@ -12404,7 +12407,7 @@
               </a:ln>
               <a:extLst>
                 <a:ext uri="{91240B29-F687-4f45-9708-019B960494DF}">
-                  <a14:hiddenLine xmlns="" xmlns:a14="http://schemas.microsoft.com/office/drawing/2010/main" w="9525">
+                  <a14:hiddenLine xmlns:a14="http://schemas.microsoft.com/office/drawing/2010/main" xmlns="" w="9525">
                     <a:solidFill>
                       <a:srgbClr val="000000"/>
                     </a:solidFill>
@@ -12438,7 +12441,7 @@
               </a:ln>
               <a:extLst>
                 <a:ext uri="{91240B29-F687-4f45-9708-019B960494DF}">
-                  <a14:hiddenLine xmlns="" xmlns:a14="http://schemas.microsoft.com/office/drawing/2010/main" w="9525">
+                  <a14:hiddenLine xmlns:a14="http://schemas.microsoft.com/office/drawing/2010/main" xmlns="" w="9525">
                     <a:solidFill>
                       <a:srgbClr val="000000"/>
                     </a:solidFill>
@@ -13160,6 +13163,279 @@
 <file path=ppt/slides/slide10.xml><?xml version="1.0" encoding="utf-8"?>
 <p:sld xmlns:a="http://schemas.openxmlformats.org/drawingml/2006/main" xmlns:r="http://schemas.openxmlformats.org/officeDocument/2006/relationships" xmlns:p="http://schemas.openxmlformats.org/presentationml/2006/main">
   <p:cSld>
+    <p:bg>
+      <p:bgPr>
+        <a:blipFill>
+          <a:blip r:embed="rId2">
+            <a:duotone>
+              <a:schemeClr val="bg2">
+                <a:shade val="48000"/>
+                <a:hueMod val="106000"/>
+                <a:satMod val="140000"/>
+                <a:lumMod val="42000"/>
+              </a:schemeClr>
+              <a:schemeClr val="bg2">
+                <a:tint val="98000"/>
+                <a:hueMod val="92000"/>
+                <a:satMod val="220000"/>
+                <a:lumMod val="90000"/>
+              </a:schemeClr>
+            </a:duotone>
+            <a:extLst/>
+          </a:blip>
+          <a:stretch/>
+        </a:blipFill>
+        <a:effectLst/>
+      </p:bgPr>
+    </p:bg>
+    <p:spTree>
+      <p:nvGrpSpPr>
+        <p:cNvPr id="1" name=""/>
+        <p:cNvGrpSpPr/>
+        <p:nvPr/>
+      </p:nvGrpSpPr>
+      <p:grpSpPr>
+        <a:xfrm>
+          <a:off x="0" y="0"/>
+          <a:ext cx="0" cy="0"/>
+          <a:chOff x="0" y="0"/>
+          <a:chExt cx="0" cy="0"/>
+        </a:xfrm>
+      </p:grpSpPr>
+      <p:sp>
+        <p:nvSpPr>
+          <p:cNvPr id="2" name="Title 1">
+            <a:extLst>
+              <a:ext uri="{FF2B5EF4-FFF2-40B4-BE49-F238E27FC236}">
+                <a16:creationId xmlns:a16="http://schemas.microsoft.com/office/drawing/2014/main" id="{42FE0090-B309-4BFC-A83B-4CD3E83217C3}"/>
+              </a:ext>
+            </a:extLst>
+          </p:cNvPr>
+          <p:cNvSpPr>
+            <a:spLocks noGrp="1"/>
+          </p:cNvSpPr>
+          <p:nvPr>
+            <p:ph type="title"/>
+          </p:nvPr>
+        </p:nvSpPr>
+        <p:spPr>
+          <a:xfrm>
+            <a:off x="1141413" y="618518"/>
+            <a:ext cx="9905998" cy="1478570"/>
+          </a:xfrm>
+        </p:spPr>
+        <p:txBody>
+          <a:bodyPr>
+            <a:normAutofit/>
+          </a:bodyPr>
+          <a:lstStyle/>
+          <a:p>
+            <a:pPr algn="ctr"/>
+            <a:r>
+              <a:rPr lang="en-US"/>
+              <a:t>We must also ask why not containers</a:t>
+            </a:r>
+          </a:p>
+        </p:txBody>
+      </p:sp>
+      <p:pic>
+        <p:nvPicPr>
+          <p:cNvPr id="5" name="Picture 4">
+            <a:extLst>
+              <a:ext uri="{FF2B5EF4-FFF2-40B4-BE49-F238E27FC236}">
+                <a16:creationId xmlns:a16="http://schemas.microsoft.com/office/drawing/2014/main" id="{D339EA96-AB6D-4744-9BE2-AA11170A1734}"/>
+              </a:ext>
+            </a:extLst>
+          </p:cNvPr>
+          <p:cNvPicPr>
+            <a:picLocks noChangeAspect="1"/>
+          </p:cNvPicPr>
+          <p:nvPr/>
+        </p:nvPicPr>
+        <p:blipFill rotWithShape="1">
+          <a:blip r:embed="rId3"/>
+          <a:srcRect l="9754" r="10505" b="3"/>
+          <a:stretch/>
+        </p:blipFill>
+        <p:spPr>
+          <a:xfrm>
+            <a:off x="1141411" y="2249487"/>
+            <a:ext cx="3494597" cy="3549650"/>
+          </a:xfrm>
+          <a:prstGeom prst="round2DiagRect">
+            <a:avLst>
+              <a:gd name="adj1" fmla="val 5608"/>
+              <a:gd name="adj2" fmla="val 0"/>
+            </a:avLst>
+          </a:prstGeom>
+          <a:ln w="19050" cap="sq">
+            <a:solidFill>
+              <a:schemeClr val="tx2">
+                <a:lumMod val="60000"/>
+                <a:lumOff val="40000"/>
+                <a:alpha val="60000"/>
+              </a:schemeClr>
+            </a:solidFill>
+            <a:miter lim="800000"/>
+          </a:ln>
+          <a:effectLst>
+            <a:outerShdw blurRad="88900" dist="38100" dir="5400000" algn="t" rotWithShape="0">
+              <a:prstClr val="black">
+                <a:alpha val="40000"/>
+              </a:prstClr>
+            </a:outerShdw>
+          </a:effectLst>
+        </p:spPr>
+      </p:pic>
+      <p:sp>
+        <p:nvSpPr>
+          <p:cNvPr id="3" name="Content Placeholder 2">
+            <a:extLst>
+              <a:ext uri="{FF2B5EF4-FFF2-40B4-BE49-F238E27FC236}">
+                <a16:creationId xmlns:a16="http://schemas.microsoft.com/office/drawing/2014/main" id="{3C5A631F-E5B4-4C61-9073-B484BAF938E7}"/>
+              </a:ext>
+            </a:extLst>
+          </p:cNvPr>
+          <p:cNvSpPr>
+            <a:spLocks noGrp="1"/>
+          </p:cNvSpPr>
+          <p:nvPr>
+            <p:ph idx="1"/>
+          </p:nvPr>
+        </p:nvSpPr>
+        <p:spPr>
+          <a:xfrm>
+            <a:off x="5034579" y="2249487"/>
+            <a:ext cx="6012832" cy="3541714"/>
+          </a:xfrm>
+        </p:spPr>
+        <p:txBody>
+          <a:bodyPr>
+            <a:normAutofit/>
+          </a:bodyPr>
+          <a:lstStyle/>
+          <a:p>
+            <a:r>
+              <a:rPr lang="en-US" dirty="0"/>
+              <a:t>User defined software stacks can introduce new attack vectors (</a:t>
+            </a:r>
+            <a:r>
+              <a:rPr lang="en-US" dirty="0" err="1"/>
+              <a:t>Priedhorsky</a:t>
+            </a:r>
+            <a:r>
+              <a:rPr lang="en-US" dirty="0"/>
+              <a:t> &amp; </a:t>
+            </a:r>
+            <a:r>
+              <a:rPr lang="en-US" dirty="0" err="1"/>
+              <a:t>Randles</a:t>
+            </a:r>
+            <a:r>
+              <a:rPr lang="en-US" dirty="0"/>
+              <a:t>, 2017)</a:t>
+            </a:r>
+          </a:p>
+          <a:p>
+            <a:r>
+              <a:rPr lang="en-US" dirty="0"/>
+              <a:t>Some container run time tools require root</a:t>
+            </a:r>
+          </a:p>
+          <a:p>
+            <a:r>
+              <a:rPr lang="en-US" dirty="0"/>
+              <a:t>Containers can use more system memory than bare metal</a:t>
+            </a:r>
+          </a:p>
+          <a:p>
+            <a:pPr marL="0" indent="0">
+              <a:buNone/>
+            </a:pPr>
+            <a:endParaRPr lang="en-US" dirty="0"/>
+          </a:p>
+        </p:txBody>
+      </p:sp>
+      <p:sp>
+        <p:nvSpPr>
+          <p:cNvPr id="4" name="Slide Number Placeholder 3">
+            <a:extLst>
+              <a:ext uri="{FF2B5EF4-FFF2-40B4-BE49-F238E27FC236}">
+                <a16:creationId xmlns:a16="http://schemas.microsoft.com/office/drawing/2014/main" id="{93D19484-82EB-6646-BC5E-A1C6557B60CF}"/>
+              </a:ext>
+            </a:extLst>
+          </p:cNvPr>
+          <p:cNvSpPr>
+            <a:spLocks noGrp="1"/>
+          </p:cNvSpPr>
+          <p:nvPr>
+            <p:ph type="sldNum" sz="quarter" idx="12"/>
+          </p:nvPr>
+        </p:nvSpPr>
+        <p:spPr/>
+        <p:txBody>
+          <a:bodyPr/>
+          <a:lstStyle/>
+          <a:p>
+            <a:fld id="{6D22F896-40B5-4ADD-8801-0D06FADFA095}" type="slidenum">
+              <a:rPr lang="en-US" smtClean="0"/>
+              <a:t>10</a:t>
+            </a:fld>
+            <a:endParaRPr lang="en-US" dirty="0"/>
+          </a:p>
+        </p:txBody>
+      </p:sp>
+      <p:sp>
+        <p:nvSpPr>
+          <p:cNvPr id="8" name="TextBox 7">
+            <a:extLst>
+              <a:ext uri="{FF2B5EF4-FFF2-40B4-BE49-F238E27FC236}">
+                <a16:creationId xmlns:a16="http://schemas.microsoft.com/office/drawing/2014/main" id="{8C9B8820-10CF-4A96-8007-092E53B6A1E0}"/>
+              </a:ext>
+            </a:extLst>
+          </p:cNvPr>
+          <p:cNvSpPr txBox="1"/>
+          <p:nvPr/>
+        </p:nvSpPr>
+        <p:spPr>
+          <a:xfrm>
+            <a:off x="10398868" y="18574"/>
+            <a:ext cx="1793132" cy="369332"/>
+          </a:xfrm>
+          <a:prstGeom prst="rect">
+            <a:avLst/>
+          </a:prstGeom>
+          <a:noFill/>
+        </p:spPr>
+        <p:txBody>
+          <a:bodyPr wrap="square" rtlCol="0">
+            <a:spAutoFit/>
+          </a:bodyPr>
+          <a:lstStyle/>
+          <a:p>
+            <a:r>
+              <a:rPr lang="en-US" dirty="0"/>
+              <a:t>LA-UR-19-24149</a:t>
+            </a:r>
+          </a:p>
+        </p:txBody>
+      </p:sp>
+    </p:spTree>
+    <p:extLst>
+      <p:ext uri="{BB962C8B-B14F-4D97-AF65-F5344CB8AC3E}">
+        <p14:creationId xmlns:p14="http://schemas.microsoft.com/office/powerpoint/2010/main" val="190497428"/>
+      </p:ext>
+    </p:extLst>
+  </p:cSld>
+  <p:clrMapOvr>
+    <a:masterClrMapping/>
+  </p:clrMapOvr>
+</p:sld>
+</file>
+
+<file path=ppt/slides/slide11.xml><?xml version="1.0" encoding="utf-8"?>
+<p:sld xmlns:a="http://schemas.openxmlformats.org/drawingml/2006/main" xmlns:r="http://schemas.openxmlformats.org/officeDocument/2006/relationships" xmlns:p="http://schemas.openxmlformats.org/presentationml/2006/main">
+  <p:cSld>
     <p:spTree>
       <p:nvGrpSpPr>
         <p:cNvPr id="1" name=""/>
@@ -13220,8 +13496,16 @@
         </p:nvSpPr>
         <p:spPr/>
         <p:txBody>
-          <a:bodyPr/>
+          <a:bodyPr>
+            <a:normAutofit fontScale="92500" lnSpcReduction="20000"/>
+          </a:bodyPr>
           <a:lstStyle/>
+          <a:p>
+            <a:r>
+              <a:rPr lang="en-US" dirty="0"/>
+              <a:t>Security can be a priority</a:t>
+            </a:r>
+          </a:p>
           <a:p>
             <a:r>
               <a:rPr lang="en-US" dirty="0"/>
@@ -13254,7 +13538,14 @@
             <a:pPr lvl="1"/>
             <a:r>
               <a:rPr lang="en-US" dirty="0"/>
-              <a:t>Uses a root-level process to start user containers </a:t>
+              <a:t>Container build time requires root commonly</a:t>
+            </a:r>
+          </a:p>
+          <a:p>
+            <a:pPr lvl="1"/>
+            <a:r>
+              <a:rPr lang="en-US" dirty="0"/>
+              <a:t>Uses a root-level process to start user containers without privilege</a:t>
             </a:r>
           </a:p>
           <a:p>
@@ -13269,6 +13560,13 @@
             <a:r>
               <a:rPr lang="en-US" dirty="0"/>
               <a:t>Concerning to most cluster admins, can expose root access to users</a:t>
+            </a:r>
+          </a:p>
+          <a:p>
+            <a:pPr lvl="1"/>
+            <a:r>
+              <a:rPr lang="en-US" dirty="0"/>
+              <a:t>Parent process with privilege is more dangerous than one without</a:t>
             </a:r>
           </a:p>
           <a:p>
@@ -13309,7 +13607,7 @@
           <a:p>
             <a:fld id="{6D22F896-40B5-4ADD-8801-0D06FADFA095}" type="slidenum">
               <a:rPr lang="en-US" smtClean="0"/>
-              <a:t>10</a:t>
+              <a:t>11</a:t>
             </a:fld>
             <a:endParaRPr lang="en-US" dirty="0"/>
           </a:p>
@@ -13363,7 +13661,7 @@
 </p:sld>
 </file>
 
-<file path=ppt/slides/slide11.xml><?xml version="1.0" encoding="utf-8"?>
+<file path=ppt/slides/slide12.xml><?xml version="1.0" encoding="utf-8"?>
 <p:sld xmlns:a="http://schemas.openxmlformats.org/drawingml/2006/main" xmlns:r="http://schemas.openxmlformats.org/officeDocument/2006/relationships" xmlns:p="http://schemas.openxmlformats.org/presentationml/2006/main">
   <p:cSld>
     <p:spTree>
@@ -13431,7 +13729,9 @@
         </p:nvSpPr>
         <p:spPr/>
         <p:txBody>
-          <a:bodyPr/>
+          <a:bodyPr>
+            <a:normAutofit/>
+          </a:bodyPr>
           <a:lstStyle/>
           <a:p>
             <a:r>
@@ -13443,22 +13743,36 @@
             <a:pPr lvl="1"/>
             <a:r>
               <a:rPr lang="en-US" dirty="0"/>
-              <a:t>Docker swarm</a:t>
+              <a:t>Docker swarm (Docker Engine)</a:t>
             </a:r>
           </a:p>
           <a:p>
             <a:pPr lvl="1"/>
             <a:r>
               <a:rPr lang="en-US" dirty="0"/>
-              <a:t>Singularity </a:t>
-            </a:r>
+              <a:t>Singularity (privileged parent process) </a:t>
+            </a:r>
+            <a:r>
+              <a:rPr lang="en-US" dirty="0">
+                <a:hlinkClick r:id="rId2"/>
+              </a:rPr>
+              <a:t>https://singularity.lbl.gov/faq</a:t>
+            </a:r>
+            <a:endParaRPr lang="en-US" dirty="0"/>
           </a:p>
           <a:p>
             <a:pPr lvl="1"/>
             <a:r>
               <a:rPr lang="en-US" dirty="0"/>
-              <a:t>Shifter </a:t>
-            </a:r>
+              <a:t>Shifter (privileged parent process) </a:t>
+            </a:r>
+            <a:r>
+              <a:rPr lang="en-US" dirty="0">
+                <a:hlinkClick r:id="rId3"/>
+              </a:rPr>
+              <a:t>https://github.com/NERSC/shifter/blob/master/doc/security.rst</a:t>
+            </a:r>
+            <a:endParaRPr lang="en-US" dirty="0"/>
           </a:p>
           <a:p>
             <a:r>
@@ -13498,7 +13812,7 @@
           <a:p>
             <a:fld id="{6D22F896-40B5-4ADD-8801-0D06FADFA095}" type="slidenum">
               <a:rPr lang="en-US" smtClean="0"/>
-              <a:t>11</a:t>
+              <a:t>12</a:t>
             </a:fld>
             <a:endParaRPr lang="en-US" dirty="0"/>
           </a:p>
@@ -13552,7 +13866,177 @@
 </p:sld>
 </file>
 
-<file path=ppt/slides/slide12.xml><?xml version="1.0" encoding="utf-8"?>
+<file path=ppt/slides/slide13.xml><?xml version="1.0" encoding="utf-8"?>
+<p:sld xmlns:a="http://schemas.openxmlformats.org/drawingml/2006/main" xmlns:r="http://schemas.openxmlformats.org/officeDocument/2006/relationships" xmlns:p="http://schemas.openxmlformats.org/presentationml/2006/main">
+  <p:cSld>
+    <p:spTree>
+      <p:nvGrpSpPr>
+        <p:cNvPr id="1" name=""/>
+        <p:cNvGrpSpPr/>
+        <p:nvPr/>
+      </p:nvGrpSpPr>
+      <p:grpSpPr>
+        <a:xfrm>
+          <a:off x="0" y="0"/>
+          <a:ext cx="0" cy="0"/>
+          <a:chOff x="0" y="0"/>
+          <a:chExt cx="0" cy="0"/>
+        </a:xfrm>
+      </p:grpSpPr>
+      <p:sp>
+        <p:nvSpPr>
+          <p:cNvPr id="2" name="Title 1">
+            <a:extLst>
+              <a:ext uri="{FF2B5EF4-FFF2-40B4-BE49-F238E27FC236}">
+                <a16:creationId xmlns:a16="http://schemas.microsoft.com/office/drawing/2014/main" id="{4AFB1593-FDCE-4276-AFC2-E7BEEE9D21A2}"/>
+              </a:ext>
+            </a:extLst>
+          </p:cNvPr>
+          <p:cNvSpPr>
+            <a:spLocks noGrp="1"/>
+          </p:cNvSpPr>
+          <p:nvPr>
+            <p:ph type="title"/>
+          </p:nvPr>
+        </p:nvSpPr>
+        <p:spPr/>
+        <p:txBody>
+          <a:bodyPr/>
+          <a:lstStyle/>
+          <a:p>
+            <a:r>
+              <a:rPr lang="en-US" dirty="0"/>
+              <a:t>Why </a:t>
+            </a:r>
+            <a:r>
+              <a:rPr lang="en-US" dirty="0" err="1"/>
+              <a:t>Charliecloud</a:t>
+            </a:r>
+            <a:endParaRPr lang="en-US" dirty="0"/>
+          </a:p>
+        </p:txBody>
+      </p:sp>
+      <p:sp>
+        <p:nvSpPr>
+          <p:cNvPr id="3" name="Content Placeholder 2">
+            <a:extLst>
+              <a:ext uri="{FF2B5EF4-FFF2-40B4-BE49-F238E27FC236}">
+                <a16:creationId xmlns:a16="http://schemas.microsoft.com/office/drawing/2014/main" id="{2983DB37-8E1C-44AA-A79A-81F224171E48}"/>
+              </a:ext>
+            </a:extLst>
+          </p:cNvPr>
+          <p:cNvSpPr>
+            <a:spLocks noGrp="1"/>
+          </p:cNvSpPr>
+          <p:nvPr>
+            <p:ph idx="1"/>
+          </p:nvPr>
+        </p:nvSpPr>
+        <p:spPr/>
+        <p:txBody>
+          <a:bodyPr>
+            <a:normAutofit/>
+          </a:bodyPr>
+          <a:lstStyle/>
+          <a:p>
+            <a:r>
+              <a:rPr lang="en-US" dirty="0" err="1"/>
+              <a:t>Charliecloud</a:t>
+            </a:r>
+            <a:r>
+              <a:rPr lang="en-US" dirty="0"/>
+              <a:t> does not require root</a:t>
+            </a:r>
+          </a:p>
+          <a:p>
+            <a:pPr lvl="1"/>
+            <a:r>
+              <a:rPr lang="en-US" dirty="0"/>
+              <a:t>Does not use </a:t>
+            </a:r>
+            <a:r>
+              <a:rPr lang="en-US" dirty="0" err="1"/>
+              <a:t>setuid</a:t>
+            </a:r>
+            <a:endParaRPr lang="en-US" dirty="0"/>
+          </a:p>
+          <a:p>
+            <a:r>
+              <a:rPr lang="en-US" dirty="0"/>
+              <a:t>It is developed at LANL</a:t>
+            </a:r>
+          </a:p>
+          <a:p>
+            <a:r>
+              <a:rPr lang="en-US" dirty="0"/>
+              <a:t>It is open source</a:t>
+            </a:r>
+          </a:p>
+          <a:p>
+            <a:r>
+              <a:rPr lang="en-US" dirty="0"/>
+              <a:t>It is light weight</a:t>
+            </a:r>
+          </a:p>
+          <a:p>
+            <a:pPr lvl="1"/>
+            <a:r>
+              <a:rPr lang="en-US" dirty="0"/>
+              <a:t>It is only a container run time tool with some helper scripts</a:t>
+            </a:r>
+          </a:p>
+          <a:p>
+            <a:pPr lvl="1"/>
+            <a:r>
+              <a:rPr lang="en-US" dirty="0"/>
+              <a:t>It provides tools to assist building containers, but does not build them itself</a:t>
+            </a:r>
+          </a:p>
+        </p:txBody>
+      </p:sp>
+      <p:sp>
+        <p:nvSpPr>
+          <p:cNvPr id="4" name="Slide Number Placeholder 3">
+            <a:extLst>
+              <a:ext uri="{FF2B5EF4-FFF2-40B4-BE49-F238E27FC236}">
+                <a16:creationId xmlns:a16="http://schemas.microsoft.com/office/drawing/2014/main" id="{C68D91F2-E4AE-475D-B8D4-86E3EE7EE5F3}"/>
+              </a:ext>
+            </a:extLst>
+          </p:cNvPr>
+          <p:cNvSpPr>
+            <a:spLocks noGrp="1"/>
+          </p:cNvSpPr>
+          <p:nvPr>
+            <p:ph type="sldNum" sz="quarter" idx="12"/>
+          </p:nvPr>
+        </p:nvSpPr>
+        <p:spPr/>
+        <p:txBody>
+          <a:bodyPr/>
+          <a:lstStyle/>
+          <a:p>
+            <a:fld id="{6D22F896-40B5-4ADD-8801-0D06FADFA095}" type="slidenum">
+              <a:rPr lang="en-US" smtClean="0"/>
+              <a:t>13</a:t>
+            </a:fld>
+            <a:endParaRPr lang="en-US" dirty="0"/>
+          </a:p>
+        </p:txBody>
+      </p:sp>
+    </p:spTree>
+    <p:extLst>
+      <p:ext uri="{BB962C8B-B14F-4D97-AF65-F5344CB8AC3E}">
+        <p14:creationId xmlns:p14="http://schemas.microsoft.com/office/powerpoint/2010/main" val="1540047779"/>
+      </p:ext>
+    </p:extLst>
+  </p:cSld>
+  <p:clrMapOvr>
+    <a:masterClrMapping/>
+  </p:clrMapOvr>
+</p:sld>
+</file>
+
+<file path=ppt/slides/slide14.xml><?xml version="1.0" encoding="utf-8"?>
 <p:sld xmlns:a="http://schemas.openxmlformats.org/drawingml/2006/main" xmlns:r="http://schemas.openxmlformats.org/officeDocument/2006/relationships" xmlns:p="http://schemas.openxmlformats.org/presentationml/2006/main">
   <p:cSld>
     <p:spTree>
@@ -13634,7 +14118,7 @@
           <a:p>
             <a:r>
               <a:rPr lang="en-US" dirty="0"/>
-              <a:t>Docker containers are exported to a compressed tar file, then unpacked to memory on each node. This workflow is supported, but not required.</a:t>
+              <a:t>Docker containers are exported to a compressed tar file, then unpacked to memory on each node. This workflow is supported, but not required (which is cool).</a:t>
             </a:r>
           </a:p>
           <a:p>
@@ -13706,7 +14190,7 @@
           <a:p>
             <a:fld id="{6D22F896-40B5-4ADD-8801-0D06FADFA095}" type="slidenum">
               <a:rPr lang="en-US" smtClean="0"/>
-              <a:t>12</a:t>
+              <a:t>14</a:t>
             </a:fld>
             <a:endParaRPr lang="en-US" dirty="0"/>
           </a:p>
@@ -13760,7 +14244,7 @@
 </p:sld>
 </file>
 
-<file path=ppt/slides/slide13.xml><?xml version="1.0" encoding="utf-8"?>
+<file path=ppt/slides/slide15.xml><?xml version="1.0" encoding="utf-8"?>
 <p:sld xmlns:a="http://schemas.openxmlformats.org/drawingml/2006/main" xmlns:r="http://schemas.openxmlformats.org/officeDocument/2006/relationships" xmlns:p="http://schemas.openxmlformats.org/presentationml/2006/main">
   <p:cSld>
     <p:spTree>
@@ -13844,14 +14328,21 @@
             <a:pPr lvl="1"/>
             <a:r>
               <a:rPr lang="en-US" dirty="0"/>
-              <a:t>Slower execution time of containers, but less preparation time</a:t>
+              <a:t>Job time vs run time</a:t>
             </a:r>
           </a:p>
           <a:p>
             <a:pPr lvl="1"/>
             <a:r>
               <a:rPr lang="en-US" dirty="0"/>
-              <a:t>Only reads necessary files instead of the whole container, using less memory</a:t>
+              <a:t>longer run time of containers</a:t>
+            </a:r>
+          </a:p>
+          <a:p>
+            <a:pPr lvl="1"/>
+            <a:r>
+              <a:rPr lang="en-US" dirty="0"/>
+              <a:t>Only reads necessary files instead of the whole container, using less memory compared with copying the entire container to memory</a:t>
             </a:r>
           </a:p>
         </p:txBody>
@@ -13879,7 +14370,7 @@
           <a:p>
             <a:fld id="{6D22F896-40B5-4ADD-8801-0D06FADFA095}" type="slidenum">
               <a:rPr lang="en-US" smtClean="0"/>
-              <a:t>13</a:t>
+              <a:t>15</a:t>
             </a:fld>
             <a:endParaRPr lang="en-US" dirty="0"/>
           </a:p>
@@ -13933,7 +14424,7 @@
 </p:sld>
 </file>
 
-<file path=ppt/slides/slide14.xml><?xml version="1.0" encoding="utf-8"?>
+<file path=ppt/slides/slide16.xml><?xml version="1.0" encoding="utf-8"?>
 <p:sld xmlns:a="http://schemas.openxmlformats.org/drawingml/2006/main" xmlns:r="http://schemas.openxmlformats.org/officeDocument/2006/relationships" xmlns:p="http://schemas.openxmlformats.org/presentationml/2006/main">
   <p:cSld>
     <p:spTree>
@@ -13996,7 +14487,9 @@
         </p:nvSpPr>
         <p:spPr/>
         <p:txBody>
-          <a:bodyPr/>
+          <a:bodyPr>
+            <a:normAutofit/>
+          </a:bodyPr>
           <a:lstStyle/>
           <a:p>
             <a:r>
@@ -14018,16 +14511,9 @@
             </a:r>
           </a:p>
           <a:p>
-            <a:pPr lvl="1"/>
             <a:r>
               <a:rPr lang="en-US" dirty="0"/>
-              <a:t>The reason Shifter requires root-level access</a:t>
-            </a:r>
-          </a:p>
-          <a:p>
-            <a:r>
-              <a:rPr lang="en-US" dirty="0"/>
-              <a:t>Proven to be fast and efficient for containers in HPC (Gerhardt et al., 2017)</a:t>
+              <a:t>Kernel mounted is proven to be fast and efficient for containers in HPC (Gerhardt et al., 2017)</a:t>
             </a:r>
           </a:p>
           <a:p>
@@ -14061,7 +14547,7 @@
           <a:p>
             <a:fld id="{6D22F896-40B5-4ADD-8801-0D06FADFA095}" type="slidenum">
               <a:rPr lang="en-US" smtClean="0"/>
-              <a:t>14</a:t>
+              <a:t>16</a:t>
             </a:fld>
             <a:endParaRPr lang="en-US" dirty="0"/>
           </a:p>
@@ -14115,7 +14601,7 @@
 </p:sld>
 </file>
 
-<file path=ppt/slides/slide15.xml><?xml version="1.0" encoding="utf-8"?>
+<file path=ppt/slides/slide17.xml><?xml version="1.0" encoding="utf-8"?>
 <p:sld xmlns:a="http://schemas.openxmlformats.org/drawingml/2006/main" xmlns:r="http://schemas.openxmlformats.org/officeDocument/2006/relationships" xmlns:p="http://schemas.openxmlformats.org/presentationml/2006/main">
   <p:cSld>
     <p:bg>
@@ -14321,7 +14807,7 @@
           <a:p>
             <a:fld id="{6D22F896-40B5-4ADD-8801-0D06FADFA095}" type="slidenum">
               <a:rPr lang="en-US" smtClean="0"/>
-              <a:t>15</a:t>
+              <a:t>17</a:t>
             </a:fld>
             <a:endParaRPr lang="en-US" dirty="0"/>
           </a:p>
@@ -14375,7 +14861,7 @@
 </p:sld>
 </file>
 
-<file path=ppt/slides/slide16.xml><?xml version="1.0" encoding="utf-8"?>
+<file path=ppt/slides/slide18.xml><?xml version="1.0" encoding="utf-8"?>
 <p:sld xmlns:a="http://schemas.openxmlformats.org/drawingml/2006/main" xmlns:r="http://schemas.openxmlformats.org/officeDocument/2006/relationships" xmlns:p="http://schemas.openxmlformats.org/presentationml/2006/main">
   <p:cSld>
     <p:spTree>
@@ -14519,7 +15005,7 @@
           <a:p>
             <a:fld id="{6D22F896-40B5-4ADD-8801-0D06FADFA095}" type="slidenum">
               <a:rPr lang="en-US" smtClean="0"/>
-              <a:t>16</a:t>
+              <a:t>18</a:t>
             </a:fld>
             <a:endParaRPr lang="en-US" dirty="0"/>
           </a:p>
@@ -14573,7 +15059,373 @@
 </p:sld>
 </file>
 
-<file path=ppt/slides/slide17.xml><?xml version="1.0" encoding="utf-8"?>
+<file path=ppt/slides/slide19.xml><?xml version="1.0" encoding="utf-8"?>
+<p:sld xmlns:a="http://schemas.openxmlformats.org/drawingml/2006/main" xmlns:r="http://schemas.openxmlformats.org/officeDocument/2006/relationships" xmlns:p="http://schemas.openxmlformats.org/presentationml/2006/main">
+  <p:cSld>
+    <p:spTree>
+      <p:nvGrpSpPr>
+        <p:cNvPr id="1" name=""/>
+        <p:cNvGrpSpPr/>
+        <p:nvPr/>
+      </p:nvGrpSpPr>
+      <p:grpSpPr>
+        <a:xfrm>
+          <a:off x="0" y="0"/>
+          <a:ext cx="0" cy="0"/>
+          <a:chOff x="0" y="0"/>
+          <a:chExt cx="0" cy="0"/>
+        </a:xfrm>
+      </p:grpSpPr>
+      <p:sp>
+        <p:nvSpPr>
+          <p:cNvPr id="2" name="Title 1">
+            <a:extLst>
+              <a:ext uri="{FF2B5EF4-FFF2-40B4-BE49-F238E27FC236}">
+                <a16:creationId xmlns:a16="http://schemas.microsoft.com/office/drawing/2014/main" id="{B8754ED3-D2D0-4082-9F53-EB9A8B5D86A9}"/>
+              </a:ext>
+            </a:extLst>
+          </p:cNvPr>
+          <p:cNvSpPr>
+            <a:spLocks noGrp="1"/>
+          </p:cNvSpPr>
+          <p:nvPr>
+            <p:ph type="title"/>
+          </p:nvPr>
+        </p:nvSpPr>
+        <p:spPr/>
+        <p:txBody>
+          <a:bodyPr/>
+          <a:lstStyle/>
+          <a:p>
+            <a:r>
+              <a:rPr lang="en-US" dirty="0"/>
+              <a:t>More about </a:t>
+            </a:r>
+            <a:r>
+              <a:rPr lang="en-US" dirty="0" err="1"/>
+              <a:t>Lustre</a:t>
+            </a:r>
+            <a:endParaRPr lang="en-US" dirty="0"/>
+          </a:p>
+        </p:txBody>
+      </p:sp>
+      <p:sp>
+        <p:nvSpPr>
+          <p:cNvPr id="3" name="Content Placeholder 2">
+            <a:extLst>
+              <a:ext uri="{FF2B5EF4-FFF2-40B4-BE49-F238E27FC236}">
+                <a16:creationId xmlns:a16="http://schemas.microsoft.com/office/drawing/2014/main" id="{A156C37C-B888-42A0-84DD-E1881DF111BA}"/>
+              </a:ext>
+            </a:extLst>
+          </p:cNvPr>
+          <p:cNvSpPr>
+            <a:spLocks noGrp="1"/>
+          </p:cNvSpPr>
+          <p:nvPr>
+            <p:ph idx="1"/>
+          </p:nvPr>
+        </p:nvSpPr>
+        <p:spPr/>
+        <p:txBody>
+          <a:bodyPr/>
+          <a:lstStyle/>
+          <a:p>
+            <a:r>
+              <a:rPr lang="en-US" dirty="0" err="1"/>
+              <a:t>Lustre</a:t>
+            </a:r>
+            <a:r>
+              <a:rPr lang="en-US" dirty="0"/>
+              <a:t> </a:t>
+            </a:r>
+            <a:r>
+              <a:rPr lang="en-US" dirty="0" err="1"/>
+              <a:t>seperates</a:t>
+            </a:r>
+            <a:r>
+              <a:rPr lang="en-US" dirty="0"/>
+              <a:t> data intro stripes for parallelism</a:t>
+            </a:r>
+          </a:p>
+          <a:p>
+            <a:r>
+              <a:rPr lang="en-US" dirty="0" err="1"/>
+              <a:t>Lustre</a:t>
+            </a:r>
+            <a:r>
+              <a:rPr lang="en-US" dirty="0"/>
+              <a:t> likes large contiguous parallel operations</a:t>
+            </a:r>
+          </a:p>
+          <a:p>
+            <a:r>
+              <a:rPr lang="en-US" dirty="0" err="1"/>
+              <a:t>Lustre</a:t>
+            </a:r>
+            <a:r>
+              <a:rPr lang="en-US" dirty="0"/>
+              <a:t> dislikes many small files</a:t>
+            </a:r>
+          </a:p>
+          <a:p>
+            <a:r>
+              <a:rPr lang="en-US" dirty="0" err="1"/>
+              <a:t>Lustre</a:t>
+            </a:r>
+            <a:r>
+              <a:rPr lang="en-US" dirty="0"/>
+              <a:t> performance suffers under heavy metadata loads</a:t>
+            </a:r>
+          </a:p>
+        </p:txBody>
+      </p:sp>
+      <p:sp>
+        <p:nvSpPr>
+          <p:cNvPr id="4" name="Slide Number Placeholder 3">
+            <a:extLst>
+              <a:ext uri="{FF2B5EF4-FFF2-40B4-BE49-F238E27FC236}">
+                <a16:creationId xmlns:a16="http://schemas.microsoft.com/office/drawing/2014/main" id="{486D159C-C192-4BD0-B6CD-9EC5B7D4EF89}"/>
+              </a:ext>
+            </a:extLst>
+          </p:cNvPr>
+          <p:cNvSpPr>
+            <a:spLocks noGrp="1"/>
+          </p:cNvSpPr>
+          <p:nvPr>
+            <p:ph type="sldNum" sz="quarter" idx="12"/>
+          </p:nvPr>
+        </p:nvSpPr>
+        <p:spPr/>
+        <p:txBody>
+          <a:bodyPr/>
+          <a:lstStyle/>
+          <a:p>
+            <a:fld id="{6D22F896-40B5-4ADD-8801-0D06FADFA095}" type="slidenum">
+              <a:rPr lang="en-US" smtClean="0"/>
+              <a:t>19</a:t>
+            </a:fld>
+            <a:endParaRPr lang="en-US" dirty="0"/>
+          </a:p>
+        </p:txBody>
+      </p:sp>
+    </p:spTree>
+    <p:extLst>
+      <p:ext uri="{BB962C8B-B14F-4D97-AF65-F5344CB8AC3E}">
+        <p14:creationId xmlns:p14="http://schemas.microsoft.com/office/powerpoint/2010/main" val="1377063171"/>
+      </p:ext>
+    </p:extLst>
+  </p:cSld>
+  <p:clrMapOvr>
+    <a:masterClrMapping/>
+  </p:clrMapOvr>
+</p:sld>
+</file>
+
+<file path=ppt/slides/slide2.xml><?xml version="1.0" encoding="utf-8"?>
+<p:sld xmlns:a="http://schemas.openxmlformats.org/drawingml/2006/main" xmlns:r="http://schemas.openxmlformats.org/officeDocument/2006/relationships" xmlns:p="http://schemas.openxmlformats.org/presentationml/2006/main">
+  <p:cSld>
+    <p:spTree>
+      <p:nvGrpSpPr>
+        <p:cNvPr id="1" name=""/>
+        <p:cNvGrpSpPr/>
+        <p:nvPr/>
+      </p:nvGrpSpPr>
+      <p:grpSpPr>
+        <a:xfrm>
+          <a:off x="0" y="0"/>
+          <a:ext cx="0" cy="0"/>
+          <a:chOff x="0" y="0"/>
+          <a:chExt cx="0" cy="0"/>
+        </a:xfrm>
+      </p:grpSpPr>
+      <p:sp>
+        <p:nvSpPr>
+          <p:cNvPr id="2" name="Title 1">
+            <a:extLst>
+              <a:ext uri="{FF2B5EF4-FFF2-40B4-BE49-F238E27FC236}">
+                <a16:creationId xmlns:a16="http://schemas.microsoft.com/office/drawing/2014/main" id="{C4005882-2621-4B59-93E6-F7E019753BBF}"/>
+              </a:ext>
+            </a:extLst>
+          </p:cNvPr>
+          <p:cNvSpPr>
+            <a:spLocks noGrp="1"/>
+          </p:cNvSpPr>
+          <p:nvPr>
+            <p:ph type="title"/>
+          </p:nvPr>
+        </p:nvSpPr>
+        <p:spPr/>
+        <p:txBody>
+          <a:bodyPr/>
+          <a:lstStyle/>
+          <a:p>
+            <a:r>
+              <a:rPr lang="en-US" dirty="0"/>
+              <a:t>Software in high performance computing</a:t>
+            </a:r>
+          </a:p>
+        </p:txBody>
+      </p:sp>
+      <p:sp>
+        <p:nvSpPr>
+          <p:cNvPr id="3" name="Content Placeholder 2">
+            <a:extLst>
+              <a:ext uri="{FF2B5EF4-FFF2-40B4-BE49-F238E27FC236}">
+                <a16:creationId xmlns:a16="http://schemas.microsoft.com/office/drawing/2014/main" id="{E2F8A177-ECCF-4D14-B1DD-C858272A9F42}"/>
+              </a:ext>
+            </a:extLst>
+          </p:cNvPr>
+          <p:cNvSpPr>
+            <a:spLocks noGrp="1"/>
+          </p:cNvSpPr>
+          <p:nvPr>
+            <p:ph idx="1"/>
+          </p:nvPr>
+        </p:nvSpPr>
+        <p:spPr/>
+        <p:txBody>
+          <a:bodyPr>
+            <a:normAutofit/>
+          </a:bodyPr>
+          <a:lstStyle/>
+          <a:p>
+            <a:r>
+              <a:rPr lang="en-US" dirty="0"/>
+              <a:t>Carefully administered and managed</a:t>
+            </a:r>
+          </a:p>
+          <a:p>
+            <a:pPr lvl="1"/>
+            <a:r>
+              <a:rPr lang="en-US" dirty="0"/>
+              <a:t>Provides common tools needed by many such as MPI and compilers</a:t>
+            </a:r>
+          </a:p>
+          <a:p>
+            <a:r>
+              <a:rPr lang="en-US" dirty="0"/>
+              <a:t>Only some versions of some things are installed</a:t>
+            </a:r>
+          </a:p>
+          <a:p>
+            <a:pPr lvl="1"/>
+            <a:r>
+              <a:rPr lang="en-US" dirty="0"/>
+              <a:t>Might be missing an older or newer version you need</a:t>
+            </a:r>
+          </a:p>
+          <a:p>
+            <a:pPr lvl="1"/>
+            <a:r>
+              <a:rPr lang="en-US" dirty="0"/>
+              <a:t>Can’t install everything under the sun</a:t>
+            </a:r>
+          </a:p>
+          <a:p>
+            <a:r>
+              <a:rPr lang="en-US" dirty="0"/>
+              <a:t>New software can be requested</a:t>
+            </a:r>
+          </a:p>
+          <a:p>
+            <a:pPr lvl="1"/>
+            <a:r>
+              <a:rPr lang="en-US" dirty="0"/>
+              <a:t>Without great enough need the burden of support is too high</a:t>
+            </a:r>
+          </a:p>
+          <a:p>
+            <a:pPr marL="0" indent="0">
+              <a:buNone/>
+            </a:pPr>
+            <a:endParaRPr lang="en-US" dirty="0"/>
+          </a:p>
+          <a:p>
+            <a:pPr marL="0" indent="0">
+              <a:buNone/>
+            </a:pPr>
+            <a:endParaRPr lang="en-US" dirty="0"/>
+          </a:p>
+        </p:txBody>
+      </p:sp>
+      <p:sp>
+        <p:nvSpPr>
+          <p:cNvPr id="4" name="Slide Number Placeholder 3">
+            <a:extLst>
+              <a:ext uri="{FF2B5EF4-FFF2-40B4-BE49-F238E27FC236}">
+                <a16:creationId xmlns:a16="http://schemas.microsoft.com/office/drawing/2014/main" id="{BD44F37F-5C9D-7244-A87E-9564650F9527}"/>
+              </a:ext>
+            </a:extLst>
+          </p:cNvPr>
+          <p:cNvSpPr>
+            <a:spLocks noGrp="1"/>
+          </p:cNvSpPr>
+          <p:nvPr>
+            <p:ph type="sldNum" sz="quarter" idx="12"/>
+          </p:nvPr>
+        </p:nvSpPr>
+        <p:spPr/>
+        <p:txBody>
+          <a:bodyPr/>
+          <a:lstStyle/>
+          <a:p>
+            <a:fld id="{6D22F896-40B5-4ADD-8801-0D06FADFA095}" type="slidenum">
+              <a:rPr lang="en-US" smtClean="0"/>
+              <a:t>2</a:t>
+            </a:fld>
+            <a:endParaRPr lang="en-US" dirty="0"/>
+          </a:p>
+        </p:txBody>
+      </p:sp>
+      <p:sp>
+        <p:nvSpPr>
+          <p:cNvPr id="6" name="TextBox 5">
+            <a:extLst>
+              <a:ext uri="{FF2B5EF4-FFF2-40B4-BE49-F238E27FC236}">
+                <a16:creationId xmlns:a16="http://schemas.microsoft.com/office/drawing/2014/main" id="{75C7B634-709E-AE44-A7A3-3657F8EB232F}"/>
+              </a:ext>
+            </a:extLst>
+          </p:cNvPr>
+          <p:cNvSpPr txBox="1"/>
+          <p:nvPr/>
+        </p:nvSpPr>
+        <p:spPr>
+          <a:xfrm>
+            <a:off x="10402349" y="18574"/>
+            <a:ext cx="1789651" cy="369332"/>
+          </a:xfrm>
+          <a:prstGeom prst="rect">
+            <a:avLst/>
+          </a:prstGeom>
+          <a:noFill/>
+        </p:spPr>
+        <p:txBody>
+          <a:bodyPr wrap="square" rtlCol="0">
+            <a:spAutoFit/>
+          </a:bodyPr>
+          <a:lstStyle/>
+          <a:p>
+            <a:r>
+              <a:rPr lang="en-US" dirty="0"/>
+              <a:t>LA-UR-19-24149</a:t>
+            </a:r>
+          </a:p>
+        </p:txBody>
+      </p:sp>
+    </p:spTree>
+    <p:extLst>
+      <p:ext uri="{BB962C8B-B14F-4D97-AF65-F5344CB8AC3E}">
+        <p14:creationId xmlns:p14="http://schemas.microsoft.com/office/powerpoint/2010/main" val="3656524411"/>
+      </p:ext>
+    </p:extLst>
+  </p:cSld>
+  <p:clrMapOvr>
+    <a:masterClrMapping/>
+  </p:clrMapOvr>
+</p:sld>
+</file>
+
+<file path=ppt/slides/slide20.xml><?xml version="1.0" encoding="utf-8"?>
 <p:sld xmlns:a="http://schemas.openxmlformats.org/drawingml/2006/main" xmlns:r="http://schemas.openxmlformats.org/officeDocument/2006/relationships" xmlns:p="http://schemas.openxmlformats.org/presentationml/2006/main">
   <p:cSld>
     <p:spTree>
@@ -14697,7 +15549,7 @@
           <a:p>
             <a:fld id="{6D22F896-40B5-4ADD-8801-0D06FADFA095}" type="slidenum">
               <a:rPr lang="en-US" smtClean="0"/>
-              <a:t>17</a:t>
+              <a:t>20</a:t>
             </a:fld>
             <a:endParaRPr lang="en-US" dirty="0"/>
           </a:p>
@@ -14751,7 +15603,7 @@
 </p:sld>
 </file>
 
-<file path=ppt/slides/slide18.xml><?xml version="1.0" encoding="utf-8"?>
+<file path=ppt/slides/slide21.xml><?xml version="1.0" encoding="utf-8"?>
 <p:sld xmlns:a="http://schemas.openxmlformats.org/drawingml/2006/main" xmlns:r="http://schemas.openxmlformats.org/officeDocument/2006/relationships" xmlns:p="http://schemas.openxmlformats.org/presentationml/2006/main">
   <p:cSld>
     <p:spTree>
@@ -14912,7 +15764,7 @@
           <a:p>
             <a:fld id="{6D22F896-40B5-4ADD-8801-0D06FADFA095}" type="slidenum">
               <a:rPr lang="en-US" smtClean="0"/>
-              <a:t>18</a:t>
+              <a:t>21</a:t>
             </a:fld>
             <a:endParaRPr lang="en-US" dirty="0"/>
           </a:p>
@@ -14966,7 +15818,7 @@
 </p:sld>
 </file>
 
-<file path=ppt/slides/slide19.xml><?xml version="1.0" encoding="utf-8"?>
+<file path=ppt/slides/slide22.xml><?xml version="1.0" encoding="utf-8"?>
 <p:sld xmlns:a="http://schemas.openxmlformats.org/drawingml/2006/main" xmlns:r="http://schemas.openxmlformats.org/officeDocument/2006/relationships" xmlns:p="http://schemas.openxmlformats.org/presentationml/2006/main">
   <p:cSld>
     <p:bg>
@@ -15152,7 +16004,7 @@
             <a:noFill/>
             <a:extLst>
               <a:ext uri="{909E8E84-426E-40dd-AFC4-6F175D3DCCD1}">
-                <a14:hiddenFill xmlns="" xmlns:a16="http://schemas.microsoft.com/office/drawing/2014/main" xmlns:a14="http://schemas.microsoft.com/office/drawing/2010/main" xmlns:p14="http://schemas.microsoft.com/office/powerpoint/2010/main">
+                <a14:hiddenFill xmlns:p14="http://schemas.microsoft.com/office/powerpoint/2010/main" xmlns:a14="http://schemas.microsoft.com/office/drawing/2010/main" xmlns:a16="http://schemas.microsoft.com/office/drawing/2014/main" xmlns="">
                   <a:solidFill>
                     <a:srgbClr val="FFFFFF"/>
                   </a:solidFill>
@@ -15272,7 +16124,7 @@
             </a:ln>
             <a:extLst>
               <a:ext uri="{91240B29-F687-4f45-9708-019B960494DF}">
-                <a14:hiddenLine xmlns="" xmlns:a16="http://schemas.microsoft.com/office/drawing/2014/main" xmlns:a14="http://schemas.microsoft.com/office/drawing/2010/main" xmlns:p14="http://schemas.microsoft.com/office/powerpoint/2010/main" w="9525">
+                <a14:hiddenLine xmlns:p14="http://schemas.microsoft.com/office/powerpoint/2010/main" xmlns:a14="http://schemas.microsoft.com/office/drawing/2010/main" xmlns:a16="http://schemas.microsoft.com/office/drawing/2014/main" xmlns="" w="9525">
                   <a:solidFill>
                     <a:srgbClr val="000000"/>
                   </a:solidFill>
@@ -15377,7 +16229,7 @@
             </a:ln>
             <a:extLst>
               <a:ext uri="{91240B29-F687-4f45-9708-019B960494DF}">
-                <a14:hiddenLine xmlns="" xmlns:a16="http://schemas.microsoft.com/office/drawing/2014/main" xmlns:a14="http://schemas.microsoft.com/office/drawing/2010/main" xmlns:p14="http://schemas.microsoft.com/office/powerpoint/2010/main" w="9525">
+                <a14:hiddenLine xmlns:p14="http://schemas.microsoft.com/office/powerpoint/2010/main" xmlns:a14="http://schemas.microsoft.com/office/drawing/2010/main" xmlns:a16="http://schemas.microsoft.com/office/drawing/2014/main" xmlns="" w="9525">
                   <a:solidFill>
                     <a:srgbClr val="000000"/>
                   </a:solidFill>
@@ -15482,7 +16334,7 @@
             </a:ln>
             <a:extLst>
               <a:ext uri="{91240B29-F687-4f45-9708-019B960494DF}">
-                <a14:hiddenLine xmlns="" xmlns:a16="http://schemas.microsoft.com/office/drawing/2014/main" xmlns:a14="http://schemas.microsoft.com/office/drawing/2010/main" xmlns:p14="http://schemas.microsoft.com/office/powerpoint/2010/main" w="9525">
+                <a14:hiddenLine xmlns:p14="http://schemas.microsoft.com/office/powerpoint/2010/main" xmlns:a14="http://schemas.microsoft.com/office/drawing/2010/main" xmlns:a16="http://schemas.microsoft.com/office/drawing/2014/main" xmlns="" w="9525">
                   <a:solidFill>
                     <a:srgbClr val="000000"/>
                   </a:solidFill>
@@ -15531,7 +16383,7 @@
             </a:ln>
             <a:extLst>
               <a:ext uri="{91240B29-F687-4f45-9708-019B960494DF}">
-                <a14:hiddenLine xmlns="" xmlns:a16="http://schemas.microsoft.com/office/drawing/2014/main" xmlns:a14="http://schemas.microsoft.com/office/drawing/2010/main" xmlns:p14="http://schemas.microsoft.com/office/powerpoint/2010/main" w="9525">
+                <a14:hiddenLine xmlns:p14="http://schemas.microsoft.com/office/powerpoint/2010/main" xmlns:a14="http://schemas.microsoft.com/office/drawing/2010/main" xmlns:a16="http://schemas.microsoft.com/office/drawing/2014/main" xmlns="" w="9525">
                   <a:solidFill>
                     <a:srgbClr val="000000"/>
                   </a:solidFill>
@@ -15636,7 +16488,7 @@
             </a:ln>
             <a:extLst>
               <a:ext uri="{91240B29-F687-4f45-9708-019B960494DF}">
-                <a14:hiddenLine xmlns="" xmlns:a16="http://schemas.microsoft.com/office/drawing/2014/main" xmlns:a14="http://schemas.microsoft.com/office/drawing/2010/main" xmlns:p14="http://schemas.microsoft.com/office/powerpoint/2010/main" w="9525">
+                <a14:hiddenLine xmlns:p14="http://schemas.microsoft.com/office/powerpoint/2010/main" xmlns:a14="http://schemas.microsoft.com/office/drawing/2010/main" xmlns:a16="http://schemas.microsoft.com/office/drawing/2014/main" xmlns="" w="9525">
                   <a:solidFill>
                     <a:srgbClr val="000000"/>
                   </a:solidFill>
@@ -15713,7 +16565,7 @@
             </a:ln>
             <a:extLst>
               <a:ext uri="{91240B29-F687-4f45-9708-019B960494DF}">
-                <a14:hiddenLine xmlns="" xmlns:a16="http://schemas.microsoft.com/office/drawing/2014/main" xmlns:a14="http://schemas.microsoft.com/office/drawing/2010/main" xmlns:p14="http://schemas.microsoft.com/office/powerpoint/2010/main" w="9525">
+                <a14:hiddenLine xmlns:p14="http://schemas.microsoft.com/office/powerpoint/2010/main" xmlns:a14="http://schemas.microsoft.com/office/drawing/2010/main" xmlns:a16="http://schemas.microsoft.com/office/drawing/2014/main" xmlns="" w="9525">
                   <a:solidFill>
                     <a:srgbClr val="000000"/>
                   </a:solidFill>
@@ -15790,7 +16642,7 @@
             </a:ln>
             <a:extLst>
               <a:ext uri="{91240B29-F687-4f45-9708-019B960494DF}">
-                <a14:hiddenLine xmlns="" xmlns:a16="http://schemas.microsoft.com/office/drawing/2014/main" xmlns:a14="http://schemas.microsoft.com/office/drawing/2010/main" xmlns:p14="http://schemas.microsoft.com/office/powerpoint/2010/main" w="9525">
+                <a14:hiddenLine xmlns:p14="http://schemas.microsoft.com/office/powerpoint/2010/main" xmlns:a14="http://schemas.microsoft.com/office/drawing/2010/main" xmlns:a16="http://schemas.microsoft.com/office/drawing/2014/main" xmlns="" w="9525">
                   <a:solidFill>
                     <a:srgbClr val="000000"/>
                   </a:solidFill>
@@ -15895,7 +16747,7 @@
             </a:ln>
             <a:extLst>
               <a:ext uri="{91240B29-F687-4f45-9708-019B960494DF}">
-                <a14:hiddenLine xmlns="" xmlns:a16="http://schemas.microsoft.com/office/drawing/2014/main" xmlns:a14="http://schemas.microsoft.com/office/drawing/2010/main" xmlns:p14="http://schemas.microsoft.com/office/powerpoint/2010/main" w="9525">
+                <a14:hiddenLine xmlns:p14="http://schemas.microsoft.com/office/powerpoint/2010/main" xmlns:a14="http://schemas.microsoft.com/office/drawing/2010/main" xmlns:a16="http://schemas.microsoft.com/office/drawing/2014/main" xmlns="" w="9525">
                   <a:solidFill>
                     <a:srgbClr val="000000"/>
                   </a:solidFill>
@@ -15972,7 +16824,7 @@
             </a:ln>
             <a:extLst>
               <a:ext uri="{91240B29-F687-4f45-9708-019B960494DF}">
-                <a14:hiddenLine xmlns="" xmlns:a16="http://schemas.microsoft.com/office/drawing/2014/main" xmlns:a14="http://schemas.microsoft.com/office/drawing/2010/main" xmlns:p14="http://schemas.microsoft.com/office/powerpoint/2010/main" w="9525">
+                <a14:hiddenLine xmlns:p14="http://schemas.microsoft.com/office/powerpoint/2010/main" xmlns:a14="http://schemas.microsoft.com/office/drawing/2010/main" xmlns:a16="http://schemas.microsoft.com/office/drawing/2014/main" xmlns="" w="9525">
                   <a:solidFill>
                     <a:srgbClr val="000000"/>
                   </a:solidFill>
@@ -16049,7 +16901,7 @@
             </a:ln>
             <a:extLst>
               <a:ext uri="{91240B29-F687-4f45-9708-019B960494DF}">
-                <a14:hiddenLine xmlns="" xmlns:a16="http://schemas.microsoft.com/office/drawing/2014/main" xmlns:a14="http://schemas.microsoft.com/office/drawing/2010/main" xmlns:p14="http://schemas.microsoft.com/office/powerpoint/2010/main" w="9525">
+                <a14:hiddenLine xmlns:p14="http://schemas.microsoft.com/office/powerpoint/2010/main" xmlns:a14="http://schemas.microsoft.com/office/drawing/2010/main" xmlns:a16="http://schemas.microsoft.com/office/drawing/2014/main" xmlns="" w="9525">
                   <a:solidFill>
                     <a:srgbClr val="000000"/>
                   </a:solidFill>
@@ -16154,7 +17006,7 @@
             </a:ln>
             <a:extLst>
               <a:ext uri="{91240B29-F687-4f45-9708-019B960494DF}">
-                <a14:hiddenLine xmlns="" xmlns:a16="http://schemas.microsoft.com/office/drawing/2014/main" xmlns:a14="http://schemas.microsoft.com/office/drawing/2010/main" xmlns:p14="http://schemas.microsoft.com/office/powerpoint/2010/main" w="9525">
+                <a14:hiddenLine xmlns:p14="http://schemas.microsoft.com/office/powerpoint/2010/main" xmlns:a14="http://schemas.microsoft.com/office/drawing/2010/main" xmlns:a16="http://schemas.microsoft.com/office/drawing/2014/main" xmlns="" w="9525">
                   <a:solidFill>
                     <a:srgbClr val="000000"/>
                   </a:solidFill>
@@ -16259,7 +17111,7 @@
             </a:ln>
             <a:extLst>
               <a:ext uri="{91240B29-F687-4f45-9708-019B960494DF}">
-                <a14:hiddenLine xmlns="" xmlns:a16="http://schemas.microsoft.com/office/drawing/2014/main" xmlns:a14="http://schemas.microsoft.com/office/drawing/2010/main" xmlns:p14="http://schemas.microsoft.com/office/powerpoint/2010/main" w="9525">
+                <a14:hiddenLine xmlns:p14="http://schemas.microsoft.com/office/powerpoint/2010/main" xmlns:a14="http://schemas.microsoft.com/office/drawing/2010/main" xmlns:a16="http://schemas.microsoft.com/office/drawing/2014/main" xmlns="" w="9525">
                   <a:solidFill>
                     <a:srgbClr val="000000"/>
                   </a:solidFill>
@@ -16336,7 +17188,7 @@
             </a:ln>
             <a:extLst>
               <a:ext uri="{91240B29-F687-4f45-9708-019B960494DF}">
-                <a14:hiddenLine xmlns="" xmlns:a16="http://schemas.microsoft.com/office/drawing/2014/main" xmlns:a14="http://schemas.microsoft.com/office/drawing/2010/main" xmlns:p14="http://schemas.microsoft.com/office/powerpoint/2010/main" w="9525">
+                <a14:hiddenLine xmlns:p14="http://schemas.microsoft.com/office/powerpoint/2010/main" xmlns:a14="http://schemas.microsoft.com/office/drawing/2010/main" xmlns:a16="http://schemas.microsoft.com/office/drawing/2014/main" xmlns="" w="9525">
                   <a:solidFill>
                     <a:srgbClr val="000000"/>
                   </a:solidFill>
@@ -16461,7 +17313,7 @@
             </a:ln>
             <a:extLst>
               <a:ext uri="{91240B29-F687-4f45-9708-019B960494DF}">
-                <a14:hiddenLine xmlns="" xmlns:a16="http://schemas.microsoft.com/office/drawing/2014/main" xmlns:a14="http://schemas.microsoft.com/office/drawing/2010/main" xmlns:p14="http://schemas.microsoft.com/office/powerpoint/2010/main" w="9525">
+                <a14:hiddenLine xmlns:p14="http://schemas.microsoft.com/office/powerpoint/2010/main" xmlns:a14="http://schemas.microsoft.com/office/drawing/2010/main" xmlns:a16="http://schemas.microsoft.com/office/drawing/2014/main" xmlns="" w="9525">
                   <a:solidFill>
                     <a:srgbClr val="000000"/>
                   </a:solidFill>
@@ -16538,7 +17390,7 @@
             </a:ln>
             <a:extLst>
               <a:ext uri="{91240B29-F687-4f45-9708-019B960494DF}">
-                <a14:hiddenLine xmlns="" xmlns:a16="http://schemas.microsoft.com/office/drawing/2014/main" xmlns:a14="http://schemas.microsoft.com/office/drawing/2010/main" xmlns:p14="http://schemas.microsoft.com/office/powerpoint/2010/main" w="9525">
+                <a14:hiddenLine xmlns:p14="http://schemas.microsoft.com/office/powerpoint/2010/main" xmlns:a14="http://schemas.microsoft.com/office/drawing/2010/main" xmlns:a16="http://schemas.microsoft.com/office/drawing/2014/main" xmlns="" w="9525">
                   <a:solidFill>
                     <a:srgbClr val="000000"/>
                   </a:solidFill>
@@ -16643,7 +17495,7 @@
             </a:ln>
             <a:extLst>
               <a:ext uri="{91240B29-F687-4f45-9708-019B960494DF}">
-                <a14:hiddenLine xmlns="" xmlns:a16="http://schemas.microsoft.com/office/drawing/2014/main" xmlns:a14="http://schemas.microsoft.com/office/drawing/2010/main" xmlns:p14="http://schemas.microsoft.com/office/powerpoint/2010/main" w="9525">
+                <a14:hiddenLine xmlns:p14="http://schemas.microsoft.com/office/powerpoint/2010/main" xmlns:a14="http://schemas.microsoft.com/office/drawing/2010/main" xmlns:a16="http://schemas.microsoft.com/office/drawing/2014/main" xmlns="" w="9525">
                   <a:solidFill>
                     <a:srgbClr val="000000"/>
                   </a:solidFill>
@@ -16748,7 +17600,7 @@
             </a:ln>
             <a:extLst>
               <a:ext uri="{91240B29-F687-4f45-9708-019B960494DF}">
-                <a14:hiddenLine xmlns="" xmlns:a16="http://schemas.microsoft.com/office/drawing/2014/main" xmlns:a14="http://schemas.microsoft.com/office/drawing/2010/main" xmlns:p14="http://schemas.microsoft.com/office/powerpoint/2010/main" w="9525">
+                <a14:hiddenLine xmlns:p14="http://schemas.microsoft.com/office/powerpoint/2010/main" xmlns:a14="http://schemas.microsoft.com/office/drawing/2010/main" xmlns:a16="http://schemas.microsoft.com/office/drawing/2014/main" xmlns="" w="9525">
                   <a:solidFill>
                     <a:srgbClr val="000000"/>
                   </a:solidFill>
@@ -16825,7 +17677,7 @@
             </a:ln>
             <a:extLst>
               <a:ext uri="{91240B29-F687-4f45-9708-019B960494DF}">
-                <a14:hiddenLine xmlns="" xmlns:a16="http://schemas.microsoft.com/office/drawing/2014/main" xmlns:a14="http://schemas.microsoft.com/office/drawing/2010/main" xmlns:p14="http://schemas.microsoft.com/office/powerpoint/2010/main" w="9525">
+                <a14:hiddenLine xmlns:p14="http://schemas.microsoft.com/office/powerpoint/2010/main" xmlns:a14="http://schemas.microsoft.com/office/drawing/2010/main" xmlns:a16="http://schemas.microsoft.com/office/drawing/2014/main" xmlns="" w="9525">
                   <a:solidFill>
                     <a:srgbClr val="000000"/>
                   </a:solidFill>
@@ -16930,7 +17782,7 @@
             </a:ln>
             <a:extLst>
               <a:ext uri="{91240B29-F687-4f45-9708-019B960494DF}">
-                <a14:hiddenLine xmlns="" xmlns:a16="http://schemas.microsoft.com/office/drawing/2014/main" xmlns:a14="http://schemas.microsoft.com/office/drawing/2010/main" xmlns:p14="http://schemas.microsoft.com/office/powerpoint/2010/main" w="9525">
+                <a14:hiddenLine xmlns:p14="http://schemas.microsoft.com/office/powerpoint/2010/main" xmlns:a14="http://schemas.microsoft.com/office/drawing/2010/main" xmlns:a16="http://schemas.microsoft.com/office/drawing/2014/main" xmlns="" w="9525">
                   <a:solidFill>
                     <a:srgbClr val="000000"/>
                   </a:solidFill>
@@ -17035,7 +17887,7 @@
             </a:ln>
             <a:extLst>
               <a:ext uri="{91240B29-F687-4f45-9708-019B960494DF}">
-                <a14:hiddenLine xmlns="" xmlns:a16="http://schemas.microsoft.com/office/drawing/2014/main" xmlns:a14="http://schemas.microsoft.com/office/drawing/2010/main" xmlns:p14="http://schemas.microsoft.com/office/powerpoint/2010/main" w="9525">
+                <a14:hiddenLine xmlns:p14="http://schemas.microsoft.com/office/powerpoint/2010/main" xmlns:a14="http://schemas.microsoft.com/office/drawing/2010/main" xmlns:a16="http://schemas.microsoft.com/office/drawing/2014/main" xmlns="" w="9525">
                   <a:solidFill>
                     <a:srgbClr val="000000"/>
                   </a:solidFill>
@@ -17106,7 +17958,7 @@
             </a:ln>
             <a:extLst>
               <a:ext uri="{91240B29-F687-4f45-9708-019B960494DF}">
-                <a14:hiddenLine xmlns="" xmlns:a16="http://schemas.microsoft.com/office/drawing/2014/main" xmlns:a14="http://schemas.microsoft.com/office/drawing/2010/main" xmlns:p14="http://schemas.microsoft.com/office/powerpoint/2010/main" w="9525">
+                <a14:hiddenLine xmlns:p14="http://schemas.microsoft.com/office/powerpoint/2010/main" xmlns:a14="http://schemas.microsoft.com/office/drawing/2010/main" xmlns:a16="http://schemas.microsoft.com/office/drawing/2014/main" xmlns="" w="9525">
                   <a:solidFill>
                     <a:srgbClr val="000000"/>
                   </a:solidFill>
@@ -17211,7 +18063,7 @@
             </a:ln>
             <a:extLst>
               <a:ext uri="{91240B29-F687-4f45-9708-019B960494DF}">
-                <a14:hiddenLine xmlns="" xmlns:a16="http://schemas.microsoft.com/office/drawing/2014/main" xmlns:a14="http://schemas.microsoft.com/office/drawing/2010/main" xmlns:p14="http://schemas.microsoft.com/office/powerpoint/2010/main" w="9525">
+                <a14:hiddenLine xmlns:p14="http://schemas.microsoft.com/office/powerpoint/2010/main" xmlns:a14="http://schemas.microsoft.com/office/drawing/2010/main" xmlns:a16="http://schemas.microsoft.com/office/drawing/2014/main" xmlns="" w="9525">
                   <a:solidFill>
                     <a:srgbClr val="000000"/>
                   </a:solidFill>
@@ -17282,7 +18134,7 @@
             </a:ln>
             <a:extLst>
               <a:ext uri="{91240B29-F687-4f45-9708-019B960494DF}">
-                <a14:hiddenLine xmlns="" xmlns:a16="http://schemas.microsoft.com/office/drawing/2014/main" xmlns:a14="http://schemas.microsoft.com/office/drawing/2010/main" xmlns:p14="http://schemas.microsoft.com/office/powerpoint/2010/main" w="9525">
+                <a14:hiddenLine xmlns:p14="http://schemas.microsoft.com/office/powerpoint/2010/main" xmlns:a14="http://schemas.microsoft.com/office/drawing/2010/main" xmlns:a16="http://schemas.microsoft.com/office/drawing/2014/main" xmlns="" w="9525">
                   <a:solidFill>
                     <a:srgbClr val="000000"/>
                   </a:solidFill>
@@ -17387,7 +18239,7 @@
             </a:ln>
             <a:extLst>
               <a:ext uri="{91240B29-F687-4f45-9708-019B960494DF}">
-                <a14:hiddenLine xmlns="" xmlns:a16="http://schemas.microsoft.com/office/drawing/2014/main" xmlns:a14="http://schemas.microsoft.com/office/drawing/2010/main" xmlns:p14="http://schemas.microsoft.com/office/powerpoint/2010/main" w="9525">
+                <a14:hiddenLine xmlns:p14="http://schemas.microsoft.com/office/powerpoint/2010/main" xmlns:a14="http://schemas.microsoft.com/office/drawing/2010/main" xmlns:a16="http://schemas.microsoft.com/office/drawing/2014/main" xmlns="" w="9525">
                   <a:solidFill>
                     <a:srgbClr val="000000"/>
                   </a:solidFill>
@@ -17470,7 +18322,7 @@
             </a:ln>
             <a:extLst>
               <a:ext uri="{91240B29-F687-4f45-9708-019B960494DF}">
-                <a14:hiddenLine xmlns="" xmlns:a16="http://schemas.microsoft.com/office/drawing/2014/main" xmlns:a14="http://schemas.microsoft.com/office/drawing/2010/main" xmlns:p14="http://schemas.microsoft.com/office/powerpoint/2010/main" w="9525">
+                <a14:hiddenLine xmlns:p14="http://schemas.microsoft.com/office/powerpoint/2010/main" xmlns:a14="http://schemas.microsoft.com/office/drawing/2010/main" xmlns:a16="http://schemas.microsoft.com/office/drawing/2014/main" xmlns="" w="9525">
                   <a:solidFill>
                     <a:srgbClr val="000000"/>
                   </a:solidFill>
@@ -17575,7 +18427,7 @@
             </a:ln>
             <a:extLst>
               <a:ext uri="{91240B29-F687-4f45-9708-019B960494DF}">
-                <a14:hiddenLine xmlns="" xmlns:a16="http://schemas.microsoft.com/office/drawing/2014/main" xmlns:a14="http://schemas.microsoft.com/office/drawing/2010/main" xmlns:p14="http://schemas.microsoft.com/office/powerpoint/2010/main" w="9525">
+                <a14:hiddenLine xmlns:p14="http://schemas.microsoft.com/office/powerpoint/2010/main" xmlns:a14="http://schemas.microsoft.com/office/drawing/2010/main" xmlns:a16="http://schemas.microsoft.com/office/drawing/2014/main" xmlns="" w="9525">
                   <a:solidFill>
                     <a:srgbClr val="000000"/>
                   </a:solidFill>
@@ -17658,7 +18510,7 @@
             </a:ln>
             <a:extLst>
               <a:ext uri="{91240B29-F687-4f45-9708-019B960494DF}">
-                <a14:hiddenLine xmlns="" xmlns:a16="http://schemas.microsoft.com/office/drawing/2014/main" xmlns:a14="http://schemas.microsoft.com/office/drawing/2010/main" xmlns:p14="http://schemas.microsoft.com/office/powerpoint/2010/main" w="9525">
+                <a14:hiddenLine xmlns:p14="http://schemas.microsoft.com/office/powerpoint/2010/main" xmlns:a14="http://schemas.microsoft.com/office/drawing/2010/main" xmlns:a16="http://schemas.microsoft.com/office/drawing/2014/main" xmlns="" w="9525">
                   <a:solidFill>
                     <a:srgbClr val="000000"/>
                   </a:solidFill>
@@ -17763,7 +18615,7 @@
             </a:ln>
             <a:extLst>
               <a:ext uri="{91240B29-F687-4f45-9708-019B960494DF}">
-                <a14:hiddenLine xmlns="" xmlns:a16="http://schemas.microsoft.com/office/drawing/2014/main" xmlns:a14="http://schemas.microsoft.com/office/drawing/2010/main" xmlns:p14="http://schemas.microsoft.com/office/powerpoint/2010/main" w="9525">
+                <a14:hiddenLine xmlns:p14="http://schemas.microsoft.com/office/powerpoint/2010/main" xmlns:a14="http://schemas.microsoft.com/office/drawing/2010/main" xmlns:a16="http://schemas.microsoft.com/office/drawing/2014/main" xmlns="" w="9525">
                   <a:solidFill>
                     <a:srgbClr val="000000"/>
                   </a:solidFill>
@@ -17812,7 +18664,7 @@
             </a:ln>
             <a:extLst>
               <a:ext uri="{91240B29-F687-4f45-9708-019B960494DF}">
-                <a14:hiddenLine xmlns="" xmlns:a16="http://schemas.microsoft.com/office/drawing/2014/main" xmlns:a14="http://schemas.microsoft.com/office/drawing/2010/main" xmlns:p14="http://schemas.microsoft.com/office/powerpoint/2010/main" w="9525">
+                <a14:hiddenLine xmlns:p14="http://schemas.microsoft.com/office/powerpoint/2010/main" xmlns:a14="http://schemas.microsoft.com/office/drawing/2010/main" xmlns:a16="http://schemas.microsoft.com/office/drawing/2014/main" xmlns="" w="9525">
                   <a:solidFill>
                     <a:srgbClr val="000000"/>
                   </a:solidFill>
@@ -17917,7 +18769,7 @@
             </a:ln>
             <a:extLst>
               <a:ext uri="{91240B29-F687-4f45-9708-019B960494DF}">
-                <a14:hiddenLine xmlns="" xmlns:a16="http://schemas.microsoft.com/office/drawing/2014/main" xmlns:a14="http://schemas.microsoft.com/office/drawing/2010/main" xmlns:p14="http://schemas.microsoft.com/office/powerpoint/2010/main" w="9525">
+                <a14:hiddenLine xmlns:p14="http://schemas.microsoft.com/office/powerpoint/2010/main" xmlns:a14="http://schemas.microsoft.com/office/drawing/2010/main" xmlns:a16="http://schemas.microsoft.com/office/drawing/2014/main" xmlns="" w="9525">
                   <a:solidFill>
                     <a:srgbClr val="000000"/>
                   </a:solidFill>
@@ -17994,7 +18846,7 @@
             </a:ln>
             <a:extLst>
               <a:ext uri="{91240B29-F687-4f45-9708-019B960494DF}">
-                <a14:hiddenLine xmlns="" xmlns:a16="http://schemas.microsoft.com/office/drawing/2014/main" xmlns:a14="http://schemas.microsoft.com/office/drawing/2010/main" xmlns:p14="http://schemas.microsoft.com/office/powerpoint/2010/main" w="9525">
+                <a14:hiddenLine xmlns:p14="http://schemas.microsoft.com/office/powerpoint/2010/main" xmlns:a14="http://schemas.microsoft.com/office/drawing/2010/main" xmlns:a16="http://schemas.microsoft.com/office/drawing/2014/main" xmlns="" w="9525">
                   <a:solidFill>
                     <a:srgbClr val="000000"/>
                   </a:solidFill>
@@ -18071,7 +18923,7 @@
             </a:ln>
             <a:extLst>
               <a:ext uri="{91240B29-F687-4f45-9708-019B960494DF}">
-                <a14:hiddenLine xmlns="" xmlns:a16="http://schemas.microsoft.com/office/drawing/2014/main" xmlns:a14="http://schemas.microsoft.com/office/drawing/2010/main" xmlns:p14="http://schemas.microsoft.com/office/powerpoint/2010/main" w="9525">
+                <a14:hiddenLine xmlns:p14="http://schemas.microsoft.com/office/powerpoint/2010/main" xmlns:a14="http://schemas.microsoft.com/office/drawing/2010/main" xmlns:a16="http://schemas.microsoft.com/office/drawing/2014/main" xmlns="" w="9525">
                   <a:solidFill>
                     <a:srgbClr val="000000"/>
                   </a:solidFill>
@@ -18176,7 +19028,7 @@
             </a:ln>
             <a:extLst>
               <a:ext uri="{91240B29-F687-4f45-9708-019B960494DF}">
-                <a14:hiddenLine xmlns="" xmlns:a16="http://schemas.microsoft.com/office/drawing/2014/main" xmlns:a14="http://schemas.microsoft.com/office/drawing/2010/main" xmlns:p14="http://schemas.microsoft.com/office/powerpoint/2010/main" w="9525">
+                <a14:hiddenLine xmlns:p14="http://schemas.microsoft.com/office/powerpoint/2010/main" xmlns:a14="http://schemas.microsoft.com/office/drawing/2010/main" xmlns:a16="http://schemas.microsoft.com/office/drawing/2014/main" xmlns="" w="9525">
                   <a:solidFill>
                     <a:srgbClr val="000000"/>
                   </a:solidFill>
@@ -18259,7 +19111,7 @@
             </a:ln>
             <a:extLst>
               <a:ext uri="{91240B29-F687-4f45-9708-019B960494DF}">
-                <a14:hiddenLine xmlns="" xmlns:a16="http://schemas.microsoft.com/office/drawing/2014/main" xmlns:a14="http://schemas.microsoft.com/office/drawing/2010/main" xmlns:p14="http://schemas.microsoft.com/office/powerpoint/2010/main" w="9525">
+                <a14:hiddenLine xmlns:p14="http://schemas.microsoft.com/office/powerpoint/2010/main" xmlns:a14="http://schemas.microsoft.com/office/drawing/2010/main" xmlns:a16="http://schemas.microsoft.com/office/drawing/2014/main" xmlns="" w="9525">
                   <a:solidFill>
                     <a:srgbClr val="000000"/>
                   </a:solidFill>
@@ -18336,7 +19188,7 @@
             </a:ln>
             <a:extLst>
               <a:ext uri="{91240B29-F687-4f45-9708-019B960494DF}">
-                <a14:hiddenLine xmlns="" xmlns:a16="http://schemas.microsoft.com/office/drawing/2014/main" xmlns:a14="http://schemas.microsoft.com/office/drawing/2010/main" xmlns:p14="http://schemas.microsoft.com/office/powerpoint/2010/main" w="9525">
+                <a14:hiddenLine xmlns:p14="http://schemas.microsoft.com/office/powerpoint/2010/main" xmlns:a14="http://schemas.microsoft.com/office/drawing/2010/main" xmlns:a16="http://schemas.microsoft.com/office/drawing/2014/main" xmlns="" w="9525">
                   <a:solidFill>
                     <a:srgbClr val="000000"/>
                   </a:solidFill>
@@ -18441,7 +19293,7 @@
             </a:ln>
             <a:extLst>
               <a:ext uri="{91240B29-F687-4f45-9708-019B960494DF}">
-                <a14:hiddenLine xmlns="" xmlns:a16="http://schemas.microsoft.com/office/drawing/2014/main" xmlns:a14="http://schemas.microsoft.com/office/drawing/2010/main" xmlns:p14="http://schemas.microsoft.com/office/powerpoint/2010/main" w="9525">
+                <a14:hiddenLine xmlns:p14="http://schemas.microsoft.com/office/powerpoint/2010/main" xmlns:a14="http://schemas.microsoft.com/office/drawing/2010/main" xmlns:a16="http://schemas.microsoft.com/office/drawing/2014/main" xmlns="" w="9525">
                   <a:solidFill>
                     <a:srgbClr val="000000"/>
                   </a:solidFill>
@@ -18518,7 +19370,7 @@
             </a:ln>
             <a:extLst>
               <a:ext uri="{91240B29-F687-4f45-9708-019B960494DF}">
-                <a14:hiddenLine xmlns="" xmlns:a16="http://schemas.microsoft.com/office/drawing/2014/main" xmlns:a14="http://schemas.microsoft.com/office/drawing/2010/main" xmlns:p14="http://schemas.microsoft.com/office/powerpoint/2010/main" w="9525">
+                <a14:hiddenLine xmlns:p14="http://schemas.microsoft.com/office/powerpoint/2010/main" xmlns:a14="http://schemas.microsoft.com/office/drawing/2010/main" xmlns:a16="http://schemas.microsoft.com/office/drawing/2014/main" xmlns="" w="9525">
                   <a:solidFill>
                     <a:srgbClr val="000000"/>
                   </a:solidFill>
@@ -18623,7 +19475,7 @@
             </a:ln>
             <a:extLst>
               <a:ext uri="{91240B29-F687-4f45-9708-019B960494DF}">
-                <a14:hiddenLine xmlns="" xmlns:a16="http://schemas.microsoft.com/office/drawing/2014/main" xmlns:a14="http://schemas.microsoft.com/office/drawing/2010/main" xmlns:p14="http://schemas.microsoft.com/office/powerpoint/2010/main" w="9525">
+                <a14:hiddenLine xmlns:p14="http://schemas.microsoft.com/office/powerpoint/2010/main" xmlns:a14="http://schemas.microsoft.com/office/drawing/2010/main" xmlns:a16="http://schemas.microsoft.com/office/drawing/2014/main" xmlns="" w="9525">
                   <a:solidFill>
                     <a:srgbClr val="000000"/>
                   </a:solidFill>
@@ -18700,7 +19552,7 @@
             </a:ln>
             <a:extLst>
               <a:ext uri="{91240B29-F687-4f45-9708-019B960494DF}">
-                <a14:hiddenLine xmlns="" xmlns:a16="http://schemas.microsoft.com/office/drawing/2014/main" xmlns:a14="http://schemas.microsoft.com/office/drawing/2010/main" xmlns:p14="http://schemas.microsoft.com/office/powerpoint/2010/main" w="9525">
+                <a14:hiddenLine xmlns:p14="http://schemas.microsoft.com/office/powerpoint/2010/main" xmlns:a14="http://schemas.microsoft.com/office/drawing/2010/main" xmlns:a16="http://schemas.microsoft.com/office/drawing/2014/main" xmlns="" w="9525">
                   <a:solidFill>
                     <a:srgbClr val="000000"/>
                   </a:solidFill>
@@ -18805,7 +19657,7 @@
             </a:ln>
             <a:extLst>
               <a:ext uri="{91240B29-F687-4f45-9708-019B960494DF}">
-                <a14:hiddenLine xmlns="" xmlns:a16="http://schemas.microsoft.com/office/drawing/2014/main" xmlns:a14="http://schemas.microsoft.com/office/drawing/2010/main" xmlns:p14="http://schemas.microsoft.com/office/powerpoint/2010/main" w="9525">
+                <a14:hiddenLine xmlns:p14="http://schemas.microsoft.com/office/powerpoint/2010/main" xmlns:a14="http://schemas.microsoft.com/office/drawing/2010/main" xmlns:a16="http://schemas.microsoft.com/office/drawing/2014/main" xmlns="" w="9525">
                   <a:solidFill>
                     <a:srgbClr val="000000"/>
                   </a:solidFill>
@@ -18854,7 +19706,7 @@
             </a:ln>
             <a:extLst>
               <a:ext uri="{91240B29-F687-4f45-9708-019B960494DF}">
-                <a14:hiddenLine xmlns="" xmlns:a16="http://schemas.microsoft.com/office/drawing/2014/main" xmlns:a14="http://schemas.microsoft.com/office/drawing/2010/main" xmlns:p14="http://schemas.microsoft.com/office/powerpoint/2010/main" w="9525">
+                <a14:hiddenLine xmlns:p14="http://schemas.microsoft.com/office/powerpoint/2010/main" xmlns:a14="http://schemas.microsoft.com/office/drawing/2010/main" xmlns:a16="http://schemas.microsoft.com/office/drawing/2014/main" xmlns="" w="9525">
                   <a:solidFill>
                     <a:srgbClr val="000000"/>
                   </a:solidFill>
@@ -18934,7 +19786,7 @@
             </a:ln>
             <a:extLst>
               <a:ext uri="{91240B29-F687-4f45-9708-019B960494DF}">
-                <a14:hiddenLine xmlns="" xmlns:a16="http://schemas.microsoft.com/office/drawing/2014/main" xmlns:a14="http://schemas.microsoft.com/office/drawing/2010/main" xmlns:p14="http://schemas.microsoft.com/office/powerpoint/2010/main" w="9525">
+                <a14:hiddenLine xmlns:p14="http://schemas.microsoft.com/office/powerpoint/2010/main" xmlns:a14="http://schemas.microsoft.com/office/drawing/2010/main" xmlns:a16="http://schemas.microsoft.com/office/drawing/2014/main" xmlns="" w="9525">
                   <a:solidFill>
                     <a:srgbClr val="000000"/>
                   </a:solidFill>
@@ -19039,7 +19891,7 @@
             </a:ln>
             <a:extLst>
               <a:ext uri="{91240B29-F687-4f45-9708-019B960494DF}">
-                <a14:hiddenLine xmlns="" xmlns:a16="http://schemas.microsoft.com/office/drawing/2014/main" xmlns:a14="http://schemas.microsoft.com/office/drawing/2010/main" xmlns:p14="http://schemas.microsoft.com/office/powerpoint/2010/main" w="9525">
+                <a14:hiddenLine xmlns:p14="http://schemas.microsoft.com/office/powerpoint/2010/main" xmlns:a14="http://schemas.microsoft.com/office/drawing/2010/main" xmlns:a16="http://schemas.microsoft.com/office/drawing/2014/main" xmlns="" w="9525">
                   <a:solidFill>
                     <a:srgbClr val="000000"/>
                   </a:solidFill>
@@ -19116,7 +19968,7 @@
             </a:ln>
             <a:extLst>
               <a:ext uri="{91240B29-F687-4f45-9708-019B960494DF}">
-                <a14:hiddenLine xmlns="" xmlns:a16="http://schemas.microsoft.com/office/drawing/2014/main" xmlns:a14="http://schemas.microsoft.com/office/drawing/2010/main" xmlns:p14="http://schemas.microsoft.com/office/powerpoint/2010/main" w="9525">
+                <a14:hiddenLine xmlns:p14="http://schemas.microsoft.com/office/powerpoint/2010/main" xmlns:a14="http://schemas.microsoft.com/office/drawing/2010/main" xmlns:a16="http://schemas.microsoft.com/office/drawing/2014/main" xmlns="" w="9525">
                   <a:solidFill>
                     <a:srgbClr val="000000"/>
                   </a:solidFill>
@@ -19221,7 +20073,7 @@
             </a:ln>
             <a:extLst>
               <a:ext uri="{91240B29-F687-4f45-9708-019B960494DF}">
-                <a14:hiddenLine xmlns="" xmlns:a16="http://schemas.microsoft.com/office/drawing/2014/main" xmlns:a14="http://schemas.microsoft.com/office/drawing/2010/main" xmlns:p14="http://schemas.microsoft.com/office/powerpoint/2010/main" w="9525">
+                <a14:hiddenLine xmlns:p14="http://schemas.microsoft.com/office/powerpoint/2010/main" xmlns:a14="http://schemas.microsoft.com/office/drawing/2010/main" xmlns:a16="http://schemas.microsoft.com/office/drawing/2014/main" xmlns="" w="9525">
                   <a:solidFill>
                     <a:srgbClr val="000000"/>
                   </a:solidFill>
@@ -19326,7 +20178,7 @@
             </a:ln>
             <a:extLst>
               <a:ext uri="{91240B29-F687-4f45-9708-019B960494DF}">
-                <a14:hiddenLine xmlns="" xmlns:a16="http://schemas.microsoft.com/office/drawing/2014/main" xmlns:a14="http://schemas.microsoft.com/office/drawing/2010/main" xmlns:p14="http://schemas.microsoft.com/office/powerpoint/2010/main" w="9525">
+                <a14:hiddenLine xmlns:p14="http://schemas.microsoft.com/office/powerpoint/2010/main" xmlns:a14="http://schemas.microsoft.com/office/drawing/2010/main" xmlns:a16="http://schemas.microsoft.com/office/drawing/2014/main" xmlns="" w="9525">
                   <a:solidFill>
                     <a:srgbClr val="000000"/>
                   </a:solidFill>
@@ -19406,7 +20258,7 @@
             </a:ln>
             <a:extLst>
               <a:ext uri="{91240B29-F687-4f45-9708-019B960494DF}">
-                <a14:hiddenLine xmlns="" xmlns:a16="http://schemas.microsoft.com/office/drawing/2014/main" xmlns:a14="http://schemas.microsoft.com/office/drawing/2010/main" xmlns:p14="http://schemas.microsoft.com/office/powerpoint/2010/main" w="9525">
+                <a14:hiddenLine xmlns:p14="http://schemas.microsoft.com/office/powerpoint/2010/main" xmlns:a14="http://schemas.microsoft.com/office/drawing/2010/main" xmlns:a16="http://schemas.microsoft.com/office/drawing/2014/main" xmlns="" w="9525">
                   <a:solidFill>
                     <a:srgbClr val="000000"/>
                   </a:solidFill>
@@ -19483,7 +20335,7 @@
             </a:ln>
             <a:extLst>
               <a:ext uri="{91240B29-F687-4f45-9708-019B960494DF}">
-                <a14:hiddenLine xmlns="" xmlns:a16="http://schemas.microsoft.com/office/drawing/2014/main" xmlns:a14="http://schemas.microsoft.com/office/drawing/2010/main" xmlns:p14="http://schemas.microsoft.com/office/powerpoint/2010/main" w="9525">
+                <a14:hiddenLine xmlns:p14="http://schemas.microsoft.com/office/powerpoint/2010/main" xmlns:a14="http://schemas.microsoft.com/office/drawing/2010/main" xmlns:a16="http://schemas.microsoft.com/office/drawing/2014/main" xmlns="" w="9525">
                   <a:solidFill>
                     <a:srgbClr val="000000"/>
                   </a:solidFill>
@@ -19588,7 +20440,7 @@
             </a:ln>
             <a:extLst>
               <a:ext uri="{91240B29-F687-4f45-9708-019B960494DF}">
-                <a14:hiddenLine xmlns="" xmlns:a16="http://schemas.microsoft.com/office/drawing/2014/main" xmlns:a14="http://schemas.microsoft.com/office/drawing/2010/main" xmlns:p14="http://schemas.microsoft.com/office/powerpoint/2010/main" w="9525">
+                <a14:hiddenLine xmlns:p14="http://schemas.microsoft.com/office/powerpoint/2010/main" xmlns:a14="http://schemas.microsoft.com/office/drawing/2010/main" xmlns:a16="http://schemas.microsoft.com/office/drawing/2014/main" xmlns="" w="9525">
                   <a:solidFill>
                     <a:srgbClr val="000000"/>
                   </a:solidFill>
@@ -19693,7 +20545,7 @@
             </a:ln>
             <a:extLst>
               <a:ext uri="{91240B29-F687-4f45-9708-019B960494DF}">
-                <a14:hiddenLine xmlns="" xmlns:a16="http://schemas.microsoft.com/office/drawing/2014/main" xmlns:a14="http://schemas.microsoft.com/office/drawing/2010/main" xmlns:p14="http://schemas.microsoft.com/office/powerpoint/2010/main" w="9525">
+                <a14:hiddenLine xmlns:p14="http://schemas.microsoft.com/office/powerpoint/2010/main" xmlns:a14="http://schemas.microsoft.com/office/drawing/2010/main" xmlns:a16="http://schemas.microsoft.com/office/drawing/2014/main" xmlns="" w="9525">
                   <a:solidFill>
                     <a:srgbClr val="000000"/>
                   </a:solidFill>
@@ -19770,7 +20622,7 @@
             </a:ln>
             <a:extLst>
               <a:ext uri="{91240B29-F687-4f45-9708-019B960494DF}">
-                <a14:hiddenLine xmlns="" xmlns:a16="http://schemas.microsoft.com/office/drawing/2014/main" xmlns:a14="http://schemas.microsoft.com/office/drawing/2010/main" xmlns:p14="http://schemas.microsoft.com/office/powerpoint/2010/main" w="9525">
+                <a14:hiddenLine xmlns:p14="http://schemas.microsoft.com/office/powerpoint/2010/main" xmlns:a14="http://schemas.microsoft.com/office/drawing/2010/main" xmlns:a16="http://schemas.microsoft.com/office/drawing/2014/main" xmlns="" w="9525">
                   <a:solidFill>
                     <a:srgbClr val="000000"/>
                   </a:solidFill>
@@ -19905,7 +20757,7 @@
             </a:ln>
             <a:extLst>
               <a:ext uri="{91240B29-F687-4f45-9708-019B960494DF}">
-                <a14:hiddenLine xmlns="" xmlns:a16="http://schemas.microsoft.com/office/drawing/2014/main" xmlns:a14="http://schemas.microsoft.com/office/drawing/2010/main" xmlns:p14="http://schemas.microsoft.com/office/powerpoint/2010/main" w="9525">
+                <a14:hiddenLine xmlns:p14="http://schemas.microsoft.com/office/powerpoint/2010/main" xmlns:a14="http://schemas.microsoft.com/office/drawing/2010/main" xmlns:a16="http://schemas.microsoft.com/office/drawing/2014/main" xmlns="" w="9525">
                   <a:solidFill>
                     <a:srgbClr val="000000"/>
                   </a:solidFill>
@@ -19988,7 +20840,7 @@
             </a:ln>
             <a:extLst>
               <a:ext uri="{91240B29-F687-4f45-9708-019B960494DF}">
-                <a14:hiddenLine xmlns="" xmlns:a16="http://schemas.microsoft.com/office/drawing/2014/main" xmlns:a14="http://schemas.microsoft.com/office/drawing/2010/main" xmlns:p14="http://schemas.microsoft.com/office/powerpoint/2010/main" w="9525">
+                <a14:hiddenLine xmlns:p14="http://schemas.microsoft.com/office/powerpoint/2010/main" xmlns:a14="http://schemas.microsoft.com/office/drawing/2010/main" xmlns:a16="http://schemas.microsoft.com/office/drawing/2014/main" xmlns="" w="9525">
                   <a:solidFill>
                     <a:srgbClr val="000000"/>
                   </a:solidFill>
@@ -20093,7 +20945,7 @@
             </a:ln>
             <a:extLst>
               <a:ext uri="{91240B29-F687-4f45-9708-019B960494DF}">
-                <a14:hiddenLine xmlns="" xmlns:a16="http://schemas.microsoft.com/office/drawing/2014/main" xmlns:a14="http://schemas.microsoft.com/office/drawing/2010/main" xmlns:p14="http://schemas.microsoft.com/office/powerpoint/2010/main" w="9525">
+                <a14:hiddenLine xmlns:p14="http://schemas.microsoft.com/office/powerpoint/2010/main" xmlns:a14="http://schemas.microsoft.com/office/drawing/2010/main" xmlns:a16="http://schemas.microsoft.com/office/drawing/2014/main" xmlns="" w="9525">
                   <a:solidFill>
                     <a:srgbClr val="000000"/>
                   </a:solidFill>
@@ -20242,7 +21094,7 @@
           <a:p>
             <a:fld id="{6D22F896-40B5-4ADD-8801-0D06FADFA095}" type="slidenum">
               <a:rPr lang="en-US" smtClean="0"/>
-              <a:t>19</a:t>
+              <a:t>22</a:t>
             </a:fld>
             <a:endParaRPr lang="en-US" dirty="0"/>
           </a:p>
@@ -20296,204 +21148,7 @@
 </p:sld>
 </file>
 
-<file path=ppt/slides/slide2.xml><?xml version="1.0" encoding="utf-8"?>
-<p:sld xmlns:a="http://schemas.openxmlformats.org/drawingml/2006/main" xmlns:r="http://schemas.openxmlformats.org/officeDocument/2006/relationships" xmlns:p="http://schemas.openxmlformats.org/presentationml/2006/main">
-  <p:cSld>
-    <p:spTree>
-      <p:nvGrpSpPr>
-        <p:cNvPr id="1" name=""/>
-        <p:cNvGrpSpPr/>
-        <p:nvPr/>
-      </p:nvGrpSpPr>
-      <p:grpSpPr>
-        <a:xfrm>
-          <a:off x="0" y="0"/>
-          <a:ext cx="0" cy="0"/>
-          <a:chOff x="0" y="0"/>
-          <a:chExt cx="0" cy="0"/>
-        </a:xfrm>
-      </p:grpSpPr>
-      <p:sp>
-        <p:nvSpPr>
-          <p:cNvPr id="2" name="Title 1">
-            <a:extLst>
-              <a:ext uri="{FF2B5EF4-FFF2-40B4-BE49-F238E27FC236}">
-                <a16:creationId xmlns:a16="http://schemas.microsoft.com/office/drawing/2014/main" id="{C4005882-2621-4B59-93E6-F7E019753BBF}"/>
-              </a:ext>
-            </a:extLst>
-          </p:cNvPr>
-          <p:cNvSpPr>
-            <a:spLocks noGrp="1"/>
-          </p:cNvSpPr>
-          <p:nvPr>
-            <p:ph type="title"/>
-          </p:nvPr>
-        </p:nvSpPr>
-        <p:spPr/>
-        <p:txBody>
-          <a:bodyPr/>
-          <a:lstStyle/>
-          <a:p>
-            <a:r>
-              <a:rPr lang="en-US" dirty="0"/>
-              <a:t>Software in high performance computing</a:t>
-            </a:r>
-          </a:p>
-        </p:txBody>
-      </p:sp>
-      <p:sp>
-        <p:nvSpPr>
-          <p:cNvPr id="3" name="Content Placeholder 2">
-            <a:extLst>
-              <a:ext uri="{FF2B5EF4-FFF2-40B4-BE49-F238E27FC236}">
-                <a16:creationId xmlns:a16="http://schemas.microsoft.com/office/drawing/2014/main" id="{E2F8A177-ECCF-4D14-B1DD-C858272A9F42}"/>
-              </a:ext>
-            </a:extLst>
-          </p:cNvPr>
-          <p:cNvSpPr>
-            <a:spLocks noGrp="1"/>
-          </p:cNvSpPr>
-          <p:nvPr>
-            <p:ph idx="1"/>
-          </p:nvPr>
-        </p:nvSpPr>
-        <p:spPr/>
-        <p:txBody>
-          <a:bodyPr>
-            <a:normAutofit/>
-          </a:bodyPr>
-          <a:lstStyle/>
-          <a:p>
-            <a:r>
-              <a:rPr lang="en-US" dirty="0"/>
-              <a:t>Carefully administered and managed</a:t>
-            </a:r>
-          </a:p>
-          <a:p>
-            <a:r>
-              <a:rPr lang="en-US" dirty="0"/>
-              <a:t>Only some versions of some things are installed</a:t>
-            </a:r>
-          </a:p>
-          <a:p>
-            <a:pPr lvl="1"/>
-            <a:r>
-              <a:rPr lang="en-US" dirty="0"/>
-              <a:t>Might be missing an older or newer version you need</a:t>
-            </a:r>
-          </a:p>
-          <a:p>
-            <a:pPr lvl="1"/>
-            <a:r>
-              <a:rPr lang="en-US" dirty="0"/>
-              <a:t>Can’t install everything under the sun</a:t>
-            </a:r>
-          </a:p>
-          <a:p>
-            <a:r>
-              <a:rPr lang="en-US" dirty="0"/>
-              <a:t>New software can be requested</a:t>
-            </a:r>
-          </a:p>
-          <a:p>
-            <a:pPr lvl="1"/>
-            <a:r>
-              <a:rPr lang="en-US" dirty="0"/>
-              <a:t>Without great enough need the burden of support is too high</a:t>
-            </a:r>
-          </a:p>
-          <a:p>
-            <a:pPr marL="0" indent="0">
-              <a:buNone/>
-            </a:pPr>
-            <a:endParaRPr lang="en-US" dirty="0"/>
-          </a:p>
-          <a:p>
-            <a:pPr marL="0" indent="0">
-              <a:buNone/>
-            </a:pPr>
-            <a:endParaRPr lang="en-US" dirty="0"/>
-          </a:p>
-        </p:txBody>
-      </p:sp>
-      <p:sp>
-        <p:nvSpPr>
-          <p:cNvPr id="4" name="Slide Number Placeholder 3">
-            <a:extLst>
-              <a:ext uri="{FF2B5EF4-FFF2-40B4-BE49-F238E27FC236}">
-                <a16:creationId xmlns:a16="http://schemas.microsoft.com/office/drawing/2014/main" id="{BD44F37F-5C9D-7244-A87E-9564650F9527}"/>
-              </a:ext>
-            </a:extLst>
-          </p:cNvPr>
-          <p:cNvSpPr>
-            <a:spLocks noGrp="1"/>
-          </p:cNvSpPr>
-          <p:nvPr>
-            <p:ph type="sldNum" sz="quarter" idx="12"/>
-          </p:nvPr>
-        </p:nvSpPr>
-        <p:spPr/>
-        <p:txBody>
-          <a:bodyPr/>
-          <a:lstStyle/>
-          <a:p>
-            <a:fld id="{6D22F896-40B5-4ADD-8801-0D06FADFA095}" type="slidenum">
-              <a:rPr lang="en-US" smtClean="0"/>
-              <a:t>2</a:t>
-            </a:fld>
-            <a:endParaRPr lang="en-US" dirty="0"/>
-          </a:p>
-        </p:txBody>
-      </p:sp>
-      <p:sp>
-        <p:nvSpPr>
-          <p:cNvPr id="6" name="TextBox 5">
-            <a:extLst>
-              <a:ext uri="{FF2B5EF4-FFF2-40B4-BE49-F238E27FC236}">
-                <a16:creationId xmlns:a16="http://schemas.microsoft.com/office/drawing/2014/main" id="{75C7B634-709E-AE44-A7A3-3657F8EB232F}"/>
-              </a:ext>
-            </a:extLst>
-          </p:cNvPr>
-          <p:cNvSpPr txBox="1"/>
-          <p:nvPr/>
-        </p:nvSpPr>
-        <p:spPr>
-          <a:xfrm>
-            <a:off x="10402349" y="18574"/>
-            <a:ext cx="1789651" cy="369332"/>
-          </a:xfrm>
-          <a:prstGeom prst="rect">
-            <a:avLst/>
-          </a:prstGeom>
-          <a:noFill/>
-        </p:spPr>
-        <p:txBody>
-          <a:bodyPr wrap="square" rtlCol="0">
-            <a:spAutoFit/>
-          </a:bodyPr>
-          <a:lstStyle/>
-          <a:p>
-            <a:r>
-              <a:rPr lang="en-US" dirty="0"/>
-              <a:t>LA-UR-19-24149</a:t>
-            </a:r>
-          </a:p>
-        </p:txBody>
-      </p:sp>
-    </p:spTree>
-    <p:extLst>
-      <p:ext uri="{BB962C8B-B14F-4D97-AF65-F5344CB8AC3E}">
-        <p14:creationId xmlns:p14="http://schemas.microsoft.com/office/powerpoint/2010/main" val="3656524411"/>
-      </p:ext>
-    </p:extLst>
-  </p:cSld>
-  <p:clrMapOvr>
-    <a:masterClrMapping/>
-  </p:clrMapOvr>
-</p:sld>
-</file>
-
-<file path=ppt/slides/slide20.xml><?xml version="1.0" encoding="utf-8"?>
+<file path=ppt/slides/slide23.xml><?xml version="1.0" encoding="utf-8"?>
 <p:sld xmlns:a="http://schemas.openxmlformats.org/drawingml/2006/main" xmlns:r="http://schemas.openxmlformats.org/officeDocument/2006/relationships" xmlns:p="http://schemas.openxmlformats.org/presentationml/2006/main">
   <p:cSld>
     <p:spTree>
@@ -20556,7 +21211,9 @@
         </p:nvSpPr>
         <p:spPr/>
         <p:txBody>
-          <a:bodyPr/>
+          <a:bodyPr>
+            <a:normAutofit/>
+          </a:bodyPr>
           <a:lstStyle/>
           <a:p>
             <a:r>
@@ -20567,7 +21224,7 @@
           <a:p>
             <a:r>
               <a:rPr lang="en-US" dirty="0"/>
-              <a:t>Designed to test a systems ability to handle the Dynamic Linking and Loading requirements of Python-based scientific application</a:t>
+              <a:t>Designed to test a systems ability to handle the Dynamic Linking and Loading requirements of Python-based scientific applications</a:t>
             </a:r>
           </a:p>
           <a:p>
@@ -20607,7 +21264,7 @@
           <a:p>
             <a:fld id="{6D22F896-40B5-4ADD-8801-0D06FADFA095}" type="slidenum">
               <a:rPr lang="en-US" smtClean="0"/>
-              <a:t>20</a:t>
+              <a:t>23</a:t>
             </a:fld>
             <a:endParaRPr lang="en-US" dirty="0"/>
           </a:p>
@@ -20661,7 +21318,7 @@
 </p:sld>
 </file>
 
-<file path=ppt/slides/slide21.xml><?xml version="1.0" encoding="utf-8"?>
+<file path=ppt/slides/slide24.xml><?xml version="1.0" encoding="utf-8"?>
 <p:sld xmlns:a="http://schemas.openxmlformats.org/drawingml/2006/main" xmlns:r="http://schemas.openxmlformats.org/officeDocument/2006/relationships" xmlns:p="http://schemas.openxmlformats.org/presentationml/2006/main">
   <p:cSld>
     <p:spTree>
@@ -21194,7 +21851,7 @@
           <a:p>
             <a:fld id="{6D22F896-40B5-4ADD-8801-0D06FADFA095}" type="slidenum">
               <a:rPr lang="en-US" smtClean="0"/>
-              <a:t>21</a:t>
+              <a:t>24</a:t>
             </a:fld>
             <a:endParaRPr lang="en-US" dirty="0"/>
           </a:p>
@@ -21248,7 +21905,7 @@
 </p:sld>
 </file>
 
-<file path=ppt/slides/slide22.xml><?xml version="1.0" encoding="utf-8"?>
+<file path=ppt/slides/slide25.xml><?xml version="1.0" encoding="utf-8"?>
 <p:sld xmlns:a="http://schemas.openxmlformats.org/drawingml/2006/main" xmlns:r="http://schemas.openxmlformats.org/officeDocument/2006/relationships" xmlns:p="http://schemas.openxmlformats.org/presentationml/2006/main">
   <p:cSld>
     <p:bg>
@@ -21433,7 +22090,7 @@
             </a:pPr>
             <a:r>
               <a:rPr lang="en-US" sz="1700" dirty="0"/>
-              <a:t>A recursive grep will be run on the squashfs which will walk the whole filesystem to test limits. Even though containers won’t do such a thing, someone will.</a:t>
+              <a:t>A recursive grep will be run on the squashfs which will walk the whole filesystem to test limits. Most scientific applications won’t do such a thing, but someone will.</a:t>
             </a:r>
           </a:p>
         </p:txBody>
@@ -21461,7 +22118,7 @@
           <a:p>
             <a:fld id="{6D22F896-40B5-4ADD-8801-0D06FADFA095}" type="slidenum">
               <a:rPr lang="en-US" smtClean="0"/>
-              <a:t>22</a:t>
+              <a:t>25</a:t>
             </a:fld>
             <a:endParaRPr lang="en-US" dirty="0"/>
           </a:p>
@@ -21515,7 +22172,7 @@
 </p:sld>
 </file>
 
-<file path=ppt/slides/slide23.xml><?xml version="1.0" encoding="utf-8"?>
+<file path=ppt/slides/slide26.xml><?xml version="1.0" encoding="utf-8"?>
 <p:sld xmlns:a="http://schemas.openxmlformats.org/drawingml/2006/main" xmlns:r="http://schemas.openxmlformats.org/officeDocument/2006/relationships" xmlns:p="http://schemas.openxmlformats.org/presentationml/2006/main">
   <p:cSld>
     <p:spTree>
@@ -21651,7 +22308,7 @@
           <a:p>
             <a:fld id="{6D22F896-40B5-4ADD-8801-0D06FADFA095}" type="slidenum">
               <a:rPr lang="en-US" smtClean="0"/>
-              <a:t>23</a:t>
+              <a:t>26</a:t>
             </a:fld>
             <a:endParaRPr lang="en-US" dirty="0"/>
           </a:p>
@@ -21705,7 +22362,7 @@
 </p:sld>
 </file>
 
-<file path=ppt/slides/slide24.xml><?xml version="1.0" encoding="utf-8"?>
+<file path=ppt/slides/slide27.xml><?xml version="1.0" encoding="utf-8"?>
 <p:sld xmlns:a="http://schemas.openxmlformats.org/drawingml/2006/main" xmlns:r="http://schemas.openxmlformats.org/officeDocument/2006/relationships" xmlns:p="http://schemas.openxmlformats.org/presentationml/2006/main">
   <p:cSld>
     <p:spTree>
@@ -22060,7 +22717,7 @@
           <a:p>
             <a:fld id="{6D22F896-40B5-4ADD-8801-0D06FADFA095}" type="slidenum">
               <a:rPr lang="en-US" smtClean="0"/>
-              <a:t>24</a:t>
+              <a:t>27</a:t>
             </a:fld>
             <a:endParaRPr lang="en-US" dirty="0"/>
           </a:p>
@@ -22114,7 +22771,7 @@
 </p:sld>
 </file>
 
-<file path=ppt/slides/slide25.xml><?xml version="1.0" encoding="utf-8"?>
+<file path=ppt/slides/slide28.xml><?xml version="1.0" encoding="utf-8"?>
 <p:sld xmlns:a="http://schemas.openxmlformats.org/drawingml/2006/main" xmlns:r="http://schemas.openxmlformats.org/officeDocument/2006/relationships" xmlns:p="http://schemas.openxmlformats.org/presentationml/2006/main">
   <p:cSld>
     <p:spTree>
@@ -22466,7 +23123,7 @@
           <a:p>
             <a:fld id="{6D22F896-40B5-4ADD-8801-0D06FADFA095}" type="slidenum">
               <a:rPr lang="en-US" smtClean="0"/>
-              <a:t>25</a:t>
+              <a:t>28</a:t>
             </a:fld>
             <a:endParaRPr lang="en-US" dirty="0"/>
           </a:p>
@@ -22520,7 +23177,7 @@
 </p:sld>
 </file>
 
-<file path=ppt/slides/slide26.xml><?xml version="1.0" encoding="utf-8"?>
+<file path=ppt/slides/slide29.xml><?xml version="1.0" encoding="utf-8"?>
 <p:sld xmlns:a="http://schemas.openxmlformats.org/drawingml/2006/main" xmlns:r="http://schemas.openxmlformats.org/officeDocument/2006/relationships" xmlns:p="http://schemas.openxmlformats.org/presentationml/2006/main">
   <p:cSld>
     <p:spTree>
@@ -22875,7 +23532,7 @@
           <a:p>
             <a:fld id="{6D22F896-40B5-4ADD-8801-0D06FADFA095}" type="slidenum">
               <a:rPr lang="en-US" smtClean="0"/>
-              <a:t>26</a:t>
+              <a:t>29</a:t>
             </a:fld>
             <a:endParaRPr lang="en-US" dirty="0"/>
           </a:p>
@@ -22929,7 +23586,264 @@
 </p:sld>
 </file>
 
-<file path=ppt/slides/slide27.xml><?xml version="1.0" encoding="utf-8"?>
+<file path=ppt/slides/slide3.xml><?xml version="1.0" encoding="utf-8"?>
+<p:sld xmlns:a="http://schemas.openxmlformats.org/drawingml/2006/main" xmlns:r="http://schemas.openxmlformats.org/officeDocument/2006/relationships" xmlns:p="http://schemas.openxmlformats.org/presentationml/2006/main">
+  <p:cSld>
+    <p:bg>
+      <p:bgPr>
+        <a:blipFill>
+          <a:blip r:embed="rId2">
+            <a:duotone>
+              <a:schemeClr val="bg2">
+                <a:shade val="48000"/>
+                <a:hueMod val="106000"/>
+                <a:satMod val="140000"/>
+                <a:lumMod val="42000"/>
+              </a:schemeClr>
+              <a:schemeClr val="bg2">
+                <a:tint val="98000"/>
+                <a:hueMod val="92000"/>
+                <a:satMod val="220000"/>
+                <a:lumMod val="90000"/>
+              </a:schemeClr>
+            </a:duotone>
+            <a:extLst/>
+          </a:blip>
+          <a:stretch/>
+        </a:blipFill>
+        <a:effectLst/>
+      </p:bgPr>
+    </p:bg>
+    <p:spTree>
+      <p:nvGrpSpPr>
+        <p:cNvPr id="1" name=""/>
+        <p:cNvGrpSpPr/>
+        <p:nvPr/>
+      </p:nvGrpSpPr>
+      <p:grpSpPr>
+        <a:xfrm>
+          <a:off x="0" y="0"/>
+          <a:ext cx="0" cy="0"/>
+          <a:chOff x="0" y="0"/>
+          <a:chExt cx="0" cy="0"/>
+        </a:xfrm>
+      </p:grpSpPr>
+      <p:sp>
+        <p:nvSpPr>
+          <p:cNvPr id="2" name="Title 1">
+            <a:extLst>
+              <a:ext uri="{FF2B5EF4-FFF2-40B4-BE49-F238E27FC236}">
+                <a16:creationId xmlns:a16="http://schemas.microsoft.com/office/drawing/2014/main" id="{3C0DF36B-A92D-44AD-9036-DB8B55E65F83}"/>
+              </a:ext>
+            </a:extLst>
+          </p:cNvPr>
+          <p:cNvSpPr>
+            <a:spLocks noGrp="1"/>
+          </p:cNvSpPr>
+          <p:nvPr>
+            <p:ph type="title"/>
+          </p:nvPr>
+        </p:nvSpPr>
+        <p:spPr>
+          <a:xfrm>
+            <a:off x="1141413" y="618518"/>
+            <a:ext cx="9905998" cy="1478570"/>
+          </a:xfrm>
+        </p:spPr>
+        <p:txBody>
+          <a:bodyPr>
+            <a:normAutofit/>
+          </a:bodyPr>
+          <a:lstStyle/>
+          <a:p>
+            <a:pPr algn="ctr"/>
+            <a:r>
+              <a:rPr lang="en-US" dirty="0"/>
+              <a:t>Building your own software</a:t>
+            </a:r>
+          </a:p>
+        </p:txBody>
+      </p:sp>
+      <p:pic>
+        <p:nvPicPr>
+          <p:cNvPr id="5" name="Picture 4">
+            <a:extLst>
+              <a:ext uri="{FF2B5EF4-FFF2-40B4-BE49-F238E27FC236}">
+                <a16:creationId xmlns:a16="http://schemas.microsoft.com/office/drawing/2014/main" id="{1FFD25E8-2EE0-4846-AD82-C8637F69DE4A}"/>
+              </a:ext>
+            </a:extLst>
+          </p:cNvPr>
+          <p:cNvPicPr>
+            <a:picLocks noChangeAspect="1"/>
+          </p:cNvPicPr>
+          <p:nvPr/>
+        </p:nvPicPr>
+        <p:blipFill rotWithShape="1">
+          <a:blip r:embed="rId3"/>
+          <a:srcRect r="10516" b="-1"/>
+          <a:stretch/>
+        </p:blipFill>
+        <p:spPr>
+          <a:xfrm>
+            <a:off x="1141412" y="2497720"/>
+            <a:ext cx="4662140" cy="3047892"/>
+          </a:xfrm>
+          <a:prstGeom prst="round2DiagRect">
+            <a:avLst>
+              <a:gd name="adj1" fmla="val 4860"/>
+              <a:gd name="adj2" fmla="val 0"/>
+            </a:avLst>
+          </a:prstGeom>
+          <a:ln w="19050" cap="sq">
+            <a:solidFill>
+              <a:schemeClr val="tx2">
+                <a:lumMod val="60000"/>
+                <a:lumOff val="40000"/>
+                <a:alpha val="60000"/>
+              </a:schemeClr>
+            </a:solidFill>
+            <a:miter lim="800000"/>
+          </a:ln>
+          <a:effectLst>
+            <a:outerShdw blurRad="88900" dist="38100" dir="5400000" algn="t" rotWithShape="0">
+              <a:prstClr val="black">
+                <a:alpha val="40000"/>
+              </a:prstClr>
+            </a:outerShdw>
+          </a:effectLst>
+        </p:spPr>
+      </p:pic>
+      <p:sp>
+        <p:nvSpPr>
+          <p:cNvPr id="3" name="Content Placeholder 2">
+            <a:extLst>
+              <a:ext uri="{FF2B5EF4-FFF2-40B4-BE49-F238E27FC236}">
+                <a16:creationId xmlns:a16="http://schemas.microsoft.com/office/drawing/2014/main" id="{4084F674-056E-4E37-956C-F4C365CC7E3E}"/>
+              </a:ext>
+            </a:extLst>
+          </p:cNvPr>
+          <p:cNvSpPr>
+            <a:spLocks noGrp="1"/>
+          </p:cNvSpPr>
+          <p:nvPr>
+            <p:ph idx="1"/>
+          </p:nvPr>
+        </p:nvSpPr>
+        <p:spPr>
+          <a:xfrm>
+            <a:off x="6204479" y="2249487"/>
+            <a:ext cx="4844521" cy="3541714"/>
+          </a:xfrm>
+        </p:spPr>
+        <p:txBody>
+          <a:bodyPr anchor="ctr">
+            <a:normAutofit/>
+          </a:bodyPr>
+          <a:lstStyle/>
+          <a:p>
+            <a:r>
+              <a:rPr lang="en-US" dirty="0"/>
+              <a:t>You can build your own software for most things</a:t>
+            </a:r>
+          </a:p>
+          <a:p>
+            <a:r>
+              <a:rPr lang="en-US" dirty="0"/>
+              <a:t>Can be a hassle to debug and repeat this</a:t>
+            </a:r>
+          </a:p>
+          <a:p>
+            <a:r>
+              <a:rPr lang="en-US" dirty="0"/>
+              <a:t>Usually no internet access</a:t>
+            </a:r>
+          </a:p>
+          <a:p>
+            <a:r>
+              <a:rPr lang="en-US" dirty="0"/>
+              <a:t>Have to rebuild every time on a new platform</a:t>
+            </a:r>
+          </a:p>
+        </p:txBody>
+      </p:sp>
+      <p:sp>
+        <p:nvSpPr>
+          <p:cNvPr id="4" name="Slide Number Placeholder 3">
+            <a:extLst>
+              <a:ext uri="{FF2B5EF4-FFF2-40B4-BE49-F238E27FC236}">
+                <a16:creationId xmlns:a16="http://schemas.microsoft.com/office/drawing/2014/main" id="{C3F7745D-CEB3-AF4F-8C59-CCA3727E0F12}"/>
+              </a:ext>
+            </a:extLst>
+          </p:cNvPr>
+          <p:cNvSpPr>
+            <a:spLocks noGrp="1"/>
+          </p:cNvSpPr>
+          <p:nvPr>
+            <p:ph type="sldNum" sz="quarter" idx="12"/>
+          </p:nvPr>
+        </p:nvSpPr>
+        <p:spPr/>
+        <p:txBody>
+          <a:bodyPr/>
+          <a:lstStyle/>
+          <a:p>
+            <a:fld id="{6D22F896-40B5-4ADD-8801-0D06FADFA095}" type="slidenum">
+              <a:rPr lang="en-US" smtClean="0"/>
+              <a:t>3</a:t>
+            </a:fld>
+            <a:endParaRPr lang="en-US" dirty="0"/>
+          </a:p>
+        </p:txBody>
+      </p:sp>
+      <p:sp>
+        <p:nvSpPr>
+          <p:cNvPr id="8" name="TextBox 7">
+            <a:extLst>
+              <a:ext uri="{FF2B5EF4-FFF2-40B4-BE49-F238E27FC236}">
+                <a16:creationId xmlns:a16="http://schemas.microsoft.com/office/drawing/2014/main" id="{A88C75D8-BC3C-4A97-97D6-775E1FCD10C6}"/>
+              </a:ext>
+            </a:extLst>
+          </p:cNvPr>
+          <p:cNvSpPr txBox="1"/>
+          <p:nvPr/>
+        </p:nvSpPr>
+        <p:spPr>
+          <a:xfrm>
+            <a:off x="10398868" y="18574"/>
+            <a:ext cx="1793132" cy="369332"/>
+          </a:xfrm>
+          <a:prstGeom prst="rect">
+            <a:avLst/>
+          </a:prstGeom>
+          <a:noFill/>
+        </p:spPr>
+        <p:txBody>
+          <a:bodyPr wrap="square" rtlCol="0">
+            <a:spAutoFit/>
+          </a:bodyPr>
+          <a:lstStyle/>
+          <a:p>
+            <a:r>
+              <a:rPr lang="en-US" dirty="0"/>
+              <a:t>LA-UR-19-24149</a:t>
+            </a:r>
+          </a:p>
+        </p:txBody>
+      </p:sp>
+    </p:spTree>
+    <p:extLst>
+      <p:ext uri="{BB962C8B-B14F-4D97-AF65-F5344CB8AC3E}">
+        <p14:creationId xmlns:p14="http://schemas.microsoft.com/office/powerpoint/2010/main" val="31743020"/>
+      </p:ext>
+    </p:extLst>
+  </p:cSld>
+  <p:clrMapOvr>
+    <a:masterClrMapping/>
+  </p:clrMapOvr>
+</p:sld>
+</file>
+
+<file path=ppt/slides/slide30.xml><?xml version="1.0" encoding="utf-8"?>
 <p:sld xmlns:a="http://schemas.openxmlformats.org/drawingml/2006/main" xmlns:r="http://schemas.openxmlformats.org/officeDocument/2006/relationships" xmlns:p="http://schemas.openxmlformats.org/presentationml/2006/main">
   <p:cSld>
     <p:spTree>
@@ -23261,7 +24175,7 @@
           <a:p>
             <a:fld id="{6D22F896-40B5-4ADD-8801-0D06FADFA095}" type="slidenum">
               <a:rPr lang="en-US" smtClean="0"/>
-              <a:t>27</a:t>
+              <a:t>30</a:t>
             </a:fld>
             <a:endParaRPr lang="en-US" dirty="0"/>
           </a:p>
@@ -23315,7 +24229,7 @@
 </p:sld>
 </file>
 
-<file path=ppt/slides/slide28.xml><?xml version="1.0" encoding="utf-8"?>
+<file path=ppt/slides/slide31.xml><?xml version="1.0" encoding="utf-8"?>
 <p:sld xmlns:a="http://schemas.openxmlformats.org/drawingml/2006/main" xmlns:r="http://schemas.openxmlformats.org/officeDocument/2006/relationships" xmlns:p="http://schemas.openxmlformats.org/presentationml/2006/main">
   <p:cSld>
     <p:spTree>
@@ -23470,7 +24384,7 @@
           <a:p>
             <a:fld id="{6D22F896-40B5-4ADD-8801-0D06FADFA095}" type="slidenum">
               <a:rPr lang="en-US" smtClean="0"/>
-              <a:t>28</a:t>
+              <a:t>31</a:t>
             </a:fld>
             <a:endParaRPr lang="en-US" dirty="0"/>
           </a:p>
@@ -23524,7 +24438,7 @@
 </p:sld>
 </file>
 
-<file path=ppt/slides/slide29.xml><?xml version="1.0" encoding="utf-8"?>
+<file path=ppt/slides/slide32.xml><?xml version="1.0" encoding="utf-8"?>
 <p:sld xmlns:a="http://schemas.openxmlformats.org/drawingml/2006/main" xmlns:r="http://schemas.openxmlformats.org/officeDocument/2006/relationships" xmlns:p="http://schemas.openxmlformats.org/presentationml/2006/main">
   <p:cSld>
     <p:spTree>
@@ -23588,7 +24502,7 @@
         <p:spPr/>
         <p:txBody>
           <a:bodyPr>
-            <a:normAutofit lnSpcReduction="10000"/>
+            <a:normAutofit fontScale="92500" lnSpcReduction="20000"/>
           </a:bodyPr>
           <a:lstStyle/>
           <a:p>
@@ -23608,6 +24522,24 @@
             <a:r>
               <a:rPr lang="en-US" dirty="0"/>
               <a:t>There were no attempts to optimize FUSE</a:t>
+            </a:r>
+          </a:p>
+          <a:p>
+            <a:r>
+              <a:rPr lang="en-US" dirty="0" err="1"/>
+              <a:t>Sqaushfuse</a:t>
+            </a:r>
+            <a:r>
+              <a:rPr lang="en-US" dirty="0"/>
+              <a:t> might be </a:t>
+            </a:r>
+            <a:r>
+              <a:rPr lang="en-US" dirty="0" err="1"/>
+              <a:t>improveable</a:t>
+            </a:r>
+            <a:r>
+              <a:rPr lang="en-US" dirty="0"/>
+              <a:t> </a:t>
             </a:r>
           </a:p>
           <a:p>
@@ -23660,7 +24592,7 @@
           <a:p>
             <a:fld id="{6D22F896-40B5-4ADD-8801-0D06FADFA095}" type="slidenum">
               <a:rPr lang="en-US" smtClean="0"/>
-              <a:t>29</a:t>
+              <a:t>32</a:t>
             </a:fld>
             <a:endParaRPr lang="en-US" dirty="0"/>
           </a:p>
@@ -23714,34 +24646,9 @@
 </p:sld>
 </file>
 
-<file path=ppt/slides/slide3.xml><?xml version="1.0" encoding="utf-8"?>
+<file path=ppt/slides/slide33.xml><?xml version="1.0" encoding="utf-8"?>
 <p:sld xmlns:a="http://schemas.openxmlformats.org/drawingml/2006/main" xmlns:r="http://schemas.openxmlformats.org/officeDocument/2006/relationships" xmlns:p="http://schemas.openxmlformats.org/presentationml/2006/main">
   <p:cSld>
-    <p:bg>
-      <p:bgPr>
-        <a:blipFill>
-          <a:blip r:embed="rId2">
-            <a:duotone>
-              <a:schemeClr val="bg2">
-                <a:shade val="48000"/>
-                <a:hueMod val="106000"/>
-                <a:satMod val="140000"/>
-                <a:lumMod val="42000"/>
-              </a:schemeClr>
-              <a:schemeClr val="bg2">
-                <a:tint val="98000"/>
-                <a:hueMod val="92000"/>
-                <a:satMod val="220000"/>
-                <a:lumMod val="90000"/>
-              </a:schemeClr>
-            </a:duotone>
-            <a:extLst/>
-          </a:blip>
-          <a:stretch/>
-        </a:blipFill>
-        <a:effectLst/>
-      </p:bgPr>
-    </p:bg>
     <p:spTree>
       <p:nvGrpSpPr>
         <p:cNvPr id="1" name=""/>
@@ -23761,7 +24668,7 @@
           <p:cNvPr id="2" name="Title 1">
             <a:extLst>
               <a:ext uri="{FF2B5EF4-FFF2-40B4-BE49-F238E27FC236}">
-                <a16:creationId xmlns:a16="http://schemas.microsoft.com/office/drawing/2014/main" id="{3C0DF36B-A92D-44AD-9036-DB8B55E65F83}"/>
+                <a16:creationId xmlns:a16="http://schemas.microsoft.com/office/drawing/2014/main" id="{6D0A2074-C87C-44F3-B966-3D5DB5A2E38D}"/>
               </a:ext>
             </a:extLst>
           </p:cNvPr>
@@ -23772,82 +24679,24 @@
             <p:ph type="title"/>
           </p:nvPr>
         </p:nvSpPr>
-        <p:spPr>
-          <a:xfrm>
-            <a:off x="1141413" y="618518"/>
-            <a:ext cx="9905998" cy="1478570"/>
-          </a:xfrm>
-        </p:spPr>
+        <p:spPr/>
         <p:txBody>
-          <a:bodyPr>
-            <a:normAutofit/>
-          </a:bodyPr>
+          <a:bodyPr/>
           <a:lstStyle/>
           <a:p>
-            <a:pPr algn="ctr"/>
             <a:r>
               <a:rPr lang="en-US" dirty="0"/>
-              <a:t>Building your own software</a:t>
-            </a:r>
-            <a:endParaRPr lang="en-US"/>
+              <a:t>Future work</a:t>
+            </a:r>
           </a:p>
         </p:txBody>
       </p:sp>
-      <p:pic>
-        <p:nvPicPr>
-          <p:cNvPr id="5" name="Picture 4">
-            <a:extLst>
-              <a:ext uri="{FF2B5EF4-FFF2-40B4-BE49-F238E27FC236}">
-                <a16:creationId xmlns:a16="http://schemas.microsoft.com/office/drawing/2014/main" id="{1FFD25E8-2EE0-4846-AD82-C8637F69DE4A}"/>
-              </a:ext>
-            </a:extLst>
-          </p:cNvPr>
-          <p:cNvPicPr>
-            <a:picLocks noChangeAspect="1"/>
-          </p:cNvPicPr>
-          <p:nvPr/>
-        </p:nvPicPr>
-        <p:blipFill rotWithShape="1">
-          <a:blip r:embed="rId3"/>
-          <a:srcRect r="10516" b="-1"/>
-          <a:stretch/>
-        </p:blipFill>
-        <p:spPr>
-          <a:xfrm>
-            <a:off x="1141412" y="2497720"/>
-            <a:ext cx="4662140" cy="3047892"/>
-          </a:xfrm>
-          <a:prstGeom prst="round2DiagRect">
-            <a:avLst>
-              <a:gd name="adj1" fmla="val 4860"/>
-              <a:gd name="adj2" fmla="val 0"/>
-            </a:avLst>
-          </a:prstGeom>
-          <a:ln w="19050" cap="sq">
-            <a:solidFill>
-              <a:schemeClr val="tx2">
-                <a:lumMod val="60000"/>
-                <a:lumOff val="40000"/>
-                <a:alpha val="60000"/>
-              </a:schemeClr>
-            </a:solidFill>
-            <a:miter lim="800000"/>
-          </a:ln>
-          <a:effectLst>
-            <a:outerShdw blurRad="88900" dist="38100" dir="5400000" algn="t" rotWithShape="0">
-              <a:prstClr val="black">
-                <a:alpha val="40000"/>
-              </a:prstClr>
-            </a:outerShdw>
-          </a:effectLst>
-        </p:spPr>
-      </p:pic>
       <p:sp>
         <p:nvSpPr>
           <p:cNvPr id="3" name="Content Placeholder 2">
             <a:extLst>
               <a:ext uri="{FF2B5EF4-FFF2-40B4-BE49-F238E27FC236}">
-                <a16:creationId xmlns:a16="http://schemas.microsoft.com/office/drawing/2014/main" id="{4084F674-056E-4E37-956C-F4C365CC7E3E}"/>
+                <a16:creationId xmlns:a16="http://schemas.microsoft.com/office/drawing/2014/main" id="{95070EF4-681B-46D3-90B9-06BF79E645F2}"/>
               </a:ext>
             </a:extLst>
           </p:cNvPr>
@@ -23858,40 +24707,62 @@
             <p:ph idx="1"/>
           </p:nvPr>
         </p:nvSpPr>
-        <p:spPr>
-          <a:xfrm>
-            <a:off x="6204479" y="2249487"/>
-            <a:ext cx="4844521" cy="3541714"/>
-          </a:xfrm>
-        </p:spPr>
+        <p:spPr/>
         <p:txBody>
-          <a:bodyPr anchor="ctr">
-            <a:normAutofit/>
+          <a:bodyPr>
+            <a:normAutofit fontScale="92500" lnSpcReduction="20000"/>
           </a:bodyPr>
           <a:lstStyle/>
           <a:p>
             <a:r>
               <a:rPr lang="en-US" dirty="0"/>
-              <a:t>You can build your own software for most things</a:t>
+              <a:t>Testing should be done across a larger scale</a:t>
             </a:r>
           </a:p>
           <a:p>
             <a:r>
               <a:rPr lang="en-US" dirty="0"/>
-              <a:t>Can be a hassle to debug and repeat this</a:t>
+              <a:t>More block and stripe sizes should be tested</a:t>
             </a:r>
           </a:p>
           <a:p>
             <a:r>
               <a:rPr lang="en-US" dirty="0"/>
-              <a:t>Usually no internet access</a:t>
-            </a:r>
-          </a:p>
-          <a:p>
+              <a:t>FUSE can possibly be optimized</a:t>
+            </a:r>
+          </a:p>
+          <a:p>
+            <a:pPr lvl="1"/>
             <a:r>
               <a:rPr lang="en-US" dirty="0"/>
-              <a:t>Have to rebuild every time on a new platform</a:t>
-            </a:r>
+              <a:t>New versions support new features</a:t>
+            </a:r>
+          </a:p>
+          <a:p>
+            <a:pPr lvl="1"/>
+            <a:r>
+              <a:rPr lang="en-US" dirty="0"/>
+              <a:t>Maximum request size can be increased</a:t>
+            </a:r>
+          </a:p>
+          <a:p>
+            <a:r>
+              <a:rPr lang="en-US" dirty="0"/>
+              <a:t>Squashfuse has not been updated in 8 years, there may be improvements that have made their way to the kernel code</a:t>
+            </a:r>
+          </a:p>
+          <a:p>
+            <a:r>
+              <a:rPr lang="en-US" dirty="0" err="1"/>
+              <a:t>Lustre</a:t>
+            </a:r>
+            <a:r>
+              <a:rPr lang="en-US" dirty="0"/>
+              <a:t> monitoring</a:t>
+            </a:r>
+          </a:p>
+          <a:p>
+            <a:endParaRPr lang="en-US" dirty="0"/>
           </a:p>
         </p:txBody>
       </p:sp>
@@ -23900,7 +24771,7 @@
           <p:cNvPr id="4" name="Slide Number Placeholder 3">
             <a:extLst>
               <a:ext uri="{FF2B5EF4-FFF2-40B4-BE49-F238E27FC236}">
-                <a16:creationId xmlns:a16="http://schemas.microsoft.com/office/drawing/2014/main" id="{C3F7745D-CEB3-AF4F-8C59-CCA3727E0F12}"/>
+                <a16:creationId xmlns:a16="http://schemas.microsoft.com/office/drawing/2014/main" id="{0B197689-F71A-7043-9D3B-23EBBD363ADE}"/>
               </a:ext>
             </a:extLst>
           </p:cNvPr>
@@ -23918,7 +24789,7 @@
           <a:p>
             <a:fld id="{6D22F896-40B5-4ADD-8801-0D06FADFA095}" type="slidenum">
               <a:rPr lang="en-US" smtClean="0"/>
-              <a:t>3</a:t>
+              <a:t>33</a:t>
             </a:fld>
             <a:endParaRPr lang="en-US" dirty="0"/>
           </a:p>
@@ -23926,10 +24797,10 @@
       </p:sp>
       <p:sp>
         <p:nvSpPr>
-          <p:cNvPr id="8" name="TextBox 7">
+          <p:cNvPr id="7" name="TextBox 6">
             <a:extLst>
               <a:ext uri="{FF2B5EF4-FFF2-40B4-BE49-F238E27FC236}">
-                <a16:creationId xmlns:a16="http://schemas.microsoft.com/office/drawing/2014/main" id="{A88C75D8-BC3C-4A97-97D6-775E1FCD10C6}"/>
+                <a16:creationId xmlns:a16="http://schemas.microsoft.com/office/drawing/2014/main" id="{07D8418E-CB23-4A01-B151-B3FE79FC15B0}"/>
               </a:ext>
             </a:extLst>
           </p:cNvPr>
@@ -23962,7 +24833,7 @@
     </p:spTree>
     <p:extLst>
       <p:ext uri="{BB962C8B-B14F-4D97-AF65-F5344CB8AC3E}">
-        <p14:creationId xmlns:p14="http://schemas.microsoft.com/office/powerpoint/2010/main" val="31743020"/>
+        <p14:creationId xmlns:p14="http://schemas.microsoft.com/office/powerpoint/2010/main" val="4220620200"/>
       </p:ext>
     </p:extLst>
   </p:cSld>
@@ -23972,7 +24843,7 @@
 </p:sld>
 </file>
 
-<file path=ppt/slides/slide30.xml><?xml version="1.0" encoding="utf-8"?>
+<file path=ppt/slides/slide34.xml><?xml version="1.0" encoding="utf-8"?>
 <p:sld xmlns:a="http://schemas.openxmlformats.org/drawingml/2006/main" xmlns:r="http://schemas.openxmlformats.org/officeDocument/2006/relationships" xmlns:p="http://schemas.openxmlformats.org/presentationml/2006/main">
   <p:cSld>
     <p:spTree>
@@ -24086,7 +24957,7 @@
           <a:p>
             <a:fld id="{6D22F896-40B5-4ADD-8801-0D06FADFA095}" type="slidenum">
               <a:rPr lang="en-US" smtClean="0"/>
-              <a:t>30</a:t>
+              <a:t>34</a:t>
             </a:fld>
             <a:endParaRPr lang="en-US" dirty="0"/>
           </a:p>
@@ -24140,192 +25011,7 @@
 </p:sld>
 </file>
 
-<file path=ppt/slides/slide31.xml><?xml version="1.0" encoding="utf-8"?>
-<p:sld xmlns:a="http://schemas.openxmlformats.org/drawingml/2006/main" xmlns:r="http://schemas.openxmlformats.org/officeDocument/2006/relationships" xmlns:p="http://schemas.openxmlformats.org/presentationml/2006/main">
-  <p:cSld>
-    <p:spTree>
-      <p:nvGrpSpPr>
-        <p:cNvPr id="1" name=""/>
-        <p:cNvGrpSpPr/>
-        <p:nvPr/>
-      </p:nvGrpSpPr>
-      <p:grpSpPr>
-        <a:xfrm>
-          <a:off x="0" y="0"/>
-          <a:ext cx="0" cy="0"/>
-          <a:chOff x="0" y="0"/>
-          <a:chExt cx="0" cy="0"/>
-        </a:xfrm>
-      </p:grpSpPr>
-      <p:sp>
-        <p:nvSpPr>
-          <p:cNvPr id="2" name="Title 1">
-            <a:extLst>
-              <a:ext uri="{FF2B5EF4-FFF2-40B4-BE49-F238E27FC236}">
-                <a16:creationId xmlns:a16="http://schemas.microsoft.com/office/drawing/2014/main" id="{6D0A2074-C87C-44F3-B966-3D5DB5A2E38D}"/>
-              </a:ext>
-            </a:extLst>
-          </p:cNvPr>
-          <p:cNvSpPr>
-            <a:spLocks noGrp="1"/>
-          </p:cNvSpPr>
-          <p:nvPr>
-            <p:ph type="title"/>
-          </p:nvPr>
-        </p:nvSpPr>
-        <p:spPr/>
-        <p:txBody>
-          <a:bodyPr/>
-          <a:lstStyle/>
-          <a:p>
-            <a:r>
-              <a:rPr lang="en-US" dirty="0"/>
-              <a:t>Future work</a:t>
-            </a:r>
-          </a:p>
-        </p:txBody>
-      </p:sp>
-      <p:sp>
-        <p:nvSpPr>
-          <p:cNvPr id="3" name="Content Placeholder 2">
-            <a:extLst>
-              <a:ext uri="{FF2B5EF4-FFF2-40B4-BE49-F238E27FC236}">
-                <a16:creationId xmlns:a16="http://schemas.microsoft.com/office/drawing/2014/main" id="{95070EF4-681B-46D3-90B9-06BF79E645F2}"/>
-              </a:ext>
-            </a:extLst>
-          </p:cNvPr>
-          <p:cNvSpPr>
-            <a:spLocks noGrp="1"/>
-          </p:cNvSpPr>
-          <p:nvPr>
-            <p:ph idx="1"/>
-          </p:nvPr>
-        </p:nvSpPr>
-        <p:spPr/>
-        <p:txBody>
-          <a:bodyPr/>
-          <a:lstStyle/>
-          <a:p>
-            <a:r>
-              <a:rPr lang="en-US" dirty="0"/>
-              <a:t>Testing should be done across a larger scale</a:t>
-            </a:r>
-          </a:p>
-          <a:p>
-            <a:r>
-              <a:rPr lang="en-US" dirty="0"/>
-              <a:t>More block and stripe sizes should be tested</a:t>
-            </a:r>
-          </a:p>
-          <a:p>
-            <a:r>
-              <a:rPr lang="en-US" dirty="0"/>
-              <a:t>FUSE can possibly be optimized</a:t>
-            </a:r>
-          </a:p>
-          <a:p>
-            <a:pPr lvl="1"/>
-            <a:r>
-              <a:rPr lang="en-US" dirty="0"/>
-              <a:t>New versions support new features</a:t>
-            </a:r>
-          </a:p>
-          <a:p>
-            <a:pPr lvl="1"/>
-            <a:r>
-              <a:rPr lang="en-US" dirty="0"/>
-              <a:t>Maximum request size can be increased</a:t>
-            </a:r>
-          </a:p>
-          <a:p>
-            <a:r>
-              <a:rPr lang="en-US" dirty="0"/>
-              <a:t>Squashfuse has not been updated in 8 years, there may be improvements that have made their way to the kernel code</a:t>
-            </a:r>
-          </a:p>
-          <a:p>
-            <a:endParaRPr lang="en-US" dirty="0"/>
-          </a:p>
-        </p:txBody>
-      </p:sp>
-      <p:sp>
-        <p:nvSpPr>
-          <p:cNvPr id="4" name="Slide Number Placeholder 3">
-            <a:extLst>
-              <a:ext uri="{FF2B5EF4-FFF2-40B4-BE49-F238E27FC236}">
-                <a16:creationId xmlns:a16="http://schemas.microsoft.com/office/drawing/2014/main" id="{0B197689-F71A-7043-9D3B-23EBBD363ADE}"/>
-              </a:ext>
-            </a:extLst>
-          </p:cNvPr>
-          <p:cNvSpPr>
-            <a:spLocks noGrp="1"/>
-          </p:cNvSpPr>
-          <p:nvPr>
-            <p:ph type="sldNum" sz="quarter" idx="12"/>
-          </p:nvPr>
-        </p:nvSpPr>
-        <p:spPr/>
-        <p:txBody>
-          <a:bodyPr/>
-          <a:lstStyle/>
-          <a:p>
-            <a:fld id="{6D22F896-40B5-4ADD-8801-0D06FADFA095}" type="slidenum">
-              <a:rPr lang="en-US" smtClean="0"/>
-              <a:t>31</a:t>
-            </a:fld>
-            <a:endParaRPr lang="en-US" dirty="0"/>
-          </a:p>
-        </p:txBody>
-      </p:sp>
-      <p:sp>
-        <p:nvSpPr>
-          <p:cNvPr id="7" name="TextBox 6">
-            <a:extLst>
-              <a:ext uri="{FF2B5EF4-FFF2-40B4-BE49-F238E27FC236}">
-                <a16:creationId xmlns:a16="http://schemas.microsoft.com/office/drawing/2014/main" id="{07D8418E-CB23-4A01-B151-B3FE79FC15B0}"/>
-              </a:ext>
-            </a:extLst>
-          </p:cNvPr>
-          <p:cNvSpPr txBox="1"/>
-          <p:nvPr/>
-        </p:nvSpPr>
-        <p:spPr>
-          <a:xfrm>
-            <a:off x="10398868" y="18574"/>
-            <a:ext cx="1793132" cy="369332"/>
-          </a:xfrm>
-          <a:prstGeom prst="rect">
-            <a:avLst/>
-          </a:prstGeom>
-          <a:noFill/>
-        </p:spPr>
-        <p:txBody>
-          <a:bodyPr wrap="square" rtlCol="0">
-            <a:spAutoFit/>
-          </a:bodyPr>
-          <a:lstStyle/>
-          <a:p>
-            <a:r>
-              <a:rPr lang="en-US" dirty="0"/>
-              <a:t>LA-UR-19-24149</a:t>
-            </a:r>
-          </a:p>
-        </p:txBody>
-      </p:sp>
-    </p:spTree>
-    <p:extLst>
-      <p:ext uri="{BB962C8B-B14F-4D97-AF65-F5344CB8AC3E}">
-        <p14:creationId xmlns:p14="http://schemas.microsoft.com/office/powerpoint/2010/main" val="4220620200"/>
-      </p:ext>
-    </p:extLst>
-  </p:cSld>
-  <p:clrMapOvr>
-    <a:masterClrMapping/>
-  </p:clrMapOvr>
-</p:sld>
-</file>
-
-<file path=ppt/slides/slide32.xml><?xml version="1.0" encoding="utf-8"?>
+<file path=ppt/slides/slide35.xml><?xml version="1.0" encoding="utf-8"?>
 <p:sld xmlns:a="http://schemas.openxmlformats.org/drawingml/2006/main" xmlns:r="http://schemas.openxmlformats.org/officeDocument/2006/relationships" xmlns:p="http://schemas.openxmlformats.org/presentationml/2006/main">
   <p:cSld>
     <p:spTree>
@@ -24418,7 +25104,7 @@
           <a:p>
             <a:fld id="{6D22F896-40B5-4ADD-8801-0D06FADFA095}" type="slidenum">
               <a:rPr lang="en-US" smtClean="0"/>
-              <a:t>32</a:t>
+              <a:t>35</a:t>
             </a:fld>
             <a:endParaRPr lang="en-US" dirty="0"/>
           </a:p>
@@ -24546,7 +25232,7 @@
           <a:p>
             <a:r>
               <a:rPr lang="en-US" dirty="0"/>
-              <a:t>Building software can be difficult and create conflicts with installed software (</a:t>
+              <a:t>Building software can be difficult and can create conflicts with installed software (</a:t>
             </a:r>
             <a:r>
               <a:rPr lang="en-US" dirty="0" err="1"/>
@@ -24997,6 +25683,12 @@
           <a:p>
             <a:r>
               <a:rPr lang="en-US" dirty="0"/>
+              <a:t>Uses Linux name spaces to separate resources instead of a hypervisor</a:t>
+            </a:r>
+          </a:p>
+          <a:p>
+            <a:r>
+              <a:rPr lang="en-US" dirty="0"/>
               <a:t>Shares operating system kernel with the host</a:t>
             </a:r>
           </a:p>
@@ -25035,12 +25727,6 @@
             <a:r>
               <a:rPr lang="en-US" dirty="0"/>
               <a:t>More risk to the host (Jacobsen &amp; Canon, 2015)</a:t>
-            </a:r>
-          </a:p>
-          <a:p>
-            <a:r>
-              <a:rPr lang="en-US" dirty="0"/>
-              <a:t>Uses Linux name spaces to separate resources instead of a hypervisor</a:t>
             </a:r>
           </a:p>
           <a:p>
@@ -25580,31 +26266,6 @@
 <file path=ppt/slides/slide9.xml><?xml version="1.0" encoding="utf-8"?>
 <p:sld xmlns:a="http://schemas.openxmlformats.org/drawingml/2006/main" xmlns:r="http://schemas.openxmlformats.org/officeDocument/2006/relationships" xmlns:p="http://schemas.openxmlformats.org/presentationml/2006/main">
   <p:cSld>
-    <p:bg>
-      <p:bgPr>
-        <a:blipFill>
-          <a:blip r:embed="rId2">
-            <a:duotone>
-              <a:schemeClr val="bg2">
-                <a:shade val="48000"/>
-                <a:hueMod val="106000"/>
-                <a:satMod val="140000"/>
-                <a:lumMod val="42000"/>
-              </a:schemeClr>
-              <a:schemeClr val="bg2">
-                <a:tint val="98000"/>
-                <a:hueMod val="92000"/>
-                <a:satMod val="220000"/>
-                <a:lumMod val="90000"/>
-              </a:schemeClr>
-            </a:duotone>
-            <a:extLst/>
-          </a:blip>
-          <a:stretch/>
-        </a:blipFill>
-        <a:effectLst/>
-      </p:bgPr>
-    </p:bg>
     <p:spTree>
       <p:nvGrpSpPr>
         <p:cNvPr id="1" name=""/>
@@ -25624,7 +26285,7 @@
           <p:cNvPr id="2" name="Title 1">
             <a:extLst>
               <a:ext uri="{FF2B5EF4-FFF2-40B4-BE49-F238E27FC236}">
-                <a16:creationId xmlns:a16="http://schemas.microsoft.com/office/drawing/2014/main" id="{42FE0090-B309-4BFC-A83B-4CD3E83217C3}"/>
+                <a16:creationId xmlns:a16="http://schemas.microsoft.com/office/drawing/2014/main" id="{586C1241-A916-444A-B44A-A94E8F7E0D7F}"/>
               </a:ext>
             </a:extLst>
           </p:cNvPr>
@@ -25635,81 +26296,24 @@
             <p:ph type="title"/>
           </p:nvPr>
         </p:nvSpPr>
-        <p:spPr>
-          <a:xfrm>
-            <a:off x="1141413" y="618518"/>
-            <a:ext cx="9905998" cy="1478570"/>
-          </a:xfrm>
-        </p:spPr>
+        <p:spPr/>
         <p:txBody>
-          <a:bodyPr>
-            <a:normAutofit/>
-          </a:bodyPr>
+          <a:bodyPr/>
           <a:lstStyle/>
           <a:p>
-            <a:pPr algn="ctr"/>
-            <a:r>
-              <a:rPr lang="en-US"/>
-              <a:t>We must also ask why not containers</a:t>
+            <a:r>
+              <a:rPr lang="en-US" dirty="0"/>
+              <a:t>Fitting user needs</a:t>
             </a:r>
           </a:p>
         </p:txBody>
       </p:sp>
-      <p:pic>
-        <p:nvPicPr>
-          <p:cNvPr id="5" name="Picture 4">
-            <a:extLst>
-              <a:ext uri="{FF2B5EF4-FFF2-40B4-BE49-F238E27FC236}">
-                <a16:creationId xmlns:a16="http://schemas.microsoft.com/office/drawing/2014/main" id="{D339EA96-AB6D-4744-9BE2-AA11170A1734}"/>
-              </a:ext>
-            </a:extLst>
-          </p:cNvPr>
-          <p:cNvPicPr>
-            <a:picLocks noChangeAspect="1"/>
-          </p:cNvPicPr>
-          <p:nvPr/>
-        </p:nvPicPr>
-        <p:blipFill rotWithShape="1">
-          <a:blip r:embed="rId3"/>
-          <a:srcRect l="9754" r="10505" b="3"/>
-          <a:stretch/>
-        </p:blipFill>
-        <p:spPr>
-          <a:xfrm>
-            <a:off x="1141411" y="2249487"/>
-            <a:ext cx="3494597" cy="3549650"/>
-          </a:xfrm>
-          <a:prstGeom prst="round2DiagRect">
-            <a:avLst>
-              <a:gd name="adj1" fmla="val 5608"/>
-              <a:gd name="adj2" fmla="val 0"/>
-            </a:avLst>
-          </a:prstGeom>
-          <a:ln w="19050" cap="sq">
-            <a:solidFill>
-              <a:schemeClr val="tx2">
-                <a:lumMod val="60000"/>
-                <a:lumOff val="40000"/>
-                <a:alpha val="60000"/>
-              </a:schemeClr>
-            </a:solidFill>
-            <a:miter lim="800000"/>
-          </a:ln>
-          <a:effectLst>
-            <a:outerShdw blurRad="88900" dist="38100" dir="5400000" algn="t" rotWithShape="0">
-              <a:prstClr val="black">
-                <a:alpha val="40000"/>
-              </a:prstClr>
-            </a:outerShdw>
-          </a:effectLst>
-        </p:spPr>
-      </p:pic>
       <p:sp>
         <p:nvSpPr>
           <p:cNvPr id="3" name="Content Placeholder 2">
             <a:extLst>
               <a:ext uri="{FF2B5EF4-FFF2-40B4-BE49-F238E27FC236}">
-                <a16:creationId xmlns:a16="http://schemas.microsoft.com/office/drawing/2014/main" id="{3C5A631F-E5B4-4C61-9073-B484BAF938E7}"/>
+                <a16:creationId xmlns:a16="http://schemas.microsoft.com/office/drawing/2014/main" id="{F3876DB8-6792-4C2D-9359-D44A233FB7A5}"/>
               </a:ext>
             </a:extLst>
           </p:cNvPr>
@@ -25720,55 +26324,35 @@
             <p:ph idx="1"/>
           </p:nvPr>
         </p:nvSpPr>
-        <p:spPr>
-          <a:xfrm>
-            <a:off x="5034579" y="2249487"/>
-            <a:ext cx="6012832" cy="3541714"/>
-          </a:xfrm>
-        </p:spPr>
+        <p:spPr/>
         <p:txBody>
-          <a:bodyPr>
-            <a:normAutofit/>
-          </a:bodyPr>
+          <a:bodyPr/>
           <a:lstStyle/>
           <a:p>
             <a:r>
               <a:rPr lang="en-US" dirty="0"/>
-              <a:t>User defined software stacks can introduce new attack vectors (</a:t>
-            </a:r>
-            <a:r>
-              <a:rPr lang="en-US" dirty="0" err="1"/>
-              <a:t>Priedhorsky</a:t>
-            </a:r>
+              <a:t>Users can use the exact versions of everything they want</a:t>
+            </a:r>
+          </a:p>
+          <a:p>
             <a:r>
               <a:rPr lang="en-US" dirty="0"/>
-              <a:t> &amp; </a:t>
-            </a:r>
-            <a:r>
-              <a:rPr lang="en-US" dirty="0" err="1"/>
-              <a:t>Randles</a:t>
-            </a:r>
+              <a:t>Some users require validated software stacks to meet field specifications</a:t>
+            </a:r>
+          </a:p>
+          <a:p>
             <a:r>
               <a:rPr lang="en-US" dirty="0"/>
-              <a:t>, 2017)</a:t>
+              <a:t>Some common software is still important to users, and can be used without having to build it all over again. They still have access to the managed stack</a:t>
             </a:r>
           </a:p>
           <a:p>
             <a:r>
               <a:rPr lang="en-US" dirty="0"/>
-              <a:t>Some container run time tools require root</a:t>
-            </a:r>
-          </a:p>
-          <a:p>
-            <a:r>
-              <a:rPr lang="en-US" dirty="0"/>
-              <a:t>Containers can use more system memory than bare metal</a:t>
-            </a:r>
-          </a:p>
-          <a:p>
-            <a:pPr marL="0" indent="0">
-              <a:buNone/>
-            </a:pPr>
+              <a:t>Easy to experiment with new software</a:t>
+            </a:r>
+          </a:p>
+          <a:p>
             <a:endParaRPr lang="en-US" dirty="0"/>
           </a:p>
         </p:txBody>
@@ -25778,7 +26362,7 @@
           <p:cNvPr id="4" name="Slide Number Placeholder 3">
             <a:extLst>
               <a:ext uri="{FF2B5EF4-FFF2-40B4-BE49-F238E27FC236}">
-                <a16:creationId xmlns:a16="http://schemas.microsoft.com/office/drawing/2014/main" id="{93D19484-82EB-6646-BC5E-A1C6557B60CF}"/>
+                <a16:creationId xmlns:a16="http://schemas.microsoft.com/office/drawing/2014/main" id="{F5D3400D-A371-47C9-940F-1FFB8427C8B0}"/>
               </a:ext>
             </a:extLst>
           </p:cNvPr>
@@ -25802,45 +26386,10 @@
           </a:p>
         </p:txBody>
       </p:sp>
-      <p:sp>
-        <p:nvSpPr>
-          <p:cNvPr id="8" name="TextBox 7">
-            <a:extLst>
-              <a:ext uri="{FF2B5EF4-FFF2-40B4-BE49-F238E27FC236}">
-                <a16:creationId xmlns:a16="http://schemas.microsoft.com/office/drawing/2014/main" id="{8C9B8820-10CF-4A96-8007-092E53B6A1E0}"/>
-              </a:ext>
-            </a:extLst>
-          </p:cNvPr>
-          <p:cNvSpPr txBox="1"/>
-          <p:nvPr/>
-        </p:nvSpPr>
-        <p:spPr>
-          <a:xfrm>
-            <a:off x="10398868" y="18574"/>
-            <a:ext cx="1793132" cy="369332"/>
-          </a:xfrm>
-          <a:prstGeom prst="rect">
-            <a:avLst/>
-          </a:prstGeom>
-          <a:noFill/>
-        </p:spPr>
-        <p:txBody>
-          <a:bodyPr wrap="square" rtlCol="0">
-            <a:spAutoFit/>
-          </a:bodyPr>
-          <a:lstStyle/>
-          <a:p>
-            <a:r>
-              <a:rPr lang="en-US" dirty="0"/>
-              <a:t>LA-UR-19-24149</a:t>
-            </a:r>
-          </a:p>
-        </p:txBody>
-      </p:sp>
     </p:spTree>
     <p:extLst>
       <p:ext uri="{BB962C8B-B14F-4D97-AF65-F5344CB8AC3E}">
-        <p14:creationId xmlns:p14="http://schemas.microsoft.com/office/powerpoint/2010/main" val="190497428"/>
+        <p14:creationId xmlns:p14="http://schemas.microsoft.com/office/powerpoint/2010/main" val="2540257278"/>
       </p:ext>
     </p:extLst>
   </p:cSld>

--- a/presentation.pptx
+++ b/presentation.pptx
@@ -5,10 +5,10 @@
     <p:sldMasterId id="2147483648" r:id="rId1"/>
   </p:sldMasterIdLst>
   <p:notesMasterIdLst>
-    <p:notesMasterId r:id="rId37"/>
+    <p:notesMasterId r:id="rId38"/>
   </p:notesMasterIdLst>
   <p:handoutMasterIdLst>
-    <p:handoutMasterId r:id="rId38"/>
+    <p:handoutMasterId r:id="rId39"/>
   </p:handoutMasterIdLst>
   <p:sldIdLst>
     <p:sldId id="256" r:id="rId2"/>
@@ -44,8 +44,9 @@
     <p:sldId id="284" r:id="rId32"/>
     <p:sldId id="285" r:id="rId33"/>
     <p:sldId id="287" r:id="rId34"/>
-    <p:sldId id="286" r:id="rId35"/>
-    <p:sldId id="288" r:id="rId36"/>
+    <p:sldId id="292" r:id="rId35"/>
+    <p:sldId id="286" r:id="rId36"/>
+    <p:sldId id="288" r:id="rId37"/>
   </p:sldIdLst>
   <p:sldSz cx="12192000" cy="6858000"/>
   <p:notesSz cx="6858000" cy="9144000"/>
@@ -249,7 +250,7 @@
           <a:p>
             <a:fld id="{027B0511-7C57-A649-9B1E-F6B4AF548419}" type="datetimeFigureOut">
               <a:rPr lang="en-US" smtClean="0"/>
-              <a:t>5/7/2019</a:t>
+              <a:t>5/8/2019</a:t>
             </a:fld>
             <a:endParaRPr lang="en-US"/>
           </a:p>
@@ -430,7 +431,7 @@
           <a:p>
             <a:fld id="{635D235B-18E0-FD4C-BFE6-71E332FE9977}" type="datetimeFigureOut">
               <a:rPr lang="en-US" smtClean="0"/>
-              <a:t>5/7/2019</a:t>
+              <a:t>5/8/2019</a:t>
             </a:fld>
             <a:endParaRPr lang="en-US"/>
           </a:p>
@@ -755,7 +756,7 @@
           <a:noFill/>
           <a:extLst>
             <a:ext uri="{909E8E84-426E-40dd-AFC4-6F175D3DCCD1}">
-              <a14:hiddenFill xmlns:a14="http://schemas.microsoft.com/office/drawing/2010/main" xmlns="">
+              <a14:hiddenFill xmlns="" xmlns:a14="http://schemas.microsoft.com/office/drawing/2010/main">
                 <a:solidFill>
                   <a:srgbClr val="FFFFFF"/>
                 </a:solidFill>
@@ -814,7 +815,7 @@
             </a:ln>
             <a:extLst>
               <a:ext uri="{91240B29-F687-4f45-9708-019B960494DF}">
-                <a14:hiddenLine xmlns:a14="http://schemas.microsoft.com/office/drawing/2010/main" xmlns="" w="9525">
+                <a14:hiddenLine xmlns="" xmlns:a14="http://schemas.microsoft.com/office/drawing/2010/main" w="9525">
                   <a:solidFill>
                     <a:srgbClr val="000000"/>
                   </a:solidFill>
@@ -904,7 +905,7 @@
             </a:ln>
             <a:extLst>
               <a:ext uri="{91240B29-F687-4f45-9708-019B960494DF}">
-                <a14:hiddenLine xmlns:a14="http://schemas.microsoft.com/office/drawing/2010/main" xmlns="" w="9525">
+                <a14:hiddenLine xmlns="" xmlns:a14="http://schemas.microsoft.com/office/drawing/2010/main" w="9525">
                   <a:solidFill>
                     <a:srgbClr val="000000"/>
                   </a:solidFill>
@@ -994,7 +995,7 @@
             </a:ln>
             <a:extLst>
               <a:ext uri="{91240B29-F687-4f45-9708-019B960494DF}">
-                <a14:hiddenLine xmlns:a14="http://schemas.microsoft.com/office/drawing/2010/main" xmlns="" w="9525">
+                <a14:hiddenLine xmlns="" xmlns:a14="http://schemas.microsoft.com/office/drawing/2010/main" w="9525">
                   <a:solidFill>
                     <a:srgbClr val="000000"/>
                   </a:solidFill>
@@ -1028,7 +1029,7 @@
             </a:ln>
             <a:extLst>
               <a:ext uri="{91240B29-F687-4f45-9708-019B960494DF}">
-                <a14:hiddenLine xmlns:a14="http://schemas.microsoft.com/office/drawing/2010/main" xmlns="" w="9525">
+                <a14:hiddenLine xmlns="" xmlns:a14="http://schemas.microsoft.com/office/drawing/2010/main" w="9525">
                   <a:solidFill>
                     <a:srgbClr val="000000"/>
                   </a:solidFill>
@@ -1118,7 +1119,7 @@
             </a:ln>
             <a:extLst>
               <a:ext uri="{91240B29-F687-4f45-9708-019B960494DF}">
-                <a14:hiddenLine xmlns:a14="http://schemas.microsoft.com/office/drawing/2010/main" xmlns="" w="9525">
+                <a14:hiddenLine xmlns="" xmlns:a14="http://schemas.microsoft.com/office/drawing/2010/main" w="9525">
                   <a:solidFill>
                     <a:srgbClr val="000000"/>
                   </a:solidFill>
@@ -1180,7 +1181,7 @@
             </a:ln>
             <a:extLst>
               <a:ext uri="{91240B29-F687-4f45-9708-019B960494DF}">
-                <a14:hiddenLine xmlns:a14="http://schemas.microsoft.com/office/drawing/2010/main" xmlns="" w="9525">
+                <a14:hiddenLine xmlns="" xmlns:a14="http://schemas.microsoft.com/office/drawing/2010/main" w="9525">
                   <a:solidFill>
                     <a:srgbClr val="000000"/>
                   </a:solidFill>
@@ -1242,7 +1243,7 @@
             </a:ln>
             <a:extLst>
               <a:ext uri="{91240B29-F687-4f45-9708-019B960494DF}">
-                <a14:hiddenLine xmlns:a14="http://schemas.microsoft.com/office/drawing/2010/main" xmlns="" w="9525">
+                <a14:hiddenLine xmlns="" xmlns:a14="http://schemas.microsoft.com/office/drawing/2010/main" w="9525">
                   <a:solidFill>
                     <a:srgbClr val="000000"/>
                   </a:solidFill>
@@ -1332,7 +1333,7 @@
             </a:ln>
             <a:extLst>
               <a:ext uri="{91240B29-F687-4f45-9708-019B960494DF}">
-                <a14:hiddenLine xmlns:a14="http://schemas.microsoft.com/office/drawing/2010/main" xmlns="" w="9525">
+                <a14:hiddenLine xmlns="" xmlns:a14="http://schemas.microsoft.com/office/drawing/2010/main" w="9525">
                   <a:solidFill>
                     <a:srgbClr val="000000"/>
                   </a:solidFill>
@@ -1394,7 +1395,7 @@
             </a:ln>
             <a:extLst>
               <a:ext uri="{91240B29-F687-4f45-9708-019B960494DF}">
-                <a14:hiddenLine xmlns:a14="http://schemas.microsoft.com/office/drawing/2010/main" xmlns="" w="9525">
+                <a14:hiddenLine xmlns="" xmlns:a14="http://schemas.microsoft.com/office/drawing/2010/main" w="9525">
                   <a:solidFill>
                     <a:srgbClr val="000000"/>
                   </a:solidFill>
@@ -1456,7 +1457,7 @@
             </a:ln>
             <a:extLst>
               <a:ext uri="{91240B29-F687-4f45-9708-019B960494DF}">
-                <a14:hiddenLine xmlns:a14="http://schemas.microsoft.com/office/drawing/2010/main" xmlns="" w="9525">
+                <a14:hiddenLine xmlns="" xmlns:a14="http://schemas.microsoft.com/office/drawing/2010/main" w="9525">
                   <a:solidFill>
                     <a:srgbClr val="000000"/>
                   </a:solidFill>
@@ -1546,7 +1547,7 @@
             </a:ln>
             <a:extLst>
               <a:ext uri="{91240B29-F687-4f45-9708-019B960494DF}">
-                <a14:hiddenLine xmlns:a14="http://schemas.microsoft.com/office/drawing/2010/main" xmlns="" w="9525">
+                <a14:hiddenLine xmlns="" xmlns:a14="http://schemas.microsoft.com/office/drawing/2010/main" w="9525">
                   <a:solidFill>
                     <a:srgbClr val="000000"/>
                   </a:solidFill>
@@ -1636,7 +1637,7 @@
             </a:ln>
             <a:extLst>
               <a:ext uri="{91240B29-F687-4f45-9708-019B960494DF}">
-                <a14:hiddenLine xmlns:a14="http://schemas.microsoft.com/office/drawing/2010/main" xmlns="" w="9525">
+                <a14:hiddenLine xmlns="" xmlns:a14="http://schemas.microsoft.com/office/drawing/2010/main" w="9525">
                   <a:solidFill>
                     <a:srgbClr val="000000"/>
                   </a:solidFill>
@@ -1698,7 +1699,7 @@
             </a:ln>
             <a:extLst>
               <a:ext uri="{91240B29-F687-4f45-9708-019B960494DF}">
-                <a14:hiddenLine xmlns:a14="http://schemas.microsoft.com/office/drawing/2010/main" xmlns="" w="9525">
+                <a14:hiddenLine xmlns="" xmlns:a14="http://schemas.microsoft.com/office/drawing/2010/main" w="9525">
                   <a:solidFill>
                     <a:srgbClr val="000000"/>
                   </a:solidFill>
@@ -1808,7 +1809,7 @@
             </a:ln>
             <a:extLst>
               <a:ext uri="{91240B29-F687-4f45-9708-019B960494DF}">
-                <a14:hiddenLine xmlns:a14="http://schemas.microsoft.com/office/drawing/2010/main" xmlns="" w="9525">
+                <a14:hiddenLine xmlns="" xmlns:a14="http://schemas.microsoft.com/office/drawing/2010/main" w="9525">
                   <a:solidFill>
                     <a:srgbClr val="000000"/>
                   </a:solidFill>
@@ -1870,7 +1871,7 @@
             </a:ln>
             <a:extLst>
               <a:ext uri="{91240B29-F687-4f45-9708-019B960494DF}">
-                <a14:hiddenLine xmlns:a14="http://schemas.microsoft.com/office/drawing/2010/main" xmlns="" w="9525">
+                <a14:hiddenLine xmlns="" xmlns:a14="http://schemas.microsoft.com/office/drawing/2010/main" w="9525">
                   <a:solidFill>
                     <a:srgbClr val="000000"/>
                   </a:solidFill>
@@ -1960,7 +1961,7 @@
             </a:ln>
             <a:extLst>
               <a:ext uri="{91240B29-F687-4f45-9708-019B960494DF}">
-                <a14:hiddenLine xmlns:a14="http://schemas.microsoft.com/office/drawing/2010/main" xmlns="" w="9525">
+                <a14:hiddenLine xmlns="" xmlns:a14="http://schemas.microsoft.com/office/drawing/2010/main" w="9525">
                   <a:solidFill>
                     <a:srgbClr val="000000"/>
                   </a:solidFill>
@@ -2050,7 +2051,7 @@
             </a:ln>
             <a:extLst>
               <a:ext uri="{91240B29-F687-4f45-9708-019B960494DF}">
-                <a14:hiddenLine xmlns:a14="http://schemas.microsoft.com/office/drawing/2010/main" xmlns="" w="9525">
+                <a14:hiddenLine xmlns="" xmlns:a14="http://schemas.microsoft.com/office/drawing/2010/main" w="9525">
                   <a:solidFill>
                     <a:srgbClr val="000000"/>
                   </a:solidFill>
@@ -2112,7 +2113,7 @@
             </a:ln>
             <a:extLst>
               <a:ext uri="{91240B29-F687-4f45-9708-019B960494DF}">
-                <a14:hiddenLine xmlns:a14="http://schemas.microsoft.com/office/drawing/2010/main" xmlns="" w="9525">
+                <a14:hiddenLine xmlns="" xmlns:a14="http://schemas.microsoft.com/office/drawing/2010/main" w="9525">
                   <a:solidFill>
                     <a:srgbClr val="000000"/>
                   </a:solidFill>
@@ -2202,7 +2203,7 @@
             </a:ln>
             <a:extLst>
               <a:ext uri="{91240B29-F687-4f45-9708-019B960494DF}">
-                <a14:hiddenLine xmlns:a14="http://schemas.microsoft.com/office/drawing/2010/main" xmlns="" w="9525">
+                <a14:hiddenLine xmlns="" xmlns:a14="http://schemas.microsoft.com/office/drawing/2010/main" w="9525">
                   <a:solidFill>
                     <a:srgbClr val="000000"/>
                   </a:solidFill>
@@ -2292,7 +2293,7 @@
             </a:ln>
             <a:extLst>
               <a:ext uri="{91240B29-F687-4f45-9708-019B960494DF}">
-                <a14:hiddenLine xmlns:a14="http://schemas.microsoft.com/office/drawing/2010/main" xmlns="" w="9525">
+                <a14:hiddenLine xmlns="" xmlns:a14="http://schemas.microsoft.com/office/drawing/2010/main" w="9525">
                   <a:solidFill>
                     <a:srgbClr val="000000"/>
                   </a:solidFill>
@@ -2348,7 +2349,7 @@
             </a:ln>
             <a:extLst>
               <a:ext uri="{91240B29-F687-4f45-9708-019B960494DF}">
-                <a14:hiddenLine xmlns:a14="http://schemas.microsoft.com/office/drawing/2010/main" xmlns="" w="9525">
+                <a14:hiddenLine xmlns="" xmlns:a14="http://schemas.microsoft.com/office/drawing/2010/main" w="9525">
                   <a:solidFill>
                     <a:srgbClr val="000000"/>
                   </a:solidFill>
@@ -2438,7 +2439,7 @@
             </a:ln>
             <a:extLst>
               <a:ext uri="{91240B29-F687-4f45-9708-019B960494DF}">
-                <a14:hiddenLine xmlns:a14="http://schemas.microsoft.com/office/drawing/2010/main" xmlns="" w="9525">
+                <a14:hiddenLine xmlns="" xmlns:a14="http://schemas.microsoft.com/office/drawing/2010/main" w="9525">
                   <a:solidFill>
                     <a:srgbClr val="000000"/>
                   </a:solidFill>
@@ -2494,7 +2495,7 @@
             </a:ln>
             <a:extLst>
               <a:ext uri="{91240B29-F687-4f45-9708-019B960494DF}">
-                <a14:hiddenLine xmlns:a14="http://schemas.microsoft.com/office/drawing/2010/main" xmlns="" w="9525">
+                <a14:hiddenLine xmlns="" xmlns:a14="http://schemas.microsoft.com/office/drawing/2010/main" w="9525">
                   <a:solidFill>
                     <a:srgbClr val="000000"/>
                   </a:solidFill>
@@ -2584,7 +2585,7 @@
             </a:ln>
             <a:extLst>
               <a:ext uri="{91240B29-F687-4f45-9708-019B960494DF}">
-                <a14:hiddenLine xmlns:a14="http://schemas.microsoft.com/office/drawing/2010/main" xmlns="" w="9525">
+                <a14:hiddenLine xmlns="" xmlns:a14="http://schemas.microsoft.com/office/drawing/2010/main" w="9525">
                   <a:solidFill>
                     <a:srgbClr val="000000"/>
                   </a:solidFill>
@@ -2652,7 +2653,7 @@
             </a:ln>
             <a:extLst>
               <a:ext uri="{91240B29-F687-4f45-9708-019B960494DF}">
-                <a14:hiddenLine xmlns:a14="http://schemas.microsoft.com/office/drawing/2010/main" xmlns="" w="9525">
+                <a14:hiddenLine xmlns="" xmlns:a14="http://schemas.microsoft.com/office/drawing/2010/main" w="9525">
                   <a:solidFill>
                     <a:srgbClr val="000000"/>
                   </a:solidFill>
@@ -2742,7 +2743,7 @@
             </a:ln>
             <a:extLst>
               <a:ext uri="{91240B29-F687-4f45-9708-019B960494DF}">
-                <a14:hiddenLine xmlns:a14="http://schemas.microsoft.com/office/drawing/2010/main" xmlns="" w="9525">
+                <a14:hiddenLine xmlns="" xmlns:a14="http://schemas.microsoft.com/office/drawing/2010/main" w="9525">
                   <a:solidFill>
                     <a:srgbClr val="000000"/>
                   </a:solidFill>
@@ -2810,7 +2811,7 @@
             </a:ln>
             <a:extLst>
               <a:ext uri="{91240B29-F687-4f45-9708-019B960494DF}">
-                <a14:hiddenLine xmlns:a14="http://schemas.microsoft.com/office/drawing/2010/main" xmlns="" w="9525">
+                <a14:hiddenLine xmlns="" xmlns:a14="http://schemas.microsoft.com/office/drawing/2010/main" w="9525">
                   <a:solidFill>
                     <a:srgbClr val="000000"/>
                   </a:solidFill>
@@ -2900,7 +2901,7 @@
             </a:ln>
             <a:extLst>
               <a:ext uri="{91240B29-F687-4f45-9708-019B960494DF}">
-                <a14:hiddenLine xmlns:a14="http://schemas.microsoft.com/office/drawing/2010/main" xmlns="" w="9525">
+                <a14:hiddenLine xmlns="" xmlns:a14="http://schemas.microsoft.com/office/drawing/2010/main" w="9525">
                   <a:solidFill>
                     <a:srgbClr val="000000"/>
                   </a:solidFill>
@@ -2934,7 +2935,7 @@
             </a:ln>
             <a:extLst>
               <a:ext uri="{91240B29-F687-4f45-9708-019B960494DF}">
-                <a14:hiddenLine xmlns:a14="http://schemas.microsoft.com/office/drawing/2010/main" xmlns="" w="9525">
+                <a14:hiddenLine xmlns="" xmlns:a14="http://schemas.microsoft.com/office/drawing/2010/main" w="9525">
                   <a:solidFill>
                     <a:srgbClr val="000000"/>
                   </a:solidFill>
@@ -3024,7 +3025,7 @@
             </a:ln>
             <a:extLst>
               <a:ext uri="{91240B29-F687-4f45-9708-019B960494DF}">
-                <a14:hiddenLine xmlns:a14="http://schemas.microsoft.com/office/drawing/2010/main" xmlns="" w="9525">
+                <a14:hiddenLine xmlns="" xmlns:a14="http://schemas.microsoft.com/office/drawing/2010/main" w="9525">
                   <a:solidFill>
                     <a:srgbClr val="000000"/>
                   </a:solidFill>
@@ -3086,7 +3087,7 @@
             </a:ln>
             <a:extLst>
               <a:ext uri="{91240B29-F687-4f45-9708-019B960494DF}">
-                <a14:hiddenLine xmlns:a14="http://schemas.microsoft.com/office/drawing/2010/main" xmlns="" w="9525">
+                <a14:hiddenLine xmlns="" xmlns:a14="http://schemas.microsoft.com/office/drawing/2010/main" w="9525">
                   <a:solidFill>
                     <a:srgbClr val="000000"/>
                   </a:solidFill>
@@ -3148,7 +3149,7 @@
             </a:ln>
             <a:extLst>
               <a:ext uri="{91240B29-F687-4f45-9708-019B960494DF}">
-                <a14:hiddenLine xmlns:a14="http://schemas.microsoft.com/office/drawing/2010/main" xmlns="" w="9525">
+                <a14:hiddenLine xmlns="" xmlns:a14="http://schemas.microsoft.com/office/drawing/2010/main" w="9525">
                   <a:solidFill>
                     <a:srgbClr val="000000"/>
                   </a:solidFill>
@@ -3238,7 +3239,7 @@
             </a:ln>
             <a:extLst>
               <a:ext uri="{91240B29-F687-4f45-9708-019B960494DF}">
-                <a14:hiddenLine xmlns:a14="http://schemas.microsoft.com/office/drawing/2010/main" xmlns="" w="9525">
+                <a14:hiddenLine xmlns="" xmlns:a14="http://schemas.microsoft.com/office/drawing/2010/main" w="9525">
                   <a:solidFill>
                     <a:srgbClr val="000000"/>
                   </a:solidFill>
@@ -3306,7 +3307,7 @@
             </a:ln>
             <a:extLst>
               <a:ext uri="{91240B29-F687-4f45-9708-019B960494DF}">
-                <a14:hiddenLine xmlns:a14="http://schemas.microsoft.com/office/drawing/2010/main" xmlns="" w="9525">
+                <a14:hiddenLine xmlns="" xmlns:a14="http://schemas.microsoft.com/office/drawing/2010/main" w="9525">
                   <a:solidFill>
                     <a:srgbClr val="000000"/>
                   </a:solidFill>
@@ -3368,7 +3369,7 @@
             </a:ln>
             <a:extLst>
               <a:ext uri="{91240B29-F687-4f45-9708-019B960494DF}">
-                <a14:hiddenLine xmlns:a14="http://schemas.microsoft.com/office/drawing/2010/main" xmlns="" w="9525">
+                <a14:hiddenLine xmlns="" xmlns:a14="http://schemas.microsoft.com/office/drawing/2010/main" w="9525">
                   <a:solidFill>
                     <a:srgbClr val="000000"/>
                   </a:solidFill>
@@ -3458,7 +3459,7 @@
             </a:ln>
             <a:extLst>
               <a:ext uri="{91240B29-F687-4f45-9708-019B960494DF}">
-                <a14:hiddenLine xmlns:a14="http://schemas.microsoft.com/office/drawing/2010/main" xmlns="" w="9525">
+                <a14:hiddenLine xmlns="" xmlns:a14="http://schemas.microsoft.com/office/drawing/2010/main" w="9525">
                   <a:solidFill>
                     <a:srgbClr val="000000"/>
                   </a:solidFill>
@@ -3520,7 +3521,7 @@
             </a:ln>
             <a:extLst>
               <a:ext uri="{91240B29-F687-4f45-9708-019B960494DF}">
-                <a14:hiddenLine xmlns:a14="http://schemas.microsoft.com/office/drawing/2010/main" xmlns="" w="9525">
+                <a14:hiddenLine xmlns="" xmlns:a14="http://schemas.microsoft.com/office/drawing/2010/main" w="9525">
                   <a:solidFill>
                     <a:srgbClr val="000000"/>
                   </a:solidFill>
@@ -3610,7 +3611,7 @@
             </a:ln>
             <a:extLst>
               <a:ext uri="{91240B29-F687-4f45-9708-019B960494DF}">
-                <a14:hiddenLine xmlns:a14="http://schemas.microsoft.com/office/drawing/2010/main" xmlns="" w="9525">
+                <a14:hiddenLine xmlns="" xmlns:a14="http://schemas.microsoft.com/office/drawing/2010/main" w="9525">
                   <a:solidFill>
                     <a:srgbClr val="000000"/>
                   </a:solidFill>
@@ -3672,7 +3673,7 @@
             </a:ln>
             <a:extLst>
               <a:ext uri="{91240B29-F687-4f45-9708-019B960494DF}">
-                <a14:hiddenLine xmlns:a14="http://schemas.microsoft.com/office/drawing/2010/main" xmlns="" w="9525">
+                <a14:hiddenLine xmlns="" xmlns:a14="http://schemas.microsoft.com/office/drawing/2010/main" w="9525">
                   <a:solidFill>
                     <a:srgbClr val="000000"/>
                   </a:solidFill>
@@ -3762,7 +3763,7 @@
             </a:ln>
             <a:extLst>
               <a:ext uri="{91240B29-F687-4f45-9708-019B960494DF}">
-                <a14:hiddenLine xmlns:a14="http://schemas.microsoft.com/office/drawing/2010/main" xmlns="" w="9525">
+                <a14:hiddenLine xmlns="" xmlns:a14="http://schemas.microsoft.com/office/drawing/2010/main" w="9525">
                   <a:solidFill>
                     <a:srgbClr val="000000"/>
                   </a:solidFill>
@@ -3796,7 +3797,7 @@
             </a:ln>
             <a:extLst>
               <a:ext uri="{91240B29-F687-4f45-9708-019B960494DF}">
-                <a14:hiddenLine xmlns:a14="http://schemas.microsoft.com/office/drawing/2010/main" xmlns="" w="9525">
+                <a14:hiddenLine xmlns="" xmlns:a14="http://schemas.microsoft.com/office/drawing/2010/main" w="9525">
                   <a:solidFill>
                     <a:srgbClr val="000000"/>
                   </a:solidFill>
@@ -3861,7 +3862,7 @@
             </a:ln>
             <a:extLst>
               <a:ext uri="{91240B29-F687-4f45-9708-019B960494DF}">
-                <a14:hiddenLine xmlns:a14="http://schemas.microsoft.com/office/drawing/2010/main" xmlns="" w="9525">
+                <a14:hiddenLine xmlns="" xmlns:a14="http://schemas.microsoft.com/office/drawing/2010/main" w="9525">
                   <a:solidFill>
                     <a:srgbClr val="000000"/>
                   </a:solidFill>
@@ -3951,7 +3952,7 @@
             </a:ln>
             <a:extLst>
               <a:ext uri="{91240B29-F687-4f45-9708-019B960494DF}">
-                <a14:hiddenLine xmlns:a14="http://schemas.microsoft.com/office/drawing/2010/main" xmlns="" w="9525">
+                <a14:hiddenLine xmlns="" xmlns:a14="http://schemas.microsoft.com/office/drawing/2010/main" w="9525">
                   <a:solidFill>
                     <a:srgbClr val="000000"/>
                   </a:solidFill>
@@ -4013,7 +4014,7 @@
             </a:ln>
             <a:extLst>
               <a:ext uri="{91240B29-F687-4f45-9708-019B960494DF}">
-                <a14:hiddenLine xmlns:a14="http://schemas.microsoft.com/office/drawing/2010/main" xmlns="" w="9525">
+                <a14:hiddenLine xmlns="" xmlns:a14="http://schemas.microsoft.com/office/drawing/2010/main" w="9525">
                   <a:solidFill>
                     <a:srgbClr val="000000"/>
                   </a:solidFill>
@@ -4103,7 +4104,7 @@
             </a:ln>
             <a:extLst>
               <a:ext uri="{91240B29-F687-4f45-9708-019B960494DF}">
-                <a14:hiddenLine xmlns:a14="http://schemas.microsoft.com/office/drawing/2010/main" xmlns="" w="9525">
+                <a14:hiddenLine xmlns="" xmlns:a14="http://schemas.microsoft.com/office/drawing/2010/main" w="9525">
                   <a:solidFill>
                     <a:srgbClr val="000000"/>
                   </a:solidFill>
@@ -4193,7 +4194,7 @@
             </a:ln>
             <a:extLst>
               <a:ext uri="{91240B29-F687-4f45-9708-019B960494DF}">
-                <a14:hiddenLine xmlns:a14="http://schemas.microsoft.com/office/drawing/2010/main" xmlns="" w="9525">
+                <a14:hiddenLine xmlns="" xmlns:a14="http://schemas.microsoft.com/office/drawing/2010/main" w="9525">
                   <a:solidFill>
                     <a:srgbClr val="000000"/>
                   </a:solidFill>
@@ -4258,7 +4259,7 @@
             </a:ln>
             <a:extLst>
               <a:ext uri="{91240B29-F687-4f45-9708-019B960494DF}">
-                <a14:hiddenLine xmlns:a14="http://schemas.microsoft.com/office/drawing/2010/main" xmlns="" w="9525">
+                <a14:hiddenLine xmlns="" xmlns:a14="http://schemas.microsoft.com/office/drawing/2010/main" w="9525">
                   <a:solidFill>
                     <a:srgbClr val="000000"/>
                   </a:solidFill>
@@ -4320,7 +4321,7 @@
             </a:ln>
             <a:extLst>
               <a:ext uri="{91240B29-F687-4f45-9708-019B960494DF}">
-                <a14:hiddenLine xmlns:a14="http://schemas.microsoft.com/office/drawing/2010/main" xmlns="" w="9525">
+                <a14:hiddenLine xmlns="" xmlns:a14="http://schemas.microsoft.com/office/drawing/2010/main" w="9525">
                   <a:solidFill>
                     <a:srgbClr val="000000"/>
                   </a:solidFill>
@@ -4410,7 +4411,7 @@
             </a:ln>
             <a:extLst>
               <a:ext uri="{91240B29-F687-4f45-9708-019B960494DF}">
-                <a14:hiddenLine xmlns:a14="http://schemas.microsoft.com/office/drawing/2010/main" xmlns="" w="9525">
+                <a14:hiddenLine xmlns="" xmlns:a14="http://schemas.microsoft.com/office/drawing/2010/main" w="9525">
                   <a:solidFill>
                     <a:srgbClr val="000000"/>
                   </a:solidFill>
@@ -4500,7 +4501,7 @@
             </a:ln>
             <a:extLst>
               <a:ext uri="{91240B29-F687-4f45-9708-019B960494DF}">
-                <a14:hiddenLine xmlns:a14="http://schemas.microsoft.com/office/drawing/2010/main" xmlns="" w="9525">
+                <a14:hiddenLine xmlns="" xmlns:a14="http://schemas.microsoft.com/office/drawing/2010/main" w="9525">
                   <a:solidFill>
                     <a:srgbClr val="000000"/>
                   </a:solidFill>
@@ -4562,7 +4563,7 @@
             </a:ln>
             <a:extLst>
               <a:ext uri="{91240B29-F687-4f45-9708-019B960494DF}">
-                <a14:hiddenLine xmlns:a14="http://schemas.microsoft.com/office/drawing/2010/main" xmlns="" w="9525">
+                <a14:hiddenLine xmlns="" xmlns:a14="http://schemas.microsoft.com/office/drawing/2010/main" w="9525">
                   <a:solidFill>
                     <a:srgbClr val="000000"/>
                   </a:solidFill>
@@ -4682,7 +4683,7 @@
             </a:ln>
             <a:extLst>
               <a:ext uri="{91240B29-F687-4f45-9708-019B960494DF}">
-                <a14:hiddenLine xmlns:a14="http://schemas.microsoft.com/office/drawing/2010/main" xmlns="" w="9525">
+                <a14:hiddenLine xmlns="" xmlns:a14="http://schemas.microsoft.com/office/drawing/2010/main" w="9525">
                   <a:solidFill>
                     <a:srgbClr val="000000"/>
                   </a:solidFill>
@@ -4750,7 +4751,7 @@
             </a:ln>
             <a:extLst>
               <a:ext uri="{91240B29-F687-4f45-9708-019B960494DF}">
-                <a14:hiddenLine xmlns:a14="http://schemas.microsoft.com/office/drawing/2010/main" xmlns="" w="9525">
+                <a14:hiddenLine xmlns="" xmlns:a14="http://schemas.microsoft.com/office/drawing/2010/main" w="9525">
                   <a:solidFill>
                     <a:srgbClr val="000000"/>
                   </a:solidFill>
@@ -4840,7 +4841,7 @@
             </a:ln>
             <a:extLst>
               <a:ext uri="{91240B29-F687-4f45-9708-019B960494DF}">
-                <a14:hiddenLine xmlns:a14="http://schemas.microsoft.com/office/drawing/2010/main" xmlns="" w="9525">
+                <a14:hiddenLine xmlns="" xmlns:a14="http://schemas.microsoft.com/office/drawing/2010/main" w="9525">
                   <a:solidFill>
                     <a:srgbClr val="000000"/>
                   </a:solidFill>
@@ -4980,7 +4981,7 @@
           <a:p>
             <a:fld id="{F2013DA0-1F4F-AB4D-BDD1-D00A0674F0E1}" type="datetime1">
               <a:rPr lang="en-US" smtClean="0"/>
-              <a:t>5/7/2019</a:t>
+              <a:t>5/8/2019</a:t>
             </a:fld>
             <a:endParaRPr lang="en-US" dirty="0"/>
           </a:p>
@@ -5246,7 +5247,7 @@
           <a:p>
             <a:fld id="{FB6A594E-BB04-5041-B9AF-1A359F91900A}" type="datetime1">
               <a:rPr lang="en-US" smtClean="0"/>
-              <a:t>5/7/2019</a:t>
+              <a:t>5/8/2019</a:t>
             </a:fld>
             <a:endParaRPr lang="en-US" dirty="0"/>
           </a:p>
@@ -5441,7 +5442,7 @@
           <a:p>
             <a:fld id="{52B70790-91F6-B745-84FF-98CA15555DC1}" type="datetime1">
               <a:rPr lang="en-US" smtClean="0"/>
-              <a:t>5/7/2019</a:t>
+              <a:t>5/8/2019</a:t>
             </a:fld>
             <a:endParaRPr lang="en-US" dirty="0"/>
           </a:p>
@@ -5703,7 +5704,7 @@
           <a:p>
             <a:fld id="{F67B41FC-EE4D-1D4D-9D95-4C287B4BD557}" type="datetime1">
               <a:rPr lang="en-US" smtClean="0"/>
-              <a:t>5/7/2019</a:t>
+              <a:t>5/8/2019</a:t>
             </a:fld>
             <a:endParaRPr lang="en-US" dirty="0"/>
           </a:p>
@@ -6136,7 +6137,7 @@
           <a:p>
             <a:fld id="{446FDBA9-3225-2C4C-B87B-E94789D4F2B1}" type="datetime1">
               <a:rPr lang="en-US" smtClean="0"/>
-              <a:t>5/7/2019</a:t>
+              <a:t>5/8/2019</a:t>
             </a:fld>
             <a:endParaRPr lang="en-US" dirty="0"/>
           </a:p>
@@ -6681,7 +6682,7 @@
           <a:p>
             <a:fld id="{4D426049-FF26-5F4F-826B-996E868A97EA}" type="datetime1">
               <a:rPr lang="en-US" smtClean="0"/>
-              <a:t>5/7/2019</a:t>
+              <a:t>5/8/2019</a:t>
             </a:fld>
             <a:endParaRPr lang="en-US" dirty="0"/>
           </a:p>
@@ -7400,7 +7401,7 @@
           <a:p>
             <a:fld id="{A12434B6-EDE0-B54B-AE80-56F81890B1C7}" type="datetime1">
               <a:rPr lang="en-US" smtClean="0"/>
-              <a:t>5/7/2019</a:t>
+              <a:t>5/8/2019</a:t>
             </a:fld>
             <a:endParaRPr lang="en-US" dirty="0"/>
           </a:p>
@@ -7569,7 +7570,7 @@
           <a:p>
             <a:fld id="{7C4A1F5E-E4E7-A14C-813C-DFA3BD6A4F00}" type="datetime1">
               <a:rPr lang="en-US" smtClean="0"/>
-              <a:t>5/7/2019</a:t>
+              <a:t>5/8/2019</a:t>
             </a:fld>
             <a:endParaRPr lang="en-US" dirty="0"/>
           </a:p>
@@ -7748,7 +7749,7 @@
           <a:p>
             <a:fld id="{2E7F1859-941F-6744-BC8A-698E2276CA4C}" type="datetime1">
               <a:rPr lang="en-US" smtClean="0"/>
-              <a:t>5/7/2019</a:t>
+              <a:t>5/8/2019</a:t>
             </a:fld>
             <a:endParaRPr lang="en-US" dirty="0"/>
           </a:p>
@@ -7917,7 +7918,7 @@
           <a:p>
             <a:fld id="{9DF3990C-9F6D-584A-95AA-C4DFD7FAB688}" type="datetime1">
               <a:rPr lang="en-US" smtClean="0"/>
-              <a:t>5/7/2019</a:t>
+              <a:t>5/8/2019</a:t>
             </a:fld>
             <a:endParaRPr lang="en-US" dirty="0"/>
           </a:p>
@@ -8166,7 +8167,7 @@
           <a:p>
             <a:fld id="{1773896B-B81B-5745-90A3-26E1F133B736}" type="datetime1">
               <a:rPr lang="en-US" smtClean="0"/>
-              <a:t>5/7/2019</a:t>
+              <a:t>5/8/2019</a:t>
             </a:fld>
             <a:endParaRPr lang="en-US" dirty="0"/>
           </a:p>
@@ -8397,7 +8398,7 @@
           <a:p>
             <a:fld id="{71993FAB-8060-E34E-A4FB-098198F777C3}" type="datetime1">
               <a:rPr lang="en-US" smtClean="0"/>
-              <a:t>5/7/2019</a:t>
+              <a:t>5/8/2019</a:t>
             </a:fld>
             <a:endParaRPr lang="en-US" dirty="0"/>
           </a:p>
@@ -8777,7 +8778,7 @@
           <a:p>
             <a:fld id="{3FC7D512-CDF9-2748-AB7C-5397C44DBDA2}" type="datetime1">
               <a:rPr lang="en-US" smtClean="0"/>
-              <a:t>5/7/2019</a:t>
+              <a:t>5/8/2019</a:t>
             </a:fld>
             <a:endParaRPr lang="en-US" dirty="0"/>
           </a:p>
@@ -8894,7 +8895,7 @@
           <a:p>
             <a:fld id="{33E0F903-F539-8643-B1F3-3D5A6FD64199}" type="datetime1">
               <a:rPr lang="en-US" smtClean="0"/>
-              <a:t>5/7/2019</a:t>
+              <a:t>5/8/2019</a:t>
             </a:fld>
             <a:endParaRPr lang="en-US" dirty="0"/>
           </a:p>
@@ -8988,7 +8989,7 @@
           <a:p>
             <a:fld id="{4B40FFB0-8061-D541-B15B-C4FFEBA5E29D}" type="datetime1">
               <a:rPr lang="en-US" smtClean="0"/>
-              <a:t>5/7/2019</a:t>
+              <a:t>5/8/2019</a:t>
             </a:fld>
             <a:endParaRPr lang="en-US" dirty="0"/>
           </a:p>
@@ -9236,7 +9237,7 @@
           <a:p>
             <a:fld id="{A5AFF6FA-B649-9849-BB6E-38175908BD1A}" type="datetime1">
               <a:rPr lang="en-US" smtClean="0"/>
-              <a:t>5/7/2019</a:t>
+              <a:t>5/8/2019</a:t>
             </a:fld>
             <a:endParaRPr lang="en-US" dirty="0"/>
           </a:p>
@@ -9515,7 +9516,7 @@
           <a:p>
             <a:fld id="{8B43E1AE-3C9F-1345-862B-C4968DED54CF}" type="datetime1">
               <a:rPr lang="en-US" smtClean="0"/>
-              <a:t>5/7/2019</a:t>
+              <a:t>5/8/2019</a:t>
             </a:fld>
             <a:endParaRPr lang="en-US" dirty="0"/>
           </a:p>
@@ -9637,7 +9638,7 @@
           <a:noFill/>
           <a:extLst>
             <a:ext uri="{909E8E84-426E-40dd-AFC4-6F175D3DCCD1}">
-              <a14:hiddenFill xmlns:a14="http://schemas.microsoft.com/office/drawing/2010/main" xmlns="">
+              <a14:hiddenFill xmlns="" xmlns:a14="http://schemas.microsoft.com/office/drawing/2010/main">
                 <a:solidFill>
                   <a:srgbClr val="FFFFFF"/>
                 </a:solidFill>
@@ -9711,7 +9712,7 @@
               </a:ln>
               <a:extLst>
                 <a:ext uri="{91240B29-F687-4f45-9708-019B960494DF}">
-                  <a14:hiddenLine xmlns:a14="http://schemas.microsoft.com/office/drawing/2010/main" xmlns="" w="9525">
+                  <a14:hiddenLine xmlns="" xmlns:a14="http://schemas.microsoft.com/office/drawing/2010/main" w="9525">
                     <a:solidFill>
                       <a:srgbClr val="000000"/>
                     </a:solidFill>
@@ -9801,7 +9802,7 @@
               </a:ln>
               <a:extLst>
                 <a:ext uri="{91240B29-F687-4f45-9708-019B960494DF}">
-                  <a14:hiddenLine xmlns:a14="http://schemas.microsoft.com/office/drawing/2010/main" xmlns="" w="9525">
+                  <a14:hiddenLine xmlns="" xmlns:a14="http://schemas.microsoft.com/office/drawing/2010/main" w="9525">
                     <a:solidFill>
                       <a:srgbClr val="000000"/>
                     </a:solidFill>
@@ -9891,7 +9892,7 @@
               </a:ln>
               <a:extLst>
                 <a:ext uri="{91240B29-F687-4f45-9708-019B960494DF}">
-                  <a14:hiddenLine xmlns:a14="http://schemas.microsoft.com/office/drawing/2010/main" xmlns="" w="9525">
+                  <a14:hiddenLine xmlns="" xmlns:a14="http://schemas.microsoft.com/office/drawing/2010/main" w="9525">
                     <a:solidFill>
                       <a:srgbClr val="000000"/>
                     </a:solidFill>
@@ -9953,7 +9954,7 @@
               </a:ln>
               <a:extLst>
                 <a:ext uri="{91240B29-F687-4f45-9708-019B960494DF}">
-                  <a14:hiddenLine xmlns:a14="http://schemas.microsoft.com/office/drawing/2010/main" xmlns="" w="9525">
+                  <a14:hiddenLine xmlns="" xmlns:a14="http://schemas.microsoft.com/office/drawing/2010/main" w="9525">
                     <a:solidFill>
                       <a:srgbClr val="000000"/>
                     </a:solidFill>
@@ -10043,7 +10044,7 @@
               </a:ln>
               <a:extLst>
                 <a:ext uri="{91240B29-F687-4f45-9708-019B960494DF}">
-                  <a14:hiddenLine xmlns:a14="http://schemas.microsoft.com/office/drawing/2010/main" xmlns="" w="9525">
+                  <a14:hiddenLine xmlns="" xmlns:a14="http://schemas.microsoft.com/office/drawing/2010/main" w="9525">
                     <a:solidFill>
                       <a:srgbClr val="000000"/>
                     </a:solidFill>
@@ -10105,7 +10106,7 @@
               </a:ln>
               <a:extLst>
                 <a:ext uri="{91240B29-F687-4f45-9708-019B960494DF}">
-                  <a14:hiddenLine xmlns:a14="http://schemas.microsoft.com/office/drawing/2010/main" xmlns="" w="9525">
+                  <a14:hiddenLine xmlns="" xmlns:a14="http://schemas.microsoft.com/office/drawing/2010/main" w="9525">
                     <a:solidFill>
                       <a:srgbClr val="000000"/>
                     </a:solidFill>
@@ -10167,7 +10168,7 @@
               </a:ln>
               <a:extLst>
                 <a:ext uri="{91240B29-F687-4f45-9708-019B960494DF}">
-                  <a14:hiddenLine xmlns:a14="http://schemas.microsoft.com/office/drawing/2010/main" xmlns="" w="9525">
+                  <a14:hiddenLine xmlns="" xmlns:a14="http://schemas.microsoft.com/office/drawing/2010/main" w="9525">
                     <a:solidFill>
                       <a:srgbClr val="000000"/>
                     </a:solidFill>
@@ -10257,7 +10258,7 @@
               </a:ln>
               <a:extLst>
                 <a:ext uri="{91240B29-F687-4f45-9708-019B960494DF}">
-                  <a14:hiddenLine xmlns:a14="http://schemas.microsoft.com/office/drawing/2010/main" xmlns="" w="9525">
+                  <a14:hiddenLine xmlns="" xmlns:a14="http://schemas.microsoft.com/office/drawing/2010/main" w="9525">
                     <a:solidFill>
                       <a:srgbClr val="000000"/>
                     </a:solidFill>
@@ -10347,7 +10348,7 @@
               </a:ln>
               <a:extLst>
                 <a:ext uri="{91240B29-F687-4f45-9708-019B960494DF}">
-                  <a14:hiddenLine xmlns:a14="http://schemas.microsoft.com/office/drawing/2010/main" xmlns="" w="9525">
+                  <a14:hiddenLine xmlns="" xmlns:a14="http://schemas.microsoft.com/office/drawing/2010/main" w="9525">
                     <a:solidFill>
                       <a:srgbClr val="000000"/>
                     </a:solidFill>
@@ -10409,7 +10410,7 @@
               </a:ln>
               <a:extLst>
                 <a:ext uri="{91240B29-F687-4f45-9708-019B960494DF}">
-                  <a14:hiddenLine xmlns:a14="http://schemas.microsoft.com/office/drawing/2010/main" xmlns="" w="9525">
+                  <a14:hiddenLine xmlns="" xmlns:a14="http://schemas.microsoft.com/office/drawing/2010/main" w="9525">
                     <a:solidFill>
                       <a:srgbClr val="000000"/>
                     </a:solidFill>
@@ -10519,7 +10520,7 @@
               </a:ln>
               <a:extLst>
                 <a:ext uri="{91240B29-F687-4f45-9708-019B960494DF}">
-                  <a14:hiddenLine xmlns:a14="http://schemas.microsoft.com/office/drawing/2010/main" xmlns="" w="9525">
+                  <a14:hiddenLine xmlns="" xmlns:a14="http://schemas.microsoft.com/office/drawing/2010/main" w="9525">
                     <a:solidFill>
                       <a:srgbClr val="000000"/>
                     </a:solidFill>
@@ -10603,7 +10604,7 @@
               </a:ln>
               <a:extLst>
                 <a:ext uri="{91240B29-F687-4f45-9708-019B960494DF}">
-                  <a14:hiddenLine xmlns:a14="http://schemas.microsoft.com/office/drawing/2010/main" xmlns="" w="9525">
+                  <a14:hiddenLine xmlns="" xmlns:a14="http://schemas.microsoft.com/office/drawing/2010/main" w="9525">
                     <a:solidFill>
                       <a:srgbClr val="000000"/>
                     </a:solidFill>
@@ -10665,7 +10666,7 @@
               </a:ln>
               <a:extLst>
                 <a:ext uri="{91240B29-F687-4f45-9708-019B960494DF}">
-                  <a14:hiddenLine xmlns:a14="http://schemas.microsoft.com/office/drawing/2010/main" xmlns="" w="9525">
+                  <a14:hiddenLine xmlns="" xmlns:a14="http://schemas.microsoft.com/office/drawing/2010/main" w="9525">
                     <a:solidFill>
                       <a:srgbClr val="000000"/>
                     </a:solidFill>
@@ -10727,7 +10728,7 @@
               </a:ln>
               <a:extLst>
                 <a:ext uri="{91240B29-F687-4f45-9708-019B960494DF}">
-                  <a14:hiddenLine xmlns:a14="http://schemas.microsoft.com/office/drawing/2010/main" xmlns="" w="9525">
+                  <a14:hiddenLine xmlns="" xmlns:a14="http://schemas.microsoft.com/office/drawing/2010/main" w="9525">
                     <a:solidFill>
                       <a:srgbClr val="000000"/>
                     </a:solidFill>
@@ -10817,7 +10818,7 @@
               </a:ln>
               <a:extLst>
                 <a:ext uri="{91240B29-F687-4f45-9708-019B960494DF}">
-                  <a14:hiddenLine xmlns:a14="http://schemas.microsoft.com/office/drawing/2010/main" xmlns="" w="9525">
+                  <a14:hiddenLine xmlns="" xmlns:a14="http://schemas.microsoft.com/office/drawing/2010/main" w="9525">
                     <a:solidFill>
                       <a:srgbClr val="000000"/>
                     </a:solidFill>
@@ -10851,7 +10852,7 @@
               </a:ln>
               <a:extLst>
                 <a:ext uri="{91240B29-F687-4f45-9708-019B960494DF}">
-                  <a14:hiddenLine xmlns:a14="http://schemas.microsoft.com/office/drawing/2010/main" xmlns="" w="9525">
+                  <a14:hiddenLine xmlns="" xmlns:a14="http://schemas.microsoft.com/office/drawing/2010/main" w="9525">
                     <a:solidFill>
                       <a:srgbClr val="000000"/>
                     </a:solidFill>
@@ -10916,7 +10917,7 @@
               </a:ln>
               <a:extLst>
                 <a:ext uri="{91240B29-F687-4f45-9708-019B960494DF}">
-                  <a14:hiddenLine xmlns:a14="http://schemas.microsoft.com/office/drawing/2010/main" xmlns="" w="9525">
+                  <a14:hiddenLine xmlns="" xmlns:a14="http://schemas.microsoft.com/office/drawing/2010/main" w="9525">
                     <a:solidFill>
                       <a:srgbClr val="000000"/>
                     </a:solidFill>
@@ -11006,7 +11007,7 @@
               </a:ln>
               <a:extLst>
                 <a:ext uri="{91240B29-F687-4f45-9708-019B960494DF}">
-                  <a14:hiddenLine xmlns:a14="http://schemas.microsoft.com/office/drawing/2010/main" xmlns="" w="9525">
+                  <a14:hiddenLine xmlns="" xmlns:a14="http://schemas.microsoft.com/office/drawing/2010/main" w="9525">
                     <a:solidFill>
                       <a:srgbClr val="000000"/>
                     </a:solidFill>
@@ -11068,7 +11069,7 @@
               </a:ln>
               <a:extLst>
                 <a:ext uri="{91240B29-F687-4f45-9708-019B960494DF}">
-                  <a14:hiddenLine xmlns:a14="http://schemas.microsoft.com/office/drawing/2010/main" xmlns="" w="9525">
+                  <a14:hiddenLine xmlns="" xmlns:a14="http://schemas.microsoft.com/office/drawing/2010/main" w="9525">
                     <a:solidFill>
                       <a:srgbClr val="000000"/>
                     </a:solidFill>
@@ -11158,7 +11159,7 @@
               </a:ln>
               <a:extLst>
                 <a:ext uri="{91240B29-F687-4f45-9708-019B960494DF}">
-                  <a14:hiddenLine xmlns:a14="http://schemas.microsoft.com/office/drawing/2010/main" xmlns="" w="9525">
+                  <a14:hiddenLine xmlns="" xmlns:a14="http://schemas.microsoft.com/office/drawing/2010/main" w="9525">
                     <a:solidFill>
                       <a:srgbClr val="000000"/>
                     </a:solidFill>
@@ -11223,7 +11224,7 @@
               </a:ln>
               <a:extLst>
                 <a:ext uri="{91240B29-F687-4f45-9708-019B960494DF}">
-                  <a14:hiddenLine xmlns:a14="http://schemas.microsoft.com/office/drawing/2010/main" xmlns="" w="9525">
+                  <a14:hiddenLine xmlns="" xmlns:a14="http://schemas.microsoft.com/office/drawing/2010/main" w="9525">
                     <a:solidFill>
                       <a:srgbClr val="000000"/>
                     </a:solidFill>
@@ -11285,7 +11286,7 @@
               </a:ln>
               <a:extLst>
                 <a:ext uri="{91240B29-F687-4f45-9708-019B960494DF}">
-                  <a14:hiddenLine xmlns:a14="http://schemas.microsoft.com/office/drawing/2010/main" xmlns="" w="9525">
+                  <a14:hiddenLine xmlns="" xmlns:a14="http://schemas.microsoft.com/office/drawing/2010/main" w="9525">
                     <a:solidFill>
                       <a:srgbClr val="000000"/>
                     </a:solidFill>
@@ -11375,7 +11376,7 @@
               </a:ln>
               <a:extLst>
                 <a:ext uri="{91240B29-F687-4f45-9708-019B960494DF}">
-                  <a14:hiddenLine xmlns:a14="http://schemas.microsoft.com/office/drawing/2010/main" xmlns="" w="9525">
+                  <a14:hiddenLine xmlns="" xmlns:a14="http://schemas.microsoft.com/office/drawing/2010/main" w="9525">
                     <a:solidFill>
                       <a:srgbClr val="000000"/>
                     </a:solidFill>
@@ -11465,7 +11466,7 @@
               </a:ln>
               <a:extLst>
                 <a:ext uri="{91240B29-F687-4f45-9708-019B960494DF}">
-                  <a14:hiddenLine xmlns:a14="http://schemas.microsoft.com/office/drawing/2010/main" xmlns="" w="9525">
+                  <a14:hiddenLine xmlns="" xmlns:a14="http://schemas.microsoft.com/office/drawing/2010/main" w="9525">
                     <a:solidFill>
                       <a:srgbClr val="000000"/>
                     </a:solidFill>
@@ -11530,7 +11531,7 @@
               </a:ln>
               <a:extLst>
                 <a:ext uri="{91240B29-F687-4f45-9708-019B960494DF}">
-                  <a14:hiddenLine xmlns:a14="http://schemas.microsoft.com/office/drawing/2010/main" xmlns="" w="9525">
+                  <a14:hiddenLine xmlns="" xmlns:a14="http://schemas.microsoft.com/office/drawing/2010/main" w="9525">
                     <a:solidFill>
                       <a:srgbClr val="000000"/>
                     </a:solidFill>
@@ -11650,7 +11651,7 @@
               </a:ln>
               <a:extLst>
                 <a:ext uri="{91240B29-F687-4f45-9708-019B960494DF}">
-                  <a14:hiddenLine xmlns:a14="http://schemas.microsoft.com/office/drawing/2010/main" xmlns="" w="9525">
+                  <a14:hiddenLine xmlns="" xmlns:a14="http://schemas.microsoft.com/office/drawing/2010/main" w="9525">
                     <a:solidFill>
                       <a:srgbClr val="000000"/>
                     </a:solidFill>
@@ -11731,7 +11732,7 @@
               </a:ln>
               <a:extLst>
                 <a:ext uri="{91240B29-F687-4f45-9708-019B960494DF}">
-                  <a14:hiddenLine xmlns:a14="http://schemas.microsoft.com/office/drawing/2010/main" xmlns="" w="9525">
+                  <a14:hiddenLine xmlns="" xmlns:a14="http://schemas.microsoft.com/office/drawing/2010/main" w="9525">
                     <a:solidFill>
                       <a:srgbClr val="000000"/>
                     </a:solidFill>
@@ -11846,7 +11847,7 @@
               </a:ln>
               <a:extLst>
                 <a:ext uri="{91240B29-F687-4f45-9708-019B960494DF}">
-                  <a14:hiddenLine xmlns:a14="http://schemas.microsoft.com/office/drawing/2010/main" xmlns="" w="9525">
+                  <a14:hiddenLine xmlns="" xmlns:a14="http://schemas.microsoft.com/office/drawing/2010/main" w="9525">
                     <a:solidFill>
                       <a:srgbClr val="000000"/>
                     </a:solidFill>
@@ -11936,7 +11937,7 @@
               </a:ln>
               <a:extLst>
                 <a:ext uri="{91240B29-F687-4f45-9708-019B960494DF}">
-                  <a14:hiddenLine xmlns:a14="http://schemas.microsoft.com/office/drawing/2010/main" xmlns="" w="9525">
+                  <a14:hiddenLine xmlns="" xmlns:a14="http://schemas.microsoft.com/office/drawing/2010/main" w="9525">
                     <a:solidFill>
                       <a:srgbClr val="000000"/>
                     </a:solidFill>
@@ -12001,7 +12002,7 @@
               </a:ln>
               <a:extLst>
                 <a:ext uri="{91240B29-F687-4f45-9708-019B960494DF}">
-                  <a14:hiddenLine xmlns:a14="http://schemas.microsoft.com/office/drawing/2010/main" xmlns="" w="9525">
+                  <a14:hiddenLine xmlns="" xmlns:a14="http://schemas.microsoft.com/office/drawing/2010/main" w="9525">
                     <a:solidFill>
                       <a:srgbClr val="000000"/>
                     </a:solidFill>
@@ -12091,7 +12092,7 @@
               </a:ln>
               <a:extLst>
                 <a:ext uri="{91240B29-F687-4f45-9708-019B960494DF}">
-                  <a14:hiddenLine xmlns:a14="http://schemas.microsoft.com/office/drawing/2010/main" xmlns="" w="9525">
+                  <a14:hiddenLine xmlns="" xmlns:a14="http://schemas.microsoft.com/office/drawing/2010/main" w="9525">
                     <a:solidFill>
                       <a:srgbClr val="000000"/>
                     </a:solidFill>
@@ -12159,7 +12160,7 @@
               </a:ln>
               <a:extLst>
                 <a:ext uri="{91240B29-F687-4f45-9708-019B960494DF}">
-                  <a14:hiddenLine xmlns:a14="http://schemas.microsoft.com/office/drawing/2010/main" xmlns="" w="9525">
+                  <a14:hiddenLine xmlns="" xmlns:a14="http://schemas.microsoft.com/office/drawing/2010/main" w="9525">
                     <a:solidFill>
                       <a:srgbClr val="000000"/>
                     </a:solidFill>
@@ -12249,7 +12250,7 @@
               </a:ln>
               <a:extLst>
                 <a:ext uri="{91240B29-F687-4f45-9708-019B960494DF}">
-                  <a14:hiddenLine xmlns:a14="http://schemas.microsoft.com/office/drawing/2010/main" xmlns="" w="9525">
+                  <a14:hiddenLine xmlns="" xmlns:a14="http://schemas.microsoft.com/office/drawing/2010/main" w="9525">
                     <a:solidFill>
                       <a:srgbClr val="000000"/>
                     </a:solidFill>
@@ -12317,7 +12318,7 @@
               </a:ln>
               <a:extLst>
                 <a:ext uri="{91240B29-F687-4f45-9708-019B960494DF}">
-                  <a14:hiddenLine xmlns:a14="http://schemas.microsoft.com/office/drawing/2010/main" xmlns="" w="9525">
+                  <a14:hiddenLine xmlns="" xmlns:a14="http://schemas.microsoft.com/office/drawing/2010/main" w="9525">
                     <a:solidFill>
                       <a:srgbClr val="000000"/>
                     </a:solidFill>
@@ -12407,7 +12408,7 @@
               </a:ln>
               <a:extLst>
                 <a:ext uri="{91240B29-F687-4f45-9708-019B960494DF}">
-                  <a14:hiddenLine xmlns:a14="http://schemas.microsoft.com/office/drawing/2010/main" xmlns="" w="9525">
+                  <a14:hiddenLine xmlns="" xmlns:a14="http://schemas.microsoft.com/office/drawing/2010/main" w="9525">
                     <a:solidFill>
                       <a:srgbClr val="000000"/>
                     </a:solidFill>
@@ -12441,7 +12442,7 @@
               </a:ln>
               <a:extLst>
                 <a:ext uri="{91240B29-F687-4f45-9708-019B960494DF}">
-                  <a14:hiddenLine xmlns:a14="http://schemas.microsoft.com/office/drawing/2010/main" xmlns="" w="9525">
+                  <a14:hiddenLine xmlns="" xmlns:a14="http://schemas.microsoft.com/office/drawing/2010/main" w="9525">
                     <a:solidFill>
                       <a:srgbClr val="000000"/>
                     </a:solidFill>
@@ -12581,7 +12582,7 @@
           <a:p>
             <a:fld id="{2C8EFD19-4979-9245-B20B-91CE25B8D0D8}" type="datetime1">
               <a:rPr lang="en-US" smtClean="0"/>
-              <a:t>5/7/2019</a:t>
+              <a:t>5/8/2019</a:t>
             </a:fld>
             <a:endParaRPr lang="en-US" dirty="0"/>
           </a:p>
@@ -16004,7 +16005,7 @@
             <a:noFill/>
             <a:extLst>
               <a:ext uri="{909E8E84-426E-40dd-AFC4-6F175D3DCCD1}">
-                <a14:hiddenFill xmlns:p14="http://schemas.microsoft.com/office/powerpoint/2010/main" xmlns:a14="http://schemas.microsoft.com/office/drawing/2010/main" xmlns:a16="http://schemas.microsoft.com/office/drawing/2014/main" xmlns="">
+                <a14:hiddenFill xmlns="" xmlns:a16="http://schemas.microsoft.com/office/drawing/2014/main" xmlns:a14="http://schemas.microsoft.com/office/drawing/2010/main" xmlns:p14="http://schemas.microsoft.com/office/powerpoint/2010/main">
                   <a:solidFill>
                     <a:srgbClr val="FFFFFF"/>
                   </a:solidFill>
@@ -16124,7 +16125,7 @@
             </a:ln>
             <a:extLst>
               <a:ext uri="{91240B29-F687-4f45-9708-019B960494DF}">
-                <a14:hiddenLine xmlns:p14="http://schemas.microsoft.com/office/powerpoint/2010/main" xmlns:a14="http://schemas.microsoft.com/office/drawing/2010/main" xmlns:a16="http://schemas.microsoft.com/office/drawing/2014/main" xmlns="" w="9525">
+                <a14:hiddenLine xmlns="" xmlns:a16="http://schemas.microsoft.com/office/drawing/2014/main" xmlns:a14="http://schemas.microsoft.com/office/drawing/2010/main" xmlns:p14="http://schemas.microsoft.com/office/powerpoint/2010/main" w="9525">
                   <a:solidFill>
                     <a:srgbClr val="000000"/>
                   </a:solidFill>
@@ -16229,7 +16230,7 @@
             </a:ln>
             <a:extLst>
               <a:ext uri="{91240B29-F687-4f45-9708-019B960494DF}">
-                <a14:hiddenLine xmlns:p14="http://schemas.microsoft.com/office/powerpoint/2010/main" xmlns:a14="http://schemas.microsoft.com/office/drawing/2010/main" xmlns:a16="http://schemas.microsoft.com/office/drawing/2014/main" xmlns="" w="9525">
+                <a14:hiddenLine xmlns="" xmlns:a16="http://schemas.microsoft.com/office/drawing/2014/main" xmlns:a14="http://schemas.microsoft.com/office/drawing/2010/main" xmlns:p14="http://schemas.microsoft.com/office/powerpoint/2010/main" w="9525">
                   <a:solidFill>
                     <a:srgbClr val="000000"/>
                   </a:solidFill>
@@ -16334,7 +16335,7 @@
             </a:ln>
             <a:extLst>
               <a:ext uri="{91240B29-F687-4f45-9708-019B960494DF}">
-                <a14:hiddenLine xmlns:p14="http://schemas.microsoft.com/office/powerpoint/2010/main" xmlns:a14="http://schemas.microsoft.com/office/drawing/2010/main" xmlns:a16="http://schemas.microsoft.com/office/drawing/2014/main" xmlns="" w="9525">
+                <a14:hiddenLine xmlns="" xmlns:a16="http://schemas.microsoft.com/office/drawing/2014/main" xmlns:a14="http://schemas.microsoft.com/office/drawing/2010/main" xmlns:p14="http://schemas.microsoft.com/office/powerpoint/2010/main" w="9525">
                   <a:solidFill>
                     <a:srgbClr val="000000"/>
                   </a:solidFill>
@@ -16383,7 +16384,7 @@
             </a:ln>
             <a:extLst>
               <a:ext uri="{91240B29-F687-4f45-9708-019B960494DF}">
-                <a14:hiddenLine xmlns:p14="http://schemas.microsoft.com/office/powerpoint/2010/main" xmlns:a14="http://schemas.microsoft.com/office/drawing/2010/main" xmlns:a16="http://schemas.microsoft.com/office/drawing/2014/main" xmlns="" w="9525">
+                <a14:hiddenLine xmlns="" xmlns:a16="http://schemas.microsoft.com/office/drawing/2014/main" xmlns:a14="http://schemas.microsoft.com/office/drawing/2010/main" xmlns:p14="http://schemas.microsoft.com/office/powerpoint/2010/main" w="9525">
                   <a:solidFill>
                     <a:srgbClr val="000000"/>
                   </a:solidFill>
@@ -16488,7 +16489,7 @@
             </a:ln>
             <a:extLst>
               <a:ext uri="{91240B29-F687-4f45-9708-019B960494DF}">
-                <a14:hiddenLine xmlns:p14="http://schemas.microsoft.com/office/powerpoint/2010/main" xmlns:a14="http://schemas.microsoft.com/office/drawing/2010/main" xmlns:a16="http://schemas.microsoft.com/office/drawing/2014/main" xmlns="" w="9525">
+                <a14:hiddenLine xmlns="" xmlns:a16="http://schemas.microsoft.com/office/drawing/2014/main" xmlns:a14="http://schemas.microsoft.com/office/drawing/2010/main" xmlns:p14="http://schemas.microsoft.com/office/powerpoint/2010/main" w="9525">
                   <a:solidFill>
                     <a:srgbClr val="000000"/>
                   </a:solidFill>
@@ -16565,7 +16566,7 @@
             </a:ln>
             <a:extLst>
               <a:ext uri="{91240B29-F687-4f45-9708-019B960494DF}">
-                <a14:hiddenLine xmlns:p14="http://schemas.microsoft.com/office/powerpoint/2010/main" xmlns:a14="http://schemas.microsoft.com/office/drawing/2010/main" xmlns:a16="http://schemas.microsoft.com/office/drawing/2014/main" xmlns="" w="9525">
+                <a14:hiddenLine xmlns="" xmlns:a16="http://schemas.microsoft.com/office/drawing/2014/main" xmlns:a14="http://schemas.microsoft.com/office/drawing/2010/main" xmlns:p14="http://schemas.microsoft.com/office/powerpoint/2010/main" w="9525">
                   <a:solidFill>
                     <a:srgbClr val="000000"/>
                   </a:solidFill>
@@ -16642,7 +16643,7 @@
             </a:ln>
             <a:extLst>
               <a:ext uri="{91240B29-F687-4f45-9708-019B960494DF}">
-                <a14:hiddenLine xmlns:p14="http://schemas.microsoft.com/office/powerpoint/2010/main" xmlns:a14="http://schemas.microsoft.com/office/drawing/2010/main" xmlns:a16="http://schemas.microsoft.com/office/drawing/2014/main" xmlns="" w="9525">
+                <a14:hiddenLine xmlns="" xmlns:a16="http://schemas.microsoft.com/office/drawing/2014/main" xmlns:a14="http://schemas.microsoft.com/office/drawing/2010/main" xmlns:p14="http://schemas.microsoft.com/office/powerpoint/2010/main" w="9525">
                   <a:solidFill>
                     <a:srgbClr val="000000"/>
                   </a:solidFill>
@@ -16747,7 +16748,7 @@
             </a:ln>
             <a:extLst>
               <a:ext uri="{91240B29-F687-4f45-9708-019B960494DF}">
-                <a14:hiddenLine xmlns:p14="http://schemas.microsoft.com/office/powerpoint/2010/main" xmlns:a14="http://schemas.microsoft.com/office/drawing/2010/main" xmlns:a16="http://schemas.microsoft.com/office/drawing/2014/main" xmlns="" w="9525">
+                <a14:hiddenLine xmlns="" xmlns:a16="http://schemas.microsoft.com/office/drawing/2014/main" xmlns:a14="http://schemas.microsoft.com/office/drawing/2010/main" xmlns:p14="http://schemas.microsoft.com/office/powerpoint/2010/main" w="9525">
                   <a:solidFill>
                     <a:srgbClr val="000000"/>
                   </a:solidFill>
@@ -16824,7 +16825,7 @@
             </a:ln>
             <a:extLst>
               <a:ext uri="{91240B29-F687-4f45-9708-019B960494DF}">
-                <a14:hiddenLine xmlns:p14="http://schemas.microsoft.com/office/powerpoint/2010/main" xmlns:a14="http://schemas.microsoft.com/office/drawing/2010/main" xmlns:a16="http://schemas.microsoft.com/office/drawing/2014/main" xmlns="" w="9525">
+                <a14:hiddenLine xmlns="" xmlns:a16="http://schemas.microsoft.com/office/drawing/2014/main" xmlns:a14="http://schemas.microsoft.com/office/drawing/2010/main" xmlns:p14="http://schemas.microsoft.com/office/powerpoint/2010/main" w="9525">
                   <a:solidFill>
                     <a:srgbClr val="000000"/>
                   </a:solidFill>
@@ -16901,7 +16902,7 @@
             </a:ln>
             <a:extLst>
               <a:ext uri="{91240B29-F687-4f45-9708-019B960494DF}">
-                <a14:hiddenLine xmlns:p14="http://schemas.microsoft.com/office/powerpoint/2010/main" xmlns:a14="http://schemas.microsoft.com/office/drawing/2010/main" xmlns:a16="http://schemas.microsoft.com/office/drawing/2014/main" xmlns="" w="9525">
+                <a14:hiddenLine xmlns="" xmlns:a16="http://schemas.microsoft.com/office/drawing/2014/main" xmlns:a14="http://schemas.microsoft.com/office/drawing/2010/main" xmlns:p14="http://schemas.microsoft.com/office/powerpoint/2010/main" w="9525">
                   <a:solidFill>
                     <a:srgbClr val="000000"/>
                   </a:solidFill>
@@ -17006,7 +17007,7 @@
             </a:ln>
             <a:extLst>
               <a:ext uri="{91240B29-F687-4f45-9708-019B960494DF}">
-                <a14:hiddenLine xmlns:p14="http://schemas.microsoft.com/office/powerpoint/2010/main" xmlns:a14="http://schemas.microsoft.com/office/drawing/2010/main" xmlns:a16="http://schemas.microsoft.com/office/drawing/2014/main" xmlns="" w="9525">
+                <a14:hiddenLine xmlns="" xmlns:a16="http://schemas.microsoft.com/office/drawing/2014/main" xmlns:a14="http://schemas.microsoft.com/office/drawing/2010/main" xmlns:p14="http://schemas.microsoft.com/office/powerpoint/2010/main" w="9525">
                   <a:solidFill>
                     <a:srgbClr val="000000"/>
                   </a:solidFill>
@@ -17111,7 +17112,7 @@
             </a:ln>
             <a:extLst>
               <a:ext uri="{91240B29-F687-4f45-9708-019B960494DF}">
-                <a14:hiddenLine xmlns:p14="http://schemas.microsoft.com/office/powerpoint/2010/main" xmlns:a14="http://schemas.microsoft.com/office/drawing/2010/main" xmlns:a16="http://schemas.microsoft.com/office/drawing/2014/main" xmlns="" w="9525">
+                <a14:hiddenLine xmlns="" xmlns:a16="http://schemas.microsoft.com/office/drawing/2014/main" xmlns:a14="http://schemas.microsoft.com/office/drawing/2010/main" xmlns:p14="http://schemas.microsoft.com/office/powerpoint/2010/main" w="9525">
                   <a:solidFill>
                     <a:srgbClr val="000000"/>
                   </a:solidFill>
@@ -17188,7 +17189,7 @@
             </a:ln>
             <a:extLst>
               <a:ext uri="{91240B29-F687-4f45-9708-019B960494DF}">
-                <a14:hiddenLine xmlns:p14="http://schemas.microsoft.com/office/powerpoint/2010/main" xmlns:a14="http://schemas.microsoft.com/office/drawing/2010/main" xmlns:a16="http://schemas.microsoft.com/office/drawing/2014/main" xmlns="" w="9525">
+                <a14:hiddenLine xmlns="" xmlns:a16="http://schemas.microsoft.com/office/drawing/2014/main" xmlns:a14="http://schemas.microsoft.com/office/drawing/2010/main" xmlns:p14="http://schemas.microsoft.com/office/powerpoint/2010/main" w="9525">
                   <a:solidFill>
                     <a:srgbClr val="000000"/>
                   </a:solidFill>
@@ -17313,7 +17314,7 @@
             </a:ln>
             <a:extLst>
               <a:ext uri="{91240B29-F687-4f45-9708-019B960494DF}">
-                <a14:hiddenLine xmlns:p14="http://schemas.microsoft.com/office/powerpoint/2010/main" xmlns:a14="http://schemas.microsoft.com/office/drawing/2010/main" xmlns:a16="http://schemas.microsoft.com/office/drawing/2014/main" xmlns="" w="9525">
+                <a14:hiddenLine xmlns="" xmlns:a16="http://schemas.microsoft.com/office/drawing/2014/main" xmlns:a14="http://schemas.microsoft.com/office/drawing/2010/main" xmlns:p14="http://schemas.microsoft.com/office/powerpoint/2010/main" w="9525">
                   <a:solidFill>
                     <a:srgbClr val="000000"/>
                   </a:solidFill>
@@ -17390,7 +17391,7 @@
             </a:ln>
             <a:extLst>
               <a:ext uri="{91240B29-F687-4f45-9708-019B960494DF}">
-                <a14:hiddenLine xmlns:p14="http://schemas.microsoft.com/office/powerpoint/2010/main" xmlns:a14="http://schemas.microsoft.com/office/drawing/2010/main" xmlns:a16="http://schemas.microsoft.com/office/drawing/2014/main" xmlns="" w="9525">
+                <a14:hiddenLine xmlns="" xmlns:a16="http://schemas.microsoft.com/office/drawing/2014/main" xmlns:a14="http://schemas.microsoft.com/office/drawing/2010/main" xmlns:p14="http://schemas.microsoft.com/office/powerpoint/2010/main" w="9525">
                   <a:solidFill>
                     <a:srgbClr val="000000"/>
                   </a:solidFill>
@@ -17495,7 +17496,7 @@
             </a:ln>
             <a:extLst>
               <a:ext uri="{91240B29-F687-4f45-9708-019B960494DF}">
-                <a14:hiddenLine xmlns:p14="http://schemas.microsoft.com/office/powerpoint/2010/main" xmlns:a14="http://schemas.microsoft.com/office/drawing/2010/main" xmlns:a16="http://schemas.microsoft.com/office/drawing/2014/main" xmlns="" w="9525">
+                <a14:hiddenLine xmlns="" xmlns:a16="http://schemas.microsoft.com/office/drawing/2014/main" xmlns:a14="http://schemas.microsoft.com/office/drawing/2010/main" xmlns:p14="http://schemas.microsoft.com/office/powerpoint/2010/main" w="9525">
                   <a:solidFill>
                     <a:srgbClr val="000000"/>
                   </a:solidFill>
@@ -17600,7 +17601,7 @@
             </a:ln>
             <a:extLst>
               <a:ext uri="{91240B29-F687-4f45-9708-019B960494DF}">
-                <a14:hiddenLine xmlns:p14="http://schemas.microsoft.com/office/powerpoint/2010/main" xmlns:a14="http://schemas.microsoft.com/office/drawing/2010/main" xmlns:a16="http://schemas.microsoft.com/office/drawing/2014/main" xmlns="" w="9525">
+                <a14:hiddenLine xmlns="" xmlns:a16="http://schemas.microsoft.com/office/drawing/2014/main" xmlns:a14="http://schemas.microsoft.com/office/drawing/2010/main" xmlns:p14="http://schemas.microsoft.com/office/powerpoint/2010/main" w="9525">
                   <a:solidFill>
                     <a:srgbClr val="000000"/>
                   </a:solidFill>
@@ -17677,7 +17678,7 @@
             </a:ln>
             <a:extLst>
               <a:ext uri="{91240B29-F687-4f45-9708-019B960494DF}">
-                <a14:hiddenLine xmlns:p14="http://schemas.microsoft.com/office/powerpoint/2010/main" xmlns:a14="http://schemas.microsoft.com/office/drawing/2010/main" xmlns:a16="http://schemas.microsoft.com/office/drawing/2014/main" xmlns="" w="9525">
+                <a14:hiddenLine xmlns="" xmlns:a16="http://schemas.microsoft.com/office/drawing/2014/main" xmlns:a14="http://schemas.microsoft.com/office/drawing/2010/main" xmlns:p14="http://schemas.microsoft.com/office/powerpoint/2010/main" w="9525">
                   <a:solidFill>
                     <a:srgbClr val="000000"/>
                   </a:solidFill>
@@ -17782,7 +17783,7 @@
             </a:ln>
             <a:extLst>
               <a:ext uri="{91240B29-F687-4f45-9708-019B960494DF}">
-                <a14:hiddenLine xmlns:p14="http://schemas.microsoft.com/office/powerpoint/2010/main" xmlns:a14="http://schemas.microsoft.com/office/drawing/2010/main" xmlns:a16="http://schemas.microsoft.com/office/drawing/2014/main" xmlns="" w="9525">
+                <a14:hiddenLine xmlns="" xmlns:a16="http://schemas.microsoft.com/office/drawing/2014/main" xmlns:a14="http://schemas.microsoft.com/office/drawing/2010/main" xmlns:p14="http://schemas.microsoft.com/office/powerpoint/2010/main" w="9525">
                   <a:solidFill>
                     <a:srgbClr val="000000"/>
                   </a:solidFill>
@@ -17887,7 +17888,7 @@
             </a:ln>
             <a:extLst>
               <a:ext uri="{91240B29-F687-4f45-9708-019B960494DF}">
-                <a14:hiddenLine xmlns:p14="http://schemas.microsoft.com/office/powerpoint/2010/main" xmlns:a14="http://schemas.microsoft.com/office/drawing/2010/main" xmlns:a16="http://schemas.microsoft.com/office/drawing/2014/main" xmlns="" w="9525">
+                <a14:hiddenLine xmlns="" xmlns:a16="http://schemas.microsoft.com/office/drawing/2014/main" xmlns:a14="http://schemas.microsoft.com/office/drawing/2010/main" xmlns:p14="http://schemas.microsoft.com/office/powerpoint/2010/main" w="9525">
                   <a:solidFill>
                     <a:srgbClr val="000000"/>
                   </a:solidFill>
@@ -17958,7 +17959,7 @@
             </a:ln>
             <a:extLst>
               <a:ext uri="{91240B29-F687-4f45-9708-019B960494DF}">
-                <a14:hiddenLine xmlns:p14="http://schemas.microsoft.com/office/powerpoint/2010/main" xmlns:a14="http://schemas.microsoft.com/office/drawing/2010/main" xmlns:a16="http://schemas.microsoft.com/office/drawing/2014/main" xmlns="" w="9525">
+                <a14:hiddenLine xmlns="" xmlns:a16="http://schemas.microsoft.com/office/drawing/2014/main" xmlns:a14="http://schemas.microsoft.com/office/drawing/2010/main" xmlns:p14="http://schemas.microsoft.com/office/powerpoint/2010/main" w="9525">
                   <a:solidFill>
                     <a:srgbClr val="000000"/>
                   </a:solidFill>
@@ -18063,7 +18064,7 @@
             </a:ln>
             <a:extLst>
               <a:ext uri="{91240B29-F687-4f45-9708-019B960494DF}">
-                <a14:hiddenLine xmlns:p14="http://schemas.microsoft.com/office/powerpoint/2010/main" xmlns:a14="http://schemas.microsoft.com/office/drawing/2010/main" xmlns:a16="http://schemas.microsoft.com/office/drawing/2014/main" xmlns="" w="9525">
+                <a14:hiddenLine xmlns="" xmlns:a16="http://schemas.microsoft.com/office/drawing/2014/main" xmlns:a14="http://schemas.microsoft.com/office/drawing/2010/main" xmlns:p14="http://schemas.microsoft.com/office/powerpoint/2010/main" w="9525">
                   <a:solidFill>
                     <a:srgbClr val="000000"/>
                   </a:solidFill>
@@ -18134,7 +18135,7 @@
             </a:ln>
             <a:extLst>
               <a:ext uri="{91240B29-F687-4f45-9708-019B960494DF}">
-                <a14:hiddenLine xmlns:p14="http://schemas.microsoft.com/office/powerpoint/2010/main" xmlns:a14="http://schemas.microsoft.com/office/drawing/2010/main" xmlns:a16="http://schemas.microsoft.com/office/drawing/2014/main" xmlns="" w="9525">
+                <a14:hiddenLine xmlns="" xmlns:a16="http://schemas.microsoft.com/office/drawing/2014/main" xmlns:a14="http://schemas.microsoft.com/office/drawing/2010/main" xmlns:p14="http://schemas.microsoft.com/office/powerpoint/2010/main" w="9525">
                   <a:solidFill>
                     <a:srgbClr val="000000"/>
                   </a:solidFill>
@@ -18239,7 +18240,7 @@
             </a:ln>
             <a:extLst>
               <a:ext uri="{91240B29-F687-4f45-9708-019B960494DF}">
-                <a14:hiddenLine xmlns:p14="http://schemas.microsoft.com/office/powerpoint/2010/main" xmlns:a14="http://schemas.microsoft.com/office/drawing/2010/main" xmlns:a16="http://schemas.microsoft.com/office/drawing/2014/main" xmlns="" w="9525">
+                <a14:hiddenLine xmlns="" xmlns:a16="http://schemas.microsoft.com/office/drawing/2014/main" xmlns:a14="http://schemas.microsoft.com/office/drawing/2010/main" xmlns:p14="http://schemas.microsoft.com/office/powerpoint/2010/main" w="9525">
                   <a:solidFill>
                     <a:srgbClr val="000000"/>
                   </a:solidFill>
@@ -18322,7 +18323,7 @@
             </a:ln>
             <a:extLst>
               <a:ext uri="{91240B29-F687-4f45-9708-019B960494DF}">
-                <a14:hiddenLine xmlns:p14="http://schemas.microsoft.com/office/powerpoint/2010/main" xmlns:a14="http://schemas.microsoft.com/office/drawing/2010/main" xmlns:a16="http://schemas.microsoft.com/office/drawing/2014/main" xmlns="" w="9525">
+                <a14:hiddenLine xmlns="" xmlns:a16="http://schemas.microsoft.com/office/drawing/2014/main" xmlns:a14="http://schemas.microsoft.com/office/drawing/2010/main" xmlns:p14="http://schemas.microsoft.com/office/powerpoint/2010/main" w="9525">
                   <a:solidFill>
                     <a:srgbClr val="000000"/>
                   </a:solidFill>
@@ -18427,7 +18428,7 @@
             </a:ln>
             <a:extLst>
               <a:ext uri="{91240B29-F687-4f45-9708-019B960494DF}">
-                <a14:hiddenLine xmlns:p14="http://schemas.microsoft.com/office/powerpoint/2010/main" xmlns:a14="http://schemas.microsoft.com/office/drawing/2010/main" xmlns:a16="http://schemas.microsoft.com/office/drawing/2014/main" xmlns="" w="9525">
+                <a14:hiddenLine xmlns="" xmlns:a16="http://schemas.microsoft.com/office/drawing/2014/main" xmlns:a14="http://schemas.microsoft.com/office/drawing/2010/main" xmlns:p14="http://schemas.microsoft.com/office/powerpoint/2010/main" w="9525">
                   <a:solidFill>
                     <a:srgbClr val="000000"/>
                   </a:solidFill>
@@ -18510,7 +18511,7 @@
             </a:ln>
             <a:extLst>
               <a:ext uri="{91240B29-F687-4f45-9708-019B960494DF}">
-                <a14:hiddenLine xmlns:p14="http://schemas.microsoft.com/office/powerpoint/2010/main" xmlns:a14="http://schemas.microsoft.com/office/drawing/2010/main" xmlns:a16="http://schemas.microsoft.com/office/drawing/2014/main" xmlns="" w="9525">
+                <a14:hiddenLine xmlns="" xmlns:a16="http://schemas.microsoft.com/office/drawing/2014/main" xmlns:a14="http://schemas.microsoft.com/office/drawing/2010/main" xmlns:p14="http://schemas.microsoft.com/office/powerpoint/2010/main" w="9525">
                   <a:solidFill>
                     <a:srgbClr val="000000"/>
                   </a:solidFill>
@@ -18615,7 +18616,7 @@
             </a:ln>
             <a:extLst>
               <a:ext uri="{91240B29-F687-4f45-9708-019B960494DF}">
-                <a14:hiddenLine xmlns:p14="http://schemas.microsoft.com/office/powerpoint/2010/main" xmlns:a14="http://schemas.microsoft.com/office/drawing/2010/main" xmlns:a16="http://schemas.microsoft.com/office/drawing/2014/main" xmlns="" w="9525">
+                <a14:hiddenLine xmlns="" xmlns:a16="http://schemas.microsoft.com/office/drawing/2014/main" xmlns:a14="http://schemas.microsoft.com/office/drawing/2010/main" xmlns:p14="http://schemas.microsoft.com/office/powerpoint/2010/main" w="9525">
                   <a:solidFill>
                     <a:srgbClr val="000000"/>
                   </a:solidFill>
@@ -18664,7 +18665,7 @@
             </a:ln>
             <a:extLst>
               <a:ext uri="{91240B29-F687-4f45-9708-019B960494DF}">
-                <a14:hiddenLine xmlns:p14="http://schemas.microsoft.com/office/powerpoint/2010/main" xmlns:a14="http://schemas.microsoft.com/office/drawing/2010/main" xmlns:a16="http://schemas.microsoft.com/office/drawing/2014/main" xmlns="" w="9525">
+                <a14:hiddenLine xmlns="" xmlns:a16="http://schemas.microsoft.com/office/drawing/2014/main" xmlns:a14="http://schemas.microsoft.com/office/drawing/2010/main" xmlns:p14="http://schemas.microsoft.com/office/powerpoint/2010/main" w="9525">
                   <a:solidFill>
                     <a:srgbClr val="000000"/>
                   </a:solidFill>
@@ -18769,7 +18770,7 @@
             </a:ln>
             <a:extLst>
               <a:ext uri="{91240B29-F687-4f45-9708-019B960494DF}">
-                <a14:hiddenLine xmlns:p14="http://schemas.microsoft.com/office/powerpoint/2010/main" xmlns:a14="http://schemas.microsoft.com/office/drawing/2010/main" xmlns:a16="http://schemas.microsoft.com/office/drawing/2014/main" xmlns="" w="9525">
+                <a14:hiddenLine xmlns="" xmlns:a16="http://schemas.microsoft.com/office/drawing/2014/main" xmlns:a14="http://schemas.microsoft.com/office/drawing/2010/main" xmlns:p14="http://schemas.microsoft.com/office/powerpoint/2010/main" w="9525">
                   <a:solidFill>
                     <a:srgbClr val="000000"/>
                   </a:solidFill>
@@ -18846,7 +18847,7 @@
             </a:ln>
             <a:extLst>
               <a:ext uri="{91240B29-F687-4f45-9708-019B960494DF}">
-                <a14:hiddenLine xmlns:p14="http://schemas.microsoft.com/office/powerpoint/2010/main" xmlns:a14="http://schemas.microsoft.com/office/drawing/2010/main" xmlns:a16="http://schemas.microsoft.com/office/drawing/2014/main" xmlns="" w="9525">
+                <a14:hiddenLine xmlns="" xmlns:a16="http://schemas.microsoft.com/office/drawing/2014/main" xmlns:a14="http://schemas.microsoft.com/office/drawing/2010/main" xmlns:p14="http://schemas.microsoft.com/office/powerpoint/2010/main" w="9525">
                   <a:solidFill>
                     <a:srgbClr val="000000"/>
                   </a:solidFill>
@@ -18923,7 +18924,7 @@
             </a:ln>
             <a:extLst>
               <a:ext uri="{91240B29-F687-4f45-9708-019B960494DF}">
-                <a14:hiddenLine xmlns:p14="http://schemas.microsoft.com/office/powerpoint/2010/main" xmlns:a14="http://schemas.microsoft.com/office/drawing/2010/main" xmlns:a16="http://schemas.microsoft.com/office/drawing/2014/main" xmlns="" w="9525">
+                <a14:hiddenLine xmlns="" xmlns:a16="http://schemas.microsoft.com/office/drawing/2014/main" xmlns:a14="http://schemas.microsoft.com/office/drawing/2010/main" xmlns:p14="http://schemas.microsoft.com/office/powerpoint/2010/main" w="9525">
                   <a:solidFill>
                     <a:srgbClr val="000000"/>
                   </a:solidFill>
@@ -19028,7 +19029,7 @@
             </a:ln>
             <a:extLst>
               <a:ext uri="{91240B29-F687-4f45-9708-019B960494DF}">
-                <a14:hiddenLine xmlns:p14="http://schemas.microsoft.com/office/powerpoint/2010/main" xmlns:a14="http://schemas.microsoft.com/office/drawing/2010/main" xmlns:a16="http://schemas.microsoft.com/office/drawing/2014/main" xmlns="" w="9525">
+                <a14:hiddenLine xmlns="" xmlns:a16="http://schemas.microsoft.com/office/drawing/2014/main" xmlns:a14="http://schemas.microsoft.com/office/drawing/2010/main" xmlns:p14="http://schemas.microsoft.com/office/powerpoint/2010/main" w="9525">
                   <a:solidFill>
                     <a:srgbClr val="000000"/>
                   </a:solidFill>
@@ -19111,7 +19112,7 @@
             </a:ln>
             <a:extLst>
               <a:ext uri="{91240B29-F687-4f45-9708-019B960494DF}">
-                <a14:hiddenLine xmlns:p14="http://schemas.microsoft.com/office/powerpoint/2010/main" xmlns:a14="http://schemas.microsoft.com/office/drawing/2010/main" xmlns:a16="http://schemas.microsoft.com/office/drawing/2014/main" xmlns="" w="9525">
+                <a14:hiddenLine xmlns="" xmlns:a16="http://schemas.microsoft.com/office/drawing/2014/main" xmlns:a14="http://schemas.microsoft.com/office/drawing/2010/main" xmlns:p14="http://schemas.microsoft.com/office/powerpoint/2010/main" w="9525">
                   <a:solidFill>
                     <a:srgbClr val="000000"/>
                   </a:solidFill>
@@ -19188,7 +19189,7 @@
             </a:ln>
             <a:extLst>
               <a:ext uri="{91240B29-F687-4f45-9708-019B960494DF}">
-                <a14:hiddenLine xmlns:p14="http://schemas.microsoft.com/office/powerpoint/2010/main" xmlns:a14="http://schemas.microsoft.com/office/drawing/2010/main" xmlns:a16="http://schemas.microsoft.com/office/drawing/2014/main" xmlns="" w="9525">
+                <a14:hiddenLine xmlns="" xmlns:a16="http://schemas.microsoft.com/office/drawing/2014/main" xmlns:a14="http://schemas.microsoft.com/office/drawing/2010/main" xmlns:p14="http://schemas.microsoft.com/office/powerpoint/2010/main" w="9525">
                   <a:solidFill>
                     <a:srgbClr val="000000"/>
                   </a:solidFill>
@@ -19293,7 +19294,7 @@
             </a:ln>
             <a:extLst>
               <a:ext uri="{91240B29-F687-4f45-9708-019B960494DF}">
-                <a14:hiddenLine xmlns:p14="http://schemas.microsoft.com/office/powerpoint/2010/main" xmlns:a14="http://schemas.microsoft.com/office/drawing/2010/main" xmlns:a16="http://schemas.microsoft.com/office/drawing/2014/main" xmlns="" w="9525">
+                <a14:hiddenLine xmlns="" xmlns:a16="http://schemas.microsoft.com/office/drawing/2014/main" xmlns:a14="http://schemas.microsoft.com/office/drawing/2010/main" xmlns:p14="http://schemas.microsoft.com/office/powerpoint/2010/main" w="9525">
                   <a:solidFill>
                     <a:srgbClr val="000000"/>
                   </a:solidFill>
@@ -19370,7 +19371,7 @@
             </a:ln>
             <a:extLst>
               <a:ext uri="{91240B29-F687-4f45-9708-019B960494DF}">
-                <a14:hiddenLine xmlns:p14="http://schemas.microsoft.com/office/powerpoint/2010/main" xmlns:a14="http://schemas.microsoft.com/office/drawing/2010/main" xmlns:a16="http://schemas.microsoft.com/office/drawing/2014/main" xmlns="" w="9525">
+                <a14:hiddenLine xmlns="" xmlns:a16="http://schemas.microsoft.com/office/drawing/2014/main" xmlns:a14="http://schemas.microsoft.com/office/drawing/2010/main" xmlns:p14="http://schemas.microsoft.com/office/powerpoint/2010/main" w="9525">
                   <a:solidFill>
                     <a:srgbClr val="000000"/>
                   </a:solidFill>
@@ -19475,7 +19476,7 @@
             </a:ln>
             <a:extLst>
               <a:ext uri="{91240B29-F687-4f45-9708-019B960494DF}">
-                <a14:hiddenLine xmlns:p14="http://schemas.microsoft.com/office/powerpoint/2010/main" xmlns:a14="http://schemas.microsoft.com/office/drawing/2010/main" xmlns:a16="http://schemas.microsoft.com/office/drawing/2014/main" xmlns="" w="9525">
+                <a14:hiddenLine xmlns="" xmlns:a16="http://schemas.microsoft.com/office/drawing/2014/main" xmlns:a14="http://schemas.microsoft.com/office/drawing/2010/main" xmlns:p14="http://schemas.microsoft.com/office/powerpoint/2010/main" w="9525">
                   <a:solidFill>
                     <a:srgbClr val="000000"/>
                   </a:solidFill>
@@ -19552,7 +19553,7 @@
             </a:ln>
             <a:extLst>
               <a:ext uri="{91240B29-F687-4f45-9708-019B960494DF}">
-                <a14:hiddenLine xmlns:p14="http://schemas.microsoft.com/office/powerpoint/2010/main" xmlns:a14="http://schemas.microsoft.com/office/drawing/2010/main" xmlns:a16="http://schemas.microsoft.com/office/drawing/2014/main" xmlns="" w="9525">
+                <a14:hiddenLine xmlns="" xmlns:a16="http://schemas.microsoft.com/office/drawing/2014/main" xmlns:a14="http://schemas.microsoft.com/office/drawing/2010/main" xmlns:p14="http://schemas.microsoft.com/office/powerpoint/2010/main" w="9525">
                   <a:solidFill>
                     <a:srgbClr val="000000"/>
                   </a:solidFill>
@@ -19657,7 +19658,7 @@
             </a:ln>
             <a:extLst>
               <a:ext uri="{91240B29-F687-4f45-9708-019B960494DF}">
-                <a14:hiddenLine xmlns:p14="http://schemas.microsoft.com/office/powerpoint/2010/main" xmlns:a14="http://schemas.microsoft.com/office/drawing/2010/main" xmlns:a16="http://schemas.microsoft.com/office/drawing/2014/main" xmlns="" w="9525">
+                <a14:hiddenLine xmlns="" xmlns:a16="http://schemas.microsoft.com/office/drawing/2014/main" xmlns:a14="http://schemas.microsoft.com/office/drawing/2010/main" xmlns:p14="http://schemas.microsoft.com/office/powerpoint/2010/main" w="9525">
                   <a:solidFill>
                     <a:srgbClr val="000000"/>
                   </a:solidFill>
@@ -19706,7 +19707,7 @@
             </a:ln>
             <a:extLst>
               <a:ext uri="{91240B29-F687-4f45-9708-019B960494DF}">
-                <a14:hiddenLine xmlns:p14="http://schemas.microsoft.com/office/powerpoint/2010/main" xmlns:a14="http://schemas.microsoft.com/office/drawing/2010/main" xmlns:a16="http://schemas.microsoft.com/office/drawing/2014/main" xmlns="" w="9525">
+                <a14:hiddenLine xmlns="" xmlns:a16="http://schemas.microsoft.com/office/drawing/2014/main" xmlns:a14="http://schemas.microsoft.com/office/drawing/2010/main" xmlns:p14="http://schemas.microsoft.com/office/powerpoint/2010/main" w="9525">
                   <a:solidFill>
                     <a:srgbClr val="000000"/>
                   </a:solidFill>
@@ -19786,7 +19787,7 @@
             </a:ln>
             <a:extLst>
               <a:ext uri="{91240B29-F687-4f45-9708-019B960494DF}">
-                <a14:hiddenLine xmlns:p14="http://schemas.microsoft.com/office/powerpoint/2010/main" xmlns:a14="http://schemas.microsoft.com/office/drawing/2010/main" xmlns:a16="http://schemas.microsoft.com/office/drawing/2014/main" xmlns="" w="9525">
+                <a14:hiddenLine xmlns="" xmlns:a16="http://schemas.microsoft.com/office/drawing/2014/main" xmlns:a14="http://schemas.microsoft.com/office/drawing/2010/main" xmlns:p14="http://schemas.microsoft.com/office/powerpoint/2010/main" w="9525">
                   <a:solidFill>
                     <a:srgbClr val="000000"/>
                   </a:solidFill>
@@ -19891,7 +19892,7 @@
             </a:ln>
             <a:extLst>
               <a:ext uri="{91240B29-F687-4f45-9708-019B960494DF}">
-                <a14:hiddenLine xmlns:p14="http://schemas.microsoft.com/office/powerpoint/2010/main" xmlns:a14="http://schemas.microsoft.com/office/drawing/2010/main" xmlns:a16="http://schemas.microsoft.com/office/drawing/2014/main" xmlns="" w="9525">
+                <a14:hiddenLine xmlns="" xmlns:a16="http://schemas.microsoft.com/office/drawing/2014/main" xmlns:a14="http://schemas.microsoft.com/office/drawing/2010/main" xmlns:p14="http://schemas.microsoft.com/office/powerpoint/2010/main" w="9525">
                   <a:solidFill>
                     <a:srgbClr val="000000"/>
                   </a:solidFill>
@@ -19968,7 +19969,7 @@
             </a:ln>
             <a:extLst>
               <a:ext uri="{91240B29-F687-4f45-9708-019B960494DF}">
-                <a14:hiddenLine xmlns:p14="http://schemas.microsoft.com/office/powerpoint/2010/main" xmlns:a14="http://schemas.microsoft.com/office/drawing/2010/main" xmlns:a16="http://schemas.microsoft.com/office/drawing/2014/main" xmlns="" w="9525">
+                <a14:hiddenLine xmlns="" xmlns:a16="http://schemas.microsoft.com/office/drawing/2014/main" xmlns:a14="http://schemas.microsoft.com/office/drawing/2010/main" xmlns:p14="http://schemas.microsoft.com/office/powerpoint/2010/main" w="9525">
                   <a:solidFill>
                     <a:srgbClr val="000000"/>
                   </a:solidFill>
@@ -20073,7 +20074,7 @@
             </a:ln>
             <a:extLst>
               <a:ext uri="{91240B29-F687-4f45-9708-019B960494DF}">
-                <a14:hiddenLine xmlns:p14="http://schemas.microsoft.com/office/powerpoint/2010/main" xmlns:a14="http://schemas.microsoft.com/office/drawing/2010/main" xmlns:a16="http://schemas.microsoft.com/office/drawing/2014/main" xmlns="" w="9525">
+                <a14:hiddenLine xmlns="" xmlns:a16="http://schemas.microsoft.com/office/drawing/2014/main" xmlns:a14="http://schemas.microsoft.com/office/drawing/2010/main" xmlns:p14="http://schemas.microsoft.com/office/powerpoint/2010/main" w="9525">
                   <a:solidFill>
                     <a:srgbClr val="000000"/>
                   </a:solidFill>
@@ -20178,7 +20179,7 @@
             </a:ln>
             <a:extLst>
               <a:ext uri="{91240B29-F687-4f45-9708-019B960494DF}">
-                <a14:hiddenLine xmlns:p14="http://schemas.microsoft.com/office/powerpoint/2010/main" xmlns:a14="http://schemas.microsoft.com/office/drawing/2010/main" xmlns:a16="http://schemas.microsoft.com/office/drawing/2014/main" xmlns="" w="9525">
+                <a14:hiddenLine xmlns="" xmlns:a16="http://schemas.microsoft.com/office/drawing/2014/main" xmlns:a14="http://schemas.microsoft.com/office/drawing/2010/main" xmlns:p14="http://schemas.microsoft.com/office/powerpoint/2010/main" w="9525">
                   <a:solidFill>
                     <a:srgbClr val="000000"/>
                   </a:solidFill>
@@ -20258,7 +20259,7 @@
             </a:ln>
             <a:extLst>
               <a:ext uri="{91240B29-F687-4f45-9708-019B960494DF}">
-                <a14:hiddenLine xmlns:p14="http://schemas.microsoft.com/office/powerpoint/2010/main" xmlns:a14="http://schemas.microsoft.com/office/drawing/2010/main" xmlns:a16="http://schemas.microsoft.com/office/drawing/2014/main" xmlns="" w="9525">
+                <a14:hiddenLine xmlns="" xmlns:a16="http://schemas.microsoft.com/office/drawing/2014/main" xmlns:a14="http://schemas.microsoft.com/office/drawing/2010/main" xmlns:p14="http://schemas.microsoft.com/office/powerpoint/2010/main" w="9525">
                   <a:solidFill>
                     <a:srgbClr val="000000"/>
                   </a:solidFill>
@@ -20335,7 +20336,7 @@
             </a:ln>
             <a:extLst>
               <a:ext uri="{91240B29-F687-4f45-9708-019B960494DF}">
-                <a14:hiddenLine xmlns:p14="http://schemas.microsoft.com/office/powerpoint/2010/main" xmlns:a14="http://schemas.microsoft.com/office/drawing/2010/main" xmlns:a16="http://schemas.microsoft.com/office/drawing/2014/main" xmlns="" w="9525">
+                <a14:hiddenLine xmlns="" xmlns:a16="http://schemas.microsoft.com/office/drawing/2014/main" xmlns:a14="http://schemas.microsoft.com/office/drawing/2010/main" xmlns:p14="http://schemas.microsoft.com/office/powerpoint/2010/main" w="9525">
                   <a:solidFill>
                     <a:srgbClr val="000000"/>
                   </a:solidFill>
@@ -20440,7 +20441,7 @@
             </a:ln>
             <a:extLst>
               <a:ext uri="{91240B29-F687-4f45-9708-019B960494DF}">
-                <a14:hiddenLine xmlns:p14="http://schemas.microsoft.com/office/powerpoint/2010/main" xmlns:a14="http://schemas.microsoft.com/office/drawing/2010/main" xmlns:a16="http://schemas.microsoft.com/office/drawing/2014/main" xmlns="" w="9525">
+                <a14:hiddenLine xmlns="" xmlns:a16="http://schemas.microsoft.com/office/drawing/2014/main" xmlns:a14="http://schemas.microsoft.com/office/drawing/2010/main" xmlns:p14="http://schemas.microsoft.com/office/powerpoint/2010/main" w="9525">
                   <a:solidFill>
                     <a:srgbClr val="000000"/>
                   </a:solidFill>
@@ -20545,7 +20546,7 @@
             </a:ln>
             <a:extLst>
               <a:ext uri="{91240B29-F687-4f45-9708-019B960494DF}">
-                <a14:hiddenLine xmlns:p14="http://schemas.microsoft.com/office/powerpoint/2010/main" xmlns:a14="http://schemas.microsoft.com/office/drawing/2010/main" xmlns:a16="http://schemas.microsoft.com/office/drawing/2014/main" xmlns="" w="9525">
+                <a14:hiddenLine xmlns="" xmlns:a16="http://schemas.microsoft.com/office/drawing/2014/main" xmlns:a14="http://schemas.microsoft.com/office/drawing/2010/main" xmlns:p14="http://schemas.microsoft.com/office/powerpoint/2010/main" w="9525">
                   <a:solidFill>
                     <a:srgbClr val="000000"/>
                   </a:solidFill>
@@ -20622,7 +20623,7 @@
             </a:ln>
             <a:extLst>
               <a:ext uri="{91240B29-F687-4f45-9708-019B960494DF}">
-                <a14:hiddenLine xmlns:p14="http://schemas.microsoft.com/office/powerpoint/2010/main" xmlns:a14="http://schemas.microsoft.com/office/drawing/2010/main" xmlns:a16="http://schemas.microsoft.com/office/drawing/2014/main" xmlns="" w="9525">
+                <a14:hiddenLine xmlns="" xmlns:a16="http://schemas.microsoft.com/office/drawing/2014/main" xmlns:a14="http://schemas.microsoft.com/office/drawing/2010/main" xmlns:p14="http://schemas.microsoft.com/office/powerpoint/2010/main" w="9525">
                   <a:solidFill>
                     <a:srgbClr val="000000"/>
                   </a:solidFill>
@@ -20757,7 +20758,7 @@
             </a:ln>
             <a:extLst>
               <a:ext uri="{91240B29-F687-4f45-9708-019B960494DF}">
-                <a14:hiddenLine xmlns:p14="http://schemas.microsoft.com/office/powerpoint/2010/main" xmlns:a14="http://schemas.microsoft.com/office/drawing/2010/main" xmlns:a16="http://schemas.microsoft.com/office/drawing/2014/main" xmlns="" w="9525">
+                <a14:hiddenLine xmlns="" xmlns:a16="http://schemas.microsoft.com/office/drawing/2014/main" xmlns:a14="http://schemas.microsoft.com/office/drawing/2010/main" xmlns:p14="http://schemas.microsoft.com/office/powerpoint/2010/main" w="9525">
                   <a:solidFill>
                     <a:srgbClr val="000000"/>
                   </a:solidFill>
@@ -20840,7 +20841,7 @@
             </a:ln>
             <a:extLst>
               <a:ext uri="{91240B29-F687-4f45-9708-019B960494DF}">
-                <a14:hiddenLine xmlns:p14="http://schemas.microsoft.com/office/powerpoint/2010/main" xmlns:a14="http://schemas.microsoft.com/office/drawing/2010/main" xmlns:a16="http://schemas.microsoft.com/office/drawing/2014/main" xmlns="" w="9525">
+                <a14:hiddenLine xmlns="" xmlns:a16="http://schemas.microsoft.com/office/drawing/2014/main" xmlns:a14="http://schemas.microsoft.com/office/drawing/2010/main" xmlns:p14="http://schemas.microsoft.com/office/powerpoint/2010/main" w="9525">
                   <a:solidFill>
                     <a:srgbClr val="000000"/>
                   </a:solidFill>
@@ -20945,7 +20946,7 @@
             </a:ln>
             <a:extLst>
               <a:ext uri="{91240B29-F687-4f45-9708-019B960494DF}">
-                <a14:hiddenLine xmlns:p14="http://schemas.microsoft.com/office/powerpoint/2010/main" xmlns:a14="http://schemas.microsoft.com/office/drawing/2010/main" xmlns:a16="http://schemas.microsoft.com/office/drawing/2014/main" xmlns="" w="9525">
+                <a14:hiddenLine xmlns="" xmlns:a16="http://schemas.microsoft.com/office/drawing/2014/main" xmlns:a14="http://schemas.microsoft.com/office/drawing/2010/main" xmlns:p14="http://schemas.microsoft.com/office/powerpoint/2010/main" w="9525">
                   <a:solidFill>
                     <a:srgbClr val="000000"/>
                   </a:solidFill>
@@ -24865,6 +24866,175 @@
           <p:cNvPr id="2" name="Title 1">
             <a:extLst>
               <a:ext uri="{FF2B5EF4-FFF2-40B4-BE49-F238E27FC236}">
+                <a16:creationId xmlns:a16="http://schemas.microsoft.com/office/drawing/2014/main" id="{208B3ECD-8FEC-472A-A48B-26020A72A7A4}"/>
+              </a:ext>
+            </a:extLst>
+          </p:cNvPr>
+          <p:cNvSpPr>
+            <a:spLocks noGrp="1"/>
+          </p:cNvSpPr>
+          <p:nvPr>
+            <p:ph type="title"/>
+          </p:nvPr>
+        </p:nvSpPr>
+        <p:spPr/>
+        <p:txBody>
+          <a:bodyPr/>
+          <a:lstStyle/>
+          <a:p>
+            <a:r>
+              <a:rPr lang="en-US" dirty="0" err="1"/>
+              <a:t>Lustre</a:t>
+            </a:r>
+            <a:r>
+              <a:rPr lang="en-US" dirty="0"/>
+              <a:t> job stats</a:t>
+            </a:r>
+          </a:p>
+        </p:txBody>
+      </p:sp>
+      <p:sp>
+        <p:nvSpPr>
+          <p:cNvPr id="3" name="Content Placeholder 2">
+            <a:extLst>
+              <a:ext uri="{FF2B5EF4-FFF2-40B4-BE49-F238E27FC236}">
+                <a16:creationId xmlns:a16="http://schemas.microsoft.com/office/drawing/2014/main" id="{C975895F-40DA-424F-BE36-DA7FC5395A24}"/>
+              </a:ext>
+            </a:extLst>
+          </p:cNvPr>
+          <p:cNvSpPr>
+            <a:spLocks noGrp="1"/>
+          </p:cNvSpPr>
+          <p:nvPr>
+            <p:ph idx="1"/>
+          </p:nvPr>
+        </p:nvSpPr>
+        <p:spPr/>
+        <p:txBody>
+          <a:bodyPr/>
+          <a:lstStyle/>
+          <a:p>
+            <a:r>
+              <a:rPr lang="en-US" dirty="0"/>
+              <a:t>Collects Remote Procedure Calls made during job time</a:t>
+            </a:r>
+          </a:p>
+          <a:p>
+            <a:r>
+              <a:rPr lang="en-US" dirty="0"/>
+              <a:t>Collects information regarding read sizes, and number of RPCs</a:t>
+            </a:r>
+          </a:p>
+          <a:p>
+            <a:r>
+              <a:rPr lang="en-US" dirty="0"/>
+              <a:t>Our system does not appear to be bound by block or stripe size for reads</a:t>
+            </a:r>
+          </a:p>
+          <a:p>
+            <a:r>
+              <a:rPr lang="en-US" dirty="0" err="1"/>
+              <a:t>Squashfs</a:t>
+            </a:r>
+            <a:r>
+              <a:rPr lang="en-US" dirty="0"/>
+              <a:t> Kernel was not checked with </a:t>
+            </a:r>
+            <a:r>
+              <a:rPr lang="en-US" dirty="0" err="1"/>
+              <a:t>Lustre</a:t>
+            </a:r>
+            <a:r>
+              <a:rPr lang="en-US" dirty="0"/>
+              <a:t> stats</a:t>
+            </a:r>
+          </a:p>
+          <a:p>
+            <a:pPr lvl="1"/>
+            <a:r>
+              <a:rPr lang="en-US" dirty="0"/>
+              <a:t>Can’t confirm kernel mounted </a:t>
+            </a:r>
+            <a:r>
+              <a:rPr lang="en-US" dirty="0" err="1"/>
+              <a:t>squashfs</a:t>
+            </a:r>
+            <a:r>
+              <a:rPr lang="en-US" dirty="0"/>
+              <a:t> is even making RPCs to </a:t>
+            </a:r>
+            <a:r>
+              <a:rPr lang="en-US" dirty="0" err="1"/>
+              <a:t>Lustre</a:t>
+            </a:r>
+            <a:endParaRPr lang="en-US" dirty="0"/>
+          </a:p>
+        </p:txBody>
+      </p:sp>
+      <p:sp>
+        <p:nvSpPr>
+          <p:cNvPr id="4" name="Slide Number Placeholder 3">
+            <a:extLst>
+              <a:ext uri="{FF2B5EF4-FFF2-40B4-BE49-F238E27FC236}">
+                <a16:creationId xmlns:a16="http://schemas.microsoft.com/office/drawing/2014/main" id="{80EA1ECC-6980-4262-B15C-69E3942A4068}"/>
+              </a:ext>
+            </a:extLst>
+          </p:cNvPr>
+          <p:cNvSpPr>
+            <a:spLocks noGrp="1"/>
+          </p:cNvSpPr>
+          <p:nvPr>
+            <p:ph type="sldNum" sz="quarter" idx="12"/>
+          </p:nvPr>
+        </p:nvSpPr>
+        <p:spPr/>
+        <p:txBody>
+          <a:bodyPr/>
+          <a:lstStyle/>
+          <a:p>
+            <a:fld id="{6D22F896-40B5-4ADD-8801-0D06FADFA095}" type="slidenum">
+              <a:rPr lang="en-US" smtClean="0"/>
+              <a:t>34</a:t>
+            </a:fld>
+            <a:endParaRPr lang="en-US" dirty="0"/>
+          </a:p>
+        </p:txBody>
+      </p:sp>
+    </p:spTree>
+    <p:extLst>
+      <p:ext uri="{BB962C8B-B14F-4D97-AF65-F5344CB8AC3E}">
+        <p14:creationId xmlns:p14="http://schemas.microsoft.com/office/powerpoint/2010/main" val="4269679704"/>
+      </p:ext>
+    </p:extLst>
+  </p:cSld>
+  <p:clrMapOvr>
+    <a:masterClrMapping/>
+  </p:clrMapOvr>
+</p:sld>
+</file>
+
+<file path=ppt/slides/slide35.xml><?xml version="1.0" encoding="utf-8"?>
+<p:sld xmlns:a="http://schemas.openxmlformats.org/drawingml/2006/main" xmlns:r="http://schemas.openxmlformats.org/officeDocument/2006/relationships" xmlns:p="http://schemas.openxmlformats.org/presentationml/2006/main">
+  <p:cSld>
+    <p:spTree>
+      <p:nvGrpSpPr>
+        <p:cNvPr id="1" name=""/>
+        <p:cNvGrpSpPr/>
+        <p:nvPr/>
+      </p:nvGrpSpPr>
+      <p:grpSpPr>
+        <a:xfrm>
+          <a:off x="0" y="0"/>
+          <a:ext cx="0" cy="0"/>
+          <a:chOff x="0" y="0"/>
+          <a:chExt cx="0" cy="0"/>
+        </a:xfrm>
+      </p:grpSpPr>
+      <p:sp>
+        <p:nvSpPr>
+          <p:cNvPr id="2" name="Title 1">
+            <a:extLst>
+              <a:ext uri="{FF2B5EF4-FFF2-40B4-BE49-F238E27FC236}">
                 <a16:creationId xmlns:a16="http://schemas.microsoft.com/office/drawing/2014/main" id="{62543C63-99F8-493C-B6D7-32BC35AA3CCD}"/>
               </a:ext>
             </a:extLst>
@@ -24957,7 +25127,7 @@
           <a:p>
             <a:fld id="{6D22F896-40B5-4ADD-8801-0D06FADFA095}" type="slidenum">
               <a:rPr lang="en-US" smtClean="0"/>
-              <a:t>34</a:t>
+              <a:t>35</a:t>
             </a:fld>
             <a:endParaRPr lang="en-US" dirty="0"/>
           </a:p>
@@ -25011,7 +25181,7 @@
 </p:sld>
 </file>
 
-<file path=ppt/slides/slide35.xml><?xml version="1.0" encoding="utf-8"?>
+<file path=ppt/slides/slide36.xml><?xml version="1.0" encoding="utf-8"?>
 <p:sld xmlns:a="http://schemas.openxmlformats.org/drawingml/2006/main" xmlns:r="http://schemas.openxmlformats.org/officeDocument/2006/relationships" xmlns:p="http://schemas.openxmlformats.org/presentationml/2006/main">
   <p:cSld>
     <p:spTree>
@@ -25104,7 +25274,7 @@
           <a:p>
             <a:fld id="{6D22F896-40B5-4ADD-8801-0D06FADFA095}" type="slidenum">
               <a:rPr lang="en-US" smtClean="0"/>
-              <a:t>35</a:t>
+              <a:t>36</a:t>
             </a:fld>
             <a:endParaRPr lang="en-US" dirty="0"/>
           </a:p>

--- a/presentation.pptx
+++ b/presentation.pptx
@@ -250,7 +250,7 @@
           <a:p>
             <a:fld id="{027B0511-7C57-A649-9B1E-F6B4AF548419}" type="datetimeFigureOut">
               <a:rPr lang="en-US" smtClean="0"/>
-              <a:t>5/8/2019</a:t>
+              <a:t>5/16/2019</a:t>
             </a:fld>
             <a:endParaRPr lang="en-US"/>
           </a:p>
@@ -431,7 +431,7 @@
           <a:p>
             <a:fld id="{635D235B-18E0-FD4C-BFE6-71E332FE9977}" type="datetimeFigureOut">
               <a:rPr lang="en-US" smtClean="0"/>
-              <a:t>5/8/2019</a:t>
+              <a:t>5/16/2019</a:t>
             </a:fld>
             <a:endParaRPr lang="en-US"/>
           </a:p>
@@ -4981,7 +4981,7 @@
           <a:p>
             <a:fld id="{F2013DA0-1F4F-AB4D-BDD1-D00A0674F0E1}" type="datetime1">
               <a:rPr lang="en-US" smtClean="0"/>
-              <a:t>5/8/2019</a:t>
+              <a:t>5/16/2019</a:t>
             </a:fld>
             <a:endParaRPr lang="en-US" dirty="0"/>
           </a:p>
@@ -5247,7 +5247,7 @@
           <a:p>
             <a:fld id="{FB6A594E-BB04-5041-B9AF-1A359F91900A}" type="datetime1">
               <a:rPr lang="en-US" smtClean="0"/>
-              <a:t>5/8/2019</a:t>
+              <a:t>5/16/2019</a:t>
             </a:fld>
             <a:endParaRPr lang="en-US" dirty="0"/>
           </a:p>
@@ -5442,7 +5442,7 @@
           <a:p>
             <a:fld id="{52B70790-91F6-B745-84FF-98CA15555DC1}" type="datetime1">
               <a:rPr lang="en-US" smtClean="0"/>
-              <a:t>5/8/2019</a:t>
+              <a:t>5/16/2019</a:t>
             </a:fld>
             <a:endParaRPr lang="en-US" dirty="0"/>
           </a:p>
@@ -5704,7 +5704,7 @@
           <a:p>
             <a:fld id="{F67B41FC-EE4D-1D4D-9D95-4C287B4BD557}" type="datetime1">
               <a:rPr lang="en-US" smtClean="0"/>
-              <a:t>5/8/2019</a:t>
+              <a:t>5/16/2019</a:t>
             </a:fld>
             <a:endParaRPr lang="en-US" dirty="0"/>
           </a:p>
@@ -6137,7 +6137,7 @@
           <a:p>
             <a:fld id="{446FDBA9-3225-2C4C-B87B-E94789D4F2B1}" type="datetime1">
               <a:rPr lang="en-US" smtClean="0"/>
-              <a:t>5/8/2019</a:t>
+              <a:t>5/16/2019</a:t>
             </a:fld>
             <a:endParaRPr lang="en-US" dirty="0"/>
           </a:p>
@@ -6682,7 +6682,7 @@
           <a:p>
             <a:fld id="{4D426049-FF26-5F4F-826B-996E868A97EA}" type="datetime1">
               <a:rPr lang="en-US" smtClean="0"/>
-              <a:t>5/8/2019</a:t>
+              <a:t>5/16/2019</a:t>
             </a:fld>
             <a:endParaRPr lang="en-US" dirty="0"/>
           </a:p>
@@ -7401,7 +7401,7 @@
           <a:p>
             <a:fld id="{A12434B6-EDE0-B54B-AE80-56F81890B1C7}" type="datetime1">
               <a:rPr lang="en-US" smtClean="0"/>
-              <a:t>5/8/2019</a:t>
+              <a:t>5/16/2019</a:t>
             </a:fld>
             <a:endParaRPr lang="en-US" dirty="0"/>
           </a:p>
@@ -7570,7 +7570,7 @@
           <a:p>
             <a:fld id="{7C4A1F5E-E4E7-A14C-813C-DFA3BD6A4F00}" type="datetime1">
               <a:rPr lang="en-US" smtClean="0"/>
-              <a:t>5/8/2019</a:t>
+              <a:t>5/16/2019</a:t>
             </a:fld>
             <a:endParaRPr lang="en-US" dirty="0"/>
           </a:p>
@@ -7749,7 +7749,7 @@
           <a:p>
             <a:fld id="{2E7F1859-941F-6744-BC8A-698E2276CA4C}" type="datetime1">
               <a:rPr lang="en-US" smtClean="0"/>
-              <a:t>5/8/2019</a:t>
+              <a:t>5/16/2019</a:t>
             </a:fld>
             <a:endParaRPr lang="en-US" dirty="0"/>
           </a:p>
@@ -7918,7 +7918,7 @@
           <a:p>
             <a:fld id="{9DF3990C-9F6D-584A-95AA-C4DFD7FAB688}" type="datetime1">
               <a:rPr lang="en-US" smtClean="0"/>
-              <a:t>5/8/2019</a:t>
+              <a:t>5/16/2019</a:t>
             </a:fld>
             <a:endParaRPr lang="en-US" dirty="0"/>
           </a:p>
@@ -8167,7 +8167,7 @@
           <a:p>
             <a:fld id="{1773896B-B81B-5745-90A3-26E1F133B736}" type="datetime1">
               <a:rPr lang="en-US" smtClean="0"/>
-              <a:t>5/8/2019</a:t>
+              <a:t>5/16/2019</a:t>
             </a:fld>
             <a:endParaRPr lang="en-US" dirty="0"/>
           </a:p>
@@ -8398,7 +8398,7 @@
           <a:p>
             <a:fld id="{71993FAB-8060-E34E-A4FB-098198F777C3}" type="datetime1">
               <a:rPr lang="en-US" smtClean="0"/>
-              <a:t>5/8/2019</a:t>
+              <a:t>5/16/2019</a:t>
             </a:fld>
             <a:endParaRPr lang="en-US" dirty="0"/>
           </a:p>
@@ -8778,7 +8778,7 @@
           <a:p>
             <a:fld id="{3FC7D512-CDF9-2748-AB7C-5397C44DBDA2}" type="datetime1">
               <a:rPr lang="en-US" smtClean="0"/>
-              <a:t>5/8/2019</a:t>
+              <a:t>5/16/2019</a:t>
             </a:fld>
             <a:endParaRPr lang="en-US" dirty="0"/>
           </a:p>
@@ -8895,7 +8895,7 @@
           <a:p>
             <a:fld id="{33E0F903-F539-8643-B1F3-3D5A6FD64199}" type="datetime1">
               <a:rPr lang="en-US" smtClean="0"/>
-              <a:t>5/8/2019</a:t>
+              <a:t>5/16/2019</a:t>
             </a:fld>
             <a:endParaRPr lang="en-US" dirty="0"/>
           </a:p>
@@ -8989,7 +8989,7 @@
           <a:p>
             <a:fld id="{4B40FFB0-8061-D541-B15B-C4FFEBA5E29D}" type="datetime1">
               <a:rPr lang="en-US" smtClean="0"/>
-              <a:t>5/8/2019</a:t>
+              <a:t>5/16/2019</a:t>
             </a:fld>
             <a:endParaRPr lang="en-US" dirty="0"/>
           </a:p>
@@ -9237,7 +9237,7 @@
           <a:p>
             <a:fld id="{A5AFF6FA-B649-9849-BB6E-38175908BD1A}" type="datetime1">
               <a:rPr lang="en-US" smtClean="0"/>
-              <a:t>5/8/2019</a:t>
+              <a:t>5/16/2019</a:t>
             </a:fld>
             <a:endParaRPr lang="en-US" dirty="0"/>
           </a:p>
@@ -9516,7 +9516,7 @@
           <a:p>
             <a:fld id="{8B43E1AE-3C9F-1345-862B-C4968DED54CF}" type="datetime1">
               <a:rPr lang="en-US" smtClean="0"/>
-              <a:t>5/8/2019</a:t>
+              <a:t>5/16/2019</a:t>
             </a:fld>
             <a:endParaRPr lang="en-US" dirty="0"/>
           </a:p>
@@ -12582,7 +12582,7 @@
           <a:p>
             <a:fld id="{2C8EFD19-4979-9245-B20B-91CE25B8D0D8}" type="datetime1">
               <a:rPr lang="en-US" smtClean="0"/>
-              <a:t>5/8/2019</a:t>
+              <a:t>5/16/2019</a:t>
             </a:fld>
             <a:endParaRPr lang="en-US" dirty="0"/>
           </a:p>
@@ -25853,20 +25853,7 @@
           <a:p>
             <a:r>
               <a:rPr lang="en-US" dirty="0"/>
-              <a:t>Uses Linux name spaces to separate resources instead of a hypervisor</a:t>
-            </a:r>
-          </a:p>
-          <a:p>
-            <a:r>
-              <a:rPr lang="en-US" dirty="0"/>
-              <a:t>Shares operating system kernel with the host</a:t>
-            </a:r>
-          </a:p>
-          <a:p>
-            <a:pPr lvl="1"/>
-            <a:r>
-              <a:rPr lang="en-US" dirty="0"/>
-              <a:t>Can directly access special hardware with proper configuration (</a:t>
+              <a:t>Uses Linux name spaces to separate resources instead of a hypervisor (</a:t>
             </a:r>
             <a:r>
               <a:rPr lang="en-US" dirty="0" err="1"/>
@@ -25886,9 +25873,38 @@
             </a:r>
           </a:p>
           <a:p>
+            <a:r>
+              <a:rPr lang="en-US" dirty="0"/>
+              <a:t>Shares operating system kernel with the host</a:t>
+            </a:r>
+          </a:p>
+          <a:p>
             <a:pPr lvl="1"/>
             <a:r>
               <a:rPr lang="en-US" dirty="0"/>
+              <a:t>Can directly access special hardware with proper configuration (</a:t>
+            </a:r>
+            <a:r>
+              <a:rPr lang="en-US" dirty="0" err="1"/>
+              <a:t>Priedhorsky</a:t>
+            </a:r>
+            <a:r>
+              <a:rPr lang="en-US" dirty="0"/>
+              <a:t> &amp; </a:t>
+            </a:r>
+            <a:r>
+              <a:rPr lang="en-US" dirty="0" err="1"/>
+              <a:t>Randles</a:t>
+            </a:r>
+            <a:r>
+              <a:rPr lang="en-US" dirty="0"/>
+              <a:t>, 2017)</a:t>
+            </a:r>
+          </a:p>
+          <a:p>
+            <a:pPr lvl="1"/>
+            <a:r>
+              <a:rPr lang="en-US" dirty="0"/>
               <a:t>Smaller than virtual machines (Jacobsen &amp; Canon, 2015)</a:t>
             </a:r>
           </a:p>
@@ -25896,13 +25912,13 @@
             <a:pPr lvl="1"/>
             <a:r>
               <a:rPr lang="en-US" dirty="0"/>
-              <a:t>More risk to the host (Jacobsen &amp; Canon, 2015)</a:t>
-            </a:r>
-          </a:p>
-          <a:p>
-            <a:r>
-              <a:rPr lang="en-US" dirty="0"/>
-              <a:t>Lower overhead not having to start an entire operating system (Jacobsen &amp; Canon, 2015)</a:t>
+              <a:t>Can pose more risk to the host system, but can be mitigated (Jacobsen &amp; Canon, 2015)</a:t>
+            </a:r>
+          </a:p>
+          <a:p>
+            <a:r>
+              <a:rPr lang="en-US" dirty="0"/>
+              <a:t>Lower overhead than virtual machines(Jacobsen &amp; Canon, 2015)</a:t>
             </a:r>
           </a:p>
         </p:txBody>
